--- a/17_RobotDelta2D/Images/Figures2.pptx
+++ b/17_RobotDelta2D/Images/Figures2.pptx
@@ -272,7 +272,7 @@
           <a:p>
             <a:fld id="{E89B7495-721A-440C-B815-4617627ED71C}" type="datetimeFigureOut">
               <a:rPr lang="fr-FR" smtClean="0"/>
-              <a:t>17/10/2023</a:t>
+              <a:t>19/10/2023</a:t>
             </a:fld>
             <a:endParaRPr lang="fr-FR"/>
           </a:p>
@@ -470,7 +470,7 @@
           <a:p>
             <a:fld id="{E89B7495-721A-440C-B815-4617627ED71C}" type="datetimeFigureOut">
               <a:rPr lang="fr-FR" smtClean="0"/>
-              <a:t>17/10/2023</a:t>
+              <a:t>19/10/2023</a:t>
             </a:fld>
             <a:endParaRPr lang="fr-FR"/>
           </a:p>
@@ -678,7 +678,7 @@
           <a:p>
             <a:fld id="{E89B7495-721A-440C-B815-4617627ED71C}" type="datetimeFigureOut">
               <a:rPr lang="fr-FR" smtClean="0"/>
-              <a:t>17/10/2023</a:t>
+              <a:t>19/10/2023</a:t>
             </a:fld>
             <a:endParaRPr lang="fr-FR"/>
           </a:p>
@@ -876,7 +876,7 @@
           <a:p>
             <a:fld id="{E89B7495-721A-440C-B815-4617627ED71C}" type="datetimeFigureOut">
               <a:rPr lang="fr-FR" smtClean="0"/>
-              <a:t>17/10/2023</a:t>
+              <a:t>19/10/2023</a:t>
             </a:fld>
             <a:endParaRPr lang="fr-FR"/>
           </a:p>
@@ -1151,7 +1151,7 @@
           <a:p>
             <a:fld id="{E89B7495-721A-440C-B815-4617627ED71C}" type="datetimeFigureOut">
               <a:rPr lang="fr-FR" smtClean="0"/>
-              <a:t>17/10/2023</a:t>
+              <a:t>19/10/2023</a:t>
             </a:fld>
             <a:endParaRPr lang="fr-FR"/>
           </a:p>
@@ -1416,7 +1416,7 @@
           <a:p>
             <a:fld id="{E89B7495-721A-440C-B815-4617627ED71C}" type="datetimeFigureOut">
               <a:rPr lang="fr-FR" smtClean="0"/>
-              <a:t>17/10/2023</a:t>
+              <a:t>19/10/2023</a:t>
             </a:fld>
             <a:endParaRPr lang="fr-FR"/>
           </a:p>
@@ -1828,7 +1828,7 @@
           <a:p>
             <a:fld id="{E89B7495-721A-440C-B815-4617627ED71C}" type="datetimeFigureOut">
               <a:rPr lang="fr-FR" smtClean="0"/>
-              <a:t>17/10/2023</a:t>
+              <a:t>19/10/2023</a:t>
             </a:fld>
             <a:endParaRPr lang="fr-FR"/>
           </a:p>
@@ -1969,7 +1969,7 @@
           <a:p>
             <a:fld id="{E89B7495-721A-440C-B815-4617627ED71C}" type="datetimeFigureOut">
               <a:rPr lang="fr-FR" smtClean="0"/>
-              <a:t>17/10/2023</a:t>
+              <a:t>19/10/2023</a:t>
             </a:fld>
             <a:endParaRPr lang="fr-FR"/>
           </a:p>
@@ -2082,7 +2082,7 @@
           <a:p>
             <a:fld id="{E89B7495-721A-440C-B815-4617627ED71C}" type="datetimeFigureOut">
               <a:rPr lang="fr-FR" smtClean="0"/>
-              <a:t>17/10/2023</a:t>
+              <a:t>19/10/2023</a:t>
             </a:fld>
             <a:endParaRPr lang="fr-FR"/>
           </a:p>
@@ -2393,7 +2393,7 @@
           <a:p>
             <a:fld id="{E89B7495-721A-440C-B815-4617627ED71C}" type="datetimeFigureOut">
               <a:rPr lang="fr-FR" smtClean="0"/>
-              <a:t>17/10/2023</a:t>
+              <a:t>19/10/2023</a:t>
             </a:fld>
             <a:endParaRPr lang="fr-FR"/>
           </a:p>
@@ -2681,7 +2681,7 @@
           <a:p>
             <a:fld id="{E89B7495-721A-440C-B815-4617627ED71C}" type="datetimeFigureOut">
               <a:rPr lang="fr-FR" smtClean="0"/>
-              <a:t>17/10/2023</a:t>
+              <a:t>19/10/2023</a:t>
             </a:fld>
             <a:endParaRPr lang="fr-FR"/>
           </a:p>
@@ -2922,7 +2922,7 @@
           <a:p>
             <a:fld id="{E89B7495-721A-440C-B815-4617627ED71C}" type="datetimeFigureOut">
               <a:rPr lang="fr-FR" smtClean="0"/>
-              <a:t>17/10/2023</a:t>
+              <a:t>19/10/2023</a:t>
             </a:fld>
             <a:endParaRPr lang="fr-FR"/>
           </a:p>
@@ -3369,2852 +3369,6 @@
           </a:prstGeom>
         </p:spPr>
       </p:pic>
-      <p:sp>
-        <p:nvSpPr>
-          <p:cNvPr id="3" name="Ellipse 2">
-            <a:extLst>
-              <a:ext uri="{FF2B5EF4-FFF2-40B4-BE49-F238E27FC236}">
-                <a16:creationId xmlns:a16="http://schemas.microsoft.com/office/drawing/2014/main" id="{DC8CD438-00AC-5FEE-2B90-A4A307AB2782}"/>
-              </a:ext>
-            </a:extLst>
-          </p:cNvPr>
-          <p:cNvSpPr/>
-          <p:nvPr/>
-        </p:nvSpPr>
-        <p:spPr>
-          <a:xfrm>
-            <a:off x="3554505" y="5199923"/>
-            <a:ext cx="180000" cy="180000"/>
-          </a:xfrm>
-          <a:prstGeom prst="ellipse">
-            <a:avLst/>
-          </a:prstGeom>
-          <a:solidFill>
-            <a:schemeClr val="bg1"/>
-          </a:solidFill>
-          <a:ln w="28575">
-            <a:solidFill>
-              <a:schemeClr val="tx1">
-                <a:lumMod val="50000"/>
-                <a:lumOff val="50000"/>
-              </a:schemeClr>
-            </a:solidFill>
-          </a:ln>
-        </p:spPr>
-        <p:style>
-          <a:lnRef idx="2">
-            <a:schemeClr val="accent1">
-              <a:shade val="50000"/>
-            </a:schemeClr>
-          </a:lnRef>
-          <a:fillRef idx="1">
-            <a:schemeClr val="accent1"/>
-          </a:fillRef>
-          <a:effectRef idx="0">
-            <a:schemeClr val="accent1"/>
-          </a:effectRef>
-          <a:fontRef idx="minor">
-            <a:schemeClr val="lt1"/>
-          </a:fontRef>
-        </p:style>
-        <p:txBody>
-          <a:bodyPr rtlCol="0" anchor="ctr"/>
-          <a:lstStyle/>
-          <a:p>
-            <a:pPr algn="ctr"/>
-            <a:endParaRPr lang="fr-FR" dirty="0"/>
-          </a:p>
-        </p:txBody>
-      </p:sp>
-      <p:cxnSp>
-        <p:nvCxnSpPr>
-          <p:cNvPr id="4" name="Connecteur droit 3">
-            <a:extLst>
-              <a:ext uri="{FF2B5EF4-FFF2-40B4-BE49-F238E27FC236}">
-                <a16:creationId xmlns:a16="http://schemas.microsoft.com/office/drawing/2014/main" id="{2755757C-986E-45D6-5DF6-AA4919A25E5A}"/>
-              </a:ext>
-            </a:extLst>
-          </p:cNvPr>
-          <p:cNvCxnSpPr>
-            <a:cxnSpLocks/>
-            <a:endCxn id="27" idx="1"/>
-          </p:cNvCxnSpPr>
-          <p:nvPr/>
-        </p:nvCxnSpPr>
-        <p:spPr>
-          <a:xfrm flipH="1" flipV="1">
-            <a:off x="3574044" y="4233624"/>
-            <a:ext cx="404146" cy="818447"/>
-          </a:xfrm>
-          <a:prstGeom prst="line">
-            <a:avLst/>
-          </a:prstGeom>
-          <a:noFill/>
-          <a:ln w="28575">
-            <a:solidFill>
-              <a:srgbClr val="00B050"/>
-            </a:solidFill>
-          </a:ln>
-        </p:spPr>
-        <p:style>
-          <a:lnRef idx="2">
-            <a:schemeClr val="accent1">
-              <a:shade val="50000"/>
-            </a:schemeClr>
-          </a:lnRef>
-          <a:fillRef idx="1">
-            <a:schemeClr val="accent1"/>
-          </a:fillRef>
-          <a:effectRef idx="0">
-            <a:schemeClr val="accent1"/>
-          </a:effectRef>
-          <a:fontRef idx="minor">
-            <a:schemeClr val="lt1"/>
-          </a:fontRef>
-        </p:style>
-      </p:cxnSp>
-      <p:grpSp>
-        <p:nvGrpSpPr>
-          <p:cNvPr id="6" name="Groupe 5">
-            <a:extLst>
-              <a:ext uri="{FF2B5EF4-FFF2-40B4-BE49-F238E27FC236}">
-                <a16:creationId xmlns:a16="http://schemas.microsoft.com/office/drawing/2014/main" id="{867144B8-243E-6C9E-3977-4592254ADD01}"/>
-              </a:ext>
-            </a:extLst>
-          </p:cNvPr>
-          <p:cNvGrpSpPr/>
-          <p:nvPr/>
-        </p:nvGrpSpPr>
-        <p:grpSpPr>
-          <a:xfrm>
-            <a:off x="975220" y="5587631"/>
-            <a:ext cx="719636" cy="432048"/>
-            <a:chOff x="204247" y="1842525"/>
-            <a:chExt cx="719636" cy="432048"/>
-          </a:xfrm>
-        </p:grpSpPr>
-        <p:sp>
-          <p:nvSpPr>
-            <p:cNvPr id="57" name="Ellipse 56">
-              <a:extLst>
-                <a:ext uri="{FF2B5EF4-FFF2-40B4-BE49-F238E27FC236}">
-                  <a16:creationId xmlns:a16="http://schemas.microsoft.com/office/drawing/2014/main" id="{63E59AA2-03D5-505C-F75E-094B87347704}"/>
-                </a:ext>
-              </a:extLst>
-            </p:cNvPr>
-            <p:cNvSpPr/>
-            <p:nvPr/>
-          </p:nvSpPr>
-          <p:spPr>
-            <a:xfrm>
-              <a:off x="204247" y="1991610"/>
-              <a:ext cx="180000" cy="180000"/>
-            </a:xfrm>
-            <a:prstGeom prst="ellipse">
-              <a:avLst/>
-            </a:prstGeom>
-            <a:noFill/>
-            <a:ln w="19050">
-              <a:solidFill>
-                <a:schemeClr val="tx1"/>
-              </a:solidFill>
-            </a:ln>
-          </p:spPr>
-          <p:style>
-            <a:lnRef idx="2">
-              <a:schemeClr val="accent1">
-                <a:shade val="50000"/>
-              </a:schemeClr>
-            </a:lnRef>
-            <a:fillRef idx="1">
-              <a:schemeClr val="accent1"/>
-            </a:fillRef>
-            <a:effectRef idx="0">
-              <a:schemeClr val="accent1"/>
-            </a:effectRef>
-            <a:fontRef idx="minor">
-              <a:schemeClr val="lt1"/>
-            </a:fontRef>
-          </p:style>
-          <p:txBody>
-            <a:bodyPr rtlCol="0" anchor="ctr"/>
-            <a:lstStyle/>
-            <a:p>
-              <a:pPr algn="ctr"/>
-              <a:r>
-                <a:rPr lang="fr-FR" sz="1050" b="1" dirty="0">
-                  <a:solidFill>
-                    <a:schemeClr val="tx1"/>
-                  </a:solidFill>
-                </a:rPr>
-                <a:t>0</a:t>
-              </a:r>
-              <a:endParaRPr lang="fr-FR" sz="1400" b="1" dirty="0">
-                <a:solidFill>
-                  <a:schemeClr val="tx1"/>
-                </a:solidFill>
-              </a:endParaRPr>
-            </a:p>
-          </p:txBody>
-        </p:sp>
-        <p:grpSp>
-          <p:nvGrpSpPr>
-            <p:cNvPr id="58" name="Groupe 57">
-              <a:extLst>
-                <a:ext uri="{FF2B5EF4-FFF2-40B4-BE49-F238E27FC236}">
-                  <a16:creationId xmlns:a16="http://schemas.microsoft.com/office/drawing/2014/main" id="{47075168-79D3-B2F1-EB90-08EC3D874D0C}"/>
-                </a:ext>
-              </a:extLst>
-            </p:cNvPr>
-            <p:cNvGrpSpPr/>
-            <p:nvPr/>
-          </p:nvGrpSpPr>
-          <p:grpSpPr>
-            <a:xfrm rot="5400000">
-              <a:off x="387498" y="1914533"/>
-              <a:ext cx="432048" cy="288031"/>
-              <a:chOff x="2286259" y="3513708"/>
-              <a:chExt cx="432048" cy="288031"/>
-            </a:xfrm>
-          </p:grpSpPr>
-          <p:sp>
-            <p:nvSpPr>
-              <p:cNvPr id="60" name="Forme libre : forme 59">
-                <a:extLst>
-                  <a:ext uri="{FF2B5EF4-FFF2-40B4-BE49-F238E27FC236}">
-                    <a16:creationId xmlns:a16="http://schemas.microsoft.com/office/drawing/2014/main" id="{521B19A1-677F-0BC9-2DE6-4136DB4C7CDF}"/>
-                  </a:ext>
-                </a:extLst>
-              </p:cNvPr>
-              <p:cNvSpPr/>
-              <p:nvPr/>
-            </p:nvSpPr>
-            <p:spPr>
-              <a:xfrm>
-                <a:off x="2302852" y="3655813"/>
-                <a:ext cx="415449" cy="145926"/>
-              </a:xfrm>
-              <a:custGeom>
-                <a:avLst/>
-                <a:gdLst>
-                  <a:gd name="connsiteX0" fmla="*/ 0 w 400050"/>
-                  <a:gd name="connsiteY0" fmla="*/ 6350 h 134622"/>
-                  <a:gd name="connsiteX1" fmla="*/ 63500 w 400050"/>
-                  <a:gd name="connsiteY1" fmla="*/ 114300 h 134622"/>
-                  <a:gd name="connsiteX2" fmla="*/ 203200 w 400050"/>
-                  <a:gd name="connsiteY2" fmla="*/ 69850 h 134622"/>
-                  <a:gd name="connsiteX3" fmla="*/ 304800 w 400050"/>
-                  <a:gd name="connsiteY3" fmla="*/ 133350 h 134622"/>
-                  <a:gd name="connsiteX4" fmla="*/ 400050 w 400050"/>
-                  <a:gd name="connsiteY4" fmla="*/ 0 h 134622"/>
-                </a:gdLst>
-                <a:ahLst/>
-                <a:cxnLst>
-                  <a:cxn ang="0">
-                    <a:pos x="connsiteX0" y="connsiteY0"/>
-                  </a:cxn>
-                  <a:cxn ang="0">
-                    <a:pos x="connsiteX1" y="connsiteY1"/>
-                  </a:cxn>
-                  <a:cxn ang="0">
-                    <a:pos x="connsiteX2" y="connsiteY2"/>
-                  </a:cxn>
-                  <a:cxn ang="0">
-                    <a:pos x="connsiteX3" y="connsiteY3"/>
-                  </a:cxn>
-                  <a:cxn ang="0">
-                    <a:pos x="connsiteX4" y="connsiteY4"/>
-                  </a:cxn>
-                </a:cxnLst>
-                <a:rect l="l" t="t" r="r" b="b"/>
-                <a:pathLst>
-                  <a:path w="400050" h="134622">
-                    <a:moveTo>
-                      <a:pt x="0" y="6350"/>
-                    </a:moveTo>
-                    <a:cubicBezTo>
-                      <a:pt x="14816" y="55033"/>
-                      <a:pt x="29633" y="103717"/>
-                      <a:pt x="63500" y="114300"/>
-                    </a:cubicBezTo>
-                    <a:cubicBezTo>
-                      <a:pt x="97367" y="124883"/>
-                      <a:pt x="162983" y="66675"/>
-                      <a:pt x="203200" y="69850"/>
-                    </a:cubicBezTo>
-                    <a:cubicBezTo>
-                      <a:pt x="243417" y="73025"/>
-                      <a:pt x="271992" y="144992"/>
-                      <a:pt x="304800" y="133350"/>
-                    </a:cubicBezTo>
-                    <a:cubicBezTo>
-                      <a:pt x="337608" y="121708"/>
-                      <a:pt x="368829" y="60854"/>
-                      <a:pt x="400050" y="0"/>
-                    </a:cubicBezTo>
-                  </a:path>
-                </a:pathLst>
-              </a:custGeom>
-              <a:solidFill>
-                <a:schemeClr val="bg1">
-                  <a:lumMod val="85000"/>
-                </a:schemeClr>
-              </a:solidFill>
-              <a:ln w="19050">
-                <a:solidFill>
-                  <a:schemeClr val="tx1"/>
-                </a:solidFill>
-              </a:ln>
-            </p:spPr>
-            <p:style>
-              <a:lnRef idx="2">
-                <a:schemeClr val="accent1">
-                  <a:shade val="50000"/>
-                </a:schemeClr>
-              </a:lnRef>
-              <a:fillRef idx="1">
-                <a:schemeClr val="accent1"/>
-              </a:fillRef>
-              <a:effectRef idx="0">
-                <a:schemeClr val="accent1"/>
-              </a:effectRef>
-              <a:fontRef idx="minor">
-                <a:schemeClr val="lt1"/>
-              </a:fontRef>
-            </p:style>
-            <p:txBody>
-              <a:bodyPr rtlCol="0" anchor="ctr"/>
-              <a:lstStyle/>
-              <a:p>
-                <a:pPr algn="ctr"/>
-                <a:endParaRPr lang="fr-FR"/>
-              </a:p>
-            </p:txBody>
-          </p:sp>
-          <p:cxnSp>
-            <p:nvCxnSpPr>
-              <p:cNvPr id="61" name="Connecteur droit 60">
-                <a:extLst>
-                  <a:ext uri="{FF2B5EF4-FFF2-40B4-BE49-F238E27FC236}">
-                    <a16:creationId xmlns:a16="http://schemas.microsoft.com/office/drawing/2014/main" id="{FFA9DB5C-C508-E2B2-9BE1-B8B0526B2A24}"/>
-                  </a:ext>
-                </a:extLst>
-              </p:cNvPr>
-              <p:cNvCxnSpPr>
-                <a:cxnSpLocks/>
-              </p:cNvCxnSpPr>
-              <p:nvPr/>
-            </p:nvCxnSpPr>
-            <p:spPr>
-              <a:xfrm>
-                <a:off x="2502283" y="3513708"/>
-                <a:ext cx="0" cy="142105"/>
-              </a:xfrm>
-              <a:prstGeom prst="line">
-                <a:avLst/>
-              </a:prstGeom>
-              <a:noFill/>
-              <a:ln w="28575">
-                <a:solidFill>
-                  <a:schemeClr val="tx1"/>
-                </a:solidFill>
-              </a:ln>
-            </p:spPr>
-            <p:style>
-              <a:lnRef idx="2">
-                <a:schemeClr val="accent1">
-                  <a:shade val="50000"/>
-                </a:schemeClr>
-              </a:lnRef>
-              <a:fillRef idx="1">
-                <a:schemeClr val="accent1"/>
-              </a:fillRef>
-              <a:effectRef idx="0">
-                <a:schemeClr val="accent1"/>
-              </a:effectRef>
-              <a:fontRef idx="minor">
-                <a:schemeClr val="lt1"/>
-              </a:fontRef>
-            </p:style>
-          </p:cxnSp>
-          <p:cxnSp>
-            <p:nvCxnSpPr>
-              <p:cNvPr id="62" name="Connecteur droit 61">
-                <a:extLst>
-                  <a:ext uri="{FF2B5EF4-FFF2-40B4-BE49-F238E27FC236}">
-                    <a16:creationId xmlns:a16="http://schemas.microsoft.com/office/drawing/2014/main" id="{5BB84DCA-F7D0-63F2-7987-F16A43567D08}"/>
-                  </a:ext>
-                </a:extLst>
-              </p:cNvPr>
-              <p:cNvCxnSpPr>
-                <a:cxnSpLocks/>
-              </p:cNvCxnSpPr>
-              <p:nvPr/>
-            </p:nvCxnSpPr>
-            <p:spPr>
-              <a:xfrm flipH="1">
-                <a:off x="2286259" y="3659633"/>
-                <a:ext cx="432048" cy="0"/>
-              </a:xfrm>
-              <a:prstGeom prst="line">
-                <a:avLst/>
-              </a:prstGeom>
-              <a:noFill/>
-              <a:ln w="28575">
-                <a:solidFill>
-                  <a:schemeClr val="tx1"/>
-                </a:solidFill>
-              </a:ln>
-            </p:spPr>
-            <p:style>
-              <a:lnRef idx="2">
-                <a:schemeClr val="accent1">
-                  <a:shade val="50000"/>
-                </a:schemeClr>
-              </a:lnRef>
-              <a:fillRef idx="1">
-                <a:schemeClr val="accent1"/>
-              </a:fillRef>
-              <a:effectRef idx="0">
-                <a:schemeClr val="accent1"/>
-              </a:effectRef>
-              <a:fontRef idx="minor">
-                <a:schemeClr val="lt1"/>
-              </a:fontRef>
-            </p:style>
-          </p:cxnSp>
-        </p:grpSp>
-        <p:sp>
-          <p:nvSpPr>
-            <p:cNvPr id="59" name="Rectangle 58">
-              <a:extLst>
-                <a:ext uri="{FF2B5EF4-FFF2-40B4-BE49-F238E27FC236}">
-                  <a16:creationId xmlns:a16="http://schemas.microsoft.com/office/drawing/2014/main" id="{8682FFCB-B440-0D27-803E-3658FB2B0025}"/>
-                </a:ext>
-              </a:extLst>
-            </p:cNvPr>
-            <p:cNvSpPr/>
-            <p:nvPr/>
-          </p:nvSpPr>
-          <p:spPr>
-            <a:xfrm rot="16200000">
-              <a:off x="743883" y="1977057"/>
-              <a:ext cx="180000" cy="180000"/>
-            </a:xfrm>
-            <a:prstGeom prst="rect">
-              <a:avLst/>
-            </a:prstGeom>
-            <a:solidFill>
-              <a:schemeClr val="bg1"/>
-            </a:solidFill>
-            <a:ln w="28575">
-              <a:solidFill>
-                <a:schemeClr val="tx1"/>
-              </a:solidFill>
-            </a:ln>
-          </p:spPr>
-          <p:style>
-            <a:lnRef idx="2">
-              <a:schemeClr val="accent1">
-                <a:shade val="50000"/>
-              </a:schemeClr>
-            </a:lnRef>
-            <a:fillRef idx="1">
-              <a:schemeClr val="accent1"/>
-            </a:fillRef>
-            <a:effectRef idx="0">
-              <a:schemeClr val="accent1"/>
-            </a:effectRef>
-            <a:fontRef idx="minor">
-              <a:schemeClr val="lt1"/>
-            </a:fontRef>
-          </p:style>
-          <p:txBody>
-            <a:bodyPr rtlCol="0" anchor="ctr"/>
-            <a:lstStyle/>
-            <a:p>
-              <a:pPr algn="ctr"/>
-              <a:endParaRPr lang="fr-FR"/>
-            </a:p>
-          </p:txBody>
-        </p:sp>
-      </p:grpSp>
-      <p:sp>
-        <p:nvSpPr>
-          <p:cNvPr id="7" name="Ellipse 6">
-            <a:extLst>
-              <a:ext uri="{FF2B5EF4-FFF2-40B4-BE49-F238E27FC236}">
-                <a16:creationId xmlns:a16="http://schemas.microsoft.com/office/drawing/2014/main" id="{B8DFD9F1-8EED-0135-40C0-50CA5755FE42}"/>
-              </a:ext>
-            </a:extLst>
-          </p:cNvPr>
-          <p:cNvSpPr/>
-          <p:nvPr/>
-        </p:nvSpPr>
-        <p:spPr>
-          <a:xfrm>
-            <a:off x="2296324" y="6069773"/>
-            <a:ext cx="180000" cy="180000"/>
-          </a:xfrm>
-          <a:prstGeom prst="ellipse">
-            <a:avLst/>
-          </a:prstGeom>
-          <a:solidFill>
-            <a:schemeClr val="bg1"/>
-          </a:solidFill>
-          <a:ln w="19050">
-            <a:solidFill>
-              <a:srgbClr val="C00000"/>
-            </a:solidFill>
-          </a:ln>
-        </p:spPr>
-        <p:style>
-          <a:lnRef idx="2">
-            <a:schemeClr val="accent1">
-              <a:shade val="50000"/>
-            </a:schemeClr>
-          </a:lnRef>
-          <a:fillRef idx="1">
-            <a:schemeClr val="accent1"/>
-          </a:fillRef>
-          <a:effectRef idx="0">
-            <a:schemeClr val="accent1"/>
-          </a:effectRef>
-          <a:fontRef idx="minor">
-            <a:schemeClr val="lt1"/>
-          </a:fontRef>
-        </p:style>
-        <p:txBody>
-          <a:bodyPr rtlCol="0" anchor="ctr"/>
-          <a:lstStyle/>
-          <a:p>
-            <a:pPr algn="ctr"/>
-            <a:r>
-              <a:rPr lang="fr-FR" sz="1050" b="1" dirty="0">
-                <a:solidFill>
-                  <a:srgbClr val="C00000"/>
-                </a:solidFill>
-              </a:rPr>
-              <a:t>6</a:t>
-            </a:r>
-            <a:endParaRPr lang="fr-FR" sz="1400" b="1" dirty="0">
-              <a:solidFill>
-                <a:srgbClr val="C00000"/>
-              </a:solidFill>
-            </a:endParaRPr>
-          </a:p>
-        </p:txBody>
-      </p:sp>
-      <p:cxnSp>
-        <p:nvCxnSpPr>
-          <p:cNvPr id="8" name="Connecteur droit 7">
-            <a:extLst>
-              <a:ext uri="{FF2B5EF4-FFF2-40B4-BE49-F238E27FC236}">
-                <a16:creationId xmlns:a16="http://schemas.microsoft.com/office/drawing/2014/main" id="{25801245-BD95-0124-2B21-2DD236B626E2}"/>
-              </a:ext>
-            </a:extLst>
-          </p:cNvPr>
-          <p:cNvCxnSpPr>
-            <a:cxnSpLocks/>
-            <a:stCxn id="3" idx="7"/>
-          </p:cNvCxnSpPr>
-          <p:nvPr/>
-        </p:nvCxnSpPr>
-        <p:spPr>
-          <a:xfrm flipV="1">
-            <a:off x="3708145" y="4924791"/>
-            <a:ext cx="270045" cy="301492"/>
-          </a:xfrm>
-          <a:prstGeom prst="line">
-            <a:avLst/>
-          </a:prstGeom>
-          <a:solidFill>
-            <a:schemeClr val="bg1"/>
-          </a:solidFill>
-          <a:ln w="28575">
-            <a:solidFill>
-              <a:schemeClr val="tx1">
-                <a:lumMod val="50000"/>
-                <a:lumOff val="50000"/>
-              </a:schemeClr>
-            </a:solidFill>
-          </a:ln>
-        </p:spPr>
-        <p:style>
-          <a:lnRef idx="2">
-            <a:schemeClr val="accent1">
-              <a:shade val="50000"/>
-            </a:schemeClr>
-          </a:lnRef>
-          <a:fillRef idx="1">
-            <a:schemeClr val="accent1"/>
-          </a:fillRef>
-          <a:effectRef idx="0">
-            <a:schemeClr val="accent1"/>
-          </a:effectRef>
-          <a:fontRef idx="minor">
-            <a:schemeClr val="lt1"/>
-          </a:fontRef>
-        </p:style>
-      </p:cxnSp>
-      <p:cxnSp>
-        <p:nvCxnSpPr>
-          <p:cNvPr id="10" name="Connecteur droit 9">
-            <a:extLst>
-              <a:ext uri="{FF2B5EF4-FFF2-40B4-BE49-F238E27FC236}">
-                <a16:creationId xmlns:a16="http://schemas.microsoft.com/office/drawing/2014/main" id="{A3E9012A-8544-74D1-D601-FC6DF6B6D2A5}"/>
-              </a:ext>
-            </a:extLst>
-          </p:cNvPr>
-          <p:cNvCxnSpPr>
-            <a:cxnSpLocks/>
-            <a:endCxn id="27" idx="0"/>
-          </p:cNvCxnSpPr>
-          <p:nvPr/>
-        </p:nvCxnSpPr>
-        <p:spPr>
-          <a:xfrm>
-            <a:off x="3635979" y="4132356"/>
-            <a:ext cx="0" cy="72000"/>
-          </a:xfrm>
-          <a:prstGeom prst="line">
-            <a:avLst/>
-          </a:prstGeom>
-          <a:noFill/>
-          <a:ln w="28575">
-            <a:solidFill>
-              <a:srgbClr val="0070C0"/>
-            </a:solidFill>
-          </a:ln>
-        </p:spPr>
-        <p:style>
-          <a:lnRef idx="2">
-            <a:schemeClr val="accent1">
-              <a:shade val="50000"/>
-            </a:schemeClr>
-          </a:lnRef>
-          <a:fillRef idx="1">
-            <a:schemeClr val="accent1"/>
-          </a:fillRef>
-          <a:effectRef idx="0">
-            <a:schemeClr val="accent1"/>
-          </a:effectRef>
-          <a:fontRef idx="minor">
-            <a:schemeClr val="lt1"/>
-          </a:fontRef>
-        </p:style>
-      </p:cxnSp>
-      <p:cxnSp>
-        <p:nvCxnSpPr>
-          <p:cNvPr id="11" name="Connecteur droit 10">
-            <a:extLst>
-              <a:ext uri="{FF2B5EF4-FFF2-40B4-BE49-F238E27FC236}">
-                <a16:creationId xmlns:a16="http://schemas.microsoft.com/office/drawing/2014/main" id="{E5B7CDD0-546E-C8C5-BB61-A32F39FD1085}"/>
-              </a:ext>
-            </a:extLst>
-          </p:cNvPr>
-          <p:cNvCxnSpPr>
-            <a:cxnSpLocks/>
-          </p:cNvCxnSpPr>
-          <p:nvPr/>
-        </p:nvCxnSpPr>
-        <p:spPr>
-          <a:xfrm>
-            <a:off x="1838126" y="4135256"/>
-            <a:ext cx="3600000" cy="0"/>
-          </a:xfrm>
-          <a:prstGeom prst="line">
-            <a:avLst/>
-          </a:prstGeom>
-          <a:noFill/>
-          <a:ln w="28575">
-            <a:solidFill>
-              <a:srgbClr val="0070C0"/>
-            </a:solidFill>
-          </a:ln>
-        </p:spPr>
-        <p:style>
-          <a:lnRef idx="2">
-            <a:schemeClr val="accent1">
-              <a:shade val="50000"/>
-            </a:schemeClr>
-          </a:lnRef>
-          <a:fillRef idx="1">
-            <a:schemeClr val="accent1"/>
-          </a:fillRef>
-          <a:effectRef idx="0">
-            <a:schemeClr val="accent1"/>
-          </a:effectRef>
-          <a:fontRef idx="minor">
-            <a:schemeClr val="lt1"/>
-          </a:fontRef>
-        </p:style>
-      </p:cxnSp>
-      <p:cxnSp>
-        <p:nvCxnSpPr>
-          <p:cNvPr id="12" name="Connecteur droit 11">
-            <a:extLst>
-              <a:ext uri="{FF2B5EF4-FFF2-40B4-BE49-F238E27FC236}">
-                <a16:creationId xmlns:a16="http://schemas.microsoft.com/office/drawing/2014/main" id="{563AAD7E-41EE-C726-8BF8-87A9F9586F39}"/>
-              </a:ext>
-            </a:extLst>
-          </p:cNvPr>
-          <p:cNvCxnSpPr>
-            <a:cxnSpLocks/>
-          </p:cNvCxnSpPr>
-          <p:nvPr/>
-        </p:nvCxnSpPr>
-        <p:spPr>
-          <a:xfrm flipV="1">
-            <a:off x="1837242" y="3810107"/>
-            <a:ext cx="0" cy="325149"/>
-          </a:xfrm>
-          <a:prstGeom prst="line">
-            <a:avLst/>
-          </a:prstGeom>
-          <a:noFill/>
-          <a:ln w="28575">
-            <a:solidFill>
-              <a:srgbClr val="0070C0"/>
-            </a:solidFill>
-          </a:ln>
-        </p:spPr>
-        <p:style>
-          <a:lnRef idx="2">
-            <a:schemeClr val="accent1">
-              <a:shade val="50000"/>
-            </a:schemeClr>
-          </a:lnRef>
-          <a:fillRef idx="1">
-            <a:schemeClr val="accent1"/>
-          </a:fillRef>
-          <a:effectRef idx="0">
-            <a:schemeClr val="accent1"/>
-          </a:effectRef>
-          <a:fontRef idx="minor">
-            <a:schemeClr val="lt1"/>
-          </a:fontRef>
-        </p:style>
-      </p:cxnSp>
-      <p:cxnSp>
-        <p:nvCxnSpPr>
-          <p:cNvPr id="13" name="Connecteur droit 12">
-            <a:extLst>
-              <a:ext uri="{FF2B5EF4-FFF2-40B4-BE49-F238E27FC236}">
-                <a16:creationId xmlns:a16="http://schemas.microsoft.com/office/drawing/2014/main" id="{65BEFFA6-2BA5-8F1A-516C-F3F3F5FADE5A}"/>
-              </a:ext>
-            </a:extLst>
-          </p:cNvPr>
-          <p:cNvCxnSpPr>
-            <a:cxnSpLocks/>
-          </p:cNvCxnSpPr>
-          <p:nvPr/>
-        </p:nvCxnSpPr>
-        <p:spPr>
-          <a:xfrm flipV="1">
-            <a:off x="5438126" y="3810107"/>
-            <a:ext cx="0" cy="325149"/>
-          </a:xfrm>
-          <a:prstGeom prst="line">
-            <a:avLst/>
-          </a:prstGeom>
-          <a:noFill/>
-          <a:ln w="28575">
-            <a:solidFill>
-              <a:srgbClr val="0070C0"/>
-            </a:solidFill>
-          </a:ln>
-        </p:spPr>
-        <p:style>
-          <a:lnRef idx="2">
-            <a:schemeClr val="accent1">
-              <a:shade val="50000"/>
-            </a:schemeClr>
-          </a:lnRef>
-          <a:fillRef idx="1">
-            <a:schemeClr val="accent1"/>
-          </a:fillRef>
-          <a:effectRef idx="0">
-            <a:schemeClr val="accent1"/>
-          </a:effectRef>
-          <a:fontRef idx="minor">
-            <a:schemeClr val="lt1"/>
-          </a:fontRef>
-        </p:style>
-      </p:cxnSp>
-      <p:cxnSp>
-        <p:nvCxnSpPr>
-          <p:cNvPr id="14" name="Connecteur droit 13">
-            <a:extLst>
-              <a:ext uri="{FF2B5EF4-FFF2-40B4-BE49-F238E27FC236}">
-                <a16:creationId xmlns:a16="http://schemas.microsoft.com/office/drawing/2014/main" id="{E5E25296-D4BC-1B77-A458-30F297B05ED8}"/>
-              </a:ext>
-            </a:extLst>
-          </p:cNvPr>
-          <p:cNvCxnSpPr>
-            <a:cxnSpLocks/>
-            <a:stCxn id="59" idx="3"/>
-          </p:cNvCxnSpPr>
-          <p:nvPr/>
-        </p:nvCxnSpPr>
-        <p:spPr>
-          <a:xfrm flipV="1">
-            <a:off x="1604856" y="5669204"/>
-            <a:ext cx="0" cy="52959"/>
-          </a:xfrm>
-          <a:prstGeom prst="line">
-            <a:avLst/>
-          </a:prstGeom>
-          <a:noFill/>
-          <a:ln w="28575">
-            <a:solidFill>
-              <a:srgbClr val="C00000"/>
-            </a:solidFill>
-          </a:ln>
-        </p:spPr>
-        <p:style>
-          <a:lnRef idx="2">
-            <a:schemeClr val="accent1">
-              <a:shade val="50000"/>
-            </a:schemeClr>
-          </a:lnRef>
-          <a:fillRef idx="1">
-            <a:schemeClr val="accent1"/>
-          </a:fillRef>
-          <a:effectRef idx="0">
-            <a:schemeClr val="accent1"/>
-          </a:effectRef>
-          <a:fontRef idx="minor">
-            <a:schemeClr val="lt1"/>
-          </a:fontRef>
-        </p:style>
-      </p:cxnSp>
-      <p:cxnSp>
-        <p:nvCxnSpPr>
-          <p:cNvPr id="15" name="Connecteur droit 14">
-            <a:extLst>
-              <a:ext uri="{FF2B5EF4-FFF2-40B4-BE49-F238E27FC236}">
-                <a16:creationId xmlns:a16="http://schemas.microsoft.com/office/drawing/2014/main" id="{04B1D3AC-A70F-C660-C33A-9852F7130AD6}"/>
-              </a:ext>
-            </a:extLst>
-          </p:cNvPr>
-          <p:cNvCxnSpPr>
-            <a:cxnSpLocks/>
-          </p:cNvCxnSpPr>
-          <p:nvPr/>
-        </p:nvCxnSpPr>
-        <p:spPr>
-          <a:xfrm>
-            <a:off x="1618455" y="6069987"/>
-            <a:ext cx="180000" cy="180000"/>
-          </a:xfrm>
-          <a:prstGeom prst="line">
-            <a:avLst/>
-          </a:prstGeom>
-          <a:noFill/>
-          <a:ln w="28575">
-            <a:solidFill>
-              <a:srgbClr val="C00000"/>
-            </a:solidFill>
-          </a:ln>
-        </p:spPr>
-        <p:style>
-          <a:lnRef idx="2">
-            <a:schemeClr val="accent1">
-              <a:shade val="50000"/>
-            </a:schemeClr>
-          </a:lnRef>
-          <a:fillRef idx="1">
-            <a:schemeClr val="accent1"/>
-          </a:fillRef>
-          <a:effectRef idx="0">
-            <a:schemeClr val="accent1"/>
-          </a:effectRef>
-          <a:fontRef idx="minor">
-            <a:schemeClr val="lt1"/>
-          </a:fontRef>
-        </p:style>
-      </p:cxnSp>
-      <p:cxnSp>
-        <p:nvCxnSpPr>
-          <p:cNvPr id="16" name="Connecteur droit 15">
-            <a:extLst>
-              <a:ext uri="{FF2B5EF4-FFF2-40B4-BE49-F238E27FC236}">
-                <a16:creationId xmlns:a16="http://schemas.microsoft.com/office/drawing/2014/main" id="{BFCDFFD7-0A2F-EDFD-9605-AB9A6AA9B478}"/>
-              </a:ext>
-            </a:extLst>
-          </p:cNvPr>
-          <p:cNvCxnSpPr>
-            <a:cxnSpLocks/>
-          </p:cNvCxnSpPr>
-          <p:nvPr/>
-        </p:nvCxnSpPr>
-        <p:spPr>
-          <a:xfrm flipH="1">
-            <a:off x="1618424" y="6067731"/>
-            <a:ext cx="180000" cy="180000"/>
-          </a:xfrm>
-          <a:prstGeom prst="line">
-            <a:avLst/>
-          </a:prstGeom>
-          <a:noFill/>
-          <a:ln w="28575">
-            <a:solidFill>
-              <a:srgbClr val="C00000"/>
-            </a:solidFill>
-          </a:ln>
-        </p:spPr>
-        <p:style>
-          <a:lnRef idx="2">
-            <a:schemeClr val="accent1">
-              <a:shade val="50000"/>
-            </a:schemeClr>
-          </a:lnRef>
-          <a:fillRef idx="1">
-            <a:schemeClr val="accent1"/>
-          </a:fillRef>
-          <a:effectRef idx="0">
-            <a:schemeClr val="accent1"/>
-          </a:effectRef>
-          <a:fontRef idx="minor">
-            <a:schemeClr val="lt1"/>
-          </a:fontRef>
-        </p:style>
-      </p:cxnSp>
-      <p:sp>
-        <p:nvSpPr>
-          <p:cNvPr id="17" name="Ellipse 16">
-            <a:extLst>
-              <a:ext uri="{FF2B5EF4-FFF2-40B4-BE49-F238E27FC236}">
-                <a16:creationId xmlns:a16="http://schemas.microsoft.com/office/drawing/2014/main" id="{9E99202B-C9E6-841D-1BA3-67B24C12676C}"/>
-              </a:ext>
-            </a:extLst>
-          </p:cNvPr>
-          <p:cNvSpPr/>
-          <p:nvPr/>
-        </p:nvSpPr>
-        <p:spPr>
-          <a:xfrm>
-            <a:off x="3818759" y="5186276"/>
-            <a:ext cx="180000" cy="180000"/>
-          </a:xfrm>
-          <a:prstGeom prst="ellipse">
-            <a:avLst/>
-          </a:prstGeom>
-          <a:solidFill>
-            <a:schemeClr val="bg1"/>
-          </a:solidFill>
-          <a:ln w="19050">
-            <a:solidFill>
-              <a:schemeClr val="tx1">
-                <a:lumMod val="50000"/>
-                <a:lumOff val="50000"/>
-              </a:schemeClr>
-            </a:solidFill>
-          </a:ln>
-        </p:spPr>
-        <p:style>
-          <a:lnRef idx="2">
-            <a:schemeClr val="accent1">
-              <a:shade val="50000"/>
-            </a:schemeClr>
-          </a:lnRef>
-          <a:fillRef idx="1">
-            <a:schemeClr val="accent1"/>
-          </a:fillRef>
-          <a:effectRef idx="0">
-            <a:schemeClr val="accent1"/>
-          </a:effectRef>
-          <a:fontRef idx="minor">
-            <a:schemeClr val="lt1"/>
-          </a:fontRef>
-        </p:style>
-        <p:txBody>
-          <a:bodyPr rtlCol="0" anchor="ctr"/>
-          <a:lstStyle/>
-          <a:p>
-            <a:pPr algn="ctr"/>
-            <a:r>
-              <a:rPr lang="fr-FR" sz="1050" b="1" dirty="0">
-                <a:solidFill>
-                  <a:schemeClr val="bg1">
-                    <a:lumMod val="50000"/>
-                  </a:schemeClr>
-                </a:solidFill>
-              </a:rPr>
-              <a:t>9</a:t>
-            </a:r>
-            <a:endParaRPr lang="fr-FR" sz="1400" b="1" dirty="0">
-              <a:solidFill>
-                <a:schemeClr val="bg1">
-                  <a:lumMod val="50000"/>
-                </a:schemeClr>
-              </a:solidFill>
-            </a:endParaRPr>
-          </a:p>
-        </p:txBody>
-      </p:sp>
-      <p:sp>
-        <p:nvSpPr>
-          <p:cNvPr id="18" name="Ellipse 17">
-            <a:extLst>
-              <a:ext uri="{FF2B5EF4-FFF2-40B4-BE49-F238E27FC236}">
-                <a16:creationId xmlns:a16="http://schemas.microsoft.com/office/drawing/2014/main" id="{717564C9-6F52-5BA5-51A5-B85C4640020D}"/>
-              </a:ext>
-            </a:extLst>
-          </p:cNvPr>
-          <p:cNvSpPr/>
-          <p:nvPr/>
-        </p:nvSpPr>
-        <p:spPr>
-          <a:xfrm>
-            <a:off x="3528240" y="4595921"/>
-            <a:ext cx="216000" cy="216000"/>
-          </a:xfrm>
-          <a:prstGeom prst="ellipse">
-            <a:avLst/>
-          </a:prstGeom>
-          <a:solidFill>
-            <a:schemeClr val="bg1"/>
-          </a:solidFill>
-          <a:ln w="19050">
-            <a:solidFill>
-              <a:srgbClr val="00B050"/>
-            </a:solidFill>
-          </a:ln>
-        </p:spPr>
-        <p:style>
-          <a:lnRef idx="2">
-            <a:schemeClr val="accent1">
-              <a:shade val="50000"/>
-            </a:schemeClr>
-          </a:lnRef>
-          <a:fillRef idx="1">
-            <a:schemeClr val="accent1"/>
-          </a:fillRef>
-          <a:effectRef idx="0">
-            <a:schemeClr val="accent1"/>
-          </a:effectRef>
-          <a:fontRef idx="minor">
-            <a:schemeClr val="lt1"/>
-          </a:fontRef>
-        </p:style>
-        <p:txBody>
-          <a:bodyPr lIns="0" tIns="0" rIns="0" bIns="0" rtlCol="0" anchor="ctr"/>
-          <a:lstStyle/>
-          <a:p>
-            <a:pPr algn="ctr"/>
-            <a:r>
-              <a:rPr lang="fr-FR" sz="1000" b="1" dirty="0">
-                <a:solidFill>
-                  <a:srgbClr val="00B050"/>
-                </a:solidFill>
-              </a:rPr>
-              <a:t>10</a:t>
-            </a:r>
-            <a:endParaRPr lang="fr-FR" sz="1200" b="1" dirty="0">
-              <a:solidFill>
-                <a:srgbClr val="00B050"/>
-              </a:solidFill>
-            </a:endParaRPr>
-          </a:p>
-        </p:txBody>
-      </p:sp>
-      <p:cxnSp>
-        <p:nvCxnSpPr>
-          <p:cNvPr id="20" name="Connecteur droit 19">
-            <a:extLst>
-              <a:ext uri="{FF2B5EF4-FFF2-40B4-BE49-F238E27FC236}">
-                <a16:creationId xmlns:a16="http://schemas.microsoft.com/office/drawing/2014/main" id="{6B5A93F1-1AAC-D150-501E-11AE47DBAD3B}"/>
-              </a:ext>
-            </a:extLst>
-          </p:cNvPr>
-          <p:cNvCxnSpPr>
-            <a:cxnSpLocks/>
-            <a:endCxn id="3" idx="4"/>
-          </p:cNvCxnSpPr>
-          <p:nvPr/>
-        </p:nvCxnSpPr>
-        <p:spPr>
-          <a:xfrm flipV="1">
-            <a:off x="3644505" y="5379923"/>
-            <a:ext cx="0" cy="637106"/>
-          </a:xfrm>
-          <a:prstGeom prst="line">
-            <a:avLst/>
-          </a:prstGeom>
-          <a:noFill/>
-          <a:ln w="28575">
-            <a:solidFill>
-              <a:srgbClr val="C00000"/>
-            </a:solidFill>
-          </a:ln>
-        </p:spPr>
-        <p:style>
-          <a:lnRef idx="2">
-            <a:schemeClr val="accent1">
-              <a:shade val="50000"/>
-            </a:schemeClr>
-          </a:lnRef>
-          <a:fillRef idx="1">
-            <a:schemeClr val="accent1"/>
-          </a:fillRef>
-          <a:effectRef idx="0">
-            <a:schemeClr val="accent1"/>
-          </a:effectRef>
-          <a:fontRef idx="minor">
-            <a:schemeClr val="lt1"/>
-          </a:fontRef>
-        </p:style>
-      </p:cxnSp>
-      <p:cxnSp>
-        <p:nvCxnSpPr>
-          <p:cNvPr id="21" name="Connecteur droit 20">
-            <a:extLst>
-              <a:ext uri="{FF2B5EF4-FFF2-40B4-BE49-F238E27FC236}">
-                <a16:creationId xmlns:a16="http://schemas.microsoft.com/office/drawing/2014/main" id="{3A40C62F-8FE7-CA28-7BD0-C2328649C268}"/>
-              </a:ext>
-            </a:extLst>
-          </p:cNvPr>
-          <p:cNvCxnSpPr>
-            <a:cxnSpLocks/>
-          </p:cNvCxnSpPr>
-          <p:nvPr/>
-        </p:nvCxnSpPr>
-        <p:spPr>
-          <a:xfrm>
-            <a:off x="1706628" y="6017029"/>
-            <a:ext cx="3659490" cy="0"/>
-          </a:xfrm>
-          <a:prstGeom prst="line">
-            <a:avLst/>
-          </a:prstGeom>
-          <a:noFill/>
-          <a:ln w="28575">
-            <a:solidFill>
-              <a:srgbClr val="C00000"/>
-            </a:solidFill>
-          </a:ln>
-        </p:spPr>
-        <p:style>
-          <a:lnRef idx="2">
-            <a:schemeClr val="accent1">
-              <a:shade val="50000"/>
-            </a:schemeClr>
-          </a:lnRef>
-          <a:fillRef idx="1">
-            <a:schemeClr val="accent1"/>
-          </a:fillRef>
-          <a:effectRef idx="0">
-            <a:schemeClr val="accent1"/>
-          </a:effectRef>
-          <a:fontRef idx="minor">
-            <a:schemeClr val="lt1"/>
-          </a:fontRef>
-        </p:style>
-      </p:cxnSp>
-      <p:grpSp>
-        <p:nvGrpSpPr>
-          <p:cNvPr id="22" name="Groupe 21">
-            <a:extLst>
-              <a:ext uri="{FF2B5EF4-FFF2-40B4-BE49-F238E27FC236}">
-                <a16:creationId xmlns:a16="http://schemas.microsoft.com/office/drawing/2014/main" id="{D0B117F7-D6DF-332B-3AED-76307341AEBC}"/>
-              </a:ext>
-            </a:extLst>
-          </p:cNvPr>
-          <p:cNvGrpSpPr/>
-          <p:nvPr/>
-        </p:nvGrpSpPr>
-        <p:grpSpPr>
-          <a:xfrm>
-            <a:off x="2066925" y="5706557"/>
-            <a:ext cx="288000" cy="288000"/>
-            <a:chOff x="4943745" y="2850212"/>
-            <a:chExt cx="288000" cy="288000"/>
-          </a:xfrm>
-        </p:grpSpPr>
-        <p:sp>
-          <p:nvSpPr>
-            <p:cNvPr id="54" name="Ellipse 53">
-              <a:extLst>
-                <a:ext uri="{FF2B5EF4-FFF2-40B4-BE49-F238E27FC236}">
-                  <a16:creationId xmlns:a16="http://schemas.microsoft.com/office/drawing/2014/main" id="{C44CB5BE-8616-1F8D-C370-9F277C0BA866}"/>
-                </a:ext>
-              </a:extLst>
-            </p:cNvPr>
-            <p:cNvSpPr/>
-            <p:nvPr/>
-          </p:nvSpPr>
-          <p:spPr>
-            <a:xfrm>
-              <a:off x="4943745" y="2850212"/>
-              <a:ext cx="288000" cy="288000"/>
-            </a:xfrm>
-            <a:prstGeom prst="ellipse">
-              <a:avLst/>
-            </a:prstGeom>
-            <a:solidFill>
-              <a:schemeClr val="bg1"/>
-            </a:solidFill>
-            <a:ln w="28575">
-              <a:solidFill>
-                <a:srgbClr val="00B0F0"/>
-              </a:solidFill>
-            </a:ln>
-          </p:spPr>
-          <p:style>
-            <a:lnRef idx="2">
-              <a:schemeClr val="accent1">
-                <a:shade val="50000"/>
-              </a:schemeClr>
-            </a:lnRef>
-            <a:fillRef idx="1">
-              <a:schemeClr val="accent1"/>
-            </a:fillRef>
-            <a:effectRef idx="0">
-              <a:schemeClr val="accent1"/>
-            </a:effectRef>
-            <a:fontRef idx="minor">
-              <a:schemeClr val="lt1"/>
-            </a:fontRef>
-          </p:style>
-          <p:txBody>
-            <a:bodyPr rtlCol="0" anchor="ctr"/>
-            <a:lstStyle/>
-            <a:p>
-              <a:pPr algn="ctr"/>
-              <a:endParaRPr lang="fr-FR" dirty="0"/>
-            </a:p>
-          </p:txBody>
-        </p:sp>
-        <p:cxnSp>
-          <p:nvCxnSpPr>
-            <p:cNvPr id="55" name="Connecteur droit 54">
-              <a:extLst>
-                <a:ext uri="{FF2B5EF4-FFF2-40B4-BE49-F238E27FC236}">
-                  <a16:creationId xmlns:a16="http://schemas.microsoft.com/office/drawing/2014/main" id="{6DF4B8CA-E678-CE06-B43C-844BD0B32B25}"/>
-                </a:ext>
-              </a:extLst>
-            </p:cNvPr>
-            <p:cNvCxnSpPr>
-              <a:cxnSpLocks/>
-              <a:stCxn id="54" idx="1"/>
-              <a:endCxn id="56" idx="5"/>
-            </p:cNvCxnSpPr>
-            <p:nvPr/>
-          </p:nvCxnSpPr>
-          <p:spPr>
-            <a:xfrm>
-              <a:off x="4985922" y="2892389"/>
-              <a:ext cx="165463" cy="165463"/>
-            </a:xfrm>
-            <a:prstGeom prst="line">
-              <a:avLst/>
-            </a:prstGeom>
-            <a:noFill/>
-            <a:ln w="28575">
-              <a:solidFill>
-                <a:srgbClr val="00B0F0"/>
-              </a:solidFill>
-            </a:ln>
-          </p:spPr>
-          <p:style>
-            <a:lnRef idx="2">
-              <a:schemeClr val="accent1">
-                <a:shade val="50000"/>
-              </a:schemeClr>
-            </a:lnRef>
-            <a:fillRef idx="1">
-              <a:schemeClr val="accent1"/>
-            </a:fillRef>
-            <a:effectRef idx="0">
-              <a:schemeClr val="accent1"/>
-            </a:effectRef>
-            <a:fontRef idx="minor">
-              <a:schemeClr val="lt1"/>
-            </a:fontRef>
-          </p:style>
-        </p:cxnSp>
-        <p:sp>
-          <p:nvSpPr>
-            <p:cNvPr id="56" name="Ellipse 55">
-              <a:extLst>
-                <a:ext uri="{FF2B5EF4-FFF2-40B4-BE49-F238E27FC236}">
-                  <a16:creationId xmlns:a16="http://schemas.microsoft.com/office/drawing/2014/main" id="{518FFB62-4245-1DDC-89BC-BCC73C4F7B97}"/>
-                </a:ext>
-              </a:extLst>
-            </p:cNvPr>
-            <p:cNvSpPr/>
-            <p:nvPr/>
-          </p:nvSpPr>
-          <p:spPr>
-            <a:xfrm>
-              <a:off x="4997745" y="2904212"/>
-              <a:ext cx="180000" cy="180000"/>
-            </a:xfrm>
-            <a:prstGeom prst="ellipse">
-              <a:avLst/>
-            </a:prstGeom>
-            <a:solidFill>
-              <a:schemeClr val="bg1"/>
-            </a:solidFill>
-            <a:ln w="28575">
-              <a:solidFill>
-                <a:srgbClr val="00B0F0"/>
-              </a:solidFill>
-            </a:ln>
-          </p:spPr>
-          <p:style>
-            <a:lnRef idx="2">
-              <a:schemeClr val="accent1">
-                <a:shade val="50000"/>
-              </a:schemeClr>
-            </a:lnRef>
-            <a:fillRef idx="1">
-              <a:schemeClr val="accent1"/>
-            </a:fillRef>
-            <a:effectRef idx="0">
-              <a:schemeClr val="accent1"/>
-            </a:effectRef>
-            <a:fontRef idx="minor">
-              <a:schemeClr val="lt1"/>
-            </a:fontRef>
-          </p:style>
-          <p:txBody>
-            <a:bodyPr rtlCol="0" anchor="ctr"/>
-            <a:lstStyle/>
-            <a:p>
-              <a:pPr algn="ctr"/>
-              <a:endParaRPr lang="fr-FR" dirty="0"/>
-            </a:p>
-          </p:txBody>
-        </p:sp>
-      </p:grpSp>
-      <p:grpSp>
-        <p:nvGrpSpPr>
-          <p:cNvPr id="23" name="Groupe 22">
-            <a:extLst>
-              <a:ext uri="{FF2B5EF4-FFF2-40B4-BE49-F238E27FC236}">
-                <a16:creationId xmlns:a16="http://schemas.microsoft.com/office/drawing/2014/main" id="{D0173742-26E0-6ECB-3FFF-359A1C709332}"/>
-              </a:ext>
-            </a:extLst>
-          </p:cNvPr>
-          <p:cNvGrpSpPr/>
-          <p:nvPr/>
-        </p:nvGrpSpPr>
-        <p:grpSpPr>
-          <a:xfrm>
-            <a:off x="4934086" y="5706557"/>
-            <a:ext cx="288000" cy="288000"/>
-            <a:chOff x="4943745" y="2850212"/>
-            <a:chExt cx="288000" cy="288000"/>
-          </a:xfrm>
-        </p:grpSpPr>
-        <p:sp>
-          <p:nvSpPr>
-            <p:cNvPr id="51" name="Ellipse 50">
-              <a:extLst>
-                <a:ext uri="{FF2B5EF4-FFF2-40B4-BE49-F238E27FC236}">
-                  <a16:creationId xmlns:a16="http://schemas.microsoft.com/office/drawing/2014/main" id="{AD9FF9D2-FD9C-F952-2B8B-D69425B08B50}"/>
-                </a:ext>
-              </a:extLst>
-            </p:cNvPr>
-            <p:cNvSpPr/>
-            <p:nvPr/>
-          </p:nvSpPr>
-          <p:spPr>
-            <a:xfrm>
-              <a:off x="4943745" y="2850212"/>
-              <a:ext cx="288000" cy="288000"/>
-            </a:xfrm>
-            <a:prstGeom prst="ellipse">
-              <a:avLst/>
-            </a:prstGeom>
-            <a:solidFill>
-              <a:schemeClr val="bg1"/>
-            </a:solidFill>
-            <a:ln w="28575">
-              <a:solidFill>
-                <a:srgbClr val="00B0F0"/>
-              </a:solidFill>
-            </a:ln>
-          </p:spPr>
-          <p:style>
-            <a:lnRef idx="2">
-              <a:schemeClr val="accent1">
-                <a:shade val="50000"/>
-              </a:schemeClr>
-            </a:lnRef>
-            <a:fillRef idx="1">
-              <a:schemeClr val="accent1"/>
-            </a:fillRef>
-            <a:effectRef idx="0">
-              <a:schemeClr val="accent1"/>
-            </a:effectRef>
-            <a:fontRef idx="minor">
-              <a:schemeClr val="lt1"/>
-            </a:fontRef>
-          </p:style>
-          <p:txBody>
-            <a:bodyPr rtlCol="0" anchor="ctr"/>
-            <a:lstStyle/>
-            <a:p>
-              <a:pPr algn="ctr"/>
-              <a:endParaRPr lang="fr-FR" dirty="0"/>
-            </a:p>
-          </p:txBody>
-        </p:sp>
-        <p:cxnSp>
-          <p:nvCxnSpPr>
-            <p:cNvPr id="52" name="Connecteur droit 51">
-              <a:extLst>
-                <a:ext uri="{FF2B5EF4-FFF2-40B4-BE49-F238E27FC236}">
-                  <a16:creationId xmlns:a16="http://schemas.microsoft.com/office/drawing/2014/main" id="{F9DC958A-78F4-8EA7-CD1C-F83DBABF3CD9}"/>
-                </a:ext>
-              </a:extLst>
-            </p:cNvPr>
-            <p:cNvCxnSpPr>
-              <a:cxnSpLocks/>
-              <a:stCxn id="51" idx="1"/>
-              <a:endCxn id="53" idx="5"/>
-            </p:cNvCxnSpPr>
-            <p:nvPr/>
-          </p:nvCxnSpPr>
-          <p:spPr>
-            <a:xfrm>
-              <a:off x="4985922" y="2892389"/>
-              <a:ext cx="165463" cy="165463"/>
-            </a:xfrm>
-            <a:prstGeom prst="line">
-              <a:avLst/>
-            </a:prstGeom>
-            <a:noFill/>
-            <a:ln w="28575">
-              <a:solidFill>
-                <a:srgbClr val="00B0F0"/>
-              </a:solidFill>
-            </a:ln>
-          </p:spPr>
-          <p:style>
-            <a:lnRef idx="2">
-              <a:schemeClr val="accent1">
-                <a:shade val="50000"/>
-              </a:schemeClr>
-            </a:lnRef>
-            <a:fillRef idx="1">
-              <a:schemeClr val="accent1"/>
-            </a:fillRef>
-            <a:effectRef idx="0">
-              <a:schemeClr val="accent1"/>
-            </a:effectRef>
-            <a:fontRef idx="minor">
-              <a:schemeClr val="lt1"/>
-            </a:fontRef>
-          </p:style>
-        </p:cxnSp>
-        <p:sp>
-          <p:nvSpPr>
-            <p:cNvPr id="53" name="Ellipse 52">
-              <a:extLst>
-                <a:ext uri="{FF2B5EF4-FFF2-40B4-BE49-F238E27FC236}">
-                  <a16:creationId xmlns:a16="http://schemas.microsoft.com/office/drawing/2014/main" id="{C32FB5D7-C74D-1499-8E5D-BE50C46E8B4D}"/>
-                </a:ext>
-              </a:extLst>
-            </p:cNvPr>
-            <p:cNvSpPr/>
-            <p:nvPr/>
-          </p:nvSpPr>
-          <p:spPr>
-            <a:xfrm>
-              <a:off x="4997745" y="2904212"/>
-              <a:ext cx="180000" cy="180000"/>
-            </a:xfrm>
-            <a:prstGeom prst="ellipse">
-              <a:avLst/>
-            </a:prstGeom>
-            <a:solidFill>
-              <a:schemeClr val="bg1"/>
-            </a:solidFill>
-            <a:ln w="28575">
-              <a:solidFill>
-                <a:srgbClr val="00B0F0"/>
-              </a:solidFill>
-            </a:ln>
-          </p:spPr>
-          <p:style>
-            <a:lnRef idx="2">
-              <a:schemeClr val="accent1">
-                <a:shade val="50000"/>
-              </a:schemeClr>
-            </a:lnRef>
-            <a:fillRef idx="1">
-              <a:schemeClr val="accent1"/>
-            </a:fillRef>
-            <a:effectRef idx="0">
-              <a:schemeClr val="accent1"/>
-            </a:effectRef>
-            <a:fontRef idx="minor">
-              <a:schemeClr val="lt1"/>
-            </a:fontRef>
-          </p:style>
-          <p:txBody>
-            <a:bodyPr rtlCol="0" anchor="ctr"/>
-            <a:lstStyle/>
-            <a:p>
-              <a:pPr algn="ctr"/>
-              <a:endParaRPr lang="fr-FR" dirty="0"/>
-            </a:p>
-          </p:txBody>
-        </p:sp>
-      </p:grpSp>
-      <p:grpSp>
-        <p:nvGrpSpPr>
-          <p:cNvPr id="24" name="Groupe 23">
-            <a:extLst>
-              <a:ext uri="{FF2B5EF4-FFF2-40B4-BE49-F238E27FC236}">
-                <a16:creationId xmlns:a16="http://schemas.microsoft.com/office/drawing/2014/main" id="{14EC9D15-42D5-EE03-0209-5C4F45DEA198}"/>
-              </a:ext>
-            </a:extLst>
-          </p:cNvPr>
-          <p:cNvGrpSpPr/>
-          <p:nvPr/>
-        </p:nvGrpSpPr>
-        <p:grpSpPr>
-          <a:xfrm>
-            <a:off x="4934086" y="4157729"/>
-            <a:ext cx="288000" cy="288000"/>
-            <a:chOff x="4943745" y="2850212"/>
-            <a:chExt cx="288000" cy="288000"/>
-          </a:xfrm>
-        </p:grpSpPr>
-        <p:sp>
-          <p:nvSpPr>
-            <p:cNvPr id="48" name="Ellipse 47">
-              <a:extLst>
-                <a:ext uri="{FF2B5EF4-FFF2-40B4-BE49-F238E27FC236}">
-                  <a16:creationId xmlns:a16="http://schemas.microsoft.com/office/drawing/2014/main" id="{2F7E02A1-8D36-8E14-67DE-19D718500059}"/>
-                </a:ext>
-              </a:extLst>
-            </p:cNvPr>
-            <p:cNvSpPr/>
-            <p:nvPr/>
-          </p:nvSpPr>
-          <p:spPr>
-            <a:xfrm>
-              <a:off x="4943745" y="2850212"/>
-              <a:ext cx="288000" cy="288000"/>
-            </a:xfrm>
-            <a:prstGeom prst="ellipse">
-              <a:avLst/>
-            </a:prstGeom>
-            <a:solidFill>
-              <a:schemeClr val="bg1"/>
-            </a:solidFill>
-            <a:ln w="28575">
-              <a:solidFill>
-                <a:srgbClr val="00B0F0"/>
-              </a:solidFill>
-            </a:ln>
-          </p:spPr>
-          <p:style>
-            <a:lnRef idx="2">
-              <a:schemeClr val="accent1">
-                <a:shade val="50000"/>
-              </a:schemeClr>
-            </a:lnRef>
-            <a:fillRef idx="1">
-              <a:schemeClr val="accent1"/>
-            </a:fillRef>
-            <a:effectRef idx="0">
-              <a:schemeClr val="accent1"/>
-            </a:effectRef>
-            <a:fontRef idx="minor">
-              <a:schemeClr val="lt1"/>
-            </a:fontRef>
-          </p:style>
-          <p:txBody>
-            <a:bodyPr rtlCol="0" anchor="ctr"/>
-            <a:lstStyle/>
-            <a:p>
-              <a:pPr algn="ctr"/>
-              <a:endParaRPr lang="fr-FR" dirty="0"/>
-            </a:p>
-          </p:txBody>
-        </p:sp>
-        <p:cxnSp>
-          <p:nvCxnSpPr>
-            <p:cNvPr id="49" name="Connecteur droit 48">
-              <a:extLst>
-                <a:ext uri="{FF2B5EF4-FFF2-40B4-BE49-F238E27FC236}">
-                  <a16:creationId xmlns:a16="http://schemas.microsoft.com/office/drawing/2014/main" id="{A13D0BE9-3E14-CEDD-DDC6-023292B789CC}"/>
-                </a:ext>
-              </a:extLst>
-            </p:cNvPr>
-            <p:cNvCxnSpPr>
-              <a:cxnSpLocks/>
-              <a:stCxn id="48" idx="1"/>
-              <a:endCxn id="50" idx="5"/>
-            </p:cNvCxnSpPr>
-            <p:nvPr/>
-          </p:nvCxnSpPr>
-          <p:spPr>
-            <a:xfrm>
-              <a:off x="4985922" y="2892389"/>
-              <a:ext cx="165463" cy="165463"/>
-            </a:xfrm>
-            <a:prstGeom prst="line">
-              <a:avLst/>
-            </a:prstGeom>
-            <a:noFill/>
-            <a:ln w="28575">
-              <a:solidFill>
-                <a:srgbClr val="00B0F0"/>
-              </a:solidFill>
-            </a:ln>
-          </p:spPr>
-          <p:style>
-            <a:lnRef idx="2">
-              <a:schemeClr val="accent1">
-                <a:shade val="50000"/>
-              </a:schemeClr>
-            </a:lnRef>
-            <a:fillRef idx="1">
-              <a:schemeClr val="accent1"/>
-            </a:fillRef>
-            <a:effectRef idx="0">
-              <a:schemeClr val="accent1"/>
-            </a:effectRef>
-            <a:fontRef idx="minor">
-              <a:schemeClr val="lt1"/>
-            </a:fontRef>
-          </p:style>
-        </p:cxnSp>
-        <p:sp>
-          <p:nvSpPr>
-            <p:cNvPr id="50" name="Ellipse 49">
-              <a:extLst>
-                <a:ext uri="{FF2B5EF4-FFF2-40B4-BE49-F238E27FC236}">
-                  <a16:creationId xmlns:a16="http://schemas.microsoft.com/office/drawing/2014/main" id="{DA2F4140-FE1E-77E7-60BC-ED72077603FE}"/>
-                </a:ext>
-              </a:extLst>
-            </p:cNvPr>
-            <p:cNvSpPr/>
-            <p:nvPr/>
-          </p:nvSpPr>
-          <p:spPr>
-            <a:xfrm>
-              <a:off x="4997745" y="2904212"/>
-              <a:ext cx="180000" cy="180000"/>
-            </a:xfrm>
-            <a:prstGeom prst="ellipse">
-              <a:avLst/>
-            </a:prstGeom>
-            <a:solidFill>
-              <a:schemeClr val="bg1"/>
-            </a:solidFill>
-            <a:ln w="28575">
-              <a:solidFill>
-                <a:srgbClr val="00B0F0"/>
-              </a:solidFill>
-            </a:ln>
-          </p:spPr>
-          <p:style>
-            <a:lnRef idx="2">
-              <a:schemeClr val="accent1">
-                <a:shade val="50000"/>
-              </a:schemeClr>
-            </a:lnRef>
-            <a:fillRef idx="1">
-              <a:schemeClr val="accent1"/>
-            </a:fillRef>
-            <a:effectRef idx="0">
-              <a:schemeClr val="accent1"/>
-            </a:effectRef>
-            <a:fontRef idx="minor">
-              <a:schemeClr val="lt1"/>
-            </a:fontRef>
-          </p:style>
-          <p:txBody>
-            <a:bodyPr rtlCol="0" anchor="ctr"/>
-            <a:lstStyle/>
-            <a:p>
-              <a:pPr algn="ctr"/>
-              <a:endParaRPr lang="fr-FR" dirty="0"/>
-            </a:p>
-          </p:txBody>
-        </p:sp>
-      </p:grpSp>
-      <p:grpSp>
-        <p:nvGrpSpPr>
-          <p:cNvPr id="25" name="Groupe 24">
-            <a:extLst>
-              <a:ext uri="{FF2B5EF4-FFF2-40B4-BE49-F238E27FC236}">
-                <a16:creationId xmlns:a16="http://schemas.microsoft.com/office/drawing/2014/main" id="{E38DC8BF-3948-88DD-2A6C-0E651F198872}"/>
-              </a:ext>
-            </a:extLst>
-          </p:cNvPr>
-          <p:cNvGrpSpPr/>
-          <p:nvPr/>
-        </p:nvGrpSpPr>
-        <p:grpSpPr>
-          <a:xfrm>
-            <a:off x="2066925" y="4163004"/>
-            <a:ext cx="288000" cy="288000"/>
-            <a:chOff x="4943745" y="2850212"/>
-            <a:chExt cx="288000" cy="288000"/>
-          </a:xfrm>
-        </p:grpSpPr>
-        <p:sp>
-          <p:nvSpPr>
-            <p:cNvPr id="45" name="Ellipse 44">
-              <a:extLst>
-                <a:ext uri="{FF2B5EF4-FFF2-40B4-BE49-F238E27FC236}">
-                  <a16:creationId xmlns:a16="http://schemas.microsoft.com/office/drawing/2014/main" id="{E8EF2F52-AD68-E6CC-89C2-64A02E0B648A}"/>
-                </a:ext>
-              </a:extLst>
-            </p:cNvPr>
-            <p:cNvSpPr/>
-            <p:nvPr/>
-          </p:nvSpPr>
-          <p:spPr>
-            <a:xfrm>
-              <a:off x="4943745" y="2850212"/>
-              <a:ext cx="288000" cy="288000"/>
-            </a:xfrm>
-            <a:prstGeom prst="ellipse">
-              <a:avLst/>
-            </a:prstGeom>
-            <a:solidFill>
-              <a:schemeClr val="bg1"/>
-            </a:solidFill>
-            <a:ln w="28575">
-              <a:solidFill>
-                <a:srgbClr val="00B0F0"/>
-              </a:solidFill>
-            </a:ln>
-          </p:spPr>
-          <p:style>
-            <a:lnRef idx="2">
-              <a:schemeClr val="accent1">
-                <a:shade val="50000"/>
-              </a:schemeClr>
-            </a:lnRef>
-            <a:fillRef idx="1">
-              <a:schemeClr val="accent1"/>
-            </a:fillRef>
-            <a:effectRef idx="0">
-              <a:schemeClr val="accent1"/>
-            </a:effectRef>
-            <a:fontRef idx="minor">
-              <a:schemeClr val="lt1"/>
-            </a:fontRef>
-          </p:style>
-          <p:txBody>
-            <a:bodyPr rtlCol="0" anchor="ctr"/>
-            <a:lstStyle/>
-            <a:p>
-              <a:pPr algn="ctr"/>
-              <a:endParaRPr lang="fr-FR" dirty="0"/>
-            </a:p>
-          </p:txBody>
-        </p:sp>
-        <p:cxnSp>
-          <p:nvCxnSpPr>
-            <p:cNvPr id="46" name="Connecteur droit 45">
-              <a:extLst>
-                <a:ext uri="{FF2B5EF4-FFF2-40B4-BE49-F238E27FC236}">
-                  <a16:creationId xmlns:a16="http://schemas.microsoft.com/office/drawing/2014/main" id="{B8997DB3-D854-AA0B-DE2B-4CBC5A3329FE}"/>
-                </a:ext>
-              </a:extLst>
-            </p:cNvPr>
-            <p:cNvCxnSpPr>
-              <a:cxnSpLocks/>
-              <a:stCxn id="45" idx="1"/>
-              <a:endCxn id="47" idx="5"/>
-            </p:cNvCxnSpPr>
-            <p:nvPr/>
-          </p:nvCxnSpPr>
-          <p:spPr>
-            <a:xfrm>
-              <a:off x="4985922" y="2892389"/>
-              <a:ext cx="165463" cy="165463"/>
-            </a:xfrm>
-            <a:prstGeom prst="line">
-              <a:avLst/>
-            </a:prstGeom>
-            <a:noFill/>
-            <a:ln w="28575">
-              <a:solidFill>
-                <a:srgbClr val="00B0F0"/>
-              </a:solidFill>
-            </a:ln>
-          </p:spPr>
-          <p:style>
-            <a:lnRef idx="2">
-              <a:schemeClr val="accent1">
-                <a:shade val="50000"/>
-              </a:schemeClr>
-            </a:lnRef>
-            <a:fillRef idx="1">
-              <a:schemeClr val="accent1"/>
-            </a:fillRef>
-            <a:effectRef idx="0">
-              <a:schemeClr val="accent1"/>
-            </a:effectRef>
-            <a:fontRef idx="minor">
-              <a:schemeClr val="lt1"/>
-            </a:fontRef>
-          </p:style>
-        </p:cxnSp>
-        <p:sp>
-          <p:nvSpPr>
-            <p:cNvPr id="47" name="Ellipse 46">
-              <a:extLst>
-                <a:ext uri="{FF2B5EF4-FFF2-40B4-BE49-F238E27FC236}">
-                  <a16:creationId xmlns:a16="http://schemas.microsoft.com/office/drawing/2014/main" id="{5538F9CE-283B-26C1-9E87-BAC3FA80C010}"/>
-                </a:ext>
-              </a:extLst>
-            </p:cNvPr>
-            <p:cNvSpPr/>
-            <p:nvPr/>
-          </p:nvSpPr>
-          <p:spPr>
-            <a:xfrm>
-              <a:off x="4997745" y="2904212"/>
-              <a:ext cx="180000" cy="180000"/>
-            </a:xfrm>
-            <a:prstGeom prst="ellipse">
-              <a:avLst/>
-            </a:prstGeom>
-            <a:solidFill>
-              <a:schemeClr val="bg1"/>
-            </a:solidFill>
-            <a:ln w="28575">
-              <a:solidFill>
-                <a:srgbClr val="00B0F0"/>
-              </a:solidFill>
-            </a:ln>
-          </p:spPr>
-          <p:style>
-            <a:lnRef idx="2">
-              <a:schemeClr val="accent1">
-                <a:shade val="50000"/>
-              </a:schemeClr>
-            </a:lnRef>
-            <a:fillRef idx="1">
-              <a:schemeClr val="accent1"/>
-            </a:fillRef>
-            <a:effectRef idx="0">
-              <a:schemeClr val="accent1"/>
-            </a:effectRef>
-            <a:fontRef idx="minor">
-              <a:schemeClr val="lt1"/>
-            </a:fontRef>
-          </p:style>
-          <p:txBody>
-            <a:bodyPr rtlCol="0" anchor="ctr"/>
-            <a:lstStyle/>
-            <a:p>
-              <a:pPr algn="ctr"/>
-              <a:endParaRPr lang="fr-FR" dirty="0"/>
-            </a:p>
-          </p:txBody>
-        </p:sp>
-      </p:grpSp>
-      <p:sp>
-        <p:nvSpPr>
-          <p:cNvPr id="26" name="Ellipse 25">
-            <a:extLst>
-              <a:ext uri="{FF2B5EF4-FFF2-40B4-BE49-F238E27FC236}">
-                <a16:creationId xmlns:a16="http://schemas.microsoft.com/office/drawing/2014/main" id="{D4F50460-C027-66A8-8B62-CAA688B31437}"/>
-              </a:ext>
-            </a:extLst>
-          </p:cNvPr>
-          <p:cNvSpPr/>
-          <p:nvPr/>
-        </p:nvSpPr>
-        <p:spPr>
-          <a:xfrm>
-            <a:off x="3556104" y="5755456"/>
-            <a:ext cx="180000" cy="180000"/>
-          </a:xfrm>
-          <a:prstGeom prst="ellipse">
-            <a:avLst/>
-          </a:prstGeom>
-          <a:solidFill>
-            <a:schemeClr val="bg1"/>
-          </a:solidFill>
-          <a:ln w="28575">
-            <a:solidFill>
-              <a:srgbClr val="C00000"/>
-            </a:solidFill>
-          </a:ln>
-        </p:spPr>
-        <p:style>
-          <a:lnRef idx="2">
-            <a:schemeClr val="accent1">
-              <a:shade val="50000"/>
-            </a:schemeClr>
-          </a:lnRef>
-          <a:fillRef idx="1">
-            <a:schemeClr val="accent1"/>
-          </a:fillRef>
-          <a:effectRef idx="0">
-            <a:schemeClr val="accent1"/>
-          </a:effectRef>
-          <a:fontRef idx="minor">
-            <a:schemeClr val="lt1"/>
-          </a:fontRef>
-        </p:style>
-        <p:txBody>
-          <a:bodyPr rtlCol="0" anchor="ctr"/>
-          <a:lstStyle/>
-          <a:p>
-            <a:pPr algn="ctr"/>
-            <a:endParaRPr lang="fr-FR" dirty="0"/>
-          </a:p>
-        </p:txBody>
-      </p:sp>
-      <p:sp>
-        <p:nvSpPr>
-          <p:cNvPr id="27" name="Ellipse 26">
-            <a:extLst>
-              <a:ext uri="{FF2B5EF4-FFF2-40B4-BE49-F238E27FC236}">
-                <a16:creationId xmlns:a16="http://schemas.microsoft.com/office/drawing/2014/main" id="{D38694A0-33E0-D897-5C41-ABC8A866AB59}"/>
-              </a:ext>
-            </a:extLst>
-          </p:cNvPr>
-          <p:cNvSpPr/>
-          <p:nvPr/>
-        </p:nvSpPr>
-        <p:spPr>
-          <a:xfrm>
-            <a:off x="3547684" y="4207264"/>
-            <a:ext cx="180000" cy="180000"/>
-          </a:xfrm>
-          <a:prstGeom prst="ellipse">
-            <a:avLst/>
-          </a:prstGeom>
-          <a:solidFill>
-            <a:schemeClr val="bg1"/>
-          </a:solidFill>
-          <a:ln w="28575">
-            <a:solidFill>
-              <a:srgbClr val="00B050"/>
-            </a:solidFill>
-          </a:ln>
-        </p:spPr>
-        <p:style>
-          <a:lnRef idx="2">
-            <a:schemeClr val="accent1">
-              <a:shade val="50000"/>
-            </a:schemeClr>
-          </a:lnRef>
-          <a:fillRef idx="1">
-            <a:schemeClr val="accent1"/>
-          </a:fillRef>
-          <a:effectRef idx="0">
-            <a:schemeClr val="accent1"/>
-          </a:effectRef>
-          <a:fontRef idx="minor">
-            <a:schemeClr val="lt1"/>
-          </a:fontRef>
-        </p:style>
-        <p:txBody>
-          <a:bodyPr rtlCol="0" anchor="ctr"/>
-          <a:lstStyle/>
-          <a:p>
-            <a:pPr algn="ctr"/>
-            <a:endParaRPr lang="fr-FR" dirty="0"/>
-          </a:p>
-        </p:txBody>
-      </p:sp>
-      <p:grpSp>
-        <p:nvGrpSpPr>
-          <p:cNvPr id="28" name="Groupe 27">
-            <a:extLst>
-              <a:ext uri="{FF2B5EF4-FFF2-40B4-BE49-F238E27FC236}">
-                <a16:creationId xmlns:a16="http://schemas.microsoft.com/office/drawing/2014/main" id="{BAED752F-8F09-A1F5-5A82-01C7691B1080}"/>
-              </a:ext>
-            </a:extLst>
-          </p:cNvPr>
-          <p:cNvGrpSpPr/>
-          <p:nvPr/>
-        </p:nvGrpSpPr>
-        <p:grpSpPr>
-          <a:xfrm>
-            <a:off x="2274565" y="4360904"/>
-            <a:ext cx="1307899" cy="1426013"/>
-            <a:chOff x="5368879" y="1782440"/>
-            <a:chExt cx="1307899" cy="1426013"/>
-          </a:xfrm>
-        </p:grpSpPr>
-        <p:cxnSp>
-          <p:nvCxnSpPr>
-            <p:cNvPr id="42" name="Connecteur droit 41">
-              <a:extLst>
-                <a:ext uri="{FF2B5EF4-FFF2-40B4-BE49-F238E27FC236}">
-                  <a16:creationId xmlns:a16="http://schemas.microsoft.com/office/drawing/2014/main" id="{74A23B49-D593-2BA4-0F7F-EAFB2ECCA3FF}"/>
-                </a:ext>
-              </a:extLst>
-            </p:cNvPr>
-            <p:cNvCxnSpPr>
-              <a:cxnSpLocks/>
-              <a:stCxn id="26" idx="1"/>
-              <a:endCxn id="47" idx="5"/>
-            </p:cNvCxnSpPr>
-            <p:nvPr/>
-          </p:nvCxnSpPr>
-          <p:spPr>
-            <a:xfrm flipH="1" flipV="1">
-              <a:off x="5368879" y="1792180"/>
-              <a:ext cx="1307899" cy="1411172"/>
-            </a:xfrm>
-            <a:prstGeom prst="line">
-              <a:avLst/>
-            </a:prstGeom>
-            <a:noFill/>
-            <a:ln w="28575">
-              <a:solidFill>
-                <a:srgbClr val="FFC000"/>
-              </a:solidFill>
-            </a:ln>
-          </p:spPr>
-          <p:style>
-            <a:lnRef idx="2">
-              <a:schemeClr val="accent1">
-                <a:shade val="50000"/>
-              </a:schemeClr>
-            </a:lnRef>
-            <a:fillRef idx="1">
-              <a:schemeClr val="accent1"/>
-            </a:fillRef>
-            <a:effectRef idx="0">
-              <a:schemeClr val="accent1"/>
-            </a:effectRef>
-            <a:fontRef idx="minor">
-              <a:schemeClr val="lt1"/>
-            </a:fontRef>
-          </p:style>
-        </p:cxnSp>
-        <p:cxnSp>
-          <p:nvCxnSpPr>
-            <p:cNvPr id="43" name="Connecteur droit 42">
-              <a:extLst>
-                <a:ext uri="{FF2B5EF4-FFF2-40B4-BE49-F238E27FC236}">
-                  <a16:creationId xmlns:a16="http://schemas.microsoft.com/office/drawing/2014/main" id="{537DEC48-16EA-3802-5161-3966AD2D4B20}"/>
-                </a:ext>
-              </a:extLst>
-            </p:cNvPr>
-            <p:cNvCxnSpPr>
-              <a:cxnSpLocks/>
-              <a:stCxn id="56" idx="7"/>
-              <a:endCxn id="27" idx="3"/>
-            </p:cNvCxnSpPr>
-            <p:nvPr/>
-          </p:nvCxnSpPr>
-          <p:spPr>
-            <a:xfrm flipV="1">
-              <a:off x="5368879" y="1782440"/>
-              <a:ext cx="1299479" cy="1426013"/>
-            </a:xfrm>
-            <a:prstGeom prst="line">
-              <a:avLst/>
-            </a:prstGeom>
-            <a:noFill/>
-            <a:ln w="28575">
-              <a:solidFill>
-                <a:srgbClr val="7030A0"/>
-              </a:solidFill>
-            </a:ln>
-          </p:spPr>
-          <p:style>
-            <a:lnRef idx="2">
-              <a:schemeClr val="accent1">
-                <a:shade val="50000"/>
-              </a:schemeClr>
-            </a:lnRef>
-            <a:fillRef idx="1">
-              <a:schemeClr val="accent1"/>
-            </a:fillRef>
-            <a:effectRef idx="0">
-              <a:schemeClr val="accent1"/>
-            </a:effectRef>
-            <a:fontRef idx="minor">
-              <a:schemeClr val="lt1"/>
-            </a:fontRef>
-          </p:style>
-        </p:cxnSp>
-        <p:sp>
-          <p:nvSpPr>
-            <p:cNvPr id="44" name="Ellipse 43">
-              <a:extLst>
-                <a:ext uri="{FF2B5EF4-FFF2-40B4-BE49-F238E27FC236}">
-                  <a16:creationId xmlns:a16="http://schemas.microsoft.com/office/drawing/2014/main" id="{383C04AC-56D7-6D25-FD8C-0EAF54298F57}"/>
-                </a:ext>
-              </a:extLst>
-            </p:cNvPr>
-            <p:cNvSpPr/>
-            <p:nvPr/>
-          </p:nvSpPr>
-          <p:spPr>
-            <a:xfrm>
-              <a:off x="5928618" y="2407679"/>
-              <a:ext cx="180000" cy="180000"/>
-            </a:xfrm>
-            <a:prstGeom prst="ellipse">
-              <a:avLst/>
-            </a:prstGeom>
-            <a:solidFill>
-              <a:schemeClr val="bg1"/>
-            </a:solidFill>
-            <a:ln w="28575">
-              <a:solidFill>
-                <a:srgbClr val="7030A0"/>
-              </a:solidFill>
-            </a:ln>
-          </p:spPr>
-          <p:style>
-            <a:lnRef idx="2">
-              <a:schemeClr val="accent1">
-                <a:shade val="50000"/>
-              </a:schemeClr>
-            </a:lnRef>
-            <a:fillRef idx="1">
-              <a:schemeClr val="accent1"/>
-            </a:fillRef>
-            <a:effectRef idx="0">
-              <a:schemeClr val="accent1"/>
-            </a:effectRef>
-            <a:fontRef idx="minor">
-              <a:schemeClr val="lt1"/>
-            </a:fontRef>
-          </p:style>
-          <p:txBody>
-            <a:bodyPr rtlCol="0" anchor="ctr"/>
-            <a:lstStyle/>
-            <a:p>
-              <a:pPr algn="ctr"/>
-              <a:endParaRPr lang="fr-FR" dirty="0"/>
-            </a:p>
-          </p:txBody>
-        </p:sp>
-      </p:grpSp>
-      <p:grpSp>
-        <p:nvGrpSpPr>
-          <p:cNvPr id="29" name="Groupe 28">
-            <a:extLst>
-              <a:ext uri="{FF2B5EF4-FFF2-40B4-BE49-F238E27FC236}">
-                <a16:creationId xmlns:a16="http://schemas.microsoft.com/office/drawing/2014/main" id="{066648B3-F7DF-89DC-4F0B-7C9E7D3E61B6}"/>
-              </a:ext>
-            </a:extLst>
-          </p:cNvPr>
-          <p:cNvGrpSpPr/>
-          <p:nvPr/>
-        </p:nvGrpSpPr>
-        <p:grpSpPr>
-          <a:xfrm>
-            <a:off x="3706547" y="4375584"/>
-            <a:ext cx="1307899" cy="1411172"/>
-            <a:chOff x="5368879" y="1792180"/>
-            <a:chExt cx="1307899" cy="1411172"/>
-          </a:xfrm>
-        </p:grpSpPr>
-        <p:cxnSp>
-          <p:nvCxnSpPr>
-            <p:cNvPr id="39" name="Connecteur droit 38">
-              <a:extLst>
-                <a:ext uri="{FF2B5EF4-FFF2-40B4-BE49-F238E27FC236}">
-                  <a16:creationId xmlns:a16="http://schemas.microsoft.com/office/drawing/2014/main" id="{4818F556-A31F-9DBC-3348-0F26FE879BA6}"/>
-                </a:ext>
-              </a:extLst>
-            </p:cNvPr>
-            <p:cNvCxnSpPr>
-              <a:cxnSpLocks/>
-            </p:cNvCxnSpPr>
-            <p:nvPr/>
-          </p:nvCxnSpPr>
-          <p:spPr>
-            <a:xfrm flipH="1" flipV="1">
-              <a:off x="5368879" y="1792180"/>
-              <a:ext cx="1307899" cy="1411172"/>
-            </a:xfrm>
-            <a:prstGeom prst="line">
-              <a:avLst/>
-            </a:prstGeom>
-            <a:noFill/>
-            <a:ln w="28575">
-              <a:solidFill>
-                <a:srgbClr val="FFC000"/>
-              </a:solidFill>
-            </a:ln>
-          </p:spPr>
-          <p:style>
-            <a:lnRef idx="2">
-              <a:schemeClr val="accent1">
-                <a:shade val="50000"/>
-              </a:schemeClr>
-            </a:lnRef>
-            <a:fillRef idx="1">
-              <a:schemeClr val="accent1"/>
-            </a:fillRef>
-            <a:effectRef idx="0">
-              <a:schemeClr val="accent1"/>
-            </a:effectRef>
-            <a:fontRef idx="minor">
-              <a:schemeClr val="lt1"/>
-            </a:fontRef>
-          </p:style>
-        </p:cxnSp>
-        <p:sp>
-          <p:nvSpPr>
-            <p:cNvPr id="41" name="Ellipse 40">
-              <a:extLst>
-                <a:ext uri="{FF2B5EF4-FFF2-40B4-BE49-F238E27FC236}">
-                  <a16:creationId xmlns:a16="http://schemas.microsoft.com/office/drawing/2014/main" id="{C9070049-9CB1-0C60-F63B-F1774F350B61}"/>
-                </a:ext>
-              </a:extLst>
-            </p:cNvPr>
-            <p:cNvSpPr/>
-            <p:nvPr/>
-          </p:nvSpPr>
-          <p:spPr>
-            <a:xfrm>
-              <a:off x="5928618" y="2407679"/>
-              <a:ext cx="180000" cy="180000"/>
-            </a:xfrm>
-            <a:prstGeom prst="ellipse">
-              <a:avLst/>
-            </a:prstGeom>
-            <a:solidFill>
-              <a:schemeClr val="bg1"/>
-            </a:solidFill>
-            <a:ln w="28575">
-              <a:solidFill>
-                <a:srgbClr val="7030A0"/>
-              </a:solidFill>
-            </a:ln>
-          </p:spPr>
-          <p:style>
-            <a:lnRef idx="2">
-              <a:schemeClr val="accent1">
-                <a:shade val="50000"/>
-              </a:schemeClr>
-            </a:lnRef>
-            <a:fillRef idx="1">
-              <a:schemeClr val="accent1"/>
-            </a:fillRef>
-            <a:effectRef idx="0">
-              <a:schemeClr val="accent1"/>
-            </a:effectRef>
-            <a:fontRef idx="minor">
-              <a:schemeClr val="lt1"/>
-            </a:fontRef>
-          </p:style>
-          <p:txBody>
-            <a:bodyPr rtlCol="0" anchor="ctr"/>
-            <a:lstStyle/>
-            <a:p>
-              <a:pPr algn="ctr"/>
-              <a:endParaRPr lang="fr-FR" dirty="0"/>
-            </a:p>
-          </p:txBody>
-        </p:sp>
-      </p:grpSp>
-      <p:sp>
-        <p:nvSpPr>
-          <p:cNvPr id="30" name="Ellipse 29">
-            <a:extLst>
-              <a:ext uri="{FF2B5EF4-FFF2-40B4-BE49-F238E27FC236}">
-                <a16:creationId xmlns:a16="http://schemas.microsoft.com/office/drawing/2014/main" id="{D09C67A5-6198-523A-390C-86379F10DDEF}"/>
-              </a:ext>
-            </a:extLst>
-          </p:cNvPr>
-          <p:cNvSpPr/>
-          <p:nvPr/>
-        </p:nvSpPr>
-        <p:spPr>
-          <a:xfrm>
-            <a:off x="2394802" y="4744791"/>
-            <a:ext cx="180000" cy="180000"/>
-          </a:xfrm>
-          <a:prstGeom prst="ellipse">
-            <a:avLst/>
-          </a:prstGeom>
-          <a:solidFill>
-            <a:schemeClr val="bg1"/>
-          </a:solidFill>
-          <a:ln w="19050">
-            <a:solidFill>
-              <a:srgbClr val="FFC000"/>
-            </a:solidFill>
-          </a:ln>
-        </p:spPr>
-        <p:style>
-          <a:lnRef idx="2">
-            <a:schemeClr val="accent1">
-              <a:shade val="50000"/>
-            </a:schemeClr>
-          </a:lnRef>
-          <a:fillRef idx="1">
-            <a:schemeClr val="accent1"/>
-          </a:fillRef>
-          <a:effectRef idx="0">
-            <a:schemeClr val="accent1"/>
-          </a:effectRef>
-          <a:fontRef idx="minor">
-            <a:schemeClr val="lt1"/>
-          </a:fontRef>
-        </p:style>
-        <p:txBody>
-          <a:bodyPr rtlCol="0" anchor="ctr"/>
-          <a:lstStyle/>
-          <a:p>
-            <a:pPr algn="ctr"/>
-            <a:r>
-              <a:rPr lang="fr-FR" sz="1050" b="1" dirty="0">
-                <a:solidFill>
-                  <a:srgbClr val="FFC000"/>
-                </a:solidFill>
-              </a:rPr>
-              <a:t>a</a:t>
-            </a:r>
-            <a:endParaRPr lang="fr-FR" sz="1400" b="1" dirty="0">
-              <a:solidFill>
-                <a:srgbClr val="FFC000"/>
-              </a:solidFill>
-            </a:endParaRPr>
-          </a:p>
-        </p:txBody>
-      </p:sp>
-      <p:sp>
-        <p:nvSpPr>
-          <p:cNvPr id="31" name="Ellipse 30">
-            <a:extLst>
-              <a:ext uri="{FF2B5EF4-FFF2-40B4-BE49-F238E27FC236}">
-                <a16:creationId xmlns:a16="http://schemas.microsoft.com/office/drawing/2014/main" id="{5D604E93-00F5-EB7B-3D99-11A6B8A33784}"/>
-              </a:ext>
-            </a:extLst>
-          </p:cNvPr>
-          <p:cNvSpPr/>
-          <p:nvPr/>
-        </p:nvSpPr>
-        <p:spPr>
-          <a:xfrm>
-            <a:off x="2398365" y="5255323"/>
-            <a:ext cx="180000" cy="180000"/>
-          </a:xfrm>
-          <a:prstGeom prst="ellipse">
-            <a:avLst/>
-          </a:prstGeom>
-          <a:solidFill>
-            <a:schemeClr val="bg1"/>
-          </a:solidFill>
-          <a:ln w="19050">
-            <a:solidFill>
-              <a:srgbClr val="7030A0"/>
-            </a:solidFill>
-          </a:ln>
-        </p:spPr>
-        <p:style>
-          <a:lnRef idx="2">
-            <a:schemeClr val="accent1">
-              <a:shade val="50000"/>
-            </a:schemeClr>
-          </a:lnRef>
-          <a:fillRef idx="1">
-            <a:schemeClr val="accent1"/>
-          </a:fillRef>
-          <a:effectRef idx="0">
-            <a:schemeClr val="accent1"/>
-          </a:effectRef>
-          <a:fontRef idx="minor">
-            <a:schemeClr val="lt1"/>
-          </a:fontRef>
-        </p:style>
-        <p:txBody>
-          <a:bodyPr rtlCol="0" anchor="ctr"/>
-          <a:lstStyle/>
-          <a:p>
-            <a:pPr algn="ctr"/>
-            <a:r>
-              <a:rPr lang="fr-FR" sz="1050" b="1" dirty="0">
-                <a:solidFill>
-                  <a:srgbClr val="7030A0"/>
-                </a:solidFill>
-              </a:rPr>
-              <a:t>b</a:t>
-            </a:r>
-            <a:endParaRPr lang="fr-FR" sz="1400" b="1" dirty="0">
-              <a:solidFill>
-                <a:srgbClr val="7030A0"/>
-              </a:solidFill>
-            </a:endParaRPr>
-          </a:p>
-        </p:txBody>
-      </p:sp>
-      <p:sp>
-        <p:nvSpPr>
-          <p:cNvPr id="32" name="Ellipse 31">
-            <a:extLst>
-              <a:ext uri="{FF2B5EF4-FFF2-40B4-BE49-F238E27FC236}">
-                <a16:creationId xmlns:a16="http://schemas.microsoft.com/office/drawing/2014/main" id="{F571A635-6074-5378-BE39-1D185FD358E6}"/>
-              </a:ext>
-            </a:extLst>
-          </p:cNvPr>
-          <p:cNvSpPr/>
-          <p:nvPr/>
-        </p:nvSpPr>
-        <p:spPr>
-          <a:xfrm>
-            <a:off x="4712222" y="5255323"/>
-            <a:ext cx="180000" cy="180000"/>
-          </a:xfrm>
-          <a:prstGeom prst="ellipse">
-            <a:avLst/>
-          </a:prstGeom>
-          <a:solidFill>
-            <a:schemeClr val="bg1"/>
-          </a:solidFill>
-          <a:ln w="19050">
-            <a:solidFill>
-              <a:srgbClr val="FFC000"/>
-            </a:solidFill>
-          </a:ln>
-        </p:spPr>
-        <p:style>
-          <a:lnRef idx="2">
-            <a:schemeClr val="accent1">
-              <a:shade val="50000"/>
-            </a:schemeClr>
-          </a:lnRef>
-          <a:fillRef idx="1">
-            <a:schemeClr val="accent1"/>
-          </a:fillRef>
-          <a:effectRef idx="0">
-            <a:schemeClr val="accent1"/>
-          </a:effectRef>
-          <a:fontRef idx="minor">
-            <a:schemeClr val="lt1"/>
-          </a:fontRef>
-        </p:style>
-        <p:txBody>
-          <a:bodyPr rtlCol="0" anchor="ctr"/>
-          <a:lstStyle/>
-          <a:p>
-            <a:pPr algn="ctr"/>
-            <a:r>
-              <a:rPr lang="fr-FR" sz="1050" b="1" dirty="0">
-                <a:solidFill>
-                  <a:srgbClr val="FFC000"/>
-                </a:solidFill>
-              </a:rPr>
-              <a:t>c</a:t>
-            </a:r>
-            <a:endParaRPr lang="fr-FR" sz="1400" b="1" dirty="0">
-              <a:solidFill>
-                <a:srgbClr val="FFC000"/>
-              </a:solidFill>
-            </a:endParaRPr>
-          </a:p>
-        </p:txBody>
-      </p:sp>
-      <p:sp>
-        <p:nvSpPr>
-          <p:cNvPr id="33" name="Ellipse 32">
-            <a:extLst>
-              <a:ext uri="{FF2B5EF4-FFF2-40B4-BE49-F238E27FC236}">
-                <a16:creationId xmlns:a16="http://schemas.microsoft.com/office/drawing/2014/main" id="{1E73E382-0D6E-6C43-CBE4-AADA315A4A55}"/>
-              </a:ext>
-            </a:extLst>
-          </p:cNvPr>
-          <p:cNvSpPr/>
-          <p:nvPr/>
-        </p:nvSpPr>
-        <p:spPr>
-          <a:xfrm>
-            <a:off x="4712222" y="4744791"/>
-            <a:ext cx="180000" cy="180000"/>
-          </a:xfrm>
-          <a:prstGeom prst="ellipse">
-            <a:avLst/>
-          </a:prstGeom>
-          <a:solidFill>
-            <a:schemeClr val="bg1"/>
-          </a:solidFill>
-          <a:ln w="19050">
-            <a:solidFill>
-              <a:srgbClr val="7030A0"/>
-            </a:solidFill>
-          </a:ln>
-        </p:spPr>
-        <p:style>
-          <a:lnRef idx="2">
-            <a:schemeClr val="accent1">
-              <a:shade val="50000"/>
-            </a:schemeClr>
-          </a:lnRef>
-          <a:fillRef idx="1">
-            <a:schemeClr val="accent1"/>
-          </a:fillRef>
-          <a:effectRef idx="0">
-            <a:schemeClr val="accent1"/>
-          </a:effectRef>
-          <a:fontRef idx="minor">
-            <a:schemeClr val="lt1"/>
-          </a:fontRef>
-        </p:style>
-        <p:txBody>
-          <a:bodyPr rtlCol="0" anchor="ctr"/>
-          <a:lstStyle/>
-          <a:p>
-            <a:pPr algn="ctr"/>
-            <a:r>
-              <a:rPr lang="fr-FR" sz="1050" b="1" dirty="0">
-                <a:solidFill>
-                  <a:srgbClr val="7030A0"/>
-                </a:solidFill>
-              </a:rPr>
-              <a:t>d</a:t>
-            </a:r>
-            <a:endParaRPr lang="fr-FR" sz="1400" b="1" dirty="0">
-              <a:solidFill>
-                <a:srgbClr val="7030A0"/>
-              </a:solidFill>
-            </a:endParaRPr>
-          </a:p>
-        </p:txBody>
-      </p:sp>
-      <p:sp>
-        <p:nvSpPr>
-          <p:cNvPr id="34" name="Ellipse 33">
-            <a:extLst>
-              <a:ext uri="{FF2B5EF4-FFF2-40B4-BE49-F238E27FC236}">
-                <a16:creationId xmlns:a16="http://schemas.microsoft.com/office/drawing/2014/main" id="{7161F402-4B1A-F7E6-10B6-03A93B9A5CE6}"/>
-              </a:ext>
-            </a:extLst>
-          </p:cNvPr>
-          <p:cNvSpPr/>
-          <p:nvPr/>
-        </p:nvSpPr>
-        <p:spPr>
-          <a:xfrm>
-            <a:off x="1823925" y="5748734"/>
-            <a:ext cx="180000" cy="180000"/>
-          </a:xfrm>
-          <a:prstGeom prst="ellipse">
-            <a:avLst/>
-          </a:prstGeom>
-          <a:solidFill>
-            <a:schemeClr val="bg1"/>
-          </a:solidFill>
-          <a:ln w="19050">
-            <a:solidFill>
-              <a:srgbClr val="00B0F0"/>
-            </a:solidFill>
-          </a:ln>
-        </p:spPr>
-        <p:style>
-          <a:lnRef idx="2">
-            <a:schemeClr val="accent1">
-              <a:shade val="50000"/>
-            </a:schemeClr>
-          </a:lnRef>
-          <a:fillRef idx="1">
-            <a:schemeClr val="accent1"/>
-          </a:fillRef>
-          <a:effectRef idx="0">
-            <a:schemeClr val="accent1"/>
-          </a:effectRef>
-          <a:fontRef idx="minor">
-            <a:schemeClr val="lt1"/>
-          </a:fontRef>
-        </p:style>
-        <p:txBody>
-          <a:bodyPr rtlCol="0" anchor="ctr"/>
-          <a:lstStyle/>
-          <a:p>
-            <a:pPr algn="ctr"/>
-            <a:r>
-              <a:rPr lang="fr-FR" sz="1050" b="1" dirty="0">
-                <a:solidFill>
-                  <a:srgbClr val="00B0F0"/>
-                </a:solidFill>
-              </a:rPr>
-              <a:t>e</a:t>
-            </a:r>
-            <a:endParaRPr lang="fr-FR" sz="1400" b="1" dirty="0">
-              <a:solidFill>
-                <a:srgbClr val="00B0F0"/>
-              </a:solidFill>
-            </a:endParaRPr>
-          </a:p>
-        </p:txBody>
-      </p:sp>
-      <p:sp>
-        <p:nvSpPr>
-          <p:cNvPr id="35" name="Ellipse 34">
-            <a:extLst>
-              <a:ext uri="{FF2B5EF4-FFF2-40B4-BE49-F238E27FC236}">
-                <a16:creationId xmlns:a16="http://schemas.microsoft.com/office/drawing/2014/main" id="{B39E4708-C53F-306E-31A8-A43E3BD31F0F}"/>
-              </a:ext>
-            </a:extLst>
-          </p:cNvPr>
-          <p:cNvSpPr/>
-          <p:nvPr/>
-        </p:nvSpPr>
-        <p:spPr>
-          <a:xfrm>
-            <a:off x="4700086" y="5754763"/>
-            <a:ext cx="180000" cy="180000"/>
-          </a:xfrm>
-          <a:prstGeom prst="ellipse">
-            <a:avLst/>
-          </a:prstGeom>
-          <a:solidFill>
-            <a:schemeClr val="bg1"/>
-          </a:solidFill>
-          <a:ln w="19050">
-            <a:solidFill>
-              <a:srgbClr val="00B0F0"/>
-            </a:solidFill>
-          </a:ln>
-        </p:spPr>
-        <p:style>
-          <a:lnRef idx="2">
-            <a:schemeClr val="accent1">
-              <a:shade val="50000"/>
-            </a:schemeClr>
-          </a:lnRef>
-          <a:fillRef idx="1">
-            <a:schemeClr val="accent1"/>
-          </a:fillRef>
-          <a:effectRef idx="0">
-            <a:schemeClr val="accent1"/>
-          </a:effectRef>
-          <a:fontRef idx="minor">
-            <a:schemeClr val="lt1"/>
-          </a:fontRef>
-        </p:style>
-        <p:txBody>
-          <a:bodyPr rtlCol="0" anchor="ctr"/>
-          <a:lstStyle/>
-          <a:p>
-            <a:pPr algn="ctr"/>
-            <a:r>
-              <a:rPr lang="fr-FR" sz="1050" b="1" dirty="0">
-                <a:solidFill>
-                  <a:srgbClr val="00B0F0"/>
-                </a:solidFill>
-              </a:rPr>
-              <a:t>f</a:t>
-            </a:r>
-            <a:endParaRPr lang="fr-FR" sz="1400" b="1" dirty="0">
-              <a:solidFill>
-                <a:srgbClr val="00B0F0"/>
-              </a:solidFill>
-            </a:endParaRPr>
-          </a:p>
-        </p:txBody>
-      </p:sp>
-      <p:sp>
-        <p:nvSpPr>
-          <p:cNvPr id="36" name="Ellipse 35">
-            <a:extLst>
-              <a:ext uri="{FF2B5EF4-FFF2-40B4-BE49-F238E27FC236}">
-                <a16:creationId xmlns:a16="http://schemas.microsoft.com/office/drawing/2014/main" id="{784E0554-D7D0-02D0-F443-37C437DAA267}"/>
-              </a:ext>
-            </a:extLst>
-          </p:cNvPr>
-          <p:cNvSpPr/>
-          <p:nvPr/>
-        </p:nvSpPr>
-        <p:spPr>
-          <a:xfrm>
-            <a:off x="1837105" y="4208986"/>
-            <a:ext cx="180000" cy="180000"/>
-          </a:xfrm>
-          <a:prstGeom prst="ellipse">
-            <a:avLst/>
-          </a:prstGeom>
-          <a:solidFill>
-            <a:schemeClr val="bg1"/>
-          </a:solidFill>
-          <a:ln w="19050">
-            <a:solidFill>
-              <a:srgbClr val="00B0F0"/>
-            </a:solidFill>
-          </a:ln>
-        </p:spPr>
-        <p:style>
-          <a:lnRef idx="2">
-            <a:schemeClr val="accent1">
-              <a:shade val="50000"/>
-            </a:schemeClr>
-          </a:lnRef>
-          <a:fillRef idx="1">
-            <a:schemeClr val="accent1"/>
-          </a:fillRef>
-          <a:effectRef idx="0">
-            <a:schemeClr val="accent1"/>
-          </a:effectRef>
-          <a:fontRef idx="minor">
-            <a:schemeClr val="lt1"/>
-          </a:fontRef>
-        </p:style>
-        <p:txBody>
-          <a:bodyPr rtlCol="0" anchor="ctr"/>
-          <a:lstStyle/>
-          <a:p>
-            <a:pPr algn="ctr"/>
-            <a:r>
-              <a:rPr lang="fr-FR" sz="1050" b="1" dirty="0">
-                <a:solidFill>
-                  <a:srgbClr val="00B0F0"/>
-                </a:solidFill>
-              </a:rPr>
-              <a:t>g</a:t>
-            </a:r>
-            <a:endParaRPr lang="fr-FR" sz="1400" b="1" dirty="0">
-              <a:solidFill>
-                <a:srgbClr val="00B0F0"/>
-              </a:solidFill>
-            </a:endParaRPr>
-          </a:p>
-        </p:txBody>
-      </p:sp>
-      <p:sp>
-        <p:nvSpPr>
-          <p:cNvPr id="37" name="Ellipse 36">
-            <a:extLst>
-              <a:ext uri="{FF2B5EF4-FFF2-40B4-BE49-F238E27FC236}">
-                <a16:creationId xmlns:a16="http://schemas.microsoft.com/office/drawing/2014/main" id="{B46CB755-F60E-12C2-EEE0-26C0E0868DF7}"/>
-              </a:ext>
-            </a:extLst>
-          </p:cNvPr>
-          <p:cNvSpPr/>
-          <p:nvPr/>
-        </p:nvSpPr>
-        <p:spPr>
-          <a:xfrm>
-            <a:off x="1837105" y="4207264"/>
-            <a:ext cx="180000" cy="180000"/>
-          </a:xfrm>
-          <a:prstGeom prst="ellipse">
-            <a:avLst/>
-          </a:prstGeom>
-          <a:solidFill>
-            <a:schemeClr val="bg1"/>
-          </a:solidFill>
-          <a:ln w="19050">
-            <a:solidFill>
-              <a:srgbClr val="00B0F0"/>
-            </a:solidFill>
-          </a:ln>
-        </p:spPr>
-        <p:style>
-          <a:lnRef idx="2">
-            <a:schemeClr val="accent1">
-              <a:shade val="50000"/>
-            </a:schemeClr>
-          </a:lnRef>
-          <a:fillRef idx="1">
-            <a:schemeClr val="accent1"/>
-          </a:fillRef>
-          <a:effectRef idx="0">
-            <a:schemeClr val="accent1"/>
-          </a:effectRef>
-          <a:fontRef idx="minor">
-            <a:schemeClr val="lt1"/>
-          </a:fontRef>
-        </p:style>
-        <p:txBody>
-          <a:bodyPr rtlCol="0" anchor="ctr"/>
-          <a:lstStyle/>
-          <a:p>
-            <a:pPr algn="ctr"/>
-            <a:r>
-              <a:rPr lang="fr-FR" sz="1050" b="1" dirty="0">
-                <a:solidFill>
-                  <a:srgbClr val="00B0F0"/>
-                </a:solidFill>
-              </a:rPr>
-              <a:t>g</a:t>
-            </a:r>
-            <a:endParaRPr lang="fr-FR" sz="1400" b="1" dirty="0">
-              <a:solidFill>
-                <a:srgbClr val="00B0F0"/>
-              </a:solidFill>
-            </a:endParaRPr>
-          </a:p>
-        </p:txBody>
-      </p:sp>
-      <p:sp>
-        <p:nvSpPr>
-          <p:cNvPr id="38" name="Ellipse 37">
-            <a:extLst>
-              <a:ext uri="{FF2B5EF4-FFF2-40B4-BE49-F238E27FC236}">
-                <a16:creationId xmlns:a16="http://schemas.microsoft.com/office/drawing/2014/main" id="{D3B69238-DD87-192C-D033-B12F7FC9ACD7}"/>
-              </a:ext>
-            </a:extLst>
-          </p:cNvPr>
-          <p:cNvSpPr/>
-          <p:nvPr/>
-        </p:nvSpPr>
-        <p:spPr>
-          <a:xfrm>
-            <a:off x="4687066" y="4215428"/>
-            <a:ext cx="180000" cy="180000"/>
-          </a:xfrm>
-          <a:prstGeom prst="ellipse">
-            <a:avLst/>
-          </a:prstGeom>
-          <a:solidFill>
-            <a:schemeClr val="bg1"/>
-          </a:solidFill>
-          <a:ln w="19050">
-            <a:solidFill>
-              <a:srgbClr val="00B0F0"/>
-            </a:solidFill>
-          </a:ln>
-        </p:spPr>
-        <p:style>
-          <a:lnRef idx="2">
-            <a:schemeClr val="accent1">
-              <a:shade val="50000"/>
-            </a:schemeClr>
-          </a:lnRef>
-          <a:fillRef idx="1">
-            <a:schemeClr val="accent1"/>
-          </a:fillRef>
-          <a:effectRef idx="0">
-            <a:schemeClr val="accent1"/>
-          </a:effectRef>
-          <a:fontRef idx="minor">
-            <a:schemeClr val="lt1"/>
-          </a:fontRef>
-        </p:style>
-        <p:txBody>
-          <a:bodyPr rtlCol="0" anchor="ctr"/>
-          <a:lstStyle/>
-          <a:p>
-            <a:pPr algn="ctr"/>
-            <a:r>
-              <a:rPr lang="fr-FR" sz="1050" b="1" dirty="0">
-                <a:solidFill>
-                  <a:srgbClr val="00B0F0"/>
-                </a:solidFill>
-              </a:rPr>
-              <a:t>h</a:t>
-            </a:r>
-            <a:endParaRPr lang="fr-FR" sz="1400" b="1" dirty="0">
-              <a:solidFill>
-                <a:srgbClr val="00B0F0"/>
-              </a:solidFill>
-            </a:endParaRPr>
-          </a:p>
-        </p:txBody>
-      </p:sp>
       <p:cxnSp>
         <p:nvCxnSpPr>
           <p:cNvPr id="65" name="Connecteur droit 64">
@@ -6241,52 +3395,6 @@
           <a:ln w="28575">
             <a:solidFill>
               <a:srgbClr val="0070C0"/>
-            </a:solidFill>
-          </a:ln>
-        </p:spPr>
-        <p:style>
-          <a:lnRef idx="2">
-            <a:schemeClr val="accent1">
-              <a:shade val="50000"/>
-            </a:schemeClr>
-          </a:lnRef>
-          <a:fillRef idx="1">
-            <a:schemeClr val="accent1"/>
-          </a:fillRef>
-          <a:effectRef idx="0">
-            <a:schemeClr val="accent1"/>
-          </a:effectRef>
-          <a:fontRef idx="minor">
-            <a:schemeClr val="lt1"/>
-          </a:fontRef>
-        </p:style>
-      </p:cxnSp>
-      <p:cxnSp>
-        <p:nvCxnSpPr>
-          <p:cNvPr id="89" name="Connecteur droit 88">
-            <a:extLst>
-              <a:ext uri="{FF2B5EF4-FFF2-40B4-BE49-F238E27FC236}">
-                <a16:creationId xmlns:a16="http://schemas.microsoft.com/office/drawing/2014/main" id="{61BE3445-09C1-ECE2-46F4-8C6053C0E436}"/>
-              </a:ext>
-            </a:extLst>
-          </p:cNvPr>
-          <p:cNvCxnSpPr>
-            <a:cxnSpLocks/>
-          </p:cNvCxnSpPr>
-          <p:nvPr/>
-        </p:nvCxnSpPr>
-        <p:spPr>
-          <a:xfrm flipV="1">
-            <a:off x="3706547" y="4365844"/>
-            <a:ext cx="1299479" cy="1426013"/>
-          </a:xfrm>
-          <a:prstGeom prst="line">
-            <a:avLst/>
-          </a:prstGeom>
-          <a:noFill/>
-          <a:ln w="28575">
-            <a:solidFill>
-              <a:srgbClr val="7030A0"/>
             </a:solidFill>
           </a:ln>
         </p:spPr>
@@ -8416,8 +5524,8 @@
             </a:p>
           </p:txBody>
         </p:sp>
-        <mc:AlternateContent xmlns:mc="http://schemas.openxmlformats.org/markup-compatibility/2006">
-          <mc:Choice xmlns:a14="http://schemas.microsoft.com/office/drawing/2010/main" Requires="a14">
+        <mc:AlternateContent xmlns:mc="http://schemas.openxmlformats.org/markup-compatibility/2006" xmlns:a14="http://schemas.microsoft.com/office/drawing/2010/main">
+          <mc:Choice Requires="a14">
             <p:sp>
               <p:nvSpPr>
                 <p:cNvPr id="168" name="ZoneTexte 167">
@@ -8446,6 +5554,7 @@
                 </a:bodyPr>
                 <a:lstStyle/>
                 <a:p>
+                  <a:pPr/>
                   <a14:m>
                     <m:oMathPara xmlns:m="http://schemas.openxmlformats.org/officeDocument/2006/math">
                       <m:oMathParaPr>
@@ -8497,7 +5606,7 @@
               </p:txBody>
             </p:sp>
           </mc:Choice>
-          <mc:Fallback>
+          <mc:Fallback xmlns="">
             <p:sp>
               <p:nvSpPr>
                 <p:cNvPr id="168" name="ZoneTexte 167">
@@ -8542,8 +5651,8 @@
             </p:sp>
           </mc:Fallback>
         </mc:AlternateContent>
-        <mc:AlternateContent xmlns:mc="http://schemas.openxmlformats.org/markup-compatibility/2006">
-          <mc:Choice xmlns:a14="http://schemas.microsoft.com/office/drawing/2010/main" Requires="a14">
+        <mc:AlternateContent xmlns:mc="http://schemas.openxmlformats.org/markup-compatibility/2006" xmlns:a14="http://schemas.microsoft.com/office/drawing/2010/main">
+          <mc:Choice Requires="a14">
             <p:sp>
               <p:nvSpPr>
                 <p:cNvPr id="169" name="ZoneTexte 168">
@@ -8572,6 +5681,7 @@
                 </a:bodyPr>
                 <a:lstStyle/>
                 <a:p>
+                  <a:pPr/>
                   <a14:m>
                     <m:oMathPara xmlns:m="http://schemas.openxmlformats.org/officeDocument/2006/math">
                       <m:oMathParaPr>
@@ -8592,7 +5702,7 @@
               </p:txBody>
             </p:sp>
           </mc:Choice>
-          <mc:Fallback>
+          <mc:Fallback xmlns="">
             <p:sp>
               <p:nvSpPr>
                 <p:cNvPr id="169" name="ZoneTexte 168">
@@ -8637,8 +5747,8 @@
             </p:sp>
           </mc:Fallback>
         </mc:AlternateContent>
-        <mc:AlternateContent xmlns:mc="http://schemas.openxmlformats.org/markup-compatibility/2006">
-          <mc:Choice xmlns:a14="http://schemas.microsoft.com/office/drawing/2010/main" Requires="a14">
+        <mc:AlternateContent xmlns:mc="http://schemas.openxmlformats.org/markup-compatibility/2006" xmlns:a14="http://schemas.microsoft.com/office/drawing/2010/main">
+          <mc:Choice Requires="a14">
             <p:sp>
               <p:nvSpPr>
                 <p:cNvPr id="170" name="ZoneTexte 169">
@@ -8667,6 +5777,7 @@
                 </a:bodyPr>
                 <a:lstStyle/>
                 <a:p>
+                  <a:pPr/>
                   <a14:m>
                     <m:oMathPara xmlns:m="http://schemas.openxmlformats.org/officeDocument/2006/math">
                       <m:oMathParaPr>
@@ -8687,7 +5798,7 @@
               </p:txBody>
             </p:sp>
           </mc:Choice>
-          <mc:Fallback>
+          <mc:Fallback xmlns="">
             <p:sp>
               <p:nvSpPr>
                 <p:cNvPr id="170" name="ZoneTexte 169">
@@ -8732,8 +5843,8 @@
             </p:sp>
           </mc:Fallback>
         </mc:AlternateContent>
-        <mc:AlternateContent xmlns:mc="http://schemas.openxmlformats.org/markup-compatibility/2006">
-          <mc:Choice xmlns:a14="http://schemas.microsoft.com/office/drawing/2010/main" Requires="a14">
+        <mc:AlternateContent xmlns:mc="http://schemas.openxmlformats.org/markup-compatibility/2006" xmlns:a14="http://schemas.microsoft.com/office/drawing/2010/main">
+          <mc:Choice Requires="a14">
             <p:sp>
               <p:nvSpPr>
                 <p:cNvPr id="171" name="ZoneTexte 170">
@@ -8762,6 +5873,7 @@
                 </a:bodyPr>
                 <a:lstStyle/>
                 <a:p>
+                  <a:pPr/>
                   <a14:m>
                     <m:oMathPara xmlns:m="http://schemas.openxmlformats.org/officeDocument/2006/math">
                       <m:oMathParaPr>
@@ -8782,7 +5894,7 @@
               </p:txBody>
             </p:sp>
           </mc:Choice>
-          <mc:Fallback>
+          <mc:Fallback xmlns="">
             <p:sp>
               <p:nvSpPr>
                 <p:cNvPr id="171" name="ZoneTexte 170">
@@ -8827,8 +5939,8 @@
             </p:sp>
           </mc:Fallback>
         </mc:AlternateContent>
-        <mc:AlternateContent xmlns:mc="http://schemas.openxmlformats.org/markup-compatibility/2006">
-          <mc:Choice xmlns:a14="http://schemas.microsoft.com/office/drawing/2010/main" Requires="a14">
+        <mc:AlternateContent xmlns:mc="http://schemas.openxmlformats.org/markup-compatibility/2006" xmlns:a14="http://schemas.microsoft.com/office/drawing/2010/main">
+          <mc:Choice Requires="a14">
             <p:sp>
               <p:nvSpPr>
                 <p:cNvPr id="172" name="ZoneTexte 171">
@@ -8857,6 +5969,7 @@
                 </a:bodyPr>
                 <a:lstStyle/>
                 <a:p>
+                  <a:pPr/>
                   <a14:m>
                     <m:oMathPara xmlns:m="http://schemas.openxmlformats.org/officeDocument/2006/math">
                       <m:oMathParaPr>
@@ -8877,7 +5990,7 @@
               </p:txBody>
             </p:sp>
           </mc:Choice>
-          <mc:Fallback>
+          <mc:Fallback xmlns="">
             <p:sp>
               <p:nvSpPr>
                 <p:cNvPr id="172" name="ZoneTexte 171">
@@ -8922,8 +6035,8 @@
             </p:sp>
           </mc:Fallback>
         </mc:AlternateContent>
-        <mc:AlternateContent xmlns:mc="http://schemas.openxmlformats.org/markup-compatibility/2006">
-          <mc:Choice xmlns:a14="http://schemas.microsoft.com/office/drawing/2010/main" Requires="a14">
+        <mc:AlternateContent xmlns:mc="http://schemas.openxmlformats.org/markup-compatibility/2006" xmlns:a14="http://schemas.microsoft.com/office/drawing/2010/main">
+          <mc:Choice Requires="a14">
             <p:sp>
               <p:nvSpPr>
                 <p:cNvPr id="173" name="ZoneTexte 172">
@@ -8952,6 +6065,7 @@
                 </a:bodyPr>
                 <a:lstStyle/>
                 <a:p>
+                  <a:pPr/>
                   <a14:m>
                     <m:oMathPara xmlns:m="http://schemas.openxmlformats.org/officeDocument/2006/math">
                       <m:oMathParaPr>
@@ -8972,7 +6086,7 @@
               </p:txBody>
             </p:sp>
           </mc:Choice>
-          <mc:Fallback>
+          <mc:Fallback xmlns="">
             <p:sp>
               <p:nvSpPr>
                 <p:cNvPr id="173" name="ZoneTexte 172">
@@ -9017,8 +6131,8 @@
             </p:sp>
           </mc:Fallback>
         </mc:AlternateContent>
-        <mc:AlternateContent xmlns:mc="http://schemas.openxmlformats.org/markup-compatibility/2006">
-          <mc:Choice xmlns:a14="http://schemas.microsoft.com/office/drawing/2010/main" Requires="a14">
+        <mc:AlternateContent xmlns:mc="http://schemas.openxmlformats.org/markup-compatibility/2006" xmlns:a14="http://schemas.microsoft.com/office/drawing/2010/main">
+          <mc:Choice Requires="a14">
             <p:sp>
               <p:nvSpPr>
                 <p:cNvPr id="174" name="ZoneTexte 173">
@@ -9047,6 +6161,7 @@
                 </a:bodyPr>
                 <a:lstStyle/>
                 <a:p>
+                  <a:pPr/>
                   <a14:m>
                     <m:oMathPara xmlns:m="http://schemas.openxmlformats.org/officeDocument/2006/math">
                       <m:oMathParaPr>
@@ -9067,7 +6182,7 @@
               </p:txBody>
             </p:sp>
           </mc:Choice>
-          <mc:Fallback>
+          <mc:Fallback xmlns="">
             <p:sp>
               <p:nvSpPr>
                 <p:cNvPr id="174" name="ZoneTexte 173">
@@ -9112,8 +6227,8 @@
             </p:sp>
           </mc:Fallback>
         </mc:AlternateContent>
-        <mc:AlternateContent xmlns:mc="http://schemas.openxmlformats.org/markup-compatibility/2006">
-          <mc:Choice xmlns:a14="http://schemas.microsoft.com/office/drawing/2010/main" Requires="a14">
+        <mc:AlternateContent xmlns:mc="http://schemas.openxmlformats.org/markup-compatibility/2006" xmlns:a14="http://schemas.microsoft.com/office/drawing/2010/main">
+          <mc:Choice Requires="a14">
             <p:sp>
               <p:nvSpPr>
                 <p:cNvPr id="175" name="ZoneTexte 174">
@@ -9142,6 +6257,7 @@
                 </a:bodyPr>
                 <a:lstStyle/>
                 <a:p>
+                  <a:pPr/>
                   <a14:m>
                     <m:oMathPara xmlns:m="http://schemas.openxmlformats.org/officeDocument/2006/math">
                       <m:oMathParaPr>
@@ -9162,7 +6278,7 @@
               </p:txBody>
             </p:sp>
           </mc:Choice>
-          <mc:Fallback>
+          <mc:Fallback xmlns="">
             <p:sp>
               <p:nvSpPr>
                 <p:cNvPr id="175" name="ZoneTexte 174">
@@ -9207,8 +6323,8 @@
             </p:sp>
           </mc:Fallback>
         </mc:AlternateContent>
-        <mc:AlternateContent xmlns:mc="http://schemas.openxmlformats.org/markup-compatibility/2006">
-          <mc:Choice xmlns:a14="http://schemas.microsoft.com/office/drawing/2010/main" Requires="a14">
+        <mc:AlternateContent xmlns:mc="http://schemas.openxmlformats.org/markup-compatibility/2006" xmlns:a14="http://schemas.microsoft.com/office/drawing/2010/main">
+          <mc:Choice Requires="a14">
             <p:sp>
               <p:nvSpPr>
                 <p:cNvPr id="176" name="ZoneTexte 175">
@@ -9237,6 +6353,7 @@
                 </a:bodyPr>
                 <a:lstStyle/>
                 <a:p>
+                  <a:pPr/>
                   <a14:m>
                     <m:oMathPara xmlns:m="http://schemas.openxmlformats.org/officeDocument/2006/math">
                       <m:oMathParaPr>
@@ -9257,7 +6374,7 @@
               </p:txBody>
             </p:sp>
           </mc:Choice>
-          <mc:Fallback>
+          <mc:Fallback xmlns="">
             <p:sp>
               <p:nvSpPr>
                 <p:cNvPr id="176" name="ZoneTexte 175">
@@ -9302,8 +6419,8 @@
             </p:sp>
           </mc:Fallback>
         </mc:AlternateContent>
-        <mc:AlternateContent xmlns:mc="http://schemas.openxmlformats.org/markup-compatibility/2006">
-          <mc:Choice xmlns:a14="http://schemas.microsoft.com/office/drawing/2010/main" Requires="a14">
+        <mc:AlternateContent xmlns:mc="http://schemas.openxmlformats.org/markup-compatibility/2006" xmlns:a14="http://schemas.microsoft.com/office/drawing/2010/main">
+          <mc:Choice Requires="a14">
             <p:sp>
               <p:nvSpPr>
                 <p:cNvPr id="177" name="ZoneTexte 176">
@@ -9332,6 +6449,7 @@
                 </a:bodyPr>
                 <a:lstStyle/>
                 <a:p>
+                  <a:pPr/>
                   <a14:m>
                     <m:oMathPara xmlns:m="http://schemas.openxmlformats.org/officeDocument/2006/math">
                       <m:oMathParaPr>
@@ -9352,7 +6470,7 @@
               </p:txBody>
             </p:sp>
           </mc:Choice>
-          <mc:Fallback>
+          <mc:Fallback xmlns="">
             <p:sp>
               <p:nvSpPr>
                 <p:cNvPr id="177" name="ZoneTexte 176">
@@ -9397,8 +6515,8 @@
             </p:sp>
           </mc:Fallback>
         </mc:AlternateContent>
-        <mc:AlternateContent xmlns:mc="http://schemas.openxmlformats.org/markup-compatibility/2006">
-          <mc:Choice xmlns:a14="http://schemas.microsoft.com/office/drawing/2010/main" Requires="a14">
+        <mc:AlternateContent xmlns:mc="http://schemas.openxmlformats.org/markup-compatibility/2006" xmlns:a14="http://schemas.microsoft.com/office/drawing/2010/main">
+          <mc:Choice Requires="a14">
             <p:sp>
               <p:nvSpPr>
                 <p:cNvPr id="197" name="ZoneTexte 196">
@@ -9427,6 +6545,7 @@
                 </a:bodyPr>
                 <a:lstStyle/>
                 <a:p>
+                  <a:pPr/>
                   <a14:m>
                     <m:oMathPara xmlns:m="http://schemas.openxmlformats.org/officeDocument/2006/math">
                       <m:oMathParaPr>
@@ -9478,7 +6597,7 @@
               </p:txBody>
             </p:sp>
           </mc:Choice>
-          <mc:Fallback>
+          <mc:Fallback xmlns="">
             <p:sp>
               <p:nvSpPr>
                 <p:cNvPr id="197" name="ZoneTexte 196">
@@ -9615,8 +6734,8 @@
             </a:fontRef>
           </p:style>
         </p:cxnSp>
-        <mc:AlternateContent xmlns:mc="http://schemas.openxmlformats.org/markup-compatibility/2006">
-          <mc:Choice xmlns:a14="http://schemas.microsoft.com/office/drawing/2010/main" Requires="a14">
+        <mc:AlternateContent xmlns:mc="http://schemas.openxmlformats.org/markup-compatibility/2006" xmlns:a14="http://schemas.microsoft.com/office/drawing/2010/main">
+          <mc:Choice Requires="a14">
             <p:sp>
               <p:nvSpPr>
                 <p:cNvPr id="215" name="ZoneTexte 214">
@@ -9645,6 +6764,7 @@
                 </a:bodyPr>
                 <a:lstStyle/>
                 <a:p>
+                  <a:pPr/>
                   <a14:m>
                     <m:oMathPara xmlns:m="http://schemas.openxmlformats.org/officeDocument/2006/math">
                       <m:oMathParaPr>
@@ -9665,7 +6785,7 @@
               </p:txBody>
             </p:sp>
           </mc:Choice>
-          <mc:Fallback>
+          <mc:Fallback xmlns="">
             <p:sp>
               <p:nvSpPr>
                 <p:cNvPr id="215" name="ZoneTexte 214">
@@ -9731,8 +6851,8 @@
             <a:chExt cx="2686124" cy="2757925"/>
           </a:xfrm>
         </p:grpSpPr>
-        <mc:AlternateContent xmlns:mc="http://schemas.openxmlformats.org/markup-compatibility/2006">
-          <mc:Choice xmlns:a14="http://schemas.microsoft.com/office/drawing/2010/main" Requires="a14">
+        <mc:AlternateContent xmlns:mc="http://schemas.openxmlformats.org/markup-compatibility/2006" xmlns:a14="http://schemas.microsoft.com/office/drawing/2010/main">
+          <mc:Choice Requires="a14">
             <p:sp>
               <p:nvSpPr>
                 <p:cNvPr id="179" name="ZoneTexte 178">
@@ -9761,6 +6881,7 @@
                 </a:bodyPr>
                 <a:lstStyle/>
                 <a:p>
+                  <a:pPr/>
                   <a14:m>
                     <m:oMathPara xmlns:m="http://schemas.openxmlformats.org/officeDocument/2006/math">
                       <m:oMathParaPr>
@@ -9812,7 +6933,7 @@
               </p:txBody>
             </p:sp>
           </mc:Choice>
-          <mc:Fallback>
+          <mc:Fallback xmlns="">
             <p:sp>
               <p:nvSpPr>
                 <p:cNvPr id="179" name="ZoneTexte 178">
@@ -10310,8 +7431,8 @@
             </a:p>
           </p:txBody>
         </p:sp>
-        <mc:AlternateContent xmlns:mc="http://schemas.openxmlformats.org/markup-compatibility/2006">
-          <mc:Choice xmlns:a14="http://schemas.microsoft.com/office/drawing/2010/main" Requires="a14">
+        <mc:AlternateContent xmlns:mc="http://schemas.openxmlformats.org/markup-compatibility/2006" xmlns:a14="http://schemas.microsoft.com/office/drawing/2010/main">
+          <mc:Choice Requires="a14">
             <p:sp>
               <p:nvSpPr>
                 <p:cNvPr id="195" name="ZoneTexte 194">
@@ -10340,6 +7461,7 @@
                 </a:bodyPr>
                 <a:lstStyle/>
                 <a:p>
+                  <a:pPr/>
                   <a14:m>
                     <m:oMathPara xmlns:m="http://schemas.openxmlformats.org/officeDocument/2006/math">
                       <m:oMathParaPr>
@@ -10391,7 +7513,7 @@
               </p:txBody>
             </p:sp>
           </mc:Choice>
-          <mc:Fallback>
+          <mc:Fallback xmlns="">
             <p:sp>
               <p:nvSpPr>
                 <p:cNvPr id="195" name="ZoneTexte 194">
@@ -10436,8 +7558,8 @@
             </p:sp>
           </mc:Fallback>
         </mc:AlternateContent>
-        <mc:AlternateContent xmlns:mc="http://schemas.openxmlformats.org/markup-compatibility/2006">
-          <mc:Choice xmlns:a14="http://schemas.microsoft.com/office/drawing/2010/main" Requires="a14">
+        <mc:AlternateContent xmlns:mc="http://schemas.openxmlformats.org/markup-compatibility/2006" xmlns:a14="http://schemas.microsoft.com/office/drawing/2010/main">
+          <mc:Choice Requires="a14">
             <p:sp>
               <p:nvSpPr>
                 <p:cNvPr id="196" name="ZoneTexte 195">
@@ -10466,6 +7588,7 @@
                 </a:bodyPr>
                 <a:lstStyle/>
                 <a:p>
+                  <a:pPr/>
                   <a14:m>
                     <m:oMathPara xmlns:m="http://schemas.openxmlformats.org/officeDocument/2006/math">
                       <m:oMathParaPr>
@@ -10517,7 +7640,7 @@
               </p:txBody>
             </p:sp>
           </mc:Choice>
-          <mc:Fallback>
+          <mc:Fallback xmlns="">
             <p:sp>
               <p:nvSpPr>
                 <p:cNvPr id="196" name="ZoneTexte 195">
@@ -10668,8 +7791,8 @@
             </a:p>
           </p:txBody>
         </p:sp>
-        <mc:AlternateContent xmlns:mc="http://schemas.openxmlformats.org/markup-compatibility/2006">
-          <mc:Choice xmlns:a14="http://schemas.microsoft.com/office/drawing/2010/main" Requires="a14">
+        <mc:AlternateContent xmlns:mc="http://schemas.openxmlformats.org/markup-compatibility/2006" xmlns:a14="http://schemas.microsoft.com/office/drawing/2010/main">
+          <mc:Choice Requires="a14">
             <p:sp>
               <p:nvSpPr>
                 <p:cNvPr id="200" name="ZoneTexte 199">
@@ -10698,6 +7821,7 @@
                 </a:bodyPr>
                 <a:lstStyle/>
                 <a:p>
+                  <a:pPr/>
                   <a14:m>
                     <m:oMathPara xmlns:m="http://schemas.openxmlformats.org/officeDocument/2006/math">
                       <m:oMathParaPr>
@@ -10737,7 +7861,7 @@
               </p:txBody>
             </p:sp>
           </mc:Choice>
-          <mc:Fallback>
+          <mc:Fallback xmlns="">
             <p:sp>
               <p:nvSpPr>
                 <p:cNvPr id="200" name="ZoneTexte 199">
@@ -10782,8 +7906,8 @@
             </p:sp>
           </mc:Fallback>
         </mc:AlternateContent>
-        <mc:AlternateContent xmlns:mc="http://schemas.openxmlformats.org/markup-compatibility/2006">
-          <mc:Choice xmlns:a14="http://schemas.microsoft.com/office/drawing/2010/main" Requires="a14">
+        <mc:AlternateContent xmlns:mc="http://schemas.openxmlformats.org/markup-compatibility/2006" xmlns:a14="http://schemas.microsoft.com/office/drawing/2010/main">
+          <mc:Choice Requires="a14">
             <p:sp>
               <p:nvSpPr>
                 <p:cNvPr id="201" name="ZoneTexte 200">
@@ -10812,6 +7936,7 @@
                 </a:bodyPr>
                 <a:lstStyle/>
                 <a:p>
+                  <a:pPr/>
                   <a14:m>
                     <m:oMathPara xmlns:m="http://schemas.openxmlformats.org/officeDocument/2006/math">
                       <m:oMathParaPr>
@@ -10851,7 +7976,7 @@
               </p:txBody>
             </p:sp>
           </mc:Choice>
-          <mc:Fallback>
+          <mc:Fallback xmlns="">
             <p:sp>
               <p:nvSpPr>
                 <p:cNvPr id="201" name="ZoneTexte 200">
@@ -10896,8 +8021,8 @@
             </p:sp>
           </mc:Fallback>
         </mc:AlternateContent>
-        <mc:AlternateContent xmlns:mc="http://schemas.openxmlformats.org/markup-compatibility/2006">
-          <mc:Choice xmlns:a14="http://schemas.microsoft.com/office/drawing/2010/main" Requires="a14">
+        <mc:AlternateContent xmlns:mc="http://schemas.openxmlformats.org/markup-compatibility/2006" xmlns:a14="http://schemas.microsoft.com/office/drawing/2010/main">
+          <mc:Choice Requires="a14">
             <p:sp>
               <p:nvSpPr>
                 <p:cNvPr id="202" name="ZoneTexte 201">
@@ -10926,6 +8051,7 @@
                 </a:bodyPr>
                 <a:lstStyle/>
                 <a:p>
+                  <a:pPr/>
                   <a14:m>
                     <m:oMathPara xmlns:m="http://schemas.openxmlformats.org/officeDocument/2006/math">
                       <m:oMathParaPr>
@@ -10977,7 +8103,7 @@
               </p:txBody>
             </p:sp>
           </mc:Choice>
-          <mc:Fallback>
+          <mc:Fallback xmlns="">
             <p:sp>
               <p:nvSpPr>
                 <p:cNvPr id="202" name="ZoneTexte 201">
@@ -11022,8 +8148,8 @@
             </p:sp>
           </mc:Fallback>
         </mc:AlternateContent>
-        <mc:AlternateContent xmlns:mc="http://schemas.openxmlformats.org/markup-compatibility/2006">
-          <mc:Choice xmlns:a14="http://schemas.microsoft.com/office/drawing/2010/main" Requires="a14">
+        <mc:AlternateContent xmlns:mc="http://schemas.openxmlformats.org/markup-compatibility/2006" xmlns:a14="http://schemas.microsoft.com/office/drawing/2010/main">
+          <mc:Choice Requires="a14">
             <p:sp>
               <p:nvSpPr>
                 <p:cNvPr id="203" name="ZoneTexte 202">
@@ -11052,6 +8178,7 @@
                 </a:bodyPr>
                 <a:lstStyle/>
                 <a:p>
+                  <a:pPr/>
                   <a14:m>
                     <m:oMathPara xmlns:m="http://schemas.openxmlformats.org/officeDocument/2006/math">
                       <m:oMathParaPr>
@@ -11103,7 +8230,7 @@
               </p:txBody>
             </p:sp>
           </mc:Choice>
-          <mc:Fallback>
+          <mc:Fallback xmlns="">
             <p:sp>
               <p:nvSpPr>
                 <p:cNvPr id="203" name="ZoneTexte 202">
@@ -11148,8 +8275,8 @@
             </p:sp>
           </mc:Fallback>
         </mc:AlternateContent>
-        <mc:AlternateContent xmlns:mc="http://schemas.openxmlformats.org/markup-compatibility/2006">
-          <mc:Choice xmlns:a14="http://schemas.microsoft.com/office/drawing/2010/main" Requires="a14">
+        <mc:AlternateContent xmlns:mc="http://schemas.openxmlformats.org/markup-compatibility/2006" xmlns:a14="http://schemas.microsoft.com/office/drawing/2010/main">
+          <mc:Choice Requires="a14">
             <p:sp>
               <p:nvSpPr>
                 <p:cNvPr id="204" name="ZoneTexte 203">
@@ -11178,6 +8305,7 @@
                 </a:bodyPr>
                 <a:lstStyle/>
                 <a:p>
+                  <a:pPr/>
                   <a14:m>
                     <m:oMathPara xmlns:m="http://schemas.openxmlformats.org/officeDocument/2006/math">
                       <m:oMathParaPr>
@@ -11229,7 +8357,7 @@
               </p:txBody>
             </p:sp>
           </mc:Choice>
-          <mc:Fallback>
+          <mc:Fallback xmlns="">
             <p:sp>
               <p:nvSpPr>
                 <p:cNvPr id="204" name="ZoneTexte 203">
@@ -11274,8 +8402,8 @@
             </p:sp>
           </mc:Fallback>
         </mc:AlternateContent>
-        <mc:AlternateContent xmlns:mc="http://schemas.openxmlformats.org/markup-compatibility/2006">
-          <mc:Choice xmlns:a14="http://schemas.microsoft.com/office/drawing/2010/main" Requires="a14">
+        <mc:AlternateContent xmlns:mc="http://schemas.openxmlformats.org/markup-compatibility/2006" xmlns:a14="http://schemas.microsoft.com/office/drawing/2010/main">
+          <mc:Choice Requires="a14">
             <p:sp>
               <p:nvSpPr>
                 <p:cNvPr id="205" name="ZoneTexte 204">
@@ -11304,6 +8432,7 @@
                 </a:bodyPr>
                 <a:lstStyle/>
                 <a:p>
+                  <a:pPr/>
                   <a14:m>
                     <m:oMathPara xmlns:m="http://schemas.openxmlformats.org/officeDocument/2006/math">
                       <m:oMathParaPr>
@@ -11355,7 +8484,7 @@
               </p:txBody>
             </p:sp>
           </mc:Choice>
-          <mc:Fallback>
+          <mc:Fallback xmlns="">
             <p:sp>
               <p:nvSpPr>
                 <p:cNvPr id="205" name="ZoneTexte 204">
@@ -17496,8 +14625,8 @@
           </a:prstGeom>
         </p:spPr>
       </p:pic>
-      <mc:AlternateContent xmlns:mc="http://schemas.openxmlformats.org/markup-compatibility/2006">
-        <mc:Choice xmlns:a14="http://schemas.microsoft.com/office/drawing/2010/main" Requires="a14">
+      <mc:AlternateContent xmlns:mc="http://schemas.openxmlformats.org/markup-compatibility/2006" xmlns:a14="http://schemas.microsoft.com/office/drawing/2010/main">
+        <mc:Choice Requires="a14">
           <p:sp>
             <p:nvSpPr>
               <p:cNvPr id="7" name="Espace réservé du contenu 2">
@@ -17690,7 +14819,6 @@
                 </a:lvl9pPr>
               </a:lstStyle>
               <a:p>
-                <a:pPr/>
                 <a14:m>
                   <m:oMath xmlns:m="http://schemas.openxmlformats.org/officeDocument/2006/math">
                     <m:acc>
@@ -17707,13 +14835,7 @@
                           <a:rPr lang="fr-FR" sz="1800" i="1">
                             <a:latin typeface="Cambria Math" panose="02040503050406030204" pitchFamily="18" charset="0"/>
                           </a:rPr>
-                          <m:t>𝑂</m:t>
-                        </m:r>
-                        <m:r>
-                          <a:rPr lang="fr-FR" sz="1800" i="1">
-                            <a:latin typeface="Cambria Math" panose="02040503050406030204" pitchFamily="18" charset="0"/>
-                          </a:rPr>
-                          <m:t>𝐴</m:t>
+                          <m:t>𝑂𝐴</m:t>
                         </m:r>
                       </m:e>
                     </m:acc>
@@ -17946,17 +15068,15 @@
                 <a:endParaRPr lang="fr-FR" sz="1800" dirty="0"/>
               </a:p>
               <a:p>
-                <a:pPr/>
                 <a:endParaRPr lang="fr-FR" sz="1800" dirty="0"/>
               </a:p>
               <a:p>
-                <a:pPr/>
                 <a:endParaRPr lang="fr-FR" sz="1800" dirty="0"/>
               </a:p>
             </p:txBody>
           </p:sp>
         </mc:Choice>
-        <mc:Fallback>
+        <mc:Fallback xmlns="">
           <p:sp>
             <p:nvSpPr>
               <p:cNvPr id="7" name="Espace réservé du contenu 2">

--- a/17_RobotDelta2D/Images/Figures2.pptx
+++ b/17_RobotDelta2D/Images/Figures2.pptx
@@ -8,6 +8,7 @@
     <p:sldId id="256" r:id="rId2"/>
     <p:sldId id="257" r:id="rId3"/>
     <p:sldId id="258" r:id="rId4"/>
+    <p:sldId id="259" r:id="rId5"/>
   </p:sldIdLst>
   <p:sldSz cx="12192000" cy="6858000"/>
   <p:notesSz cx="6858000" cy="9144000"/>
@@ -272,7 +273,7 @@
           <a:p>
             <a:fld id="{E89B7495-721A-440C-B815-4617627ED71C}" type="datetimeFigureOut">
               <a:rPr lang="fr-FR" smtClean="0"/>
-              <a:t>19/10/2023</a:t>
+              <a:t>20/10/2023</a:t>
             </a:fld>
             <a:endParaRPr lang="fr-FR"/>
           </a:p>
@@ -470,7 +471,7 @@
           <a:p>
             <a:fld id="{E89B7495-721A-440C-B815-4617627ED71C}" type="datetimeFigureOut">
               <a:rPr lang="fr-FR" smtClean="0"/>
-              <a:t>19/10/2023</a:t>
+              <a:t>20/10/2023</a:t>
             </a:fld>
             <a:endParaRPr lang="fr-FR"/>
           </a:p>
@@ -678,7 +679,7 @@
           <a:p>
             <a:fld id="{E89B7495-721A-440C-B815-4617627ED71C}" type="datetimeFigureOut">
               <a:rPr lang="fr-FR" smtClean="0"/>
-              <a:t>19/10/2023</a:t>
+              <a:t>20/10/2023</a:t>
             </a:fld>
             <a:endParaRPr lang="fr-FR"/>
           </a:p>
@@ -876,7 +877,7 @@
           <a:p>
             <a:fld id="{E89B7495-721A-440C-B815-4617627ED71C}" type="datetimeFigureOut">
               <a:rPr lang="fr-FR" smtClean="0"/>
-              <a:t>19/10/2023</a:t>
+              <a:t>20/10/2023</a:t>
             </a:fld>
             <a:endParaRPr lang="fr-FR"/>
           </a:p>
@@ -1151,7 +1152,7 @@
           <a:p>
             <a:fld id="{E89B7495-721A-440C-B815-4617627ED71C}" type="datetimeFigureOut">
               <a:rPr lang="fr-FR" smtClean="0"/>
-              <a:t>19/10/2023</a:t>
+              <a:t>20/10/2023</a:t>
             </a:fld>
             <a:endParaRPr lang="fr-FR"/>
           </a:p>
@@ -1416,7 +1417,7 @@
           <a:p>
             <a:fld id="{E89B7495-721A-440C-B815-4617627ED71C}" type="datetimeFigureOut">
               <a:rPr lang="fr-FR" smtClean="0"/>
-              <a:t>19/10/2023</a:t>
+              <a:t>20/10/2023</a:t>
             </a:fld>
             <a:endParaRPr lang="fr-FR"/>
           </a:p>
@@ -1828,7 +1829,7 @@
           <a:p>
             <a:fld id="{E89B7495-721A-440C-B815-4617627ED71C}" type="datetimeFigureOut">
               <a:rPr lang="fr-FR" smtClean="0"/>
-              <a:t>19/10/2023</a:t>
+              <a:t>20/10/2023</a:t>
             </a:fld>
             <a:endParaRPr lang="fr-FR"/>
           </a:p>
@@ -1969,7 +1970,7 @@
           <a:p>
             <a:fld id="{E89B7495-721A-440C-B815-4617627ED71C}" type="datetimeFigureOut">
               <a:rPr lang="fr-FR" smtClean="0"/>
-              <a:t>19/10/2023</a:t>
+              <a:t>20/10/2023</a:t>
             </a:fld>
             <a:endParaRPr lang="fr-FR"/>
           </a:p>
@@ -2082,7 +2083,7 @@
           <a:p>
             <a:fld id="{E89B7495-721A-440C-B815-4617627ED71C}" type="datetimeFigureOut">
               <a:rPr lang="fr-FR" smtClean="0"/>
-              <a:t>19/10/2023</a:t>
+              <a:t>20/10/2023</a:t>
             </a:fld>
             <a:endParaRPr lang="fr-FR"/>
           </a:p>
@@ -2393,7 +2394,7 @@
           <a:p>
             <a:fld id="{E89B7495-721A-440C-B815-4617627ED71C}" type="datetimeFigureOut">
               <a:rPr lang="fr-FR" smtClean="0"/>
-              <a:t>19/10/2023</a:t>
+              <a:t>20/10/2023</a:t>
             </a:fld>
             <a:endParaRPr lang="fr-FR"/>
           </a:p>
@@ -2681,7 +2682,7 @@
           <a:p>
             <a:fld id="{E89B7495-721A-440C-B815-4617627ED71C}" type="datetimeFigureOut">
               <a:rPr lang="fr-FR" smtClean="0"/>
-              <a:t>19/10/2023</a:t>
+              <a:t>20/10/2023</a:t>
             </a:fld>
             <a:endParaRPr lang="fr-FR"/>
           </a:p>
@@ -2922,7 +2923,7 @@
           <a:p>
             <a:fld id="{E89B7495-721A-440C-B815-4617627ED71C}" type="datetimeFigureOut">
               <a:rPr lang="fr-FR" smtClean="0"/>
-              <a:t>19/10/2023</a:t>
+              <a:t>20/10/2023</a:t>
             </a:fld>
             <a:endParaRPr lang="fr-FR"/>
           </a:p>
@@ -8915,8 +8916,8 @@
           <a:chExt cx="0" cy="0"/>
         </a:xfrm>
       </p:grpSpPr>
-      <mc:AlternateContent xmlns:mc="http://schemas.openxmlformats.org/markup-compatibility/2006">
-        <mc:Choice xmlns:a14="http://schemas.microsoft.com/office/drawing/2010/main" Requires="a14">
+      <mc:AlternateContent xmlns:mc="http://schemas.openxmlformats.org/markup-compatibility/2006" xmlns:a14="http://schemas.microsoft.com/office/drawing/2010/main">
+        <mc:Choice Requires="a14">
           <p:sp>
             <p:nvSpPr>
               <p:cNvPr id="3" name="Espace réservé du contenu 2">
@@ -14521,7 +14522,7 @@
             </p:txBody>
           </p:sp>
         </mc:Choice>
-        <mc:Fallback>
+        <mc:Fallback xmlns="">
           <p:sp>
             <p:nvSpPr>
               <p:cNvPr id="3" name="Espace réservé du contenu 2">
@@ -15134,6 +15135,592 @@
 </p:sld>
 </file>
 
+<file path=ppt/slides/slide4.xml><?xml version="1.0" encoding="utf-8"?>
+<p:sld xmlns:a="http://schemas.openxmlformats.org/drawingml/2006/main" xmlns:r="http://schemas.openxmlformats.org/officeDocument/2006/relationships" xmlns:p="http://schemas.openxmlformats.org/presentationml/2006/main">
+  <p:cSld>
+    <p:spTree>
+      <p:nvGrpSpPr>
+        <p:cNvPr id="1" name=""/>
+        <p:cNvGrpSpPr/>
+        <p:nvPr/>
+      </p:nvGrpSpPr>
+      <p:grpSpPr>
+        <a:xfrm>
+          <a:off x="0" y="0"/>
+          <a:ext cx="0" cy="0"/>
+          <a:chOff x="0" y="0"/>
+          <a:chExt cx="0" cy="0"/>
+        </a:xfrm>
+      </p:grpSpPr>
+      <p:pic>
+        <p:nvPicPr>
+          <p:cNvPr id="5" name="Image 4">
+            <a:extLst>
+              <a:ext uri="{FF2B5EF4-FFF2-40B4-BE49-F238E27FC236}">
+                <a16:creationId xmlns:a16="http://schemas.microsoft.com/office/drawing/2014/main" id="{1F844ED3-C3E4-2082-C9B0-D71E60C194C8}"/>
+              </a:ext>
+            </a:extLst>
+          </p:cNvPr>
+          <p:cNvPicPr>
+            <a:picLocks noChangeAspect="1"/>
+          </p:cNvPicPr>
+          <p:nvPr/>
+        </p:nvPicPr>
+        <p:blipFill>
+          <a:blip r:embed="rId2"/>
+          <a:stretch>
+            <a:fillRect/>
+          </a:stretch>
+        </p:blipFill>
+        <p:spPr>
+          <a:xfrm>
+            <a:off x="222325" y="725700"/>
+            <a:ext cx="2609314" cy="2085013"/>
+          </a:xfrm>
+          <a:prstGeom prst="rect">
+            <a:avLst/>
+          </a:prstGeom>
+        </p:spPr>
+      </p:pic>
+      <p:pic>
+        <p:nvPicPr>
+          <p:cNvPr id="6" name="Image 5">
+            <a:extLst>
+              <a:ext uri="{FF2B5EF4-FFF2-40B4-BE49-F238E27FC236}">
+                <a16:creationId xmlns:a16="http://schemas.microsoft.com/office/drawing/2014/main" id="{5504E0BD-8F8C-80F5-0E20-3A13796CC3CF}"/>
+              </a:ext>
+            </a:extLst>
+          </p:cNvPr>
+          <p:cNvPicPr>
+            <a:picLocks noChangeAspect="1"/>
+          </p:cNvPicPr>
+          <p:nvPr/>
+        </p:nvPicPr>
+        <p:blipFill>
+          <a:blip r:embed="rId3"/>
+          <a:stretch>
+            <a:fillRect/>
+          </a:stretch>
+        </p:blipFill>
+        <p:spPr>
+          <a:xfrm>
+            <a:off x="2831639" y="452031"/>
+            <a:ext cx="3564201" cy="2632349"/>
+          </a:xfrm>
+          <a:prstGeom prst="rect">
+            <a:avLst/>
+          </a:prstGeom>
+        </p:spPr>
+      </p:pic>
+      <mc:AlternateContent xmlns:mc="http://schemas.openxmlformats.org/markup-compatibility/2006" xmlns:a14="http://schemas.microsoft.com/office/drawing/2010/main">
+        <mc:Choice Requires="a14">
+          <p:sp>
+            <p:nvSpPr>
+              <p:cNvPr id="7" name="Espace réservé du contenu 2">
+                <a:extLst>
+                  <a:ext uri="{FF2B5EF4-FFF2-40B4-BE49-F238E27FC236}">
+                    <a16:creationId xmlns:a16="http://schemas.microsoft.com/office/drawing/2014/main" id="{03282FC2-809C-1E5F-F010-505514B69E8A}"/>
+                  </a:ext>
+                </a:extLst>
+              </p:cNvPr>
+              <p:cNvSpPr txBox="1">
+                <a:spLocks/>
+              </p:cNvSpPr>
+              <p:nvPr/>
+            </p:nvSpPr>
+            <p:spPr>
+              <a:xfrm>
+                <a:off x="569020" y="5089793"/>
+                <a:ext cx="5257800" cy="1768207"/>
+              </a:xfrm>
+              <a:prstGeom prst="rect">
+                <a:avLst/>
+              </a:prstGeom>
+            </p:spPr>
+            <p:txBody>
+              <a:bodyPr vert="horz" lIns="91440" tIns="45720" rIns="91440" bIns="45720" rtlCol="0">
+                <a:normAutofit/>
+              </a:bodyPr>
+              <a:lstStyle>
+                <a:lvl1pPr marL="228600" indent="-228600" algn="l" defTabSz="914400" rtl="0" eaLnBrk="1" latinLnBrk="0" hangingPunct="1">
+                  <a:lnSpc>
+                    <a:spcPct val="90000"/>
+                  </a:lnSpc>
+                  <a:spcBef>
+                    <a:spcPts val="1000"/>
+                  </a:spcBef>
+                  <a:buFont typeface="Arial" panose="020B0604020202020204" pitchFamily="34" charset="0"/>
+                  <a:buChar char="•"/>
+                  <a:defRPr sz="2800" kern="1200">
+                    <a:solidFill>
+                      <a:schemeClr val="tx1"/>
+                    </a:solidFill>
+                    <a:latin typeface="+mn-lt"/>
+                    <a:ea typeface="+mn-ea"/>
+                    <a:cs typeface="+mn-cs"/>
+                  </a:defRPr>
+                </a:lvl1pPr>
+                <a:lvl2pPr marL="685800" indent="-228600" algn="l" defTabSz="914400" rtl="0" eaLnBrk="1" latinLnBrk="0" hangingPunct="1">
+                  <a:lnSpc>
+                    <a:spcPct val="90000"/>
+                  </a:lnSpc>
+                  <a:spcBef>
+                    <a:spcPts val="500"/>
+                  </a:spcBef>
+                  <a:buFont typeface="Arial" panose="020B0604020202020204" pitchFamily="34" charset="0"/>
+                  <a:buChar char="•"/>
+                  <a:defRPr sz="2400" kern="1200">
+                    <a:solidFill>
+                      <a:schemeClr val="tx1"/>
+                    </a:solidFill>
+                    <a:latin typeface="+mn-lt"/>
+                    <a:ea typeface="+mn-ea"/>
+                    <a:cs typeface="+mn-cs"/>
+                  </a:defRPr>
+                </a:lvl2pPr>
+                <a:lvl3pPr marL="1143000" indent="-228600" algn="l" defTabSz="914400" rtl="0" eaLnBrk="1" latinLnBrk="0" hangingPunct="1">
+                  <a:lnSpc>
+                    <a:spcPct val="90000"/>
+                  </a:lnSpc>
+                  <a:spcBef>
+                    <a:spcPts val="500"/>
+                  </a:spcBef>
+                  <a:buFont typeface="Arial" panose="020B0604020202020204" pitchFamily="34" charset="0"/>
+                  <a:buChar char="•"/>
+                  <a:defRPr sz="2000" kern="1200">
+                    <a:solidFill>
+                      <a:schemeClr val="tx1"/>
+                    </a:solidFill>
+                    <a:latin typeface="+mn-lt"/>
+                    <a:ea typeface="+mn-ea"/>
+                    <a:cs typeface="+mn-cs"/>
+                  </a:defRPr>
+                </a:lvl3pPr>
+                <a:lvl4pPr marL="1600200" indent="-228600" algn="l" defTabSz="914400" rtl="0" eaLnBrk="1" latinLnBrk="0" hangingPunct="1">
+                  <a:lnSpc>
+                    <a:spcPct val="90000"/>
+                  </a:lnSpc>
+                  <a:spcBef>
+                    <a:spcPts val="500"/>
+                  </a:spcBef>
+                  <a:buFont typeface="Arial" panose="020B0604020202020204" pitchFamily="34" charset="0"/>
+                  <a:buChar char="•"/>
+                  <a:defRPr sz="1800" kern="1200">
+                    <a:solidFill>
+                      <a:schemeClr val="tx1"/>
+                    </a:solidFill>
+                    <a:latin typeface="+mn-lt"/>
+                    <a:ea typeface="+mn-ea"/>
+                    <a:cs typeface="+mn-cs"/>
+                  </a:defRPr>
+                </a:lvl4pPr>
+                <a:lvl5pPr marL="2057400" indent="-228600" algn="l" defTabSz="914400" rtl="0" eaLnBrk="1" latinLnBrk="0" hangingPunct="1">
+                  <a:lnSpc>
+                    <a:spcPct val="90000"/>
+                  </a:lnSpc>
+                  <a:spcBef>
+                    <a:spcPts val="500"/>
+                  </a:spcBef>
+                  <a:buFont typeface="Arial" panose="020B0604020202020204" pitchFamily="34" charset="0"/>
+                  <a:buChar char="•"/>
+                  <a:defRPr sz="1800" kern="1200">
+                    <a:solidFill>
+                      <a:schemeClr val="tx1"/>
+                    </a:solidFill>
+                    <a:latin typeface="+mn-lt"/>
+                    <a:ea typeface="+mn-ea"/>
+                    <a:cs typeface="+mn-cs"/>
+                  </a:defRPr>
+                </a:lvl5pPr>
+                <a:lvl6pPr marL="2514600" indent="-228600" algn="l" defTabSz="914400" rtl="0" eaLnBrk="1" latinLnBrk="0" hangingPunct="1">
+                  <a:lnSpc>
+                    <a:spcPct val="90000"/>
+                  </a:lnSpc>
+                  <a:spcBef>
+                    <a:spcPts val="500"/>
+                  </a:spcBef>
+                  <a:buFont typeface="Arial" panose="020B0604020202020204" pitchFamily="34" charset="0"/>
+                  <a:buChar char="•"/>
+                  <a:defRPr sz="1800" kern="1200">
+                    <a:solidFill>
+                      <a:schemeClr val="tx1"/>
+                    </a:solidFill>
+                    <a:latin typeface="+mn-lt"/>
+                    <a:ea typeface="+mn-ea"/>
+                    <a:cs typeface="+mn-cs"/>
+                  </a:defRPr>
+                </a:lvl6pPr>
+                <a:lvl7pPr marL="2971800" indent="-228600" algn="l" defTabSz="914400" rtl="0" eaLnBrk="1" latinLnBrk="0" hangingPunct="1">
+                  <a:lnSpc>
+                    <a:spcPct val="90000"/>
+                  </a:lnSpc>
+                  <a:spcBef>
+                    <a:spcPts val="500"/>
+                  </a:spcBef>
+                  <a:buFont typeface="Arial" panose="020B0604020202020204" pitchFamily="34" charset="0"/>
+                  <a:buChar char="•"/>
+                  <a:defRPr sz="1800" kern="1200">
+                    <a:solidFill>
+                      <a:schemeClr val="tx1"/>
+                    </a:solidFill>
+                    <a:latin typeface="+mn-lt"/>
+                    <a:ea typeface="+mn-ea"/>
+                    <a:cs typeface="+mn-cs"/>
+                  </a:defRPr>
+                </a:lvl7pPr>
+                <a:lvl8pPr marL="3429000" indent="-228600" algn="l" defTabSz="914400" rtl="0" eaLnBrk="1" latinLnBrk="0" hangingPunct="1">
+                  <a:lnSpc>
+                    <a:spcPct val="90000"/>
+                  </a:lnSpc>
+                  <a:spcBef>
+                    <a:spcPts val="500"/>
+                  </a:spcBef>
+                  <a:buFont typeface="Arial" panose="020B0604020202020204" pitchFamily="34" charset="0"/>
+                  <a:buChar char="•"/>
+                  <a:defRPr sz="1800" kern="1200">
+                    <a:solidFill>
+                      <a:schemeClr val="tx1"/>
+                    </a:solidFill>
+                    <a:latin typeface="+mn-lt"/>
+                    <a:ea typeface="+mn-ea"/>
+                    <a:cs typeface="+mn-cs"/>
+                  </a:defRPr>
+                </a:lvl8pPr>
+                <a:lvl9pPr marL="3886200" indent="-228600" algn="l" defTabSz="914400" rtl="0" eaLnBrk="1" latinLnBrk="0" hangingPunct="1">
+                  <a:lnSpc>
+                    <a:spcPct val="90000"/>
+                  </a:lnSpc>
+                  <a:spcBef>
+                    <a:spcPts val="500"/>
+                  </a:spcBef>
+                  <a:buFont typeface="Arial" panose="020B0604020202020204" pitchFamily="34" charset="0"/>
+                  <a:buChar char="•"/>
+                  <a:defRPr sz="1800" kern="1200">
+                    <a:solidFill>
+                      <a:schemeClr val="tx1"/>
+                    </a:solidFill>
+                    <a:latin typeface="+mn-lt"/>
+                    <a:ea typeface="+mn-ea"/>
+                    <a:cs typeface="+mn-cs"/>
+                  </a:defRPr>
+                </a:lvl9pPr>
+              </a:lstStyle>
+              <a:p>
+                <a14:m>
+                  <m:oMath xmlns:m="http://schemas.openxmlformats.org/officeDocument/2006/math">
+                    <m:acc>
+                      <m:accPr>
+                        <m:chr m:val="⃗"/>
+                        <m:ctrlPr>
+                          <a:rPr lang="fr-FR" sz="1800" i="1" smtClean="0">
+                            <a:latin typeface="Cambria Math" panose="02040503050406030204" pitchFamily="18" charset="0"/>
+                          </a:rPr>
+                        </m:ctrlPr>
+                      </m:accPr>
+                      <m:e>
+                        <m:r>
+                          <a:rPr lang="fr-FR" sz="1800" i="1">
+                            <a:latin typeface="Cambria Math" panose="02040503050406030204" pitchFamily="18" charset="0"/>
+                          </a:rPr>
+                          <m:t>𝑂𝐴</m:t>
+                        </m:r>
+                      </m:e>
+                    </m:acc>
+                    <m:r>
+                      <a:rPr lang="fr-FR" sz="1800" b="0" i="1" smtClean="0">
+                        <a:latin typeface="Cambria Math" panose="02040503050406030204" pitchFamily="18" charset="0"/>
+                      </a:rPr>
+                      <m:t>=</m:t>
+                    </m:r>
+                    <m:r>
+                      <a:rPr lang="fr-FR" sz="1800" b="0" i="1" smtClean="0">
+                        <a:latin typeface="Cambria Math" panose="02040503050406030204" pitchFamily="18" charset="0"/>
+                      </a:rPr>
+                      <m:t>𝑎</m:t>
+                    </m:r>
+                    <m:acc>
+                      <m:accPr>
+                        <m:chr m:val="⃗"/>
+                        <m:ctrlPr>
+                          <a:rPr lang="fr-FR" sz="1800" i="1">
+                            <a:latin typeface="Cambria Math" panose="02040503050406030204" pitchFamily="18" charset="0"/>
+                          </a:rPr>
+                        </m:ctrlPr>
+                      </m:accPr>
+                      <m:e>
+                        <m:r>
+                          <a:rPr lang="fr-FR" sz="1800" b="0" i="1" smtClean="0">
+                            <a:latin typeface="Cambria Math" panose="02040503050406030204" pitchFamily="18" charset="0"/>
+                          </a:rPr>
+                          <m:t> </m:t>
+                        </m:r>
+                        <m:sSub>
+                          <m:sSubPr>
+                            <m:ctrlPr>
+                              <a:rPr lang="fr-FR" sz="1800" b="0" i="1" smtClean="0">
+                                <a:latin typeface="Cambria Math" panose="02040503050406030204" pitchFamily="18" charset="0"/>
+                              </a:rPr>
+                            </m:ctrlPr>
+                          </m:sSubPr>
+                          <m:e>
+                            <m:r>
+                              <a:rPr lang="fr-FR" sz="1800" b="0" i="1" smtClean="0">
+                                <a:latin typeface="Cambria Math" panose="02040503050406030204" pitchFamily="18" charset="0"/>
+                              </a:rPr>
+                              <m:t>𝑥</m:t>
+                            </m:r>
+                          </m:e>
+                          <m:sub>
+                            <m:r>
+                              <a:rPr lang="fr-FR" sz="1800" b="0" i="1" smtClean="0">
+                                <a:latin typeface="Cambria Math" panose="02040503050406030204" pitchFamily="18" charset="0"/>
+                              </a:rPr>
+                              <m:t>0</m:t>
+                            </m:r>
+                          </m:sub>
+                        </m:sSub>
+                      </m:e>
+                    </m:acc>
+                  </m:oMath>
+                </a14:m>
+                <a:endParaRPr lang="fr-FR" sz="1800" dirty="0"/>
+              </a:p>
+              <a:p>
+                <a14:m>
+                  <m:oMath xmlns:m="http://schemas.openxmlformats.org/officeDocument/2006/math">
+                    <m:acc>
+                      <m:accPr>
+                        <m:chr m:val="⃗"/>
+                        <m:ctrlPr>
+                          <a:rPr lang="fr-FR" sz="1800" i="1">
+                            <a:latin typeface="Cambria Math" panose="02040503050406030204" pitchFamily="18" charset="0"/>
+                          </a:rPr>
+                        </m:ctrlPr>
+                      </m:accPr>
+                      <m:e>
+                        <m:r>
+                          <a:rPr lang="fr-FR" sz="1800" i="1" smtClean="0">
+                            <a:latin typeface="Cambria Math" panose="02040503050406030204" pitchFamily="18" charset="0"/>
+                          </a:rPr>
+                          <m:t>𝐴𝐵</m:t>
+                        </m:r>
+                      </m:e>
+                    </m:acc>
+                    <m:r>
+                      <a:rPr lang="fr-FR" sz="1800" b="0" i="1" smtClean="0">
+                        <a:latin typeface="Cambria Math" panose="02040503050406030204" pitchFamily="18" charset="0"/>
+                      </a:rPr>
+                      <m:t>=</m:t>
+                    </m:r>
+                    <m:r>
+                      <a:rPr lang="fr-FR" sz="1800" b="0" i="1" smtClean="0">
+                        <a:latin typeface="Cambria Math" panose="02040503050406030204" pitchFamily="18" charset="0"/>
+                      </a:rPr>
+                      <m:t>𝑏</m:t>
+                    </m:r>
+                    <m:r>
+                      <a:rPr lang="fr-FR" sz="1800" b="0" i="1" smtClean="0">
+                        <a:latin typeface="Cambria Math" panose="02040503050406030204" pitchFamily="18" charset="0"/>
+                      </a:rPr>
+                      <m:t> </m:t>
+                    </m:r>
+                    <m:acc>
+                      <m:accPr>
+                        <m:chr m:val="⃗"/>
+                        <m:ctrlPr>
+                          <a:rPr lang="fr-FR" sz="1800" i="1">
+                            <a:latin typeface="Cambria Math" panose="02040503050406030204" pitchFamily="18" charset="0"/>
+                          </a:rPr>
+                        </m:ctrlPr>
+                      </m:accPr>
+                      <m:e>
+                        <m:sSub>
+                          <m:sSubPr>
+                            <m:ctrlPr>
+                              <a:rPr lang="fr-FR" sz="1800" b="0" i="1" smtClean="0">
+                                <a:latin typeface="Cambria Math" panose="02040503050406030204" pitchFamily="18" charset="0"/>
+                              </a:rPr>
+                            </m:ctrlPr>
+                          </m:sSubPr>
+                          <m:e>
+                            <m:r>
+                              <a:rPr lang="fr-FR" sz="1800" b="0" i="1" smtClean="0">
+                                <a:latin typeface="Cambria Math" panose="02040503050406030204" pitchFamily="18" charset="0"/>
+                              </a:rPr>
+                              <m:t>𝑥</m:t>
+                            </m:r>
+                          </m:e>
+                          <m:sub>
+                            <m:r>
+                              <a:rPr lang="fr-FR" sz="1800" b="0" i="1" smtClean="0">
+                                <a:latin typeface="Cambria Math" panose="02040503050406030204" pitchFamily="18" charset="0"/>
+                              </a:rPr>
+                              <m:t>1</m:t>
+                            </m:r>
+                          </m:sub>
+                        </m:sSub>
+                      </m:e>
+                    </m:acc>
+                  </m:oMath>
+                </a14:m>
+                <a:endParaRPr lang="fr-FR" sz="1800" dirty="0"/>
+              </a:p>
+              <a:p>
+                <a14:m>
+                  <m:oMath xmlns:m="http://schemas.openxmlformats.org/officeDocument/2006/math">
+                    <m:acc>
+                      <m:accPr>
+                        <m:chr m:val="⃗"/>
+                        <m:ctrlPr>
+                          <a:rPr lang="fr-FR" sz="1800" i="1">
+                            <a:latin typeface="Cambria Math" panose="02040503050406030204" pitchFamily="18" charset="0"/>
+                          </a:rPr>
+                        </m:ctrlPr>
+                      </m:accPr>
+                      <m:e>
+                        <m:r>
+                          <a:rPr lang="fr-FR" sz="1800" i="1" smtClean="0">
+                            <a:latin typeface="Cambria Math" panose="02040503050406030204" pitchFamily="18" charset="0"/>
+                          </a:rPr>
+                          <m:t>𝐵</m:t>
+                        </m:r>
+                        <m:r>
+                          <a:rPr lang="fr-FR" sz="1800" i="1">
+                            <a:latin typeface="Cambria Math" panose="02040503050406030204" pitchFamily="18" charset="0"/>
+                          </a:rPr>
+                          <m:t>𝐹</m:t>
+                        </m:r>
+                      </m:e>
+                    </m:acc>
+                    <m:r>
+                      <a:rPr lang="fr-FR" sz="1800" i="1">
+                        <a:latin typeface="Cambria Math" panose="02040503050406030204" pitchFamily="18" charset="0"/>
+                      </a:rPr>
+                      <m:t>=</m:t>
+                    </m:r>
+                    <m:r>
+                      <a:rPr lang="fr-FR" sz="1800" b="0" i="1" smtClean="0">
+                        <a:latin typeface="Cambria Math" panose="02040503050406030204" pitchFamily="18" charset="0"/>
+                      </a:rPr>
+                      <m:t>𝑐</m:t>
+                    </m:r>
+                    <m:r>
+                      <a:rPr lang="fr-FR" sz="1800" b="0" i="1" smtClean="0">
+                        <a:latin typeface="Cambria Math" panose="02040503050406030204" pitchFamily="18" charset="0"/>
+                      </a:rPr>
+                      <m:t> </m:t>
+                    </m:r>
+                    <m:acc>
+                      <m:accPr>
+                        <m:chr m:val="⃗"/>
+                        <m:ctrlPr>
+                          <a:rPr lang="fr-FR" sz="1800" i="1">
+                            <a:latin typeface="Cambria Math" panose="02040503050406030204" pitchFamily="18" charset="0"/>
+                          </a:rPr>
+                        </m:ctrlPr>
+                      </m:accPr>
+                      <m:e>
+                        <m:sSub>
+                          <m:sSubPr>
+                            <m:ctrlPr>
+                              <a:rPr lang="fr-FR" sz="1800" i="1">
+                                <a:latin typeface="Cambria Math" panose="02040503050406030204" pitchFamily="18" charset="0"/>
+                              </a:rPr>
+                            </m:ctrlPr>
+                          </m:sSubPr>
+                          <m:e>
+                            <m:r>
+                              <a:rPr lang="fr-FR" sz="1800" i="1">
+                                <a:latin typeface="Cambria Math" panose="02040503050406030204" pitchFamily="18" charset="0"/>
+                              </a:rPr>
+                              <m:t>𝑥</m:t>
+                            </m:r>
+                          </m:e>
+                          <m:sub>
+                            <m:r>
+                              <a:rPr lang="fr-FR" sz="1800" b="0" i="1" smtClean="0">
+                                <a:latin typeface="Cambria Math" panose="02040503050406030204" pitchFamily="18" charset="0"/>
+                              </a:rPr>
+                              <m:t>4</m:t>
+                            </m:r>
+                          </m:sub>
+                        </m:sSub>
+                      </m:e>
+                    </m:acc>
+                  </m:oMath>
+                </a14:m>
+                <a:endParaRPr lang="fr-FR" sz="1800" dirty="0"/>
+              </a:p>
+              <a:p>
+                <a:endParaRPr lang="fr-FR" sz="1800" dirty="0"/>
+              </a:p>
+              <a:p>
+                <a:endParaRPr lang="fr-FR" sz="1800" dirty="0"/>
+              </a:p>
+              <a:p>
+                <a:endParaRPr lang="fr-FR" sz="1800" dirty="0"/>
+              </a:p>
+            </p:txBody>
+          </p:sp>
+        </mc:Choice>
+        <mc:Fallback xmlns="">
+          <p:sp>
+            <p:nvSpPr>
+              <p:cNvPr id="7" name="Espace réservé du contenu 2">
+                <a:extLst>
+                  <a:ext uri="{FF2B5EF4-FFF2-40B4-BE49-F238E27FC236}">
+                    <a16:creationId xmlns:a16="http://schemas.microsoft.com/office/drawing/2014/main" id="{03282FC2-809C-1E5F-F010-505514B69E8A}"/>
+                  </a:ext>
+                </a:extLst>
+              </p:cNvPr>
+              <p:cNvSpPr txBox="1">
+                <a:spLocks noRot="1" noChangeAspect="1" noMove="1" noResize="1" noEditPoints="1" noAdjustHandles="1" noChangeArrowheads="1" noChangeShapeType="1" noTextEdit="1"/>
+              </p:cNvSpPr>
+              <p:nvPr/>
+            </p:nvSpPr>
+            <p:spPr>
+              <a:xfrm>
+                <a:off x="569020" y="5089793"/>
+                <a:ext cx="5257800" cy="1768207"/>
+              </a:xfrm>
+              <a:prstGeom prst="rect">
+                <a:avLst/>
+              </a:prstGeom>
+              <a:blipFill>
+                <a:blip r:embed="rId5"/>
+                <a:stretch>
+                  <a:fillRect l="-695" t="-690"/>
+                </a:stretch>
+              </a:blipFill>
+            </p:spPr>
+            <p:txBody>
+              <a:bodyPr/>
+              <a:lstStyle/>
+              <a:p>
+                <a:r>
+                  <a:rPr lang="fr-FR">
+                    <a:noFill/>
+                  </a:rPr>
+                  <a:t> </a:t>
+                </a:r>
+              </a:p>
+            </p:txBody>
+          </p:sp>
+        </mc:Fallback>
+      </mc:AlternateContent>
+    </p:spTree>
+    <p:extLst>
+      <p:ext uri="{BB962C8B-B14F-4D97-AF65-F5344CB8AC3E}">
+        <p14:creationId xmlns:p14="http://schemas.microsoft.com/office/powerpoint/2010/main" val="3775213606"/>
+      </p:ext>
+    </p:extLst>
+  </p:cSld>
+  <p:clrMapOvr>
+    <a:masterClrMapping/>
+  </p:clrMapOvr>
+</p:sld>
+</file>
+
 <file path=ppt/theme/theme1.xml><?xml version="1.0" encoding="utf-8"?>
 <a:theme xmlns:a="http://schemas.openxmlformats.org/drawingml/2006/main" name="Thème Office">
   <a:themeElements>

--- a/17_RobotDelta2D/Images/Figures2.pptx
+++ b/17_RobotDelta2D/Images/Figures2.pptx
@@ -6,9 +6,10 @@
   </p:sldMasterIdLst>
   <p:sldIdLst>
     <p:sldId id="256" r:id="rId2"/>
-    <p:sldId id="257" r:id="rId3"/>
-    <p:sldId id="258" r:id="rId4"/>
-    <p:sldId id="259" r:id="rId5"/>
+    <p:sldId id="260" r:id="rId3"/>
+    <p:sldId id="257" r:id="rId4"/>
+    <p:sldId id="258" r:id="rId5"/>
+    <p:sldId id="259" r:id="rId6"/>
   </p:sldIdLst>
   <p:sldSz cx="12192000" cy="6858000"/>
   <p:notesSz cx="6858000" cy="9144000"/>
@@ -273,7 +274,7 @@
           <a:p>
             <a:fld id="{E89B7495-721A-440C-B815-4617627ED71C}" type="datetimeFigureOut">
               <a:rPr lang="fr-FR" smtClean="0"/>
-              <a:t>20/10/2023</a:t>
+              <a:t>23/10/2023</a:t>
             </a:fld>
             <a:endParaRPr lang="fr-FR"/>
           </a:p>
@@ -471,7 +472,7 @@
           <a:p>
             <a:fld id="{E89B7495-721A-440C-B815-4617627ED71C}" type="datetimeFigureOut">
               <a:rPr lang="fr-FR" smtClean="0"/>
-              <a:t>20/10/2023</a:t>
+              <a:t>23/10/2023</a:t>
             </a:fld>
             <a:endParaRPr lang="fr-FR"/>
           </a:p>
@@ -679,7 +680,7 @@
           <a:p>
             <a:fld id="{E89B7495-721A-440C-B815-4617627ED71C}" type="datetimeFigureOut">
               <a:rPr lang="fr-FR" smtClean="0"/>
-              <a:t>20/10/2023</a:t>
+              <a:t>23/10/2023</a:t>
             </a:fld>
             <a:endParaRPr lang="fr-FR"/>
           </a:p>
@@ -877,7 +878,7 @@
           <a:p>
             <a:fld id="{E89B7495-721A-440C-B815-4617627ED71C}" type="datetimeFigureOut">
               <a:rPr lang="fr-FR" smtClean="0"/>
-              <a:t>20/10/2023</a:t>
+              <a:t>23/10/2023</a:t>
             </a:fld>
             <a:endParaRPr lang="fr-FR"/>
           </a:p>
@@ -1152,7 +1153,7 @@
           <a:p>
             <a:fld id="{E89B7495-721A-440C-B815-4617627ED71C}" type="datetimeFigureOut">
               <a:rPr lang="fr-FR" smtClean="0"/>
-              <a:t>20/10/2023</a:t>
+              <a:t>23/10/2023</a:t>
             </a:fld>
             <a:endParaRPr lang="fr-FR"/>
           </a:p>
@@ -1417,7 +1418,7 @@
           <a:p>
             <a:fld id="{E89B7495-721A-440C-B815-4617627ED71C}" type="datetimeFigureOut">
               <a:rPr lang="fr-FR" smtClean="0"/>
-              <a:t>20/10/2023</a:t>
+              <a:t>23/10/2023</a:t>
             </a:fld>
             <a:endParaRPr lang="fr-FR"/>
           </a:p>
@@ -1829,7 +1830,7 @@
           <a:p>
             <a:fld id="{E89B7495-721A-440C-B815-4617627ED71C}" type="datetimeFigureOut">
               <a:rPr lang="fr-FR" smtClean="0"/>
-              <a:t>20/10/2023</a:t>
+              <a:t>23/10/2023</a:t>
             </a:fld>
             <a:endParaRPr lang="fr-FR"/>
           </a:p>
@@ -1970,7 +1971,7 @@
           <a:p>
             <a:fld id="{E89B7495-721A-440C-B815-4617627ED71C}" type="datetimeFigureOut">
               <a:rPr lang="fr-FR" smtClean="0"/>
-              <a:t>20/10/2023</a:t>
+              <a:t>23/10/2023</a:t>
             </a:fld>
             <a:endParaRPr lang="fr-FR"/>
           </a:p>
@@ -2083,7 +2084,7 @@
           <a:p>
             <a:fld id="{E89B7495-721A-440C-B815-4617627ED71C}" type="datetimeFigureOut">
               <a:rPr lang="fr-FR" smtClean="0"/>
-              <a:t>20/10/2023</a:t>
+              <a:t>23/10/2023</a:t>
             </a:fld>
             <a:endParaRPr lang="fr-FR"/>
           </a:p>
@@ -2394,7 +2395,7 @@
           <a:p>
             <a:fld id="{E89B7495-721A-440C-B815-4617627ED71C}" type="datetimeFigureOut">
               <a:rPr lang="fr-FR" smtClean="0"/>
-              <a:t>20/10/2023</a:t>
+              <a:t>23/10/2023</a:t>
             </a:fld>
             <a:endParaRPr lang="fr-FR"/>
           </a:p>
@@ -2682,7 +2683,7 @@
           <a:p>
             <a:fld id="{E89B7495-721A-440C-B815-4617627ED71C}" type="datetimeFigureOut">
               <a:rPr lang="fr-FR" smtClean="0"/>
-              <a:t>20/10/2023</a:t>
+              <a:t>23/10/2023</a:t>
             </a:fld>
             <a:endParaRPr lang="fr-FR"/>
           </a:p>
@@ -2923,7 +2924,7 @@
           <a:p>
             <a:fld id="{E89B7495-721A-440C-B815-4617627ED71C}" type="datetimeFigureOut">
               <a:rPr lang="fr-FR" smtClean="0"/>
-              <a:t>20/10/2023</a:t>
+              <a:t>23/10/2023</a:t>
             </a:fld>
             <a:endParaRPr lang="fr-FR"/>
           </a:p>
@@ -8561,6 +8562,5736 @@
           <a:chExt cx="0" cy="0"/>
         </a:xfrm>
       </p:grpSpPr>
+      <p:cxnSp>
+        <p:nvCxnSpPr>
+          <p:cNvPr id="178" name="Connecteur droit 177">
+            <a:extLst>
+              <a:ext uri="{FF2B5EF4-FFF2-40B4-BE49-F238E27FC236}">
+                <a16:creationId xmlns:a16="http://schemas.microsoft.com/office/drawing/2014/main" id="{F08E1198-FE80-C9D1-71D7-26DB7BD09287}"/>
+              </a:ext>
+            </a:extLst>
+          </p:cNvPr>
+          <p:cNvCxnSpPr>
+            <a:cxnSpLocks/>
+          </p:cNvCxnSpPr>
+          <p:nvPr/>
+        </p:nvCxnSpPr>
+        <p:spPr>
+          <a:xfrm flipV="1">
+            <a:off x="8284934" y="2401034"/>
+            <a:ext cx="1572691" cy="1195100"/>
+          </a:xfrm>
+          <a:prstGeom prst="line">
+            <a:avLst/>
+          </a:prstGeom>
+          <a:noFill/>
+          <a:ln w="12700">
+            <a:solidFill>
+              <a:srgbClr val="00B050"/>
+            </a:solidFill>
+            <a:headEnd type="stealth" w="med" len="lg"/>
+            <a:tailEnd type="none" w="med" len="lg"/>
+          </a:ln>
+        </p:spPr>
+        <p:style>
+          <a:lnRef idx="2">
+            <a:schemeClr val="accent1">
+              <a:shade val="50000"/>
+            </a:schemeClr>
+          </a:lnRef>
+          <a:fillRef idx="1">
+            <a:schemeClr val="accent1"/>
+          </a:fillRef>
+          <a:effectRef idx="0">
+            <a:schemeClr val="accent1"/>
+          </a:effectRef>
+          <a:fontRef idx="minor">
+            <a:schemeClr val="lt1"/>
+          </a:fontRef>
+        </p:style>
+      </p:cxnSp>
+      <p:cxnSp>
+        <p:nvCxnSpPr>
+          <p:cNvPr id="165" name="Connecteur droit 164">
+            <a:extLst>
+              <a:ext uri="{FF2B5EF4-FFF2-40B4-BE49-F238E27FC236}">
+                <a16:creationId xmlns:a16="http://schemas.microsoft.com/office/drawing/2014/main" id="{ECDECEDF-4A71-C600-B0B4-DABDBD14EB5E}"/>
+              </a:ext>
+            </a:extLst>
+          </p:cNvPr>
+          <p:cNvCxnSpPr>
+            <a:cxnSpLocks/>
+          </p:cNvCxnSpPr>
+          <p:nvPr/>
+        </p:nvCxnSpPr>
+        <p:spPr>
+          <a:xfrm>
+            <a:off x="9771983" y="1347369"/>
+            <a:ext cx="952820" cy="966204"/>
+          </a:xfrm>
+          <a:prstGeom prst="line">
+            <a:avLst/>
+          </a:prstGeom>
+          <a:noFill/>
+          <a:ln w="12700">
+            <a:solidFill>
+              <a:srgbClr val="7030A0"/>
+            </a:solidFill>
+            <a:tailEnd type="stealth" w="med" len="lg"/>
+          </a:ln>
+        </p:spPr>
+        <p:style>
+          <a:lnRef idx="2">
+            <a:schemeClr val="accent1">
+              <a:shade val="50000"/>
+            </a:schemeClr>
+          </a:lnRef>
+          <a:fillRef idx="1">
+            <a:schemeClr val="accent1"/>
+          </a:fillRef>
+          <a:effectRef idx="0">
+            <a:schemeClr val="accent1"/>
+          </a:effectRef>
+          <a:fontRef idx="minor">
+            <a:schemeClr val="lt1"/>
+          </a:fontRef>
+        </p:style>
+      </p:cxnSp>
+      <p:cxnSp>
+        <p:nvCxnSpPr>
+          <p:cNvPr id="152" name="Connecteur droit 151">
+            <a:extLst>
+              <a:ext uri="{FF2B5EF4-FFF2-40B4-BE49-F238E27FC236}">
+                <a16:creationId xmlns:a16="http://schemas.microsoft.com/office/drawing/2014/main" id="{D90AF7FB-E9A3-C52C-CED0-D59F8BCF64E1}"/>
+              </a:ext>
+            </a:extLst>
+          </p:cNvPr>
+          <p:cNvCxnSpPr>
+            <a:cxnSpLocks/>
+            <a:stCxn id="144" idx="4"/>
+          </p:cNvCxnSpPr>
+          <p:nvPr/>
+        </p:nvCxnSpPr>
+        <p:spPr>
+          <a:xfrm>
+            <a:off x="8642508" y="3057296"/>
+            <a:ext cx="0" cy="214672"/>
+          </a:xfrm>
+          <a:prstGeom prst="line">
+            <a:avLst/>
+          </a:prstGeom>
+          <a:noFill/>
+          <a:ln w="28575">
+            <a:solidFill>
+              <a:srgbClr val="0070C0"/>
+            </a:solidFill>
+          </a:ln>
+        </p:spPr>
+        <p:style>
+          <a:lnRef idx="2">
+            <a:schemeClr val="accent1">
+              <a:shade val="50000"/>
+            </a:schemeClr>
+          </a:lnRef>
+          <a:fillRef idx="1">
+            <a:schemeClr val="accent1"/>
+          </a:fillRef>
+          <a:effectRef idx="0">
+            <a:schemeClr val="accent1"/>
+          </a:effectRef>
+          <a:fontRef idx="minor">
+            <a:schemeClr val="lt1"/>
+          </a:fontRef>
+        </p:style>
+      </p:cxnSp>
+      <p:cxnSp>
+        <p:nvCxnSpPr>
+          <p:cNvPr id="155" name="Connecteur droit 154">
+            <a:extLst>
+              <a:ext uri="{FF2B5EF4-FFF2-40B4-BE49-F238E27FC236}">
+                <a16:creationId xmlns:a16="http://schemas.microsoft.com/office/drawing/2014/main" id="{B8F0A230-6EF7-26EB-9384-E0BB77ADA87B}"/>
+              </a:ext>
+            </a:extLst>
+          </p:cNvPr>
+          <p:cNvCxnSpPr>
+            <a:cxnSpLocks/>
+          </p:cNvCxnSpPr>
+          <p:nvPr/>
+        </p:nvCxnSpPr>
+        <p:spPr>
+          <a:xfrm>
+            <a:off x="8973261" y="3144909"/>
+            <a:ext cx="0" cy="127059"/>
+          </a:xfrm>
+          <a:prstGeom prst="line">
+            <a:avLst/>
+          </a:prstGeom>
+          <a:noFill/>
+          <a:ln w="28575">
+            <a:solidFill>
+              <a:srgbClr val="0070C0"/>
+            </a:solidFill>
+          </a:ln>
+        </p:spPr>
+        <p:style>
+          <a:lnRef idx="2">
+            <a:schemeClr val="accent1">
+              <a:shade val="50000"/>
+            </a:schemeClr>
+          </a:lnRef>
+          <a:fillRef idx="1">
+            <a:schemeClr val="accent1"/>
+          </a:fillRef>
+          <a:effectRef idx="0">
+            <a:schemeClr val="accent1"/>
+          </a:effectRef>
+          <a:fontRef idx="minor">
+            <a:schemeClr val="lt1"/>
+          </a:fontRef>
+        </p:style>
+      </p:cxnSp>
+      <p:cxnSp>
+        <p:nvCxnSpPr>
+          <p:cNvPr id="149" name="Connecteur droit 148">
+            <a:extLst>
+              <a:ext uri="{FF2B5EF4-FFF2-40B4-BE49-F238E27FC236}">
+                <a16:creationId xmlns:a16="http://schemas.microsoft.com/office/drawing/2014/main" id="{C1D7C851-C4E5-67A9-F9F0-9E03FC90203E}"/>
+              </a:ext>
+            </a:extLst>
+          </p:cNvPr>
+          <p:cNvCxnSpPr>
+            <a:cxnSpLocks/>
+            <a:stCxn id="137" idx="5"/>
+            <a:endCxn id="148" idx="7"/>
+          </p:cNvCxnSpPr>
+          <p:nvPr/>
+        </p:nvCxnSpPr>
+        <p:spPr>
+          <a:xfrm flipH="1" flipV="1">
+            <a:off x="7472474" y="1924468"/>
+            <a:ext cx="1564427" cy="1195100"/>
+          </a:xfrm>
+          <a:prstGeom prst="line">
+            <a:avLst/>
+          </a:prstGeom>
+          <a:noFill/>
+          <a:ln w="28575">
+            <a:solidFill>
+              <a:srgbClr val="00B050">
+                <a:alpha val="50000"/>
+              </a:srgbClr>
+            </a:solidFill>
+          </a:ln>
+        </p:spPr>
+        <p:style>
+          <a:lnRef idx="2">
+            <a:schemeClr val="accent1">
+              <a:shade val="50000"/>
+            </a:schemeClr>
+          </a:lnRef>
+          <a:fillRef idx="1">
+            <a:schemeClr val="accent1"/>
+          </a:fillRef>
+          <a:effectRef idx="0">
+            <a:schemeClr val="accent1"/>
+          </a:effectRef>
+          <a:fontRef idx="minor">
+            <a:schemeClr val="lt1"/>
+          </a:fontRef>
+        </p:style>
+      </p:cxnSp>
+      <p:grpSp>
+        <p:nvGrpSpPr>
+          <p:cNvPr id="141" name="Groupe 140">
+            <a:extLst>
+              <a:ext uri="{FF2B5EF4-FFF2-40B4-BE49-F238E27FC236}">
+                <a16:creationId xmlns:a16="http://schemas.microsoft.com/office/drawing/2014/main" id="{7A264C51-4934-9D88-1502-AF7F5DC450BB}"/>
+              </a:ext>
+            </a:extLst>
+          </p:cNvPr>
+          <p:cNvGrpSpPr/>
+          <p:nvPr/>
+        </p:nvGrpSpPr>
+        <p:grpSpPr>
+          <a:xfrm>
+            <a:off x="8883261" y="1924468"/>
+            <a:ext cx="1599051" cy="1221460"/>
+            <a:chOff x="8883261" y="1924468"/>
+            <a:chExt cx="1599051" cy="1221460"/>
+          </a:xfrm>
+        </p:grpSpPr>
+        <p:cxnSp>
+          <p:nvCxnSpPr>
+            <p:cNvPr id="118" name="Connecteur droit 117">
+              <a:extLst>
+                <a:ext uri="{FF2B5EF4-FFF2-40B4-BE49-F238E27FC236}">
+                  <a16:creationId xmlns:a16="http://schemas.microsoft.com/office/drawing/2014/main" id="{CEB7AD91-FE9B-50AB-F22D-F22D2E87767A}"/>
+                </a:ext>
+              </a:extLst>
+            </p:cNvPr>
+            <p:cNvCxnSpPr>
+              <a:cxnSpLocks/>
+              <a:stCxn id="137" idx="3"/>
+              <a:endCxn id="67" idx="7"/>
+            </p:cNvCxnSpPr>
+            <p:nvPr/>
+          </p:nvCxnSpPr>
+          <p:spPr>
+            <a:xfrm flipV="1">
+              <a:off x="8909621" y="1924468"/>
+              <a:ext cx="1572691" cy="1195100"/>
+            </a:xfrm>
+            <a:prstGeom prst="line">
+              <a:avLst/>
+            </a:prstGeom>
+            <a:noFill/>
+            <a:ln w="28575">
+              <a:solidFill>
+                <a:srgbClr val="00B050"/>
+              </a:solidFill>
+            </a:ln>
+          </p:spPr>
+          <p:style>
+            <a:lnRef idx="2">
+              <a:schemeClr val="accent1">
+                <a:shade val="50000"/>
+              </a:schemeClr>
+            </a:lnRef>
+            <a:fillRef idx="1">
+              <a:schemeClr val="accent1"/>
+            </a:fillRef>
+            <a:effectRef idx="0">
+              <a:schemeClr val="accent1"/>
+            </a:effectRef>
+            <a:fontRef idx="minor">
+              <a:schemeClr val="lt1"/>
+            </a:fontRef>
+          </p:style>
+        </p:cxnSp>
+        <p:sp>
+          <p:nvSpPr>
+            <p:cNvPr id="137" name="Ellipse 136">
+              <a:extLst>
+                <a:ext uri="{FF2B5EF4-FFF2-40B4-BE49-F238E27FC236}">
+                  <a16:creationId xmlns:a16="http://schemas.microsoft.com/office/drawing/2014/main" id="{D026A185-BF60-2D1B-357B-C834FBE12079}"/>
+                </a:ext>
+              </a:extLst>
+            </p:cNvPr>
+            <p:cNvSpPr/>
+            <p:nvPr/>
+          </p:nvSpPr>
+          <p:spPr>
+            <a:xfrm>
+              <a:off x="8883261" y="2965928"/>
+              <a:ext cx="180000" cy="180000"/>
+            </a:xfrm>
+            <a:prstGeom prst="ellipse">
+              <a:avLst/>
+            </a:prstGeom>
+            <a:solidFill>
+              <a:schemeClr val="bg1"/>
+            </a:solidFill>
+            <a:ln w="28575">
+              <a:solidFill>
+                <a:srgbClr val="00B050"/>
+              </a:solidFill>
+            </a:ln>
+          </p:spPr>
+          <p:style>
+            <a:lnRef idx="2">
+              <a:schemeClr val="accent1">
+                <a:shade val="50000"/>
+              </a:schemeClr>
+            </a:lnRef>
+            <a:fillRef idx="1">
+              <a:schemeClr val="accent1"/>
+            </a:fillRef>
+            <a:effectRef idx="0">
+              <a:schemeClr val="accent1"/>
+            </a:effectRef>
+            <a:fontRef idx="minor">
+              <a:schemeClr val="lt1"/>
+            </a:fontRef>
+          </p:style>
+          <p:txBody>
+            <a:bodyPr rtlCol="0" anchor="ctr"/>
+            <a:lstStyle/>
+            <a:p>
+              <a:pPr algn="ctr"/>
+              <a:endParaRPr lang="fr-FR" dirty="0">
+                <a:solidFill>
+                  <a:srgbClr val="00B050"/>
+                </a:solidFill>
+              </a:endParaRPr>
+            </a:p>
+          </p:txBody>
+        </p:sp>
+      </p:grpSp>
+      <p:grpSp>
+        <p:nvGrpSpPr>
+          <p:cNvPr id="142" name="Groupe 141">
+            <a:extLst>
+              <a:ext uri="{FF2B5EF4-FFF2-40B4-BE49-F238E27FC236}">
+                <a16:creationId xmlns:a16="http://schemas.microsoft.com/office/drawing/2014/main" id="{7DF7717B-3AAB-4A9E-7E79-3E8BFAF5528D}"/>
+              </a:ext>
+            </a:extLst>
+          </p:cNvPr>
+          <p:cNvGrpSpPr/>
+          <p:nvPr/>
+        </p:nvGrpSpPr>
+        <p:grpSpPr>
+          <a:xfrm>
+            <a:off x="8552508" y="1835836"/>
+            <a:ext cx="1599051" cy="1221460"/>
+            <a:chOff x="8883261" y="1924468"/>
+            <a:chExt cx="1599051" cy="1221460"/>
+          </a:xfrm>
+        </p:grpSpPr>
+        <p:cxnSp>
+          <p:nvCxnSpPr>
+            <p:cNvPr id="143" name="Connecteur droit 142">
+              <a:extLst>
+                <a:ext uri="{FF2B5EF4-FFF2-40B4-BE49-F238E27FC236}">
+                  <a16:creationId xmlns:a16="http://schemas.microsoft.com/office/drawing/2014/main" id="{520E6B7A-AB8A-9DCC-37E5-7A53E493902A}"/>
+                </a:ext>
+              </a:extLst>
+            </p:cNvPr>
+            <p:cNvCxnSpPr>
+              <a:cxnSpLocks/>
+              <a:stCxn id="144" idx="3"/>
+            </p:cNvCxnSpPr>
+            <p:nvPr/>
+          </p:nvCxnSpPr>
+          <p:spPr>
+            <a:xfrm flipV="1">
+              <a:off x="8909621" y="1924468"/>
+              <a:ext cx="1572691" cy="1195100"/>
+            </a:xfrm>
+            <a:prstGeom prst="line">
+              <a:avLst/>
+            </a:prstGeom>
+            <a:noFill/>
+            <a:ln w="28575">
+              <a:solidFill>
+                <a:schemeClr val="accent2"/>
+              </a:solidFill>
+            </a:ln>
+          </p:spPr>
+          <p:style>
+            <a:lnRef idx="2">
+              <a:schemeClr val="accent1">
+                <a:shade val="50000"/>
+              </a:schemeClr>
+            </a:lnRef>
+            <a:fillRef idx="1">
+              <a:schemeClr val="accent1"/>
+            </a:fillRef>
+            <a:effectRef idx="0">
+              <a:schemeClr val="accent1"/>
+            </a:effectRef>
+            <a:fontRef idx="minor">
+              <a:schemeClr val="lt1"/>
+            </a:fontRef>
+          </p:style>
+        </p:cxnSp>
+        <p:sp>
+          <p:nvSpPr>
+            <p:cNvPr id="144" name="Ellipse 143">
+              <a:extLst>
+                <a:ext uri="{FF2B5EF4-FFF2-40B4-BE49-F238E27FC236}">
+                  <a16:creationId xmlns:a16="http://schemas.microsoft.com/office/drawing/2014/main" id="{88A47433-7FB5-F481-DE5B-72861C3AC0CD}"/>
+                </a:ext>
+              </a:extLst>
+            </p:cNvPr>
+            <p:cNvSpPr/>
+            <p:nvPr/>
+          </p:nvSpPr>
+          <p:spPr>
+            <a:xfrm>
+              <a:off x="8883261" y="2965928"/>
+              <a:ext cx="180000" cy="180000"/>
+            </a:xfrm>
+            <a:prstGeom prst="ellipse">
+              <a:avLst/>
+            </a:prstGeom>
+            <a:solidFill>
+              <a:schemeClr val="bg1"/>
+            </a:solidFill>
+            <a:ln w="28575">
+              <a:solidFill>
+                <a:schemeClr val="accent2"/>
+              </a:solidFill>
+            </a:ln>
+          </p:spPr>
+          <p:style>
+            <a:lnRef idx="2">
+              <a:schemeClr val="accent1">
+                <a:shade val="50000"/>
+              </a:schemeClr>
+            </a:lnRef>
+            <a:fillRef idx="1">
+              <a:schemeClr val="accent1"/>
+            </a:fillRef>
+            <a:effectRef idx="0">
+              <a:schemeClr val="accent1"/>
+            </a:effectRef>
+            <a:fontRef idx="minor">
+              <a:schemeClr val="lt1"/>
+            </a:fontRef>
+          </p:style>
+          <p:txBody>
+            <a:bodyPr rtlCol="0" anchor="ctr"/>
+            <a:lstStyle/>
+            <a:p>
+              <a:pPr algn="ctr"/>
+              <a:endParaRPr lang="fr-FR" dirty="0">
+                <a:solidFill>
+                  <a:srgbClr val="00B050"/>
+                </a:solidFill>
+              </a:endParaRPr>
+            </a:p>
+          </p:txBody>
+        </p:sp>
+      </p:grpSp>
+      <p:sp>
+        <p:nvSpPr>
+          <p:cNvPr id="19" name="Ellipse 18">
+            <a:extLst>
+              <a:ext uri="{FF2B5EF4-FFF2-40B4-BE49-F238E27FC236}">
+                <a16:creationId xmlns:a16="http://schemas.microsoft.com/office/drawing/2014/main" id="{DFFEF93B-E38A-630A-7851-62896FE33567}"/>
+              </a:ext>
+            </a:extLst>
+          </p:cNvPr>
+          <p:cNvSpPr/>
+          <p:nvPr/>
+        </p:nvSpPr>
+        <p:spPr>
+          <a:xfrm>
+            <a:off x="9780034" y="1026192"/>
+            <a:ext cx="216000" cy="216000"/>
+          </a:xfrm>
+          <a:prstGeom prst="ellipse">
+            <a:avLst/>
+          </a:prstGeom>
+          <a:solidFill>
+            <a:schemeClr val="bg1"/>
+          </a:solidFill>
+          <a:ln w="19050">
+            <a:solidFill>
+              <a:srgbClr val="7030A0"/>
+            </a:solidFill>
+          </a:ln>
+        </p:spPr>
+        <p:style>
+          <a:lnRef idx="2">
+            <a:schemeClr val="accent1">
+              <a:shade val="50000"/>
+            </a:schemeClr>
+          </a:lnRef>
+          <a:fillRef idx="1">
+            <a:schemeClr val="accent1"/>
+          </a:fillRef>
+          <a:effectRef idx="0">
+            <a:schemeClr val="accent1"/>
+          </a:effectRef>
+          <a:fontRef idx="minor">
+            <a:schemeClr val="lt1"/>
+          </a:fontRef>
+        </p:style>
+        <p:txBody>
+          <a:bodyPr lIns="0" tIns="0" rIns="0" bIns="0" rtlCol="0" anchor="ctr"/>
+          <a:lstStyle/>
+          <a:p>
+            <a:pPr algn="ctr"/>
+            <a:r>
+              <a:rPr lang="fr-FR" sz="1000" b="1" dirty="0">
+                <a:solidFill>
+                  <a:srgbClr val="7030A0"/>
+                </a:solidFill>
+              </a:rPr>
+              <a:t>1</a:t>
+            </a:r>
+            <a:endParaRPr lang="fr-FR" sz="1200" b="1" dirty="0">
+              <a:solidFill>
+                <a:srgbClr val="7030A0"/>
+              </a:solidFill>
+            </a:endParaRPr>
+          </a:p>
+        </p:txBody>
+      </p:sp>
+      <p:grpSp>
+        <p:nvGrpSpPr>
+          <p:cNvPr id="73" name="Groupe 72">
+            <a:extLst>
+              <a:ext uri="{FF2B5EF4-FFF2-40B4-BE49-F238E27FC236}">
+                <a16:creationId xmlns:a16="http://schemas.microsoft.com/office/drawing/2014/main" id="{56399BAF-505C-202A-F80F-927E51284566}"/>
+              </a:ext>
+            </a:extLst>
+          </p:cNvPr>
+          <p:cNvGrpSpPr/>
+          <p:nvPr/>
+        </p:nvGrpSpPr>
+        <p:grpSpPr>
+          <a:xfrm rot="10800000">
+            <a:off x="8757237" y="761867"/>
+            <a:ext cx="432048" cy="145926"/>
+            <a:chOff x="2286259" y="3655813"/>
+            <a:chExt cx="432048" cy="145926"/>
+          </a:xfrm>
+        </p:grpSpPr>
+        <p:sp>
+          <p:nvSpPr>
+            <p:cNvPr id="75" name="Forme libre : forme 74">
+              <a:extLst>
+                <a:ext uri="{FF2B5EF4-FFF2-40B4-BE49-F238E27FC236}">
+                  <a16:creationId xmlns:a16="http://schemas.microsoft.com/office/drawing/2014/main" id="{43D76408-DF21-7A1B-5931-B008D4FD4B2A}"/>
+                </a:ext>
+              </a:extLst>
+            </p:cNvPr>
+            <p:cNvSpPr/>
+            <p:nvPr/>
+          </p:nvSpPr>
+          <p:spPr>
+            <a:xfrm>
+              <a:off x="2302852" y="3655813"/>
+              <a:ext cx="415449" cy="145926"/>
+            </a:xfrm>
+            <a:custGeom>
+              <a:avLst/>
+              <a:gdLst>
+                <a:gd name="connsiteX0" fmla="*/ 0 w 400050"/>
+                <a:gd name="connsiteY0" fmla="*/ 6350 h 134622"/>
+                <a:gd name="connsiteX1" fmla="*/ 63500 w 400050"/>
+                <a:gd name="connsiteY1" fmla="*/ 114300 h 134622"/>
+                <a:gd name="connsiteX2" fmla="*/ 203200 w 400050"/>
+                <a:gd name="connsiteY2" fmla="*/ 69850 h 134622"/>
+                <a:gd name="connsiteX3" fmla="*/ 304800 w 400050"/>
+                <a:gd name="connsiteY3" fmla="*/ 133350 h 134622"/>
+                <a:gd name="connsiteX4" fmla="*/ 400050 w 400050"/>
+                <a:gd name="connsiteY4" fmla="*/ 0 h 134622"/>
+              </a:gdLst>
+              <a:ahLst/>
+              <a:cxnLst>
+                <a:cxn ang="0">
+                  <a:pos x="connsiteX0" y="connsiteY0"/>
+                </a:cxn>
+                <a:cxn ang="0">
+                  <a:pos x="connsiteX1" y="connsiteY1"/>
+                </a:cxn>
+                <a:cxn ang="0">
+                  <a:pos x="connsiteX2" y="connsiteY2"/>
+                </a:cxn>
+                <a:cxn ang="0">
+                  <a:pos x="connsiteX3" y="connsiteY3"/>
+                </a:cxn>
+                <a:cxn ang="0">
+                  <a:pos x="connsiteX4" y="connsiteY4"/>
+                </a:cxn>
+              </a:cxnLst>
+              <a:rect l="l" t="t" r="r" b="b"/>
+              <a:pathLst>
+                <a:path w="400050" h="134622">
+                  <a:moveTo>
+                    <a:pt x="0" y="6350"/>
+                  </a:moveTo>
+                  <a:cubicBezTo>
+                    <a:pt x="14816" y="55033"/>
+                    <a:pt x="29633" y="103717"/>
+                    <a:pt x="63500" y="114300"/>
+                  </a:cubicBezTo>
+                  <a:cubicBezTo>
+                    <a:pt x="97367" y="124883"/>
+                    <a:pt x="162983" y="66675"/>
+                    <a:pt x="203200" y="69850"/>
+                  </a:cubicBezTo>
+                  <a:cubicBezTo>
+                    <a:pt x="243417" y="73025"/>
+                    <a:pt x="271992" y="144992"/>
+                    <a:pt x="304800" y="133350"/>
+                  </a:cubicBezTo>
+                  <a:cubicBezTo>
+                    <a:pt x="337608" y="121708"/>
+                    <a:pt x="368829" y="60854"/>
+                    <a:pt x="400050" y="0"/>
+                  </a:cubicBezTo>
+                </a:path>
+              </a:pathLst>
+            </a:custGeom>
+            <a:solidFill>
+              <a:schemeClr val="bg1">
+                <a:lumMod val="85000"/>
+              </a:schemeClr>
+            </a:solidFill>
+            <a:ln w="19050">
+              <a:solidFill>
+                <a:schemeClr val="tx1"/>
+              </a:solidFill>
+            </a:ln>
+          </p:spPr>
+          <p:style>
+            <a:lnRef idx="2">
+              <a:schemeClr val="accent1">
+                <a:shade val="50000"/>
+              </a:schemeClr>
+            </a:lnRef>
+            <a:fillRef idx="1">
+              <a:schemeClr val="accent1"/>
+            </a:fillRef>
+            <a:effectRef idx="0">
+              <a:schemeClr val="accent1"/>
+            </a:effectRef>
+            <a:fontRef idx="minor">
+              <a:schemeClr val="lt1"/>
+            </a:fontRef>
+          </p:style>
+          <p:txBody>
+            <a:bodyPr rtlCol="0" anchor="ctr"/>
+            <a:lstStyle/>
+            <a:p>
+              <a:pPr algn="ctr"/>
+              <a:endParaRPr lang="fr-FR"/>
+            </a:p>
+          </p:txBody>
+        </p:sp>
+        <p:cxnSp>
+          <p:nvCxnSpPr>
+            <p:cNvPr id="77" name="Connecteur droit 76">
+              <a:extLst>
+                <a:ext uri="{FF2B5EF4-FFF2-40B4-BE49-F238E27FC236}">
+                  <a16:creationId xmlns:a16="http://schemas.microsoft.com/office/drawing/2014/main" id="{B24B23BF-3F13-9B6D-44D2-C855778D2848}"/>
+                </a:ext>
+              </a:extLst>
+            </p:cNvPr>
+            <p:cNvCxnSpPr>
+              <a:cxnSpLocks/>
+            </p:cNvCxnSpPr>
+            <p:nvPr/>
+          </p:nvCxnSpPr>
+          <p:spPr>
+            <a:xfrm flipH="1">
+              <a:off x="2286259" y="3659633"/>
+              <a:ext cx="432048" cy="0"/>
+            </a:xfrm>
+            <a:prstGeom prst="line">
+              <a:avLst/>
+            </a:prstGeom>
+            <a:noFill/>
+            <a:ln w="28575">
+              <a:solidFill>
+                <a:schemeClr val="tx1"/>
+              </a:solidFill>
+            </a:ln>
+          </p:spPr>
+          <p:style>
+            <a:lnRef idx="2">
+              <a:schemeClr val="accent1">
+                <a:shade val="50000"/>
+              </a:schemeClr>
+            </a:lnRef>
+            <a:fillRef idx="1">
+              <a:schemeClr val="accent1"/>
+            </a:fillRef>
+            <a:effectRef idx="0">
+              <a:schemeClr val="accent1"/>
+            </a:effectRef>
+            <a:fontRef idx="minor">
+              <a:schemeClr val="lt1"/>
+            </a:fontRef>
+          </p:style>
+        </p:cxnSp>
+      </p:grpSp>
+      <p:cxnSp>
+        <p:nvCxnSpPr>
+          <p:cNvPr id="78" name="Connecteur droit 77">
+            <a:extLst>
+              <a:ext uri="{FF2B5EF4-FFF2-40B4-BE49-F238E27FC236}">
+                <a16:creationId xmlns:a16="http://schemas.microsoft.com/office/drawing/2014/main" id="{F761BC94-AE66-8B40-2DE7-48D5F25B8204}"/>
+              </a:ext>
+            </a:extLst>
+          </p:cNvPr>
+          <p:cNvCxnSpPr>
+            <a:cxnSpLocks/>
+          </p:cNvCxnSpPr>
+          <p:nvPr/>
+        </p:nvCxnSpPr>
+        <p:spPr>
+          <a:xfrm>
+            <a:off x="8252292" y="1053549"/>
+            <a:ext cx="0" cy="142105"/>
+          </a:xfrm>
+          <a:prstGeom prst="line">
+            <a:avLst/>
+          </a:prstGeom>
+          <a:noFill/>
+          <a:ln w="28575">
+            <a:solidFill>
+              <a:schemeClr val="tx1"/>
+            </a:solidFill>
+          </a:ln>
+        </p:spPr>
+        <p:style>
+          <a:lnRef idx="2">
+            <a:schemeClr val="accent1">
+              <a:shade val="50000"/>
+            </a:schemeClr>
+          </a:lnRef>
+          <a:fillRef idx="1">
+            <a:schemeClr val="accent1"/>
+          </a:fillRef>
+          <a:effectRef idx="0">
+            <a:schemeClr val="accent1"/>
+          </a:effectRef>
+          <a:fontRef idx="minor">
+            <a:schemeClr val="lt1"/>
+          </a:fontRef>
+        </p:style>
+      </p:cxnSp>
+      <p:sp>
+        <p:nvSpPr>
+          <p:cNvPr id="79" name="Ellipse 78">
+            <a:extLst>
+              <a:ext uri="{FF2B5EF4-FFF2-40B4-BE49-F238E27FC236}">
+                <a16:creationId xmlns:a16="http://schemas.microsoft.com/office/drawing/2014/main" id="{E568A2F1-3685-5FB2-4BEA-60AA57E7B451}"/>
+              </a:ext>
+            </a:extLst>
+          </p:cNvPr>
+          <p:cNvSpPr/>
+          <p:nvPr/>
+        </p:nvSpPr>
+        <p:spPr>
+          <a:xfrm>
+            <a:off x="8361214" y="834830"/>
+            <a:ext cx="180000" cy="180000"/>
+          </a:xfrm>
+          <a:prstGeom prst="ellipse">
+            <a:avLst/>
+          </a:prstGeom>
+          <a:noFill/>
+          <a:ln w="19050">
+            <a:solidFill>
+              <a:schemeClr val="tx1"/>
+            </a:solidFill>
+          </a:ln>
+        </p:spPr>
+        <p:style>
+          <a:lnRef idx="2">
+            <a:schemeClr val="accent1">
+              <a:shade val="50000"/>
+            </a:schemeClr>
+          </a:lnRef>
+          <a:fillRef idx="1">
+            <a:schemeClr val="accent1"/>
+          </a:fillRef>
+          <a:effectRef idx="0">
+            <a:schemeClr val="accent1"/>
+          </a:effectRef>
+          <a:fontRef idx="minor">
+            <a:schemeClr val="lt1"/>
+          </a:fontRef>
+        </p:style>
+        <p:txBody>
+          <a:bodyPr rtlCol="0" anchor="ctr"/>
+          <a:lstStyle/>
+          <a:p>
+            <a:pPr algn="ctr"/>
+            <a:r>
+              <a:rPr lang="fr-FR" sz="1050" b="1" dirty="0">
+                <a:solidFill>
+                  <a:schemeClr val="tx1"/>
+                </a:solidFill>
+              </a:rPr>
+              <a:t>0</a:t>
+            </a:r>
+            <a:endParaRPr lang="fr-FR" sz="1400" b="1" dirty="0">
+              <a:solidFill>
+                <a:schemeClr val="tx1"/>
+              </a:solidFill>
+            </a:endParaRPr>
+          </a:p>
+        </p:txBody>
+      </p:sp>
+      <p:cxnSp>
+        <p:nvCxnSpPr>
+          <p:cNvPr id="80" name="Connecteur droit 79">
+            <a:extLst>
+              <a:ext uri="{FF2B5EF4-FFF2-40B4-BE49-F238E27FC236}">
+                <a16:creationId xmlns:a16="http://schemas.microsoft.com/office/drawing/2014/main" id="{07F8F312-B080-FC71-0F0A-CD63F0E683C4}"/>
+              </a:ext>
+            </a:extLst>
+          </p:cNvPr>
+          <p:cNvCxnSpPr>
+            <a:cxnSpLocks/>
+          </p:cNvCxnSpPr>
+          <p:nvPr/>
+        </p:nvCxnSpPr>
+        <p:spPr>
+          <a:xfrm>
+            <a:off x="8252292" y="1053549"/>
+            <a:ext cx="1441938" cy="0"/>
+          </a:xfrm>
+          <a:prstGeom prst="line">
+            <a:avLst/>
+          </a:prstGeom>
+          <a:noFill/>
+          <a:ln w="28575">
+            <a:solidFill>
+              <a:schemeClr val="tx1"/>
+            </a:solidFill>
+          </a:ln>
+        </p:spPr>
+        <p:style>
+          <a:lnRef idx="2">
+            <a:schemeClr val="accent1">
+              <a:shade val="50000"/>
+            </a:schemeClr>
+          </a:lnRef>
+          <a:fillRef idx="1">
+            <a:schemeClr val="accent1"/>
+          </a:fillRef>
+          <a:effectRef idx="0">
+            <a:schemeClr val="accent1"/>
+          </a:effectRef>
+          <a:fontRef idx="minor">
+            <a:schemeClr val="lt1"/>
+          </a:fontRef>
+        </p:style>
+      </p:cxnSp>
+      <p:cxnSp>
+        <p:nvCxnSpPr>
+          <p:cNvPr id="84" name="Connecteur droit 83">
+            <a:extLst>
+              <a:ext uri="{FF2B5EF4-FFF2-40B4-BE49-F238E27FC236}">
+                <a16:creationId xmlns:a16="http://schemas.microsoft.com/office/drawing/2014/main" id="{06C644E3-4D2C-C69B-B90A-8AA4460F87E7}"/>
+              </a:ext>
+            </a:extLst>
+          </p:cNvPr>
+          <p:cNvCxnSpPr>
+            <a:cxnSpLocks/>
+          </p:cNvCxnSpPr>
+          <p:nvPr/>
+        </p:nvCxnSpPr>
+        <p:spPr>
+          <a:xfrm>
+            <a:off x="8973261" y="909006"/>
+            <a:ext cx="0" cy="142105"/>
+          </a:xfrm>
+          <a:prstGeom prst="line">
+            <a:avLst/>
+          </a:prstGeom>
+          <a:noFill/>
+          <a:ln w="28575">
+            <a:solidFill>
+              <a:schemeClr val="tx1"/>
+            </a:solidFill>
+          </a:ln>
+        </p:spPr>
+        <p:style>
+          <a:lnRef idx="2">
+            <a:schemeClr val="accent1">
+              <a:shade val="50000"/>
+            </a:schemeClr>
+          </a:lnRef>
+          <a:fillRef idx="1">
+            <a:schemeClr val="accent1"/>
+          </a:fillRef>
+          <a:effectRef idx="0">
+            <a:schemeClr val="accent1"/>
+          </a:effectRef>
+          <a:fontRef idx="minor">
+            <a:schemeClr val="lt1"/>
+          </a:fontRef>
+        </p:style>
+      </p:cxnSp>
+      <p:cxnSp>
+        <p:nvCxnSpPr>
+          <p:cNvPr id="85" name="Connecteur droit 84">
+            <a:extLst>
+              <a:ext uri="{FF2B5EF4-FFF2-40B4-BE49-F238E27FC236}">
+                <a16:creationId xmlns:a16="http://schemas.microsoft.com/office/drawing/2014/main" id="{B34CE4D1-8327-F47E-D295-2D71A07CCF34}"/>
+              </a:ext>
+            </a:extLst>
+          </p:cNvPr>
+          <p:cNvCxnSpPr>
+            <a:cxnSpLocks/>
+          </p:cNvCxnSpPr>
+          <p:nvPr/>
+        </p:nvCxnSpPr>
+        <p:spPr>
+          <a:xfrm>
+            <a:off x="9694230" y="800522"/>
+            <a:ext cx="0" cy="385200"/>
+          </a:xfrm>
+          <a:prstGeom prst="line">
+            <a:avLst/>
+          </a:prstGeom>
+          <a:noFill/>
+          <a:ln w="28575">
+            <a:solidFill>
+              <a:schemeClr val="tx1"/>
+            </a:solidFill>
+          </a:ln>
+        </p:spPr>
+        <p:style>
+          <a:lnRef idx="2">
+            <a:schemeClr val="accent1">
+              <a:shade val="50000"/>
+            </a:schemeClr>
+          </a:lnRef>
+          <a:fillRef idx="1">
+            <a:schemeClr val="accent1"/>
+          </a:fillRef>
+          <a:effectRef idx="0">
+            <a:schemeClr val="accent1"/>
+          </a:effectRef>
+          <a:fontRef idx="minor">
+            <a:schemeClr val="lt1"/>
+          </a:fontRef>
+        </p:style>
+      </p:cxnSp>
+      <p:cxnSp>
+        <p:nvCxnSpPr>
+          <p:cNvPr id="102" name="Connecteur droit 101">
+            <a:extLst>
+              <a:ext uri="{FF2B5EF4-FFF2-40B4-BE49-F238E27FC236}">
+                <a16:creationId xmlns:a16="http://schemas.microsoft.com/office/drawing/2014/main" id="{60040424-0CA6-07CF-122F-520C31303CDB}"/>
+              </a:ext>
+            </a:extLst>
+          </p:cNvPr>
+          <p:cNvCxnSpPr>
+            <a:cxnSpLocks/>
+          </p:cNvCxnSpPr>
+          <p:nvPr/>
+        </p:nvCxnSpPr>
+        <p:spPr>
+          <a:xfrm>
+            <a:off x="9694230" y="800522"/>
+            <a:ext cx="278506" cy="0"/>
+          </a:xfrm>
+          <a:prstGeom prst="line">
+            <a:avLst/>
+          </a:prstGeom>
+          <a:noFill/>
+          <a:ln w="28575">
+            <a:solidFill>
+              <a:schemeClr val="tx1"/>
+            </a:solidFill>
+          </a:ln>
+        </p:spPr>
+        <p:style>
+          <a:lnRef idx="2">
+            <a:schemeClr val="accent1">
+              <a:shade val="50000"/>
+            </a:schemeClr>
+          </a:lnRef>
+          <a:fillRef idx="1">
+            <a:schemeClr val="accent1"/>
+          </a:fillRef>
+          <a:effectRef idx="0">
+            <a:schemeClr val="accent1"/>
+          </a:effectRef>
+          <a:fontRef idx="minor">
+            <a:schemeClr val="lt1"/>
+          </a:fontRef>
+        </p:style>
+      </p:cxnSp>
+      <p:sp>
+        <p:nvSpPr>
+          <p:cNvPr id="108" name="Ellipse 107">
+            <a:extLst>
+              <a:ext uri="{FF2B5EF4-FFF2-40B4-BE49-F238E27FC236}">
+                <a16:creationId xmlns:a16="http://schemas.microsoft.com/office/drawing/2014/main" id="{D6DC098D-0998-271A-781D-C575BEF241C4}"/>
+              </a:ext>
+            </a:extLst>
+          </p:cNvPr>
+          <p:cNvSpPr/>
+          <p:nvPr/>
+        </p:nvSpPr>
+        <p:spPr>
+          <a:xfrm>
+            <a:off x="10508803" y="945549"/>
+            <a:ext cx="216000" cy="216000"/>
+          </a:xfrm>
+          <a:prstGeom prst="ellipse">
+            <a:avLst/>
+          </a:prstGeom>
+          <a:solidFill>
+            <a:schemeClr val="bg1"/>
+          </a:solidFill>
+          <a:ln w="19050">
+            <a:solidFill>
+              <a:schemeClr val="accent4"/>
+            </a:solidFill>
+          </a:ln>
+        </p:spPr>
+        <p:style>
+          <a:lnRef idx="2">
+            <a:schemeClr val="accent1">
+              <a:shade val="50000"/>
+            </a:schemeClr>
+          </a:lnRef>
+          <a:fillRef idx="1">
+            <a:schemeClr val="accent1"/>
+          </a:fillRef>
+          <a:effectRef idx="0">
+            <a:schemeClr val="accent1"/>
+          </a:effectRef>
+          <a:fontRef idx="minor">
+            <a:schemeClr val="lt1"/>
+          </a:fontRef>
+        </p:style>
+        <p:txBody>
+          <a:bodyPr lIns="0" tIns="0" rIns="0" bIns="0" rtlCol="0" anchor="ctr"/>
+          <a:lstStyle/>
+          <a:p>
+            <a:pPr algn="ctr"/>
+            <a:r>
+              <a:rPr lang="fr-FR" sz="1000" b="1" dirty="0">
+                <a:solidFill>
+                  <a:srgbClr val="FFC000"/>
+                </a:solidFill>
+              </a:rPr>
+              <a:t>2</a:t>
+            </a:r>
+            <a:endParaRPr lang="fr-FR" sz="1200" b="1" dirty="0">
+              <a:solidFill>
+                <a:srgbClr val="FFC000"/>
+              </a:solidFill>
+            </a:endParaRPr>
+          </a:p>
+        </p:txBody>
+      </p:sp>
+      <p:sp>
+        <p:nvSpPr>
+          <p:cNvPr id="109" name="Ellipse 108">
+            <a:extLst>
+              <a:ext uri="{FF2B5EF4-FFF2-40B4-BE49-F238E27FC236}">
+                <a16:creationId xmlns:a16="http://schemas.microsoft.com/office/drawing/2014/main" id="{35312EA9-BECE-DBC8-058C-78377B222F41}"/>
+              </a:ext>
+            </a:extLst>
+          </p:cNvPr>
+          <p:cNvSpPr/>
+          <p:nvPr/>
+        </p:nvSpPr>
+        <p:spPr>
+          <a:xfrm>
+            <a:off x="10659172" y="1787735"/>
+            <a:ext cx="216000" cy="216000"/>
+          </a:xfrm>
+          <a:prstGeom prst="ellipse">
+            <a:avLst/>
+          </a:prstGeom>
+          <a:solidFill>
+            <a:schemeClr val="bg1"/>
+          </a:solidFill>
+          <a:ln w="19050">
+            <a:solidFill>
+              <a:srgbClr val="C00000"/>
+            </a:solidFill>
+          </a:ln>
+        </p:spPr>
+        <p:style>
+          <a:lnRef idx="2">
+            <a:schemeClr val="accent1">
+              <a:shade val="50000"/>
+            </a:schemeClr>
+          </a:lnRef>
+          <a:fillRef idx="1">
+            <a:schemeClr val="accent1"/>
+          </a:fillRef>
+          <a:effectRef idx="0">
+            <a:schemeClr val="accent1"/>
+          </a:effectRef>
+          <a:fontRef idx="minor">
+            <a:schemeClr val="lt1"/>
+          </a:fontRef>
+        </p:style>
+        <p:txBody>
+          <a:bodyPr lIns="0" tIns="0" rIns="0" bIns="0" rtlCol="0" anchor="ctr"/>
+          <a:lstStyle/>
+          <a:p>
+            <a:pPr algn="ctr"/>
+            <a:r>
+              <a:rPr lang="fr-FR" sz="1000" b="1" dirty="0">
+                <a:solidFill>
+                  <a:srgbClr val="C00000"/>
+                </a:solidFill>
+              </a:rPr>
+              <a:t>3</a:t>
+            </a:r>
+            <a:endParaRPr lang="fr-FR" sz="1200" b="1" dirty="0">
+              <a:solidFill>
+                <a:srgbClr val="C00000"/>
+              </a:solidFill>
+            </a:endParaRPr>
+          </a:p>
+        </p:txBody>
+      </p:sp>
+      <p:cxnSp>
+        <p:nvCxnSpPr>
+          <p:cNvPr id="110" name="Connecteur droit 109">
+            <a:extLst>
+              <a:ext uri="{FF2B5EF4-FFF2-40B4-BE49-F238E27FC236}">
+                <a16:creationId xmlns:a16="http://schemas.microsoft.com/office/drawing/2014/main" id="{E2A3F10B-0235-EB1F-E47A-ECB1E02BD04B}"/>
+              </a:ext>
+            </a:extLst>
+          </p:cNvPr>
+          <p:cNvCxnSpPr>
+            <a:cxnSpLocks/>
+            <a:stCxn id="67" idx="7"/>
+            <a:endCxn id="133" idx="7"/>
+          </p:cNvCxnSpPr>
+          <p:nvPr/>
+        </p:nvCxnSpPr>
+        <p:spPr>
+          <a:xfrm flipV="1">
+            <a:off x="10482312" y="1443808"/>
+            <a:ext cx="367329" cy="480660"/>
+          </a:xfrm>
+          <a:prstGeom prst="line">
+            <a:avLst/>
+          </a:prstGeom>
+          <a:noFill/>
+          <a:ln w="28575">
+            <a:solidFill>
+              <a:srgbClr val="C00000"/>
+            </a:solidFill>
+          </a:ln>
+        </p:spPr>
+        <p:style>
+          <a:lnRef idx="2">
+            <a:schemeClr val="accent1">
+              <a:shade val="50000"/>
+            </a:schemeClr>
+          </a:lnRef>
+          <a:fillRef idx="1">
+            <a:schemeClr val="accent1"/>
+          </a:fillRef>
+          <a:effectRef idx="0">
+            <a:schemeClr val="accent1"/>
+          </a:effectRef>
+          <a:fontRef idx="minor">
+            <a:schemeClr val="lt1"/>
+          </a:fontRef>
+        </p:style>
+      </p:cxnSp>
+      <p:cxnSp>
+        <p:nvCxnSpPr>
+          <p:cNvPr id="113" name="Connecteur droit 112">
+            <a:extLst>
+              <a:ext uri="{FF2B5EF4-FFF2-40B4-BE49-F238E27FC236}">
+                <a16:creationId xmlns:a16="http://schemas.microsoft.com/office/drawing/2014/main" id="{2D3720B6-7388-407E-48D5-27187ECE29B7}"/>
+              </a:ext>
+            </a:extLst>
+          </p:cNvPr>
+          <p:cNvCxnSpPr>
+            <a:cxnSpLocks/>
+            <a:stCxn id="106" idx="1"/>
+            <a:endCxn id="67" idx="5"/>
+          </p:cNvCxnSpPr>
+          <p:nvPr/>
+        </p:nvCxnSpPr>
+        <p:spPr>
+          <a:xfrm>
+            <a:off x="10024532" y="1834468"/>
+            <a:ext cx="457780" cy="217280"/>
+          </a:xfrm>
+          <a:prstGeom prst="line">
+            <a:avLst/>
+          </a:prstGeom>
+          <a:noFill/>
+          <a:ln w="28575">
+            <a:solidFill>
+              <a:srgbClr val="C00000"/>
+            </a:solidFill>
+          </a:ln>
+        </p:spPr>
+        <p:style>
+          <a:lnRef idx="2">
+            <a:schemeClr val="accent1">
+              <a:shade val="50000"/>
+            </a:schemeClr>
+          </a:lnRef>
+          <a:fillRef idx="1">
+            <a:schemeClr val="accent1"/>
+          </a:fillRef>
+          <a:effectRef idx="0">
+            <a:schemeClr val="accent1"/>
+          </a:effectRef>
+          <a:fontRef idx="minor">
+            <a:schemeClr val="lt1"/>
+          </a:fontRef>
+        </p:style>
+      </p:cxnSp>
+      <p:sp>
+        <p:nvSpPr>
+          <p:cNvPr id="106" name="Ellipse 105">
+            <a:extLst>
+              <a:ext uri="{FF2B5EF4-FFF2-40B4-BE49-F238E27FC236}">
+                <a16:creationId xmlns:a16="http://schemas.microsoft.com/office/drawing/2014/main" id="{76C1FA3B-2CC8-4731-25CB-C62E5AC47474}"/>
+              </a:ext>
+            </a:extLst>
+          </p:cNvPr>
+          <p:cNvSpPr/>
+          <p:nvPr/>
+        </p:nvSpPr>
+        <p:spPr>
+          <a:xfrm>
+            <a:off x="9998172" y="1808108"/>
+            <a:ext cx="180000" cy="180000"/>
+          </a:xfrm>
+          <a:prstGeom prst="ellipse">
+            <a:avLst/>
+          </a:prstGeom>
+          <a:solidFill>
+            <a:schemeClr val="bg1"/>
+          </a:solidFill>
+          <a:ln w="28575">
+            <a:solidFill>
+              <a:schemeClr val="accent2"/>
+            </a:solidFill>
+          </a:ln>
+        </p:spPr>
+        <p:style>
+          <a:lnRef idx="2">
+            <a:schemeClr val="accent1">
+              <a:shade val="50000"/>
+            </a:schemeClr>
+          </a:lnRef>
+          <a:fillRef idx="1">
+            <a:schemeClr val="accent1"/>
+          </a:fillRef>
+          <a:effectRef idx="0">
+            <a:schemeClr val="accent1"/>
+          </a:effectRef>
+          <a:fontRef idx="minor">
+            <a:schemeClr val="lt1"/>
+          </a:fontRef>
+        </p:style>
+        <p:txBody>
+          <a:bodyPr rtlCol="0" anchor="ctr"/>
+          <a:lstStyle/>
+          <a:p>
+            <a:pPr algn="ctr"/>
+            <a:endParaRPr lang="fr-FR" dirty="0"/>
+          </a:p>
+        </p:txBody>
+      </p:sp>
+      <p:grpSp>
+        <p:nvGrpSpPr>
+          <p:cNvPr id="129" name="Groupe 128">
+            <a:extLst>
+              <a:ext uri="{FF2B5EF4-FFF2-40B4-BE49-F238E27FC236}">
+                <a16:creationId xmlns:a16="http://schemas.microsoft.com/office/drawing/2014/main" id="{A488FBE8-7D08-BA73-1E7A-89C0CD594063}"/>
+              </a:ext>
+            </a:extLst>
+          </p:cNvPr>
+          <p:cNvGrpSpPr/>
+          <p:nvPr/>
+        </p:nvGrpSpPr>
+        <p:grpSpPr>
+          <a:xfrm>
+            <a:off x="9604230" y="1191969"/>
+            <a:ext cx="904442" cy="886139"/>
+            <a:chOff x="9604230" y="1191969"/>
+            <a:chExt cx="904442" cy="886139"/>
+          </a:xfrm>
+        </p:grpSpPr>
+        <p:sp>
+          <p:nvSpPr>
+            <p:cNvPr id="63" name="Ellipse 62">
+              <a:extLst>
+                <a:ext uri="{FF2B5EF4-FFF2-40B4-BE49-F238E27FC236}">
+                  <a16:creationId xmlns:a16="http://schemas.microsoft.com/office/drawing/2014/main" id="{7C8357FD-1041-D799-2896-640E8F82D2BC}"/>
+                </a:ext>
+              </a:extLst>
+            </p:cNvPr>
+            <p:cNvSpPr/>
+            <p:nvPr/>
+          </p:nvSpPr>
+          <p:spPr>
+            <a:xfrm>
+              <a:off x="9604230" y="1191969"/>
+              <a:ext cx="180000" cy="180000"/>
+            </a:xfrm>
+            <a:prstGeom prst="ellipse">
+              <a:avLst/>
+            </a:prstGeom>
+            <a:solidFill>
+              <a:schemeClr val="bg1"/>
+            </a:solidFill>
+            <a:ln w="28575">
+              <a:solidFill>
+                <a:srgbClr val="7030A0"/>
+              </a:solidFill>
+            </a:ln>
+          </p:spPr>
+          <p:style>
+            <a:lnRef idx="2">
+              <a:schemeClr val="accent1">
+                <a:shade val="50000"/>
+              </a:schemeClr>
+            </a:lnRef>
+            <a:fillRef idx="1">
+              <a:schemeClr val="accent1"/>
+            </a:fillRef>
+            <a:effectRef idx="0">
+              <a:schemeClr val="accent1"/>
+            </a:effectRef>
+            <a:fontRef idx="minor">
+              <a:schemeClr val="lt1"/>
+            </a:fontRef>
+          </p:style>
+          <p:txBody>
+            <a:bodyPr rtlCol="0" anchor="ctr"/>
+            <a:lstStyle/>
+            <a:p>
+              <a:pPr algn="ctr"/>
+              <a:endParaRPr lang="fr-FR" dirty="0"/>
+            </a:p>
+          </p:txBody>
+        </p:sp>
+        <p:cxnSp>
+          <p:nvCxnSpPr>
+            <p:cNvPr id="90" name="Connecteur droit 89">
+              <a:extLst>
+                <a:ext uri="{FF2B5EF4-FFF2-40B4-BE49-F238E27FC236}">
+                  <a16:creationId xmlns:a16="http://schemas.microsoft.com/office/drawing/2014/main" id="{9E6B5954-D6BC-FEEB-77E3-23224A06EF91}"/>
+                </a:ext>
+              </a:extLst>
+            </p:cNvPr>
+            <p:cNvCxnSpPr>
+              <a:cxnSpLocks/>
+            </p:cNvCxnSpPr>
+            <p:nvPr/>
+          </p:nvCxnSpPr>
+          <p:spPr>
+            <a:xfrm flipH="1" flipV="1">
+              <a:off x="9754212" y="1332066"/>
+              <a:ext cx="668063" cy="664613"/>
+            </a:xfrm>
+            <a:prstGeom prst="line">
+              <a:avLst/>
+            </a:prstGeom>
+            <a:noFill/>
+            <a:ln w="28575">
+              <a:solidFill>
+                <a:srgbClr val="7030A0"/>
+              </a:solidFill>
+            </a:ln>
+          </p:spPr>
+          <p:style>
+            <a:lnRef idx="2">
+              <a:schemeClr val="accent1">
+                <a:shade val="50000"/>
+              </a:schemeClr>
+            </a:lnRef>
+            <a:fillRef idx="1">
+              <a:schemeClr val="accent1"/>
+            </a:fillRef>
+            <a:effectRef idx="0">
+              <a:schemeClr val="accent1"/>
+            </a:effectRef>
+            <a:fontRef idx="minor">
+              <a:schemeClr val="lt1"/>
+            </a:fontRef>
+          </p:style>
+        </p:cxnSp>
+        <p:sp>
+          <p:nvSpPr>
+            <p:cNvPr id="67" name="Ellipse 66">
+              <a:extLst>
+                <a:ext uri="{FF2B5EF4-FFF2-40B4-BE49-F238E27FC236}">
+                  <a16:creationId xmlns:a16="http://schemas.microsoft.com/office/drawing/2014/main" id="{96B3173E-057E-6845-D138-9DA272CACD2C}"/>
+                </a:ext>
+              </a:extLst>
+            </p:cNvPr>
+            <p:cNvSpPr/>
+            <p:nvPr/>
+          </p:nvSpPr>
+          <p:spPr>
+            <a:xfrm>
+              <a:off x="10328672" y="1898108"/>
+              <a:ext cx="180000" cy="180000"/>
+            </a:xfrm>
+            <a:prstGeom prst="ellipse">
+              <a:avLst/>
+            </a:prstGeom>
+            <a:solidFill>
+              <a:schemeClr val="bg1"/>
+            </a:solidFill>
+            <a:ln w="28575">
+              <a:solidFill>
+                <a:srgbClr val="7030A0"/>
+              </a:solidFill>
+            </a:ln>
+          </p:spPr>
+          <p:style>
+            <a:lnRef idx="2">
+              <a:schemeClr val="accent1">
+                <a:shade val="50000"/>
+              </a:schemeClr>
+            </a:lnRef>
+            <a:fillRef idx="1">
+              <a:schemeClr val="accent1"/>
+            </a:fillRef>
+            <a:effectRef idx="0">
+              <a:schemeClr val="accent1"/>
+            </a:effectRef>
+            <a:fontRef idx="minor">
+              <a:schemeClr val="lt1"/>
+            </a:fontRef>
+          </p:style>
+          <p:txBody>
+            <a:bodyPr rtlCol="0" anchor="ctr"/>
+            <a:lstStyle/>
+            <a:p>
+              <a:pPr algn="ctr"/>
+              <a:endParaRPr lang="fr-FR" dirty="0"/>
+            </a:p>
+          </p:txBody>
+        </p:sp>
+      </p:grpSp>
+      <p:grpSp>
+        <p:nvGrpSpPr>
+          <p:cNvPr id="130" name="Groupe 129">
+            <a:extLst>
+              <a:ext uri="{FF2B5EF4-FFF2-40B4-BE49-F238E27FC236}">
+                <a16:creationId xmlns:a16="http://schemas.microsoft.com/office/drawing/2014/main" id="{ABE38658-BABC-C3F8-71B9-2519CAEFB364}"/>
+              </a:ext>
+            </a:extLst>
+          </p:cNvPr>
+          <p:cNvGrpSpPr/>
+          <p:nvPr/>
+        </p:nvGrpSpPr>
+        <p:grpSpPr>
+          <a:xfrm>
+            <a:off x="9971559" y="711309"/>
+            <a:ext cx="904442" cy="886139"/>
+            <a:chOff x="9604230" y="1191969"/>
+            <a:chExt cx="904442" cy="886139"/>
+          </a:xfrm>
+        </p:grpSpPr>
+        <p:sp>
+          <p:nvSpPr>
+            <p:cNvPr id="131" name="Ellipse 130">
+              <a:extLst>
+                <a:ext uri="{FF2B5EF4-FFF2-40B4-BE49-F238E27FC236}">
+                  <a16:creationId xmlns:a16="http://schemas.microsoft.com/office/drawing/2014/main" id="{7ED467E4-EA41-6775-9C2A-3017AD2A07DA}"/>
+                </a:ext>
+              </a:extLst>
+            </p:cNvPr>
+            <p:cNvSpPr/>
+            <p:nvPr/>
+          </p:nvSpPr>
+          <p:spPr>
+            <a:xfrm>
+              <a:off x="9604230" y="1191969"/>
+              <a:ext cx="180000" cy="180000"/>
+            </a:xfrm>
+            <a:prstGeom prst="ellipse">
+              <a:avLst/>
+            </a:prstGeom>
+            <a:solidFill>
+              <a:schemeClr val="bg1"/>
+            </a:solidFill>
+            <a:ln w="28575">
+              <a:solidFill>
+                <a:schemeClr val="accent4"/>
+              </a:solidFill>
+            </a:ln>
+          </p:spPr>
+          <p:style>
+            <a:lnRef idx="2">
+              <a:schemeClr val="accent1">
+                <a:shade val="50000"/>
+              </a:schemeClr>
+            </a:lnRef>
+            <a:fillRef idx="1">
+              <a:schemeClr val="accent1"/>
+            </a:fillRef>
+            <a:effectRef idx="0">
+              <a:schemeClr val="accent1"/>
+            </a:effectRef>
+            <a:fontRef idx="minor">
+              <a:schemeClr val="lt1"/>
+            </a:fontRef>
+          </p:style>
+          <p:txBody>
+            <a:bodyPr rtlCol="0" anchor="ctr"/>
+            <a:lstStyle/>
+            <a:p>
+              <a:pPr algn="ctr"/>
+              <a:endParaRPr lang="fr-FR" dirty="0"/>
+            </a:p>
+          </p:txBody>
+        </p:sp>
+        <p:cxnSp>
+          <p:nvCxnSpPr>
+            <p:cNvPr id="132" name="Connecteur droit 131">
+              <a:extLst>
+                <a:ext uri="{FF2B5EF4-FFF2-40B4-BE49-F238E27FC236}">
+                  <a16:creationId xmlns:a16="http://schemas.microsoft.com/office/drawing/2014/main" id="{FDE7B619-8D01-7ACD-5998-5EBD353A9E7D}"/>
+                </a:ext>
+              </a:extLst>
+            </p:cNvPr>
+            <p:cNvCxnSpPr>
+              <a:cxnSpLocks/>
+            </p:cNvCxnSpPr>
+            <p:nvPr/>
+          </p:nvCxnSpPr>
+          <p:spPr>
+            <a:xfrm flipH="1" flipV="1">
+              <a:off x="9754212" y="1332066"/>
+              <a:ext cx="668063" cy="664613"/>
+            </a:xfrm>
+            <a:prstGeom prst="line">
+              <a:avLst/>
+            </a:prstGeom>
+            <a:noFill/>
+            <a:ln w="28575">
+              <a:solidFill>
+                <a:schemeClr val="accent4"/>
+              </a:solidFill>
+            </a:ln>
+          </p:spPr>
+          <p:style>
+            <a:lnRef idx="2">
+              <a:schemeClr val="accent1">
+                <a:shade val="50000"/>
+              </a:schemeClr>
+            </a:lnRef>
+            <a:fillRef idx="1">
+              <a:schemeClr val="accent1"/>
+            </a:fillRef>
+            <a:effectRef idx="0">
+              <a:schemeClr val="accent1"/>
+            </a:effectRef>
+            <a:fontRef idx="minor">
+              <a:schemeClr val="lt1"/>
+            </a:fontRef>
+          </p:style>
+        </p:cxnSp>
+        <p:sp>
+          <p:nvSpPr>
+            <p:cNvPr id="133" name="Ellipse 132">
+              <a:extLst>
+                <a:ext uri="{FF2B5EF4-FFF2-40B4-BE49-F238E27FC236}">
+                  <a16:creationId xmlns:a16="http://schemas.microsoft.com/office/drawing/2014/main" id="{77B17962-07D3-37DD-47CD-AD3645C7A415}"/>
+                </a:ext>
+              </a:extLst>
+            </p:cNvPr>
+            <p:cNvSpPr/>
+            <p:nvPr/>
+          </p:nvSpPr>
+          <p:spPr>
+            <a:xfrm>
+              <a:off x="10328672" y="1898108"/>
+              <a:ext cx="180000" cy="180000"/>
+            </a:xfrm>
+            <a:prstGeom prst="ellipse">
+              <a:avLst/>
+            </a:prstGeom>
+            <a:solidFill>
+              <a:schemeClr val="bg1"/>
+            </a:solidFill>
+            <a:ln w="28575">
+              <a:solidFill>
+                <a:schemeClr val="accent4"/>
+              </a:solidFill>
+            </a:ln>
+          </p:spPr>
+          <p:style>
+            <a:lnRef idx="2">
+              <a:schemeClr val="accent1">
+                <a:shade val="50000"/>
+              </a:schemeClr>
+            </a:lnRef>
+            <a:fillRef idx="1">
+              <a:schemeClr val="accent1"/>
+            </a:fillRef>
+            <a:effectRef idx="0">
+              <a:schemeClr val="accent1"/>
+            </a:effectRef>
+            <a:fontRef idx="minor">
+              <a:schemeClr val="lt1"/>
+            </a:fontRef>
+          </p:style>
+          <p:txBody>
+            <a:bodyPr rtlCol="0" anchor="ctr"/>
+            <a:lstStyle/>
+            <a:p>
+              <a:pPr algn="ctr"/>
+              <a:endParaRPr lang="fr-FR" dirty="0"/>
+            </a:p>
+          </p:txBody>
+        </p:sp>
+      </p:grpSp>
+      <p:sp>
+        <p:nvSpPr>
+          <p:cNvPr id="140" name="Ellipse 139">
+            <a:extLst>
+              <a:ext uri="{FF2B5EF4-FFF2-40B4-BE49-F238E27FC236}">
+                <a16:creationId xmlns:a16="http://schemas.microsoft.com/office/drawing/2014/main" id="{7049AF87-8C5C-5F92-A0D2-5D3F9C47FA36}"/>
+              </a:ext>
+            </a:extLst>
+          </p:cNvPr>
+          <p:cNvSpPr/>
+          <p:nvPr/>
+        </p:nvSpPr>
+        <p:spPr>
+          <a:xfrm>
+            <a:off x="9847508" y="2040996"/>
+            <a:ext cx="216000" cy="216000"/>
+          </a:xfrm>
+          <a:prstGeom prst="ellipse">
+            <a:avLst/>
+          </a:prstGeom>
+          <a:solidFill>
+            <a:schemeClr val="bg1"/>
+          </a:solidFill>
+          <a:ln w="19050">
+            <a:solidFill>
+              <a:srgbClr val="00B050"/>
+            </a:solidFill>
+          </a:ln>
+        </p:spPr>
+        <p:style>
+          <a:lnRef idx="2">
+            <a:schemeClr val="accent1">
+              <a:shade val="50000"/>
+            </a:schemeClr>
+          </a:lnRef>
+          <a:fillRef idx="1">
+            <a:schemeClr val="accent1"/>
+          </a:fillRef>
+          <a:effectRef idx="0">
+            <a:schemeClr val="accent1"/>
+          </a:effectRef>
+          <a:fontRef idx="minor">
+            <a:schemeClr val="lt1"/>
+          </a:fontRef>
+        </p:style>
+        <p:txBody>
+          <a:bodyPr lIns="0" tIns="0" rIns="0" bIns="0" rtlCol="0" anchor="ctr"/>
+          <a:lstStyle/>
+          <a:p>
+            <a:pPr algn="ctr"/>
+            <a:r>
+              <a:rPr lang="fr-FR" sz="1000" b="1" dirty="0">
+                <a:solidFill>
+                  <a:srgbClr val="00B050"/>
+                </a:solidFill>
+              </a:rPr>
+              <a:t>4</a:t>
+            </a:r>
+            <a:endParaRPr lang="fr-FR" sz="1200" b="1" dirty="0">
+              <a:solidFill>
+                <a:srgbClr val="00B050"/>
+              </a:solidFill>
+            </a:endParaRPr>
+          </a:p>
+        </p:txBody>
+      </p:sp>
+      <p:grpSp>
+        <p:nvGrpSpPr>
+          <p:cNvPr id="145" name="Groupe 144">
+            <a:extLst>
+              <a:ext uri="{FF2B5EF4-FFF2-40B4-BE49-F238E27FC236}">
+                <a16:creationId xmlns:a16="http://schemas.microsoft.com/office/drawing/2014/main" id="{EEC281E2-2649-8C32-E278-5AB7E1464126}"/>
+              </a:ext>
+            </a:extLst>
+          </p:cNvPr>
+          <p:cNvGrpSpPr/>
+          <p:nvPr/>
+        </p:nvGrpSpPr>
+        <p:grpSpPr>
+          <a:xfrm flipH="1">
+            <a:off x="7446114" y="1191969"/>
+            <a:ext cx="904442" cy="886139"/>
+            <a:chOff x="9604230" y="1191969"/>
+            <a:chExt cx="904442" cy="886139"/>
+          </a:xfrm>
+        </p:grpSpPr>
+        <p:sp>
+          <p:nvSpPr>
+            <p:cNvPr id="146" name="Ellipse 145">
+              <a:extLst>
+                <a:ext uri="{FF2B5EF4-FFF2-40B4-BE49-F238E27FC236}">
+                  <a16:creationId xmlns:a16="http://schemas.microsoft.com/office/drawing/2014/main" id="{094B9F5D-CCBB-0750-A8BA-9A694F467962}"/>
+                </a:ext>
+              </a:extLst>
+            </p:cNvPr>
+            <p:cNvSpPr/>
+            <p:nvPr/>
+          </p:nvSpPr>
+          <p:spPr>
+            <a:xfrm>
+              <a:off x="9604230" y="1191969"/>
+              <a:ext cx="180000" cy="180000"/>
+            </a:xfrm>
+            <a:prstGeom prst="ellipse">
+              <a:avLst/>
+            </a:prstGeom>
+            <a:solidFill>
+              <a:schemeClr val="bg1"/>
+            </a:solidFill>
+            <a:ln w="28575">
+              <a:solidFill>
+                <a:srgbClr val="7030A0">
+                  <a:alpha val="50000"/>
+                </a:srgbClr>
+              </a:solidFill>
+            </a:ln>
+          </p:spPr>
+          <p:style>
+            <a:lnRef idx="2">
+              <a:schemeClr val="accent1">
+                <a:shade val="50000"/>
+              </a:schemeClr>
+            </a:lnRef>
+            <a:fillRef idx="1">
+              <a:schemeClr val="accent1"/>
+            </a:fillRef>
+            <a:effectRef idx="0">
+              <a:schemeClr val="accent1"/>
+            </a:effectRef>
+            <a:fontRef idx="minor">
+              <a:schemeClr val="lt1"/>
+            </a:fontRef>
+          </p:style>
+          <p:txBody>
+            <a:bodyPr rtlCol="0" anchor="ctr"/>
+            <a:lstStyle/>
+            <a:p>
+              <a:pPr algn="ctr"/>
+              <a:endParaRPr lang="fr-FR" dirty="0"/>
+            </a:p>
+          </p:txBody>
+        </p:sp>
+        <p:cxnSp>
+          <p:nvCxnSpPr>
+            <p:cNvPr id="147" name="Connecteur droit 146">
+              <a:extLst>
+                <a:ext uri="{FF2B5EF4-FFF2-40B4-BE49-F238E27FC236}">
+                  <a16:creationId xmlns:a16="http://schemas.microsoft.com/office/drawing/2014/main" id="{802C1449-EA3E-CBEC-7DED-9AAC8991CD5A}"/>
+                </a:ext>
+              </a:extLst>
+            </p:cNvPr>
+            <p:cNvCxnSpPr>
+              <a:cxnSpLocks/>
+            </p:cNvCxnSpPr>
+            <p:nvPr/>
+          </p:nvCxnSpPr>
+          <p:spPr>
+            <a:xfrm flipH="1" flipV="1">
+              <a:off x="9754212" y="1332066"/>
+              <a:ext cx="668063" cy="664613"/>
+            </a:xfrm>
+            <a:prstGeom prst="line">
+              <a:avLst/>
+            </a:prstGeom>
+            <a:noFill/>
+            <a:ln w="28575">
+              <a:solidFill>
+                <a:srgbClr val="7030A0">
+                  <a:alpha val="50000"/>
+                </a:srgbClr>
+              </a:solidFill>
+            </a:ln>
+          </p:spPr>
+          <p:style>
+            <a:lnRef idx="2">
+              <a:schemeClr val="accent1">
+                <a:shade val="50000"/>
+              </a:schemeClr>
+            </a:lnRef>
+            <a:fillRef idx="1">
+              <a:schemeClr val="accent1"/>
+            </a:fillRef>
+            <a:effectRef idx="0">
+              <a:schemeClr val="accent1"/>
+            </a:effectRef>
+            <a:fontRef idx="minor">
+              <a:schemeClr val="lt1"/>
+            </a:fontRef>
+          </p:style>
+        </p:cxnSp>
+        <p:sp>
+          <p:nvSpPr>
+            <p:cNvPr id="148" name="Ellipse 147">
+              <a:extLst>
+                <a:ext uri="{FF2B5EF4-FFF2-40B4-BE49-F238E27FC236}">
+                  <a16:creationId xmlns:a16="http://schemas.microsoft.com/office/drawing/2014/main" id="{22D76549-0438-09FD-1AFB-649C48FA84BB}"/>
+                </a:ext>
+              </a:extLst>
+            </p:cNvPr>
+            <p:cNvSpPr/>
+            <p:nvPr/>
+          </p:nvSpPr>
+          <p:spPr>
+            <a:xfrm>
+              <a:off x="10328672" y="1898108"/>
+              <a:ext cx="180000" cy="180000"/>
+            </a:xfrm>
+            <a:prstGeom prst="ellipse">
+              <a:avLst/>
+            </a:prstGeom>
+            <a:solidFill>
+              <a:schemeClr val="bg1"/>
+            </a:solidFill>
+            <a:ln w="28575">
+              <a:solidFill>
+                <a:srgbClr val="7030A0">
+                  <a:alpha val="50000"/>
+                </a:srgbClr>
+              </a:solidFill>
+            </a:ln>
+          </p:spPr>
+          <p:style>
+            <a:lnRef idx="2">
+              <a:schemeClr val="accent1">
+                <a:shade val="50000"/>
+              </a:schemeClr>
+            </a:lnRef>
+            <a:fillRef idx="1">
+              <a:schemeClr val="accent1"/>
+            </a:fillRef>
+            <a:effectRef idx="0">
+              <a:schemeClr val="accent1"/>
+            </a:effectRef>
+            <a:fontRef idx="minor">
+              <a:schemeClr val="lt1"/>
+            </a:fontRef>
+          </p:style>
+          <p:txBody>
+            <a:bodyPr rtlCol="0" anchor="ctr"/>
+            <a:lstStyle/>
+            <a:p>
+              <a:pPr algn="ctr"/>
+              <a:endParaRPr lang="fr-FR" dirty="0"/>
+            </a:p>
+          </p:txBody>
+        </p:sp>
+      </p:grpSp>
+      <p:cxnSp>
+        <p:nvCxnSpPr>
+          <p:cNvPr id="157" name="Connecteur droit 156">
+            <a:extLst>
+              <a:ext uri="{FF2B5EF4-FFF2-40B4-BE49-F238E27FC236}">
+                <a16:creationId xmlns:a16="http://schemas.microsoft.com/office/drawing/2014/main" id="{ABA27A1B-3797-C309-7B45-954086F87400}"/>
+              </a:ext>
+            </a:extLst>
+          </p:cNvPr>
+          <p:cNvCxnSpPr>
+            <a:cxnSpLocks/>
+          </p:cNvCxnSpPr>
+          <p:nvPr/>
+        </p:nvCxnSpPr>
+        <p:spPr>
+          <a:xfrm flipH="1">
+            <a:off x="8642508" y="3271968"/>
+            <a:ext cx="330753" cy="0"/>
+          </a:xfrm>
+          <a:prstGeom prst="line">
+            <a:avLst/>
+          </a:prstGeom>
+          <a:noFill/>
+          <a:ln w="28575">
+            <a:solidFill>
+              <a:srgbClr val="0070C0"/>
+            </a:solidFill>
+          </a:ln>
+        </p:spPr>
+        <p:style>
+          <a:lnRef idx="2">
+            <a:schemeClr val="accent1">
+              <a:shade val="50000"/>
+            </a:schemeClr>
+          </a:lnRef>
+          <a:fillRef idx="1">
+            <a:schemeClr val="accent1"/>
+          </a:fillRef>
+          <a:effectRef idx="0">
+            <a:schemeClr val="accent1"/>
+          </a:effectRef>
+          <a:fontRef idx="minor">
+            <a:schemeClr val="lt1"/>
+          </a:fontRef>
+        </p:style>
+      </p:cxnSp>
+      <p:sp>
+        <p:nvSpPr>
+          <p:cNvPr id="161" name="Ellipse 160">
+            <a:extLst>
+              <a:ext uri="{FF2B5EF4-FFF2-40B4-BE49-F238E27FC236}">
+                <a16:creationId xmlns:a16="http://schemas.microsoft.com/office/drawing/2014/main" id="{C73B9492-A56E-9C8A-F956-87B049068A0F}"/>
+              </a:ext>
+            </a:extLst>
+          </p:cNvPr>
+          <p:cNvSpPr/>
+          <p:nvPr/>
+        </p:nvSpPr>
+        <p:spPr>
+          <a:xfrm>
+            <a:off x="9214014" y="2076390"/>
+            <a:ext cx="216000" cy="216000"/>
+          </a:xfrm>
+          <a:prstGeom prst="ellipse">
+            <a:avLst/>
+          </a:prstGeom>
+          <a:solidFill>
+            <a:schemeClr val="bg1"/>
+          </a:solidFill>
+          <a:ln w="19050">
+            <a:solidFill>
+              <a:schemeClr val="accent2"/>
+            </a:solidFill>
+          </a:ln>
+        </p:spPr>
+        <p:style>
+          <a:lnRef idx="2">
+            <a:schemeClr val="accent1">
+              <a:shade val="50000"/>
+            </a:schemeClr>
+          </a:lnRef>
+          <a:fillRef idx="1">
+            <a:schemeClr val="accent1"/>
+          </a:fillRef>
+          <a:effectRef idx="0">
+            <a:schemeClr val="accent1"/>
+          </a:effectRef>
+          <a:fontRef idx="minor">
+            <a:schemeClr val="lt1"/>
+          </a:fontRef>
+        </p:style>
+        <p:txBody>
+          <a:bodyPr lIns="0" tIns="0" rIns="0" bIns="0" rtlCol="0" anchor="ctr"/>
+          <a:lstStyle/>
+          <a:p>
+            <a:pPr algn="ctr"/>
+            <a:r>
+              <a:rPr lang="fr-FR" sz="1000" b="1" dirty="0">
+                <a:solidFill>
+                  <a:schemeClr val="accent2"/>
+                </a:solidFill>
+              </a:rPr>
+              <a:t>5</a:t>
+            </a:r>
+            <a:endParaRPr lang="fr-FR" sz="1200" b="1" dirty="0">
+              <a:solidFill>
+                <a:schemeClr val="accent2"/>
+              </a:solidFill>
+            </a:endParaRPr>
+          </a:p>
+        </p:txBody>
+      </p:sp>
+      <p:sp>
+        <p:nvSpPr>
+          <p:cNvPr id="162" name="Ellipse 161">
+            <a:extLst>
+              <a:ext uri="{FF2B5EF4-FFF2-40B4-BE49-F238E27FC236}">
+                <a16:creationId xmlns:a16="http://schemas.microsoft.com/office/drawing/2014/main" id="{A1F72AB0-FD73-D0BC-F93D-FD28A5D2E825}"/>
+              </a:ext>
+            </a:extLst>
+          </p:cNvPr>
+          <p:cNvSpPr/>
+          <p:nvPr/>
+        </p:nvSpPr>
+        <p:spPr>
+          <a:xfrm>
+            <a:off x="8368538" y="3069464"/>
+            <a:ext cx="216000" cy="216000"/>
+          </a:xfrm>
+          <a:prstGeom prst="ellipse">
+            <a:avLst/>
+          </a:prstGeom>
+          <a:solidFill>
+            <a:schemeClr val="bg1"/>
+          </a:solidFill>
+          <a:ln w="19050">
+            <a:solidFill>
+              <a:schemeClr val="accent1"/>
+            </a:solidFill>
+          </a:ln>
+        </p:spPr>
+        <p:style>
+          <a:lnRef idx="2">
+            <a:schemeClr val="accent1">
+              <a:shade val="50000"/>
+            </a:schemeClr>
+          </a:lnRef>
+          <a:fillRef idx="1">
+            <a:schemeClr val="accent1"/>
+          </a:fillRef>
+          <a:effectRef idx="0">
+            <a:schemeClr val="accent1"/>
+          </a:effectRef>
+          <a:fontRef idx="minor">
+            <a:schemeClr val="lt1"/>
+          </a:fontRef>
+        </p:style>
+        <p:txBody>
+          <a:bodyPr lIns="0" tIns="0" rIns="0" bIns="0" rtlCol="0" anchor="ctr"/>
+          <a:lstStyle/>
+          <a:p>
+            <a:pPr algn="ctr"/>
+            <a:r>
+              <a:rPr lang="fr-FR" sz="1000" b="1" dirty="0">
+                <a:solidFill>
+                  <a:schemeClr val="accent1"/>
+                </a:solidFill>
+              </a:rPr>
+              <a:t>6</a:t>
+            </a:r>
+            <a:endParaRPr lang="fr-FR" sz="1200" b="1" dirty="0">
+              <a:solidFill>
+                <a:schemeClr val="accent1"/>
+              </a:solidFill>
+            </a:endParaRPr>
+          </a:p>
+        </p:txBody>
+      </p:sp>
+      <mc:AlternateContent xmlns:mc="http://schemas.openxmlformats.org/markup-compatibility/2006">
+        <mc:Choice xmlns:a14="http://schemas.microsoft.com/office/drawing/2010/main" Requires="a14">
+          <p:sp>
+            <p:nvSpPr>
+              <p:cNvPr id="168" name="ZoneTexte 167">
+                <a:extLst>
+                  <a:ext uri="{FF2B5EF4-FFF2-40B4-BE49-F238E27FC236}">
+                    <a16:creationId xmlns:a16="http://schemas.microsoft.com/office/drawing/2014/main" id="{6214EAF1-FF05-B0B4-7032-7262CB0AD3DC}"/>
+                  </a:ext>
+                </a:extLst>
+              </p:cNvPr>
+              <p:cNvSpPr txBox="1"/>
+              <p:nvPr/>
+            </p:nvSpPr>
+            <p:spPr>
+              <a:xfrm>
+                <a:off x="10663013" y="2106279"/>
+                <a:ext cx="497840" cy="261610"/>
+              </a:xfrm>
+              <a:prstGeom prst="rect">
+                <a:avLst/>
+              </a:prstGeom>
+              <a:noFill/>
+            </p:spPr>
+            <p:txBody>
+              <a:bodyPr wrap="square" rtlCol="0">
+                <a:spAutoFit/>
+              </a:bodyPr>
+              <a:lstStyle/>
+              <a:p>
+                <a:pPr/>
+                <a14:m>
+                  <m:oMathPara xmlns:m="http://schemas.openxmlformats.org/officeDocument/2006/math">
+                    <m:oMathParaPr>
+                      <m:jc m:val="centerGroup"/>
+                    </m:oMathParaPr>
+                    <m:oMath xmlns:m="http://schemas.openxmlformats.org/officeDocument/2006/math">
+                      <m:acc>
+                        <m:accPr>
+                          <m:chr m:val="⃗"/>
+                          <m:ctrlPr>
+                            <a:rPr lang="fr-FR" sz="1050" i="1" smtClean="0">
+                              <a:latin typeface="Cambria Math" panose="02040503050406030204" pitchFamily="18" charset="0"/>
+                            </a:rPr>
+                          </m:ctrlPr>
+                        </m:accPr>
+                        <m:e>
+                          <m:sSub>
+                            <m:sSubPr>
+                              <m:ctrlPr>
+                                <a:rPr lang="fr-FR" sz="1050" b="0" i="1" smtClean="0">
+                                  <a:latin typeface="Cambria Math" panose="02040503050406030204" pitchFamily="18" charset="0"/>
+                                </a:rPr>
+                              </m:ctrlPr>
+                            </m:sSubPr>
+                            <m:e>
+                              <m:r>
+                                <a:rPr lang="fr-FR" sz="1050" b="0" i="1" smtClean="0">
+                                  <a:latin typeface="Cambria Math" panose="02040503050406030204" pitchFamily="18" charset="0"/>
+                                </a:rPr>
+                                <m:t>𝑥</m:t>
+                              </m:r>
+                            </m:e>
+                            <m:sub>
+                              <m:r>
+                                <a:rPr lang="fr-FR" sz="1050" b="0" i="1" smtClean="0">
+                                  <a:latin typeface="Cambria Math" panose="02040503050406030204" pitchFamily="18" charset="0"/>
+                                </a:rPr>
+                                <m:t>1</m:t>
+                              </m:r>
+                            </m:sub>
+                          </m:sSub>
+                        </m:e>
+                      </m:acc>
+                    </m:oMath>
+                  </m:oMathPara>
+                </a14:m>
+                <a:endParaRPr lang="fr-FR" sz="1050" dirty="0"/>
+              </a:p>
+            </p:txBody>
+          </p:sp>
+        </mc:Choice>
+        <mc:Fallback>
+          <p:sp>
+            <p:nvSpPr>
+              <p:cNvPr id="168" name="ZoneTexte 167">
+                <a:extLst>
+                  <a:ext uri="{FF2B5EF4-FFF2-40B4-BE49-F238E27FC236}">
+                    <a16:creationId xmlns:a16="http://schemas.microsoft.com/office/drawing/2014/main" id="{6214EAF1-FF05-B0B4-7032-7262CB0AD3DC}"/>
+                  </a:ext>
+                </a:extLst>
+              </p:cNvPr>
+              <p:cNvSpPr txBox="1">
+                <a:spLocks noRot="1" noChangeAspect="1" noMove="1" noResize="1" noEditPoints="1" noAdjustHandles="1" noChangeArrowheads="1" noChangeShapeType="1" noTextEdit="1"/>
+              </p:cNvSpPr>
+              <p:nvPr/>
+            </p:nvSpPr>
+            <p:spPr>
+              <a:xfrm>
+                <a:off x="10663013" y="2106279"/>
+                <a:ext cx="497840" cy="261610"/>
+              </a:xfrm>
+              <a:prstGeom prst="rect">
+                <a:avLst/>
+              </a:prstGeom>
+              <a:blipFill>
+                <a:blip r:embed="rId2"/>
+                <a:stretch>
+                  <a:fillRect/>
+                </a:stretch>
+              </a:blipFill>
+            </p:spPr>
+            <p:txBody>
+              <a:bodyPr/>
+              <a:lstStyle/>
+              <a:p>
+                <a:r>
+                  <a:rPr lang="fr-FR">
+                    <a:noFill/>
+                  </a:rPr>
+                  <a:t> </a:t>
+                </a:r>
+              </a:p>
+            </p:txBody>
+          </p:sp>
+        </mc:Fallback>
+      </mc:AlternateContent>
+      <mc:AlternateContent xmlns:mc="http://schemas.openxmlformats.org/markup-compatibility/2006">
+        <mc:Choice xmlns:a14="http://schemas.microsoft.com/office/drawing/2010/main" Requires="a14">
+          <p:sp>
+            <p:nvSpPr>
+              <p:cNvPr id="169" name="ZoneTexte 168">
+                <a:extLst>
+                  <a:ext uri="{FF2B5EF4-FFF2-40B4-BE49-F238E27FC236}">
+                    <a16:creationId xmlns:a16="http://schemas.microsoft.com/office/drawing/2014/main" id="{D09E6F51-A935-DBDF-9B9B-EDB0590E47BA}"/>
+                  </a:ext>
+                </a:extLst>
+              </p:cNvPr>
+              <p:cNvSpPr txBox="1"/>
+              <p:nvPr/>
+            </p:nvSpPr>
+            <p:spPr>
+              <a:xfrm>
+                <a:off x="9268398" y="1142260"/>
+                <a:ext cx="497840" cy="261610"/>
+              </a:xfrm>
+              <a:prstGeom prst="rect">
+                <a:avLst/>
+              </a:prstGeom>
+              <a:noFill/>
+            </p:spPr>
+            <p:txBody>
+              <a:bodyPr wrap="square" rtlCol="0">
+                <a:spAutoFit/>
+              </a:bodyPr>
+              <a:lstStyle/>
+              <a:p>
+                <a:pPr/>
+                <a14:m>
+                  <m:oMathPara xmlns:m="http://schemas.openxmlformats.org/officeDocument/2006/math">
+                    <m:oMathParaPr>
+                      <m:jc m:val="centerGroup"/>
+                    </m:oMathParaPr>
+                    <m:oMath xmlns:m="http://schemas.openxmlformats.org/officeDocument/2006/math">
+                      <m:r>
+                        <a:rPr lang="fr-FR" sz="1050" i="1" smtClean="0">
+                          <a:latin typeface="Cambria Math" panose="02040503050406030204" pitchFamily="18" charset="0"/>
+                        </a:rPr>
+                        <m:t>𝐴</m:t>
+                      </m:r>
+                    </m:oMath>
+                  </m:oMathPara>
+                </a14:m>
+                <a:endParaRPr lang="fr-FR" sz="1050" dirty="0"/>
+              </a:p>
+            </p:txBody>
+          </p:sp>
+        </mc:Choice>
+        <mc:Fallback>
+          <p:sp>
+            <p:nvSpPr>
+              <p:cNvPr id="169" name="ZoneTexte 168">
+                <a:extLst>
+                  <a:ext uri="{FF2B5EF4-FFF2-40B4-BE49-F238E27FC236}">
+                    <a16:creationId xmlns:a16="http://schemas.microsoft.com/office/drawing/2014/main" id="{D09E6F51-A935-DBDF-9B9B-EDB0590E47BA}"/>
+                  </a:ext>
+                </a:extLst>
+              </p:cNvPr>
+              <p:cNvSpPr txBox="1">
+                <a:spLocks noRot="1" noChangeAspect="1" noMove="1" noResize="1" noEditPoints="1" noAdjustHandles="1" noChangeArrowheads="1" noChangeShapeType="1" noTextEdit="1"/>
+              </p:cNvSpPr>
+              <p:nvPr/>
+            </p:nvSpPr>
+            <p:spPr>
+              <a:xfrm>
+                <a:off x="9268398" y="1142260"/>
+                <a:ext cx="497840" cy="261610"/>
+              </a:xfrm>
+              <a:prstGeom prst="rect">
+                <a:avLst/>
+              </a:prstGeom>
+              <a:blipFill>
+                <a:blip r:embed="rId3"/>
+                <a:stretch>
+                  <a:fillRect/>
+                </a:stretch>
+              </a:blipFill>
+            </p:spPr>
+            <p:txBody>
+              <a:bodyPr/>
+              <a:lstStyle/>
+              <a:p>
+                <a:r>
+                  <a:rPr lang="fr-FR">
+                    <a:noFill/>
+                  </a:rPr>
+                  <a:t> </a:t>
+                </a:r>
+              </a:p>
+            </p:txBody>
+          </p:sp>
+        </mc:Fallback>
+      </mc:AlternateContent>
+      <mc:AlternateContent xmlns:mc="http://schemas.openxmlformats.org/markup-compatibility/2006">
+        <mc:Choice xmlns:a14="http://schemas.microsoft.com/office/drawing/2010/main" Requires="a14">
+          <p:sp>
+            <p:nvSpPr>
+              <p:cNvPr id="170" name="ZoneTexte 169">
+                <a:extLst>
+                  <a:ext uri="{FF2B5EF4-FFF2-40B4-BE49-F238E27FC236}">
+                    <a16:creationId xmlns:a16="http://schemas.microsoft.com/office/drawing/2014/main" id="{D7E995CD-1D59-8CB1-84EA-2E77C06C623D}"/>
+                  </a:ext>
+                </a:extLst>
+              </p:cNvPr>
+              <p:cNvSpPr txBox="1"/>
+              <p:nvPr/>
+            </p:nvSpPr>
+            <p:spPr>
+              <a:xfrm>
+                <a:off x="10162846" y="1669652"/>
+                <a:ext cx="497840" cy="261610"/>
+              </a:xfrm>
+              <a:prstGeom prst="rect">
+                <a:avLst/>
+              </a:prstGeom>
+              <a:noFill/>
+            </p:spPr>
+            <p:txBody>
+              <a:bodyPr wrap="square" rtlCol="0">
+                <a:spAutoFit/>
+              </a:bodyPr>
+              <a:lstStyle/>
+              <a:p>
+                <a:pPr/>
+                <a14:m>
+                  <m:oMathPara xmlns:m="http://schemas.openxmlformats.org/officeDocument/2006/math">
+                    <m:oMathParaPr>
+                      <m:jc m:val="centerGroup"/>
+                    </m:oMathParaPr>
+                    <m:oMath xmlns:m="http://schemas.openxmlformats.org/officeDocument/2006/math">
+                      <m:r>
+                        <a:rPr lang="fr-FR" sz="1050" b="0" i="1" smtClean="0">
+                          <a:latin typeface="Cambria Math" panose="02040503050406030204" pitchFamily="18" charset="0"/>
+                        </a:rPr>
+                        <m:t>𝐵</m:t>
+                      </m:r>
+                    </m:oMath>
+                  </m:oMathPara>
+                </a14:m>
+                <a:endParaRPr lang="fr-FR" sz="1050" dirty="0"/>
+              </a:p>
+            </p:txBody>
+          </p:sp>
+        </mc:Choice>
+        <mc:Fallback>
+          <p:sp>
+            <p:nvSpPr>
+              <p:cNvPr id="170" name="ZoneTexte 169">
+                <a:extLst>
+                  <a:ext uri="{FF2B5EF4-FFF2-40B4-BE49-F238E27FC236}">
+                    <a16:creationId xmlns:a16="http://schemas.microsoft.com/office/drawing/2014/main" id="{D7E995CD-1D59-8CB1-84EA-2E77C06C623D}"/>
+                  </a:ext>
+                </a:extLst>
+              </p:cNvPr>
+              <p:cNvSpPr txBox="1">
+                <a:spLocks noRot="1" noChangeAspect="1" noMove="1" noResize="1" noEditPoints="1" noAdjustHandles="1" noChangeArrowheads="1" noChangeShapeType="1" noTextEdit="1"/>
+              </p:cNvSpPr>
+              <p:nvPr/>
+            </p:nvSpPr>
+            <p:spPr>
+              <a:xfrm>
+                <a:off x="10162846" y="1669652"/>
+                <a:ext cx="497840" cy="261610"/>
+              </a:xfrm>
+              <a:prstGeom prst="rect">
+                <a:avLst/>
+              </a:prstGeom>
+              <a:blipFill>
+                <a:blip r:embed="rId4"/>
+                <a:stretch>
+                  <a:fillRect/>
+                </a:stretch>
+              </a:blipFill>
+            </p:spPr>
+            <p:txBody>
+              <a:bodyPr/>
+              <a:lstStyle/>
+              <a:p>
+                <a:r>
+                  <a:rPr lang="fr-FR">
+                    <a:noFill/>
+                  </a:rPr>
+                  <a:t> </a:t>
+                </a:r>
+              </a:p>
+            </p:txBody>
+          </p:sp>
+        </mc:Fallback>
+      </mc:AlternateContent>
+      <mc:AlternateContent xmlns:mc="http://schemas.openxmlformats.org/markup-compatibility/2006">
+        <mc:Choice xmlns:a14="http://schemas.microsoft.com/office/drawing/2010/main" Requires="a14">
+          <p:sp>
+            <p:nvSpPr>
+              <p:cNvPr id="171" name="ZoneTexte 170">
+                <a:extLst>
+                  <a:ext uri="{FF2B5EF4-FFF2-40B4-BE49-F238E27FC236}">
+                    <a16:creationId xmlns:a16="http://schemas.microsoft.com/office/drawing/2014/main" id="{F240D5D4-7981-479E-1B5D-EFCB1C2CABA1}"/>
+                  </a:ext>
+                </a:extLst>
+              </p:cNvPr>
+              <p:cNvSpPr txBox="1"/>
+              <p:nvPr/>
+            </p:nvSpPr>
+            <p:spPr>
+              <a:xfrm>
+                <a:off x="10727084" y="1365579"/>
+                <a:ext cx="497840" cy="261610"/>
+              </a:xfrm>
+              <a:prstGeom prst="rect">
+                <a:avLst/>
+              </a:prstGeom>
+              <a:noFill/>
+            </p:spPr>
+            <p:txBody>
+              <a:bodyPr wrap="square" rtlCol="0">
+                <a:spAutoFit/>
+              </a:bodyPr>
+              <a:lstStyle/>
+              <a:p>
+                <a:pPr/>
+                <a14:m>
+                  <m:oMathPara xmlns:m="http://schemas.openxmlformats.org/officeDocument/2006/math">
+                    <m:oMathParaPr>
+                      <m:jc m:val="centerGroup"/>
+                    </m:oMathParaPr>
+                    <m:oMath xmlns:m="http://schemas.openxmlformats.org/officeDocument/2006/math">
+                      <m:r>
+                        <a:rPr lang="fr-FR" sz="1050" b="0" i="1" smtClean="0">
+                          <a:latin typeface="Cambria Math" panose="02040503050406030204" pitchFamily="18" charset="0"/>
+                        </a:rPr>
+                        <m:t>𝐶</m:t>
+                      </m:r>
+                    </m:oMath>
+                  </m:oMathPara>
+                </a14:m>
+                <a:endParaRPr lang="fr-FR" sz="1050" dirty="0"/>
+              </a:p>
+            </p:txBody>
+          </p:sp>
+        </mc:Choice>
+        <mc:Fallback>
+          <p:sp>
+            <p:nvSpPr>
+              <p:cNvPr id="171" name="ZoneTexte 170">
+                <a:extLst>
+                  <a:ext uri="{FF2B5EF4-FFF2-40B4-BE49-F238E27FC236}">
+                    <a16:creationId xmlns:a16="http://schemas.microsoft.com/office/drawing/2014/main" id="{F240D5D4-7981-479E-1B5D-EFCB1C2CABA1}"/>
+                  </a:ext>
+                </a:extLst>
+              </p:cNvPr>
+              <p:cNvSpPr txBox="1">
+                <a:spLocks noRot="1" noChangeAspect="1" noMove="1" noResize="1" noEditPoints="1" noAdjustHandles="1" noChangeArrowheads="1" noChangeShapeType="1" noTextEdit="1"/>
+              </p:cNvSpPr>
+              <p:nvPr/>
+            </p:nvSpPr>
+            <p:spPr>
+              <a:xfrm>
+                <a:off x="10727084" y="1365579"/>
+                <a:ext cx="497840" cy="261610"/>
+              </a:xfrm>
+              <a:prstGeom prst="rect">
+                <a:avLst/>
+              </a:prstGeom>
+              <a:blipFill>
+                <a:blip r:embed="rId5"/>
+                <a:stretch>
+                  <a:fillRect/>
+                </a:stretch>
+              </a:blipFill>
+            </p:spPr>
+            <p:txBody>
+              <a:bodyPr/>
+              <a:lstStyle/>
+              <a:p>
+                <a:r>
+                  <a:rPr lang="fr-FR">
+                    <a:noFill/>
+                  </a:rPr>
+                  <a:t> </a:t>
+                </a:r>
+              </a:p>
+            </p:txBody>
+          </p:sp>
+        </mc:Fallback>
+      </mc:AlternateContent>
+      <mc:AlternateContent xmlns:mc="http://schemas.openxmlformats.org/markup-compatibility/2006">
+        <mc:Choice xmlns:a14="http://schemas.microsoft.com/office/drawing/2010/main" Requires="a14">
+          <p:sp>
+            <p:nvSpPr>
+              <p:cNvPr id="172" name="ZoneTexte 171">
+                <a:extLst>
+                  <a:ext uri="{FF2B5EF4-FFF2-40B4-BE49-F238E27FC236}">
+                    <a16:creationId xmlns:a16="http://schemas.microsoft.com/office/drawing/2014/main" id="{9666B058-8EB0-6EF1-DA7C-4D528F21D2F5}"/>
+                  </a:ext>
+                </a:extLst>
+              </p:cNvPr>
+              <p:cNvSpPr txBox="1"/>
+              <p:nvPr/>
+            </p:nvSpPr>
+            <p:spPr>
+              <a:xfrm>
+                <a:off x="10049534" y="670504"/>
+                <a:ext cx="497840" cy="261610"/>
+              </a:xfrm>
+              <a:prstGeom prst="rect">
+                <a:avLst/>
+              </a:prstGeom>
+              <a:noFill/>
+            </p:spPr>
+            <p:txBody>
+              <a:bodyPr wrap="square" rtlCol="0">
+                <a:spAutoFit/>
+              </a:bodyPr>
+              <a:lstStyle/>
+              <a:p>
+                <a:pPr/>
+                <a14:m>
+                  <m:oMathPara xmlns:m="http://schemas.openxmlformats.org/officeDocument/2006/math">
+                    <m:oMathParaPr>
+                      <m:jc m:val="centerGroup"/>
+                    </m:oMathParaPr>
+                    <m:oMath xmlns:m="http://schemas.openxmlformats.org/officeDocument/2006/math">
+                      <m:r>
+                        <a:rPr lang="fr-FR" sz="1050" b="0" i="1" smtClean="0">
+                          <a:latin typeface="Cambria Math" panose="02040503050406030204" pitchFamily="18" charset="0"/>
+                        </a:rPr>
+                        <m:t>𝐷</m:t>
+                      </m:r>
+                    </m:oMath>
+                  </m:oMathPara>
+                </a14:m>
+                <a:endParaRPr lang="fr-FR" sz="1050" dirty="0"/>
+              </a:p>
+            </p:txBody>
+          </p:sp>
+        </mc:Choice>
+        <mc:Fallback>
+          <p:sp>
+            <p:nvSpPr>
+              <p:cNvPr id="172" name="ZoneTexte 171">
+                <a:extLst>
+                  <a:ext uri="{FF2B5EF4-FFF2-40B4-BE49-F238E27FC236}">
+                    <a16:creationId xmlns:a16="http://schemas.microsoft.com/office/drawing/2014/main" id="{9666B058-8EB0-6EF1-DA7C-4D528F21D2F5}"/>
+                  </a:ext>
+                </a:extLst>
+              </p:cNvPr>
+              <p:cNvSpPr txBox="1">
+                <a:spLocks noRot="1" noChangeAspect="1" noMove="1" noResize="1" noEditPoints="1" noAdjustHandles="1" noChangeArrowheads="1" noChangeShapeType="1" noTextEdit="1"/>
+              </p:cNvSpPr>
+              <p:nvPr/>
+            </p:nvSpPr>
+            <p:spPr>
+              <a:xfrm>
+                <a:off x="10049534" y="670504"/>
+                <a:ext cx="497840" cy="261610"/>
+              </a:xfrm>
+              <a:prstGeom prst="rect">
+                <a:avLst/>
+              </a:prstGeom>
+              <a:blipFill>
+                <a:blip r:embed="rId6"/>
+                <a:stretch>
+                  <a:fillRect/>
+                </a:stretch>
+              </a:blipFill>
+            </p:spPr>
+            <p:txBody>
+              <a:bodyPr/>
+              <a:lstStyle/>
+              <a:p>
+                <a:r>
+                  <a:rPr lang="fr-FR">
+                    <a:noFill/>
+                  </a:rPr>
+                  <a:t> </a:t>
+                </a:r>
+              </a:p>
+            </p:txBody>
+          </p:sp>
+        </mc:Fallback>
+      </mc:AlternateContent>
+      <mc:AlternateContent xmlns:mc="http://schemas.openxmlformats.org/markup-compatibility/2006">
+        <mc:Choice xmlns:a14="http://schemas.microsoft.com/office/drawing/2010/main" Requires="a14">
+          <p:sp>
+            <p:nvSpPr>
+              <p:cNvPr id="173" name="ZoneTexte 172">
+                <a:extLst>
+                  <a:ext uri="{FF2B5EF4-FFF2-40B4-BE49-F238E27FC236}">
+                    <a16:creationId xmlns:a16="http://schemas.microsoft.com/office/drawing/2014/main" id="{7E2AE714-7658-B918-2070-DFBB2317E5F8}"/>
+                  </a:ext>
+                </a:extLst>
+              </p:cNvPr>
+              <p:cNvSpPr txBox="1"/>
+              <p:nvPr/>
+            </p:nvSpPr>
+            <p:spPr>
+              <a:xfrm>
+                <a:off x="9621614" y="1769045"/>
+                <a:ext cx="497840" cy="261610"/>
+              </a:xfrm>
+              <a:prstGeom prst="rect">
+                <a:avLst/>
+              </a:prstGeom>
+              <a:noFill/>
+            </p:spPr>
+            <p:txBody>
+              <a:bodyPr wrap="square" rtlCol="0">
+                <a:spAutoFit/>
+              </a:bodyPr>
+              <a:lstStyle/>
+              <a:p>
+                <a:pPr/>
+                <a14:m>
+                  <m:oMathPara xmlns:m="http://schemas.openxmlformats.org/officeDocument/2006/math">
+                    <m:oMathParaPr>
+                      <m:jc m:val="centerGroup"/>
+                    </m:oMathParaPr>
+                    <m:oMath xmlns:m="http://schemas.openxmlformats.org/officeDocument/2006/math">
+                      <m:r>
+                        <a:rPr lang="fr-FR" sz="1050" b="0" i="1" smtClean="0">
+                          <a:latin typeface="Cambria Math" panose="02040503050406030204" pitchFamily="18" charset="0"/>
+                        </a:rPr>
+                        <m:t>𝐸</m:t>
+                      </m:r>
+                    </m:oMath>
+                  </m:oMathPara>
+                </a14:m>
+                <a:endParaRPr lang="fr-FR" sz="1050" dirty="0"/>
+              </a:p>
+            </p:txBody>
+          </p:sp>
+        </mc:Choice>
+        <mc:Fallback>
+          <p:sp>
+            <p:nvSpPr>
+              <p:cNvPr id="173" name="ZoneTexte 172">
+                <a:extLst>
+                  <a:ext uri="{FF2B5EF4-FFF2-40B4-BE49-F238E27FC236}">
+                    <a16:creationId xmlns:a16="http://schemas.microsoft.com/office/drawing/2014/main" id="{7E2AE714-7658-B918-2070-DFBB2317E5F8}"/>
+                  </a:ext>
+                </a:extLst>
+              </p:cNvPr>
+              <p:cNvSpPr txBox="1">
+                <a:spLocks noRot="1" noChangeAspect="1" noMove="1" noResize="1" noEditPoints="1" noAdjustHandles="1" noChangeArrowheads="1" noChangeShapeType="1" noTextEdit="1"/>
+              </p:cNvSpPr>
+              <p:nvPr/>
+            </p:nvSpPr>
+            <p:spPr>
+              <a:xfrm>
+                <a:off x="9621614" y="1769045"/>
+                <a:ext cx="497840" cy="261610"/>
+              </a:xfrm>
+              <a:prstGeom prst="rect">
+                <a:avLst/>
+              </a:prstGeom>
+              <a:blipFill>
+                <a:blip r:embed="rId7"/>
+                <a:stretch>
+                  <a:fillRect/>
+                </a:stretch>
+              </a:blipFill>
+            </p:spPr>
+            <p:txBody>
+              <a:bodyPr/>
+              <a:lstStyle/>
+              <a:p>
+                <a:r>
+                  <a:rPr lang="fr-FR">
+                    <a:noFill/>
+                  </a:rPr>
+                  <a:t> </a:t>
+                </a:r>
+              </a:p>
+            </p:txBody>
+          </p:sp>
+        </mc:Fallback>
+      </mc:AlternateContent>
+      <mc:AlternateContent xmlns:mc="http://schemas.openxmlformats.org/markup-compatibility/2006">
+        <mc:Choice xmlns:a14="http://schemas.microsoft.com/office/drawing/2010/main" Requires="a14">
+          <p:sp>
+            <p:nvSpPr>
+              <p:cNvPr id="174" name="ZoneTexte 173">
+                <a:extLst>
+                  <a:ext uri="{FF2B5EF4-FFF2-40B4-BE49-F238E27FC236}">
+                    <a16:creationId xmlns:a16="http://schemas.microsoft.com/office/drawing/2014/main" id="{683849C1-531A-5E04-0580-FA5451D762FD}"/>
+                  </a:ext>
+                </a:extLst>
+              </p:cNvPr>
+              <p:cNvSpPr txBox="1"/>
+              <p:nvPr/>
+            </p:nvSpPr>
+            <p:spPr>
+              <a:xfrm>
+                <a:off x="8917645" y="2925123"/>
+                <a:ext cx="497840" cy="261610"/>
+              </a:xfrm>
+              <a:prstGeom prst="rect">
+                <a:avLst/>
+              </a:prstGeom>
+              <a:noFill/>
+            </p:spPr>
+            <p:txBody>
+              <a:bodyPr wrap="square" rtlCol="0">
+                <a:spAutoFit/>
+              </a:bodyPr>
+              <a:lstStyle/>
+              <a:p>
+                <a:pPr/>
+                <a14:m>
+                  <m:oMathPara xmlns:m="http://schemas.openxmlformats.org/officeDocument/2006/math">
+                    <m:oMathParaPr>
+                      <m:jc m:val="centerGroup"/>
+                    </m:oMathParaPr>
+                    <m:oMath xmlns:m="http://schemas.openxmlformats.org/officeDocument/2006/math">
+                      <m:r>
+                        <a:rPr lang="fr-FR" sz="1050" b="0" i="1" smtClean="0">
+                          <a:latin typeface="Cambria Math" panose="02040503050406030204" pitchFamily="18" charset="0"/>
+                        </a:rPr>
+                        <m:t>𝐹</m:t>
+                      </m:r>
+                    </m:oMath>
+                  </m:oMathPara>
+                </a14:m>
+                <a:endParaRPr lang="fr-FR" sz="1050" dirty="0"/>
+              </a:p>
+            </p:txBody>
+          </p:sp>
+        </mc:Choice>
+        <mc:Fallback>
+          <p:sp>
+            <p:nvSpPr>
+              <p:cNvPr id="174" name="ZoneTexte 173">
+                <a:extLst>
+                  <a:ext uri="{FF2B5EF4-FFF2-40B4-BE49-F238E27FC236}">
+                    <a16:creationId xmlns:a16="http://schemas.microsoft.com/office/drawing/2014/main" id="{683849C1-531A-5E04-0580-FA5451D762FD}"/>
+                  </a:ext>
+                </a:extLst>
+              </p:cNvPr>
+              <p:cNvSpPr txBox="1">
+                <a:spLocks noRot="1" noChangeAspect="1" noMove="1" noResize="1" noEditPoints="1" noAdjustHandles="1" noChangeArrowheads="1" noChangeShapeType="1" noTextEdit="1"/>
+              </p:cNvSpPr>
+              <p:nvPr/>
+            </p:nvSpPr>
+            <p:spPr>
+              <a:xfrm>
+                <a:off x="8917645" y="2925123"/>
+                <a:ext cx="497840" cy="261610"/>
+              </a:xfrm>
+              <a:prstGeom prst="rect">
+                <a:avLst/>
+              </a:prstGeom>
+              <a:blipFill>
+                <a:blip r:embed="rId8"/>
+                <a:stretch>
+                  <a:fillRect/>
+                </a:stretch>
+              </a:blipFill>
+            </p:spPr>
+            <p:txBody>
+              <a:bodyPr/>
+              <a:lstStyle/>
+              <a:p>
+                <a:r>
+                  <a:rPr lang="fr-FR">
+                    <a:noFill/>
+                  </a:rPr>
+                  <a:t> </a:t>
+                </a:r>
+              </a:p>
+            </p:txBody>
+          </p:sp>
+        </mc:Fallback>
+      </mc:AlternateContent>
+      <mc:AlternateContent xmlns:mc="http://schemas.openxmlformats.org/markup-compatibility/2006">
+        <mc:Choice xmlns:a14="http://schemas.microsoft.com/office/drawing/2010/main" Requires="a14">
+          <p:sp>
+            <p:nvSpPr>
+              <p:cNvPr id="175" name="ZoneTexte 174">
+                <a:extLst>
+                  <a:ext uri="{FF2B5EF4-FFF2-40B4-BE49-F238E27FC236}">
+                    <a16:creationId xmlns:a16="http://schemas.microsoft.com/office/drawing/2014/main" id="{6D399B23-1785-B0FE-36F5-801B301E67A2}"/>
+                  </a:ext>
+                </a:extLst>
+              </p:cNvPr>
+              <p:cNvSpPr txBox="1"/>
+              <p:nvPr/>
+            </p:nvSpPr>
+            <p:spPr>
+              <a:xfrm>
+                <a:off x="8221755" y="2835123"/>
+                <a:ext cx="497840" cy="261610"/>
+              </a:xfrm>
+              <a:prstGeom prst="rect">
+                <a:avLst/>
+              </a:prstGeom>
+              <a:noFill/>
+            </p:spPr>
+            <p:txBody>
+              <a:bodyPr wrap="square" rtlCol="0">
+                <a:spAutoFit/>
+              </a:bodyPr>
+              <a:lstStyle/>
+              <a:p>
+                <a:pPr/>
+                <a14:m>
+                  <m:oMathPara xmlns:m="http://schemas.openxmlformats.org/officeDocument/2006/math">
+                    <m:oMathParaPr>
+                      <m:jc m:val="centerGroup"/>
+                    </m:oMathParaPr>
+                    <m:oMath xmlns:m="http://schemas.openxmlformats.org/officeDocument/2006/math">
+                      <m:r>
+                        <a:rPr lang="fr-FR" sz="1050" b="0" i="1" smtClean="0">
+                          <a:latin typeface="Cambria Math" panose="02040503050406030204" pitchFamily="18" charset="0"/>
+                        </a:rPr>
+                        <m:t>𝐺</m:t>
+                      </m:r>
+                    </m:oMath>
+                  </m:oMathPara>
+                </a14:m>
+                <a:endParaRPr lang="fr-FR" sz="1050" dirty="0"/>
+              </a:p>
+            </p:txBody>
+          </p:sp>
+        </mc:Choice>
+        <mc:Fallback>
+          <p:sp>
+            <p:nvSpPr>
+              <p:cNvPr id="175" name="ZoneTexte 174">
+                <a:extLst>
+                  <a:ext uri="{FF2B5EF4-FFF2-40B4-BE49-F238E27FC236}">
+                    <a16:creationId xmlns:a16="http://schemas.microsoft.com/office/drawing/2014/main" id="{6D399B23-1785-B0FE-36F5-801B301E67A2}"/>
+                  </a:ext>
+                </a:extLst>
+              </p:cNvPr>
+              <p:cNvSpPr txBox="1">
+                <a:spLocks noRot="1" noChangeAspect="1" noMove="1" noResize="1" noEditPoints="1" noAdjustHandles="1" noChangeArrowheads="1" noChangeShapeType="1" noTextEdit="1"/>
+              </p:cNvSpPr>
+              <p:nvPr/>
+            </p:nvSpPr>
+            <p:spPr>
+              <a:xfrm>
+                <a:off x="8221755" y="2835123"/>
+                <a:ext cx="497840" cy="261610"/>
+              </a:xfrm>
+              <a:prstGeom prst="rect">
+                <a:avLst/>
+              </a:prstGeom>
+              <a:blipFill>
+                <a:blip r:embed="rId9"/>
+                <a:stretch>
+                  <a:fillRect/>
+                </a:stretch>
+              </a:blipFill>
+            </p:spPr>
+            <p:txBody>
+              <a:bodyPr/>
+              <a:lstStyle/>
+              <a:p>
+                <a:r>
+                  <a:rPr lang="fr-FR">
+                    <a:noFill/>
+                  </a:rPr>
+                  <a:t> </a:t>
+                </a:r>
+              </a:p>
+            </p:txBody>
+          </p:sp>
+        </mc:Fallback>
+      </mc:AlternateContent>
+      <mc:AlternateContent xmlns:mc="http://schemas.openxmlformats.org/markup-compatibility/2006">
+        <mc:Choice xmlns:a14="http://schemas.microsoft.com/office/drawing/2010/main" Requires="a14">
+          <p:sp>
+            <p:nvSpPr>
+              <p:cNvPr id="176" name="ZoneTexte 175">
+                <a:extLst>
+                  <a:ext uri="{FF2B5EF4-FFF2-40B4-BE49-F238E27FC236}">
+                    <a16:creationId xmlns:a16="http://schemas.microsoft.com/office/drawing/2014/main" id="{D8AB18D2-6706-3693-E477-3060E88BDD17}"/>
+                  </a:ext>
+                </a:extLst>
+              </p:cNvPr>
+              <p:cNvSpPr txBox="1"/>
+              <p:nvPr/>
+            </p:nvSpPr>
+            <p:spPr>
+              <a:xfrm>
+                <a:off x="7093813" y="1830471"/>
+                <a:ext cx="497840" cy="261610"/>
+              </a:xfrm>
+              <a:prstGeom prst="rect">
+                <a:avLst/>
+              </a:prstGeom>
+              <a:noFill/>
+            </p:spPr>
+            <p:txBody>
+              <a:bodyPr wrap="square" rtlCol="0">
+                <a:spAutoFit/>
+              </a:bodyPr>
+              <a:lstStyle/>
+              <a:p>
+                <a:pPr/>
+                <a14:m>
+                  <m:oMathPara xmlns:m="http://schemas.openxmlformats.org/officeDocument/2006/math">
+                    <m:oMathParaPr>
+                      <m:jc m:val="centerGroup"/>
+                    </m:oMathParaPr>
+                    <m:oMath xmlns:m="http://schemas.openxmlformats.org/officeDocument/2006/math">
+                      <m:r>
+                        <a:rPr lang="fr-FR" sz="1050" b="0" i="1" smtClean="0">
+                          <a:latin typeface="Cambria Math" panose="02040503050406030204" pitchFamily="18" charset="0"/>
+                        </a:rPr>
+                        <m:t>𝐻</m:t>
+                      </m:r>
+                    </m:oMath>
+                  </m:oMathPara>
+                </a14:m>
+                <a:endParaRPr lang="fr-FR" sz="1050" dirty="0"/>
+              </a:p>
+            </p:txBody>
+          </p:sp>
+        </mc:Choice>
+        <mc:Fallback>
+          <p:sp>
+            <p:nvSpPr>
+              <p:cNvPr id="176" name="ZoneTexte 175">
+                <a:extLst>
+                  <a:ext uri="{FF2B5EF4-FFF2-40B4-BE49-F238E27FC236}">
+                    <a16:creationId xmlns:a16="http://schemas.microsoft.com/office/drawing/2014/main" id="{D8AB18D2-6706-3693-E477-3060E88BDD17}"/>
+                  </a:ext>
+                </a:extLst>
+              </p:cNvPr>
+              <p:cNvSpPr txBox="1">
+                <a:spLocks noRot="1" noChangeAspect="1" noMove="1" noResize="1" noEditPoints="1" noAdjustHandles="1" noChangeArrowheads="1" noChangeShapeType="1" noTextEdit="1"/>
+              </p:cNvSpPr>
+              <p:nvPr/>
+            </p:nvSpPr>
+            <p:spPr>
+              <a:xfrm>
+                <a:off x="7093813" y="1830471"/>
+                <a:ext cx="497840" cy="261610"/>
+              </a:xfrm>
+              <a:prstGeom prst="rect">
+                <a:avLst/>
+              </a:prstGeom>
+              <a:blipFill>
+                <a:blip r:embed="rId10"/>
+                <a:stretch>
+                  <a:fillRect/>
+                </a:stretch>
+              </a:blipFill>
+            </p:spPr>
+            <p:txBody>
+              <a:bodyPr/>
+              <a:lstStyle/>
+              <a:p>
+                <a:r>
+                  <a:rPr lang="fr-FR">
+                    <a:noFill/>
+                  </a:rPr>
+                  <a:t> </a:t>
+                </a:r>
+              </a:p>
+            </p:txBody>
+          </p:sp>
+        </mc:Fallback>
+      </mc:AlternateContent>
+      <mc:AlternateContent xmlns:mc="http://schemas.openxmlformats.org/markup-compatibility/2006">
+        <mc:Choice xmlns:a14="http://schemas.microsoft.com/office/drawing/2010/main" Requires="a14">
+          <p:sp>
+            <p:nvSpPr>
+              <p:cNvPr id="177" name="ZoneTexte 176">
+                <a:extLst>
+                  <a:ext uri="{FF2B5EF4-FFF2-40B4-BE49-F238E27FC236}">
+                    <a16:creationId xmlns:a16="http://schemas.microsoft.com/office/drawing/2014/main" id="{C24006BE-D43B-D108-B15B-FE6A351173D0}"/>
+                  </a:ext>
+                </a:extLst>
+              </p:cNvPr>
+              <p:cNvSpPr txBox="1"/>
+              <p:nvPr/>
+            </p:nvSpPr>
+            <p:spPr>
+              <a:xfrm>
+                <a:off x="7827728" y="1151337"/>
+                <a:ext cx="497840" cy="261610"/>
+              </a:xfrm>
+              <a:prstGeom prst="rect">
+                <a:avLst/>
+              </a:prstGeom>
+              <a:noFill/>
+            </p:spPr>
+            <p:txBody>
+              <a:bodyPr wrap="square" rtlCol="0">
+                <a:spAutoFit/>
+              </a:bodyPr>
+              <a:lstStyle/>
+              <a:p>
+                <a:pPr/>
+                <a14:m>
+                  <m:oMathPara xmlns:m="http://schemas.openxmlformats.org/officeDocument/2006/math">
+                    <m:oMathParaPr>
+                      <m:jc m:val="centerGroup"/>
+                    </m:oMathParaPr>
+                    <m:oMath xmlns:m="http://schemas.openxmlformats.org/officeDocument/2006/math">
+                      <m:r>
+                        <a:rPr lang="fr-FR" sz="1050" b="0" i="1" smtClean="0">
+                          <a:latin typeface="Cambria Math" panose="02040503050406030204" pitchFamily="18" charset="0"/>
+                        </a:rPr>
+                        <m:t>𝐼</m:t>
+                      </m:r>
+                    </m:oMath>
+                  </m:oMathPara>
+                </a14:m>
+                <a:endParaRPr lang="fr-FR" sz="1050" dirty="0"/>
+              </a:p>
+            </p:txBody>
+          </p:sp>
+        </mc:Choice>
+        <mc:Fallback>
+          <p:sp>
+            <p:nvSpPr>
+              <p:cNvPr id="177" name="ZoneTexte 176">
+                <a:extLst>
+                  <a:ext uri="{FF2B5EF4-FFF2-40B4-BE49-F238E27FC236}">
+                    <a16:creationId xmlns:a16="http://schemas.microsoft.com/office/drawing/2014/main" id="{C24006BE-D43B-D108-B15B-FE6A351173D0}"/>
+                  </a:ext>
+                </a:extLst>
+              </p:cNvPr>
+              <p:cNvSpPr txBox="1">
+                <a:spLocks noRot="1" noChangeAspect="1" noMove="1" noResize="1" noEditPoints="1" noAdjustHandles="1" noChangeArrowheads="1" noChangeShapeType="1" noTextEdit="1"/>
+              </p:cNvSpPr>
+              <p:nvPr/>
+            </p:nvSpPr>
+            <p:spPr>
+              <a:xfrm>
+                <a:off x="7827728" y="1151337"/>
+                <a:ext cx="497840" cy="261610"/>
+              </a:xfrm>
+              <a:prstGeom prst="rect">
+                <a:avLst/>
+              </a:prstGeom>
+              <a:blipFill>
+                <a:blip r:embed="rId11"/>
+                <a:stretch>
+                  <a:fillRect/>
+                </a:stretch>
+              </a:blipFill>
+            </p:spPr>
+            <p:txBody>
+              <a:bodyPr/>
+              <a:lstStyle/>
+              <a:p>
+                <a:r>
+                  <a:rPr lang="fr-FR">
+                    <a:noFill/>
+                  </a:rPr>
+                  <a:t> </a:t>
+                </a:r>
+              </a:p>
+            </p:txBody>
+          </p:sp>
+        </mc:Fallback>
+      </mc:AlternateContent>
+      <mc:AlternateContent xmlns:mc="http://schemas.openxmlformats.org/markup-compatibility/2006">
+        <mc:Choice xmlns:a14="http://schemas.microsoft.com/office/drawing/2010/main" Requires="a14">
+          <p:sp>
+            <p:nvSpPr>
+              <p:cNvPr id="197" name="ZoneTexte 196">
+                <a:extLst>
+                  <a:ext uri="{FF2B5EF4-FFF2-40B4-BE49-F238E27FC236}">
+                    <a16:creationId xmlns:a16="http://schemas.microsoft.com/office/drawing/2014/main" id="{1F97C0C8-126F-E046-241E-A8263637F27E}"/>
+                  </a:ext>
+                </a:extLst>
+              </p:cNvPr>
+              <p:cNvSpPr txBox="1"/>
+              <p:nvPr/>
+            </p:nvSpPr>
+            <p:spPr>
+              <a:xfrm>
+                <a:off x="8283530" y="3419759"/>
+                <a:ext cx="497840" cy="261610"/>
+              </a:xfrm>
+              <a:prstGeom prst="rect">
+                <a:avLst/>
+              </a:prstGeom>
+              <a:noFill/>
+            </p:spPr>
+            <p:txBody>
+              <a:bodyPr wrap="square" rtlCol="0">
+                <a:spAutoFit/>
+              </a:bodyPr>
+              <a:lstStyle/>
+              <a:p>
+                <a:pPr/>
+                <a14:m>
+                  <m:oMathPara xmlns:m="http://schemas.openxmlformats.org/officeDocument/2006/math">
+                    <m:oMathParaPr>
+                      <m:jc m:val="centerGroup"/>
+                    </m:oMathParaPr>
+                    <m:oMath xmlns:m="http://schemas.openxmlformats.org/officeDocument/2006/math">
+                      <m:acc>
+                        <m:accPr>
+                          <m:chr m:val="⃗"/>
+                          <m:ctrlPr>
+                            <a:rPr lang="fr-FR" sz="1050" i="1" smtClean="0">
+                              <a:latin typeface="Cambria Math" panose="02040503050406030204" pitchFamily="18" charset="0"/>
+                            </a:rPr>
+                          </m:ctrlPr>
+                        </m:accPr>
+                        <m:e>
+                          <m:sSub>
+                            <m:sSubPr>
+                              <m:ctrlPr>
+                                <a:rPr lang="fr-FR" sz="1050" b="0" i="1" smtClean="0">
+                                  <a:latin typeface="Cambria Math" panose="02040503050406030204" pitchFamily="18" charset="0"/>
+                                </a:rPr>
+                              </m:ctrlPr>
+                            </m:sSubPr>
+                            <m:e>
+                              <m:r>
+                                <a:rPr lang="fr-FR" sz="1050" b="0" i="1" smtClean="0">
+                                  <a:latin typeface="Cambria Math" panose="02040503050406030204" pitchFamily="18" charset="0"/>
+                                </a:rPr>
+                                <m:t>𝑥</m:t>
+                              </m:r>
+                            </m:e>
+                            <m:sub>
+                              <m:r>
+                                <a:rPr lang="fr-FR" sz="1050" b="0" i="1" smtClean="0">
+                                  <a:latin typeface="Cambria Math" panose="02040503050406030204" pitchFamily="18" charset="0"/>
+                                </a:rPr>
+                                <m:t>4</m:t>
+                              </m:r>
+                            </m:sub>
+                          </m:sSub>
+                        </m:e>
+                      </m:acc>
+                    </m:oMath>
+                  </m:oMathPara>
+                </a14:m>
+                <a:endParaRPr lang="fr-FR" sz="1050" dirty="0"/>
+              </a:p>
+            </p:txBody>
+          </p:sp>
+        </mc:Choice>
+        <mc:Fallback>
+          <p:sp>
+            <p:nvSpPr>
+              <p:cNvPr id="197" name="ZoneTexte 196">
+                <a:extLst>
+                  <a:ext uri="{FF2B5EF4-FFF2-40B4-BE49-F238E27FC236}">
+                    <a16:creationId xmlns:a16="http://schemas.microsoft.com/office/drawing/2014/main" id="{1F97C0C8-126F-E046-241E-A8263637F27E}"/>
+                  </a:ext>
+                </a:extLst>
+              </p:cNvPr>
+              <p:cNvSpPr txBox="1">
+                <a:spLocks noRot="1" noChangeAspect="1" noMove="1" noResize="1" noEditPoints="1" noAdjustHandles="1" noChangeArrowheads="1" noChangeShapeType="1" noTextEdit="1"/>
+              </p:cNvSpPr>
+              <p:nvPr/>
+            </p:nvSpPr>
+            <p:spPr>
+              <a:xfrm>
+                <a:off x="8283530" y="3419759"/>
+                <a:ext cx="497840" cy="261610"/>
+              </a:xfrm>
+              <a:prstGeom prst="rect">
+                <a:avLst/>
+              </a:prstGeom>
+              <a:blipFill>
+                <a:blip r:embed="rId12"/>
+                <a:stretch>
+                  <a:fillRect/>
+                </a:stretch>
+              </a:blipFill>
+            </p:spPr>
+            <p:txBody>
+              <a:bodyPr/>
+              <a:lstStyle/>
+              <a:p>
+                <a:r>
+                  <a:rPr lang="fr-FR">
+                    <a:noFill/>
+                  </a:rPr>
+                  <a:t> </a:t>
+                </a:r>
+              </a:p>
+            </p:txBody>
+          </p:sp>
+        </mc:Fallback>
+      </mc:AlternateContent>
+      <p:cxnSp>
+        <p:nvCxnSpPr>
+          <p:cNvPr id="208" name="Connecteur droit 207">
+            <a:extLst>
+              <a:ext uri="{FF2B5EF4-FFF2-40B4-BE49-F238E27FC236}">
+                <a16:creationId xmlns:a16="http://schemas.microsoft.com/office/drawing/2014/main" id="{87584C77-AA54-7831-ACF6-528ABCC30E06}"/>
+              </a:ext>
+            </a:extLst>
+          </p:cNvPr>
+          <p:cNvCxnSpPr>
+            <a:cxnSpLocks/>
+          </p:cNvCxnSpPr>
+          <p:nvPr/>
+        </p:nvCxnSpPr>
+        <p:spPr>
+          <a:xfrm>
+            <a:off x="8979908" y="1231899"/>
+            <a:ext cx="0" cy="111236"/>
+          </a:xfrm>
+          <a:prstGeom prst="line">
+            <a:avLst/>
+          </a:prstGeom>
+          <a:noFill/>
+          <a:ln w="12700">
+            <a:solidFill>
+              <a:schemeClr val="tx1"/>
+            </a:solidFill>
+          </a:ln>
+        </p:spPr>
+        <p:style>
+          <a:lnRef idx="2">
+            <a:schemeClr val="accent1">
+              <a:shade val="50000"/>
+            </a:schemeClr>
+          </a:lnRef>
+          <a:fillRef idx="1">
+            <a:schemeClr val="accent1"/>
+          </a:fillRef>
+          <a:effectRef idx="0">
+            <a:schemeClr val="accent1"/>
+          </a:effectRef>
+          <a:fontRef idx="minor">
+            <a:schemeClr val="lt1"/>
+          </a:fontRef>
+        </p:style>
+      </p:cxnSp>
+      <p:cxnSp>
+        <p:nvCxnSpPr>
+          <p:cNvPr id="211" name="Connecteur droit 210">
+            <a:extLst>
+              <a:ext uri="{FF2B5EF4-FFF2-40B4-BE49-F238E27FC236}">
+                <a16:creationId xmlns:a16="http://schemas.microsoft.com/office/drawing/2014/main" id="{572F738E-0DB4-1D82-AFE4-0C5D138F483F}"/>
+              </a:ext>
+            </a:extLst>
+          </p:cNvPr>
+          <p:cNvCxnSpPr>
+            <a:cxnSpLocks/>
+          </p:cNvCxnSpPr>
+          <p:nvPr/>
+        </p:nvCxnSpPr>
+        <p:spPr>
+          <a:xfrm flipH="1">
+            <a:off x="8904946" y="1282791"/>
+            <a:ext cx="153634" cy="0"/>
+          </a:xfrm>
+          <a:prstGeom prst="line">
+            <a:avLst/>
+          </a:prstGeom>
+          <a:noFill/>
+          <a:ln w="12700">
+            <a:solidFill>
+              <a:schemeClr val="tx1"/>
+            </a:solidFill>
+          </a:ln>
+        </p:spPr>
+        <p:style>
+          <a:lnRef idx="2">
+            <a:schemeClr val="accent1">
+              <a:shade val="50000"/>
+            </a:schemeClr>
+          </a:lnRef>
+          <a:fillRef idx="1">
+            <a:schemeClr val="accent1"/>
+          </a:fillRef>
+          <a:effectRef idx="0">
+            <a:schemeClr val="accent1"/>
+          </a:effectRef>
+          <a:fontRef idx="minor">
+            <a:schemeClr val="lt1"/>
+          </a:fontRef>
+        </p:style>
+      </p:cxnSp>
+      <mc:AlternateContent xmlns:mc="http://schemas.openxmlformats.org/markup-compatibility/2006">
+        <mc:Choice xmlns:a14="http://schemas.microsoft.com/office/drawing/2010/main" Requires="a14">
+          <p:sp>
+            <p:nvSpPr>
+              <p:cNvPr id="215" name="ZoneTexte 214">
+                <a:extLst>
+                  <a:ext uri="{FF2B5EF4-FFF2-40B4-BE49-F238E27FC236}">
+                    <a16:creationId xmlns:a16="http://schemas.microsoft.com/office/drawing/2014/main" id="{9A5664FD-DAFC-0FF0-541D-E0F3596BA771}"/>
+                  </a:ext>
+                </a:extLst>
+              </p:cNvPr>
+              <p:cNvSpPr txBox="1"/>
+              <p:nvPr/>
+            </p:nvSpPr>
+            <p:spPr>
+              <a:xfrm>
+                <a:off x="8730988" y="1288510"/>
+                <a:ext cx="497840" cy="261610"/>
+              </a:xfrm>
+              <a:prstGeom prst="rect">
+                <a:avLst/>
+              </a:prstGeom>
+              <a:noFill/>
+            </p:spPr>
+            <p:txBody>
+              <a:bodyPr wrap="square" rtlCol="0">
+                <a:spAutoFit/>
+              </a:bodyPr>
+              <a:lstStyle/>
+              <a:p>
+                <a:pPr/>
+                <a14:m>
+                  <m:oMathPara xmlns:m="http://schemas.openxmlformats.org/officeDocument/2006/math">
+                    <m:oMathParaPr>
+                      <m:jc m:val="centerGroup"/>
+                    </m:oMathParaPr>
+                    <m:oMath xmlns:m="http://schemas.openxmlformats.org/officeDocument/2006/math">
+                      <m:r>
+                        <a:rPr lang="fr-FR" sz="1050" b="0" i="1" smtClean="0">
+                          <a:latin typeface="Cambria Math" panose="02040503050406030204" pitchFamily="18" charset="0"/>
+                        </a:rPr>
+                        <m:t>𝑂</m:t>
+                      </m:r>
+                    </m:oMath>
+                  </m:oMathPara>
+                </a14:m>
+                <a:endParaRPr lang="fr-FR" sz="1050" dirty="0"/>
+              </a:p>
+            </p:txBody>
+          </p:sp>
+        </mc:Choice>
+        <mc:Fallback>
+          <p:sp>
+            <p:nvSpPr>
+              <p:cNvPr id="215" name="ZoneTexte 214">
+                <a:extLst>
+                  <a:ext uri="{FF2B5EF4-FFF2-40B4-BE49-F238E27FC236}">
+                    <a16:creationId xmlns:a16="http://schemas.microsoft.com/office/drawing/2014/main" id="{9A5664FD-DAFC-0FF0-541D-E0F3596BA771}"/>
+                  </a:ext>
+                </a:extLst>
+              </p:cNvPr>
+              <p:cNvSpPr txBox="1">
+                <a:spLocks noRot="1" noChangeAspect="1" noMove="1" noResize="1" noEditPoints="1" noAdjustHandles="1" noChangeArrowheads="1" noChangeShapeType="1" noTextEdit="1"/>
+              </p:cNvSpPr>
+              <p:nvPr/>
+            </p:nvSpPr>
+            <p:spPr>
+              <a:xfrm>
+                <a:off x="8730988" y="1288510"/>
+                <a:ext cx="497840" cy="261610"/>
+              </a:xfrm>
+              <a:prstGeom prst="rect">
+                <a:avLst/>
+              </a:prstGeom>
+              <a:blipFill>
+                <a:blip r:embed="rId13"/>
+                <a:stretch>
+                  <a:fillRect/>
+                </a:stretch>
+              </a:blipFill>
+            </p:spPr>
+            <p:txBody>
+              <a:bodyPr/>
+              <a:lstStyle/>
+              <a:p>
+                <a:r>
+                  <a:rPr lang="fr-FR">
+                    <a:noFill/>
+                  </a:rPr>
+                  <a:t> </a:t>
+                </a:r>
+              </a:p>
+            </p:txBody>
+          </p:sp>
+        </mc:Fallback>
+      </mc:AlternateContent>
+      <mc:AlternateContent xmlns:mc="http://schemas.openxmlformats.org/markup-compatibility/2006">
+        <mc:Choice xmlns:a14="http://schemas.microsoft.com/office/drawing/2010/main" Requires="a14">
+          <p:sp>
+            <p:nvSpPr>
+              <p:cNvPr id="89" name="ZoneTexte 88">
+                <a:extLst>
+                  <a:ext uri="{FF2B5EF4-FFF2-40B4-BE49-F238E27FC236}">
+                    <a16:creationId xmlns:a16="http://schemas.microsoft.com/office/drawing/2014/main" id="{D09E6F51-A935-DBDF-9B9B-EDB0590E47BA}"/>
+                  </a:ext>
+                </a:extLst>
+              </p:cNvPr>
+              <p:cNvSpPr txBox="1"/>
+              <p:nvPr/>
+            </p:nvSpPr>
+            <p:spPr>
+              <a:xfrm>
+                <a:off x="8979908" y="1290144"/>
+                <a:ext cx="714267" cy="261610"/>
+              </a:xfrm>
+              <a:prstGeom prst="rect">
+                <a:avLst/>
+              </a:prstGeom>
+              <a:noFill/>
+            </p:spPr>
+            <p:txBody>
+              <a:bodyPr wrap="square" rtlCol="0">
+                <a:spAutoFit/>
+              </a:bodyPr>
+              <a:lstStyle/>
+              <a:p>
+                <a:pPr/>
+                <a14:m>
+                  <m:oMathPara xmlns:m="http://schemas.openxmlformats.org/officeDocument/2006/math">
+                    <m:oMathParaPr>
+                      <m:jc m:val="centerGroup"/>
+                    </m:oMathParaPr>
+                    <m:oMath xmlns:m="http://schemas.openxmlformats.org/officeDocument/2006/math">
+                      <m:r>
+                        <a:rPr lang="fr-FR" sz="1050" b="0" i="1" smtClean="0">
+                          <a:latin typeface="Cambria Math" panose="02040503050406030204" pitchFamily="18" charset="0"/>
+                        </a:rPr>
+                        <m:t>𝑎</m:t>
+                      </m:r>
+                    </m:oMath>
+                  </m:oMathPara>
+                </a14:m>
+                <a:endParaRPr lang="fr-FR" sz="1050" dirty="0"/>
+              </a:p>
+            </p:txBody>
+          </p:sp>
+        </mc:Choice>
+        <mc:Fallback>
+          <p:sp>
+            <p:nvSpPr>
+              <p:cNvPr id="89" name="ZoneTexte 88">
+                <a:extLst>
+                  <a:ext uri="{FF2B5EF4-FFF2-40B4-BE49-F238E27FC236}">
+                    <a16:creationId xmlns:a16="http://schemas.microsoft.com/office/drawing/2014/main" id="{D09E6F51-A935-DBDF-9B9B-EDB0590E47BA}"/>
+                  </a:ext>
+                </a:extLst>
+              </p:cNvPr>
+              <p:cNvSpPr txBox="1">
+                <a:spLocks noRot="1" noChangeAspect="1" noMove="1" noResize="1" noEditPoints="1" noAdjustHandles="1" noChangeArrowheads="1" noChangeShapeType="1" noTextEdit="1"/>
+              </p:cNvSpPr>
+              <p:nvPr/>
+            </p:nvSpPr>
+            <p:spPr>
+              <a:xfrm>
+                <a:off x="8979908" y="1290144"/>
+                <a:ext cx="714267" cy="261610"/>
+              </a:xfrm>
+              <a:prstGeom prst="rect">
+                <a:avLst/>
+              </a:prstGeom>
+              <a:blipFill>
+                <a:blip r:embed="rId14"/>
+                <a:stretch>
+                  <a:fillRect/>
+                </a:stretch>
+              </a:blipFill>
+            </p:spPr>
+            <p:txBody>
+              <a:bodyPr/>
+              <a:lstStyle/>
+              <a:p>
+                <a:r>
+                  <a:rPr lang="fr-FR">
+                    <a:noFill/>
+                  </a:rPr>
+                  <a:t> </a:t>
+                </a:r>
+              </a:p>
+            </p:txBody>
+          </p:sp>
+        </mc:Fallback>
+      </mc:AlternateContent>
+      <p:grpSp>
+        <p:nvGrpSpPr>
+          <p:cNvPr id="206" name="Groupe 205">
+            <a:extLst>
+              <a:ext uri="{FF2B5EF4-FFF2-40B4-BE49-F238E27FC236}">
+                <a16:creationId xmlns:a16="http://schemas.microsoft.com/office/drawing/2014/main" id="{EBCC8C4D-5319-958B-ADC4-B45D40D9338E}"/>
+              </a:ext>
+            </a:extLst>
+          </p:cNvPr>
+          <p:cNvGrpSpPr/>
+          <p:nvPr/>
+        </p:nvGrpSpPr>
+        <p:grpSpPr>
+          <a:xfrm>
+            <a:off x="3610108" y="993122"/>
+            <a:ext cx="2686124" cy="2757925"/>
+            <a:chOff x="9382098" y="3159805"/>
+            <a:chExt cx="2686124" cy="2757925"/>
+          </a:xfrm>
+        </p:grpSpPr>
+        <mc:AlternateContent xmlns:mc="http://schemas.openxmlformats.org/markup-compatibility/2006" xmlns:a14="http://schemas.microsoft.com/office/drawing/2010/main">
+          <mc:Choice Requires="a14">
+            <p:sp>
+              <p:nvSpPr>
+                <p:cNvPr id="179" name="ZoneTexte 178">
+                  <a:extLst>
+                    <a:ext uri="{FF2B5EF4-FFF2-40B4-BE49-F238E27FC236}">
+                      <a16:creationId xmlns:a16="http://schemas.microsoft.com/office/drawing/2014/main" id="{8FF02B03-8D4B-5B6B-6723-99E4E7679730}"/>
+                    </a:ext>
+                  </a:extLst>
+                </p:cNvPr>
+                <p:cNvSpPr txBox="1"/>
+                <p:nvPr/>
+              </p:nvSpPr>
+              <p:spPr>
+                <a:xfrm>
+                  <a:off x="11381823" y="3912185"/>
+                  <a:ext cx="497840" cy="261610"/>
+                </a:xfrm>
+                <a:prstGeom prst="rect">
+                  <a:avLst/>
+                </a:prstGeom>
+                <a:noFill/>
+              </p:spPr>
+              <p:txBody>
+                <a:bodyPr wrap="square" rtlCol="0">
+                  <a:spAutoFit/>
+                </a:bodyPr>
+                <a:lstStyle/>
+                <a:p>
+                  <a:pPr/>
+                  <a14:m>
+                    <m:oMathPara xmlns:m="http://schemas.openxmlformats.org/officeDocument/2006/math">
+                      <m:oMathParaPr>
+                        <m:jc m:val="centerGroup"/>
+                      </m:oMathParaPr>
+                      <m:oMath xmlns:m="http://schemas.openxmlformats.org/officeDocument/2006/math">
+                        <m:acc>
+                          <m:accPr>
+                            <m:chr m:val="⃗"/>
+                            <m:ctrlPr>
+                              <a:rPr lang="fr-FR" sz="1050" i="1" smtClean="0">
+                                <a:latin typeface="Cambria Math" panose="02040503050406030204" pitchFamily="18" charset="0"/>
+                              </a:rPr>
+                            </m:ctrlPr>
+                          </m:accPr>
+                          <m:e>
+                            <m:sSub>
+                              <m:sSubPr>
+                                <m:ctrlPr>
+                                  <a:rPr lang="fr-FR" sz="1050" b="0" i="1" smtClean="0">
+                                    <a:latin typeface="Cambria Math" panose="02040503050406030204" pitchFamily="18" charset="0"/>
+                                  </a:rPr>
+                                </m:ctrlPr>
+                              </m:sSubPr>
+                              <m:e>
+                                <m:r>
+                                  <a:rPr lang="fr-FR" sz="1050" b="0" i="1" smtClean="0">
+                                    <a:latin typeface="Cambria Math" panose="02040503050406030204" pitchFamily="18" charset="0"/>
+                                  </a:rPr>
+                                  <m:t>𝑥</m:t>
+                                </m:r>
+                              </m:e>
+                              <m:sub>
+                                <m:r>
+                                  <a:rPr lang="fr-FR" sz="1050" b="0" i="1" smtClean="0">
+                                    <a:latin typeface="Cambria Math" panose="02040503050406030204" pitchFamily="18" charset="0"/>
+                                  </a:rPr>
+                                  <m:t>4</m:t>
+                                </m:r>
+                              </m:sub>
+                            </m:sSub>
+                          </m:e>
+                        </m:acc>
+                      </m:oMath>
+                    </m:oMathPara>
+                  </a14:m>
+                  <a:endParaRPr lang="fr-FR" sz="1050" dirty="0"/>
+                </a:p>
+              </p:txBody>
+            </p:sp>
+          </mc:Choice>
+          <mc:Fallback xmlns="">
+            <p:sp>
+              <p:nvSpPr>
+                <p:cNvPr id="179" name="ZoneTexte 178">
+                  <a:extLst>
+                    <a:ext uri="{FF2B5EF4-FFF2-40B4-BE49-F238E27FC236}">
+                      <a16:creationId xmlns:a16="http://schemas.microsoft.com/office/drawing/2014/main" id="{8FF02B03-8D4B-5B6B-6723-99E4E7679730}"/>
+                    </a:ext>
+                  </a:extLst>
+                </p:cNvPr>
+                <p:cNvSpPr txBox="1">
+                  <a:spLocks noRot="1" noChangeAspect="1" noMove="1" noResize="1" noEditPoints="1" noAdjustHandles="1" noChangeArrowheads="1" noChangeShapeType="1" noTextEdit="1"/>
+                </p:cNvSpPr>
+                <p:nvPr/>
+              </p:nvSpPr>
+              <p:spPr>
+                <a:xfrm>
+                  <a:off x="11381823" y="3912185"/>
+                  <a:ext cx="497840" cy="261610"/>
+                </a:xfrm>
+                <a:prstGeom prst="rect">
+                  <a:avLst/>
+                </a:prstGeom>
+                <a:blipFill>
+                  <a:blip r:embed="rId15"/>
+                  <a:stretch>
+                    <a:fillRect/>
+                  </a:stretch>
+                </a:blipFill>
+              </p:spPr>
+              <p:txBody>
+                <a:bodyPr/>
+                <a:lstStyle/>
+                <a:p>
+                  <a:r>
+                    <a:rPr lang="fr-FR">
+                      <a:noFill/>
+                    </a:rPr>
+                    <a:t> </a:t>
+                  </a:r>
+                </a:p>
+              </p:txBody>
+            </p:sp>
+          </mc:Fallback>
+        </mc:AlternateContent>
+        <p:grpSp>
+          <p:nvGrpSpPr>
+            <p:cNvPr id="186" name="Groupe 185">
+              <a:extLst>
+                <a:ext uri="{FF2B5EF4-FFF2-40B4-BE49-F238E27FC236}">
+                  <a16:creationId xmlns:a16="http://schemas.microsoft.com/office/drawing/2014/main" id="{24486CCB-2461-3147-43AA-3BFF5CF8CC4A}"/>
+                </a:ext>
+              </a:extLst>
+            </p:cNvPr>
+            <p:cNvGrpSpPr/>
+            <p:nvPr/>
+          </p:nvGrpSpPr>
+          <p:grpSpPr>
+            <a:xfrm>
+              <a:off x="10411766" y="3424450"/>
+              <a:ext cx="1440000" cy="1440000"/>
+              <a:chOff x="9634302" y="3371921"/>
+              <a:chExt cx="1440000" cy="1440000"/>
+            </a:xfrm>
+          </p:grpSpPr>
+          <p:cxnSp>
+            <p:nvCxnSpPr>
+              <p:cNvPr id="183" name="Connecteur droit 182">
+                <a:extLst>
+                  <a:ext uri="{FF2B5EF4-FFF2-40B4-BE49-F238E27FC236}">
+                    <a16:creationId xmlns:a16="http://schemas.microsoft.com/office/drawing/2014/main" id="{EF8918F9-1124-CE76-64B8-2B599CA352A8}"/>
+                  </a:ext>
+                </a:extLst>
+              </p:cNvPr>
+              <p:cNvCxnSpPr>
+                <a:cxnSpLocks/>
+              </p:cNvCxnSpPr>
+              <p:nvPr/>
+            </p:nvCxnSpPr>
+            <p:spPr>
+              <a:xfrm>
+                <a:off x="9634302" y="4811921"/>
+                <a:ext cx="1440000" cy="0"/>
+              </a:xfrm>
+              <a:prstGeom prst="line">
+                <a:avLst/>
+              </a:prstGeom>
+              <a:noFill/>
+              <a:ln w="12700">
+                <a:solidFill>
+                  <a:schemeClr val="tx1"/>
+                </a:solidFill>
+                <a:tailEnd type="stealth" w="med" len="lg"/>
+              </a:ln>
+            </p:spPr>
+            <p:style>
+              <a:lnRef idx="2">
+                <a:schemeClr val="accent1">
+                  <a:shade val="50000"/>
+                </a:schemeClr>
+              </a:lnRef>
+              <a:fillRef idx="1">
+                <a:schemeClr val="accent1"/>
+              </a:fillRef>
+              <a:effectRef idx="0">
+                <a:schemeClr val="accent1"/>
+              </a:effectRef>
+              <a:fontRef idx="minor">
+                <a:schemeClr val="lt1"/>
+              </a:fontRef>
+            </p:style>
+          </p:cxnSp>
+          <p:cxnSp>
+            <p:nvCxnSpPr>
+              <p:cNvPr id="185" name="Connecteur droit 184">
+                <a:extLst>
+                  <a:ext uri="{FF2B5EF4-FFF2-40B4-BE49-F238E27FC236}">
+                    <a16:creationId xmlns:a16="http://schemas.microsoft.com/office/drawing/2014/main" id="{F8D576AE-49CA-3BE3-2DDA-F0BBAEEF0C1E}"/>
+                  </a:ext>
+                </a:extLst>
+              </p:cNvPr>
+              <p:cNvCxnSpPr>
+                <a:cxnSpLocks/>
+              </p:cNvCxnSpPr>
+              <p:nvPr/>
+            </p:nvCxnSpPr>
+            <p:spPr>
+              <a:xfrm rot="16200000">
+                <a:off x="8919823" y="4091921"/>
+                <a:ext cx="1440000" cy="0"/>
+              </a:xfrm>
+              <a:prstGeom prst="line">
+                <a:avLst/>
+              </a:prstGeom>
+              <a:noFill/>
+              <a:ln w="12700">
+                <a:solidFill>
+                  <a:schemeClr val="tx1"/>
+                </a:solidFill>
+                <a:tailEnd type="stealth" w="med" len="lg"/>
+              </a:ln>
+            </p:spPr>
+            <p:style>
+              <a:lnRef idx="2">
+                <a:schemeClr val="accent1">
+                  <a:shade val="50000"/>
+                </a:schemeClr>
+              </a:lnRef>
+              <a:fillRef idx="1">
+                <a:schemeClr val="accent1"/>
+              </a:fillRef>
+              <a:effectRef idx="0">
+                <a:schemeClr val="accent1"/>
+              </a:effectRef>
+              <a:fontRef idx="minor">
+                <a:schemeClr val="lt1"/>
+              </a:fontRef>
+            </p:style>
+          </p:cxnSp>
+        </p:grpSp>
+        <p:grpSp>
+          <p:nvGrpSpPr>
+            <p:cNvPr id="187" name="Groupe 186">
+              <a:extLst>
+                <a:ext uri="{FF2B5EF4-FFF2-40B4-BE49-F238E27FC236}">
+                  <a16:creationId xmlns:a16="http://schemas.microsoft.com/office/drawing/2014/main" id="{D52610BF-5E19-310F-8567-418060A3BFD7}"/>
+                </a:ext>
+              </a:extLst>
+            </p:cNvPr>
+            <p:cNvGrpSpPr/>
+            <p:nvPr/>
+          </p:nvGrpSpPr>
+          <p:grpSpPr>
+            <a:xfrm rot="20700000">
+              <a:off x="10200298" y="3262230"/>
+              <a:ext cx="1440000" cy="1440411"/>
+              <a:chOff x="9634302" y="3371510"/>
+              <a:chExt cx="1440000" cy="1440411"/>
+            </a:xfrm>
+          </p:grpSpPr>
+          <p:cxnSp>
+            <p:nvCxnSpPr>
+              <p:cNvPr id="188" name="Connecteur droit 187">
+                <a:extLst>
+                  <a:ext uri="{FF2B5EF4-FFF2-40B4-BE49-F238E27FC236}">
+                    <a16:creationId xmlns:a16="http://schemas.microsoft.com/office/drawing/2014/main" id="{4182CC2B-B86D-B803-34C6-C2099A19BD4D}"/>
+                  </a:ext>
+                </a:extLst>
+              </p:cNvPr>
+              <p:cNvCxnSpPr>
+                <a:cxnSpLocks/>
+              </p:cNvCxnSpPr>
+              <p:nvPr/>
+            </p:nvCxnSpPr>
+            <p:spPr>
+              <a:xfrm>
+                <a:off x="9634302" y="4811921"/>
+                <a:ext cx="1440000" cy="0"/>
+              </a:xfrm>
+              <a:prstGeom prst="line">
+                <a:avLst/>
+              </a:prstGeom>
+              <a:noFill/>
+              <a:ln w="12700">
+                <a:solidFill>
+                  <a:srgbClr val="7030A0"/>
+                </a:solidFill>
+                <a:tailEnd type="stealth" w="med" len="lg"/>
+              </a:ln>
+            </p:spPr>
+            <p:style>
+              <a:lnRef idx="2">
+                <a:schemeClr val="accent1">
+                  <a:shade val="50000"/>
+                </a:schemeClr>
+              </a:lnRef>
+              <a:fillRef idx="1">
+                <a:schemeClr val="accent1"/>
+              </a:fillRef>
+              <a:effectRef idx="0">
+                <a:schemeClr val="accent1"/>
+              </a:effectRef>
+              <a:fontRef idx="minor">
+                <a:schemeClr val="lt1"/>
+              </a:fontRef>
+            </p:style>
+          </p:cxnSp>
+          <p:cxnSp>
+            <p:nvCxnSpPr>
+              <p:cNvPr id="189" name="Connecteur droit 188">
+                <a:extLst>
+                  <a:ext uri="{FF2B5EF4-FFF2-40B4-BE49-F238E27FC236}">
+                    <a16:creationId xmlns:a16="http://schemas.microsoft.com/office/drawing/2014/main" id="{AD56C8BB-DD49-FA47-122D-74D15FFC5DFB}"/>
+                  </a:ext>
+                </a:extLst>
+              </p:cNvPr>
+              <p:cNvCxnSpPr>
+                <a:cxnSpLocks/>
+              </p:cNvCxnSpPr>
+              <p:nvPr/>
+            </p:nvCxnSpPr>
+            <p:spPr>
+              <a:xfrm rot="16200000">
+                <a:off x="8921465" y="4091510"/>
+                <a:ext cx="1440000" cy="0"/>
+              </a:xfrm>
+              <a:prstGeom prst="line">
+                <a:avLst/>
+              </a:prstGeom>
+              <a:noFill/>
+              <a:ln w="12700">
+                <a:solidFill>
+                  <a:srgbClr val="7030A0"/>
+                </a:solidFill>
+                <a:tailEnd type="stealth" w="med" len="lg"/>
+              </a:ln>
+            </p:spPr>
+            <p:style>
+              <a:lnRef idx="2">
+                <a:schemeClr val="accent1">
+                  <a:shade val="50000"/>
+                </a:schemeClr>
+              </a:lnRef>
+              <a:fillRef idx="1">
+                <a:schemeClr val="accent1"/>
+              </a:fillRef>
+              <a:effectRef idx="0">
+                <a:schemeClr val="accent1"/>
+              </a:effectRef>
+              <a:fontRef idx="minor">
+                <a:schemeClr val="lt1"/>
+              </a:fontRef>
+            </p:style>
+          </p:cxnSp>
+        </p:grpSp>
+        <p:grpSp>
+          <p:nvGrpSpPr>
+            <p:cNvPr id="190" name="Groupe 189">
+              <a:extLst>
+                <a:ext uri="{FF2B5EF4-FFF2-40B4-BE49-F238E27FC236}">
+                  <a16:creationId xmlns:a16="http://schemas.microsoft.com/office/drawing/2014/main" id="{77390F7C-5544-72B1-E3C6-71F47184B741}"/>
+                </a:ext>
+              </a:extLst>
+            </p:cNvPr>
+            <p:cNvGrpSpPr/>
+            <p:nvPr/>
+          </p:nvGrpSpPr>
+          <p:grpSpPr>
+            <a:xfrm rot="19800000">
+              <a:off x="9957821" y="3159805"/>
+              <a:ext cx="1440000" cy="1440212"/>
+              <a:chOff x="9634302" y="3371709"/>
+              <a:chExt cx="1440000" cy="1440212"/>
+            </a:xfrm>
+          </p:grpSpPr>
+          <p:cxnSp>
+            <p:nvCxnSpPr>
+              <p:cNvPr id="191" name="Connecteur droit 190">
+                <a:extLst>
+                  <a:ext uri="{FF2B5EF4-FFF2-40B4-BE49-F238E27FC236}">
+                    <a16:creationId xmlns:a16="http://schemas.microsoft.com/office/drawing/2014/main" id="{99B3CC8C-67EB-35F3-ADFA-7FDD0D6A2146}"/>
+                  </a:ext>
+                </a:extLst>
+              </p:cNvPr>
+              <p:cNvCxnSpPr>
+                <a:cxnSpLocks/>
+              </p:cNvCxnSpPr>
+              <p:nvPr/>
+            </p:nvCxnSpPr>
+            <p:spPr>
+              <a:xfrm>
+                <a:off x="9634302" y="4811921"/>
+                <a:ext cx="1440000" cy="0"/>
+              </a:xfrm>
+              <a:prstGeom prst="line">
+                <a:avLst/>
+              </a:prstGeom>
+              <a:noFill/>
+              <a:ln w="12700">
+                <a:solidFill>
+                  <a:srgbClr val="00B050"/>
+                </a:solidFill>
+                <a:tailEnd type="stealth" w="med" len="lg"/>
+              </a:ln>
+            </p:spPr>
+            <p:style>
+              <a:lnRef idx="2">
+                <a:schemeClr val="accent1">
+                  <a:shade val="50000"/>
+                </a:schemeClr>
+              </a:lnRef>
+              <a:fillRef idx="1">
+                <a:schemeClr val="accent1"/>
+              </a:fillRef>
+              <a:effectRef idx="0">
+                <a:schemeClr val="accent1"/>
+              </a:effectRef>
+              <a:fontRef idx="minor">
+                <a:schemeClr val="lt1"/>
+              </a:fontRef>
+            </p:style>
+          </p:cxnSp>
+          <p:cxnSp>
+            <p:nvCxnSpPr>
+              <p:cNvPr id="192" name="Connecteur droit 191">
+                <a:extLst>
+                  <a:ext uri="{FF2B5EF4-FFF2-40B4-BE49-F238E27FC236}">
+                    <a16:creationId xmlns:a16="http://schemas.microsoft.com/office/drawing/2014/main" id="{79B34917-C882-82EC-7760-12E6465A76AA}"/>
+                  </a:ext>
+                </a:extLst>
+              </p:cNvPr>
+              <p:cNvCxnSpPr>
+                <a:cxnSpLocks/>
+              </p:cNvCxnSpPr>
+              <p:nvPr/>
+            </p:nvCxnSpPr>
+            <p:spPr>
+              <a:xfrm rot="16200000">
+                <a:off x="8919454" y="4091709"/>
+                <a:ext cx="1440000" cy="0"/>
+              </a:xfrm>
+              <a:prstGeom prst="line">
+                <a:avLst/>
+              </a:prstGeom>
+              <a:noFill/>
+              <a:ln w="12700">
+                <a:solidFill>
+                  <a:srgbClr val="00B050"/>
+                </a:solidFill>
+                <a:tailEnd type="stealth" w="med" len="lg"/>
+              </a:ln>
+            </p:spPr>
+            <p:style>
+              <a:lnRef idx="2">
+                <a:schemeClr val="accent1">
+                  <a:shade val="50000"/>
+                </a:schemeClr>
+              </a:lnRef>
+              <a:fillRef idx="1">
+                <a:schemeClr val="accent1"/>
+              </a:fillRef>
+              <a:effectRef idx="0">
+                <a:schemeClr val="accent1"/>
+              </a:effectRef>
+              <a:fontRef idx="minor">
+                <a:schemeClr val="lt1"/>
+              </a:fontRef>
+            </p:style>
+          </p:cxnSp>
+        </p:grpSp>
+        <p:sp>
+          <p:nvSpPr>
+            <p:cNvPr id="193" name="Ellipse 192">
+              <a:extLst>
+                <a:ext uri="{FF2B5EF4-FFF2-40B4-BE49-F238E27FC236}">
+                  <a16:creationId xmlns:a16="http://schemas.microsoft.com/office/drawing/2014/main" id="{085DF378-1AA7-BBDE-5B62-10365C045934}"/>
+                </a:ext>
+              </a:extLst>
+            </p:cNvPr>
+            <p:cNvSpPr/>
+            <p:nvPr/>
+          </p:nvSpPr>
+          <p:spPr>
+            <a:xfrm>
+              <a:off x="10364370" y="4815203"/>
+              <a:ext cx="108000" cy="108000"/>
+            </a:xfrm>
+            <a:prstGeom prst="ellipse">
+              <a:avLst/>
+            </a:prstGeom>
+            <a:solidFill>
+              <a:schemeClr val="bg1"/>
+            </a:solidFill>
+            <a:ln w="12700">
+              <a:solidFill>
+                <a:schemeClr val="tx1"/>
+              </a:solidFill>
+            </a:ln>
+          </p:spPr>
+          <p:style>
+            <a:lnRef idx="2">
+              <a:schemeClr val="accent1">
+                <a:shade val="50000"/>
+              </a:schemeClr>
+            </a:lnRef>
+            <a:fillRef idx="1">
+              <a:schemeClr val="accent1"/>
+            </a:fillRef>
+            <a:effectRef idx="0">
+              <a:schemeClr val="accent1"/>
+            </a:effectRef>
+            <a:fontRef idx="minor">
+              <a:schemeClr val="lt1"/>
+            </a:fontRef>
+          </p:style>
+          <p:txBody>
+            <a:bodyPr rtlCol="0" anchor="ctr"/>
+            <a:lstStyle/>
+            <a:p>
+              <a:pPr algn="ctr"/>
+              <a:endParaRPr lang="fr-FR" dirty="0"/>
+            </a:p>
+          </p:txBody>
+        </p:sp>
+        <p:sp>
+          <p:nvSpPr>
+            <p:cNvPr id="194" name="Ellipse 193">
+              <a:extLst>
+                <a:ext uri="{FF2B5EF4-FFF2-40B4-BE49-F238E27FC236}">
+                  <a16:creationId xmlns:a16="http://schemas.microsoft.com/office/drawing/2014/main" id="{61D847B8-7724-F40F-C228-CA70F9235941}"/>
+                </a:ext>
+              </a:extLst>
+            </p:cNvPr>
+            <p:cNvSpPr/>
+            <p:nvPr/>
+          </p:nvSpPr>
+          <p:spPr>
+            <a:xfrm>
+              <a:off x="10395510" y="4844438"/>
+              <a:ext cx="45720" cy="45720"/>
+            </a:xfrm>
+            <a:prstGeom prst="ellipse">
+              <a:avLst/>
+            </a:prstGeom>
+            <a:solidFill>
+              <a:schemeClr val="tx1"/>
+            </a:solidFill>
+            <a:ln w="12700">
+              <a:solidFill>
+                <a:schemeClr val="tx1"/>
+              </a:solidFill>
+            </a:ln>
+          </p:spPr>
+          <p:style>
+            <a:lnRef idx="2">
+              <a:schemeClr val="accent1">
+                <a:shade val="50000"/>
+              </a:schemeClr>
+            </a:lnRef>
+            <a:fillRef idx="1">
+              <a:schemeClr val="accent1"/>
+            </a:fillRef>
+            <a:effectRef idx="0">
+              <a:schemeClr val="accent1"/>
+            </a:effectRef>
+            <a:fontRef idx="minor">
+              <a:schemeClr val="lt1"/>
+            </a:fontRef>
+          </p:style>
+          <p:txBody>
+            <a:bodyPr rtlCol="0" anchor="ctr"/>
+            <a:lstStyle/>
+            <a:p>
+              <a:pPr algn="ctr"/>
+              <a:endParaRPr lang="fr-FR" dirty="0"/>
+            </a:p>
+          </p:txBody>
+        </p:sp>
+        <mc:AlternateContent xmlns:mc="http://schemas.openxmlformats.org/markup-compatibility/2006" xmlns:a14="http://schemas.microsoft.com/office/drawing/2010/main">
+          <mc:Choice Requires="a14">
+            <p:sp>
+              <p:nvSpPr>
+                <p:cNvPr id="195" name="ZoneTexte 194">
+                  <a:extLst>
+                    <a:ext uri="{FF2B5EF4-FFF2-40B4-BE49-F238E27FC236}">
+                      <a16:creationId xmlns:a16="http://schemas.microsoft.com/office/drawing/2014/main" id="{8B08EE55-0F77-BFE7-916F-C77143416EBE}"/>
+                    </a:ext>
+                  </a:extLst>
+                </p:cNvPr>
+                <p:cNvSpPr txBox="1"/>
+                <p:nvPr/>
+              </p:nvSpPr>
+              <p:spPr>
+                <a:xfrm>
+                  <a:off x="11532561" y="4256459"/>
+                  <a:ext cx="497840" cy="261610"/>
+                </a:xfrm>
+                <a:prstGeom prst="rect">
+                  <a:avLst/>
+                </a:prstGeom>
+                <a:noFill/>
+              </p:spPr>
+              <p:txBody>
+                <a:bodyPr wrap="square" rtlCol="0">
+                  <a:spAutoFit/>
+                </a:bodyPr>
+                <a:lstStyle/>
+                <a:p>
+                  <a:pPr/>
+                  <a14:m>
+                    <m:oMathPara xmlns:m="http://schemas.openxmlformats.org/officeDocument/2006/math">
+                      <m:oMathParaPr>
+                        <m:jc m:val="centerGroup"/>
+                      </m:oMathParaPr>
+                      <m:oMath xmlns:m="http://schemas.openxmlformats.org/officeDocument/2006/math">
+                        <m:acc>
+                          <m:accPr>
+                            <m:chr m:val="⃗"/>
+                            <m:ctrlPr>
+                              <a:rPr lang="fr-FR" sz="1050" i="1" smtClean="0">
+                                <a:latin typeface="Cambria Math" panose="02040503050406030204" pitchFamily="18" charset="0"/>
+                              </a:rPr>
+                            </m:ctrlPr>
+                          </m:accPr>
+                          <m:e>
+                            <m:sSub>
+                              <m:sSubPr>
+                                <m:ctrlPr>
+                                  <a:rPr lang="fr-FR" sz="1050" b="0" i="1" smtClean="0">
+                                    <a:latin typeface="Cambria Math" panose="02040503050406030204" pitchFamily="18" charset="0"/>
+                                  </a:rPr>
+                                </m:ctrlPr>
+                              </m:sSubPr>
+                              <m:e>
+                                <m:r>
+                                  <a:rPr lang="fr-FR" sz="1050" b="0" i="1" smtClean="0">
+                                    <a:latin typeface="Cambria Math" panose="02040503050406030204" pitchFamily="18" charset="0"/>
+                                  </a:rPr>
+                                  <m:t>𝑥</m:t>
+                                </m:r>
+                              </m:e>
+                              <m:sub>
+                                <m:r>
+                                  <a:rPr lang="fr-FR" sz="1050" b="0" i="1" smtClean="0">
+                                    <a:latin typeface="Cambria Math" panose="02040503050406030204" pitchFamily="18" charset="0"/>
+                                  </a:rPr>
+                                  <m:t>1</m:t>
+                                </m:r>
+                              </m:sub>
+                            </m:sSub>
+                          </m:e>
+                        </m:acc>
+                      </m:oMath>
+                    </m:oMathPara>
+                  </a14:m>
+                  <a:endParaRPr lang="fr-FR" sz="1050" dirty="0"/>
+                </a:p>
+              </p:txBody>
+            </p:sp>
+          </mc:Choice>
+          <mc:Fallback xmlns="">
+            <p:sp>
+              <p:nvSpPr>
+                <p:cNvPr id="195" name="ZoneTexte 194">
+                  <a:extLst>
+                    <a:ext uri="{FF2B5EF4-FFF2-40B4-BE49-F238E27FC236}">
+                      <a16:creationId xmlns:a16="http://schemas.microsoft.com/office/drawing/2014/main" id="{8B08EE55-0F77-BFE7-916F-C77143416EBE}"/>
+                    </a:ext>
+                  </a:extLst>
+                </p:cNvPr>
+                <p:cNvSpPr txBox="1">
+                  <a:spLocks noRot="1" noChangeAspect="1" noMove="1" noResize="1" noEditPoints="1" noAdjustHandles="1" noChangeArrowheads="1" noChangeShapeType="1" noTextEdit="1"/>
+                </p:cNvSpPr>
+                <p:nvPr/>
+              </p:nvSpPr>
+              <p:spPr>
+                <a:xfrm>
+                  <a:off x="11532561" y="4256459"/>
+                  <a:ext cx="497840" cy="261610"/>
+                </a:xfrm>
+                <a:prstGeom prst="rect">
+                  <a:avLst/>
+                </a:prstGeom>
+                <a:blipFill>
+                  <a:blip r:embed="rId16"/>
+                  <a:stretch>
+                    <a:fillRect/>
+                  </a:stretch>
+                </a:blipFill>
+              </p:spPr>
+              <p:txBody>
+                <a:bodyPr/>
+                <a:lstStyle/>
+                <a:p>
+                  <a:r>
+                    <a:rPr lang="fr-FR">
+                      <a:noFill/>
+                    </a:rPr>
+                    <a:t> </a:t>
+                  </a:r>
+                </a:p>
+              </p:txBody>
+            </p:sp>
+          </mc:Fallback>
+        </mc:AlternateContent>
+        <mc:AlternateContent xmlns:mc="http://schemas.openxmlformats.org/markup-compatibility/2006" xmlns:a14="http://schemas.microsoft.com/office/drawing/2010/main">
+          <mc:Choice Requires="a14">
+            <p:sp>
+              <p:nvSpPr>
+                <p:cNvPr id="196" name="ZoneTexte 195">
+                  <a:extLst>
+                    <a:ext uri="{FF2B5EF4-FFF2-40B4-BE49-F238E27FC236}">
+                      <a16:creationId xmlns:a16="http://schemas.microsoft.com/office/drawing/2014/main" id="{599A2D09-B693-98BE-CCAC-B103BBA600E3}"/>
+                    </a:ext>
+                  </a:extLst>
+                </p:cNvPr>
+                <p:cNvSpPr txBox="1"/>
+                <p:nvPr/>
+              </p:nvSpPr>
+              <p:spPr>
+                <a:xfrm>
+                  <a:off x="11570382" y="4605688"/>
+                  <a:ext cx="497840" cy="261610"/>
+                </a:xfrm>
+                <a:prstGeom prst="rect">
+                  <a:avLst/>
+                </a:prstGeom>
+                <a:noFill/>
+              </p:spPr>
+              <p:txBody>
+                <a:bodyPr wrap="square" rtlCol="0">
+                  <a:spAutoFit/>
+                </a:bodyPr>
+                <a:lstStyle/>
+                <a:p>
+                  <a:pPr/>
+                  <a14:m>
+                    <m:oMathPara xmlns:m="http://schemas.openxmlformats.org/officeDocument/2006/math">
+                      <m:oMathParaPr>
+                        <m:jc m:val="centerGroup"/>
+                      </m:oMathParaPr>
+                      <m:oMath xmlns:m="http://schemas.openxmlformats.org/officeDocument/2006/math">
+                        <m:acc>
+                          <m:accPr>
+                            <m:chr m:val="⃗"/>
+                            <m:ctrlPr>
+                              <a:rPr lang="fr-FR" sz="1050" i="1" smtClean="0">
+                                <a:latin typeface="Cambria Math" panose="02040503050406030204" pitchFamily="18" charset="0"/>
+                              </a:rPr>
+                            </m:ctrlPr>
+                          </m:accPr>
+                          <m:e>
+                            <m:sSub>
+                              <m:sSubPr>
+                                <m:ctrlPr>
+                                  <a:rPr lang="fr-FR" sz="1050" b="0" i="1" smtClean="0">
+                                    <a:latin typeface="Cambria Math" panose="02040503050406030204" pitchFamily="18" charset="0"/>
+                                  </a:rPr>
+                                </m:ctrlPr>
+                              </m:sSubPr>
+                              <m:e>
+                                <m:r>
+                                  <a:rPr lang="fr-FR" sz="1050" b="0" i="1" smtClean="0">
+                                    <a:latin typeface="Cambria Math" panose="02040503050406030204" pitchFamily="18" charset="0"/>
+                                  </a:rPr>
+                                  <m:t>𝑥</m:t>
+                                </m:r>
+                              </m:e>
+                              <m:sub>
+                                <m:r>
+                                  <a:rPr lang="fr-FR" sz="1050" b="0" i="1" smtClean="0">
+                                    <a:latin typeface="Cambria Math" panose="02040503050406030204" pitchFamily="18" charset="0"/>
+                                  </a:rPr>
+                                  <m:t>0</m:t>
+                                </m:r>
+                              </m:sub>
+                            </m:sSub>
+                          </m:e>
+                        </m:acc>
+                      </m:oMath>
+                    </m:oMathPara>
+                  </a14:m>
+                  <a:endParaRPr lang="fr-FR" sz="1050" dirty="0"/>
+                </a:p>
+              </p:txBody>
+            </p:sp>
+          </mc:Choice>
+          <mc:Fallback xmlns="">
+            <p:sp>
+              <p:nvSpPr>
+                <p:cNvPr id="196" name="ZoneTexte 195">
+                  <a:extLst>
+                    <a:ext uri="{FF2B5EF4-FFF2-40B4-BE49-F238E27FC236}">
+                      <a16:creationId xmlns:a16="http://schemas.microsoft.com/office/drawing/2014/main" id="{599A2D09-B693-98BE-CCAC-B103BBA600E3}"/>
+                    </a:ext>
+                  </a:extLst>
+                </p:cNvPr>
+                <p:cNvSpPr txBox="1">
+                  <a:spLocks noRot="1" noChangeAspect="1" noMove="1" noResize="1" noEditPoints="1" noAdjustHandles="1" noChangeArrowheads="1" noChangeShapeType="1" noTextEdit="1"/>
+                </p:cNvSpPr>
+                <p:nvPr/>
+              </p:nvSpPr>
+              <p:spPr>
+                <a:xfrm>
+                  <a:off x="11570382" y="4605688"/>
+                  <a:ext cx="497840" cy="261610"/>
+                </a:xfrm>
+                <a:prstGeom prst="rect">
+                  <a:avLst/>
+                </a:prstGeom>
+                <a:blipFill>
+                  <a:blip r:embed="rId17"/>
+                  <a:stretch>
+                    <a:fillRect/>
+                  </a:stretch>
+                </a:blipFill>
+              </p:spPr>
+              <p:txBody>
+                <a:bodyPr/>
+                <a:lstStyle/>
+                <a:p>
+                  <a:r>
+                    <a:rPr lang="fr-FR">
+                      <a:noFill/>
+                    </a:rPr>
+                    <a:t> </a:t>
+                  </a:r>
+                </a:p>
+              </p:txBody>
+            </p:sp>
+          </mc:Fallback>
+        </mc:AlternateContent>
+        <p:sp>
+          <p:nvSpPr>
+            <p:cNvPr id="198" name="Arc 197">
+              <a:extLst>
+                <a:ext uri="{FF2B5EF4-FFF2-40B4-BE49-F238E27FC236}">
+                  <a16:creationId xmlns:a16="http://schemas.microsoft.com/office/drawing/2014/main" id="{7C5332DF-21D0-72E9-76D3-67C77E89A871}"/>
+                </a:ext>
+              </a:extLst>
+            </p:cNvPr>
+            <p:cNvSpPr/>
+            <p:nvPr/>
+          </p:nvSpPr>
+          <p:spPr>
+            <a:xfrm>
+              <a:off x="9550402" y="3987739"/>
+              <a:ext cx="1759118" cy="1759118"/>
+            </a:xfrm>
+            <a:prstGeom prst="arc">
+              <a:avLst>
+                <a:gd name="adj1" fmla="val 20776055"/>
+                <a:gd name="adj2" fmla="val 21519610"/>
+              </a:avLst>
+            </a:prstGeom>
+            <a:ln w="12700">
+              <a:solidFill>
+                <a:srgbClr val="7030A0"/>
+              </a:solidFill>
+              <a:headEnd type="stealth" w="med" len="lg"/>
+            </a:ln>
+          </p:spPr>
+          <p:style>
+            <a:lnRef idx="1">
+              <a:schemeClr val="accent1"/>
+            </a:lnRef>
+            <a:fillRef idx="0">
+              <a:schemeClr val="accent1"/>
+            </a:fillRef>
+            <a:effectRef idx="0">
+              <a:schemeClr val="accent1"/>
+            </a:effectRef>
+            <a:fontRef idx="minor">
+              <a:schemeClr val="tx1"/>
+            </a:fontRef>
+          </p:style>
+          <p:txBody>
+            <a:bodyPr rtlCol="0" anchor="ctr"/>
+            <a:lstStyle/>
+            <a:p>
+              <a:pPr algn="ctr"/>
+              <a:endParaRPr lang="fr-FR"/>
+            </a:p>
+          </p:txBody>
+        </p:sp>
+        <p:sp>
+          <p:nvSpPr>
+            <p:cNvPr id="199" name="Arc 198">
+              <a:extLst>
+                <a:ext uri="{FF2B5EF4-FFF2-40B4-BE49-F238E27FC236}">
+                  <a16:creationId xmlns:a16="http://schemas.microsoft.com/office/drawing/2014/main" id="{A16E5C63-A6C6-EC69-ECFB-A6408003F0B8}"/>
+                </a:ext>
+              </a:extLst>
+            </p:cNvPr>
+            <p:cNvSpPr/>
+            <p:nvPr/>
+          </p:nvSpPr>
+          <p:spPr>
+            <a:xfrm>
+              <a:off x="9382098" y="3816866"/>
+              <a:ext cx="2100864" cy="2100864"/>
+            </a:xfrm>
+            <a:prstGeom prst="arc">
+              <a:avLst>
+                <a:gd name="adj1" fmla="val 19800969"/>
+                <a:gd name="adj2" fmla="val 20611022"/>
+              </a:avLst>
+            </a:prstGeom>
+            <a:ln w="12700">
+              <a:solidFill>
+                <a:srgbClr val="00B050"/>
+              </a:solidFill>
+              <a:headEnd type="stealth" w="med" len="lg"/>
+            </a:ln>
+          </p:spPr>
+          <p:style>
+            <a:lnRef idx="1">
+              <a:schemeClr val="accent1"/>
+            </a:lnRef>
+            <a:fillRef idx="0">
+              <a:schemeClr val="accent1"/>
+            </a:fillRef>
+            <a:effectRef idx="0">
+              <a:schemeClr val="accent1"/>
+            </a:effectRef>
+            <a:fontRef idx="minor">
+              <a:schemeClr val="tx1"/>
+            </a:fontRef>
+          </p:style>
+          <p:txBody>
+            <a:bodyPr rtlCol="0" anchor="ctr"/>
+            <a:lstStyle/>
+            <a:p>
+              <a:pPr algn="ctr"/>
+              <a:endParaRPr lang="fr-FR"/>
+            </a:p>
+          </p:txBody>
+        </p:sp>
+        <mc:AlternateContent xmlns:mc="http://schemas.openxmlformats.org/markup-compatibility/2006" xmlns:a14="http://schemas.microsoft.com/office/drawing/2010/main">
+          <mc:Choice Requires="a14">
+            <p:sp>
+              <p:nvSpPr>
+                <p:cNvPr id="200" name="ZoneTexte 199">
+                  <a:extLst>
+                    <a:ext uri="{FF2B5EF4-FFF2-40B4-BE49-F238E27FC236}">
+                      <a16:creationId xmlns:a16="http://schemas.microsoft.com/office/drawing/2014/main" id="{9CAEACB3-9E95-F0E5-E793-CC61BA1BF399}"/>
+                    </a:ext>
+                  </a:extLst>
+                </p:cNvPr>
+                <p:cNvSpPr txBox="1"/>
+                <p:nvPr/>
+              </p:nvSpPr>
+              <p:spPr>
+                <a:xfrm>
+                  <a:off x="11195032" y="4608065"/>
+                  <a:ext cx="497840" cy="261610"/>
+                </a:xfrm>
+                <a:prstGeom prst="rect">
+                  <a:avLst/>
+                </a:prstGeom>
+                <a:noFill/>
+              </p:spPr>
+              <p:txBody>
+                <a:bodyPr wrap="square" rtlCol="0">
+                  <a:spAutoFit/>
+                </a:bodyPr>
+                <a:lstStyle/>
+                <a:p>
+                  <a:pPr/>
+                  <a14:m>
+                    <m:oMathPara xmlns:m="http://schemas.openxmlformats.org/officeDocument/2006/math">
+                      <m:oMathParaPr>
+                        <m:jc m:val="centerGroup"/>
+                      </m:oMathParaPr>
+                      <m:oMath xmlns:m="http://schemas.openxmlformats.org/officeDocument/2006/math">
+                        <m:sSub>
+                          <m:sSubPr>
+                            <m:ctrlPr>
+                              <a:rPr lang="fr-FR" sz="1050" b="0" i="1" smtClean="0">
+                                <a:latin typeface="Cambria Math" panose="02040503050406030204" pitchFamily="18" charset="0"/>
+                              </a:rPr>
+                            </m:ctrlPr>
+                          </m:sSubPr>
+                          <m:e>
+                            <m:r>
+                              <a:rPr lang="fr-FR" sz="1050" i="1" smtClean="0">
+                                <a:latin typeface="Cambria Math" panose="02040503050406030204" pitchFamily="18" charset="0"/>
+                              </a:rPr>
+                              <m:t>𝛼</m:t>
+                            </m:r>
+                          </m:e>
+                          <m:sub>
+                            <m:r>
+                              <a:rPr lang="fr-FR" sz="1050" b="0" i="1" smtClean="0">
+                                <a:latin typeface="Cambria Math" panose="02040503050406030204" pitchFamily="18" charset="0"/>
+                              </a:rPr>
+                              <m:t>1</m:t>
+                            </m:r>
+                          </m:sub>
+                        </m:sSub>
+                      </m:oMath>
+                    </m:oMathPara>
+                  </a14:m>
+                  <a:endParaRPr lang="fr-FR" sz="1050" dirty="0"/>
+                </a:p>
+              </p:txBody>
+            </p:sp>
+          </mc:Choice>
+          <mc:Fallback xmlns="">
+            <p:sp>
+              <p:nvSpPr>
+                <p:cNvPr id="200" name="ZoneTexte 199">
+                  <a:extLst>
+                    <a:ext uri="{FF2B5EF4-FFF2-40B4-BE49-F238E27FC236}">
+                      <a16:creationId xmlns:a16="http://schemas.microsoft.com/office/drawing/2014/main" id="{9CAEACB3-9E95-F0E5-E793-CC61BA1BF399}"/>
+                    </a:ext>
+                  </a:extLst>
+                </p:cNvPr>
+                <p:cNvSpPr txBox="1">
+                  <a:spLocks noRot="1" noChangeAspect="1" noMove="1" noResize="1" noEditPoints="1" noAdjustHandles="1" noChangeArrowheads="1" noChangeShapeType="1" noTextEdit="1"/>
+                </p:cNvSpPr>
+                <p:nvPr/>
+              </p:nvSpPr>
+              <p:spPr>
+                <a:xfrm>
+                  <a:off x="11195032" y="4608065"/>
+                  <a:ext cx="497840" cy="261610"/>
+                </a:xfrm>
+                <a:prstGeom prst="rect">
+                  <a:avLst/>
+                </a:prstGeom>
+                <a:blipFill>
+                  <a:blip r:embed="rId18"/>
+                  <a:stretch>
+                    <a:fillRect/>
+                  </a:stretch>
+                </a:blipFill>
+              </p:spPr>
+              <p:txBody>
+                <a:bodyPr/>
+                <a:lstStyle/>
+                <a:p>
+                  <a:r>
+                    <a:rPr lang="fr-FR">
+                      <a:noFill/>
+                    </a:rPr>
+                    <a:t> </a:t>
+                  </a:r>
+                </a:p>
+              </p:txBody>
+            </p:sp>
+          </mc:Fallback>
+        </mc:AlternateContent>
+        <mc:AlternateContent xmlns:mc="http://schemas.openxmlformats.org/markup-compatibility/2006" xmlns:a14="http://schemas.microsoft.com/office/drawing/2010/main">
+          <mc:Choice Requires="a14">
+            <p:sp>
+              <p:nvSpPr>
+                <p:cNvPr id="201" name="ZoneTexte 200">
+                  <a:extLst>
+                    <a:ext uri="{FF2B5EF4-FFF2-40B4-BE49-F238E27FC236}">
+                      <a16:creationId xmlns:a16="http://schemas.microsoft.com/office/drawing/2014/main" id="{FD5DECB5-B023-F2F9-8A92-80E5780243FE}"/>
+                    </a:ext>
+                  </a:extLst>
+                </p:cNvPr>
+                <p:cNvSpPr txBox="1"/>
+                <p:nvPr/>
+              </p:nvSpPr>
+              <p:spPr>
+                <a:xfrm>
+                  <a:off x="11285739" y="4278282"/>
+                  <a:ext cx="497840" cy="261610"/>
+                </a:xfrm>
+                <a:prstGeom prst="rect">
+                  <a:avLst/>
+                </a:prstGeom>
+                <a:noFill/>
+              </p:spPr>
+              <p:txBody>
+                <a:bodyPr wrap="square" rtlCol="0">
+                  <a:spAutoFit/>
+                </a:bodyPr>
+                <a:lstStyle/>
+                <a:p>
+                  <a:pPr/>
+                  <a14:m>
+                    <m:oMathPara xmlns:m="http://schemas.openxmlformats.org/officeDocument/2006/math">
+                      <m:oMathParaPr>
+                        <m:jc m:val="centerGroup"/>
+                      </m:oMathParaPr>
+                      <m:oMath xmlns:m="http://schemas.openxmlformats.org/officeDocument/2006/math">
+                        <m:sSub>
+                          <m:sSubPr>
+                            <m:ctrlPr>
+                              <a:rPr lang="fr-FR" sz="1050" b="0" i="1" smtClean="0">
+                                <a:latin typeface="Cambria Math" panose="02040503050406030204" pitchFamily="18" charset="0"/>
+                              </a:rPr>
+                            </m:ctrlPr>
+                          </m:sSubPr>
+                          <m:e>
+                            <m:r>
+                              <a:rPr lang="fr-FR" sz="1050" i="1" smtClean="0">
+                                <a:latin typeface="Cambria Math" panose="02040503050406030204" pitchFamily="18" charset="0"/>
+                              </a:rPr>
+                              <m:t>𝛼</m:t>
+                            </m:r>
+                          </m:e>
+                          <m:sub>
+                            <m:r>
+                              <a:rPr lang="fr-FR" sz="1050" b="0" i="1" smtClean="0">
+                                <a:latin typeface="Cambria Math" panose="02040503050406030204" pitchFamily="18" charset="0"/>
+                              </a:rPr>
+                              <m:t>4</m:t>
+                            </m:r>
+                          </m:sub>
+                        </m:sSub>
+                      </m:oMath>
+                    </m:oMathPara>
+                  </a14:m>
+                  <a:endParaRPr lang="fr-FR" sz="1050" dirty="0"/>
+                </a:p>
+              </p:txBody>
+            </p:sp>
+          </mc:Choice>
+          <mc:Fallback xmlns="">
+            <p:sp>
+              <p:nvSpPr>
+                <p:cNvPr id="201" name="ZoneTexte 200">
+                  <a:extLst>
+                    <a:ext uri="{FF2B5EF4-FFF2-40B4-BE49-F238E27FC236}">
+                      <a16:creationId xmlns:a16="http://schemas.microsoft.com/office/drawing/2014/main" id="{FD5DECB5-B023-F2F9-8A92-80E5780243FE}"/>
+                    </a:ext>
+                  </a:extLst>
+                </p:cNvPr>
+                <p:cNvSpPr txBox="1">
+                  <a:spLocks noRot="1" noChangeAspect="1" noMove="1" noResize="1" noEditPoints="1" noAdjustHandles="1" noChangeArrowheads="1" noChangeShapeType="1" noTextEdit="1"/>
+                </p:cNvSpPr>
+                <p:nvPr/>
+              </p:nvSpPr>
+              <p:spPr>
+                <a:xfrm>
+                  <a:off x="11285739" y="4278282"/>
+                  <a:ext cx="497840" cy="261610"/>
+                </a:xfrm>
+                <a:prstGeom prst="rect">
+                  <a:avLst/>
+                </a:prstGeom>
+                <a:blipFill>
+                  <a:blip r:embed="rId19"/>
+                  <a:stretch>
+                    <a:fillRect/>
+                  </a:stretch>
+                </a:blipFill>
+              </p:spPr>
+              <p:txBody>
+                <a:bodyPr/>
+                <a:lstStyle/>
+                <a:p>
+                  <a:r>
+                    <a:rPr lang="fr-FR">
+                      <a:noFill/>
+                    </a:rPr>
+                    <a:t> </a:t>
+                  </a:r>
+                </a:p>
+              </p:txBody>
+            </p:sp>
+          </mc:Fallback>
+        </mc:AlternateContent>
+        <mc:AlternateContent xmlns:mc="http://schemas.openxmlformats.org/markup-compatibility/2006" xmlns:a14="http://schemas.microsoft.com/office/drawing/2010/main">
+          <mc:Choice Requires="a14">
+            <p:sp>
+              <p:nvSpPr>
+                <p:cNvPr id="202" name="ZoneTexte 201">
+                  <a:extLst>
+                    <a:ext uri="{FF2B5EF4-FFF2-40B4-BE49-F238E27FC236}">
+                      <a16:creationId xmlns:a16="http://schemas.microsoft.com/office/drawing/2014/main" id="{A0E11D13-48BA-5FB9-F57D-14DB3970A86A}"/>
+                    </a:ext>
+                  </a:extLst>
+                </p:cNvPr>
+                <p:cNvSpPr txBox="1"/>
+                <p:nvPr/>
+              </p:nvSpPr>
+              <p:spPr>
+                <a:xfrm>
+                  <a:off x="10151559" y="4995560"/>
+                  <a:ext cx="497840" cy="261610"/>
+                </a:xfrm>
+                <a:prstGeom prst="rect">
+                  <a:avLst/>
+                </a:prstGeom>
+                <a:noFill/>
+              </p:spPr>
+              <p:txBody>
+                <a:bodyPr wrap="square" rtlCol="0">
+                  <a:spAutoFit/>
+                </a:bodyPr>
+                <a:lstStyle/>
+                <a:p>
+                  <a:pPr/>
+                  <a14:m>
+                    <m:oMathPara xmlns:m="http://schemas.openxmlformats.org/officeDocument/2006/math">
+                      <m:oMathParaPr>
+                        <m:jc m:val="centerGroup"/>
+                      </m:oMathParaPr>
+                      <m:oMath xmlns:m="http://schemas.openxmlformats.org/officeDocument/2006/math">
+                        <m:acc>
+                          <m:accPr>
+                            <m:chr m:val="⃗"/>
+                            <m:ctrlPr>
+                              <a:rPr lang="fr-FR" sz="1050" i="1" smtClean="0">
+                                <a:latin typeface="Cambria Math" panose="02040503050406030204" pitchFamily="18" charset="0"/>
+                              </a:rPr>
+                            </m:ctrlPr>
+                          </m:accPr>
+                          <m:e>
+                            <m:sSub>
+                              <m:sSubPr>
+                                <m:ctrlPr>
+                                  <a:rPr lang="fr-FR" sz="1050" b="0" i="1" smtClean="0">
+                                    <a:latin typeface="Cambria Math" panose="02040503050406030204" pitchFamily="18" charset="0"/>
+                                  </a:rPr>
+                                </m:ctrlPr>
+                              </m:sSubPr>
+                              <m:e>
+                                <m:r>
+                                  <a:rPr lang="fr-FR" sz="1050" b="0" i="1" smtClean="0">
+                                    <a:latin typeface="Cambria Math" panose="02040503050406030204" pitchFamily="18" charset="0"/>
+                                  </a:rPr>
+                                  <m:t>𝑧</m:t>
+                                </m:r>
+                              </m:e>
+                              <m:sub>
+                                <m:r>
+                                  <a:rPr lang="fr-FR" sz="1050" b="0" i="1" smtClean="0">
+                                    <a:latin typeface="Cambria Math" panose="02040503050406030204" pitchFamily="18" charset="0"/>
+                                  </a:rPr>
+                                  <m:t>0</m:t>
+                                </m:r>
+                              </m:sub>
+                            </m:sSub>
+                          </m:e>
+                        </m:acc>
+                      </m:oMath>
+                    </m:oMathPara>
+                  </a14:m>
+                  <a:endParaRPr lang="fr-FR" sz="1050" dirty="0"/>
+                </a:p>
+              </p:txBody>
+            </p:sp>
+          </mc:Choice>
+          <mc:Fallback xmlns="">
+            <p:sp>
+              <p:nvSpPr>
+                <p:cNvPr id="202" name="ZoneTexte 201">
+                  <a:extLst>
+                    <a:ext uri="{FF2B5EF4-FFF2-40B4-BE49-F238E27FC236}">
+                      <a16:creationId xmlns:a16="http://schemas.microsoft.com/office/drawing/2014/main" id="{A0E11D13-48BA-5FB9-F57D-14DB3970A86A}"/>
+                    </a:ext>
+                  </a:extLst>
+                </p:cNvPr>
+                <p:cNvSpPr txBox="1">
+                  <a:spLocks noRot="1" noChangeAspect="1" noMove="1" noResize="1" noEditPoints="1" noAdjustHandles="1" noChangeArrowheads="1" noChangeShapeType="1" noTextEdit="1"/>
+                </p:cNvSpPr>
+                <p:nvPr/>
+              </p:nvSpPr>
+              <p:spPr>
+                <a:xfrm>
+                  <a:off x="10151559" y="4995560"/>
+                  <a:ext cx="497840" cy="261610"/>
+                </a:xfrm>
+                <a:prstGeom prst="rect">
+                  <a:avLst/>
+                </a:prstGeom>
+                <a:blipFill>
+                  <a:blip r:embed="rId20"/>
+                  <a:stretch>
+                    <a:fillRect/>
+                  </a:stretch>
+                </a:blipFill>
+              </p:spPr>
+              <p:txBody>
+                <a:bodyPr/>
+                <a:lstStyle/>
+                <a:p>
+                  <a:r>
+                    <a:rPr lang="fr-FR">
+                      <a:noFill/>
+                    </a:rPr>
+                    <a:t> </a:t>
+                  </a:r>
+                </a:p>
+              </p:txBody>
+            </p:sp>
+          </mc:Fallback>
+        </mc:AlternateContent>
+        <mc:AlternateContent xmlns:mc="http://schemas.openxmlformats.org/markup-compatibility/2006" xmlns:a14="http://schemas.microsoft.com/office/drawing/2010/main">
+          <mc:Choice Requires="a14">
+            <p:sp>
+              <p:nvSpPr>
+                <p:cNvPr id="203" name="ZoneTexte 202">
+                  <a:extLst>
+                    <a:ext uri="{FF2B5EF4-FFF2-40B4-BE49-F238E27FC236}">
+                      <a16:creationId xmlns:a16="http://schemas.microsoft.com/office/drawing/2014/main" id="{45798531-1736-F545-4D22-FD01AAB847B0}"/>
+                    </a:ext>
+                  </a:extLst>
+                </p:cNvPr>
+                <p:cNvSpPr txBox="1"/>
+                <p:nvPr/>
+              </p:nvSpPr>
+              <p:spPr>
+                <a:xfrm>
+                  <a:off x="10192310" y="3169588"/>
+                  <a:ext cx="497840" cy="261610"/>
+                </a:xfrm>
+                <a:prstGeom prst="rect">
+                  <a:avLst/>
+                </a:prstGeom>
+                <a:noFill/>
+              </p:spPr>
+              <p:txBody>
+                <a:bodyPr wrap="square" rtlCol="0">
+                  <a:spAutoFit/>
+                </a:bodyPr>
+                <a:lstStyle/>
+                <a:p>
+                  <a:pPr/>
+                  <a14:m>
+                    <m:oMathPara xmlns:m="http://schemas.openxmlformats.org/officeDocument/2006/math">
+                      <m:oMathParaPr>
+                        <m:jc m:val="centerGroup"/>
+                      </m:oMathParaPr>
+                      <m:oMath xmlns:m="http://schemas.openxmlformats.org/officeDocument/2006/math">
+                        <m:acc>
+                          <m:accPr>
+                            <m:chr m:val="⃗"/>
+                            <m:ctrlPr>
+                              <a:rPr lang="fr-FR" sz="1050" i="1" smtClean="0">
+                                <a:latin typeface="Cambria Math" panose="02040503050406030204" pitchFamily="18" charset="0"/>
+                              </a:rPr>
+                            </m:ctrlPr>
+                          </m:accPr>
+                          <m:e>
+                            <m:sSub>
+                              <m:sSubPr>
+                                <m:ctrlPr>
+                                  <a:rPr lang="fr-FR" sz="1050" b="0" i="1" smtClean="0">
+                                    <a:latin typeface="Cambria Math" panose="02040503050406030204" pitchFamily="18" charset="0"/>
+                                  </a:rPr>
+                                </m:ctrlPr>
+                              </m:sSubPr>
+                              <m:e>
+                                <m:r>
+                                  <a:rPr lang="fr-FR" sz="1050" b="0" i="1" smtClean="0">
+                                    <a:latin typeface="Cambria Math" panose="02040503050406030204" pitchFamily="18" charset="0"/>
+                                  </a:rPr>
+                                  <m:t>𝑦</m:t>
+                                </m:r>
+                              </m:e>
+                              <m:sub>
+                                <m:r>
+                                  <a:rPr lang="fr-FR" sz="1050" b="0" i="1" smtClean="0">
+                                    <a:latin typeface="Cambria Math" panose="02040503050406030204" pitchFamily="18" charset="0"/>
+                                  </a:rPr>
+                                  <m:t>0</m:t>
+                                </m:r>
+                              </m:sub>
+                            </m:sSub>
+                          </m:e>
+                        </m:acc>
+                      </m:oMath>
+                    </m:oMathPara>
+                  </a14:m>
+                  <a:endParaRPr lang="fr-FR" sz="1050" dirty="0"/>
+                </a:p>
+              </p:txBody>
+            </p:sp>
+          </mc:Choice>
+          <mc:Fallback xmlns="">
+            <p:sp>
+              <p:nvSpPr>
+                <p:cNvPr id="203" name="ZoneTexte 202">
+                  <a:extLst>
+                    <a:ext uri="{FF2B5EF4-FFF2-40B4-BE49-F238E27FC236}">
+                      <a16:creationId xmlns:a16="http://schemas.microsoft.com/office/drawing/2014/main" id="{45798531-1736-F545-4D22-FD01AAB847B0}"/>
+                    </a:ext>
+                  </a:extLst>
+                </p:cNvPr>
+                <p:cNvSpPr txBox="1">
+                  <a:spLocks noRot="1" noChangeAspect="1" noMove="1" noResize="1" noEditPoints="1" noAdjustHandles="1" noChangeArrowheads="1" noChangeShapeType="1" noTextEdit="1"/>
+                </p:cNvSpPr>
+                <p:nvPr/>
+              </p:nvSpPr>
+              <p:spPr>
+                <a:xfrm>
+                  <a:off x="10192310" y="3169588"/>
+                  <a:ext cx="497840" cy="261610"/>
+                </a:xfrm>
+                <a:prstGeom prst="rect">
+                  <a:avLst/>
+                </a:prstGeom>
+                <a:blipFill>
+                  <a:blip r:embed="rId21"/>
+                  <a:stretch>
+                    <a:fillRect/>
+                  </a:stretch>
+                </a:blipFill>
+              </p:spPr>
+              <p:txBody>
+                <a:bodyPr/>
+                <a:lstStyle/>
+                <a:p>
+                  <a:r>
+                    <a:rPr lang="fr-FR">
+                      <a:noFill/>
+                    </a:rPr>
+                    <a:t> </a:t>
+                  </a:r>
+                </a:p>
+              </p:txBody>
+            </p:sp>
+          </mc:Fallback>
+        </mc:AlternateContent>
+        <mc:AlternateContent xmlns:mc="http://schemas.openxmlformats.org/markup-compatibility/2006" xmlns:a14="http://schemas.microsoft.com/office/drawing/2010/main">
+          <mc:Choice Requires="a14">
+            <p:sp>
+              <p:nvSpPr>
+                <p:cNvPr id="204" name="ZoneTexte 203">
+                  <a:extLst>
+                    <a:ext uri="{FF2B5EF4-FFF2-40B4-BE49-F238E27FC236}">
+                      <a16:creationId xmlns:a16="http://schemas.microsoft.com/office/drawing/2014/main" id="{57F9A2C9-105F-35C9-ED3E-0ACF598CCECA}"/>
+                    </a:ext>
+                  </a:extLst>
+                </p:cNvPr>
+                <p:cNvSpPr txBox="1"/>
+                <p:nvPr/>
+              </p:nvSpPr>
+              <p:spPr>
+                <a:xfrm>
+                  <a:off x="9803067" y="3211186"/>
+                  <a:ext cx="497840" cy="261610"/>
+                </a:xfrm>
+                <a:prstGeom prst="rect">
+                  <a:avLst/>
+                </a:prstGeom>
+                <a:noFill/>
+              </p:spPr>
+              <p:txBody>
+                <a:bodyPr wrap="square" rtlCol="0">
+                  <a:spAutoFit/>
+                </a:bodyPr>
+                <a:lstStyle/>
+                <a:p>
+                  <a:pPr/>
+                  <a14:m>
+                    <m:oMathPara xmlns:m="http://schemas.openxmlformats.org/officeDocument/2006/math">
+                      <m:oMathParaPr>
+                        <m:jc m:val="centerGroup"/>
+                      </m:oMathParaPr>
+                      <m:oMath xmlns:m="http://schemas.openxmlformats.org/officeDocument/2006/math">
+                        <m:acc>
+                          <m:accPr>
+                            <m:chr m:val="⃗"/>
+                            <m:ctrlPr>
+                              <a:rPr lang="fr-FR" sz="1050" i="1" smtClean="0">
+                                <a:latin typeface="Cambria Math" panose="02040503050406030204" pitchFamily="18" charset="0"/>
+                              </a:rPr>
+                            </m:ctrlPr>
+                          </m:accPr>
+                          <m:e>
+                            <m:sSub>
+                              <m:sSubPr>
+                                <m:ctrlPr>
+                                  <a:rPr lang="fr-FR" sz="1050" b="0" i="1" smtClean="0">
+                                    <a:latin typeface="Cambria Math" panose="02040503050406030204" pitchFamily="18" charset="0"/>
+                                  </a:rPr>
+                                </m:ctrlPr>
+                              </m:sSubPr>
+                              <m:e>
+                                <m:r>
+                                  <a:rPr lang="fr-FR" sz="1050" b="0" i="1" smtClean="0">
+                                    <a:latin typeface="Cambria Math" panose="02040503050406030204" pitchFamily="18" charset="0"/>
+                                  </a:rPr>
+                                  <m:t>𝑦</m:t>
+                                </m:r>
+                              </m:e>
+                              <m:sub>
+                                <m:r>
+                                  <a:rPr lang="fr-FR" sz="1050" b="0" i="1" smtClean="0">
+                                    <a:latin typeface="Cambria Math" panose="02040503050406030204" pitchFamily="18" charset="0"/>
+                                  </a:rPr>
+                                  <m:t>1</m:t>
+                                </m:r>
+                              </m:sub>
+                            </m:sSub>
+                          </m:e>
+                        </m:acc>
+                      </m:oMath>
+                    </m:oMathPara>
+                  </a14:m>
+                  <a:endParaRPr lang="fr-FR" sz="1050" dirty="0"/>
+                </a:p>
+              </p:txBody>
+            </p:sp>
+          </mc:Choice>
+          <mc:Fallback xmlns="">
+            <p:sp>
+              <p:nvSpPr>
+                <p:cNvPr id="204" name="ZoneTexte 203">
+                  <a:extLst>
+                    <a:ext uri="{FF2B5EF4-FFF2-40B4-BE49-F238E27FC236}">
+                      <a16:creationId xmlns:a16="http://schemas.microsoft.com/office/drawing/2014/main" id="{57F9A2C9-105F-35C9-ED3E-0ACF598CCECA}"/>
+                    </a:ext>
+                  </a:extLst>
+                </p:cNvPr>
+                <p:cNvSpPr txBox="1">
+                  <a:spLocks noRot="1" noChangeAspect="1" noMove="1" noResize="1" noEditPoints="1" noAdjustHandles="1" noChangeArrowheads="1" noChangeShapeType="1" noTextEdit="1"/>
+                </p:cNvSpPr>
+                <p:nvPr/>
+              </p:nvSpPr>
+              <p:spPr>
+                <a:xfrm>
+                  <a:off x="9803067" y="3211186"/>
+                  <a:ext cx="497840" cy="261610"/>
+                </a:xfrm>
+                <a:prstGeom prst="rect">
+                  <a:avLst/>
+                </a:prstGeom>
+                <a:blipFill>
+                  <a:blip r:embed="rId22"/>
+                  <a:stretch>
+                    <a:fillRect/>
+                  </a:stretch>
+                </a:blipFill>
+              </p:spPr>
+              <p:txBody>
+                <a:bodyPr/>
+                <a:lstStyle/>
+                <a:p>
+                  <a:r>
+                    <a:rPr lang="fr-FR">
+                      <a:noFill/>
+                    </a:rPr>
+                    <a:t> </a:t>
+                  </a:r>
+                </a:p>
+              </p:txBody>
+            </p:sp>
+          </mc:Fallback>
+        </mc:AlternateContent>
+        <mc:AlternateContent xmlns:mc="http://schemas.openxmlformats.org/markup-compatibility/2006" xmlns:a14="http://schemas.microsoft.com/office/drawing/2010/main">
+          <mc:Choice Requires="a14">
+            <p:sp>
+              <p:nvSpPr>
+                <p:cNvPr id="205" name="ZoneTexte 204">
+                  <a:extLst>
+                    <a:ext uri="{FF2B5EF4-FFF2-40B4-BE49-F238E27FC236}">
+                      <a16:creationId xmlns:a16="http://schemas.microsoft.com/office/drawing/2014/main" id="{0337214F-7314-E73E-2881-E2AC830453BB}"/>
+                    </a:ext>
+                  </a:extLst>
+                </p:cNvPr>
+                <p:cNvSpPr txBox="1"/>
+                <p:nvPr/>
+              </p:nvSpPr>
+              <p:spPr>
+                <a:xfrm>
+                  <a:off x="9460787" y="3387208"/>
+                  <a:ext cx="497840" cy="261610"/>
+                </a:xfrm>
+                <a:prstGeom prst="rect">
+                  <a:avLst/>
+                </a:prstGeom>
+                <a:noFill/>
+              </p:spPr>
+              <p:txBody>
+                <a:bodyPr wrap="square" rtlCol="0">
+                  <a:spAutoFit/>
+                </a:bodyPr>
+                <a:lstStyle/>
+                <a:p>
+                  <a:pPr/>
+                  <a14:m>
+                    <m:oMathPara xmlns:m="http://schemas.openxmlformats.org/officeDocument/2006/math">
+                      <m:oMathParaPr>
+                        <m:jc m:val="centerGroup"/>
+                      </m:oMathParaPr>
+                      <m:oMath xmlns:m="http://schemas.openxmlformats.org/officeDocument/2006/math">
+                        <m:acc>
+                          <m:accPr>
+                            <m:chr m:val="⃗"/>
+                            <m:ctrlPr>
+                              <a:rPr lang="fr-FR" sz="1050" i="1" smtClean="0">
+                                <a:latin typeface="Cambria Math" panose="02040503050406030204" pitchFamily="18" charset="0"/>
+                              </a:rPr>
+                            </m:ctrlPr>
+                          </m:accPr>
+                          <m:e>
+                            <m:sSub>
+                              <m:sSubPr>
+                                <m:ctrlPr>
+                                  <a:rPr lang="fr-FR" sz="1050" b="0" i="1" smtClean="0">
+                                    <a:latin typeface="Cambria Math" panose="02040503050406030204" pitchFamily="18" charset="0"/>
+                                  </a:rPr>
+                                </m:ctrlPr>
+                              </m:sSubPr>
+                              <m:e>
+                                <m:r>
+                                  <a:rPr lang="fr-FR" sz="1050" b="0" i="1" smtClean="0">
+                                    <a:latin typeface="Cambria Math" panose="02040503050406030204" pitchFamily="18" charset="0"/>
+                                  </a:rPr>
+                                  <m:t>𝑦</m:t>
+                                </m:r>
+                              </m:e>
+                              <m:sub>
+                                <m:r>
+                                  <a:rPr lang="fr-FR" sz="1050" b="0" i="1" smtClean="0">
+                                    <a:latin typeface="Cambria Math" panose="02040503050406030204" pitchFamily="18" charset="0"/>
+                                  </a:rPr>
+                                  <m:t>4</m:t>
+                                </m:r>
+                              </m:sub>
+                            </m:sSub>
+                          </m:e>
+                        </m:acc>
+                      </m:oMath>
+                    </m:oMathPara>
+                  </a14:m>
+                  <a:endParaRPr lang="fr-FR" sz="1050" dirty="0"/>
+                </a:p>
+              </p:txBody>
+            </p:sp>
+          </mc:Choice>
+          <mc:Fallback xmlns="">
+            <p:sp>
+              <p:nvSpPr>
+                <p:cNvPr id="205" name="ZoneTexte 204">
+                  <a:extLst>
+                    <a:ext uri="{FF2B5EF4-FFF2-40B4-BE49-F238E27FC236}">
+                      <a16:creationId xmlns:a16="http://schemas.microsoft.com/office/drawing/2014/main" id="{0337214F-7314-E73E-2881-E2AC830453BB}"/>
+                    </a:ext>
+                  </a:extLst>
+                </p:cNvPr>
+                <p:cNvSpPr txBox="1">
+                  <a:spLocks noRot="1" noChangeAspect="1" noMove="1" noResize="1" noEditPoints="1" noAdjustHandles="1" noChangeArrowheads="1" noChangeShapeType="1" noTextEdit="1"/>
+                </p:cNvSpPr>
+                <p:nvPr/>
+              </p:nvSpPr>
+              <p:spPr>
+                <a:xfrm>
+                  <a:off x="9460787" y="3387208"/>
+                  <a:ext cx="497840" cy="261610"/>
+                </a:xfrm>
+                <a:prstGeom prst="rect">
+                  <a:avLst/>
+                </a:prstGeom>
+                <a:blipFill>
+                  <a:blip r:embed="rId23"/>
+                  <a:stretch>
+                    <a:fillRect/>
+                  </a:stretch>
+                </a:blipFill>
+              </p:spPr>
+              <p:txBody>
+                <a:bodyPr/>
+                <a:lstStyle/>
+                <a:p>
+                  <a:r>
+                    <a:rPr lang="fr-FR">
+                      <a:noFill/>
+                    </a:rPr>
+                    <a:t> </a:t>
+                  </a:r>
+                </a:p>
+              </p:txBody>
+            </p:sp>
+          </mc:Fallback>
+        </mc:AlternateContent>
+      </p:grpSp>
+      <p:cxnSp>
+        <p:nvCxnSpPr>
+          <p:cNvPr id="86" name="Connecteur droit 85">
+            <a:extLst>
+              <a:ext uri="{FF2B5EF4-FFF2-40B4-BE49-F238E27FC236}">
+                <a16:creationId xmlns:a16="http://schemas.microsoft.com/office/drawing/2014/main" id="{F8D576AE-49CA-3BE3-2DDA-F0BBAEEF0C1E}"/>
+              </a:ext>
+            </a:extLst>
+          </p:cNvPr>
+          <p:cNvCxnSpPr>
+            <a:cxnSpLocks/>
+          </p:cNvCxnSpPr>
+          <p:nvPr/>
+        </p:nvCxnSpPr>
+        <p:spPr>
+          <a:xfrm>
+            <a:off x="8979908" y="1478380"/>
+            <a:ext cx="714322" cy="0"/>
+          </a:xfrm>
+          <a:prstGeom prst="line">
+            <a:avLst/>
+          </a:prstGeom>
+          <a:noFill/>
+          <a:ln w="9525">
+            <a:solidFill>
+              <a:schemeClr val="tx1"/>
+            </a:solidFill>
+            <a:headEnd type="stealth" w="med" len="lg"/>
+            <a:tailEnd type="stealth" w="med" len="lg"/>
+          </a:ln>
+        </p:spPr>
+        <p:style>
+          <a:lnRef idx="2">
+            <a:schemeClr val="accent1">
+              <a:shade val="50000"/>
+            </a:schemeClr>
+          </a:lnRef>
+          <a:fillRef idx="1">
+            <a:schemeClr val="accent1"/>
+          </a:fillRef>
+          <a:effectRef idx="0">
+            <a:schemeClr val="accent1"/>
+          </a:effectRef>
+          <a:fontRef idx="minor">
+            <a:schemeClr val="lt1"/>
+          </a:fontRef>
+        </p:style>
+      </p:cxnSp>
+      <p:cxnSp>
+        <p:nvCxnSpPr>
+          <p:cNvPr id="91" name="Connecteur droit 90">
+            <a:extLst>
+              <a:ext uri="{FF2B5EF4-FFF2-40B4-BE49-F238E27FC236}">
+                <a16:creationId xmlns:a16="http://schemas.microsoft.com/office/drawing/2014/main" id="{F8D576AE-49CA-3BE3-2DDA-F0BBAEEF0C1E}"/>
+              </a:ext>
+            </a:extLst>
+          </p:cNvPr>
+          <p:cNvCxnSpPr>
+            <a:cxnSpLocks/>
+          </p:cNvCxnSpPr>
+          <p:nvPr/>
+        </p:nvCxnSpPr>
+        <p:spPr>
+          <a:xfrm>
+            <a:off x="9760335" y="1243579"/>
+            <a:ext cx="666077" cy="666271"/>
+          </a:xfrm>
+          <a:prstGeom prst="line">
+            <a:avLst/>
+          </a:prstGeom>
+          <a:noFill/>
+          <a:ln w="9525">
+            <a:solidFill>
+              <a:schemeClr val="tx1"/>
+            </a:solidFill>
+            <a:headEnd type="stealth" w="med" len="lg"/>
+            <a:tailEnd type="stealth" w="med" len="lg"/>
+          </a:ln>
+        </p:spPr>
+        <p:style>
+          <a:lnRef idx="2">
+            <a:schemeClr val="accent1">
+              <a:shade val="50000"/>
+            </a:schemeClr>
+          </a:lnRef>
+          <a:fillRef idx="1">
+            <a:schemeClr val="accent1"/>
+          </a:fillRef>
+          <a:effectRef idx="0">
+            <a:schemeClr val="accent1"/>
+          </a:effectRef>
+          <a:fontRef idx="minor">
+            <a:schemeClr val="lt1"/>
+          </a:fontRef>
+        </p:style>
+      </p:cxnSp>
+      <mc:AlternateContent xmlns:mc="http://schemas.openxmlformats.org/markup-compatibility/2006">
+        <mc:Choice xmlns:a14="http://schemas.microsoft.com/office/drawing/2010/main" Requires="a14">
+          <p:sp>
+            <p:nvSpPr>
+              <p:cNvPr id="94" name="ZoneTexte 93">
+                <a:extLst>
+                  <a:ext uri="{FF2B5EF4-FFF2-40B4-BE49-F238E27FC236}">
+                    <a16:creationId xmlns:a16="http://schemas.microsoft.com/office/drawing/2014/main" id="{D09E6F51-A935-DBDF-9B9B-EDB0590E47BA}"/>
+                  </a:ext>
+                </a:extLst>
+              </p:cNvPr>
+              <p:cNvSpPr txBox="1"/>
+              <p:nvPr/>
+            </p:nvSpPr>
+            <p:spPr>
+              <a:xfrm>
+                <a:off x="9794405" y="1350511"/>
+                <a:ext cx="714267" cy="261610"/>
+              </a:xfrm>
+              <a:prstGeom prst="rect">
+                <a:avLst/>
+              </a:prstGeom>
+              <a:noFill/>
+            </p:spPr>
+            <p:txBody>
+              <a:bodyPr wrap="square" rtlCol="0">
+                <a:spAutoFit/>
+              </a:bodyPr>
+              <a:lstStyle/>
+              <a:p>
+                <a:pPr/>
+                <a14:m>
+                  <m:oMathPara xmlns:m="http://schemas.openxmlformats.org/officeDocument/2006/math">
+                    <m:oMathParaPr>
+                      <m:jc m:val="centerGroup"/>
+                    </m:oMathParaPr>
+                    <m:oMath xmlns:m="http://schemas.openxmlformats.org/officeDocument/2006/math">
+                      <m:r>
+                        <a:rPr lang="fr-FR" sz="1050" b="0" i="1" smtClean="0">
+                          <a:latin typeface="Cambria Math" panose="02040503050406030204" pitchFamily="18" charset="0"/>
+                        </a:rPr>
+                        <m:t>𝑏</m:t>
+                      </m:r>
+                    </m:oMath>
+                  </m:oMathPara>
+                </a14:m>
+                <a:endParaRPr lang="fr-FR" sz="1050" dirty="0"/>
+              </a:p>
+            </p:txBody>
+          </p:sp>
+        </mc:Choice>
+        <mc:Fallback>
+          <p:sp>
+            <p:nvSpPr>
+              <p:cNvPr id="94" name="ZoneTexte 93">
+                <a:extLst>
+                  <a:ext uri="{FF2B5EF4-FFF2-40B4-BE49-F238E27FC236}">
+                    <a16:creationId xmlns:a16="http://schemas.microsoft.com/office/drawing/2014/main" id="{D09E6F51-A935-DBDF-9B9B-EDB0590E47BA}"/>
+                  </a:ext>
+                </a:extLst>
+              </p:cNvPr>
+              <p:cNvSpPr txBox="1">
+                <a:spLocks noRot="1" noChangeAspect="1" noMove="1" noResize="1" noEditPoints="1" noAdjustHandles="1" noChangeArrowheads="1" noChangeShapeType="1" noTextEdit="1"/>
+              </p:cNvSpPr>
+              <p:nvPr/>
+            </p:nvSpPr>
+            <p:spPr>
+              <a:xfrm>
+                <a:off x="9794405" y="1350511"/>
+                <a:ext cx="714267" cy="261610"/>
+              </a:xfrm>
+              <a:prstGeom prst="rect">
+                <a:avLst/>
+              </a:prstGeom>
+              <a:blipFill>
+                <a:blip r:embed="rId24"/>
+                <a:stretch>
+                  <a:fillRect/>
+                </a:stretch>
+              </a:blipFill>
+            </p:spPr>
+            <p:txBody>
+              <a:bodyPr/>
+              <a:lstStyle/>
+              <a:p>
+                <a:r>
+                  <a:rPr lang="fr-FR">
+                    <a:noFill/>
+                  </a:rPr>
+                  <a:t> </a:t>
+                </a:r>
+              </a:p>
+            </p:txBody>
+          </p:sp>
+        </mc:Fallback>
+      </mc:AlternateContent>
+      <mc:AlternateContent xmlns:mc="http://schemas.openxmlformats.org/markup-compatibility/2006">
+        <mc:Choice xmlns:a14="http://schemas.microsoft.com/office/drawing/2010/main" Requires="a14">
+          <p:sp>
+            <p:nvSpPr>
+              <p:cNvPr id="95" name="ZoneTexte 94">
+                <a:extLst>
+                  <a:ext uri="{FF2B5EF4-FFF2-40B4-BE49-F238E27FC236}">
+                    <a16:creationId xmlns:a16="http://schemas.microsoft.com/office/drawing/2014/main" id="{D09E6F51-A935-DBDF-9B9B-EDB0590E47BA}"/>
+                  </a:ext>
+                </a:extLst>
+              </p:cNvPr>
+              <p:cNvSpPr txBox="1"/>
+              <p:nvPr/>
+            </p:nvSpPr>
+            <p:spPr>
+              <a:xfrm>
+                <a:off x="9527362" y="2579844"/>
+                <a:ext cx="714267" cy="261610"/>
+              </a:xfrm>
+              <a:prstGeom prst="rect">
+                <a:avLst/>
+              </a:prstGeom>
+              <a:noFill/>
+            </p:spPr>
+            <p:txBody>
+              <a:bodyPr wrap="square" rtlCol="0">
+                <a:spAutoFit/>
+              </a:bodyPr>
+              <a:lstStyle/>
+              <a:p>
+                <a:pPr/>
+                <a14:m>
+                  <m:oMathPara xmlns:m="http://schemas.openxmlformats.org/officeDocument/2006/math">
+                    <m:oMathParaPr>
+                      <m:jc m:val="centerGroup"/>
+                    </m:oMathParaPr>
+                    <m:oMath xmlns:m="http://schemas.openxmlformats.org/officeDocument/2006/math">
+                      <m:r>
+                        <a:rPr lang="fr-FR" sz="1050" b="0" i="1" smtClean="0">
+                          <a:latin typeface="Cambria Math" panose="02040503050406030204" pitchFamily="18" charset="0"/>
+                        </a:rPr>
+                        <m:t>𝑐</m:t>
+                      </m:r>
+                    </m:oMath>
+                  </m:oMathPara>
+                </a14:m>
+                <a:endParaRPr lang="fr-FR" sz="1050" dirty="0"/>
+              </a:p>
+            </p:txBody>
+          </p:sp>
+        </mc:Choice>
+        <mc:Fallback>
+          <p:sp>
+            <p:nvSpPr>
+              <p:cNvPr id="95" name="ZoneTexte 94">
+                <a:extLst>
+                  <a:ext uri="{FF2B5EF4-FFF2-40B4-BE49-F238E27FC236}">
+                    <a16:creationId xmlns:a16="http://schemas.microsoft.com/office/drawing/2014/main" id="{D09E6F51-A935-DBDF-9B9B-EDB0590E47BA}"/>
+                  </a:ext>
+                </a:extLst>
+              </p:cNvPr>
+              <p:cNvSpPr txBox="1">
+                <a:spLocks noRot="1" noChangeAspect="1" noMove="1" noResize="1" noEditPoints="1" noAdjustHandles="1" noChangeArrowheads="1" noChangeShapeType="1" noTextEdit="1"/>
+              </p:cNvSpPr>
+              <p:nvPr/>
+            </p:nvSpPr>
+            <p:spPr>
+              <a:xfrm>
+                <a:off x="9527362" y="2579844"/>
+                <a:ext cx="714267" cy="261610"/>
+              </a:xfrm>
+              <a:prstGeom prst="rect">
+                <a:avLst/>
+              </a:prstGeom>
+              <a:blipFill>
+                <a:blip r:embed="rId25"/>
+                <a:stretch>
+                  <a:fillRect/>
+                </a:stretch>
+              </a:blipFill>
+            </p:spPr>
+            <p:txBody>
+              <a:bodyPr/>
+              <a:lstStyle/>
+              <a:p>
+                <a:r>
+                  <a:rPr lang="fr-FR">
+                    <a:noFill/>
+                  </a:rPr>
+                  <a:t> </a:t>
+                </a:r>
+              </a:p>
+            </p:txBody>
+          </p:sp>
+        </mc:Fallback>
+      </mc:AlternateContent>
+      <p:cxnSp>
+        <p:nvCxnSpPr>
+          <p:cNvPr id="96" name="Connecteur droit 95">
+            <a:extLst>
+              <a:ext uri="{FF2B5EF4-FFF2-40B4-BE49-F238E27FC236}">
+                <a16:creationId xmlns:a16="http://schemas.microsoft.com/office/drawing/2014/main" id="{F8D576AE-49CA-3BE3-2DDA-F0BBAEEF0C1E}"/>
+              </a:ext>
+            </a:extLst>
+          </p:cNvPr>
+          <p:cNvCxnSpPr>
+            <a:cxnSpLocks/>
+          </p:cNvCxnSpPr>
+          <p:nvPr/>
+        </p:nvCxnSpPr>
+        <p:spPr>
+          <a:xfrm flipH="1">
+            <a:off x="9093633" y="2127903"/>
+            <a:ext cx="1421174" cy="1074116"/>
+          </a:xfrm>
+          <a:prstGeom prst="line">
+            <a:avLst/>
+          </a:prstGeom>
+          <a:noFill/>
+          <a:ln w="9525">
+            <a:solidFill>
+              <a:schemeClr val="tx1"/>
+            </a:solidFill>
+            <a:headEnd type="stealth" w="med" len="lg"/>
+            <a:tailEnd type="stealth" w="med" len="lg"/>
+          </a:ln>
+        </p:spPr>
+        <p:style>
+          <a:lnRef idx="2">
+            <a:schemeClr val="accent1">
+              <a:shade val="50000"/>
+            </a:schemeClr>
+          </a:lnRef>
+          <a:fillRef idx="1">
+            <a:schemeClr val="accent1"/>
+          </a:fillRef>
+          <a:effectRef idx="0">
+            <a:schemeClr val="accent1"/>
+          </a:effectRef>
+          <a:fontRef idx="minor">
+            <a:schemeClr val="lt1"/>
+          </a:fontRef>
+        </p:style>
+      </p:cxnSp>
+      <p:cxnSp>
+        <p:nvCxnSpPr>
+          <p:cNvPr id="99" name="Connecteur droit 98">
+            <a:extLst>
+              <a:ext uri="{FF2B5EF4-FFF2-40B4-BE49-F238E27FC236}">
+                <a16:creationId xmlns:a16="http://schemas.microsoft.com/office/drawing/2014/main" id="{F8D576AE-49CA-3BE3-2DDA-F0BBAEEF0C1E}"/>
+              </a:ext>
+            </a:extLst>
+          </p:cNvPr>
+          <p:cNvCxnSpPr>
+            <a:cxnSpLocks/>
+          </p:cNvCxnSpPr>
+          <p:nvPr/>
+        </p:nvCxnSpPr>
+        <p:spPr>
+          <a:xfrm>
+            <a:off x="8981511" y="1669652"/>
+            <a:ext cx="0" cy="655416"/>
+          </a:xfrm>
+          <a:prstGeom prst="line">
+            <a:avLst/>
+          </a:prstGeom>
+          <a:noFill/>
+          <a:ln w="12700">
+            <a:solidFill>
+              <a:schemeClr val="tx1"/>
+            </a:solidFill>
+            <a:tailEnd type="stealth" w="med" len="lg"/>
+          </a:ln>
+        </p:spPr>
+        <p:style>
+          <a:lnRef idx="2">
+            <a:schemeClr val="accent1">
+              <a:shade val="50000"/>
+            </a:schemeClr>
+          </a:lnRef>
+          <a:fillRef idx="1">
+            <a:schemeClr val="accent1"/>
+          </a:fillRef>
+          <a:effectRef idx="0">
+            <a:schemeClr val="accent1"/>
+          </a:effectRef>
+          <a:fontRef idx="minor">
+            <a:schemeClr val="lt1"/>
+          </a:fontRef>
+        </p:style>
+      </p:cxnSp>
+      <mc:AlternateContent xmlns:mc="http://schemas.openxmlformats.org/markup-compatibility/2006">
+        <mc:Choice xmlns:a14="http://schemas.microsoft.com/office/drawing/2010/main" Requires="a14">
+          <p:sp>
+            <p:nvSpPr>
+              <p:cNvPr id="100" name="ZoneTexte 99">
+                <a:extLst>
+                  <a:ext uri="{FF2B5EF4-FFF2-40B4-BE49-F238E27FC236}">
+                    <a16:creationId xmlns:a16="http://schemas.microsoft.com/office/drawing/2014/main" id="{45798531-1736-F545-4D22-FD01AAB847B0}"/>
+                  </a:ext>
+                </a:extLst>
+              </p:cNvPr>
+              <p:cNvSpPr txBox="1"/>
+              <p:nvPr/>
+            </p:nvSpPr>
+            <p:spPr>
+              <a:xfrm>
+                <a:off x="8570262" y="1858524"/>
+                <a:ext cx="497840" cy="261610"/>
+              </a:xfrm>
+              <a:prstGeom prst="rect">
+                <a:avLst/>
+              </a:prstGeom>
+              <a:noFill/>
+            </p:spPr>
+            <p:txBody>
+              <a:bodyPr wrap="square" rtlCol="0">
+                <a:spAutoFit/>
+              </a:bodyPr>
+              <a:lstStyle/>
+              <a:p>
+                <a:pPr/>
+                <a14:m>
+                  <m:oMathPara xmlns:m="http://schemas.openxmlformats.org/officeDocument/2006/math">
+                    <m:oMathParaPr>
+                      <m:jc m:val="centerGroup"/>
+                    </m:oMathParaPr>
+                    <m:oMath xmlns:m="http://schemas.openxmlformats.org/officeDocument/2006/math">
+                      <m:acc>
+                        <m:accPr>
+                          <m:chr m:val="⃗"/>
+                          <m:ctrlPr>
+                            <a:rPr lang="fr-FR" sz="1050" i="1" smtClean="0">
+                              <a:latin typeface="Cambria Math" panose="02040503050406030204" pitchFamily="18" charset="0"/>
+                            </a:rPr>
+                          </m:ctrlPr>
+                        </m:accPr>
+                        <m:e>
+                          <m:sSub>
+                            <m:sSubPr>
+                              <m:ctrlPr>
+                                <a:rPr lang="fr-FR" sz="1050" b="0" i="1" smtClean="0">
+                                  <a:latin typeface="Cambria Math" panose="02040503050406030204" pitchFamily="18" charset="0"/>
+                                </a:rPr>
+                              </m:ctrlPr>
+                            </m:sSubPr>
+                            <m:e>
+                              <m:r>
+                                <a:rPr lang="fr-FR" sz="1050" b="0" i="1" smtClean="0">
+                                  <a:latin typeface="Cambria Math" panose="02040503050406030204" pitchFamily="18" charset="0"/>
+                                </a:rPr>
+                                <m:t>𝑦</m:t>
+                              </m:r>
+                            </m:e>
+                            <m:sub>
+                              <m:r>
+                                <a:rPr lang="fr-FR" sz="1050" b="0" i="1" smtClean="0">
+                                  <a:latin typeface="Cambria Math" panose="02040503050406030204" pitchFamily="18" charset="0"/>
+                                </a:rPr>
+                                <m:t>0</m:t>
+                              </m:r>
+                            </m:sub>
+                          </m:sSub>
+                        </m:e>
+                      </m:acc>
+                    </m:oMath>
+                  </m:oMathPara>
+                </a14:m>
+                <a:endParaRPr lang="fr-FR" sz="1050" dirty="0"/>
+              </a:p>
+            </p:txBody>
+          </p:sp>
+        </mc:Choice>
+        <mc:Fallback>
+          <p:sp>
+            <p:nvSpPr>
+              <p:cNvPr id="100" name="ZoneTexte 99">
+                <a:extLst>
+                  <a:ext uri="{FF2B5EF4-FFF2-40B4-BE49-F238E27FC236}">
+                    <a16:creationId xmlns:a16="http://schemas.microsoft.com/office/drawing/2014/main" id="{45798531-1736-F545-4D22-FD01AAB847B0}"/>
+                  </a:ext>
+                </a:extLst>
+              </p:cNvPr>
+              <p:cNvSpPr txBox="1">
+                <a:spLocks noRot="1" noChangeAspect="1" noMove="1" noResize="1" noEditPoints="1" noAdjustHandles="1" noChangeArrowheads="1" noChangeShapeType="1" noTextEdit="1"/>
+              </p:cNvSpPr>
+              <p:nvPr/>
+            </p:nvSpPr>
+            <p:spPr>
+              <a:xfrm>
+                <a:off x="8570262" y="1858524"/>
+                <a:ext cx="497840" cy="261610"/>
+              </a:xfrm>
+              <a:prstGeom prst="rect">
+                <a:avLst/>
+              </a:prstGeom>
+              <a:blipFill>
+                <a:blip r:embed="rId26"/>
+                <a:stretch>
+                  <a:fillRect/>
+                </a:stretch>
+              </a:blipFill>
+            </p:spPr>
+            <p:txBody>
+              <a:bodyPr/>
+              <a:lstStyle/>
+              <a:p>
+                <a:r>
+                  <a:rPr lang="fr-FR">
+                    <a:noFill/>
+                  </a:rPr>
+                  <a:t> </a:t>
+                </a:r>
+              </a:p>
+            </p:txBody>
+          </p:sp>
+        </mc:Fallback>
+      </mc:AlternateContent>
+    </p:spTree>
+    <p:extLst>
+      <p:ext uri="{BB962C8B-B14F-4D97-AF65-F5344CB8AC3E}">
+        <p14:creationId xmlns:p14="http://schemas.microsoft.com/office/powerpoint/2010/main" val="1455636383"/>
+      </p:ext>
+    </p:extLst>
+  </p:cSld>
+  <p:clrMapOvr>
+    <a:masterClrMapping/>
+  </p:clrMapOvr>
+</p:sld>
+</file>
+
+<file path=ppt/slides/slide3.xml><?xml version="1.0" encoding="utf-8"?>
+<p:sld xmlns:a="http://schemas.openxmlformats.org/drawingml/2006/main" xmlns:r="http://schemas.openxmlformats.org/officeDocument/2006/relationships" xmlns:p="http://schemas.openxmlformats.org/presentationml/2006/main">
+  <p:cSld>
+    <p:spTree>
+      <p:nvGrpSpPr>
+        <p:cNvPr id="1" name=""/>
+        <p:cNvGrpSpPr/>
+        <p:nvPr/>
+      </p:nvGrpSpPr>
+      <p:grpSpPr>
+        <a:xfrm>
+          <a:off x="0" y="0"/>
+          <a:ext cx="0" cy="0"/>
+          <a:chOff x="0" y="0"/>
+          <a:chExt cx="0" cy="0"/>
+        </a:xfrm>
+      </p:grpSpPr>
       <p:pic>
         <p:nvPicPr>
           <p:cNvPr id="5" name="Image 4">
@@ -8899,7 +14630,7 @@
 </p:sld>
 </file>
 
-<file path=ppt/slides/slide3.xml><?xml version="1.0" encoding="utf-8"?>
+<file path=ppt/slides/slide4.xml><?xml version="1.0" encoding="utf-8"?>
 <p:sld xmlns:a="http://schemas.openxmlformats.org/drawingml/2006/main" xmlns:r="http://schemas.openxmlformats.org/officeDocument/2006/relationships" xmlns:p="http://schemas.openxmlformats.org/presentationml/2006/main">
   <p:cSld>
     <p:spTree>
@@ -15135,7 +20866,7 @@
 </p:sld>
 </file>
 
-<file path=ppt/slides/slide4.xml><?xml version="1.0" encoding="utf-8"?>
+<file path=ppt/slides/slide5.xml><?xml version="1.0" encoding="utf-8"?>
 <p:sld xmlns:a="http://schemas.openxmlformats.org/drawingml/2006/main" xmlns:r="http://schemas.openxmlformats.org/officeDocument/2006/relationships" xmlns:p="http://schemas.openxmlformats.org/presentationml/2006/main">
   <p:cSld>
     <p:spTree>

--- a/17_RobotDelta2D/Images/Figures2.pptx
+++ b/17_RobotDelta2D/Images/Figures2.pptx
@@ -9,7 +9,8 @@
     <p:sldId id="260" r:id="rId3"/>
     <p:sldId id="257" r:id="rId4"/>
     <p:sldId id="258" r:id="rId5"/>
-    <p:sldId id="259" r:id="rId6"/>
+    <p:sldId id="261" r:id="rId6"/>
+    <p:sldId id="259" r:id="rId7"/>
   </p:sldIdLst>
   <p:sldSz cx="12192000" cy="6858000"/>
   <p:notesSz cx="6858000" cy="9144000"/>
@@ -274,7 +275,7 @@
           <a:p>
             <a:fld id="{E89B7495-721A-440C-B815-4617627ED71C}" type="datetimeFigureOut">
               <a:rPr lang="fr-FR" smtClean="0"/>
-              <a:t>23/10/2023</a:t>
+              <a:t>24/10/2023</a:t>
             </a:fld>
             <a:endParaRPr lang="fr-FR"/>
           </a:p>
@@ -472,7 +473,7 @@
           <a:p>
             <a:fld id="{E89B7495-721A-440C-B815-4617627ED71C}" type="datetimeFigureOut">
               <a:rPr lang="fr-FR" smtClean="0"/>
-              <a:t>23/10/2023</a:t>
+              <a:t>24/10/2023</a:t>
             </a:fld>
             <a:endParaRPr lang="fr-FR"/>
           </a:p>
@@ -680,7 +681,7 @@
           <a:p>
             <a:fld id="{E89B7495-721A-440C-B815-4617627ED71C}" type="datetimeFigureOut">
               <a:rPr lang="fr-FR" smtClean="0"/>
-              <a:t>23/10/2023</a:t>
+              <a:t>24/10/2023</a:t>
             </a:fld>
             <a:endParaRPr lang="fr-FR"/>
           </a:p>
@@ -878,7 +879,7 @@
           <a:p>
             <a:fld id="{E89B7495-721A-440C-B815-4617627ED71C}" type="datetimeFigureOut">
               <a:rPr lang="fr-FR" smtClean="0"/>
-              <a:t>23/10/2023</a:t>
+              <a:t>24/10/2023</a:t>
             </a:fld>
             <a:endParaRPr lang="fr-FR"/>
           </a:p>
@@ -1153,7 +1154,7 @@
           <a:p>
             <a:fld id="{E89B7495-721A-440C-B815-4617627ED71C}" type="datetimeFigureOut">
               <a:rPr lang="fr-FR" smtClean="0"/>
-              <a:t>23/10/2023</a:t>
+              <a:t>24/10/2023</a:t>
             </a:fld>
             <a:endParaRPr lang="fr-FR"/>
           </a:p>
@@ -1418,7 +1419,7 @@
           <a:p>
             <a:fld id="{E89B7495-721A-440C-B815-4617627ED71C}" type="datetimeFigureOut">
               <a:rPr lang="fr-FR" smtClean="0"/>
-              <a:t>23/10/2023</a:t>
+              <a:t>24/10/2023</a:t>
             </a:fld>
             <a:endParaRPr lang="fr-FR"/>
           </a:p>
@@ -1830,7 +1831,7 @@
           <a:p>
             <a:fld id="{E89B7495-721A-440C-B815-4617627ED71C}" type="datetimeFigureOut">
               <a:rPr lang="fr-FR" smtClean="0"/>
-              <a:t>23/10/2023</a:t>
+              <a:t>24/10/2023</a:t>
             </a:fld>
             <a:endParaRPr lang="fr-FR"/>
           </a:p>
@@ -1971,7 +1972,7 @@
           <a:p>
             <a:fld id="{E89B7495-721A-440C-B815-4617627ED71C}" type="datetimeFigureOut">
               <a:rPr lang="fr-FR" smtClean="0"/>
-              <a:t>23/10/2023</a:t>
+              <a:t>24/10/2023</a:t>
             </a:fld>
             <a:endParaRPr lang="fr-FR"/>
           </a:p>
@@ -2084,7 +2085,7 @@
           <a:p>
             <a:fld id="{E89B7495-721A-440C-B815-4617627ED71C}" type="datetimeFigureOut">
               <a:rPr lang="fr-FR" smtClean="0"/>
-              <a:t>23/10/2023</a:t>
+              <a:t>24/10/2023</a:t>
             </a:fld>
             <a:endParaRPr lang="fr-FR"/>
           </a:p>
@@ -2395,7 +2396,7 @@
           <a:p>
             <a:fld id="{E89B7495-721A-440C-B815-4617627ED71C}" type="datetimeFigureOut">
               <a:rPr lang="fr-FR" smtClean="0"/>
-              <a:t>23/10/2023</a:t>
+              <a:t>24/10/2023</a:t>
             </a:fld>
             <a:endParaRPr lang="fr-FR"/>
           </a:p>
@@ -2683,7 +2684,7 @@
           <a:p>
             <a:fld id="{E89B7495-721A-440C-B815-4617627ED71C}" type="datetimeFigureOut">
               <a:rPr lang="fr-FR" smtClean="0"/>
-              <a:t>23/10/2023</a:t>
+              <a:t>24/10/2023</a:t>
             </a:fld>
             <a:endParaRPr lang="fr-FR"/>
           </a:p>
@@ -2924,7 +2925,7 @@
           <a:p>
             <a:fld id="{E89B7495-721A-440C-B815-4617627ED71C}" type="datetimeFigureOut">
               <a:rPr lang="fr-FR" smtClean="0"/>
-              <a:t>23/10/2023</a:t>
+              <a:t>24/10/2023</a:t>
             </a:fld>
             <a:endParaRPr lang="fr-FR"/>
           </a:p>
@@ -10651,8 +10652,8 @@
           </a:p>
         </p:txBody>
       </p:sp>
-      <mc:AlternateContent xmlns:mc="http://schemas.openxmlformats.org/markup-compatibility/2006">
-        <mc:Choice xmlns:a14="http://schemas.microsoft.com/office/drawing/2010/main" Requires="a14">
+      <mc:AlternateContent xmlns:mc="http://schemas.openxmlformats.org/markup-compatibility/2006" xmlns:a14="http://schemas.microsoft.com/office/drawing/2010/main">
+        <mc:Choice Requires="a14">
           <p:sp>
             <p:nvSpPr>
               <p:cNvPr id="168" name="ZoneTexte 167">
@@ -10733,7 +10734,7 @@
             </p:txBody>
           </p:sp>
         </mc:Choice>
-        <mc:Fallback>
+        <mc:Fallback xmlns="">
           <p:sp>
             <p:nvSpPr>
               <p:cNvPr id="168" name="ZoneTexte 167">
@@ -10778,8 +10779,8 @@
           </p:sp>
         </mc:Fallback>
       </mc:AlternateContent>
-      <mc:AlternateContent xmlns:mc="http://schemas.openxmlformats.org/markup-compatibility/2006">
-        <mc:Choice xmlns:a14="http://schemas.microsoft.com/office/drawing/2010/main" Requires="a14">
+      <mc:AlternateContent xmlns:mc="http://schemas.openxmlformats.org/markup-compatibility/2006" xmlns:a14="http://schemas.microsoft.com/office/drawing/2010/main">
+        <mc:Choice Requires="a14">
           <p:sp>
             <p:nvSpPr>
               <p:cNvPr id="169" name="ZoneTexte 168">
@@ -10829,7 +10830,7 @@
             </p:txBody>
           </p:sp>
         </mc:Choice>
-        <mc:Fallback>
+        <mc:Fallback xmlns="">
           <p:sp>
             <p:nvSpPr>
               <p:cNvPr id="169" name="ZoneTexte 168">
@@ -10874,8 +10875,8 @@
           </p:sp>
         </mc:Fallback>
       </mc:AlternateContent>
-      <mc:AlternateContent xmlns:mc="http://schemas.openxmlformats.org/markup-compatibility/2006">
-        <mc:Choice xmlns:a14="http://schemas.microsoft.com/office/drawing/2010/main" Requires="a14">
+      <mc:AlternateContent xmlns:mc="http://schemas.openxmlformats.org/markup-compatibility/2006" xmlns:a14="http://schemas.microsoft.com/office/drawing/2010/main">
+        <mc:Choice Requires="a14">
           <p:sp>
             <p:nvSpPr>
               <p:cNvPr id="170" name="ZoneTexte 169">
@@ -10925,7 +10926,7 @@
             </p:txBody>
           </p:sp>
         </mc:Choice>
-        <mc:Fallback>
+        <mc:Fallback xmlns="">
           <p:sp>
             <p:nvSpPr>
               <p:cNvPr id="170" name="ZoneTexte 169">
@@ -10970,8 +10971,8 @@
           </p:sp>
         </mc:Fallback>
       </mc:AlternateContent>
-      <mc:AlternateContent xmlns:mc="http://schemas.openxmlformats.org/markup-compatibility/2006">
-        <mc:Choice xmlns:a14="http://schemas.microsoft.com/office/drawing/2010/main" Requires="a14">
+      <mc:AlternateContent xmlns:mc="http://schemas.openxmlformats.org/markup-compatibility/2006" xmlns:a14="http://schemas.microsoft.com/office/drawing/2010/main">
+        <mc:Choice Requires="a14">
           <p:sp>
             <p:nvSpPr>
               <p:cNvPr id="171" name="ZoneTexte 170">
@@ -11021,7 +11022,7 @@
             </p:txBody>
           </p:sp>
         </mc:Choice>
-        <mc:Fallback>
+        <mc:Fallback xmlns="">
           <p:sp>
             <p:nvSpPr>
               <p:cNvPr id="171" name="ZoneTexte 170">
@@ -11066,8 +11067,8 @@
           </p:sp>
         </mc:Fallback>
       </mc:AlternateContent>
-      <mc:AlternateContent xmlns:mc="http://schemas.openxmlformats.org/markup-compatibility/2006">
-        <mc:Choice xmlns:a14="http://schemas.microsoft.com/office/drawing/2010/main" Requires="a14">
+      <mc:AlternateContent xmlns:mc="http://schemas.openxmlformats.org/markup-compatibility/2006" xmlns:a14="http://schemas.microsoft.com/office/drawing/2010/main">
+        <mc:Choice Requires="a14">
           <p:sp>
             <p:nvSpPr>
               <p:cNvPr id="172" name="ZoneTexte 171">
@@ -11117,7 +11118,7 @@
             </p:txBody>
           </p:sp>
         </mc:Choice>
-        <mc:Fallback>
+        <mc:Fallback xmlns="">
           <p:sp>
             <p:nvSpPr>
               <p:cNvPr id="172" name="ZoneTexte 171">
@@ -11162,8 +11163,8 @@
           </p:sp>
         </mc:Fallback>
       </mc:AlternateContent>
-      <mc:AlternateContent xmlns:mc="http://schemas.openxmlformats.org/markup-compatibility/2006">
-        <mc:Choice xmlns:a14="http://schemas.microsoft.com/office/drawing/2010/main" Requires="a14">
+      <mc:AlternateContent xmlns:mc="http://schemas.openxmlformats.org/markup-compatibility/2006" xmlns:a14="http://schemas.microsoft.com/office/drawing/2010/main">
+        <mc:Choice Requires="a14">
           <p:sp>
             <p:nvSpPr>
               <p:cNvPr id="173" name="ZoneTexte 172">
@@ -11213,7 +11214,7 @@
             </p:txBody>
           </p:sp>
         </mc:Choice>
-        <mc:Fallback>
+        <mc:Fallback xmlns="">
           <p:sp>
             <p:nvSpPr>
               <p:cNvPr id="173" name="ZoneTexte 172">
@@ -11258,8 +11259,8 @@
           </p:sp>
         </mc:Fallback>
       </mc:AlternateContent>
-      <mc:AlternateContent xmlns:mc="http://schemas.openxmlformats.org/markup-compatibility/2006">
-        <mc:Choice xmlns:a14="http://schemas.microsoft.com/office/drawing/2010/main" Requires="a14">
+      <mc:AlternateContent xmlns:mc="http://schemas.openxmlformats.org/markup-compatibility/2006" xmlns:a14="http://schemas.microsoft.com/office/drawing/2010/main">
+        <mc:Choice Requires="a14">
           <p:sp>
             <p:nvSpPr>
               <p:cNvPr id="174" name="ZoneTexte 173">
@@ -11309,7 +11310,7 @@
             </p:txBody>
           </p:sp>
         </mc:Choice>
-        <mc:Fallback>
+        <mc:Fallback xmlns="">
           <p:sp>
             <p:nvSpPr>
               <p:cNvPr id="174" name="ZoneTexte 173">
@@ -11354,8 +11355,8 @@
           </p:sp>
         </mc:Fallback>
       </mc:AlternateContent>
-      <mc:AlternateContent xmlns:mc="http://schemas.openxmlformats.org/markup-compatibility/2006">
-        <mc:Choice xmlns:a14="http://schemas.microsoft.com/office/drawing/2010/main" Requires="a14">
+      <mc:AlternateContent xmlns:mc="http://schemas.openxmlformats.org/markup-compatibility/2006" xmlns:a14="http://schemas.microsoft.com/office/drawing/2010/main">
+        <mc:Choice Requires="a14">
           <p:sp>
             <p:nvSpPr>
               <p:cNvPr id="175" name="ZoneTexte 174">
@@ -11405,7 +11406,7 @@
             </p:txBody>
           </p:sp>
         </mc:Choice>
-        <mc:Fallback>
+        <mc:Fallback xmlns="">
           <p:sp>
             <p:nvSpPr>
               <p:cNvPr id="175" name="ZoneTexte 174">
@@ -11450,8 +11451,8 @@
           </p:sp>
         </mc:Fallback>
       </mc:AlternateContent>
-      <mc:AlternateContent xmlns:mc="http://schemas.openxmlformats.org/markup-compatibility/2006">
-        <mc:Choice xmlns:a14="http://schemas.microsoft.com/office/drawing/2010/main" Requires="a14">
+      <mc:AlternateContent xmlns:mc="http://schemas.openxmlformats.org/markup-compatibility/2006" xmlns:a14="http://schemas.microsoft.com/office/drawing/2010/main">
+        <mc:Choice Requires="a14">
           <p:sp>
             <p:nvSpPr>
               <p:cNvPr id="176" name="ZoneTexte 175">
@@ -11501,7 +11502,7 @@
             </p:txBody>
           </p:sp>
         </mc:Choice>
-        <mc:Fallback>
+        <mc:Fallback xmlns="">
           <p:sp>
             <p:nvSpPr>
               <p:cNvPr id="176" name="ZoneTexte 175">
@@ -11546,8 +11547,8 @@
           </p:sp>
         </mc:Fallback>
       </mc:AlternateContent>
-      <mc:AlternateContent xmlns:mc="http://schemas.openxmlformats.org/markup-compatibility/2006">
-        <mc:Choice xmlns:a14="http://schemas.microsoft.com/office/drawing/2010/main" Requires="a14">
+      <mc:AlternateContent xmlns:mc="http://schemas.openxmlformats.org/markup-compatibility/2006" xmlns:a14="http://schemas.microsoft.com/office/drawing/2010/main">
+        <mc:Choice Requires="a14">
           <p:sp>
             <p:nvSpPr>
               <p:cNvPr id="177" name="ZoneTexte 176">
@@ -11597,7 +11598,7 @@
             </p:txBody>
           </p:sp>
         </mc:Choice>
-        <mc:Fallback>
+        <mc:Fallback xmlns="">
           <p:sp>
             <p:nvSpPr>
               <p:cNvPr id="177" name="ZoneTexte 176">
@@ -11642,8 +11643,8 @@
           </p:sp>
         </mc:Fallback>
       </mc:AlternateContent>
-      <mc:AlternateContent xmlns:mc="http://schemas.openxmlformats.org/markup-compatibility/2006">
-        <mc:Choice xmlns:a14="http://schemas.microsoft.com/office/drawing/2010/main" Requires="a14">
+      <mc:AlternateContent xmlns:mc="http://schemas.openxmlformats.org/markup-compatibility/2006" xmlns:a14="http://schemas.microsoft.com/office/drawing/2010/main">
+        <mc:Choice Requires="a14">
           <p:sp>
             <p:nvSpPr>
               <p:cNvPr id="197" name="ZoneTexte 196">
@@ -11724,7 +11725,7 @@
             </p:txBody>
           </p:sp>
         </mc:Choice>
-        <mc:Fallback>
+        <mc:Fallback xmlns="">
           <p:sp>
             <p:nvSpPr>
               <p:cNvPr id="197" name="ZoneTexte 196">
@@ -11861,8 +11862,8 @@
           </a:fontRef>
         </p:style>
       </p:cxnSp>
-      <mc:AlternateContent xmlns:mc="http://schemas.openxmlformats.org/markup-compatibility/2006">
-        <mc:Choice xmlns:a14="http://schemas.microsoft.com/office/drawing/2010/main" Requires="a14">
+      <mc:AlternateContent xmlns:mc="http://schemas.openxmlformats.org/markup-compatibility/2006" xmlns:a14="http://schemas.microsoft.com/office/drawing/2010/main">
+        <mc:Choice Requires="a14">
           <p:sp>
             <p:nvSpPr>
               <p:cNvPr id="215" name="ZoneTexte 214">
@@ -11912,7 +11913,7 @@
             </p:txBody>
           </p:sp>
         </mc:Choice>
-        <mc:Fallback>
+        <mc:Fallback xmlns="">
           <p:sp>
             <p:nvSpPr>
               <p:cNvPr id="215" name="ZoneTexte 214">
@@ -11957,8 +11958,8 @@
           </p:sp>
         </mc:Fallback>
       </mc:AlternateContent>
-      <mc:AlternateContent xmlns:mc="http://schemas.openxmlformats.org/markup-compatibility/2006">
-        <mc:Choice xmlns:a14="http://schemas.microsoft.com/office/drawing/2010/main" Requires="a14">
+      <mc:AlternateContent xmlns:mc="http://schemas.openxmlformats.org/markup-compatibility/2006" xmlns:a14="http://schemas.microsoft.com/office/drawing/2010/main">
+        <mc:Choice Requires="a14">
           <p:sp>
             <p:nvSpPr>
               <p:cNvPr id="89" name="ZoneTexte 88">
@@ -12008,7 +12009,7 @@
             </p:txBody>
           </p:sp>
         </mc:Choice>
-        <mc:Fallback>
+        <mc:Fallback xmlns="">
           <p:sp>
             <p:nvSpPr>
               <p:cNvPr id="89" name="ZoneTexte 88">
@@ -13848,8 +13849,8 @@
           </a:fontRef>
         </p:style>
       </p:cxnSp>
-      <mc:AlternateContent xmlns:mc="http://schemas.openxmlformats.org/markup-compatibility/2006">
-        <mc:Choice xmlns:a14="http://schemas.microsoft.com/office/drawing/2010/main" Requires="a14">
+      <mc:AlternateContent xmlns:mc="http://schemas.openxmlformats.org/markup-compatibility/2006" xmlns:a14="http://schemas.microsoft.com/office/drawing/2010/main">
+        <mc:Choice Requires="a14">
           <p:sp>
             <p:nvSpPr>
               <p:cNvPr id="94" name="ZoneTexte 93">
@@ -13899,7 +13900,7 @@
             </p:txBody>
           </p:sp>
         </mc:Choice>
-        <mc:Fallback>
+        <mc:Fallback xmlns="">
           <p:sp>
             <p:nvSpPr>
               <p:cNvPr id="94" name="ZoneTexte 93">
@@ -13944,8 +13945,8 @@
           </p:sp>
         </mc:Fallback>
       </mc:AlternateContent>
-      <mc:AlternateContent xmlns:mc="http://schemas.openxmlformats.org/markup-compatibility/2006">
-        <mc:Choice xmlns:a14="http://schemas.microsoft.com/office/drawing/2010/main" Requires="a14">
+      <mc:AlternateContent xmlns:mc="http://schemas.openxmlformats.org/markup-compatibility/2006" xmlns:a14="http://schemas.microsoft.com/office/drawing/2010/main">
+        <mc:Choice Requires="a14">
           <p:sp>
             <p:nvSpPr>
               <p:cNvPr id="95" name="ZoneTexte 94">
@@ -13995,7 +13996,7 @@
             </p:txBody>
           </p:sp>
         </mc:Choice>
-        <mc:Fallback>
+        <mc:Fallback xmlns="">
           <p:sp>
             <p:nvSpPr>
               <p:cNvPr id="95" name="ZoneTexte 94">
@@ -14135,8 +14136,8 @@
           </a:fontRef>
         </p:style>
       </p:cxnSp>
-      <mc:AlternateContent xmlns:mc="http://schemas.openxmlformats.org/markup-compatibility/2006">
-        <mc:Choice xmlns:a14="http://schemas.microsoft.com/office/drawing/2010/main" Requires="a14">
+      <mc:AlternateContent xmlns:mc="http://schemas.openxmlformats.org/markup-compatibility/2006" xmlns:a14="http://schemas.microsoft.com/office/drawing/2010/main">
+        <mc:Choice Requires="a14">
           <p:sp>
             <p:nvSpPr>
               <p:cNvPr id="100" name="ZoneTexte 99">
@@ -14217,7 +14218,7 @@
             </p:txBody>
           </p:sp>
         </mc:Choice>
-        <mc:Fallback>
+        <mc:Fallback xmlns="">
           <p:sp>
             <p:nvSpPr>
               <p:cNvPr id="100" name="ZoneTexte 99">
@@ -20883,6 +20884,1563 @@
           <a:chExt cx="0" cy="0"/>
         </a:xfrm>
       </p:grpSpPr>
+      <p:sp>
+        <p:nvSpPr>
+          <p:cNvPr id="2" name="Titre 1"/>
+          <p:cNvSpPr>
+            <a:spLocks noGrp="1"/>
+          </p:cNvSpPr>
+          <p:nvPr>
+            <p:ph type="title"/>
+          </p:nvPr>
+        </p:nvSpPr>
+        <p:spPr/>
+        <p:txBody>
+          <a:bodyPr/>
+          <a:lstStyle/>
+          <a:p>
+            <a:endParaRPr lang="fr-FR"/>
+          </a:p>
+        </p:txBody>
+      </p:sp>
+      <mc:AlternateContent xmlns:mc="http://schemas.openxmlformats.org/markup-compatibility/2006">
+        <mc:Choice xmlns:a14="http://schemas.microsoft.com/office/drawing/2010/main" Requires="a14">
+          <p:sp>
+            <p:nvSpPr>
+              <p:cNvPr id="3" name="Espace réservé du contenu 2"/>
+              <p:cNvSpPr>
+                <a:spLocks noGrp="1"/>
+              </p:cNvSpPr>
+              <p:nvPr>
+                <p:ph idx="1"/>
+              </p:nvPr>
+            </p:nvSpPr>
+            <p:spPr/>
+            <p:txBody>
+              <a:bodyPr/>
+              <a:lstStyle/>
+              <a:p>
+                <a14:m>
+                  <m:oMath xmlns:m="http://schemas.openxmlformats.org/officeDocument/2006/math">
+                    <m:d>
+                      <m:dPr>
+                        <m:begChr m:val="{"/>
+                        <m:endChr m:val=""/>
+                        <m:ctrlPr>
+                          <a:rPr lang="fr-FR" i="1" smtClean="0">
+                            <a:latin typeface="Cambria Math" panose="02040503050406030204" pitchFamily="18" charset="0"/>
+                          </a:rPr>
+                        </m:ctrlPr>
+                      </m:dPr>
+                      <m:e>
+                        <m:eqArr>
+                          <m:eqArrPr>
+                            <m:ctrlPr>
+                              <a:rPr lang="fr-FR" i="1">
+                                <a:latin typeface="Cambria Math" panose="02040503050406030204" pitchFamily="18" charset="0"/>
+                              </a:rPr>
+                            </m:ctrlPr>
+                          </m:eqArrPr>
+                          <m:e>
+                            <m:r>
+                              <a:rPr lang="fr-FR" i="1">
+                                <a:latin typeface="Cambria Math" panose="02040503050406030204" pitchFamily="18" charset="0"/>
+                              </a:rPr>
+                              <m:t>𝑥</m:t>
+                            </m:r>
+                            <m:r>
+                              <a:rPr lang="fr-FR">
+                                <a:latin typeface="Cambria Math" panose="02040503050406030204" pitchFamily="18" charset="0"/>
+                              </a:rPr>
+                              <m:t>=</m:t>
+                            </m:r>
+                            <m:r>
+                              <a:rPr lang="fr-FR" i="1">
+                                <a:latin typeface="Cambria Math" panose="02040503050406030204" pitchFamily="18" charset="0"/>
+                              </a:rPr>
+                              <m:t>𝑎</m:t>
+                            </m:r>
+                            <m:r>
+                              <a:rPr lang="fr-FR" i="1">
+                                <a:latin typeface="Cambria Math" panose="02040503050406030204" pitchFamily="18" charset="0"/>
+                              </a:rPr>
+                              <m:t>+</m:t>
+                            </m:r>
+                            <m:r>
+                              <a:rPr lang="fr-FR" i="1">
+                                <a:latin typeface="Cambria Math" panose="02040503050406030204" pitchFamily="18" charset="0"/>
+                              </a:rPr>
+                              <m:t>𝑏</m:t>
+                            </m:r>
+                            <m:func>
+                              <m:funcPr>
+                                <m:ctrlPr>
+                                  <a:rPr lang="fr-FR" i="1">
+                                    <a:latin typeface="Cambria Math" panose="02040503050406030204" pitchFamily="18" charset="0"/>
+                                  </a:rPr>
+                                </m:ctrlPr>
+                              </m:funcPr>
+                              <m:fName>
+                                <m:r>
+                                  <m:rPr>
+                                    <m:sty m:val="p"/>
+                                  </m:rPr>
+                                  <a:rPr lang="fr-FR">
+                                    <a:latin typeface="Cambria Math" panose="02040503050406030204" pitchFamily="18" charset="0"/>
+                                  </a:rPr>
+                                  <m:t>cos</m:t>
+                                </m:r>
+                              </m:fName>
+                              <m:e>
+                                <m:sSub>
+                                  <m:sSubPr>
+                                    <m:ctrlPr>
+                                      <a:rPr lang="fr-FR" i="1">
+                                        <a:latin typeface="Cambria Math" panose="02040503050406030204" pitchFamily="18" charset="0"/>
+                                      </a:rPr>
+                                    </m:ctrlPr>
+                                  </m:sSubPr>
+                                  <m:e>
+                                    <m:r>
+                                      <a:rPr lang="fr-FR" i="1">
+                                        <a:latin typeface="Cambria Math" panose="02040503050406030204" pitchFamily="18" charset="0"/>
+                                      </a:rPr>
+                                      <m:t>𝛼</m:t>
+                                    </m:r>
+                                  </m:e>
+                                  <m:sub>
+                                    <m:r>
+                                      <a:rPr lang="fr-FR" i="1">
+                                        <a:latin typeface="Cambria Math" panose="02040503050406030204" pitchFamily="18" charset="0"/>
+                                      </a:rPr>
+                                      <m:t>1</m:t>
+                                    </m:r>
+                                  </m:sub>
+                                </m:sSub>
+                              </m:e>
+                            </m:func>
+                            <m:r>
+                              <a:rPr lang="fr-FR" i="1">
+                                <a:latin typeface="Cambria Math" panose="02040503050406030204" pitchFamily="18" charset="0"/>
+                              </a:rPr>
+                              <m:t>+</m:t>
+                            </m:r>
+                            <m:r>
+                              <a:rPr lang="fr-FR" i="1">
+                                <a:latin typeface="Cambria Math" panose="02040503050406030204" pitchFamily="18" charset="0"/>
+                              </a:rPr>
+                              <m:t>𝑐</m:t>
+                            </m:r>
+                            <m:func>
+                              <m:funcPr>
+                                <m:ctrlPr>
+                                  <a:rPr lang="fr-FR" i="1">
+                                    <a:latin typeface="Cambria Math" panose="02040503050406030204" pitchFamily="18" charset="0"/>
+                                  </a:rPr>
+                                </m:ctrlPr>
+                              </m:funcPr>
+                              <m:fName>
+                                <m:r>
+                                  <m:rPr>
+                                    <m:sty m:val="p"/>
+                                  </m:rPr>
+                                  <a:rPr lang="fr-FR">
+                                    <a:latin typeface="Cambria Math" panose="02040503050406030204" pitchFamily="18" charset="0"/>
+                                  </a:rPr>
+                                  <m:t>cos</m:t>
+                                </m:r>
+                              </m:fName>
+                              <m:e>
+                                <m:d>
+                                  <m:dPr>
+                                    <m:ctrlPr>
+                                      <a:rPr lang="fr-FR" i="1">
+                                        <a:latin typeface="Cambria Math" panose="02040503050406030204" pitchFamily="18" charset="0"/>
+                                      </a:rPr>
+                                    </m:ctrlPr>
+                                  </m:dPr>
+                                  <m:e>
+                                    <m:sSub>
+                                      <m:sSubPr>
+                                        <m:ctrlPr>
+                                          <a:rPr lang="fr-FR" i="1">
+                                            <a:latin typeface="Cambria Math" panose="02040503050406030204" pitchFamily="18" charset="0"/>
+                                          </a:rPr>
+                                        </m:ctrlPr>
+                                      </m:sSubPr>
+                                      <m:e>
+                                        <m:r>
+                                          <a:rPr lang="fr-FR" i="1">
+                                            <a:latin typeface="Cambria Math" panose="02040503050406030204" pitchFamily="18" charset="0"/>
+                                          </a:rPr>
+                                          <m:t>𝛼</m:t>
+                                        </m:r>
+                                      </m:e>
+                                      <m:sub>
+                                        <m:r>
+                                          <a:rPr lang="fr-FR" i="1">
+                                            <a:latin typeface="Cambria Math" panose="02040503050406030204" pitchFamily="18" charset="0"/>
+                                          </a:rPr>
+                                          <m:t>1</m:t>
+                                        </m:r>
+                                      </m:sub>
+                                    </m:sSub>
+                                    <m:r>
+                                      <a:rPr lang="fr-FR" i="1">
+                                        <a:latin typeface="Cambria Math" panose="02040503050406030204" pitchFamily="18" charset="0"/>
+                                      </a:rPr>
+                                      <m:t>+</m:t>
+                                    </m:r>
+                                    <m:sSub>
+                                      <m:sSubPr>
+                                        <m:ctrlPr>
+                                          <a:rPr lang="fr-FR" i="1">
+                                            <a:latin typeface="Cambria Math" panose="02040503050406030204" pitchFamily="18" charset="0"/>
+                                          </a:rPr>
+                                        </m:ctrlPr>
+                                      </m:sSubPr>
+                                      <m:e>
+                                        <m:r>
+                                          <a:rPr lang="fr-FR" i="1">
+                                            <a:latin typeface="Cambria Math" panose="02040503050406030204" pitchFamily="18" charset="0"/>
+                                          </a:rPr>
+                                          <m:t>𝛼</m:t>
+                                        </m:r>
+                                      </m:e>
+                                      <m:sub>
+                                        <m:r>
+                                          <a:rPr lang="fr-FR" i="1">
+                                            <a:latin typeface="Cambria Math" panose="02040503050406030204" pitchFamily="18" charset="0"/>
+                                          </a:rPr>
+                                          <m:t>4</m:t>
+                                        </m:r>
+                                      </m:sub>
+                                    </m:sSub>
+                                  </m:e>
+                                </m:d>
+                              </m:e>
+                            </m:func>
+                          </m:e>
+                          <m:e>
+                            <m:r>
+                              <a:rPr lang="fr-FR" i="1">
+                                <a:latin typeface="Cambria Math" panose="02040503050406030204" pitchFamily="18" charset="0"/>
+                              </a:rPr>
+                              <m:t>𝑦</m:t>
+                            </m:r>
+                            <m:r>
+                              <a:rPr lang="fr-FR">
+                                <a:latin typeface="Cambria Math" panose="02040503050406030204" pitchFamily="18" charset="0"/>
+                              </a:rPr>
+                              <m:t>=</m:t>
+                            </m:r>
+                            <m:r>
+                              <a:rPr lang="fr-FR" i="1">
+                                <a:latin typeface="Cambria Math" panose="02040503050406030204" pitchFamily="18" charset="0"/>
+                              </a:rPr>
+                              <m:t>𝑏</m:t>
+                            </m:r>
+                            <m:func>
+                              <m:funcPr>
+                                <m:ctrlPr>
+                                  <a:rPr lang="fr-FR" i="1">
+                                    <a:latin typeface="Cambria Math" panose="02040503050406030204" pitchFamily="18" charset="0"/>
+                                  </a:rPr>
+                                </m:ctrlPr>
+                              </m:funcPr>
+                              <m:fName>
+                                <m:r>
+                                  <m:rPr>
+                                    <m:sty m:val="p"/>
+                                  </m:rPr>
+                                  <a:rPr lang="fr-FR">
+                                    <a:latin typeface="Cambria Math" panose="02040503050406030204" pitchFamily="18" charset="0"/>
+                                  </a:rPr>
+                                  <m:t>sin</m:t>
+                                </m:r>
+                              </m:fName>
+                              <m:e>
+                                <m:sSub>
+                                  <m:sSubPr>
+                                    <m:ctrlPr>
+                                      <a:rPr lang="fr-FR" i="1">
+                                        <a:latin typeface="Cambria Math" panose="02040503050406030204" pitchFamily="18" charset="0"/>
+                                      </a:rPr>
+                                    </m:ctrlPr>
+                                  </m:sSubPr>
+                                  <m:e>
+                                    <m:r>
+                                      <a:rPr lang="fr-FR" i="1">
+                                        <a:latin typeface="Cambria Math" panose="02040503050406030204" pitchFamily="18" charset="0"/>
+                                      </a:rPr>
+                                      <m:t>𝛼</m:t>
+                                    </m:r>
+                                  </m:e>
+                                  <m:sub>
+                                    <m:r>
+                                      <a:rPr lang="fr-FR" i="1">
+                                        <a:latin typeface="Cambria Math" panose="02040503050406030204" pitchFamily="18" charset="0"/>
+                                      </a:rPr>
+                                      <m:t>1</m:t>
+                                    </m:r>
+                                  </m:sub>
+                                </m:sSub>
+                              </m:e>
+                            </m:func>
+                            <m:r>
+                              <a:rPr lang="fr-FR" i="1">
+                                <a:latin typeface="Cambria Math" panose="02040503050406030204" pitchFamily="18" charset="0"/>
+                              </a:rPr>
+                              <m:t>+</m:t>
+                            </m:r>
+                            <m:r>
+                              <a:rPr lang="fr-FR" i="1">
+                                <a:latin typeface="Cambria Math" panose="02040503050406030204" pitchFamily="18" charset="0"/>
+                              </a:rPr>
+                              <m:t>𝑐</m:t>
+                            </m:r>
+                            <m:func>
+                              <m:funcPr>
+                                <m:ctrlPr>
+                                  <a:rPr lang="fr-FR" i="1">
+                                    <a:latin typeface="Cambria Math" panose="02040503050406030204" pitchFamily="18" charset="0"/>
+                                  </a:rPr>
+                                </m:ctrlPr>
+                              </m:funcPr>
+                              <m:fName>
+                                <m:r>
+                                  <m:rPr>
+                                    <m:sty m:val="p"/>
+                                  </m:rPr>
+                                  <a:rPr lang="fr-FR">
+                                    <a:latin typeface="Cambria Math" panose="02040503050406030204" pitchFamily="18" charset="0"/>
+                                  </a:rPr>
+                                  <m:t>sin</m:t>
+                                </m:r>
+                              </m:fName>
+                              <m:e>
+                                <m:d>
+                                  <m:dPr>
+                                    <m:ctrlPr>
+                                      <a:rPr lang="fr-FR" i="1">
+                                        <a:latin typeface="Cambria Math" panose="02040503050406030204" pitchFamily="18" charset="0"/>
+                                      </a:rPr>
+                                    </m:ctrlPr>
+                                  </m:dPr>
+                                  <m:e>
+                                    <m:sSub>
+                                      <m:sSubPr>
+                                        <m:ctrlPr>
+                                          <a:rPr lang="fr-FR" i="1">
+                                            <a:latin typeface="Cambria Math" panose="02040503050406030204" pitchFamily="18" charset="0"/>
+                                          </a:rPr>
+                                        </m:ctrlPr>
+                                      </m:sSubPr>
+                                      <m:e>
+                                        <m:r>
+                                          <a:rPr lang="fr-FR" i="1">
+                                            <a:latin typeface="Cambria Math" panose="02040503050406030204" pitchFamily="18" charset="0"/>
+                                          </a:rPr>
+                                          <m:t>𝛼</m:t>
+                                        </m:r>
+                                      </m:e>
+                                      <m:sub>
+                                        <m:r>
+                                          <a:rPr lang="fr-FR" i="1">
+                                            <a:latin typeface="Cambria Math" panose="02040503050406030204" pitchFamily="18" charset="0"/>
+                                          </a:rPr>
+                                          <m:t>1</m:t>
+                                        </m:r>
+                                      </m:sub>
+                                    </m:sSub>
+                                    <m:r>
+                                      <a:rPr lang="fr-FR" i="1">
+                                        <a:latin typeface="Cambria Math" panose="02040503050406030204" pitchFamily="18" charset="0"/>
+                                      </a:rPr>
+                                      <m:t>+</m:t>
+                                    </m:r>
+                                    <m:sSub>
+                                      <m:sSubPr>
+                                        <m:ctrlPr>
+                                          <a:rPr lang="fr-FR" i="1">
+                                            <a:latin typeface="Cambria Math" panose="02040503050406030204" pitchFamily="18" charset="0"/>
+                                          </a:rPr>
+                                        </m:ctrlPr>
+                                      </m:sSubPr>
+                                      <m:e>
+                                        <m:r>
+                                          <a:rPr lang="fr-FR" i="1">
+                                            <a:latin typeface="Cambria Math" panose="02040503050406030204" pitchFamily="18" charset="0"/>
+                                          </a:rPr>
+                                          <m:t>𝛼</m:t>
+                                        </m:r>
+                                      </m:e>
+                                      <m:sub>
+                                        <m:r>
+                                          <a:rPr lang="fr-FR" i="1">
+                                            <a:latin typeface="Cambria Math" panose="02040503050406030204" pitchFamily="18" charset="0"/>
+                                          </a:rPr>
+                                          <m:t>4</m:t>
+                                        </m:r>
+                                      </m:sub>
+                                    </m:sSub>
+                                  </m:e>
+                                </m:d>
+                              </m:e>
+                            </m:func>
+                          </m:e>
+                        </m:eqArr>
+                      </m:e>
+                    </m:d>
+                  </m:oMath>
+                </a14:m>
+                <a:r>
+                  <a:rPr lang="fr-FR" dirty="0"/>
+                  <a:t> </a:t>
+                </a:r>
+                <a14:m>
+                  <m:oMath xmlns:m="http://schemas.openxmlformats.org/officeDocument/2006/math">
+                    <m:r>
+                      <a:rPr lang="fr-FR" i="1">
+                        <a:latin typeface="Cambria Math" panose="02040503050406030204" pitchFamily="18" charset="0"/>
+                      </a:rPr>
+                      <m:t>⇒</m:t>
+                    </m:r>
+                    <m:d>
+                      <m:dPr>
+                        <m:begChr m:val="{"/>
+                        <m:endChr m:val=""/>
+                        <m:ctrlPr>
+                          <a:rPr lang="fr-FR" i="1">
+                            <a:latin typeface="Cambria Math" panose="02040503050406030204" pitchFamily="18" charset="0"/>
+                          </a:rPr>
+                        </m:ctrlPr>
+                      </m:dPr>
+                      <m:e>
+                        <m:eqArr>
+                          <m:eqArrPr>
+                            <m:ctrlPr>
+                              <a:rPr lang="fr-FR" i="1">
+                                <a:latin typeface="Cambria Math" panose="02040503050406030204" pitchFamily="18" charset="0"/>
+                              </a:rPr>
+                            </m:ctrlPr>
+                          </m:eqArrPr>
+                          <m:e>
+                            <m:r>
+                              <a:rPr lang="fr-FR" i="1">
+                                <a:latin typeface="Cambria Math" panose="02040503050406030204" pitchFamily="18" charset="0"/>
+                              </a:rPr>
+                              <m:t>𝑥</m:t>
+                            </m:r>
+                            <m:r>
+                              <a:rPr lang="fr-FR" b="0" i="0" smtClean="0">
+                                <a:latin typeface="Cambria Math" panose="02040503050406030204" pitchFamily="18" charset="0"/>
+                              </a:rPr>
+                              <m:t>−</m:t>
+                            </m:r>
+                            <m:r>
+                              <m:rPr>
+                                <m:sty m:val="p"/>
+                              </m:rPr>
+                              <a:rPr lang="fr-FR" b="0" i="0" smtClean="0">
+                                <a:latin typeface="Cambria Math" panose="02040503050406030204" pitchFamily="18" charset="0"/>
+                              </a:rPr>
+                              <m:t>a</m:t>
+                            </m:r>
+                            <m:r>
+                              <a:rPr lang="fr-FR" b="0" i="0" smtClean="0">
+                                <a:latin typeface="Cambria Math" panose="02040503050406030204" pitchFamily="18" charset="0"/>
+                              </a:rPr>
+                              <m:t>−</m:t>
+                            </m:r>
+                            <m:r>
+                              <a:rPr lang="fr-FR" i="1">
+                                <a:latin typeface="Cambria Math" panose="02040503050406030204" pitchFamily="18" charset="0"/>
+                              </a:rPr>
+                              <m:t>𝑐</m:t>
+                            </m:r>
+                            <m:func>
+                              <m:funcPr>
+                                <m:ctrlPr>
+                                  <a:rPr lang="fr-FR" i="1">
+                                    <a:latin typeface="Cambria Math" panose="02040503050406030204" pitchFamily="18" charset="0"/>
+                                  </a:rPr>
+                                </m:ctrlPr>
+                              </m:funcPr>
+                              <m:fName>
+                                <m:r>
+                                  <m:rPr>
+                                    <m:sty m:val="p"/>
+                                  </m:rPr>
+                                  <a:rPr lang="fr-FR">
+                                    <a:latin typeface="Cambria Math" panose="02040503050406030204" pitchFamily="18" charset="0"/>
+                                  </a:rPr>
+                                  <m:t>cos</m:t>
+                                </m:r>
+                              </m:fName>
+                              <m:e>
+                                <m:d>
+                                  <m:dPr>
+                                    <m:ctrlPr>
+                                      <a:rPr lang="fr-FR" i="1">
+                                        <a:latin typeface="Cambria Math" panose="02040503050406030204" pitchFamily="18" charset="0"/>
+                                      </a:rPr>
+                                    </m:ctrlPr>
+                                  </m:dPr>
+                                  <m:e>
+                                    <m:sSub>
+                                      <m:sSubPr>
+                                        <m:ctrlPr>
+                                          <a:rPr lang="fr-FR" i="1">
+                                            <a:latin typeface="Cambria Math" panose="02040503050406030204" pitchFamily="18" charset="0"/>
+                                          </a:rPr>
+                                        </m:ctrlPr>
+                                      </m:sSubPr>
+                                      <m:e>
+                                        <m:r>
+                                          <a:rPr lang="fr-FR" i="1">
+                                            <a:latin typeface="Cambria Math" panose="02040503050406030204" pitchFamily="18" charset="0"/>
+                                          </a:rPr>
+                                          <m:t>𝛼</m:t>
+                                        </m:r>
+                                      </m:e>
+                                      <m:sub>
+                                        <m:r>
+                                          <a:rPr lang="fr-FR" i="1">
+                                            <a:latin typeface="Cambria Math" panose="02040503050406030204" pitchFamily="18" charset="0"/>
+                                          </a:rPr>
+                                          <m:t>1</m:t>
+                                        </m:r>
+                                      </m:sub>
+                                    </m:sSub>
+                                    <m:r>
+                                      <a:rPr lang="fr-FR" i="1">
+                                        <a:latin typeface="Cambria Math" panose="02040503050406030204" pitchFamily="18" charset="0"/>
+                                      </a:rPr>
+                                      <m:t>+</m:t>
+                                    </m:r>
+                                    <m:sSub>
+                                      <m:sSubPr>
+                                        <m:ctrlPr>
+                                          <a:rPr lang="fr-FR" i="1">
+                                            <a:latin typeface="Cambria Math" panose="02040503050406030204" pitchFamily="18" charset="0"/>
+                                          </a:rPr>
+                                        </m:ctrlPr>
+                                      </m:sSubPr>
+                                      <m:e>
+                                        <m:r>
+                                          <a:rPr lang="fr-FR" i="1">
+                                            <a:latin typeface="Cambria Math" panose="02040503050406030204" pitchFamily="18" charset="0"/>
+                                          </a:rPr>
+                                          <m:t>𝛼</m:t>
+                                        </m:r>
+                                      </m:e>
+                                      <m:sub>
+                                        <m:r>
+                                          <a:rPr lang="fr-FR" i="1">
+                                            <a:latin typeface="Cambria Math" panose="02040503050406030204" pitchFamily="18" charset="0"/>
+                                          </a:rPr>
+                                          <m:t>4</m:t>
+                                        </m:r>
+                                      </m:sub>
+                                    </m:sSub>
+                                  </m:e>
+                                </m:d>
+                              </m:e>
+                            </m:func>
+                            <m:r>
+                              <a:rPr lang="fr-FR">
+                                <a:latin typeface="Cambria Math" panose="02040503050406030204" pitchFamily="18" charset="0"/>
+                              </a:rPr>
+                              <m:t>=</m:t>
+                            </m:r>
+                            <m:r>
+                              <a:rPr lang="fr-FR" i="1">
+                                <a:latin typeface="Cambria Math" panose="02040503050406030204" pitchFamily="18" charset="0"/>
+                              </a:rPr>
+                              <m:t>𝑏</m:t>
+                            </m:r>
+                            <m:func>
+                              <m:funcPr>
+                                <m:ctrlPr>
+                                  <a:rPr lang="fr-FR" i="1">
+                                    <a:latin typeface="Cambria Math" panose="02040503050406030204" pitchFamily="18" charset="0"/>
+                                  </a:rPr>
+                                </m:ctrlPr>
+                              </m:funcPr>
+                              <m:fName>
+                                <m:r>
+                                  <m:rPr>
+                                    <m:sty m:val="p"/>
+                                  </m:rPr>
+                                  <a:rPr lang="fr-FR">
+                                    <a:latin typeface="Cambria Math" panose="02040503050406030204" pitchFamily="18" charset="0"/>
+                                  </a:rPr>
+                                  <m:t>cos</m:t>
+                                </m:r>
+                              </m:fName>
+                              <m:e>
+                                <m:sSub>
+                                  <m:sSubPr>
+                                    <m:ctrlPr>
+                                      <a:rPr lang="fr-FR" i="1">
+                                        <a:latin typeface="Cambria Math" panose="02040503050406030204" pitchFamily="18" charset="0"/>
+                                      </a:rPr>
+                                    </m:ctrlPr>
+                                  </m:sSubPr>
+                                  <m:e>
+                                    <m:r>
+                                      <a:rPr lang="fr-FR" i="1">
+                                        <a:latin typeface="Cambria Math" panose="02040503050406030204" pitchFamily="18" charset="0"/>
+                                      </a:rPr>
+                                      <m:t>𝛼</m:t>
+                                    </m:r>
+                                  </m:e>
+                                  <m:sub>
+                                    <m:r>
+                                      <a:rPr lang="fr-FR" i="1">
+                                        <a:latin typeface="Cambria Math" panose="02040503050406030204" pitchFamily="18" charset="0"/>
+                                      </a:rPr>
+                                      <m:t>1</m:t>
+                                    </m:r>
+                                  </m:sub>
+                                </m:sSub>
+                              </m:e>
+                            </m:func>
+                          </m:e>
+                          <m:e>
+                            <m:r>
+                              <a:rPr lang="fr-FR" i="1">
+                                <a:latin typeface="Cambria Math" panose="02040503050406030204" pitchFamily="18" charset="0"/>
+                              </a:rPr>
+                              <m:t>𝑦</m:t>
+                            </m:r>
+                            <m:r>
+                              <a:rPr lang="fr-FR" b="0" i="1" smtClean="0">
+                                <a:latin typeface="Cambria Math" panose="02040503050406030204" pitchFamily="18" charset="0"/>
+                              </a:rPr>
+                              <m:t>−</m:t>
+                            </m:r>
+                            <m:r>
+                              <a:rPr lang="fr-FR" i="1">
+                                <a:latin typeface="Cambria Math" panose="02040503050406030204" pitchFamily="18" charset="0"/>
+                              </a:rPr>
+                              <m:t>𝑐</m:t>
+                            </m:r>
+                            <m:func>
+                              <m:funcPr>
+                                <m:ctrlPr>
+                                  <a:rPr lang="fr-FR" i="1">
+                                    <a:latin typeface="Cambria Math" panose="02040503050406030204" pitchFamily="18" charset="0"/>
+                                  </a:rPr>
+                                </m:ctrlPr>
+                              </m:funcPr>
+                              <m:fName>
+                                <m:r>
+                                  <m:rPr>
+                                    <m:sty m:val="p"/>
+                                  </m:rPr>
+                                  <a:rPr lang="fr-FR">
+                                    <a:latin typeface="Cambria Math" panose="02040503050406030204" pitchFamily="18" charset="0"/>
+                                  </a:rPr>
+                                  <m:t>sin</m:t>
+                                </m:r>
+                              </m:fName>
+                              <m:e>
+                                <m:d>
+                                  <m:dPr>
+                                    <m:ctrlPr>
+                                      <a:rPr lang="fr-FR" i="1">
+                                        <a:latin typeface="Cambria Math" panose="02040503050406030204" pitchFamily="18" charset="0"/>
+                                      </a:rPr>
+                                    </m:ctrlPr>
+                                  </m:dPr>
+                                  <m:e>
+                                    <m:sSub>
+                                      <m:sSubPr>
+                                        <m:ctrlPr>
+                                          <a:rPr lang="fr-FR" i="1">
+                                            <a:latin typeface="Cambria Math" panose="02040503050406030204" pitchFamily="18" charset="0"/>
+                                          </a:rPr>
+                                        </m:ctrlPr>
+                                      </m:sSubPr>
+                                      <m:e>
+                                        <m:r>
+                                          <a:rPr lang="fr-FR" i="1">
+                                            <a:latin typeface="Cambria Math" panose="02040503050406030204" pitchFamily="18" charset="0"/>
+                                          </a:rPr>
+                                          <m:t>𝛼</m:t>
+                                        </m:r>
+                                      </m:e>
+                                      <m:sub>
+                                        <m:r>
+                                          <a:rPr lang="fr-FR" i="1">
+                                            <a:latin typeface="Cambria Math" panose="02040503050406030204" pitchFamily="18" charset="0"/>
+                                          </a:rPr>
+                                          <m:t>1</m:t>
+                                        </m:r>
+                                      </m:sub>
+                                    </m:sSub>
+                                    <m:r>
+                                      <a:rPr lang="fr-FR" i="1">
+                                        <a:latin typeface="Cambria Math" panose="02040503050406030204" pitchFamily="18" charset="0"/>
+                                      </a:rPr>
+                                      <m:t>+</m:t>
+                                    </m:r>
+                                    <m:sSub>
+                                      <m:sSubPr>
+                                        <m:ctrlPr>
+                                          <a:rPr lang="fr-FR" i="1">
+                                            <a:latin typeface="Cambria Math" panose="02040503050406030204" pitchFamily="18" charset="0"/>
+                                          </a:rPr>
+                                        </m:ctrlPr>
+                                      </m:sSubPr>
+                                      <m:e>
+                                        <m:r>
+                                          <a:rPr lang="fr-FR" i="1">
+                                            <a:latin typeface="Cambria Math" panose="02040503050406030204" pitchFamily="18" charset="0"/>
+                                          </a:rPr>
+                                          <m:t>𝛼</m:t>
+                                        </m:r>
+                                      </m:e>
+                                      <m:sub>
+                                        <m:r>
+                                          <a:rPr lang="fr-FR" i="1">
+                                            <a:latin typeface="Cambria Math" panose="02040503050406030204" pitchFamily="18" charset="0"/>
+                                          </a:rPr>
+                                          <m:t>4</m:t>
+                                        </m:r>
+                                      </m:sub>
+                                    </m:sSub>
+                                  </m:e>
+                                </m:d>
+                              </m:e>
+                            </m:func>
+                            <m:r>
+                              <a:rPr lang="fr-FR">
+                                <a:latin typeface="Cambria Math" panose="02040503050406030204" pitchFamily="18" charset="0"/>
+                              </a:rPr>
+                              <m:t>=</m:t>
+                            </m:r>
+                            <m:r>
+                              <a:rPr lang="fr-FR" i="1">
+                                <a:latin typeface="Cambria Math" panose="02040503050406030204" pitchFamily="18" charset="0"/>
+                              </a:rPr>
+                              <m:t>𝑏</m:t>
+                            </m:r>
+                            <m:func>
+                              <m:funcPr>
+                                <m:ctrlPr>
+                                  <a:rPr lang="fr-FR" i="1">
+                                    <a:latin typeface="Cambria Math" panose="02040503050406030204" pitchFamily="18" charset="0"/>
+                                  </a:rPr>
+                                </m:ctrlPr>
+                              </m:funcPr>
+                              <m:fName>
+                                <m:r>
+                                  <m:rPr>
+                                    <m:sty m:val="p"/>
+                                  </m:rPr>
+                                  <a:rPr lang="fr-FR">
+                                    <a:latin typeface="Cambria Math" panose="02040503050406030204" pitchFamily="18" charset="0"/>
+                                  </a:rPr>
+                                  <m:t>sin</m:t>
+                                </m:r>
+                              </m:fName>
+                              <m:e>
+                                <m:sSub>
+                                  <m:sSubPr>
+                                    <m:ctrlPr>
+                                      <a:rPr lang="fr-FR" i="1">
+                                        <a:latin typeface="Cambria Math" panose="02040503050406030204" pitchFamily="18" charset="0"/>
+                                      </a:rPr>
+                                    </m:ctrlPr>
+                                  </m:sSubPr>
+                                  <m:e>
+                                    <m:r>
+                                      <a:rPr lang="fr-FR" i="1">
+                                        <a:latin typeface="Cambria Math" panose="02040503050406030204" pitchFamily="18" charset="0"/>
+                                      </a:rPr>
+                                      <m:t>𝛼</m:t>
+                                    </m:r>
+                                  </m:e>
+                                  <m:sub>
+                                    <m:r>
+                                      <a:rPr lang="fr-FR" i="1">
+                                        <a:latin typeface="Cambria Math" panose="02040503050406030204" pitchFamily="18" charset="0"/>
+                                      </a:rPr>
+                                      <m:t>1</m:t>
+                                    </m:r>
+                                  </m:sub>
+                                </m:sSub>
+                              </m:e>
+                            </m:func>
+                          </m:e>
+                        </m:eqArr>
+                      </m:e>
+                    </m:d>
+                  </m:oMath>
+                </a14:m>
+                <a:endParaRPr lang="fr-FR" dirty="0" smtClean="0"/>
+              </a:p>
+              <a:p>
+                <a14:m>
+                  <m:oMath xmlns:m="http://schemas.openxmlformats.org/officeDocument/2006/math">
+                    <m:r>
+                      <a:rPr lang="fr-FR" i="1">
+                        <a:latin typeface="Cambria Math" panose="02040503050406030204" pitchFamily="18" charset="0"/>
+                      </a:rPr>
+                      <m:t>⇒</m:t>
+                    </m:r>
+                    <m:d>
+                      <m:dPr>
+                        <m:begChr m:val="{"/>
+                        <m:endChr m:val=""/>
+                        <m:ctrlPr>
+                          <a:rPr lang="fr-FR" i="1">
+                            <a:latin typeface="Cambria Math" panose="02040503050406030204" pitchFamily="18" charset="0"/>
+                          </a:rPr>
+                        </m:ctrlPr>
+                      </m:dPr>
+                      <m:e>
+                        <m:eqArr>
+                          <m:eqArrPr>
+                            <m:ctrlPr>
+                              <a:rPr lang="fr-FR" i="1">
+                                <a:latin typeface="Cambria Math" panose="02040503050406030204" pitchFamily="18" charset="0"/>
+                              </a:rPr>
+                            </m:ctrlPr>
+                          </m:eqArrPr>
+                          <m:e>
+                            <m:sSup>
+                              <m:sSupPr>
+                                <m:ctrlPr>
+                                  <a:rPr lang="fr-FR" i="1">
+                                    <a:latin typeface="Cambria Math" panose="02040503050406030204" pitchFamily="18" charset="0"/>
+                                  </a:rPr>
+                                </m:ctrlPr>
+                              </m:sSupPr>
+                              <m:e>
+                                <m:r>
+                                  <a:rPr lang="fr-FR" i="1">
+                                    <a:latin typeface="Cambria Math" panose="02040503050406030204" pitchFamily="18" charset="0"/>
+                                  </a:rPr>
+                                  <m:t>𝑏</m:t>
+                                </m:r>
+                              </m:e>
+                              <m:sup>
+                                <m:r>
+                                  <a:rPr lang="fr-FR" i="1">
+                                    <a:latin typeface="Cambria Math" panose="02040503050406030204" pitchFamily="18" charset="0"/>
+                                  </a:rPr>
+                                  <m:t>2</m:t>
+                                </m:r>
+                              </m:sup>
+                            </m:sSup>
+                            <m:r>
+                              <a:rPr lang="fr-FR" i="1">
+                                <a:latin typeface="Cambria Math" panose="02040503050406030204" pitchFamily="18" charset="0"/>
+                              </a:rPr>
+                              <m:t>=</m:t>
+                            </m:r>
+                            <m:sSup>
+                              <m:sSupPr>
+                                <m:ctrlPr>
+                                  <a:rPr lang="fr-FR" i="1">
+                                    <a:latin typeface="Cambria Math" panose="02040503050406030204" pitchFamily="18" charset="0"/>
+                                  </a:rPr>
+                                </m:ctrlPr>
+                              </m:sSupPr>
+                              <m:e>
+                                <m:d>
+                                  <m:dPr>
+                                    <m:ctrlPr>
+                                      <a:rPr lang="fr-FR" i="1">
+                                        <a:latin typeface="Cambria Math" panose="02040503050406030204" pitchFamily="18" charset="0"/>
+                                      </a:rPr>
+                                    </m:ctrlPr>
+                                  </m:dPr>
+                                  <m:e>
+                                    <m:r>
+                                      <a:rPr lang="fr-FR" i="1">
+                                        <a:latin typeface="Cambria Math" panose="02040503050406030204" pitchFamily="18" charset="0"/>
+                                      </a:rPr>
+                                      <m:t>𝑥</m:t>
+                                    </m:r>
+                                    <m:r>
+                                      <a:rPr lang="fr-FR">
+                                        <a:latin typeface="Cambria Math" panose="02040503050406030204" pitchFamily="18" charset="0"/>
+                                      </a:rPr>
+                                      <m:t>−</m:t>
+                                    </m:r>
+                                    <m:r>
+                                      <m:rPr>
+                                        <m:sty m:val="p"/>
+                                      </m:rPr>
+                                      <a:rPr lang="fr-FR">
+                                        <a:latin typeface="Cambria Math" panose="02040503050406030204" pitchFamily="18" charset="0"/>
+                                      </a:rPr>
+                                      <m:t>a</m:t>
+                                    </m:r>
+                                    <m:r>
+                                      <a:rPr lang="fr-FR">
+                                        <a:latin typeface="Cambria Math" panose="02040503050406030204" pitchFamily="18" charset="0"/>
+                                      </a:rPr>
+                                      <m:t>−</m:t>
+                                    </m:r>
+                                    <m:r>
+                                      <a:rPr lang="fr-FR" i="1">
+                                        <a:latin typeface="Cambria Math" panose="02040503050406030204" pitchFamily="18" charset="0"/>
+                                      </a:rPr>
+                                      <m:t>𝑐</m:t>
+                                    </m:r>
+                                    <m:func>
+                                      <m:funcPr>
+                                        <m:ctrlPr>
+                                          <a:rPr lang="fr-FR" i="1">
+                                            <a:latin typeface="Cambria Math" panose="02040503050406030204" pitchFamily="18" charset="0"/>
+                                          </a:rPr>
+                                        </m:ctrlPr>
+                                      </m:funcPr>
+                                      <m:fName>
+                                        <m:r>
+                                          <m:rPr>
+                                            <m:sty m:val="p"/>
+                                          </m:rPr>
+                                          <a:rPr lang="fr-FR">
+                                            <a:latin typeface="Cambria Math" panose="02040503050406030204" pitchFamily="18" charset="0"/>
+                                          </a:rPr>
+                                          <m:t>cos</m:t>
+                                        </m:r>
+                                      </m:fName>
+                                      <m:e>
+                                        <m:d>
+                                          <m:dPr>
+                                            <m:ctrlPr>
+                                              <a:rPr lang="fr-FR" i="1">
+                                                <a:latin typeface="Cambria Math" panose="02040503050406030204" pitchFamily="18" charset="0"/>
+                                              </a:rPr>
+                                            </m:ctrlPr>
+                                          </m:dPr>
+                                          <m:e>
+                                            <m:sSub>
+                                              <m:sSubPr>
+                                                <m:ctrlPr>
+                                                  <a:rPr lang="fr-FR" i="1">
+                                                    <a:latin typeface="Cambria Math" panose="02040503050406030204" pitchFamily="18" charset="0"/>
+                                                  </a:rPr>
+                                                </m:ctrlPr>
+                                              </m:sSubPr>
+                                              <m:e>
+                                                <m:r>
+                                                  <a:rPr lang="fr-FR" i="1">
+                                                    <a:latin typeface="Cambria Math" panose="02040503050406030204" pitchFamily="18" charset="0"/>
+                                                  </a:rPr>
+                                                  <m:t>𝛼</m:t>
+                                                </m:r>
+                                              </m:e>
+                                              <m:sub>
+                                                <m:r>
+                                                  <a:rPr lang="fr-FR" i="1">
+                                                    <a:latin typeface="Cambria Math" panose="02040503050406030204" pitchFamily="18" charset="0"/>
+                                                  </a:rPr>
+                                                  <m:t>1</m:t>
+                                                </m:r>
+                                              </m:sub>
+                                            </m:sSub>
+                                            <m:r>
+                                              <a:rPr lang="fr-FR" i="1">
+                                                <a:latin typeface="Cambria Math" panose="02040503050406030204" pitchFamily="18" charset="0"/>
+                                              </a:rPr>
+                                              <m:t>+</m:t>
+                                            </m:r>
+                                            <m:sSub>
+                                              <m:sSubPr>
+                                                <m:ctrlPr>
+                                                  <a:rPr lang="fr-FR" i="1">
+                                                    <a:latin typeface="Cambria Math" panose="02040503050406030204" pitchFamily="18" charset="0"/>
+                                                  </a:rPr>
+                                                </m:ctrlPr>
+                                              </m:sSubPr>
+                                              <m:e>
+                                                <m:r>
+                                                  <a:rPr lang="fr-FR" i="1">
+                                                    <a:latin typeface="Cambria Math" panose="02040503050406030204" pitchFamily="18" charset="0"/>
+                                                  </a:rPr>
+                                                  <m:t>𝛼</m:t>
+                                                </m:r>
+                                              </m:e>
+                                              <m:sub>
+                                                <m:r>
+                                                  <a:rPr lang="fr-FR" i="1">
+                                                    <a:latin typeface="Cambria Math" panose="02040503050406030204" pitchFamily="18" charset="0"/>
+                                                  </a:rPr>
+                                                  <m:t>4</m:t>
+                                                </m:r>
+                                              </m:sub>
+                                            </m:sSub>
+                                          </m:e>
+                                        </m:d>
+                                      </m:e>
+                                    </m:func>
+                                  </m:e>
+                                </m:d>
+                              </m:e>
+                              <m:sup>
+                                <m:r>
+                                  <a:rPr lang="fr-FR" i="1">
+                                    <a:latin typeface="Cambria Math" panose="02040503050406030204" pitchFamily="18" charset="0"/>
+                                  </a:rPr>
+                                  <m:t>2</m:t>
+                                </m:r>
+                              </m:sup>
+                            </m:sSup>
+                            <m:r>
+                              <a:rPr lang="fr-FR" i="1">
+                                <a:latin typeface="Cambria Math" panose="02040503050406030204" pitchFamily="18" charset="0"/>
+                              </a:rPr>
+                              <m:t>+</m:t>
+                            </m:r>
+                            <m:sSup>
+                              <m:sSupPr>
+                                <m:ctrlPr>
+                                  <a:rPr lang="fr-FR" i="1">
+                                    <a:latin typeface="Cambria Math" panose="02040503050406030204" pitchFamily="18" charset="0"/>
+                                  </a:rPr>
+                                </m:ctrlPr>
+                              </m:sSupPr>
+                              <m:e>
+                                <m:d>
+                                  <m:dPr>
+                                    <m:ctrlPr>
+                                      <a:rPr lang="fr-FR" i="1">
+                                        <a:latin typeface="Cambria Math" panose="02040503050406030204" pitchFamily="18" charset="0"/>
+                                      </a:rPr>
+                                    </m:ctrlPr>
+                                  </m:dPr>
+                                  <m:e>
+                                    <m:r>
+                                      <a:rPr lang="fr-FR" i="1">
+                                        <a:latin typeface="Cambria Math" panose="02040503050406030204" pitchFamily="18" charset="0"/>
+                                      </a:rPr>
+                                      <m:t>𝑦</m:t>
+                                    </m:r>
+                                    <m:r>
+                                      <a:rPr lang="fr-FR" i="1">
+                                        <a:latin typeface="Cambria Math" panose="02040503050406030204" pitchFamily="18" charset="0"/>
+                                      </a:rPr>
+                                      <m:t>−</m:t>
+                                    </m:r>
+                                    <m:r>
+                                      <a:rPr lang="fr-FR" i="1">
+                                        <a:latin typeface="Cambria Math" panose="02040503050406030204" pitchFamily="18" charset="0"/>
+                                      </a:rPr>
+                                      <m:t>𝑐</m:t>
+                                    </m:r>
+                                    <m:func>
+                                      <m:funcPr>
+                                        <m:ctrlPr>
+                                          <a:rPr lang="fr-FR" i="1">
+                                            <a:latin typeface="Cambria Math" panose="02040503050406030204" pitchFamily="18" charset="0"/>
+                                          </a:rPr>
+                                        </m:ctrlPr>
+                                      </m:funcPr>
+                                      <m:fName>
+                                        <m:r>
+                                          <m:rPr>
+                                            <m:sty m:val="p"/>
+                                          </m:rPr>
+                                          <a:rPr lang="fr-FR">
+                                            <a:latin typeface="Cambria Math" panose="02040503050406030204" pitchFamily="18" charset="0"/>
+                                          </a:rPr>
+                                          <m:t>sin</m:t>
+                                        </m:r>
+                                      </m:fName>
+                                      <m:e>
+                                        <m:d>
+                                          <m:dPr>
+                                            <m:ctrlPr>
+                                              <a:rPr lang="fr-FR" i="1">
+                                                <a:latin typeface="Cambria Math" panose="02040503050406030204" pitchFamily="18" charset="0"/>
+                                              </a:rPr>
+                                            </m:ctrlPr>
+                                          </m:dPr>
+                                          <m:e>
+                                            <m:sSub>
+                                              <m:sSubPr>
+                                                <m:ctrlPr>
+                                                  <a:rPr lang="fr-FR" i="1">
+                                                    <a:latin typeface="Cambria Math" panose="02040503050406030204" pitchFamily="18" charset="0"/>
+                                                  </a:rPr>
+                                                </m:ctrlPr>
+                                              </m:sSubPr>
+                                              <m:e>
+                                                <m:r>
+                                                  <a:rPr lang="fr-FR" i="1">
+                                                    <a:latin typeface="Cambria Math" panose="02040503050406030204" pitchFamily="18" charset="0"/>
+                                                  </a:rPr>
+                                                  <m:t>𝛼</m:t>
+                                                </m:r>
+                                              </m:e>
+                                              <m:sub>
+                                                <m:r>
+                                                  <a:rPr lang="fr-FR" i="1">
+                                                    <a:latin typeface="Cambria Math" panose="02040503050406030204" pitchFamily="18" charset="0"/>
+                                                  </a:rPr>
+                                                  <m:t>1</m:t>
+                                                </m:r>
+                                              </m:sub>
+                                            </m:sSub>
+                                            <m:r>
+                                              <a:rPr lang="fr-FR" i="1">
+                                                <a:latin typeface="Cambria Math" panose="02040503050406030204" pitchFamily="18" charset="0"/>
+                                              </a:rPr>
+                                              <m:t>+</m:t>
+                                            </m:r>
+                                            <m:sSub>
+                                              <m:sSubPr>
+                                                <m:ctrlPr>
+                                                  <a:rPr lang="fr-FR" i="1">
+                                                    <a:latin typeface="Cambria Math" panose="02040503050406030204" pitchFamily="18" charset="0"/>
+                                                  </a:rPr>
+                                                </m:ctrlPr>
+                                              </m:sSubPr>
+                                              <m:e>
+                                                <m:r>
+                                                  <a:rPr lang="fr-FR" i="1">
+                                                    <a:latin typeface="Cambria Math" panose="02040503050406030204" pitchFamily="18" charset="0"/>
+                                                  </a:rPr>
+                                                  <m:t>𝛼</m:t>
+                                                </m:r>
+                                              </m:e>
+                                              <m:sub>
+                                                <m:r>
+                                                  <a:rPr lang="fr-FR" i="1">
+                                                    <a:latin typeface="Cambria Math" panose="02040503050406030204" pitchFamily="18" charset="0"/>
+                                                  </a:rPr>
+                                                  <m:t>4</m:t>
+                                                </m:r>
+                                              </m:sub>
+                                            </m:sSub>
+                                          </m:e>
+                                        </m:d>
+                                      </m:e>
+                                    </m:func>
+                                  </m:e>
+                                </m:d>
+                              </m:e>
+                              <m:sup>
+                                <m:r>
+                                  <a:rPr lang="fr-FR" i="1">
+                                    <a:latin typeface="Cambria Math" panose="02040503050406030204" pitchFamily="18" charset="0"/>
+                                  </a:rPr>
+                                  <m:t>2</m:t>
+                                </m:r>
+                              </m:sup>
+                            </m:sSup>
+                          </m:e>
+                          <m:e>
+                            <m:sSup>
+                              <m:sSupPr>
+                                <m:ctrlPr>
+                                  <a:rPr lang="fr-FR" i="1">
+                                    <a:latin typeface="Cambria Math" panose="02040503050406030204" pitchFamily="18" charset="0"/>
+                                  </a:rPr>
+                                </m:ctrlPr>
+                              </m:sSupPr>
+                              <m:e>
+                                <m:r>
+                                  <a:rPr lang="fr-FR" i="1">
+                                    <a:latin typeface="Cambria Math" panose="02040503050406030204" pitchFamily="18" charset="0"/>
+                                  </a:rPr>
+                                  <m:t>𝑏</m:t>
+                                </m:r>
+                              </m:e>
+                              <m:sup>
+                                <m:r>
+                                  <a:rPr lang="fr-FR" i="1">
+                                    <a:latin typeface="Cambria Math" panose="02040503050406030204" pitchFamily="18" charset="0"/>
+                                  </a:rPr>
+                                  <m:t>2</m:t>
+                                </m:r>
+                              </m:sup>
+                            </m:sSup>
+                            <m:r>
+                              <a:rPr lang="fr-FR" i="1">
+                                <a:latin typeface="Cambria Math" panose="02040503050406030204" pitchFamily="18" charset="0"/>
+                              </a:rPr>
+                              <m:t>=</m:t>
+                            </m:r>
+                            <m:sSup>
+                              <m:sSupPr>
+                                <m:ctrlPr>
+                                  <a:rPr lang="fr-FR" i="1">
+                                    <a:latin typeface="Cambria Math" panose="02040503050406030204" pitchFamily="18" charset="0"/>
+                                  </a:rPr>
+                                </m:ctrlPr>
+                              </m:sSupPr>
+                              <m:e>
+                                <m:d>
+                                  <m:dPr>
+                                    <m:ctrlPr>
+                                      <a:rPr lang="fr-FR" i="1">
+                                        <a:latin typeface="Cambria Math" panose="02040503050406030204" pitchFamily="18" charset="0"/>
+                                      </a:rPr>
+                                    </m:ctrlPr>
+                                  </m:dPr>
+                                  <m:e>
+                                    <m:r>
+                                      <a:rPr lang="fr-FR" i="1">
+                                        <a:latin typeface="Cambria Math" panose="02040503050406030204" pitchFamily="18" charset="0"/>
+                                      </a:rPr>
+                                      <m:t>𝑥</m:t>
+                                    </m:r>
+                                    <m:r>
+                                      <a:rPr lang="fr-FR" b="0" i="0" smtClean="0">
+                                        <a:latin typeface="Cambria Math" panose="02040503050406030204" pitchFamily="18" charset="0"/>
+                                      </a:rPr>
+                                      <m:t>+</m:t>
+                                    </m:r>
+                                    <m:r>
+                                      <m:rPr>
+                                        <m:sty m:val="p"/>
+                                      </m:rPr>
+                                      <a:rPr lang="fr-FR">
+                                        <a:latin typeface="Cambria Math" panose="02040503050406030204" pitchFamily="18" charset="0"/>
+                                      </a:rPr>
+                                      <m:t>a</m:t>
+                                    </m:r>
+                                    <m:r>
+                                      <a:rPr lang="fr-FR">
+                                        <a:latin typeface="Cambria Math" panose="02040503050406030204" pitchFamily="18" charset="0"/>
+                                      </a:rPr>
+                                      <m:t>−</m:t>
+                                    </m:r>
+                                    <m:r>
+                                      <a:rPr lang="fr-FR" i="1">
+                                        <a:latin typeface="Cambria Math" panose="02040503050406030204" pitchFamily="18" charset="0"/>
+                                      </a:rPr>
+                                      <m:t>𝑐</m:t>
+                                    </m:r>
+                                    <m:func>
+                                      <m:funcPr>
+                                        <m:ctrlPr>
+                                          <a:rPr lang="fr-FR" i="1">
+                                            <a:latin typeface="Cambria Math" panose="02040503050406030204" pitchFamily="18" charset="0"/>
+                                          </a:rPr>
+                                        </m:ctrlPr>
+                                      </m:funcPr>
+                                      <m:fName>
+                                        <m:r>
+                                          <m:rPr>
+                                            <m:sty m:val="p"/>
+                                          </m:rPr>
+                                          <a:rPr lang="fr-FR">
+                                            <a:latin typeface="Cambria Math" panose="02040503050406030204" pitchFamily="18" charset="0"/>
+                                          </a:rPr>
+                                          <m:t>cos</m:t>
+                                        </m:r>
+                                      </m:fName>
+                                      <m:e>
+                                        <m:d>
+                                          <m:dPr>
+                                            <m:ctrlPr>
+                                              <a:rPr lang="fr-FR" i="1">
+                                                <a:latin typeface="Cambria Math" panose="02040503050406030204" pitchFamily="18" charset="0"/>
+                                              </a:rPr>
+                                            </m:ctrlPr>
+                                          </m:dPr>
+                                          <m:e>
+                                            <m:sSub>
+                                              <m:sSubPr>
+                                                <m:ctrlPr>
+                                                  <a:rPr lang="fr-FR" i="1">
+                                                    <a:latin typeface="Cambria Math" panose="02040503050406030204" pitchFamily="18" charset="0"/>
+                                                  </a:rPr>
+                                                </m:ctrlPr>
+                                              </m:sSubPr>
+                                              <m:e>
+                                                <m:r>
+                                                  <a:rPr lang="fr-FR" b="0" i="1" smtClean="0">
+                                                    <a:latin typeface="Cambria Math" panose="02040503050406030204" pitchFamily="18" charset="0"/>
+                                                  </a:rPr>
+                                                  <m:t>𝛽</m:t>
+                                                </m:r>
+                                              </m:e>
+                                              <m:sub>
+                                                <m:r>
+                                                  <a:rPr lang="fr-FR" i="1">
+                                                    <a:latin typeface="Cambria Math" panose="02040503050406030204" pitchFamily="18" charset="0"/>
+                                                  </a:rPr>
+                                                  <m:t>1</m:t>
+                                                </m:r>
+                                              </m:sub>
+                                            </m:sSub>
+                                            <m:r>
+                                              <a:rPr lang="fr-FR" i="1">
+                                                <a:latin typeface="Cambria Math" panose="02040503050406030204" pitchFamily="18" charset="0"/>
+                                              </a:rPr>
+                                              <m:t>+</m:t>
+                                            </m:r>
+                                            <m:sSub>
+                                              <m:sSubPr>
+                                                <m:ctrlPr>
+                                                  <a:rPr lang="fr-FR" i="1">
+                                                    <a:latin typeface="Cambria Math" panose="02040503050406030204" pitchFamily="18" charset="0"/>
+                                                  </a:rPr>
+                                                </m:ctrlPr>
+                                              </m:sSubPr>
+                                              <m:e>
+                                                <m:r>
+                                                  <a:rPr lang="fr-FR" b="0" i="1" smtClean="0">
+                                                    <a:latin typeface="Cambria Math" panose="02040503050406030204" pitchFamily="18" charset="0"/>
+                                                  </a:rPr>
+                                                  <m:t>𝛽</m:t>
+                                                </m:r>
+                                              </m:e>
+                                              <m:sub>
+                                                <m:r>
+                                                  <a:rPr lang="fr-FR" i="1">
+                                                    <a:latin typeface="Cambria Math" panose="02040503050406030204" pitchFamily="18" charset="0"/>
+                                                  </a:rPr>
+                                                  <m:t>4</m:t>
+                                                </m:r>
+                                              </m:sub>
+                                            </m:sSub>
+                                          </m:e>
+                                        </m:d>
+                                      </m:e>
+                                    </m:func>
+                                  </m:e>
+                                </m:d>
+                              </m:e>
+                              <m:sup>
+                                <m:r>
+                                  <a:rPr lang="fr-FR" i="1">
+                                    <a:latin typeface="Cambria Math" panose="02040503050406030204" pitchFamily="18" charset="0"/>
+                                  </a:rPr>
+                                  <m:t>2</m:t>
+                                </m:r>
+                              </m:sup>
+                            </m:sSup>
+                            <m:r>
+                              <a:rPr lang="fr-FR" i="1">
+                                <a:latin typeface="Cambria Math" panose="02040503050406030204" pitchFamily="18" charset="0"/>
+                              </a:rPr>
+                              <m:t>+</m:t>
+                            </m:r>
+                            <m:sSup>
+                              <m:sSupPr>
+                                <m:ctrlPr>
+                                  <a:rPr lang="fr-FR" i="1">
+                                    <a:latin typeface="Cambria Math" panose="02040503050406030204" pitchFamily="18" charset="0"/>
+                                  </a:rPr>
+                                </m:ctrlPr>
+                              </m:sSupPr>
+                              <m:e>
+                                <m:d>
+                                  <m:dPr>
+                                    <m:ctrlPr>
+                                      <a:rPr lang="fr-FR" i="1">
+                                        <a:latin typeface="Cambria Math" panose="02040503050406030204" pitchFamily="18" charset="0"/>
+                                      </a:rPr>
+                                    </m:ctrlPr>
+                                  </m:dPr>
+                                  <m:e>
+                                    <m:r>
+                                      <a:rPr lang="fr-FR" i="1">
+                                        <a:latin typeface="Cambria Math" panose="02040503050406030204" pitchFamily="18" charset="0"/>
+                                      </a:rPr>
+                                      <m:t>𝑦</m:t>
+                                    </m:r>
+                                    <m:r>
+                                      <a:rPr lang="fr-FR" i="1">
+                                        <a:latin typeface="Cambria Math" panose="02040503050406030204" pitchFamily="18" charset="0"/>
+                                      </a:rPr>
+                                      <m:t>−</m:t>
+                                    </m:r>
+                                    <m:r>
+                                      <a:rPr lang="fr-FR" i="1">
+                                        <a:latin typeface="Cambria Math" panose="02040503050406030204" pitchFamily="18" charset="0"/>
+                                      </a:rPr>
+                                      <m:t>𝑐</m:t>
+                                    </m:r>
+                                    <m:func>
+                                      <m:funcPr>
+                                        <m:ctrlPr>
+                                          <a:rPr lang="fr-FR" i="1">
+                                            <a:latin typeface="Cambria Math" panose="02040503050406030204" pitchFamily="18" charset="0"/>
+                                          </a:rPr>
+                                        </m:ctrlPr>
+                                      </m:funcPr>
+                                      <m:fName>
+                                        <m:r>
+                                          <m:rPr>
+                                            <m:sty m:val="p"/>
+                                          </m:rPr>
+                                          <a:rPr lang="fr-FR">
+                                            <a:latin typeface="Cambria Math" panose="02040503050406030204" pitchFamily="18" charset="0"/>
+                                          </a:rPr>
+                                          <m:t>sin</m:t>
+                                        </m:r>
+                                      </m:fName>
+                                      <m:e>
+                                        <m:d>
+                                          <m:dPr>
+                                            <m:ctrlPr>
+                                              <a:rPr lang="fr-FR" i="1">
+                                                <a:latin typeface="Cambria Math" panose="02040503050406030204" pitchFamily="18" charset="0"/>
+                                              </a:rPr>
+                                            </m:ctrlPr>
+                                          </m:dPr>
+                                          <m:e>
+                                            <m:sSub>
+                                              <m:sSubPr>
+                                                <m:ctrlPr>
+                                                  <a:rPr lang="fr-FR" i="1">
+                                                    <a:latin typeface="Cambria Math" panose="02040503050406030204" pitchFamily="18" charset="0"/>
+                                                  </a:rPr>
+                                                </m:ctrlPr>
+                                              </m:sSubPr>
+                                              <m:e>
+                                                <m:r>
+                                                  <a:rPr lang="fr-FR" i="1">
+                                                    <a:latin typeface="Cambria Math" panose="02040503050406030204" pitchFamily="18" charset="0"/>
+                                                  </a:rPr>
+                                                  <m:t>𝛽</m:t>
+                                                </m:r>
+                                              </m:e>
+                                              <m:sub>
+                                                <m:r>
+                                                  <a:rPr lang="fr-FR" i="1">
+                                                    <a:latin typeface="Cambria Math" panose="02040503050406030204" pitchFamily="18" charset="0"/>
+                                                  </a:rPr>
+                                                  <m:t>1</m:t>
+                                                </m:r>
+                                              </m:sub>
+                                            </m:sSub>
+                                            <m:r>
+                                              <a:rPr lang="fr-FR" i="1">
+                                                <a:latin typeface="Cambria Math" panose="02040503050406030204" pitchFamily="18" charset="0"/>
+                                              </a:rPr>
+                                              <m:t>+</m:t>
+                                            </m:r>
+                                            <m:sSub>
+                                              <m:sSubPr>
+                                                <m:ctrlPr>
+                                                  <a:rPr lang="fr-FR" i="1">
+                                                    <a:latin typeface="Cambria Math" panose="02040503050406030204" pitchFamily="18" charset="0"/>
+                                                  </a:rPr>
+                                                </m:ctrlPr>
+                                              </m:sSubPr>
+                                              <m:e>
+                                                <m:r>
+                                                  <a:rPr lang="fr-FR" i="1">
+                                                    <a:latin typeface="Cambria Math" panose="02040503050406030204" pitchFamily="18" charset="0"/>
+                                                  </a:rPr>
+                                                  <m:t>𝛽</m:t>
+                                                </m:r>
+                                              </m:e>
+                                              <m:sub>
+                                                <m:r>
+                                                  <a:rPr lang="fr-FR" i="1">
+                                                    <a:latin typeface="Cambria Math" panose="02040503050406030204" pitchFamily="18" charset="0"/>
+                                                  </a:rPr>
+                                                  <m:t>4</m:t>
+                                                </m:r>
+                                              </m:sub>
+                                            </m:sSub>
+                                          </m:e>
+                                        </m:d>
+                                      </m:e>
+                                    </m:func>
+                                  </m:e>
+                                </m:d>
+                              </m:e>
+                              <m:sup>
+                                <m:r>
+                                  <a:rPr lang="fr-FR" i="1">
+                                    <a:latin typeface="Cambria Math" panose="02040503050406030204" pitchFamily="18" charset="0"/>
+                                  </a:rPr>
+                                  <m:t>2</m:t>
+                                </m:r>
+                              </m:sup>
+                            </m:sSup>
+                          </m:e>
+                        </m:eqArr>
+                      </m:e>
+                    </m:d>
+                  </m:oMath>
+                </a14:m>
+                <a:endParaRPr lang="fr-FR" dirty="0"/>
+              </a:p>
+            </p:txBody>
+          </p:sp>
+        </mc:Choice>
+        <mc:Fallback>
+          <p:sp>
+            <p:nvSpPr>
+              <p:cNvPr id="3" name="Espace réservé du contenu 2"/>
+              <p:cNvSpPr>
+                <a:spLocks noGrp="1" noRot="1" noChangeAspect="1" noMove="1" noResize="1" noEditPoints="1" noAdjustHandles="1" noChangeArrowheads="1" noChangeShapeType="1" noTextEdit="1"/>
+              </p:cNvSpPr>
+              <p:nvPr>
+                <p:ph idx="1"/>
+              </p:nvPr>
+            </p:nvSpPr>
+            <p:spPr>
+              <a:blipFill>
+                <a:blip r:embed="rId2"/>
+                <a:stretch>
+                  <a:fillRect/>
+                </a:stretch>
+              </a:blipFill>
+            </p:spPr>
+            <p:txBody>
+              <a:bodyPr/>
+              <a:lstStyle/>
+              <a:p>
+                <a:r>
+                  <a:rPr lang="fr-FR">
+                    <a:noFill/>
+                  </a:rPr>
+                  <a:t> </a:t>
+                </a:r>
+              </a:p>
+            </p:txBody>
+          </p:sp>
+        </mc:Fallback>
+      </mc:AlternateContent>
+    </p:spTree>
+    <p:extLst>
+      <p:ext uri="{BB962C8B-B14F-4D97-AF65-F5344CB8AC3E}">
+        <p14:creationId xmlns:p14="http://schemas.microsoft.com/office/powerpoint/2010/main" val="2386757936"/>
+      </p:ext>
+    </p:extLst>
+  </p:cSld>
+  <p:clrMapOvr>
+    <a:masterClrMapping/>
+  </p:clrMapOvr>
+</p:sld>
+</file>
+
+<file path=ppt/slides/slide6.xml><?xml version="1.0" encoding="utf-8"?>
+<p:sld xmlns:a="http://schemas.openxmlformats.org/drawingml/2006/main" xmlns:r="http://schemas.openxmlformats.org/officeDocument/2006/relationships" xmlns:p="http://schemas.openxmlformats.org/presentationml/2006/main">
+  <p:cSld>
+    <p:spTree>
+      <p:nvGrpSpPr>
+        <p:cNvPr id="1" name=""/>
+        <p:cNvGrpSpPr/>
+        <p:nvPr/>
+      </p:nvGrpSpPr>
+      <p:grpSpPr>
+        <a:xfrm>
+          <a:off x="0" y="0"/>
+          <a:ext cx="0" cy="0"/>
+          <a:chOff x="0" y="0"/>
+          <a:chExt cx="0" cy="0"/>
+        </a:xfrm>
+      </p:grpSpPr>
       <p:pic>
         <p:nvPicPr>
           <p:cNvPr id="5" name="Image 4">

--- a/17_RobotDelta2D/Images/Figures2.pptx
+++ b/17_RobotDelta2D/Images/Figures2.pptx
@@ -9,8 +9,9 @@
     <p:sldId id="260" r:id="rId3"/>
     <p:sldId id="257" r:id="rId4"/>
     <p:sldId id="258" r:id="rId5"/>
-    <p:sldId id="261" r:id="rId6"/>
-    <p:sldId id="259" r:id="rId7"/>
+    <p:sldId id="262" r:id="rId6"/>
+    <p:sldId id="261" r:id="rId7"/>
+    <p:sldId id="259" r:id="rId8"/>
   </p:sldIdLst>
   <p:sldSz cx="12192000" cy="6858000"/>
   <p:notesSz cx="6858000" cy="9144000"/>
@@ -275,7 +276,7 @@
           <a:p>
             <a:fld id="{E89B7495-721A-440C-B815-4617627ED71C}" type="datetimeFigureOut">
               <a:rPr lang="fr-FR" smtClean="0"/>
-              <a:t>24/10/2023</a:t>
+              <a:t>28/10/2023</a:t>
             </a:fld>
             <a:endParaRPr lang="fr-FR"/>
           </a:p>
@@ -473,7 +474,7 @@
           <a:p>
             <a:fld id="{E89B7495-721A-440C-B815-4617627ED71C}" type="datetimeFigureOut">
               <a:rPr lang="fr-FR" smtClean="0"/>
-              <a:t>24/10/2023</a:t>
+              <a:t>28/10/2023</a:t>
             </a:fld>
             <a:endParaRPr lang="fr-FR"/>
           </a:p>
@@ -681,7 +682,7 @@
           <a:p>
             <a:fld id="{E89B7495-721A-440C-B815-4617627ED71C}" type="datetimeFigureOut">
               <a:rPr lang="fr-FR" smtClean="0"/>
-              <a:t>24/10/2023</a:t>
+              <a:t>28/10/2023</a:t>
             </a:fld>
             <a:endParaRPr lang="fr-FR"/>
           </a:p>
@@ -879,7 +880,7 @@
           <a:p>
             <a:fld id="{E89B7495-721A-440C-B815-4617627ED71C}" type="datetimeFigureOut">
               <a:rPr lang="fr-FR" smtClean="0"/>
-              <a:t>24/10/2023</a:t>
+              <a:t>28/10/2023</a:t>
             </a:fld>
             <a:endParaRPr lang="fr-FR"/>
           </a:p>
@@ -1154,7 +1155,7 @@
           <a:p>
             <a:fld id="{E89B7495-721A-440C-B815-4617627ED71C}" type="datetimeFigureOut">
               <a:rPr lang="fr-FR" smtClean="0"/>
-              <a:t>24/10/2023</a:t>
+              <a:t>28/10/2023</a:t>
             </a:fld>
             <a:endParaRPr lang="fr-FR"/>
           </a:p>
@@ -1419,7 +1420,7 @@
           <a:p>
             <a:fld id="{E89B7495-721A-440C-B815-4617627ED71C}" type="datetimeFigureOut">
               <a:rPr lang="fr-FR" smtClean="0"/>
-              <a:t>24/10/2023</a:t>
+              <a:t>28/10/2023</a:t>
             </a:fld>
             <a:endParaRPr lang="fr-FR"/>
           </a:p>
@@ -1831,7 +1832,7 @@
           <a:p>
             <a:fld id="{E89B7495-721A-440C-B815-4617627ED71C}" type="datetimeFigureOut">
               <a:rPr lang="fr-FR" smtClean="0"/>
-              <a:t>24/10/2023</a:t>
+              <a:t>28/10/2023</a:t>
             </a:fld>
             <a:endParaRPr lang="fr-FR"/>
           </a:p>
@@ -1972,7 +1973,7 @@
           <a:p>
             <a:fld id="{E89B7495-721A-440C-B815-4617627ED71C}" type="datetimeFigureOut">
               <a:rPr lang="fr-FR" smtClean="0"/>
-              <a:t>24/10/2023</a:t>
+              <a:t>28/10/2023</a:t>
             </a:fld>
             <a:endParaRPr lang="fr-FR"/>
           </a:p>
@@ -2085,7 +2086,7 @@
           <a:p>
             <a:fld id="{E89B7495-721A-440C-B815-4617627ED71C}" type="datetimeFigureOut">
               <a:rPr lang="fr-FR" smtClean="0"/>
-              <a:t>24/10/2023</a:t>
+              <a:t>28/10/2023</a:t>
             </a:fld>
             <a:endParaRPr lang="fr-FR"/>
           </a:p>
@@ -2396,7 +2397,7 @@
           <a:p>
             <a:fld id="{E89B7495-721A-440C-B815-4617627ED71C}" type="datetimeFigureOut">
               <a:rPr lang="fr-FR" smtClean="0"/>
-              <a:t>24/10/2023</a:t>
+              <a:t>28/10/2023</a:t>
             </a:fld>
             <a:endParaRPr lang="fr-FR"/>
           </a:p>
@@ -2684,7 +2685,7 @@
           <a:p>
             <a:fld id="{E89B7495-721A-440C-B815-4617627ED71C}" type="datetimeFigureOut">
               <a:rPr lang="fr-FR" smtClean="0"/>
-              <a:t>24/10/2023</a:t>
+              <a:t>28/10/2023</a:t>
             </a:fld>
             <a:endParaRPr lang="fr-FR"/>
           </a:p>
@@ -2925,7 +2926,7 @@
           <a:p>
             <a:fld id="{E89B7495-721A-440C-B815-4617627ED71C}" type="datetimeFigureOut">
               <a:rPr lang="fr-FR" smtClean="0"/>
-              <a:t>24/10/2023</a:t>
+              <a:t>28/10/2023</a:t>
             </a:fld>
             <a:endParaRPr lang="fr-FR"/>
           </a:p>
@@ -20886,7 +20887,13 @@
       </p:grpSpPr>
       <p:sp>
         <p:nvSpPr>
-          <p:cNvPr id="2" name="Titre 1"/>
+          <p:cNvPr id="2" name="Titre 1">
+            <a:extLst>
+              <a:ext uri="{FF2B5EF4-FFF2-40B4-BE49-F238E27FC236}">
+                <a16:creationId xmlns:a16="http://schemas.microsoft.com/office/drawing/2014/main" id="{493DC710-57FE-BD44-B2D2-CFDCBAA1CDCA}"/>
+              </a:ext>
+            </a:extLst>
+          </p:cNvPr>
           <p:cNvSpPr>
             <a:spLocks noGrp="1"/>
           </p:cNvSpPr>
@@ -20905,6 +20912,3069 @@
       </p:sp>
       <mc:AlternateContent xmlns:mc="http://schemas.openxmlformats.org/markup-compatibility/2006">
         <mc:Choice xmlns:a14="http://schemas.microsoft.com/office/drawing/2010/main" Requires="a14">
+          <p:sp>
+            <p:nvSpPr>
+              <p:cNvPr id="3" name="Espace réservé du contenu 2">
+                <a:extLst>
+                  <a:ext uri="{FF2B5EF4-FFF2-40B4-BE49-F238E27FC236}">
+                    <a16:creationId xmlns:a16="http://schemas.microsoft.com/office/drawing/2014/main" id="{B3C4A8B5-A232-C443-2791-99946A715C30}"/>
+                  </a:ext>
+                </a:extLst>
+              </p:cNvPr>
+              <p:cNvSpPr>
+                <a:spLocks noGrp="1"/>
+              </p:cNvSpPr>
+              <p:nvPr>
+                <p:ph idx="1"/>
+              </p:nvPr>
+            </p:nvSpPr>
+            <p:spPr/>
+            <p:txBody>
+              <a:bodyPr>
+                <a:normAutofit fontScale="55000" lnSpcReduction="20000"/>
+              </a:bodyPr>
+              <a:lstStyle/>
+              <a:p>
+                <a:r>
+                  <a:rPr lang="fr-FR" dirty="0"/>
+                  <a:t>On reprend </a:t>
+                </a:r>
+                <a14:m>
+                  <m:oMath xmlns:m="http://schemas.openxmlformats.org/officeDocument/2006/math">
+                    <m:d>
+                      <m:dPr>
+                        <m:begChr m:val="{"/>
+                        <m:endChr m:val=""/>
+                        <m:ctrlPr>
+                          <a:rPr lang="fr-FR" i="1" smtClean="0">
+                            <a:latin typeface="Cambria Math" panose="02040503050406030204" pitchFamily="18" charset="0"/>
+                          </a:rPr>
+                        </m:ctrlPr>
+                      </m:dPr>
+                      <m:e>
+                        <m:eqArr>
+                          <m:eqArrPr>
+                            <m:ctrlPr>
+                              <a:rPr lang="fr-FR" i="1">
+                                <a:latin typeface="Cambria Math" panose="02040503050406030204" pitchFamily="18" charset="0"/>
+                              </a:rPr>
+                            </m:ctrlPr>
+                          </m:eqArrPr>
+                          <m:e>
+                            <m:sSup>
+                              <m:sSupPr>
+                                <m:ctrlPr>
+                                  <a:rPr lang="fr-FR" i="1">
+                                    <a:latin typeface="Cambria Math" panose="02040503050406030204" pitchFamily="18" charset="0"/>
+                                  </a:rPr>
+                                </m:ctrlPr>
+                              </m:sSupPr>
+                              <m:e>
+                                <m:r>
+                                  <a:rPr lang="fr-FR" i="1">
+                                    <a:latin typeface="Cambria Math" panose="02040503050406030204" pitchFamily="18" charset="0"/>
+                                  </a:rPr>
+                                  <m:t>𝑐</m:t>
+                                </m:r>
+                              </m:e>
+                              <m:sup>
+                                <m:r>
+                                  <a:rPr lang="fr-FR" i="1">
+                                    <a:latin typeface="Cambria Math" panose="02040503050406030204" pitchFamily="18" charset="0"/>
+                                  </a:rPr>
+                                  <m:t>2</m:t>
+                                </m:r>
+                              </m:sup>
+                            </m:sSup>
+                            <m:r>
+                              <a:rPr lang="fr-FR" i="1">
+                                <a:latin typeface="Cambria Math" panose="02040503050406030204" pitchFamily="18" charset="0"/>
+                              </a:rPr>
+                              <m:t>=</m:t>
+                            </m:r>
+                            <m:sSup>
+                              <m:sSupPr>
+                                <m:ctrlPr>
+                                  <a:rPr lang="fr-FR" i="1">
+                                    <a:latin typeface="Cambria Math" panose="02040503050406030204" pitchFamily="18" charset="0"/>
+                                  </a:rPr>
+                                </m:ctrlPr>
+                              </m:sSupPr>
+                              <m:e>
+                                <m:d>
+                                  <m:dPr>
+                                    <m:ctrlPr>
+                                      <a:rPr lang="fr-FR" i="1">
+                                        <a:latin typeface="Cambria Math" panose="02040503050406030204" pitchFamily="18" charset="0"/>
+                                      </a:rPr>
+                                    </m:ctrlPr>
+                                  </m:dPr>
+                                  <m:e>
+                                    <m:r>
+                                      <a:rPr lang="fr-FR" i="1">
+                                        <a:latin typeface="Cambria Math" panose="02040503050406030204" pitchFamily="18" charset="0"/>
+                                      </a:rPr>
+                                      <m:t>𝑥</m:t>
+                                    </m:r>
+                                    <m:r>
+                                      <a:rPr lang="fr-FR">
+                                        <a:latin typeface="Cambria Math" panose="02040503050406030204" pitchFamily="18" charset="0"/>
+                                      </a:rPr>
+                                      <m:t>−</m:t>
+                                    </m:r>
+                                    <m:r>
+                                      <a:rPr lang="fr-FR" i="1">
+                                        <a:latin typeface="Cambria Math" panose="02040503050406030204" pitchFamily="18" charset="0"/>
+                                      </a:rPr>
+                                      <m:t>𝑎</m:t>
+                                    </m:r>
+                                    <m:r>
+                                      <a:rPr lang="fr-FR" i="1">
+                                        <a:latin typeface="Cambria Math" panose="02040503050406030204" pitchFamily="18" charset="0"/>
+                                      </a:rPr>
+                                      <m:t>−</m:t>
+                                    </m:r>
+                                    <m:r>
+                                      <a:rPr lang="fr-FR" i="1">
+                                        <a:latin typeface="Cambria Math" panose="02040503050406030204" pitchFamily="18" charset="0"/>
+                                      </a:rPr>
+                                      <m:t>𝑏</m:t>
+                                    </m:r>
+                                    <m:func>
+                                      <m:funcPr>
+                                        <m:ctrlPr>
+                                          <a:rPr lang="fr-FR" i="1">
+                                            <a:latin typeface="Cambria Math" panose="02040503050406030204" pitchFamily="18" charset="0"/>
+                                          </a:rPr>
+                                        </m:ctrlPr>
+                                      </m:funcPr>
+                                      <m:fName>
+                                        <m:r>
+                                          <m:rPr>
+                                            <m:sty m:val="p"/>
+                                          </m:rPr>
+                                          <a:rPr lang="fr-FR">
+                                            <a:latin typeface="Cambria Math" panose="02040503050406030204" pitchFamily="18" charset="0"/>
+                                          </a:rPr>
+                                          <m:t>cos</m:t>
+                                        </m:r>
+                                      </m:fName>
+                                      <m:e>
+                                        <m:sSub>
+                                          <m:sSubPr>
+                                            <m:ctrlPr>
+                                              <a:rPr lang="fr-FR" i="1">
+                                                <a:latin typeface="Cambria Math" panose="02040503050406030204" pitchFamily="18" charset="0"/>
+                                              </a:rPr>
+                                            </m:ctrlPr>
+                                          </m:sSubPr>
+                                          <m:e>
+                                            <m:r>
+                                              <a:rPr lang="fr-FR" i="1">
+                                                <a:latin typeface="Cambria Math" panose="02040503050406030204" pitchFamily="18" charset="0"/>
+                                              </a:rPr>
+                                              <m:t>𝛼</m:t>
+                                            </m:r>
+                                          </m:e>
+                                          <m:sub>
+                                            <m:r>
+                                              <a:rPr lang="fr-FR" i="1">
+                                                <a:latin typeface="Cambria Math" panose="02040503050406030204" pitchFamily="18" charset="0"/>
+                                              </a:rPr>
+                                              <m:t>1</m:t>
+                                            </m:r>
+                                          </m:sub>
+                                        </m:sSub>
+                                      </m:e>
+                                    </m:func>
+                                  </m:e>
+                                </m:d>
+                              </m:e>
+                              <m:sup>
+                                <m:r>
+                                  <a:rPr lang="fr-FR" i="1">
+                                    <a:latin typeface="Cambria Math" panose="02040503050406030204" pitchFamily="18" charset="0"/>
+                                  </a:rPr>
+                                  <m:t>2</m:t>
+                                </m:r>
+                              </m:sup>
+                            </m:sSup>
+                            <m:r>
+                              <m:rPr>
+                                <m:nor/>
+                              </m:rPr>
+                              <a:rPr lang="fr-FR" dirty="0"/>
+                              <m:t>+ </m:t>
+                            </m:r>
+                            <m:sSup>
+                              <m:sSupPr>
+                                <m:ctrlPr>
+                                  <a:rPr lang="fr-FR" i="1">
+                                    <a:latin typeface="Cambria Math" panose="02040503050406030204" pitchFamily="18" charset="0"/>
+                                  </a:rPr>
+                                </m:ctrlPr>
+                              </m:sSupPr>
+                              <m:e>
+                                <m:d>
+                                  <m:dPr>
+                                    <m:ctrlPr>
+                                      <a:rPr lang="fr-FR" i="1">
+                                        <a:latin typeface="Cambria Math" panose="02040503050406030204" pitchFamily="18" charset="0"/>
+                                      </a:rPr>
+                                    </m:ctrlPr>
+                                  </m:dPr>
+                                  <m:e>
+                                    <m:r>
+                                      <m:rPr>
+                                        <m:sty m:val="p"/>
+                                      </m:rPr>
+                                      <a:rPr lang="fr-FR">
+                                        <a:latin typeface="Cambria Math" panose="02040503050406030204" pitchFamily="18" charset="0"/>
+                                      </a:rPr>
+                                      <m:t>y</m:t>
+                                    </m:r>
+                                    <m:r>
+                                      <a:rPr lang="fr-FR">
+                                        <a:latin typeface="Cambria Math" panose="02040503050406030204" pitchFamily="18" charset="0"/>
+                                      </a:rPr>
+                                      <m:t>−</m:t>
+                                    </m:r>
+                                    <m:r>
+                                      <a:rPr lang="fr-FR" i="1">
+                                        <a:latin typeface="Cambria Math" panose="02040503050406030204" pitchFamily="18" charset="0"/>
+                                      </a:rPr>
+                                      <m:t>𝑏</m:t>
+                                    </m:r>
+                                    <m:func>
+                                      <m:funcPr>
+                                        <m:ctrlPr>
+                                          <a:rPr lang="fr-FR" i="1">
+                                            <a:latin typeface="Cambria Math" panose="02040503050406030204" pitchFamily="18" charset="0"/>
+                                          </a:rPr>
+                                        </m:ctrlPr>
+                                      </m:funcPr>
+                                      <m:fName>
+                                        <m:r>
+                                          <m:rPr>
+                                            <m:sty m:val="p"/>
+                                          </m:rPr>
+                                          <a:rPr lang="fr-FR">
+                                            <a:latin typeface="Cambria Math" panose="02040503050406030204" pitchFamily="18" charset="0"/>
+                                          </a:rPr>
+                                          <m:t>sin</m:t>
+                                        </m:r>
+                                      </m:fName>
+                                      <m:e>
+                                        <m:sSub>
+                                          <m:sSubPr>
+                                            <m:ctrlPr>
+                                              <a:rPr lang="fr-FR" i="1">
+                                                <a:latin typeface="Cambria Math" panose="02040503050406030204" pitchFamily="18" charset="0"/>
+                                              </a:rPr>
+                                            </m:ctrlPr>
+                                          </m:sSubPr>
+                                          <m:e>
+                                            <m:r>
+                                              <a:rPr lang="fr-FR" i="1">
+                                                <a:latin typeface="Cambria Math" panose="02040503050406030204" pitchFamily="18" charset="0"/>
+                                              </a:rPr>
+                                              <m:t>𝛼</m:t>
+                                            </m:r>
+                                          </m:e>
+                                          <m:sub>
+                                            <m:r>
+                                              <a:rPr lang="fr-FR" i="1">
+                                                <a:latin typeface="Cambria Math" panose="02040503050406030204" pitchFamily="18" charset="0"/>
+                                              </a:rPr>
+                                              <m:t>1</m:t>
+                                            </m:r>
+                                          </m:sub>
+                                        </m:sSub>
+                                      </m:e>
+                                    </m:func>
+                                  </m:e>
+                                </m:d>
+                              </m:e>
+                              <m:sup>
+                                <m:r>
+                                  <a:rPr lang="fr-FR" i="1">
+                                    <a:latin typeface="Cambria Math" panose="02040503050406030204" pitchFamily="18" charset="0"/>
+                                  </a:rPr>
+                                  <m:t>2</m:t>
+                                </m:r>
+                              </m:sup>
+                            </m:sSup>
+                          </m:e>
+                          <m:e>
+                            <m:sSup>
+                              <m:sSupPr>
+                                <m:ctrlPr>
+                                  <a:rPr lang="fr-FR" i="1">
+                                    <a:latin typeface="Cambria Math" panose="02040503050406030204" pitchFamily="18" charset="0"/>
+                                  </a:rPr>
+                                </m:ctrlPr>
+                              </m:sSupPr>
+                              <m:e>
+                                <m:r>
+                                  <a:rPr lang="fr-FR" i="1">
+                                    <a:latin typeface="Cambria Math" panose="02040503050406030204" pitchFamily="18" charset="0"/>
+                                  </a:rPr>
+                                  <m:t>𝑐</m:t>
+                                </m:r>
+                              </m:e>
+                              <m:sup>
+                                <m:r>
+                                  <a:rPr lang="fr-FR" i="1">
+                                    <a:latin typeface="Cambria Math" panose="02040503050406030204" pitchFamily="18" charset="0"/>
+                                  </a:rPr>
+                                  <m:t>2</m:t>
+                                </m:r>
+                              </m:sup>
+                            </m:sSup>
+                            <m:r>
+                              <a:rPr lang="fr-FR" i="1">
+                                <a:latin typeface="Cambria Math" panose="02040503050406030204" pitchFamily="18" charset="0"/>
+                              </a:rPr>
+                              <m:t>=</m:t>
+                            </m:r>
+                            <m:sSup>
+                              <m:sSupPr>
+                                <m:ctrlPr>
+                                  <a:rPr lang="fr-FR" i="1">
+                                    <a:latin typeface="Cambria Math" panose="02040503050406030204" pitchFamily="18" charset="0"/>
+                                  </a:rPr>
+                                </m:ctrlPr>
+                              </m:sSupPr>
+                              <m:e>
+                                <m:d>
+                                  <m:dPr>
+                                    <m:ctrlPr>
+                                      <a:rPr lang="fr-FR" i="1">
+                                        <a:latin typeface="Cambria Math" panose="02040503050406030204" pitchFamily="18" charset="0"/>
+                                      </a:rPr>
+                                    </m:ctrlPr>
+                                  </m:dPr>
+                                  <m:e>
+                                    <m:r>
+                                      <a:rPr lang="fr-FR" i="1">
+                                        <a:latin typeface="Cambria Math" panose="02040503050406030204" pitchFamily="18" charset="0"/>
+                                      </a:rPr>
+                                      <m:t>𝑥</m:t>
+                                    </m:r>
+                                    <m:r>
+                                      <a:rPr lang="fr-FR" b="0" i="0" smtClean="0">
+                                        <a:latin typeface="Cambria Math" panose="02040503050406030204" pitchFamily="18" charset="0"/>
+                                      </a:rPr>
+                                      <m:t>+</m:t>
+                                    </m:r>
+                                    <m:r>
+                                      <a:rPr lang="fr-FR" i="1">
+                                        <a:latin typeface="Cambria Math" panose="02040503050406030204" pitchFamily="18" charset="0"/>
+                                      </a:rPr>
+                                      <m:t>𝑎</m:t>
+                                    </m:r>
+                                    <m:r>
+                                      <a:rPr lang="fr-FR" i="1">
+                                        <a:latin typeface="Cambria Math" panose="02040503050406030204" pitchFamily="18" charset="0"/>
+                                      </a:rPr>
+                                      <m:t>−</m:t>
+                                    </m:r>
+                                    <m:r>
+                                      <a:rPr lang="fr-FR" i="1">
+                                        <a:latin typeface="Cambria Math" panose="02040503050406030204" pitchFamily="18" charset="0"/>
+                                      </a:rPr>
+                                      <m:t>𝑏</m:t>
+                                    </m:r>
+                                    <m:func>
+                                      <m:funcPr>
+                                        <m:ctrlPr>
+                                          <a:rPr lang="fr-FR" i="1">
+                                            <a:latin typeface="Cambria Math" panose="02040503050406030204" pitchFamily="18" charset="0"/>
+                                          </a:rPr>
+                                        </m:ctrlPr>
+                                      </m:funcPr>
+                                      <m:fName>
+                                        <m:r>
+                                          <m:rPr>
+                                            <m:sty m:val="p"/>
+                                          </m:rPr>
+                                          <a:rPr lang="fr-FR">
+                                            <a:latin typeface="Cambria Math" panose="02040503050406030204" pitchFamily="18" charset="0"/>
+                                          </a:rPr>
+                                          <m:t>cos</m:t>
+                                        </m:r>
+                                      </m:fName>
+                                      <m:e>
+                                        <m:sSub>
+                                          <m:sSubPr>
+                                            <m:ctrlPr>
+                                              <a:rPr lang="fr-FR" i="1">
+                                                <a:latin typeface="Cambria Math" panose="02040503050406030204" pitchFamily="18" charset="0"/>
+                                              </a:rPr>
+                                            </m:ctrlPr>
+                                          </m:sSubPr>
+                                          <m:e>
+                                            <m:r>
+                                              <a:rPr lang="fr-FR" b="0" i="1" smtClean="0">
+                                                <a:latin typeface="Cambria Math" panose="02040503050406030204" pitchFamily="18" charset="0"/>
+                                              </a:rPr>
+                                              <m:t>𝛽</m:t>
+                                            </m:r>
+                                          </m:e>
+                                          <m:sub>
+                                            <m:r>
+                                              <a:rPr lang="fr-FR" i="1">
+                                                <a:latin typeface="Cambria Math" panose="02040503050406030204" pitchFamily="18" charset="0"/>
+                                              </a:rPr>
+                                              <m:t>1</m:t>
+                                            </m:r>
+                                          </m:sub>
+                                        </m:sSub>
+                                      </m:e>
+                                    </m:func>
+                                  </m:e>
+                                </m:d>
+                              </m:e>
+                              <m:sup>
+                                <m:r>
+                                  <a:rPr lang="fr-FR" i="1">
+                                    <a:latin typeface="Cambria Math" panose="02040503050406030204" pitchFamily="18" charset="0"/>
+                                  </a:rPr>
+                                  <m:t>2</m:t>
+                                </m:r>
+                              </m:sup>
+                            </m:sSup>
+                            <m:r>
+                              <m:rPr>
+                                <m:nor/>
+                              </m:rPr>
+                              <a:rPr lang="fr-FR" dirty="0"/>
+                              <m:t>+ </m:t>
+                            </m:r>
+                            <m:sSup>
+                              <m:sSupPr>
+                                <m:ctrlPr>
+                                  <a:rPr lang="fr-FR" i="1">
+                                    <a:latin typeface="Cambria Math" panose="02040503050406030204" pitchFamily="18" charset="0"/>
+                                  </a:rPr>
+                                </m:ctrlPr>
+                              </m:sSupPr>
+                              <m:e>
+                                <m:d>
+                                  <m:dPr>
+                                    <m:ctrlPr>
+                                      <a:rPr lang="fr-FR" i="1">
+                                        <a:latin typeface="Cambria Math" panose="02040503050406030204" pitchFamily="18" charset="0"/>
+                                      </a:rPr>
+                                    </m:ctrlPr>
+                                  </m:dPr>
+                                  <m:e>
+                                    <m:r>
+                                      <m:rPr>
+                                        <m:sty m:val="p"/>
+                                      </m:rPr>
+                                      <a:rPr lang="fr-FR">
+                                        <a:latin typeface="Cambria Math" panose="02040503050406030204" pitchFamily="18" charset="0"/>
+                                      </a:rPr>
+                                      <m:t>y</m:t>
+                                    </m:r>
+                                    <m:r>
+                                      <a:rPr lang="fr-FR">
+                                        <a:latin typeface="Cambria Math" panose="02040503050406030204" pitchFamily="18" charset="0"/>
+                                      </a:rPr>
+                                      <m:t>−</m:t>
+                                    </m:r>
+                                    <m:r>
+                                      <a:rPr lang="fr-FR" i="1">
+                                        <a:latin typeface="Cambria Math" panose="02040503050406030204" pitchFamily="18" charset="0"/>
+                                      </a:rPr>
+                                      <m:t>𝑏</m:t>
+                                    </m:r>
+                                    <m:func>
+                                      <m:funcPr>
+                                        <m:ctrlPr>
+                                          <a:rPr lang="fr-FR" i="1">
+                                            <a:latin typeface="Cambria Math" panose="02040503050406030204" pitchFamily="18" charset="0"/>
+                                          </a:rPr>
+                                        </m:ctrlPr>
+                                      </m:funcPr>
+                                      <m:fName>
+                                        <m:r>
+                                          <m:rPr>
+                                            <m:sty m:val="p"/>
+                                          </m:rPr>
+                                          <a:rPr lang="fr-FR">
+                                            <a:latin typeface="Cambria Math" panose="02040503050406030204" pitchFamily="18" charset="0"/>
+                                          </a:rPr>
+                                          <m:t>sin</m:t>
+                                        </m:r>
+                                      </m:fName>
+                                      <m:e>
+                                        <m:sSub>
+                                          <m:sSubPr>
+                                            <m:ctrlPr>
+                                              <a:rPr lang="fr-FR" i="1">
+                                                <a:latin typeface="Cambria Math" panose="02040503050406030204" pitchFamily="18" charset="0"/>
+                                              </a:rPr>
+                                            </m:ctrlPr>
+                                          </m:sSubPr>
+                                          <m:e>
+                                            <m:r>
+                                              <a:rPr lang="fr-FR" b="0" i="1" smtClean="0">
+                                                <a:latin typeface="Cambria Math" panose="02040503050406030204" pitchFamily="18" charset="0"/>
+                                              </a:rPr>
+                                              <m:t>𝛽</m:t>
+                                            </m:r>
+                                          </m:e>
+                                          <m:sub>
+                                            <m:r>
+                                              <a:rPr lang="fr-FR" i="1">
+                                                <a:latin typeface="Cambria Math" panose="02040503050406030204" pitchFamily="18" charset="0"/>
+                                              </a:rPr>
+                                              <m:t>1</m:t>
+                                            </m:r>
+                                          </m:sub>
+                                        </m:sSub>
+                                      </m:e>
+                                    </m:func>
+                                  </m:e>
+                                </m:d>
+                              </m:e>
+                              <m:sup>
+                                <m:r>
+                                  <a:rPr lang="fr-FR" i="1">
+                                    <a:latin typeface="Cambria Math" panose="02040503050406030204" pitchFamily="18" charset="0"/>
+                                  </a:rPr>
+                                  <m:t>2</m:t>
+                                </m:r>
+                              </m:sup>
+                            </m:sSup>
+                          </m:e>
+                        </m:eqArr>
+                      </m:e>
+                    </m:d>
+                  </m:oMath>
+                </a14:m>
+                <a:endParaRPr lang="fr-FR" dirty="0"/>
+              </a:p>
+              <a:p>
+                <a14:m>
+                  <m:oMath xmlns:m="http://schemas.openxmlformats.org/officeDocument/2006/math">
+                    <m:sSup>
+                      <m:sSupPr>
+                        <m:ctrlPr>
+                          <a:rPr lang="fr-FR" i="1" smtClean="0">
+                            <a:latin typeface="Cambria Math" panose="02040503050406030204" pitchFamily="18" charset="0"/>
+                          </a:rPr>
+                        </m:ctrlPr>
+                      </m:sSupPr>
+                      <m:e>
+                        <m:r>
+                          <a:rPr lang="fr-FR" i="1">
+                            <a:latin typeface="Cambria Math" panose="02040503050406030204" pitchFamily="18" charset="0"/>
+                          </a:rPr>
+                          <m:t>𝑐</m:t>
+                        </m:r>
+                      </m:e>
+                      <m:sup>
+                        <m:r>
+                          <a:rPr lang="fr-FR" i="1">
+                            <a:latin typeface="Cambria Math" panose="02040503050406030204" pitchFamily="18" charset="0"/>
+                          </a:rPr>
+                          <m:t>2</m:t>
+                        </m:r>
+                      </m:sup>
+                    </m:sSup>
+                    <m:r>
+                      <a:rPr lang="fr-FR" i="1">
+                        <a:latin typeface="Cambria Math" panose="02040503050406030204" pitchFamily="18" charset="0"/>
+                      </a:rPr>
+                      <m:t>=</m:t>
+                    </m:r>
+                    <m:sSup>
+                      <m:sSupPr>
+                        <m:ctrlPr>
+                          <a:rPr lang="fr-FR" i="1">
+                            <a:latin typeface="Cambria Math" panose="02040503050406030204" pitchFamily="18" charset="0"/>
+                          </a:rPr>
+                        </m:ctrlPr>
+                      </m:sSupPr>
+                      <m:e>
+                        <m:d>
+                          <m:dPr>
+                            <m:ctrlPr>
+                              <a:rPr lang="fr-FR" i="1">
+                                <a:latin typeface="Cambria Math" panose="02040503050406030204" pitchFamily="18" charset="0"/>
+                              </a:rPr>
+                            </m:ctrlPr>
+                          </m:dPr>
+                          <m:e>
+                            <m:r>
+                              <a:rPr lang="fr-FR" i="1">
+                                <a:latin typeface="Cambria Math" panose="02040503050406030204" pitchFamily="18" charset="0"/>
+                              </a:rPr>
+                              <m:t>𝑥</m:t>
+                            </m:r>
+                            <m:r>
+                              <a:rPr lang="fr-FR">
+                                <a:latin typeface="Cambria Math" panose="02040503050406030204" pitchFamily="18" charset="0"/>
+                              </a:rPr>
+                              <m:t>−</m:t>
+                            </m:r>
+                            <m:r>
+                              <a:rPr lang="fr-FR" i="1">
+                                <a:latin typeface="Cambria Math" panose="02040503050406030204" pitchFamily="18" charset="0"/>
+                              </a:rPr>
+                              <m:t>𝑎</m:t>
+                            </m:r>
+                            <m:r>
+                              <a:rPr lang="fr-FR" i="1">
+                                <a:latin typeface="Cambria Math" panose="02040503050406030204" pitchFamily="18" charset="0"/>
+                              </a:rPr>
+                              <m:t>−</m:t>
+                            </m:r>
+                            <m:r>
+                              <a:rPr lang="fr-FR" i="1">
+                                <a:latin typeface="Cambria Math" panose="02040503050406030204" pitchFamily="18" charset="0"/>
+                              </a:rPr>
+                              <m:t>𝑏</m:t>
+                            </m:r>
+                            <m:func>
+                              <m:funcPr>
+                                <m:ctrlPr>
+                                  <a:rPr lang="fr-FR" i="1">
+                                    <a:latin typeface="Cambria Math" panose="02040503050406030204" pitchFamily="18" charset="0"/>
+                                  </a:rPr>
+                                </m:ctrlPr>
+                              </m:funcPr>
+                              <m:fName>
+                                <m:r>
+                                  <m:rPr>
+                                    <m:sty m:val="p"/>
+                                  </m:rPr>
+                                  <a:rPr lang="fr-FR">
+                                    <a:latin typeface="Cambria Math" panose="02040503050406030204" pitchFamily="18" charset="0"/>
+                                  </a:rPr>
+                                  <m:t>cos</m:t>
+                                </m:r>
+                              </m:fName>
+                              <m:e>
+                                <m:sSub>
+                                  <m:sSubPr>
+                                    <m:ctrlPr>
+                                      <a:rPr lang="fr-FR" i="1">
+                                        <a:latin typeface="Cambria Math" panose="02040503050406030204" pitchFamily="18" charset="0"/>
+                                      </a:rPr>
+                                    </m:ctrlPr>
+                                  </m:sSubPr>
+                                  <m:e>
+                                    <m:r>
+                                      <a:rPr lang="fr-FR" i="1">
+                                        <a:latin typeface="Cambria Math" panose="02040503050406030204" pitchFamily="18" charset="0"/>
+                                      </a:rPr>
+                                      <m:t>𝛼</m:t>
+                                    </m:r>
+                                  </m:e>
+                                  <m:sub>
+                                    <m:r>
+                                      <a:rPr lang="fr-FR" i="1">
+                                        <a:latin typeface="Cambria Math" panose="02040503050406030204" pitchFamily="18" charset="0"/>
+                                      </a:rPr>
+                                      <m:t>1</m:t>
+                                    </m:r>
+                                  </m:sub>
+                                </m:sSub>
+                              </m:e>
+                            </m:func>
+                          </m:e>
+                        </m:d>
+                      </m:e>
+                      <m:sup>
+                        <m:r>
+                          <a:rPr lang="fr-FR" i="1">
+                            <a:latin typeface="Cambria Math" panose="02040503050406030204" pitchFamily="18" charset="0"/>
+                          </a:rPr>
+                          <m:t>2</m:t>
+                        </m:r>
+                      </m:sup>
+                    </m:sSup>
+                    <m:r>
+                      <m:rPr>
+                        <m:nor/>
+                      </m:rPr>
+                      <a:rPr lang="fr-FR" dirty="0"/>
+                      <m:t>+ </m:t>
+                    </m:r>
+                    <m:sSup>
+                      <m:sSupPr>
+                        <m:ctrlPr>
+                          <a:rPr lang="fr-FR" i="1">
+                            <a:latin typeface="Cambria Math" panose="02040503050406030204" pitchFamily="18" charset="0"/>
+                          </a:rPr>
+                        </m:ctrlPr>
+                      </m:sSupPr>
+                      <m:e>
+                        <m:d>
+                          <m:dPr>
+                            <m:ctrlPr>
+                              <a:rPr lang="fr-FR" i="1">
+                                <a:latin typeface="Cambria Math" panose="02040503050406030204" pitchFamily="18" charset="0"/>
+                              </a:rPr>
+                            </m:ctrlPr>
+                          </m:dPr>
+                          <m:e>
+                            <m:r>
+                              <m:rPr>
+                                <m:sty m:val="p"/>
+                              </m:rPr>
+                              <a:rPr lang="fr-FR">
+                                <a:latin typeface="Cambria Math" panose="02040503050406030204" pitchFamily="18" charset="0"/>
+                              </a:rPr>
+                              <m:t>y</m:t>
+                            </m:r>
+                            <m:r>
+                              <a:rPr lang="fr-FR">
+                                <a:latin typeface="Cambria Math" panose="02040503050406030204" pitchFamily="18" charset="0"/>
+                              </a:rPr>
+                              <m:t>−</m:t>
+                            </m:r>
+                            <m:r>
+                              <a:rPr lang="fr-FR" i="1">
+                                <a:latin typeface="Cambria Math" panose="02040503050406030204" pitchFamily="18" charset="0"/>
+                              </a:rPr>
+                              <m:t>𝑏</m:t>
+                            </m:r>
+                            <m:func>
+                              <m:funcPr>
+                                <m:ctrlPr>
+                                  <a:rPr lang="fr-FR" i="1">
+                                    <a:latin typeface="Cambria Math" panose="02040503050406030204" pitchFamily="18" charset="0"/>
+                                  </a:rPr>
+                                </m:ctrlPr>
+                              </m:funcPr>
+                              <m:fName>
+                                <m:r>
+                                  <m:rPr>
+                                    <m:sty m:val="p"/>
+                                  </m:rPr>
+                                  <a:rPr lang="fr-FR">
+                                    <a:latin typeface="Cambria Math" panose="02040503050406030204" pitchFamily="18" charset="0"/>
+                                  </a:rPr>
+                                  <m:t>sin</m:t>
+                                </m:r>
+                              </m:fName>
+                              <m:e>
+                                <m:sSub>
+                                  <m:sSubPr>
+                                    <m:ctrlPr>
+                                      <a:rPr lang="fr-FR" i="1">
+                                        <a:latin typeface="Cambria Math" panose="02040503050406030204" pitchFamily="18" charset="0"/>
+                                      </a:rPr>
+                                    </m:ctrlPr>
+                                  </m:sSubPr>
+                                  <m:e>
+                                    <m:r>
+                                      <a:rPr lang="fr-FR" i="1">
+                                        <a:latin typeface="Cambria Math" panose="02040503050406030204" pitchFamily="18" charset="0"/>
+                                      </a:rPr>
+                                      <m:t>𝛼</m:t>
+                                    </m:r>
+                                  </m:e>
+                                  <m:sub>
+                                    <m:r>
+                                      <a:rPr lang="fr-FR" i="1">
+                                        <a:latin typeface="Cambria Math" panose="02040503050406030204" pitchFamily="18" charset="0"/>
+                                      </a:rPr>
+                                      <m:t>1</m:t>
+                                    </m:r>
+                                  </m:sub>
+                                </m:sSub>
+                              </m:e>
+                            </m:func>
+                          </m:e>
+                        </m:d>
+                      </m:e>
+                      <m:sup>
+                        <m:r>
+                          <a:rPr lang="fr-FR" i="1">
+                            <a:latin typeface="Cambria Math" panose="02040503050406030204" pitchFamily="18" charset="0"/>
+                          </a:rPr>
+                          <m:t>2</m:t>
+                        </m:r>
+                      </m:sup>
+                    </m:sSup>
+                  </m:oMath>
+                </a14:m>
+                <a:endParaRPr lang="fr-FR" i="1" dirty="0">
+                  <a:latin typeface="Cambria Math" panose="02040503050406030204" pitchFamily="18" charset="0"/>
+                </a:endParaRPr>
+              </a:p>
+              <a:p>
+                <a14:m>
+                  <m:oMath xmlns:m="http://schemas.openxmlformats.org/officeDocument/2006/math">
+                    <m:sSup>
+                      <m:sSupPr>
+                        <m:ctrlPr>
+                          <a:rPr lang="fr-FR" b="0" i="1" smtClean="0">
+                            <a:latin typeface="Cambria Math" panose="02040503050406030204" pitchFamily="18" charset="0"/>
+                          </a:rPr>
+                        </m:ctrlPr>
+                      </m:sSupPr>
+                      <m:e>
+                        <m:r>
+                          <a:rPr lang="fr-FR" b="0" i="1" smtClean="0">
+                            <a:latin typeface="Cambria Math" panose="02040503050406030204" pitchFamily="18" charset="0"/>
+                          </a:rPr>
+                          <m:t>𝑐</m:t>
+                        </m:r>
+                      </m:e>
+                      <m:sup>
+                        <m:r>
+                          <a:rPr lang="fr-FR" b="0" i="1" smtClean="0">
+                            <a:latin typeface="Cambria Math" panose="02040503050406030204" pitchFamily="18" charset="0"/>
+                          </a:rPr>
+                          <m:t>2</m:t>
+                        </m:r>
+                      </m:sup>
+                    </m:sSup>
+                    <m:r>
+                      <a:rPr lang="fr-FR" b="0" i="1" smtClean="0">
+                        <a:latin typeface="Cambria Math" panose="02040503050406030204" pitchFamily="18" charset="0"/>
+                      </a:rPr>
+                      <m:t>=</m:t>
+                    </m:r>
+                    <m:sSup>
+                      <m:sSupPr>
+                        <m:ctrlPr>
+                          <a:rPr lang="fr-FR" b="0" i="1" smtClean="0">
+                            <a:latin typeface="Cambria Math" panose="02040503050406030204" pitchFamily="18" charset="0"/>
+                          </a:rPr>
+                        </m:ctrlPr>
+                      </m:sSupPr>
+                      <m:e>
+                        <m:r>
+                          <a:rPr lang="fr-FR" b="0" i="1" smtClean="0">
+                            <a:latin typeface="Cambria Math" panose="02040503050406030204" pitchFamily="18" charset="0"/>
+                          </a:rPr>
+                          <m:t>𝑥</m:t>
+                        </m:r>
+                      </m:e>
+                      <m:sup>
+                        <m:r>
+                          <a:rPr lang="fr-FR" b="0" i="1" smtClean="0">
+                            <a:latin typeface="Cambria Math" panose="02040503050406030204" pitchFamily="18" charset="0"/>
+                          </a:rPr>
+                          <m:t>2</m:t>
+                        </m:r>
+                      </m:sup>
+                    </m:sSup>
+                    <m:r>
+                      <a:rPr lang="fr-FR" b="0" i="1" smtClean="0">
+                        <a:latin typeface="Cambria Math" panose="02040503050406030204" pitchFamily="18" charset="0"/>
+                      </a:rPr>
+                      <m:t>+</m:t>
+                    </m:r>
+                    <m:sSup>
+                      <m:sSupPr>
+                        <m:ctrlPr>
+                          <a:rPr lang="fr-FR" b="0" i="1" smtClean="0">
+                            <a:latin typeface="Cambria Math" panose="02040503050406030204" pitchFamily="18" charset="0"/>
+                          </a:rPr>
+                        </m:ctrlPr>
+                      </m:sSupPr>
+                      <m:e>
+                        <m:r>
+                          <a:rPr lang="fr-FR" b="0" i="1" smtClean="0">
+                            <a:latin typeface="Cambria Math" panose="02040503050406030204" pitchFamily="18" charset="0"/>
+                          </a:rPr>
+                          <m:t>𝑎</m:t>
+                        </m:r>
+                      </m:e>
+                      <m:sup>
+                        <m:r>
+                          <a:rPr lang="fr-FR" b="0" i="1" smtClean="0">
+                            <a:latin typeface="Cambria Math" panose="02040503050406030204" pitchFamily="18" charset="0"/>
+                          </a:rPr>
+                          <m:t>2</m:t>
+                        </m:r>
+                      </m:sup>
+                    </m:sSup>
+                    <m:r>
+                      <a:rPr lang="fr-FR" b="0" i="1" smtClean="0">
+                        <a:latin typeface="Cambria Math" panose="02040503050406030204" pitchFamily="18" charset="0"/>
+                      </a:rPr>
+                      <m:t>+</m:t>
+                    </m:r>
+                    <m:sSup>
+                      <m:sSupPr>
+                        <m:ctrlPr>
+                          <a:rPr lang="fr-FR" b="0" i="1" smtClean="0">
+                            <a:latin typeface="Cambria Math" panose="02040503050406030204" pitchFamily="18" charset="0"/>
+                          </a:rPr>
+                        </m:ctrlPr>
+                      </m:sSupPr>
+                      <m:e>
+                        <m:r>
+                          <a:rPr lang="fr-FR" b="0" i="1" smtClean="0">
+                            <a:latin typeface="Cambria Math" panose="02040503050406030204" pitchFamily="18" charset="0"/>
+                          </a:rPr>
+                          <m:t>𝑏</m:t>
+                        </m:r>
+                      </m:e>
+                      <m:sup>
+                        <m:r>
+                          <a:rPr lang="fr-FR" b="0" i="1" smtClean="0">
+                            <a:latin typeface="Cambria Math" panose="02040503050406030204" pitchFamily="18" charset="0"/>
+                          </a:rPr>
+                          <m:t>2</m:t>
+                        </m:r>
+                      </m:sup>
+                    </m:sSup>
+                    <m:func>
+                      <m:funcPr>
+                        <m:ctrlPr>
+                          <a:rPr lang="fr-FR" b="0" i="1" smtClean="0">
+                            <a:latin typeface="Cambria Math" panose="02040503050406030204" pitchFamily="18" charset="0"/>
+                          </a:rPr>
+                        </m:ctrlPr>
+                      </m:funcPr>
+                      <m:fName>
+                        <m:sSup>
+                          <m:sSupPr>
+                            <m:ctrlPr>
+                              <a:rPr lang="fr-FR" b="0" i="1" smtClean="0">
+                                <a:latin typeface="Cambria Math" panose="02040503050406030204" pitchFamily="18" charset="0"/>
+                              </a:rPr>
+                            </m:ctrlPr>
+                          </m:sSupPr>
+                          <m:e>
+                            <m:r>
+                              <m:rPr>
+                                <m:sty m:val="p"/>
+                              </m:rPr>
+                              <a:rPr lang="fr-FR" b="0" i="0" smtClean="0">
+                                <a:latin typeface="Cambria Math" panose="02040503050406030204" pitchFamily="18" charset="0"/>
+                              </a:rPr>
+                              <m:t>cos</m:t>
+                            </m:r>
+                          </m:e>
+                          <m:sup>
+                            <m:r>
+                              <a:rPr lang="fr-FR" b="0" i="1" smtClean="0">
+                                <a:latin typeface="Cambria Math" panose="02040503050406030204" pitchFamily="18" charset="0"/>
+                              </a:rPr>
+                              <m:t>2</m:t>
+                            </m:r>
+                          </m:sup>
+                        </m:sSup>
+                      </m:fName>
+                      <m:e>
+                        <m:sSub>
+                          <m:sSubPr>
+                            <m:ctrlPr>
+                              <a:rPr lang="fr-FR" b="0" i="1" smtClean="0">
+                                <a:latin typeface="Cambria Math" panose="02040503050406030204" pitchFamily="18" charset="0"/>
+                              </a:rPr>
+                            </m:ctrlPr>
+                          </m:sSubPr>
+                          <m:e>
+                            <m:r>
+                              <a:rPr lang="fr-FR" b="0" i="1" smtClean="0">
+                                <a:latin typeface="Cambria Math" panose="02040503050406030204" pitchFamily="18" charset="0"/>
+                              </a:rPr>
+                              <m:t>𝛼</m:t>
+                            </m:r>
+                          </m:e>
+                          <m:sub>
+                            <m:r>
+                              <a:rPr lang="fr-FR" b="0" i="1" smtClean="0">
+                                <a:latin typeface="Cambria Math" panose="02040503050406030204" pitchFamily="18" charset="0"/>
+                              </a:rPr>
+                              <m:t>1</m:t>
+                            </m:r>
+                          </m:sub>
+                        </m:sSub>
+                      </m:e>
+                    </m:func>
+                    <m:r>
+                      <a:rPr lang="fr-FR" b="0" i="1" smtClean="0">
+                        <a:latin typeface="Cambria Math" panose="02040503050406030204" pitchFamily="18" charset="0"/>
+                      </a:rPr>
+                      <m:t>−2</m:t>
+                    </m:r>
+                    <m:r>
+                      <a:rPr lang="fr-FR" b="0" i="1" smtClean="0">
+                        <a:latin typeface="Cambria Math" panose="02040503050406030204" pitchFamily="18" charset="0"/>
+                      </a:rPr>
+                      <m:t>𝑥𝑎</m:t>
+                    </m:r>
+                    <m:r>
+                      <a:rPr lang="fr-FR" b="0" i="1" smtClean="0">
+                        <a:latin typeface="Cambria Math" panose="02040503050406030204" pitchFamily="18" charset="0"/>
+                      </a:rPr>
+                      <m:t>−2</m:t>
+                    </m:r>
+                    <m:r>
+                      <a:rPr lang="fr-FR" b="0" i="1" smtClean="0">
+                        <a:latin typeface="Cambria Math" panose="02040503050406030204" pitchFamily="18" charset="0"/>
+                      </a:rPr>
+                      <m:t>𝑥𝑏</m:t>
+                    </m:r>
+                    <m:func>
+                      <m:funcPr>
+                        <m:ctrlPr>
+                          <a:rPr lang="fr-FR" i="1">
+                            <a:latin typeface="Cambria Math" panose="02040503050406030204" pitchFamily="18" charset="0"/>
+                          </a:rPr>
+                        </m:ctrlPr>
+                      </m:funcPr>
+                      <m:fName>
+                        <m:r>
+                          <m:rPr>
+                            <m:sty m:val="p"/>
+                          </m:rPr>
+                          <a:rPr lang="fr-FR">
+                            <a:latin typeface="Cambria Math" panose="02040503050406030204" pitchFamily="18" charset="0"/>
+                          </a:rPr>
+                          <m:t>cos</m:t>
+                        </m:r>
+                      </m:fName>
+                      <m:e>
+                        <m:sSub>
+                          <m:sSubPr>
+                            <m:ctrlPr>
+                              <a:rPr lang="fr-FR" i="1">
+                                <a:latin typeface="Cambria Math" panose="02040503050406030204" pitchFamily="18" charset="0"/>
+                              </a:rPr>
+                            </m:ctrlPr>
+                          </m:sSubPr>
+                          <m:e>
+                            <m:r>
+                              <a:rPr lang="fr-FR" i="1">
+                                <a:latin typeface="Cambria Math" panose="02040503050406030204" pitchFamily="18" charset="0"/>
+                              </a:rPr>
+                              <m:t>𝛼</m:t>
+                            </m:r>
+                          </m:e>
+                          <m:sub>
+                            <m:r>
+                              <a:rPr lang="fr-FR" i="1">
+                                <a:latin typeface="Cambria Math" panose="02040503050406030204" pitchFamily="18" charset="0"/>
+                              </a:rPr>
+                              <m:t>1</m:t>
+                            </m:r>
+                          </m:sub>
+                        </m:sSub>
+                      </m:e>
+                    </m:func>
+                    <m:r>
+                      <a:rPr lang="fr-FR" b="0" i="1" smtClean="0">
+                        <a:latin typeface="Cambria Math" panose="02040503050406030204" pitchFamily="18" charset="0"/>
+                      </a:rPr>
+                      <m:t>+2</m:t>
+                    </m:r>
+                    <m:r>
+                      <a:rPr lang="fr-FR" b="0" i="1" smtClean="0">
+                        <a:latin typeface="Cambria Math" panose="02040503050406030204" pitchFamily="18" charset="0"/>
+                      </a:rPr>
+                      <m:t>𝑎𝑏</m:t>
+                    </m:r>
+                    <m:func>
+                      <m:funcPr>
+                        <m:ctrlPr>
+                          <a:rPr lang="fr-FR" i="1">
+                            <a:latin typeface="Cambria Math" panose="02040503050406030204" pitchFamily="18" charset="0"/>
+                          </a:rPr>
+                        </m:ctrlPr>
+                      </m:funcPr>
+                      <m:fName>
+                        <m:r>
+                          <m:rPr>
+                            <m:sty m:val="p"/>
+                          </m:rPr>
+                          <a:rPr lang="fr-FR">
+                            <a:latin typeface="Cambria Math" panose="02040503050406030204" pitchFamily="18" charset="0"/>
+                          </a:rPr>
+                          <m:t>cos</m:t>
+                        </m:r>
+                      </m:fName>
+                      <m:e>
+                        <m:sSub>
+                          <m:sSubPr>
+                            <m:ctrlPr>
+                              <a:rPr lang="fr-FR" i="1">
+                                <a:latin typeface="Cambria Math" panose="02040503050406030204" pitchFamily="18" charset="0"/>
+                              </a:rPr>
+                            </m:ctrlPr>
+                          </m:sSubPr>
+                          <m:e>
+                            <m:r>
+                              <a:rPr lang="fr-FR" i="1">
+                                <a:latin typeface="Cambria Math" panose="02040503050406030204" pitchFamily="18" charset="0"/>
+                              </a:rPr>
+                              <m:t>𝛼</m:t>
+                            </m:r>
+                          </m:e>
+                          <m:sub>
+                            <m:r>
+                              <a:rPr lang="fr-FR" i="1">
+                                <a:latin typeface="Cambria Math" panose="02040503050406030204" pitchFamily="18" charset="0"/>
+                              </a:rPr>
+                              <m:t>1</m:t>
+                            </m:r>
+                          </m:sub>
+                        </m:sSub>
+                      </m:e>
+                    </m:func>
+                    <m:r>
+                      <a:rPr lang="fr-FR" b="0" i="1" smtClean="0">
+                        <a:latin typeface="Cambria Math" panose="02040503050406030204" pitchFamily="18" charset="0"/>
+                      </a:rPr>
+                      <m:t>+</m:t>
+                    </m:r>
+                    <m:sSup>
+                      <m:sSupPr>
+                        <m:ctrlPr>
+                          <a:rPr lang="fr-FR" b="0" i="1" smtClean="0">
+                            <a:latin typeface="Cambria Math" panose="02040503050406030204" pitchFamily="18" charset="0"/>
+                          </a:rPr>
+                        </m:ctrlPr>
+                      </m:sSupPr>
+                      <m:e>
+                        <m:r>
+                          <a:rPr lang="fr-FR" b="0" i="1" smtClean="0">
+                            <a:latin typeface="Cambria Math" panose="02040503050406030204" pitchFamily="18" charset="0"/>
+                          </a:rPr>
+                          <m:t>𝑦</m:t>
+                        </m:r>
+                      </m:e>
+                      <m:sup>
+                        <m:r>
+                          <a:rPr lang="fr-FR" b="0" i="1" smtClean="0">
+                            <a:latin typeface="Cambria Math" panose="02040503050406030204" pitchFamily="18" charset="0"/>
+                          </a:rPr>
+                          <m:t>2</m:t>
+                        </m:r>
+                      </m:sup>
+                    </m:sSup>
+                    <m:r>
+                      <a:rPr lang="fr-FR" b="0" i="1" smtClean="0">
+                        <a:latin typeface="Cambria Math" panose="02040503050406030204" pitchFamily="18" charset="0"/>
+                      </a:rPr>
+                      <m:t>+</m:t>
+                    </m:r>
+                    <m:sSup>
+                      <m:sSupPr>
+                        <m:ctrlPr>
+                          <a:rPr lang="fr-FR" b="0" i="1" smtClean="0">
+                            <a:latin typeface="Cambria Math" panose="02040503050406030204" pitchFamily="18" charset="0"/>
+                          </a:rPr>
+                        </m:ctrlPr>
+                      </m:sSupPr>
+                      <m:e>
+                        <m:r>
+                          <a:rPr lang="fr-FR" i="1">
+                            <a:latin typeface="Cambria Math" panose="02040503050406030204" pitchFamily="18" charset="0"/>
+                          </a:rPr>
+                          <m:t>𝑏</m:t>
+                        </m:r>
+                      </m:e>
+                      <m:sup>
+                        <m:r>
+                          <a:rPr lang="fr-FR" b="0" i="1" smtClean="0">
+                            <a:latin typeface="Cambria Math" panose="02040503050406030204" pitchFamily="18" charset="0"/>
+                          </a:rPr>
+                          <m:t>2</m:t>
+                        </m:r>
+                      </m:sup>
+                    </m:sSup>
+                    <m:func>
+                      <m:funcPr>
+                        <m:ctrlPr>
+                          <a:rPr lang="fr-FR" i="1">
+                            <a:latin typeface="Cambria Math" panose="02040503050406030204" pitchFamily="18" charset="0"/>
+                          </a:rPr>
+                        </m:ctrlPr>
+                      </m:funcPr>
+                      <m:fName>
+                        <m:sSup>
+                          <m:sSupPr>
+                            <m:ctrlPr>
+                              <a:rPr lang="fr-FR" b="0" i="1" smtClean="0">
+                                <a:latin typeface="Cambria Math" panose="02040503050406030204" pitchFamily="18" charset="0"/>
+                              </a:rPr>
+                            </m:ctrlPr>
+                          </m:sSupPr>
+                          <m:e>
+                            <m:r>
+                              <m:rPr>
+                                <m:sty m:val="p"/>
+                              </m:rPr>
+                              <a:rPr lang="fr-FR">
+                                <a:latin typeface="Cambria Math" panose="02040503050406030204" pitchFamily="18" charset="0"/>
+                              </a:rPr>
+                              <m:t>sin</m:t>
+                            </m:r>
+                          </m:e>
+                          <m:sup>
+                            <m:r>
+                              <a:rPr lang="fr-FR" b="0" i="1" smtClean="0">
+                                <a:latin typeface="Cambria Math" panose="02040503050406030204" pitchFamily="18" charset="0"/>
+                              </a:rPr>
+                              <m:t>2</m:t>
+                            </m:r>
+                          </m:sup>
+                        </m:sSup>
+                      </m:fName>
+                      <m:e>
+                        <m:sSub>
+                          <m:sSubPr>
+                            <m:ctrlPr>
+                              <a:rPr lang="fr-FR" i="1">
+                                <a:latin typeface="Cambria Math" panose="02040503050406030204" pitchFamily="18" charset="0"/>
+                              </a:rPr>
+                            </m:ctrlPr>
+                          </m:sSubPr>
+                          <m:e>
+                            <m:r>
+                              <a:rPr lang="fr-FR" i="1">
+                                <a:latin typeface="Cambria Math" panose="02040503050406030204" pitchFamily="18" charset="0"/>
+                              </a:rPr>
+                              <m:t>𝛼</m:t>
+                            </m:r>
+                          </m:e>
+                          <m:sub>
+                            <m:r>
+                              <a:rPr lang="fr-FR" i="1">
+                                <a:latin typeface="Cambria Math" panose="02040503050406030204" pitchFamily="18" charset="0"/>
+                              </a:rPr>
+                              <m:t>1</m:t>
+                            </m:r>
+                          </m:sub>
+                        </m:sSub>
+                      </m:e>
+                    </m:func>
+                    <m:r>
+                      <a:rPr lang="fr-FR" b="0" i="1" smtClean="0">
+                        <a:latin typeface="Cambria Math" panose="02040503050406030204" pitchFamily="18" charset="0"/>
+                      </a:rPr>
+                      <m:t>−2</m:t>
+                    </m:r>
+                    <m:r>
+                      <a:rPr lang="fr-FR" b="0" i="1" smtClean="0">
+                        <a:latin typeface="Cambria Math" panose="02040503050406030204" pitchFamily="18" charset="0"/>
+                      </a:rPr>
+                      <m:t>𝑦𝑏</m:t>
+                    </m:r>
+                    <m:func>
+                      <m:funcPr>
+                        <m:ctrlPr>
+                          <a:rPr lang="fr-FR" b="0" i="1" smtClean="0">
+                            <a:latin typeface="Cambria Math" panose="02040503050406030204" pitchFamily="18" charset="0"/>
+                          </a:rPr>
+                        </m:ctrlPr>
+                      </m:funcPr>
+                      <m:fName>
+                        <m:r>
+                          <m:rPr>
+                            <m:sty m:val="p"/>
+                          </m:rPr>
+                          <a:rPr lang="fr-FR" b="0" i="0" smtClean="0">
+                            <a:latin typeface="Cambria Math" panose="02040503050406030204" pitchFamily="18" charset="0"/>
+                          </a:rPr>
+                          <m:t>sin</m:t>
+                        </m:r>
+                      </m:fName>
+                      <m:e>
+                        <m:sSub>
+                          <m:sSubPr>
+                            <m:ctrlPr>
+                              <a:rPr lang="fr-FR" b="0" i="1" smtClean="0">
+                                <a:latin typeface="Cambria Math" panose="02040503050406030204" pitchFamily="18" charset="0"/>
+                              </a:rPr>
+                            </m:ctrlPr>
+                          </m:sSubPr>
+                          <m:e>
+                            <m:r>
+                              <a:rPr lang="fr-FR" b="0" i="1" smtClean="0">
+                                <a:latin typeface="Cambria Math" panose="02040503050406030204" pitchFamily="18" charset="0"/>
+                              </a:rPr>
+                              <m:t>𝛼</m:t>
+                            </m:r>
+                          </m:e>
+                          <m:sub>
+                            <m:r>
+                              <a:rPr lang="fr-FR" b="0" i="1" smtClean="0">
+                                <a:latin typeface="Cambria Math" panose="02040503050406030204" pitchFamily="18" charset="0"/>
+                              </a:rPr>
+                              <m:t>1</m:t>
+                            </m:r>
+                          </m:sub>
+                        </m:sSub>
+                      </m:e>
+                    </m:func>
+                    <m:r>
+                      <a:rPr lang="fr-FR" b="0" i="1" smtClean="0">
+                        <a:latin typeface="Cambria Math" panose="02040503050406030204" pitchFamily="18" charset="0"/>
+                      </a:rPr>
+                      <m:t> </m:t>
+                    </m:r>
+                  </m:oMath>
+                </a14:m>
+                <a:endParaRPr lang="fr-FR" b="0" dirty="0"/>
+              </a:p>
+              <a:p>
+                <a14:m>
+                  <m:oMath xmlns:m="http://schemas.openxmlformats.org/officeDocument/2006/math">
+                    <m:sSup>
+                      <m:sSupPr>
+                        <m:ctrlPr>
+                          <a:rPr lang="fr-FR" b="0" i="1" smtClean="0">
+                            <a:latin typeface="Cambria Math" panose="02040503050406030204" pitchFamily="18" charset="0"/>
+                          </a:rPr>
+                        </m:ctrlPr>
+                      </m:sSupPr>
+                      <m:e>
+                        <m:r>
+                          <a:rPr lang="fr-FR" b="0" i="1" smtClean="0">
+                            <a:latin typeface="Cambria Math" panose="02040503050406030204" pitchFamily="18" charset="0"/>
+                          </a:rPr>
+                          <m:t>𝑐</m:t>
+                        </m:r>
+                      </m:e>
+                      <m:sup>
+                        <m:r>
+                          <a:rPr lang="fr-FR" b="0" i="1" smtClean="0">
+                            <a:latin typeface="Cambria Math" panose="02040503050406030204" pitchFamily="18" charset="0"/>
+                          </a:rPr>
+                          <m:t>2</m:t>
+                        </m:r>
+                      </m:sup>
+                    </m:sSup>
+                    <m:r>
+                      <a:rPr lang="fr-FR" b="0" i="1" smtClean="0">
+                        <a:latin typeface="Cambria Math" panose="02040503050406030204" pitchFamily="18" charset="0"/>
+                      </a:rPr>
+                      <m:t>−</m:t>
+                    </m:r>
+                    <m:sSup>
+                      <m:sSupPr>
+                        <m:ctrlPr>
+                          <a:rPr lang="fr-FR" i="1">
+                            <a:latin typeface="Cambria Math" panose="02040503050406030204" pitchFamily="18" charset="0"/>
+                          </a:rPr>
+                        </m:ctrlPr>
+                      </m:sSupPr>
+                      <m:e>
+                        <m:r>
+                          <a:rPr lang="fr-FR" i="1">
+                            <a:latin typeface="Cambria Math" panose="02040503050406030204" pitchFamily="18" charset="0"/>
+                          </a:rPr>
+                          <m:t>𝑥</m:t>
+                        </m:r>
+                      </m:e>
+                      <m:sup>
+                        <m:r>
+                          <a:rPr lang="fr-FR" i="1">
+                            <a:latin typeface="Cambria Math" panose="02040503050406030204" pitchFamily="18" charset="0"/>
+                          </a:rPr>
+                          <m:t>2</m:t>
+                        </m:r>
+                      </m:sup>
+                    </m:sSup>
+                    <m:r>
+                      <a:rPr lang="fr-FR" b="0" i="1" smtClean="0">
+                        <a:latin typeface="Cambria Math" panose="02040503050406030204" pitchFamily="18" charset="0"/>
+                      </a:rPr>
+                      <m:t>−</m:t>
+                    </m:r>
+                    <m:sSup>
+                      <m:sSupPr>
+                        <m:ctrlPr>
+                          <a:rPr lang="fr-FR" b="0" i="1" smtClean="0">
+                            <a:latin typeface="Cambria Math" panose="02040503050406030204" pitchFamily="18" charset="0"/>
+                          </a:rPr>
+                        </m:ctrlPr>
+                      </m:sSupPr>
+                      <m:e>
+                        <m:r>
+                          <a:rPr lang="fr-FR" b="0" i="1" smtClean="0">
+                            <a:latin typeface="Cambria Math" panose="02040503050406030204" pitchFamily="18" charset="0"/>
+                          </a:rPr>
+                          <m:t>𝑦</m:t>
+                        </m:r>
+                      </m:e>
+                      <m:sup>
+                        <m:r>
+                          <a:rPr lang="fr-FR" b="0" i="1" smtClean="0">
+                            <a:latin typeface="Cambria Math" panose="02040503050406030204" pitchFamily="18" charset="0"/>
+                          </a:rPr>
+                          <m:t>2</m:t>
+                        </m:r>
+                      </m:sup>
+                    </m:sSup>
+                    <m:r>
+                      <a:rPr lang="fr-FR" b="0" i="1" smtClean="0">
+                        <a:latin typeface="Cambria Math" panose="02040503050406030204" pitchFamily="18" charset="0"/>
+                      </a:rPr>
+                      <m:t>−</m:t>
+                    </m:r>
+                    <m:sSup>
+                      <m:sSupPr>
+                        <m:ctrlPr>
+                          <a:rPr lang="fr-FR" i="1">
+                            <a:latin typeface="Cambria Math" panose="02040503050406030204" pitchFamily="18" charset="0"/>
+                          </a:rPr>
+                        </m:ctrlPr>
+                      </m:sSupPr>
+                      <m:e>
+                        <m:r>
+                          <a:rPr lang="fr-FR" i="1">
+                            <a:latin typeface="Cambria Math" panose="02040503050406030204" pitchFamily="18" charset="0"/>
+                          </a:rPr>
+                          <m:t>𝑎</m:t>
+                        </m:r>
+                      </m:e>
+                      <m:sup>
+                        <m:r>
+                          <a:rPr lang="fr-FR" i="1">
+                            <a:latin typeface="Cambria Math" panose="02040503050406030204" pitchFamily="18" charset="0"/>
+                          </a:rPr>
+                          <m:t>2</m:t>
+                        </m:r>
+                      </m:sup>
+                    </m:sSup>
+                    <m:r>
+                      <a:rPr lang="fr-FR" b="0" i="1" smtClean="0">
+                        <a:latin typeface="Cambria Math" panose="02040503050406030204" pitchFamily="18" charset="0"/>
+                      </a:rPr>
+                      <m:t>−</m:t>
+                    </m:r>
+                    <m:sSup>
+                      <m:sSupPr>
+                        <m:ctrlPr>
+                          <a:rPr lang="fr-FR" i="1">
+                            <a:latin typeface="Cambria Math" panose="02040503050406030204" pitchFamily="18" charset="0"/>
+                          </a:rPr>
+                        </m:ctrlPr>
+                      </m:sSupPr>
+                      <m:e>
+                        <m:r>
+                          <a:rPr lang="fr-FR" i="1">
+                            <a:latin typeface="Cambria Math" panose="02040503050406030204" pitchFamily="18" charset="0"/>
+                          </a:rPr>
+                          <m:t>𝑏</m:t>
+                        </m:r>
+                      </m:e>
+                      <m:sup>
+                        <m:r>
+                          <a:rPr lang="fr-FR" i="1">
+                            <a:latin typeface="Cambria Math" panose="02040503050406030204" pitchFamily="18" charset="0"/>
+                          </a:rPr>
+                          <m:t>2</m:t>
+                        </m:r>
+                      </m:sup>
+                    </m:sSup>
+                    <m:r>
+                      <a:rPr lang="fr-FR" b="0" i="1" smtClean="0">
+                        <a:latin typeface="Cambria Math" panose="02040503050406030204" pitchFamily="18" charset="0"/>
+                      </a:rPr>
+                      <m:t>+</m:t>
+                    </m:r>
+                    <m:r>
+                      <a:rPr lang="fr-FR" i="1">
+                        <a:latin typeface="Cambria Math" panose="02040503050406030204" pitchFamily="18" charset="0"/>
+                      </a:rPr>
+                      <m:t>2</m:t>
+                    </m:r>
+                    <m:r>
+                      <a:rPr lang="fr-FR" i="1">
+                        <a:latin typeface="Cambria Math" panose="02040503050406030204" pitchFamily="18" charset="0"/>
+                      </a:rPr>
+                      <m:t>𝑥𝑎</m:t>
+                    </m:r>
+                    <m:r>
+                      <a:rPr lang="fr-FR" i="1">
+                        <a:latin typeface="Cambria Math" panose="02040503050406030204" pitchFamily="18" charset="0"/>
+                      </a:rPr>
+                      <m:t>=2</m:t>
+                    </m:r>
+                    <m:r>
+                      <a:rPr lang="fr-FR" b="0" i="1" smtClean="0">
+                        <a:latin typeface="Cambria Math" panose="02040503050406030204" pitchFamily="18" charset="0"/>
+                      </a:rPr>
+                      <m:t>𝑏</m:t>
+                    </m:r>
+                    <m:d>
+                      <m:dPr>
+                        <m:ctrlPr>
+                          <a:rPr lang="fr-FR" b="0" i="1" smtClean="0">
+                            <a:latin typeface="Cambria Math" panose="02040503050406030204" pitchFamily="18" charset="0"/>
+                          </a:rPr>
+                        </m:ctrlPr>
+                      </m:dPr>
+                      <m:e>
+                        <m:r>
+                          <a:rPr lang="fr-FR" b="0" i="1" smtClean="0">
+                            <a:latin typeface="Cambria Math" panose="02040503050406030204" pitchFamily="18" charset="0"/>
+                          </a:rPr>
+                          <m:t>𝑎</m:t>
+                        </m:r>
+                        <m:r>
+                          <a:rPr lang="fr-FR" b="0" i="1" smtClean="0">
+                            <a:latin typeface="Cambria Math" panose="02040503050406030204" pitchFamily="18" charset="0"/>
+                          </a:rPr>
+                          <m:t>−</m:t>
+                        </m:r>
+                        <m:r>
+                          <a:rPr lang="fr-FR" b="0" i="1" smtClean="0">
+                            <a:latin typeface="Cambria Math" panose="02040503050406030204" pitchFamily="18" charset="0"/>
+                          </a:rPr>
+                          <m:t>𝑥</m:t>
+                        </m:r>
+                      </m:e>
+                    </m:d>
+                    <m:func>
+                      <m:funcPr>
+                        <m:ctrlPr>
+                          <a:rPr lang="fr-FR" i="1">
+                            <a:latin typeface="Cambria Math" panose="02040503050406030204" pitchFamily="18" charset="0"/>
+                          </a:rPr>
+                        </m:ctrlPr>
+                      </m:funcPr>
+                      <m:fName>
+                        <m:r>
+                          <m:rPr>
+                            <m:sty m:val="p"/>
+                          </m:rPr>
+                          <a:rPr lang="fr-FR">
+                            <a:latin typeface="Cambria Math" panose="02040503050406030204" pitchFamily="18" charset="0"/>
+                          </a:rPr>
+                          <m:t>cos</m:t>
+                        </m:r>
+                      </m:fName>
+                      <m:e>
+                        <m:sSub>
+                          <m:sSubPr>
+                            <m:ctrlPr>
+                              <a:rPr lang="fr-FR" i="1">
+                                <a:latin typeface="Cambria Math" panose="02040503050406030204" pitchFamily="18" charset="0"/>
+                              </a:rPr>
+                            </m:ctrlPr>
+                          </m:sSubPr>
+                          <m:e>
+                            <m:r>
+                              <a:rPr lang="fr-FR" i="1">
+                                <a:latin typeface="Cambria Math" panose="02040503050406030204" pitchFamily="18" charset="0"/>
+                              </a:rPr>
+                              <m:t>𝛼</m:t>
+                            </m:r>
+                          </m:e>
+                          <m:sub>
+                            <m:r>
+                              <a:rPr lang="fr-FR" i="1">
+                                <a:latin typeface="Cambria Math" panose="02040503050406030204" pitchFamily="18" charset="0"/>
+                              </a:rPr>
+                              <m:t>1</m:t>
+                            </m:r>
+                          </m:sub>
+                        </m:sSub>
+                      </m:e>
+                    </m:func>
+                    <m:r>
+                      <a:rPr lang="fr-FR" b="0" i="1" smtClean="0">
+                        <a:latin typeface="Cambria Math" panose="02040503050406030204" pitchFamily="18" charset="0"/>
+                      </a:rPr>
+                      <m:t>−2</m:t>
+                    </m:r>
+                    <m:r>
+                      <a:rPr lang="fr-FR" b="0" i="1" smtClean="0">
+                        <a:latin typeface="Cambria Math" panose="02040503050406030204" pitchFamily="18" charset="0"/>
+                      </a:rPr>
+                      <m:t>𝑦𝑏</m:t>
+                    </m:r>
+                    <m:func>
+                      <m:funcPr>
+                        <m:ctrlPr>
+                          <a:rPr lang="fr-FR" b="0" i="1" smtClean="0">
+                            <a:latin typeface="Cambria Math" panose="02040503050406030204" pitchFamily="18" charset="0"/>
+                          </a:rPr>
+                        </m:ctrlPr>
+                      </m:funcPr>
+                      <m:fName>
+                        <m:r>
+                          <m:rPr>
+                            <m:sty m:val="p"/>
+                          </m:rPr>
+                          <a:rPr lang="fr-FR" b="0" i="0" smtClean="0">
+                            <a:latin typeface="Cambria Math" panose="02040503050406030204" pitchFamily="18" charset="0"/>
+                          </a:rPr>
+                          <m:t>sin</m:t>
+                        </m:r>
+                      </m:fName>
+                      <m:e>
+                        <m:sSub>
+                          <m:sSubPr>
+                            <m:ctrlPr>
+                              <a:rPr lang="fr-FR" b="0" i="1" smtClean="0">
+                                <a:latin typeface="Cambria Math" panose="02040503050406030204" pitchFamily="18" charset="0"/>
+                              </a:rPr>
+                            </m:ctrlPr>
+                          </m:sSubPr>
+                          <m:e>
+                            <m:r>
+                              <a:rPr lang="fr-FR" b="0" i="1" smtClean="0">
+                                <a:latin typeface="Cambria Math" panose="02040503050406030204" pitchFamily="18" charset="0"/>
+                              </a:rPr>
+                              <m:t>𝛼</m:t>
+                            </m:r>
+                          </m:e>
+                          <m:sub>
+                            <m:r>
+                              <a:rPr lang="fr-FR" b="0" i="1" smtClean="0">
+                                <a:latin typeface="Cambria Math" panose="02040503050406030204" pitchFamily="18" charset="0"/>
+                              </a:rPr>
+                              <m:t>1</m:t>
+                            </m:r>
+                          </m:sub>
+                        </m:sSub>
+                      </m:e>
+                    </m:func>
+                  </m:oMath>
+                </a14:m>
+                <a:endParaRPr lang="fr-FR" dirty="0"/>
+              </a:p>
+              <a:p>
+                <a14:m>
+                  <m:oMath xmlns:m="http://schemas.openxmlformats.org/officeDocument/2006/math">
+                    <m:r>
+                      <a:rPr lang="fr-FR" b="0" i="1" smtClean="0">
+                        <a:latin typeface="Cambria Math" panose="02040503050406030204" pitchFamily="18" charset="0"/>
+                      </a:rPr>
+                      <m:t>−</m:t>
+                    </m:r>
+                    <m:sSup>
+                      <m:sSupPr>
+                        <m:ctrlPr>
+                          <a:rPr lang="fr-FR" b="0" i="1" smtClean="0">
+                            <a:latin typeface="Cambria Math" panose="02040503050406030204" pitchFamily="18" charset="0"/>
+                          </a:rPr>
+                        </m:ctrlPr>
+                      </m:sSupPr>
+                      <m:e>
+                        <m:r>
+                          <a:rPr lang="fr-FR" b="0" i="1" smtClean="0">
+                            <a:latin typeface="Cambria Math" panose="02040503050406030204" pitchFamily="18" charset="0"/>
+                          </a:rPr>
+                          <m:t>𝑐</m:t>
+                        </m:r>
+                      </m:e>
+                      <m:sup>
+                        <m:r>
+                          <a:rPr lang="fr-FR" b="0" i="1" smtClean="0">
+                            <a:latin typeface="Cambria Math" panose="02040503050406030204" pitchFamily="18" charset="0"/>
+                          </a:rPr>
+                          <m:t>2</m:t>
+                        </m:r>
+                      </m:sup>
+                    </m:sSup>
+                    <m:r>
+                      <a:rPr lang="fr-FR" b="0" i="1" smtClean="0">
+                        <a:latin typeface="Cambria Math" panose="02040503050406030204" pitchFamily="18" charset="0"/>
+                      </a:rPr>
+                      <m:t>+</m:t>
+                    </m:r>
+                    <m:sSup>
+                      <m:sSupPr>
+                        <m:ctrlPr>
+                          <a:rPr lang="fr-FR" i="1">
+                            <a:latin typeface="Cambria Math" panose="02040503050406030204" pitchFamily="18" charset="0"/>
+                          </a:rPr>
+                        </m:ctrlPr>
+                      </m:sSupPr>
+                      <m:e>
+                        <m:r>
+                          <a:rPr lang="fr-FR" i="1">
+                            <a:latin typeface="Cambria Math" panose="02040503050406030204" pitchFamily="18" charset="0"/>
+                          </a:rPr>
+                          <m:t>𝑥</m:t>
+                        </m:r>
+                      </m:e>
+                      <m:sup>
+                        <m:r>
+                          <a:rPr lang="fr-FR" i="1">
+                            <a:latin typeface="Cambria Math" panose="02040503050406030204" pitchFamily="18" charset="0"/>
+                          </a:rPr>
+                          <m:t>2</m:t>
+                        </m:r>
+                      </m:sup>
+                    </m:sSup>
+                    <m:r>
+                      <a:rPr lang="fr-FR" i="1">
+                        <a:latin typeface="Cambria Math" panose="02040503050406030204" pitchFamily="18" charset="0"/>
+                      </a:rPr>
+                      <m:t>+</m:t>
+                    </m:r>
+                    <m:sSup>
+                      <m:sSupPr>
+                        <m:ctrlPr>
+                          <a:rPr lang="fr-FR" b="0" i="1" smtClean="0">
+                            <a:latin typeface="Cambria Math" panose="02040503050406030204" pitchFamily="18" charset="0"/>
+                          </a:rPr>
+                        </m:ctrlPr>
+                      </m:sSupPr>
+                      <m:e>
+                        <m:r>
+                          <a:rPr lang="fr-FR" b="0" i="1" smtClean="0">
+                            <a:latin typeface="Cambria Math" panose="02040503050406030204" pitchFamily="18" charset="0"/>
+                          </a:rPr>
+                          <m:t>𝑦</m:t>
+                        </m:r>
+                      </m:e>
+                      <m:sup>
+                        <m:r>
+                          <a:rPr lang="fr-FR" b="0" i="1" smtClean="0">
+                            <a:latin typeface="Cambria Math" panose="02040503050406030204" pitchFamily="18" charset="0"/>
+                          </a:rPr>
+                          <m:t>2</m:t>
+                        </m:r>
+                      </m:sup>
+                    </m:sSup>
+                    <m:r>
+                      <a:rPr lang="fr-FR" i="1">
+                        <a:latin typeface="Cambria Math" panose="02040503050406030204" pitchFamily="18" charset="0"/>
+                      </a:rPr>
+                      <m:t>+</m:t>
+                    </m:r>
+                    <m:sSup>
+                      <m:sSupPr>
+                        <m:ctrlPr>
+                          <a:rPr lang="fr-FR" i="1">
+                            <a:latin typeface="Cambria Math" panose="02040503050406030204" pitchFamily="18" charset="0"/>
+                          </a:rPr>
+                        </m:ctrlPr>
+                      </m:sSupPr>
+                      <m:e>
+                        <m:r>
+                          <a:rPr lang="fr-FR" i="1">
+                            <a:latin typeface="Cambria Math" panose="02040503050406030204" pitchFamily="18" charset="0"/>
+                          </a:rPr>
+                          <m:t>𝑎</m:t>
+                        </m:r>
+                      </m:e>
+                      <m:sup>
+                        <m:r>
+                          <a:rPr lang="fr-FR" i="1">
+                            <a:latin typeface="Cambria Math" panose="02040503050406030204" pitchFamily="18" charset="0"/>
+                          </a:rPr>
+                          <m:t>2</m:t>
+                        </m:r>
+                      </m:sup>
+                    </m:sSup>
+                    <m:r>
+                      <a:rPr lang="fr-FR" i="1">
+                        <a:latin typeface="Cambria Math" panose="02040503050406030204" pitchFamily="18" charset="0"/>
+                      </a:rPr>
+                      <m:t>+</m:t>
+                    </m:r>
+                    <m:sSup>
+                      <m:sSupPr>
+                        <m:ctrlPr>
+                          <a:rPr lang="fr-FR" i="1">
+                            <a:latin typeface="Cambria Math" panose="02040503050406030204" pitchFamily="18" charset="0"/>
+                          </a:rPr>
+                        </m:ctrlPr>
+                      </m:sSupPr>
+                      <m:e>
+                        <m:r>
+                          <a:rPr lang="fr-FR" i="1">
+                            <a:latin typeface="Cambria Math" panose="02040503050406030204" pitchFamily="18" charset="0"/>
+                          </a:rPr>
+                          <m:t>𝑏</m:t>
+                        </m:r>
+                      </m:e>
+                      <m:sup>
+                        <m:r>
+                          <a:rPr lang="fr-FR" i="1">
+                            <a:latin typeface="Cambria Math" panose="02040503050406030204" pitchFamily="18" charset="0"/>
+                          </a:rPr>
+                          <m:t>2</m:t>
+                        </m:r>
+                      </m:sup>
+                    </m:sSup>
+                    <m:r>
+                      <a:rPr lang="fr-FR" b="0" i="1" smtClean="0">
+                        <a:latin typeface="Cambria Math" panose="02040503050406030204" pitchFamily="18" charset="0"/>
+                      </a:rPr>
+                      <m:t>−</m:t>
+                    </m:r>
+                    <m:r>
+                      <a:rPr lang="fr-FR" i="1">
+                        <a:latin typeface="Cambria Math" panose="02040503050406030204" pitchFamily="18" charset="0"/>
+                      </a:rPr>
+                      <m:t>2</m:t>
+                    </m:r>
+                    <m:r>
+                      <a:rPr lang="fr-FR" i="1">
+                        <a:latin typeface="Cambria Math" panose="02040503050406030204" pitchFamily="18" charset="0"/>
+                      </a:rPr>
+                      <m:t>𝑥𝑎</m:t>
+                    </m:r>
+                    <m:r>
+                      <a:rPr lang="fr-FR" i="1">
+                        <a:latin typeface="Cambria Math" panose="02040503050406030204" pitchFamily="18" charset="0"/>
+                      </a:rPr>
+                      <m:t>=2</m:t>
+                    </m:r>
+                    <m:r>
+                      <a:rPr lang="fr-FR" b="0" i="1" smtClean="0">
+                        <a:latin typeface="Cambria Math" panose="02040503050406030204" pitchFamily="18" charset="0"/>
+                      </a:rPr>
+                      <m:t>𝑏</m:t>
+                    </m:r>
+                    <m:d>
+                      <m:dPr>
+                        <m:ctrlPr>
+                          <a:rPr lang="fr-FR" b="0" i="1" smtClean="0">
+                            <a:latin typeface="Cambria Math" panose="02040503050406030204" pitchFamily="18" charset="0"/>
+                          </a:rPr>
+                        </m:ctrlPr>
+                      </m:dPr>
+                      <m:e>
+                        <m:r>
+                          <a:rPr lang="fr-FR" b="0" i="1" smtClean="0">
+                            <a:latin typeface="Cambria Math" panose="02040503050406030204" pitchFamily="18" charset="0"/>
+                          </a:rPr>
+                          <m:t>𝑥</m:t>
+                        </m:r>
+                        <m:r>
+                          <a:rPr lang="fr-FR" b="0" i="1" smtClean="0">
+                            <a:latin typeface="Cambria Math" panose="02040503050406030204" pitchFamily="18" charset="0"/>
+                          </a:rPr>
+                          <m:t>−</m:t>
+                        </m:r>
+                        <m:r>
+                          <a:rPr lang="fr-FR" b="0" i="1" smtClean="0">
+                            <a:latin typeface="Cambria Math" panose="02040503050406030204" pitchFamily="18" charset="0"/>
+                          </a:rPr>
+                          <m:t>𝑎</m:t>
+                        </m:r>
+                      </m:e>
+                    </m:d>
+                    <m:func>
+                      <m:funcPr>
+                        <m:ctrlPr>
+                          <a:rPr lang="fr-FR" i="1">
+                            <a:latin typeface="Cambria Math" panose="02040503050406030204" pitchFamily="18" charset="0"/>
+                          </a:rPr>
+                        </m:ctrlPr>
+                      </m:funcPr>
+                      <m:fName>
+                        <m:r>
+                          <m:rPr>
+                            <m:sty m:val="p"/>
+                          </m:rPr>
+                          <a:rPr lang="fr-FR">
+                            <a:latin typeface="Cambria Math" panose="02040503050406030204" pitchFamily="18" charset="0"/>
+                          </a:rPr>
+                          <m:t>cos</m:t>
+                        </m:r>
+                      </m:fName>
+                      <m:e>
+                        <m:sSub>
+                          <m:sSubPr>
+                            <m:ctrlPr>
+                              <a:rPr lang="fr-FR" i="1">
+                                <a:latin typeface="Cambria Math" panose="02040503050406030204" pitchFamily="18" charset="0"/>
+                              </a:rPr>
+                            </m:ctrlPr>
+                          </m:sSubPr>
+                          <m:e>
+                            <m:r>
+                              <a:rPr lang="fr-FR" i="1">
+                                <a:latin typeface="Cambria Math" panose="02040503050406030204" pitchFamily="18" charset="0"/>
+                              </a:rPr>
+                              <m:t>𝛼</m:t>
+                            </m:r>
+                          </m:e>
+                          <m:sub>
+                            <m:r>
+                              <a:rPr lang="fr-FR" i="1">
+                                <a:latin typeface="Cambria Math" panose="02040503050406030204" pitchFamily="18" charset="0"/>
+                              </a:rPr>
+                              <m:t>1</m:t>
+                            </m:r>
+                          </m:sub>
+                        </m:sSub>
+                      </m:e>
+                    </m:func>
+                    <m:r>
+                      <a:rPr lang="fr-FR" b="0" i="1" smtClean="0">
+                        <a:latin typeface="Cambria Math" panose="02040503050406030204" pitchFamily="18" charset="0"/>
+                      </a:rPr>
+                      <m:t>+</m:t>
+                    </m:r>
+                    <m:r>
+                      <a:rPr lang="fr-FR" b="0" i="1" smtClean="0">
+                        <a:latin typeface="Cambria Math" panose="02040503050406030204" pitchFamily="18" charset="0"/>
+                      </a:rPr>
+                      <m:t>2</m:t>
+                    </m:r>
+                    <m:r>
+                      <a:rPr lang="fr-FR" b="0" i="1" smtClean="0">
+                        <a:latin typeface="Cambria Math" panose="02040503050406030204" pitchFamily="18" charset="0"/>
+                      </a:rPr>
+                      <m:t>𝑦𝑏</m:t>
+                    </m:r>
+                    <m:func>
+                      <m:funcPr>
+                        <m:ctrlPr>
+                          <a:rPr lang="fr-FR" b="0" i="1" smtClean="0">
+                            <a:latin typeface="Cambria Math" panose="02040503050406030204" pitchFamily="18" charset="0"/>
+                          </a:rPr>
+                        </m:ctrlPr>
+                      </m:funcPr>
+                      <m:fName>
+                        <m:r>
+                          <m:rPr>
+                            <m:sty m:val="p"/>
+                          </m:rPr>
+                          <a:rPr lang="fr-FR" b="0" i="0" smtClean="0">
+                            <a:latin typeface="Cambria Math" panose="02040503050406030204" pitchFamily="18" charset="0"/>
+                          </a:rPr>
+                          <m:t>sin</m:t>
+                        </m:r>
+                      </m:fName>
+                      <m:e>
+                        <m:sSub>
+                          <m:sSubPr>
+                            <m:ctrlPr>
+                              <a:rPr lang="fr-FR" b="0" i="1" smtClean="0">
+                                <a:latin typeface="Cambria Math" panose="02040503050406030204" pitchFamily="18" charset="0"/>
+                              </a:rPr>
+                            </m:ctrlPr>
+                          </m:sSubPr>
+                          <m:e>
+                            <m:r>
+                              <a:rPr lang="fr-FR" b="0" i="1" smtClean="0">
+                                <a:latin typeface="Cambria Math" panose="02040503050406030204" pitchFamily="18" charset="0"/>
+                              </a:rPr>
+                              <m:t>𝛼</m:t>
+                            </m:r>
+                          </m:e>
+                          <m:sub>
+                            <m:r>
+                              <a:rPr lang="fr-FR" b="0" i="1" smtClean="0">
+                                <a:latin typeface="Cambria Math" panose="02040503050406030204" pitchFamily="18" charset="0"/>
+                              </a:rPr>
+                              <m:t>1</m:t>
+                            </m:r>
+                          </m:sub>
+                        </m:sSub>
+                      </m:e>
+                    </m:func>
+                  </m:oMath>
+                </a14:m>
+                <a:endParaRPr lang="fr-FR" b="0" dirty="0"/>
+              </a:p>
+              <a:p>
+                <a14:m>
+                  <m:oMath xmlns:m="http://schemas.openxmlformats.org/officeDocument/2006/math">
+                    <m:r>
+                      <a:rPr lang="fr-FR" i="1">
+                        <a:latin typeface="Cambria Math" panose="02040503050406030204" pitchFamily="18" charset="0"/>
+                      </a:rPr>
+                      <m:t>𝐶</m:t>
+                    </m:r>
+                    <m:r>
+                      <a:rPr lang="fr-FR" i="1">
+                        <a:latin typeface="Cambria Math" panose="02040503050406030204" pitchFamily="18" charset="0"/>
+                      </a:rPr>
+                      <m:t>=</m:t>
+                    </m:r>
+                    <m:r>
+                      <a:rPr lang="fr-FR" i="1">
+                        <a:latin typeface="Cambria Math" panose="02040503050406030204" pitchFamily="18" charset="0"/>
+                      </a:rPr>
+                      <m:t>𝐴</m:t>
+                    </m:r>
+                    <m:func>
+                      <m:funcPr>
+                        <m:ctrlPr>
+                          <a:rPr lang="fr-FR" i="1">
+                            <a:latin typeface="Cambria Math" panose="02040503050406030204" pitchFamily="18" charset="0"/>
+                          </a:rPr>
+                        </m:ctrlPr>
+                      </m:funcPr>
+                      <m:fName>
+                        <m:r>
+                          <m:rPr>
+                            <m:sty m:val="p"/>
+                          </m:rPr>
+                          <a:rPr lang="fr-FR">
+                            <a:latin typeface="Cambria Math" panose="02040503050406030204" pitchFamily="18" charset="0"/>
+                          </a:rPr>
+                          <m:t>cos</m:t>
+                        </m:r>
+                      </m:fName>
+                      <m:e>
+                        <m:sSub>
+                          <m:sSubPr>
+                            <m:ctrlPr>
+                              <a:rPr lang="fr-FR" i="1">
+                                <a:latin typeface="Cambria Math" panose="02040503050406030204" pitchFamily="18" charset="0"/>
+                              </a:rPr>
+                            </m:ctrlPr>
+                          </m:sSubPr>
+                          <m:e>
+                            <m:r>
+                              <a:rPr lang="fr-FR" i="1">
+                                <a:latin typeface="Cambria Math" panose="02040503050406030204" pitchFamily="18" charset="0"/>
+                              </a:rPr>
+                              <m:t>𝛼</m:t>
+                            </m:r>
+                          </m:e>
+                          <m:sub>
+                            <m:r>
+                              <a:rPr lang="fr-FR" i="1">
+                                <a:latin typeface="Cambria Math" panose="02040503050406030204" pitchFamily="18" charset="0"/>
+                              </a:rPr>
+                              <m:t>1</m:t>
+                            </m:r>
+                          </m:sub>
+                        </m:sSub>
+                      </m:e>
+                    </m:func>
+                    <m:r>
+                      <a:rPr lang="fr-FR" b="0" i="1" smtClean="0">
+                        <a:latin typeface="Cambria Math" panose="02040503050406030204" pitchFamily="18" charset="0"/>
+                      </a:rPr>
+                      <m:t>+</m:t>
+                    </m:r>
+                    <m:r>
+                      <a:rPr lang="fr-FR" b="0" i="1" smtClean="0">
+                        <a:latin typeface="Cambria Math" panose="02040503050406030204" pitchFamily="18" charset="0"/>
+                      </a:rPr>
+                      <m:t>𝐵</m:t>
+                    </m:r>
+                    <m:func>
+                      <m:funcPr>
+                        <m:ctrlPr>
+                          <a:rPr lang="fr-FR" b="0" i="1" smtClean="0">
+                            <a:latin typeface="Cambria Math" panose="02040503050406030204" pitchFamily="18" charset="0"/>
+                          </a:rPr>
+                        </m:ctrlPr>
+                      </m:funcPr>
+                      <m:fName>
+                        <m:r>
+                          <m:rPr>
+                            <m:sty m:val="p"/>
+                          </m:rPr>
+                          <a:rPr lang="fr-FR" b="0" i="0" smtClean="0">
+                            <a:latin typeface="Cambria Math" panose="02040503050406030204" pitchFamily="18" charset="0"/>
+                          </a:rPr>
+                          <m:t>sin</m:t>
+                        </m:r>
+                      </m:fName>
+                      <m:e>
+                        <m:sSub>
+                          <m:sSubPr>
+                            <m:ctrlPr>
+                              <a:rPr lang="fr-FR" b="0" i="1" smtClean="0">
+                                <a:latin typeface="Cambria Math" panose="02040503050406030204" pitchFamily="18" charset="0"/>
+                              </a:rPr>
+                            </m:ctrlPr>
+                          </m:sSubPr>
+                          <m:e>
+                            <m:r>
+                              <a:rPr lang="fr-FR" b="0" i="1" smtClean="0">
+                                <a:latin typeface="Cambria Math" panose="02040503050406030204" pitchFamily="18" charset="0"/>
+                              </a:rPr>
+                              <m:t>𝛼</m:t>
+                            </m:r>
+                          </m:e>
+                          <m:sub>
+                            <m:r>
+                              <a:rPr lang="fr-FR" b="0" i="1" smtClean="0">
+                                <a:latin typeface="Cambria Math" panose="02040503050406030204" pitchFamily="18" charset="0"/>
+                              </a:rPr>
+                              <m:t>1</m:t>
+                            </m:r>
+                          </m:sub>
+                        </m:sSub>
+                      </m:e>
+                    </m:func>
+                  </m:oMath>
+                </a14:m>
+                <a:endParaRPr lang="fr-FR" dirty="0"/>
+              </a:p>
+              <a:p>
+                <a:r>
+                  <a:rPr lang="fr-FR" dirty="0"/>
+                  <a:t>On a alors : </a:t>
+                </a:r>
+                <a14:m>
+                  <m:oMath xmlns:m="http://schemas.openxmlformats.org/officeDocument/2006/math">
+                    <m:func>
+                      <m:funcPr>
+                        <m:ctrlPr>
+                          <a:rPr lang="fr-FR" b="0" i="1" smtClean="0">
+                            <a:latin typeface="Cambria Math" panose="02040503050406030204" pitchFamily="18" charset="0"/>
+                          </a:rPr>
+                        </m:ctrlPr>
+                      </m:funcPr>
+                      <m:fName>
+                        <m:r>
+                          <m:rPr>
+                            <m:sty m:val="p"/>
+                          </m:rPr>
+                          <a:rPr lang="fr-FR" b="0" i="0" smtClean="0">
+                            <a:latin typeface="Cambria Math" panose="02040503050406030204" pitchFamily="18" charset="0"/>
+                          </a:rPr>
+                          <m:t>sin</m:t>
+                        </m:r>
+                      </m:fName>
+                      <m:e>
+                        <m:d>
+                          <m:dPr>
+                            <m:ctrlPr>
+                              <a:rPr lang="fr-FR" b="0" i="1" smtClean="0">
+                                <a:latin typeface="Cambria Math" panose="02040503050406030204" pitchFamily="18" charset="0"/>
+                              </a:rPr>
+                            </m:ctrlPr>
+                          </m:dPr>
+                          <m:e>
+                            <m:sSub>
+                              <m:sSubPr>
+                                <m:ctrlPr>
+                                  <a:rPr lang="fr-FR" b="0" i="1" smtClean="0">
+                                    <a:latin typeface="Cambria Math" panose="02040503050406030204" pitchFamily="18" charset="0"/>
+                                  </a:rPr>
+                                </m:ctrlPr>
+                              </m:sSubPr>
+                              <m:e>
+                                <m:r>
+                                  <a:rPr lang="fr-FR" b="0" i="1" smtClean="0">
+                                    <a:latin typeface="Cambria Math" panose="02040503050406030204" pitchFamily="18" charset="0"/>
+                                  </a:rPr>
+                                  <m:t>𝛼</m:t>
+                                </m:r>
+                              </m:e>
+                              <m:sub>
+                                <m:r>
+                                  <a:rPr lang="fr-FR" b="0" i="1" smtClean="0">
+                                    <a:latin typeface="Cambria Math" panose="02040503050406030204" pitchFamily="18" charset="0"/>
+                                  </a:rPr>
+                                  <m:t>1</m:t>
+                                </m:r>
+                              </m:sub>
+                            </m:sSub>
+                            <m:r>
+                              <a:rPr lang="fr-FR" b="0" i="1" smtClean="0">
+                                <a:latin typeface="Cambria Math" panose="02040503050406030204" pitchFamily="18" charset="0"/>
+                              </a:rPr>
+                              <m:t>+</m:t>
+                            </m:r>
+                            <m:r>
+                              <a:rPr lang="fr-FR" b="0" i="1" smtClean="0">
+                                <a:latin typeface="Cambria Math" panose="02040503050406030204" pitchFamily="18" charset="0"/>
+                              </a:rPr>
+                              <m:t>𝜑</m:t>
+                            </m:r>
+                          </m:e>
+                        </m:d>
+                        <m:r>
+                          <a:rPr lang="fr-FR" b="0" i="1" smtClean="0">
+                            <a:latin typeface="Cambria Math" panose="02040503050406030204" pitchFamily="18" charset="0"/>
+                          </a:rPr>
+                          <m:t>=</m:t>
+                        </m:r>
+                        <m:f>
+                          <m:fPr>
+                            <m:ctrlPr>
+                              <a:rPr lang="fr-FR" b="0" i="1" smtClean="0">
+                                <a:latin typeface="Cambria Math" panose="02040503050406030204" pitchFamily="18" charset="0"/>
+                              </a:rPr>
+                            </m:ctrlPr>
+                          </m:fPr>
+                          <m:num>
+                            <m:r>
+                              <a:rPr lang="fr-FR" b="0" i="1" smtClean="0">
+                                <a:latin typeface="Cambria Math" panose="02040503050406030204" pitchFamily="18" charset="0"/>
+                              </a:rPr>
+                              <m:t>𝐶</m:t>
+                            </m:r>
+                          </m:num>
+                          <m:den>
+                            <m:rad>
+                              <m:radPr>
+                                <m:degHide m:val="on"/>
+                                <m:ctrlPr>
+                                  <a:rPr lang="fr-FR" b="0" i="1" smtClean="0">
+                                    <a:latin typeface="Cambria Math" panose="02040503050406030204" pitchFamily="18" charset="0"/>
+                                  </a:rPr>
+                                </m:ctrlPr>
+                              </m:radPr>
+                              <m:deg/>
+                              <m:e>
+                                <m:sSup>
+                                  <m:sSupPr>
+                                    <m:ctrlPr>
+                                      <a:rPr lang="fr-FR" b="0" i="1" smtClean="0">
+                                        <a:latin typeface="Cambria Math" panose="02040503050406030204" pitchFamily="18" charset="0"/>
+                                      </a:rPr>
+                                    </m:ctrlPr>
+                                  </m:sSupPr>
+                                  <m:e>
+                                    <m:r>
+                                      <a:rPr lang="fr-FR" b="0" i="1" smtClean="0">
+                                        <a:latin typeface="Cambria Math" panose="02040503050406030204" pitchFamily="18" charset="0"/>
+                                      </a:rPr>
+                                      <m:t>𝐴</m:t>
+                                    </m:r>
+                                  </m:e>
+                                  <m:sup>
+                                    <m:r>
+                                      <a:rPr lang="fr-FR" b="0" i="1" smtClean="0">
+                                        <a:latin typeface="Cambria Math" panose="02040503050406030204" pitchFamily="18" charset="0"/>
+                                      </a:rPr>
+                                      <m:t>2</m:t>
+                                    </m:r>
+                                  </m:sup>
+                                </m:sSup>
+                                <m:r>
+                                  <a:rPr lang="fr-FR" b="0" i="1" smtClean="0">
+                                    <a:latin typeface="Cambria Math" panose="02040503050406030204" pitchFamily="18" charset="0"/>
+                                  </a:rPr>
+                                  <m:t>+</m:t>
+                                </m:r>
+                                <m:sSup>
+                                  <m:sSupPr>
+                                    <m:ctrlPr>
+                                      <a:rPr lang="fr-FR" b="0" i="1" smtClean="0">
+                                        <a:latin typeface="Cambria Math" panose="02040503050406030204" pitchFamily="18" charset="0"/>
+                                      </a:rPr>
+                                    </m:ctrlPr>
+                                  </m:sSupPr>
+                                  <m:e>
+                                    <m:r>
+                                      <a:rPr lang="fr-FR" b="0" i="1" smtClean="0">
+                                        <a:latin typeface="Cambria Math" panose="02040503050406030204" pitchFamily="18" charset="0"/>
+                                      </a:rPr>
+                                      <m:t>𝐵</m:t>
+                                    </m:r>
+                                  </m:e>
+                                  <m:sup>
+                                    <m:r>
+                                      <a:rPr lang="fr-FR" b="0" i="1" smtClean="0">
+                                        <a:latin typeface="Cambria Math" panose="02040503050406030204" pitchFamily="18" charset="0"/>
+                                      </a:rPr>
+                                      <m:t>2</m:t>
+                                    </m:r>
+                                  </m:sup>
+                                </m:sSup>
+                              </m:e>
+                            </m:rad>
+                          </m:den>
+                        </m:f>
+                      </m:e>
+                    </m:func>
+                  </m:oMath>
+                </a14:m>
+                <a:r>
+                  <a:rPr lang="fr-FR" dirty="0"/>
+                  <a:t> avec </a:t>
+                </a:r>
+                <a14:m>
+                  <m:oMath xmlns:m="http://schemas.openxmlformats.org/officeDocument/2006/math">
+                    <m:func>
+                      <m:funcPr>
+                        <m:ctrlPr>
+                          <a:rPr lang="fr-FR" b="0" i="1" smtClean="0">
+                            <a:latin typeface="Cambria Math" panose="02040503050406030204" pitchFamily="18" charset="0"/>
+                          </a:rPr>
+                        </m:ctrlPr>
+                      </m:funcPr>
+                      <m:fName>
+                        <m:r>
+                          <m:rPr>
+                            <m:sty m:val="p"/>
+                          </m:rPr>
+                          <a:rPr lang="fr-FR" b="0" i="0" smtClean="0">
+                            <a:latin typeface="Cambria Math" panose="02040503050406030204" pitchFamily="18" charset="0"/>
+                          </a:rPr>
+                          <m:t>tan</m:t>
+                        </m:r>
+                      </m:fName>
+                      <m:e>
+                        <m:r>
+                          <a:rPr lang="fr-FR" b="0" i="1" smtClean="0">
+                            <a:latin typeface="Cambria Math" panose="02040503050406030204" pitchFamily="18" charset="0"/>
+                          </a:rPr>
+                          <m:t>𝜑</m:t>
+                        </m:r>
+                        <m:r>
+                          <a:rPr lang="fr-FR" b="0" i="1" smtClean="0">
+                            <a:latin typeface="Cambria Math" panose="02040503050406030204" pitchFamily="18" charset="0"/>
+                          </a:rPr>
+                          <m:t>=</m:t>
+                        </m:r>
+                        <m:f>
+                          <m:fPr>
+                            <m:ctrlPr>
+                              <a:rPr lang="fr-FR" b="0" i="1" smtClean="0">
+                                <a:latin typeface="Cambria Math" panose="02040503050406030204" pitchFamily="18" charset="0"/>
+                              </a:rPr>
+                            </m:ctrlPr>
+                          </m:fPr>
+                          <m:num>
+                            <m:r>
+                              <a:rPr lang="fr-FR" b="0" i="1" smtClean="0">
+                                <a:latin typeface="Cambria Math" panose="02040503050406030204" pitchFamily="18" charset="0"/>
+                              </a:rPr>
+                              <m:t>𝐴</m:t>
+                            </m:r>
+                          </m:num>
+                          <m:den>
+                            <m:r>
+                              <a:rPr lang="fr-FR" b="0" i="1" smtClean="0">
+                                <a:latin typeface="Cambria Math" panose="02040503050406030204" pitchFamily="18" charset="0"/>
+                              </a:rPr>
+                              <m:t>𝐵</m:t>
+                            </m:r>
+                          </m:den>
+                        </m:f>
+                      </m:e>
+                    </m:func>
+                  </m:oMath>
+                </a14:m>
+                <a:endParaRPr lang="fr-FR" dirty="0"/>
+              </a:p>
+              <a:p>
+                <a:r>
+                  <a:rPr lang="fr-FR" dirty="0"/>
+                  <a:t>En conséquences, </a:t>
+                </a:r>
+                <a14:m>
+                  <m:oMath xmlns:m="http://schemas.openxmlformats.org/officeDocument/2006/math">
+                    <m:sSub>
+                      <m:sSubPr>
+                        <m:ctrlPr>
+                          <a:rPr lang="fr-FR" b="0" i="1" smtClean="0">
+                            <a:latin typeface="Cambria Math" panose="02040503050406030204" pitchFamily="18" charset="0"/>
+                          </a:rPr>
+                        </m:ctrlPr>
+                      </m:sSubPr>
+                      <m:e>
+                        <m:r>
+                          <a:rPr lang="fr-FR" b="0" i="1" smtClean="0">
+                            <a:latin typeface="Cambria Math" panose="02040503050406030204" pitchFamily="18" charset="0"/>
+                          </a:rPr>
+                          <m:t>𝛼</m:t>
+                        </m:r>
+                      </m:e>
+                      <m:sub>
+                        <m:r>
+                          <a:rPr lang="fr-FR" b="0" i="1" smtClean="0">
+                            <a:latin typeface="Cambria Math" panose="02040503050406030204" pitchFamily="18" charset="0"/>
+                          </a:rPr>
+                          <m:t>1</m:t>
+                        </m:r>
+                      </m:sub>
+                    </m:sSub>
+                    <m:r>
+                      <a:rPr lang="fr-FR" b="0" i="1" smtClean="0">
+                        <a:latin typeface="Cambria Math" panose="02040503050406030204" pitchFamily="18" charset="0"/>
+                      </a:rPr>
+                      <m:t>=</m:t>
+                    </m:r>
+                    <m:func>
+                      <m:funcPr>
+                        <m:ctrlPr>
+                          <a:rPr lang="fr-FR" b="0" i="1" smtClean="0">
+                            <a:latin typeface="Cambria Math" panose="02040503050406030204" pitchFamily="18" charset="0"/>
+                          </a:rPr>
+                        </m:ctrlPr>
+                      </m:funcPr>
+                      <m:fName>
+                        <m:r>
+                          <m:rPr>
+                            <m:sty m:val="p"/>
+                          </m:rPr>
+                          <a:rPr lang="fr-FR" b="0" i="0" smtClean="0">
+                            <a:latin typeface="Cambria Math" panose="02040503050406030204" pitchFamily="18" charset="0"/>
+                          </a:rPr>
+                          <m:t>arcsin</m:t>
+                        </m:r>
+                      </m:fName>
+                      <m:e>
+                        <m:d>
+                          <m:dPr>
+                            <m:ctrlPr>
+                              <a:rPr lang="fr-FR" b="0" i="1" smtClean="0">
+                                <a:latin typeface="Cambria Math" panose="02040503050406030204" pitchFamily="18" charset="0"/>
+                              </a:rPr>
+                            </m:ctrlPr>
+                          </m:dPr>
+                          <m:e>
+                            <m:f>
+                              <m:fPr>
+                                <m:ctrlPr>
+                                  <a:rPr lang="fr-FR" b="0" i="1" smtClean="0">
+                                    <a:latin typeface="Cambria Math" panose="02040503050406030204" pitchFamily="18" charset="0"/>
+                                  </a:rPr>
+                                </m:ctrlPr>
+                              </m:fPr>
+                              <m:num>
+                                <m:r>
+                                  <a:rPr lang="fr-FR" b="0" i="1" smtClean="0">
+                                    <a:latin typeface="Cambria Math" panose="02040503050406030204" pitchFamily="18" charset="0"/>
+                                  </a:rPr>
+                                  <m:t>𝐶</m:t>
+                                </m:r>
+                              </m:num>
+                              <m:den>
+                                <m:rad>
+                                  <m:radPr>
+                                    <m:degHide m:val="on"/>
+                                    <m:ctrlPr>
+                                      <a:rPr lang="fr-FR" b="0" i="1" smtClean="0">
+                                        <a:latin typeface="Cambria Math" panose="02040503050406030204" pitchFamily="18" charset="0"/>
+                                      </a:rPr>
+                                    </m:ctrlPr>
+                                  </m:radPr>
+                                  <m:deg/>
+                                  <m:e>
+                                    <m:sSup>
+                                      <m:sSupPr>
+                                        <m:ctrlPr>
+                                          <a:rPr lang="fr-FR" b="0" i="1" smtClean="0">
+                                            <a:latin typeface="Cambria Math" panose="02040503050406030204" pitchFamily="18" charset="0"/>
+                                          </a:rPr>
+                                        </m:ctrlPr>
+                                      </m:sSupPr>
+                                      <m:e>
+                                        <m:r>
+                                          <a:rPr lang="fr-FR" b="0" i="1" smtClean="0">
+                                            <a:latin typeface="Cambria Math" panose="02040503050406030204" pitchFamily="18" charset="0"/>
+                                          </a:rPr>
+                                          <m:t>𝐴</m:t>
+                                        </m:r>
+                                      </m:e>
+                                      <m:sup>
+                                        <m:r>
+                                          <a:rPr lang="fr-FR" b="0" i="1" smtClean="0">
+                                            <a:latin typeface="Cambria Math" panose="02040503050406030204" pitchFamily="18" charset="0"/>
+                                          </a:rPr>
+                                          <m:t>2</m:t>
+                                        </m:r>
+                                      </m:sup>
+                                    </m:sSup>
+                                    <m:r>
+                                      <a:rPr lang="fr-FR" b="0" i="1" smtClean="0">
+                                        <a:latin typeface="Cambria Math" panose="02040503050406030204" pitchFamily="18" charset="0"/>
+                                      </a:rPr>
+                                      <m:t>+</m:t>
+                                    </m:r>
+                                    <m:sSup>
+                                      <m:sSupPr>
+                                        <m:ctrlPr>
+                                          <a:rPr lang="fr-FR" b="0" i="1" smtClean="0">
+                                            <a:latin typeface="Cambria Math" panose="02040503050406030204" pitchFamily="18" charset="0"/>
+                                          </a:rPr>
+                                        </m:ctrlPr>
+                                      </m:sSupPr>
+                                      <m:e>
+                                        <m:r>
+                                          <a:rPr lang="fr-FR" b="0" i="1" smtClean="0">
+                                            <a:latin typeface="Cambria Math" panose="02040503050406030204" pitchFamily="18" charset="0"/>
+                                          </a:rPr>
+                                          <m:t>𝐵</m:t>
+                                        </m:r>
+                                      </m:e>
+                                      <m:sup>
+                                        <m:r>
+                                          <a:rPr lang="fr-FR" b="0" i="1" smtClean="0">
+                                            <a:latin typeface="Cambria Math" panose="02040503050406030204" pitchFamily="18" charset="0"/>
+                                          </a:rPr>
+                                          <m:t>2</m:t>
+                                        </m:r>
+                                      </m:sup>
+                                    </m:sSup>
+                                  </m:e>
+                                </m:rad>
+                              </m:den>
+                            </m:f>
+                          </m:e>
+                        </m:d>
+                        <m:r>
+                          <a:rPr lang="fr-FR" b="0" i="1" smtClean="0">
+                            <a:latin typeface="Cambria Math" panose="02040503050406030204" pitchFamily="18" charset="0"/>
+                          </a:rPr>
+                          <m:t>−</m:t>
+                        </m:r>
+                        <m:func>
+                          <m:funcPr>
+                            <m:ctrlPr>
+                              <a:rPr lang="fr-FR" b="0" i="1" smtClean="0">
+                                <a:latin typeface="Cambria Math" panose="02040503050406030204" pitchFamily="18" charset="0"/>
+                              </a:rPr>
+                            </m:ctrlPr>
+                          </m:funcPr>
+                          <m:fName>
+                            <m:r>
+                              <m:rPr>
+                                <m:sty m:val="p"/>
+                              </m:rPr>
+                              <a:rPr lang="fr-FR" b="0" i="0" smtClean="0">
+                                <a:latin typeface="Cambria Math" panose="02040503050406030204" pitchFamily="18" charset="0"/>
+                              </a:rPr>
+                              <m:t>arctan</m:t>
+                            </m:r>
+                          </m:fName>
+                          <m:e>
+                            <m:f>
+                              <m:fPr>
+                                <m:ctrlPr>
+                                  <a:rPr lang="fr-FR" b="0" i="1" smtClean="0">
+                                    <a:latin typeface="Cambria Math" panose="02040503050406030204" pitchFamily="18" charset="0"/>
+                                  </a:rPr>
+                                </m:ctrlPr>
+                              </m:fPr>
+                              <m:num>
+                                <m:r>
+                                  <a:rPr lang="fr-FR" b="0" i="1" smtClean="0">
+                                    <a:latin typeface="Cambria Math" panose="02040503050406030204" pitchFamily="18" charset="0"/>
+                                  </a:rPr>
+                                  <m:t>𝐴</m:t>
+                                </m:r>
+                              </m:num>
+                              <m:den>
+                                <m:r>
+                                  <a:rPr lang="fr-FR" b="0" i="1" smtClean="0">
+                                    <a:latin typeface="Cambria Math" panose="02040503050406030204" pitchFamily="18" charset="0"/>
+                                  </a:rPr>
+                                  <m:t>𝐵</m:t>
+                                </m:r>
+                              </m:den>
+                            </m:f>
+                          </m:e>
+                        </m:func>
+                      </m:e>
+                    </m:func>
+                  </m:oMath>
+                </a14:m>
+                <a:endParaRPr lang="fr-FR" dirty="0"/>
+              </a:p>
+              <a:p>
+                <a:endParaRPr lang="fr-FR" dirty="0"/>
+              </a:p>
+              <a:p>
+                <a:r>
+                  <a:rPr lang="fr-FR" dirty="0"/>
+                  <a:t>Par ailleurs : </a:t>
+                </a:r>
+                <a14:m>
+                  <m:oMath xmlns:m="http://schemas.openxmlformats.org/officeDocument/2006/math">
+                    <m:r>
+                      <a:rPr lang="fr-FR" i="1" smtClean="0">
+                        <a:latin typeface="Cambria Math" panose="02040503050406030204" pitchFamily="18" charset="0"/>
+                      </a:rPr>
+                      <m:t>𝑐</m:t>
+                    </m:r>
+                    <m:func>
+                      <m:funcPr>
+                        <m:ctrlPr>
+                          <a:rPr lang="fr-FR" i="1">
+                            <a:latin typeface="Cambria Math" panose="02040503050406030204" pitchFamily="18" charset="0"/>
+                          </a:rPr>
+                        </m:ctrlPr>
+                      </m:funcPr>
+                      <m:fName>
+                        <m:r>
+                          <m:rPr>
+                            <m:sty m:val="p"/>
+                          </m:rPr>
+                          <a:rPr lang="fr-FR">
+                            <a:latin typeface="Cambria Math" panose="02040503050406030204" pitchFamily="18" charset="0"/>
+                          </a:rPr>
+                          <m:t>cos</m:t>
+                        </m:r>
+                      </m:fName>
+                      <m:e>
+                        <m:d>
+                          <m:dPr>
+                            <m:ctrlPr>
+                              <a:rPr lang="fr-FR" i="1">
+                                <a:latin typeface="Cambria Math" panose="02040503050406030204" pitchFamily="18" charset="0"/>
+                              </a:rPr>
+                            </m:ctrlPr>
+                          </m:dPr>
+                          <m:e>
+                            <m:sSub>
+                              <m:sSubPr>
+                                <m:ctrlPr>
+                                  <a:rPr lang="fr-FR" i="1">
+                                    <a:latin typeface="Cambria Math" panose="02040503050406030204" pitchFamily="18" charset="0"/>
+                                  </a:rPr>
+                                </m:ctrlPr>
+                              </m:sSubPr>
+                              <m:e>
+                                <m:r>
+                                  <a:rPr lang="fr-FR" i="1">
+                                    <a:latin typeface="Cambria Math" panose="02040503050406030204" pitchFamily="18" charset="0"/>
+                                  </a:rPr>
+                                  <m:t>𝛼</m:t>
+                                </m:r>
+                              </m:e>
+                              <m:sub>
+                                <m:r>
+                                  <a:rPr lang="fr-FR" i="1">
+                                    <a:latin typeface="Cambria Math" panose="02040503050406030204" pitchFamily="18" charset="0"/>
+                                  </a:rPr>
+                                  <m:t>1</m:t>
+                                </m:r>
+                              </m:sub>
+                            </m:sSub>
+                            <m:r>
+                              <a:rPr lang="fr-FR" i="1">
+                                <a:latin typeface="Cambria Math" panose="02040503050406030204" pitchFamily="18" charset="0"/>
+                              </a:rPr>
+                              <m:t>+</m:t>
+                            </m:r>
+                            <m:sSub>
+                              <m:sSubPr>
+                                <m:ctrlPr>
+                                  <a:rPr lang="fr-FR" i="1">
+                                    <a:latin typeface="Cambria Math" panose="02040503050406030204" pitchFamily="18" charset="0"/>
+                                  </a:rPr>
+                                </m:ctrlPr>
+                              </m:sSubPr>
+                              <m:e>
+                                <m:r>
+                                  <a:rPr lang="fr-FR" i="1">
+                                    <a:latin typeface="Cambria Math" panose="02040503050406030204" pitchFamily="18" charset="0"/>
+                                  </a:rPr>
+                                  <m:t>𝛼</m:t>
+                                </m:r>
+                              </m:e>
+                              <m:sub>
+                                <m:r>
+                                  <a:rPr lang="fr-FR" i="1">
+                                    <a:latin typeface="Cambria Math" panose="02040503050406030204" pitchFamily="18" charset="0"/>
+                                  </a:rPr>
+                                  <m:t>4</m:t>
+                                </m:r>
+                              </m:sub>
+                            </m:sSub>
+                          </m:e>
+                        </m:d>
+                      </m:e>
+                    </m:func>
+                    <m:r>
+                      <a:rPr lang="fr-FR" b="0" i="1" smtClean="0">
+                        <a:latin typeface="Cambria Math" panose="02040503050406030204" pitchFamily="18" charset="0"/>
+                      </a:rPr>
+                      <m:t>=</m:t>
+                    </m:r>
+                    <m:r>
+                      <a:rPr lang="fr-FR" i="1">
+                        <a:latin typeface="Cambria Math" panose="02040503050406030204" pitchFamily="18" charset="0"/>
+                      </a:rPr>
+                      <m:t>𝑥</m:t>
+                    </m:r>
+                    <m:r>
+                      <a:rPr lang="fr-FR" b="0" i="0" smtClean="0">
+                        <a:latin typeface="Cambria Math" panose="02040503050406030204" pitchFamily="18" charset="0"/>
+                      </a:rPr>
+                      <m:t>−</m:t>
+                    </m:r>
+                    <m:r>
+                      <a:rPr lang="fr-FR" i="1">
+                        <a:latin typeface="Cambria Math" panose="02040503050406030204" pitchFamily="18" charset="0"/>
+                      </a:rPr>
+                      <m:t>𝑎</m:t>
+                    </m:r>
+                    <m:r>
+                      <a:rPr lang="fr-FR" b="0" i="1" smtClean="0">
+                        <a:latin typeface="Cambria Math" panose="02040503050406030204" pitchFamily="18" charset="0"/>
+                      </a:rPr>
+                      <m:t>−</m:t>
+                    </m:r>
+                    <m:r>
+                      <a:rPr lang="fr-FR" i="1">
+                        <a:latin typeface="Cambria Math" panose="02040503050406030204" pitchFamily="18" charset="0"/>
+                      </a:rPr>
+                      <m:t>𝑏</m:t>
+                    </m:r>
+                    <m:func>
+                      <m:funcPr>
+                        <m:ctrlPr>
+                          <a:rPr lang="fr-FR" i="1">
+                            <a:latin typeface="Cambria Math" panose="02040503050406030204" pitchFamily="18" charset="0"/>
+                          </a:rPr>
+                        </m:ctrlPr>
+                      </m:funcPr>
+                      <m:fName>
+                        <m:r>
+                          <m:rPr>
+                            <m:sty m:val="p"/>
+                          </m:rPr>
+                          <a:rPr lang="fr-FR">
+                            <a:latin typeface="Cambria Math" panose="02040503050406030204" pitchFamily="18" charset="0"/>
+                          </a:rPr>
+                          <m:t>cos</m:t>
+                        </m:r>
+                      </m:fName>
+                      <m:e>
+                        <m:sSub>
+                          <m:sSubPr>
+                            <m:ctrlPr>
+                              <a:rPr lang="fr-FR" i="1">
+                                <a:latin typeface="Cambria Math" panose="02040503050406030204" pitchFamily="18" charset="0"/>
+                              </a:rPr>
+                            </m:ctrlPr>
+                          </m:sSubPr>
+                          <m:e>
+                            <m:r>
+                              <a:rPr lang="fr-FR" i="1">
+                                <a:latin typeface="Cambria Math" panose="02040503050406030204" pitchFamily="18" charset="0"/>
+                              </a:rPr>
+                              <m:t>𝛼</m:t>
+                            </m:r>
+                          </m:e>
+                          <m:sub>
+                            <m:r>
+                              <a:rPr lang="fr-FR" i="1">
+                                <a:latin typeface="Cambria Math" panose="02040503050406030204" pitchFamily="18" charset="0"/>
+                              </a:rPr>
+                              <m:t>1</m:t>
+                            </m:r>
+                          </m:sub>
+                        </m:sSub>
+                      </m:e>
+                    </m:func>
+                  </m:oMath>
+                </a14:m>
+                <a:endParaRPr lang="fr-FR" dirty="0"/>
+              </a:p>
+              <a:p>
+                <a14:m>
+                  <m:oMath xmlns:m="http://schemas.openxmlformats.org/officeDocument/2006/math">
+                    <m:r>
+                      <a:rPr lang="fr-FR" b="0" i="1" smtClean="0">
+                        <a:latin typeface="Cambria Math" panose="02040503050406030204" pitchFamily="18" charset="0"/>
+                      </a:rPr>
+                      <m:t>⇒</m:t>
+                    </m:r>
+                    <m:sSub>
+                      <m:sSubPr>
+                        <m:ctrlPr>
+                          <a:rPr lang="fr-FR" b="0" i="1" smtClean="0">
+                            <a:latin typeface="Cambria Math" panose="02040503050406030204" pitchFamily="18" charset="0"/>
+                          </a:rPr>
+                        </m:ctrlPr>
+                      </m:sSubPr>
+                      <m:e>
+                        <m:r>
+                          <a:rPr lang="fr-FR" b="0" i="1" smtClean="0">
+                            <a:latin typeface="Cambria Math" panose="02040503050406030204" pitchFamily="18" charset="0"/>
+                          </a:rPr>
+                          <m:t>𝛼</m:t>
+                        </m:r>
+                      </m:e>
+                      <m:sub>
+                        <m:r>
+                          <a:rPr lang="fr-FR" b="0" i="1" smtClean="0">
+                            <a:latin typeface="Cambria Math" panose="02040503050406030204" pitchFamily="18" charset="0"/>
+                          </a:rPr>
+                          <m:t>4</m:t>
+                        </m:r>
+                      </m:sub>
+                    </m:sSub>
+                    <m:r>
+                      <a:rPr lang="fr-FR" b="0" i="1" smtClean="0">
+                        <a:latin typeface="Cambria Math" panose="02040503050406030204" pitchFamily="18" charset="0"/>
+                      </a:rPr>
+                      <m:t>=</m:t>
+                    </m:r>
+                    <m:func>
+                      <m:funcPr>
+                        <m:ctrlPr>
+                          <a:rPr lang="fr-FR" b="0" i="1" smtClean="0">
+                            <a:latin typeface="Cambria Math" panose="02040503050406030204" pitchFamily="18" charset="0"/>
+                          </a:rPr>
+                        </m:ctrlPr>
+                      </m:funcPr>
+                      <m:fName>
+                        <m:sSup>
+                          <m:sSupPr>
+                            <m:ctrlPr>
+                              <a:rPr lang="fr-FR" b="0" i="1" smtClean="0">
+                                <a:latin typeface="Cambria Math" panose="02040503050406030204" pitchFamily="18" charset="0"/>
+                              </a:rPr>
+                            </m:ctrlPr>
+                          </m:sSupPr>
+                          <m:e>
+                            <m:r>
+                              <m:rPr>
+                                <m:sty m:val="p"/>
+                              </m:rPr>
+                              <a:rPr lang="fr-FR" b="0" i="0" smtClean="0">
+                                <a:latin typeface="Cambria Math" panose="02040503050406030204" pitchFamily="18" charset="0"/>
+                              </a:rPr>
+                              <m:t>cos</m:t>
+                            </m:r>
+                          </m:e>
+                          <m:sup>
+                            <m:r>
+                              <a:rPr lang="fr-FR" b="0" i="1" smtClean="0">
+                                <a:latin typeface="Cambria Math" panose="02040503050406030204" pitchFamily="18" charset="0"/>
+                              </a:rPr>
+                              <m:t>−1</m:t>
+                            </m:r>
+                          </m:sup>
+                        </m:sSup>
+                      </m:fName>
+                      <m:e>
+                        <m:d>
+                          <m:dPr>
+                            <m:ctrlPr>
+                              <a:rPr lang="fr-FR" i="1">
+                                <a:latin typeface="Cambria Math" panose="02040503050406030204" pitchFamily="18" charset="0"/>
+                              </a:rPr>
+                            </m:ctrlPr>
+                          </m:dPr>
+                          <m:e>
+                            <m:f>
+                              <m:fPr>
+                                <m:ctrlPr>
+                                  <a:rPr lang="fr-FR" i="1">
+                                    <a:latin typeface="Cambria Math" panose="02040503050406030204" pitchFamily="18" charset="0"/>
+                                  </a:rPr>
+                                </m:ctrlPr>
+                              </m:fPr>
+                              <m:num>
+                                <m:r>
+                                  <a:rPr lang="fr-FR" i="1">
+                                    <a:latin typeface="Cambria Math" panose="02040503050406030204" pitchFamily="18" charset="0"/>
+                                  </a:rPr>
+                                  <m:t>𝑥</m:t>
+                                </m:r>
+                                <m:r>
+                                  <a:rPr lang="fr-FR">
+                                    <a:latin typeface="Cambria Math" panose="02040503050406030204" pitchFamily="18" charset="0"/>
+                                  </a:rPr>
+                                  <m:t>−</m:t>
+                                </m:r>
+                                <m:r>
+                                  <a:rPr lang="fr-FR" i="1">
+                                    <a:latin typeface="Cambria Math" panose="02040503050406030204" pitchFamily="18" charset="0"/>
+                                  </a:rPr>
+                                  <m:t>𝑎</m:t>
+                                </m:r>
+                                <m:r>
+                                  <a:rPr lang="fr-FR" i="1">
+                                    <a:latin typeface="Cambria Math" panose="02040503050406030204" pitchFamily="18" charset="0"/>
+                                  </a:rPr>
+                                  <m:t>−</m:t>
+                                </m:r>
+                                <m:r>
+                                  <a:rPr lang="fr-FR" i="1">
+                                    <a:latin typeface="Cambria Math" panose="02040503050406030204" pitchFamily="18" charset="0"/>
+                                  </a:rPr>
+                                  <m:t>𝑏</m:t>
+                                </m:r>
+                                <m:func>
+                                  <m:funcPr>
+                                    <m:ctrlPr>
+                                      <a:rPr lang="fr-FR" i="1">
+                                        <a:latin typeface="Cambria Math" panose="02040503050406030204" pitchFamily="18" charset="0"/>
+                                      </a:rPr>
+                                    </m:ctrlPr>
+                                  </m:funcPr>
+                                  <m:fName>
+                                    <m:r>
+                                      <m:rPr>
+                                        <m:sty m:val="p"/>
+                                      </m:rPr>
+                                      <a:rPr lang="fr-FR">
+                                        <a:latin typeface="Cambria Math" panose="02040503050406030204" pitchFamily="18" charset="0"/>
+                                      </a:rPr>
+                                      <m:t>cos</m:t>
+                                    </m:r>
+                                  </m:fName>
+                                  <m:e>
+                                    <m:sSub>
+                                      <m:sSubPr>
+                                        <m:ctrlPr>
+                                          <a:rPr lang="fr-FR" i="1">
+                                            <a:latin typeface="Cambria Math" panose="02040503050406030204" pitchFamily="18" charset="0"/>
+                                          </a:rPr>
+                                        </m:ctrlPr>
+                                      </m:sSubPr>
+                                      <m:e>
+                                        <m:r>
+                                          <a:rPr lang="fr-FR" i="1">
+                                            <a:latin typeface="Cambria Math" panose="02040503050406030204" pitchFamily="18" charset="0"/>
+                                          </a:rPr>
+                                          <m:t>𝛼</m:t>
+                                        </m:r>
+                                      </m:e>
+                                      <m:sub>
+                                        <m:r>
+                                          <a:rPr lang="fr-FR" i="1">
+                                            <a:latin typeface="Cambria Math" panose="02040503050406030204" pitchFamily="18" charset="0"/>
+                                          </a:rPr>
+                                          <m:t>1</m:t>
+                                        </m:r>
+                                      </m:sub>
+                                    </m:sSub>
+                                  </m:e>
+                                </m:func>
+                              </m:num>
+                              <m:den>
+                                <m:r>
+                                  <a:rPr lang="fr-FR" i="1">
+                                    <a:latin typeface="Cambria Math" panose="02040503050406030204" pitchFamily="18" charset="0"/>
+                                  </a:rPr>
+                                  <m:t>𝑐</m:t>
+                                </m:r>
+                              </m:den>
+                            </m:f>
+                          </m:e>
+                        </m:d>
+                        <m:r>
+                          <a:rPr lang="fr-FR" b="0" i="1" smtClean="0">
+                            <a:latin typeface="Cambria Math" panose="02040503050406030204" pitchFamily="18" charset="0"/>
+                          </a:rPr>
+                          <m:t>−</m:t>
+                        </m:r>
+                        <m:sSub>
+                          <m:sSubPr>
+                            <m:ctrlPr>
+                              <a:rPr lang="fr-FR" b="0" i="1" smtClean="0">
+                                <a:latin typeface="Cambria Math" panose="02040503050406030204" pitchFamily="18" charset="0"/>
+                              </a:rPr>
+                            </m:ctrlPr>
+                          </m:sSubPr>
+                          <m:e>
+                            <m:r>
+                              <a:rPr lang="fr-FR" b="0" i="1" smtClean="0">
+                                <a:latin typeface="Cambria Math" panose="02040503050406030204" pitchFamily="18" charset="0"/>
+                              </a:rPr>
+                              <m:t>𝛼</m:t>
+                            </m:r>
+                          </m:e>
+                          <m:sub>
+                            <m:r>
+                              <a:rPr lang="fr-FR" b="0" i="1" smtClean="0">
+                                <a:latin typeface="Cambria Math" panose="02040503050406030204" pitchFamily="18" charset="0"/>
+                              </a:rPr>
+                              <m:t>1</m:t>
+                            </m:r>
+                          </m:sub>
+                        </m:sSub>
+                      </m:e>
+                    </m:func>
+                  </m:oMath>
+                </a14:m>
+                <a:endParaRPr lang="fr-FR" dirty="0"/>
+              </a:p>
+            </p:txBody>
+          </p:sp>
+        </mc:Choice>
+        <mc:Fallback>
+          <p:sp>
+            <p:nvSpPr>
+              <p:cNvPr id="3" name="Espace réservé du contenu 2">
+                <a:extLst>
+                  <a:ext uri="{FF2B5EF4-FFF2-40B4-BE49-F238E27FC236}">
+                    <a16:creationId xmlns:a16="http://schemas.microsoft.com/office/drawing/2014/main" id="{B3C4A8B5-A232-C443-2791-99946A715C30}"/>
+                  </a:ext>
+                </a:extLst>
+              </p:cNvPr>
+              <p:cNvSpPr>
+                <a:spLocks noGrp="1" noRot="1" noChangeAspect="1" noMove="1" noResize="1" noEditPoints="1" noAdjustHandles="1" noChangeArrowheads="1" noChangeShapeType="1" noTextEdit="1"/>
+              </p:cNvSpPr>
+              <p:nvPr>
+                <p:ph idx="1"/>
+              </p:nvPr>
+            </p:nvSpPr>
+            <p:spPr>
+              <a:blipFill>
+                <a:blip r:embed="rId2"/>
+                <a:stretch>
+                  <a:fillRect l="-174" t="-1261"/>
+                </a:stretch>
+              </a:blipFill>
+            </p:spPr>
+            <p:txBody>
+              <a:bodyPr/>
+              <a:lstStyle/>
+              <a:p>
+                <a:r>
+                  <a:rPr lang="fr-FR">
+                    <a:noFill/>
+                  </a:rPr>
+                  <a:t> </a:t>
+                </a:r>
+              </a:p>
+            </p:txBody>
+          </p:sp>
+        </mc:Fallback>
+      </mc:AlternateContent>
+    </p:spTree>
+    <p:extLst>
+      <p:ext uri="{BB962C8B-B14F-4D97-AF65-F5344CB8AC3E}">
+        <p14:creationId xmlns:p14="http://schemas.microsoft.com/office/powerpoint/2010/main" val="2846924914"/>
+      </p:ext>
+    </p:extLst>
+  </p:cSld>
+  <p:clrMapOvr>
+    <a:masterClrMapping/>
+  </p:clrMapOvr>
+</p:sld>
+</file>
+
+<file path=ppt/slides/slide6.xml><?xml version="1.0" encoding="utf-8"?>
+<p:sld xmlns:a="http://schemas.openxmlformats.org/drawingml/2006/main" xmlns:r="http://schemas.openxmlformats.org/officeDocument/2006/relationships" xmlns:p="http://schemas.openxmlformats.org/presentationml/2006/main">
+  <p:cSld>
+    <p:spTree>
+      <p:nvGrpSpPr>
+        <p:cNvPr id="1" name=""/>
+        <p:cNvGrpSpPr/>
+        <p:nvPr/>
+      </p:nvGrpSpPr>
+      <p:grpSpPr>
+        <a:xfrm>
+          <a:off x="0" y="0"/>
+          <a:ext cx="0" cy="0"/>
+          <a:chOff x="0" y="0"/>
+          <a:chExt cx="0" cy="0"/>
+        </a:xfrm>
+      </p:grpSpPr>
+      <p:sp>
+        <p:nvSpPr>
+          <p:cNvPr id="2" name="Titre 1"/>
+          <p:cNvSpPr>
+            <a:spLocks noGrp="1"/>
+          </p:cNvSpPr>
+          <p:nvPr>
+            <p:ph type="title"/>
+          </p:nvPr>
+        </p:nvSpPr>
+        <p:spPr/>
+        <p:txBody>
+          <a:bodyPr/>
+          <a:lstStyle/>
+          <a:p>
+            <a:endParaRPr lang="fr-FR"/>
+          </a:p>
+        </p:txBody>
+      </p:sp>
+      <mc:AlternateContent xmlns:mc="http://schemas.openxmlformats.org/markup-compatibility/2006" xmlns:a14="http://schemas.microsoft.com/office/drawing/2010/main">
+        <mc:Choice Requires="a14">
           <p:sp>
             <p:nvSpPr>
               <p:cNvPr id="3" name="Espace réservé du contenu 2"/>
@@ -21681,7 +24751,7 @@
                     </m:d>
                   </m:oMath>
                 </a14:m>
-                <a:endParaRPr lang="fr-FR" dirty="0" smtClean="0"/>
+                <a:endParaRPr lang="fr-FR" dirty="0"/>
               </a:p>
               <a:p>
                 <a14:m>
@@ -22377,7 +25447,7 @@
             </p:txBody>
           </p:sp>
         </mc:Choice>
-        <mc:Fallback>
+        <mc:Fallback xmlns="">
           <p:sp>
             <p:nvSpPr>
               <p:cNvPr id="3" name="Espace réservé du contenu 2"/>
@@ -22424,7 +25494,7 @@
 </p:sld>
 </file>
 
-<file path=ppt/slides/slide6.xml><?xml version="1.0" encoding="utf-8"?>
+<file path=ppt/slides/slide7.xml><?xml version="1.0" encoding="utf-8"?>
 <p:sld xmlns:a="http://schemas.openxmlformats.org/drawingml/2006/main" xmlns:r="http://schemas.openxmlformats.org/officeDocument/2006/relationships" xmlns:p="http://schemas.openxmlformats.org/presentationml/2006/main">
   <p:cSld>
     <p:spTree>

--- a/17_RobotDelta2D/Images/Figures2.pptx
+++ b/17_RobotDelta2D/Images/Figures2.pptx
@@ -10,8 +10,9 @@
     <p:sldId id="257" r:id="rId4"/>
     <p:sldId id="258" r:id="rId5"/>
     <p:sldId id="262" r:id="rId6"/>
-    <p:sldId id="261" r:id="rId7"/>
-    <p:sldId id="259" r:id="rId8"/>
+    <p:sldId id="263" r:id="rId7"/>
+    <p:sldId id="261" r:id="rId8"/>
+    <p:sldId id="259" r:id="rId9"/>
   </p:sldIdLst>
   <p:sldSz cx="12192000" cy="6858000"/>
   <p:notesSz cx="6858000" cy="9144000"/>
@@ -20906,12 +20907,15 @@
           <a:bodyPr/>
           <a:lstStyle/>
           <a:p>
-            <a:endParaRPr lang="fr-FR"/>
+            <a:r>
+              <a:rPr lang="fr-FR" dirty="0"/>
+              <a:t>Cinématique inverse</a:t>
+            </a:r>
           </a:p>
         </p:txBody>
       </p:sp>
-      <mc:AlternateContent xmlns:mc="http://schemas.openxmlformats.org/markup-compatibility/2006">
-        <mc:Choice xmlns:a14="http://schemas.microsoft.com/office/drawing/2010/main" Requires="a14">
+      <mc:AlternateContent xmlns:mc="http://schemas.openxmlformats.org/markup-compatibility/2006" xmlns:a14="http://schemas.microsoft.com/office/drawing/2010/main">
+        <mc:Choice Requires="a14">
           <p:sp>
             <p:nvSpPr>
               <p:cNvPr id="3" name="Espace réservé du contenu 2">
@@ -22812,13 +22816,7 @@
                       <a:rPr lang="fr-FR" b="0" i="1" smtClean="0">
                         <a:latin typeface="Cambria Math" panose="02040503050406030204" pitchFamily="18" charset="0"/>
                       </a:rPr>
-                      <m:t>+</m:t>
-                    </m:r>
-                    <m:r>
-                      <a:rPr lang="fr-FR" b="0" i="1" smtClean="0">
-                        <a:latin typeface="Cambria Math" panose="02040503050406030204" pitchFamily="18" charset="0"/>
-                      </a:rPr>
-                      <m:t>2</m:t>
+                      <m:t>+2</m:t>
                     </m:r>
                     <m:r>
                       <a:rPr lang="fr-FR" b="0" i="1" smtClean="0">
@@ -23884,7 +23882,7 @@
             </p:txBody>
           </p:sp>
         </mc:Choice>
-        <mc:Fallback>
+        <mc:Fallback xmlns="">
           <p:sp>
             <p:nvSpPr>
               <p:cNvPr id="3" name="Espace réservé du contenu 2">
@@ -23938,6 +23936,3281 @@
 </file>
 
 <file path=ppt/slides/slide6.xml><?xml version="1.0" encoding="utf-8"?>
+<p:sld xmlns:a="http://schemas.openxmlformats.org/drawingml/2006/main" xmlns:r="http://schemas.openxmlformats.org/officeDocument/2006/relationships" xmlns:p="http://schemas.openxmlformats.org/presentationml/2006/main">
+  <p:cSld>
+    <p:spTree>
+      <p:nvGrpSpPr>
+        <p:cNvPr id="1" name=""/>
+        <p:cNvGrpSpPr/>
+        <p:nvPr/>
+      </p:nvGrpSpPr>
+      <p:grpSpPr>
+        <a:xfrm>
+          <a:off x="0" y="0"/>
+          <a:ext cx="0" cy="0"/>
+          <a:chOff x="0" y="0"/>
+          <a:chExt cx="0" cy="0"/>
+        </a:xfrm>
+      </p:grpSpPr>
+      <p:sp>
+        <p:nvSpPr>
+          <p:cNvPr id="2" name="Titre 1">
+            <a:extLst>
+              <a:ext uri="{FF2B5EF4-FFF2-40B4-BE49-F238E27FC236}">
+                <a16:creationId xmlns:a16="http://schemas.microsoft.com/office/drawing/2014/main" id="{493DC710-57FE-BD44-B2D2-CFDCBAA1CDCA}"/>
+              </a:ext>
+            </a:extLst>
+          </p:cNvPr>
+          <p:cNvSpPr>
+            <a:spLocks noGrp="1"/>
+          </p:cNvSpPr>
+          <p:nvPr>
+            <p:ph type="title"/>
+          </p:nvPr>
+        </p:nvSpPr>
+        <p:spPr/>
+        <p:txBody>
+          <a:bodyPr/>
+          <a:lstStyle/>
+          <a:p>
+            <a:r>
+              <a:rPr lang="fr-FR" dirty="0"/>
+              <a:t>Angles intermédiaires</a:t>
+            </a:r>
+          </a:p>
+        </p:txBody>
+      </p:sp>
+      <mc:AlternateContent xmlns:mc="http://schemas.openxmlformats.org/markup-compatibility/2006">
+        <mc:Choice xmlns:a14="http://schemas.microsoft.com/office/drawing/2010/main" Requires="a14">
+          <p:sp>
+            <p:nvSpPr>
+              <p:cNvPr id="3" name="Espace réservé du contenu 2">
+                <a:extLst>
+                  <a:ext uri="{FF2B5EF4-FFF2-40B4-BE49-F238E27FC236}">
+                    <a16:creationId xmlns:a16="http://schemas.microsoft.com/office/drawing/2014/main" id="{B3C4A8B5-A232-C443-2791-99946A715C30}"/>
+                  </a:ext>
+                </a:extLst>
+              </p:cNvPr>
+              <p:cNvSpPr>
+                <a:spLocks noGrp="1"/>
+              </p:cNvSpPr>
+              <p:nvPr>
+                <p:ph idx="1"/>
+              </p:nvPr>
+            </p:nvSpPr>
+            <p:spPr/>
+            <p:txBody>
+              <a:bodyPr>
+                <a:normAutofit fontScale="55000" lnSpcReduction="20000"/>
+              </a:bodyPr>
+              <a:lstStyle/>
+              <a:p>
+                <a14:m>
+                  <m:oMath xmlns:m="http://schemas.openxmlformats.org/officeDocument/2006/math">
+                    <m:d>
+                      <m:dPr>
+                        <m:begChr m:val="{"/>
+                        <m:endChr m:val=""/>
+                        <m:ctrlPr>
+                          <a:rPr lang="fr-FR" i="1" smtClean="0">
+                            <a:latin typeface="Cambria Math" panose="02040503050406030204" pitchFamily="18" charset="0"/>
+                          </a:rPr>
+                        </m:ctrlPr>
+                      </m:dPr>
+                      <m:e>
+                        <m:eqArr>
+                          <m:eqArrPr>
+                            <m:ctrlPr>
+                              <a:rPr lang="fr-FR" i="1">
+                                <a:latin typeface="Cambria Math" panose="02040503050406030204" pitchFamily="18" charset="0"/>
+                              </a:rPr>
+                            </m:ctrlPr>
+                          </m:eqArrPr>
+                          <m:e>
+                            <m:r>
+                              <a:rPr lang="fr-FR" i="1">
+                                <a:latin typeface="Cambria Math" panose="02040503050406030204" pitchFamily="18" charset="0"/>
+                              </a:rPr>
+                              <m:t>𝑥</m:t>
+                            </m:r>
+                            <m:r>
+                              <a:rPr lang="fr-FR">
+                                <a:latin typeface="Cambria Math" panose="02040503050406030204" pitchFamily="18" charset="0"/>
+                              </a:rPr>
+                              <m:t>=</m:t>
+                            </m:r>
+                            <m:r>
+                              <a:rPr lang="fr-FR" i="1">
+                                <a:latin typeface="Cambria Math" panose="02040503050406030204" pitchFamily="18" charset="0"/>
+                              </a:rPr>
+                              <m:t>𝑎</m:t>
+                            </m:r>
+                            <m:r>
+                              <a:rPr lang="fr-FR" i="1">
+                                <a:latin typeface="Cambria Math" panose="02040503050406030204" pitchFamily="18" charset="0"/>
+                              </a:rPr>
+                              <m:t>+</m:t>
+                            </m:r>
+                            <m:r>
+                              <a:rPr lang="fr-FR" i="1">
+                                <a:latin typeface="Cambria Math" panose="02040503050406030204" pitchFamily="18" charset="0"/>
+                              </a:rPr>
+                              <m:t>𝑏</m:t>
+                            </m:r>
+                            <m:func>
+                              <m:funcPr>
+                                <m:ctrlPr>
+                                  <a:rPr lang="fr-FR" i="1">
+                                    <a:latin typeface="Cambria Math" panose="02040503050406030204" pitchFamily="18" charset="0"/>
+                                  </a:rPr>
+                                </m:ctrlPr>
+                              </m:funcPr>
+                              <m:fName>
+                                <m:r>
+                                  <m:rPr>
+                                    <m:sty m:val="p"/>
+                                  </m:rPr>
+                                  <a:rPr lang="fr-FR">
+                                    <a:latin typeface="Cambria Math" panose="02040503050406030204" pitchFamily="18" charset="0"/>
+                                  </a:rPr>
+                                  <m:t>cos</m:t>
+                                </m:r>
+                              </m:fName>
+                              <m:e>
+                                <m:sSub>
+                                  <m:sSubPr>
+                                    <m:ctrlPr>
+                                      <a:rPr lang="fr-FR" i="1">
+                                        <a:latin typeface="Cambria Math" panose="02040503050406030204" pitchFamily="18" charset="0"/>
+                                      </a:rPr>
+                                    </m:ctrlPr>
+                                  </m:sSubPr>
+                                  <m:e>
+                                    <m:r>
+                                      <a:rPr lang="fr-FR" i="1">
+                                        <a:latin typeface="Cambria Math" panose="02040503050406030204" pitchFamily="18" charset="0"/>
+                                      </a:rPr>
+                                      <m:t>𝛼</m:t>
+                                    </m:r>
+                                  </m:e>
+                                  <m:sub>
+                                    <m:r>
+                                      <a:rPr lang="fr-FR" i="1">
+                                        <a:latin typeface="Cambria Math" panose="02040503050406030204" pitchFamily="18" charset="0"/>
+                                      </a:rPr>
+                                      <m:t>1</m:t>
+                                    </m:r>
+                                  </m:sub>
+                                </m:sSub>
+                              </m:e>
+                            </m:func>
+                            <m:r>
+                              <a:rPr lang="fr-FR" i="1">
+                                <a:latin typeface="Cambria Math" panose="02040503050406030204" pitchFamily="18" charset="0"/>
+                              </a:rPr>
+                              <m:t>+</m:t>
+                            </m:r>
+                            <m:r>
+                              <a:rPr lang="fr-FR" i="1">
+                                <a:latin typeface="Cambria Math" panose="02040503050406030204" pitchFamily="18" charset="0"/>
+                              </a:rPr>
+                              <m:t>𝑐</m:t>
+                            </m:r>
+                            <m:func>
+                              <m:funcPr>
+                                <m:ctrlPr>
+                                  <a:rPr lang="fr-FR" i="1">
+                                    <a:latin typeface="Cambria Math" panose="02040503050406030204" pitchFamily="18" charset="0"/>
+                                  </a:rPr>
+                                </m:ctrlPr>
+                              </m:funcPr>
+                              <m:fName>
+                                <m:r>
+                                  <m:rPr>
+                                    <m:sty m:val="p"/>
+                                  </m:rPr>
+                                  <a:rPr lang="fr-FR">
+                                    <a:latin typeface="Cambria Math" panose="02040503050406030204" pitchFamily="18" charset="0"/>
+                                  </a:rPr>
+                                  <m:t>cos</m:t>
+                                </m:r>
+                              </m:fName>
+                              <m:e>
+                                <m:d>
+                                  <m:dPr>
+                                    <m:ctrlPr>
+                                      <a:rPr lang="fr-FR" i="1">
+                                        <a:latin typeface="Cambria Math" panose="02040503050406030204" pitchFamily="18" charset="0"/>
+                                      </a:rPr>
+                                    </m:ctrlPr>
+                                  </m:dPr>
+                                  <m:e>
+                                    <m:sSub>
+                                      <m:sSubPr>
+                                        <m:ctrlPr>
+                                          <a:rPr lang="fr-FR" i="1">
+                                            <a:latin typeface="Cambria Math" panose="02040503050406030204" pitchFamily="18" charset="0"/>
+                                          </a:rPr>
+                                        </m:ctrlPr>
+                                      </m:sSubPr>
+                                      <m:e>
+                                        <m:r>
+                                          <a:rPr lang="fr-FR" i="1">
+                                            <a:latin typeface="Cambria Math" panose="02040503050406030204" pitchFamily="18" charset="0"/>
+                                          </a:rPr>
+                                          <m:t>𝛼</m:t>
+                                        </m:r>
+                                      </m:e>
+                                      <m:sub>
+                                        <m:r>
+                                          <a:rPr lang="fr-FR" i="1">
+                                            <a:latin typeface="Cambria Math" panose="02040503050406030204" pitchFamily="18" charset="0"/>
+                                          </a:rPr>
+                                          <m:t>1</m:t>
+                                        </m:r>
+                                      </m:sub>
+                                    </m:sSub>
+                                    <m:r>
+                                      <a:rPr lang="fr-FR" i="1">
+                                        <a:latin typeface="Cambria Math" panose="02040503050406030204" pitchFamily="18" charset="0"/>
+                                      </a:rPr>
+                                      <m:t>+</m:t>
+                                    </m:r>
+                                    <m:sSub>
+                                      <m:sSubPr>
+                                        <m:ctrlPr>
+                                          <a:rPr lang="fr-FR" i="1">
+                                            <a:latin typeface="Cambria Math" panose="02040503050406030204" pitchFamily="18" charset="0"/>
+                                          </a:rPr>
+                                        </m:ctrlPr>
+                                      </m:sSubPr>
+                                      <m:e>
+                                        <m:r>
+                                          <a:rPr lang="fr-FR" i="1">
+                                            <a:latin typeface="Cambria Math" panose="02040503050406030204" pitchFamily="18" charset="0"/>
+                                          </a:rPr>
+                                          <m:t>𝛼</m:t>
+                                        </m:r>
+                                      </m:e>
+                                      <m:sub>
+                                        <m:r>
+                                          <a:rPr lang="fr-FR" i="1">
+                                            <a:latin typeface="Cambria Math" panose="02040503050406030204" pitchFamily="18" charset="0"/>
+                                          </a:rPr>
+                                          <m:t>4</m:t>
+                                        </m:r>
+                                      </m:sub>
+                                    </m:sSub>
+                                  </m:e>
+                                </m:d>
+                              </m:e>
+                            </m:func>
+                          </m:e>
+                          <m:e>
+                            <m:r>
+                              <a:rPr lang="fr-FR" i="1">
+                                <a:latin typeface="Cambria Math" panose="02040503050406030204" pitchFamily="18" charset="0"/>
+                              </a:rPr>
+                              <m:t>𝑦</m:t>
+                            </m:r>
+                            <m:r>
+                              <a:rPr lang="fr-FR">
+                                <a:latin typeface="Cambria Math" panose="02040503050406030204" pitchFamily="18" charset="0"/>
+                              </a:rPr>
+                              <m:t>=</m:t>
+                            </m:r>
+                            <m:r>
+                              <a:rPr lang="fr-FR" i="1">
+                                <a:latin typeface="Cambria Math" panose="02040503050406030204" pitchFamily="18" charset="0"/>
+                              </a:rPr>
+                              <m:t>𝑏</m:t>
+                            </m:r>
+                            <m:func>
+                              <m:funcPr>
+                                <m:ctrlPr>
+                                  <a:rPr lang="fr-FR" i="1">
+                                    <a:latin typeface="Cambria Math" panose="02040503050406030204" pitchFamily="18" charset="0"/>
+                                  </a:rPr>
+                                </m:ctrlPr>
+                              </m:funcPr>
+                              <m:fName>
+                                <m:r>
+                                  <m:rPr>
+                                    <m:sty m:val="p"/>
+                                  </m:rPr>
+                                  <a:rPr lang="fr-FR">
+                                    <a:latin typeface="Cambria Math" panose="02040503050406030204" pitchFamily="18" charset="0"/>
+                                  </a:rPr>
+                                  <m:t>sin</m:t>
+                                </m:r>
+                              </m:fName>
+                              <m:e>
+                                <m:sSub>
+                                  <m:sSubPr>
+                                    <m:ctrlPr>
+                                      <a:rPr lang="fr-FR" i="1">
+                                        <a:latin typeface="Cambria Math" panose="02040503050406030204" pitchFamily="18" charset="0"/>
+                                      </a:rPr>
+                                    </m:ctrlPr>
+                                  </m:sSubPr>
+                                  <m:e>
+                                    <m:r>
+                                      <a:rPr lang="fr-FR" i="1">
+                                        <a:latin typeface="Cambria Math" panose="02040503050406030204" pitchFamily="18" charset="0"/>
+                                      </a:rPr>
+                                      <m:t>𝛼</m:t>
+                                    </m:r>
+                                  </m:e>
+                                  <m:sub>
+                                    <m:r>
+                                      <a:rPr lang="fr-FR" i="1">
+                                        <a:latin typeface="Cambria Math" panose="02040503050406030204" pitchFamily="18" charset="0"/>
+                                      </a:rPr>
+                                      <m:t>1</m:t>
+                                    </m:r>
+                                  </m:sub>
+                                </m:sSub>
+                              </m:e>
+                            </m:func>
+                            <m:r>
+                              <a:rPr lang="fr-FR" i="1">
+                                <a:latin typeface="Cambria Math" panose="02040503050406030204" pitchFamily="18" charset="0"/>
+                              </a:rPr>
+                              <m:t>+</m:t>
+                            </m:r>
+                            <m:r>
+                              <a:rPr lang="fr-FR" i="1">
+                                <a:latin typeface="Cambria Math" panose="02040503050406030204" pitchFamily="18" charset="0"/>
+                              </a:rPr>
+                              <m:t>𝑐</m:t>
+                            </m:r>
+                            <m:func>
+                              <m:funcPr>
+                                <m:ctrlPr>
+                                  <a:rPr lang="fr-FR" i="1">
+                                    <a:latin typeface="Cambria Math" panose="02040503050406030204" pitchFamily="18" charset="0"/>
+                                  </a:rPr>
+                                </m:ctrlPr>
+                              </m:funcPr>
+                              <m:fName>
+                                <m:r>
+                                  <m:rPr>
+                                    <m:sty m:val="p"/>
+                                  </m:rPr>
+                                  <a:rPr lang="fr-FR">
+                                    <a:latin typeface="Cambria Math" panose="02040503050406030204" pitchFamily="18" charset="0"/>
+                                  </a:rPr>
+                                  <m:t>sin</m:t>
+                                </m:r>
+                              </m:fName>
+                              <m:e>
+                                <m:d>
+                                  <m:dPr>
+                                    <m:ctrlPr>
+                                      <a:rPr lang="fr-FR" i="1">
+                                        <a:latin typeface="Cambria Math" panose="02040503050406030204" pitchFamily="18" charset="0"/>
+                                      </a:rPr>
+                                    </m:ctrlPr>
+                                  </m:dPr>
+                                  <m:e>
+                                    <m:sSub>
+                                      <m:sSubPr>
+                                        <m:ctrlPr>
+                                          <a:rPr lang="fr-FR" i="1">
+                                            <a:latin typeface="Cambria Math" panose="02040503050406030204" pitchFamily="18" charset="0"/>
+                                          </a:rPr>
+                                        </m:ctrlPr>
+                                      </m:sSubPr>
+                                      <m:e>
+                                        <m:r>
+                                          <a:rPr lang="fr-FR" i="1">
+                                            <a:latin typeface="Cambria Math" panose="02040503050406030204" pitchFamily="18" charset="0"/>
+                                          </a:rPr>
+                                          <m:t>𝛼</m:t>
+                                        </m:r>
+                                      </m:e>
+                                      <m:sub>
+                                        <m:r>
+                                          <a:rPr lang="fr-FR" i="1">
+                                            <a:latin typeface="Cambria Math" panose="02040503050406030204" pitchFamily="18" charset="0"/>
+                                          </a:rPr>
+                                          <m:t>1</m:t>
+                                        </m:r>
+                                      </m:sub>
+                                    </m:sSub>
+                                    <m:r>
+                                      <a:rPr lang="fr-FR" i="1">
+                                        <a:latin typeface="Cambria Math" panose="02040503050406030204" pitchFamily="18" charset="0"/>
+                                      </a:rPr>
+                                      <m:t>+</m:t>
+                                    </m:r>
+                                    <m:sSub>
+                                      <m:sSubPr>
+                                        <m:ctrlPr>
+                                          <a:rPr lang="fr-FR" i="1">
+                                            <a:latin typeface="Cambria Math" panose="02040503050406030204" pitchFamily="18" charset="0"/>
+                                          </a:rPr>
+                                        </m:ctrlPr>
+                                      </m:sSubPr>
+                                      <m:e>
+                                        <m:r>
+                                          <a:rPr lang="fr-FR" i="1">
+                                            <a:latin typeface="Cambria Math" panose="02040503050406030204" pitchFamily="18" charset="0"/>
+                                          </a:rPr>
+                                          <m:t>𝛼</m:t>
+                                        </m:r>
+                                      </m:e>
+                                      <m:sub>
+                                        <m:r>
+                                          <a:rPr lang="fr-FR" i="1">
+                                            <a:latin typeface="Cambria Math" panose="02040503050406030204" pitchFamily="18" charset="0"/>
+                                          </a:rPr>
+                                          <m:t>4</m:t>
+                                        </m:r>
+                                      </m:sub>
+                                    </m:sSub>
+                                  </m:e>
+                                </m:d>
+                              </m:e>
+                            </m:func>
+                          </m:e>
+                        </m:eqArr>
+                      </m:e>
+                    </m:d>
+                  </m:oMath>
+                </a14:m>
+                <a:r>
+                  <a:rPr lang="fr-FR" dirty="0"/>
+                  <a:t> et </a:t>
+                </a:r>
+                <a14:m>
+                  <m:oMath xmlns:m="http://schemas.openxmlformats.org/officeDocument/2006/math">
+                    <m:d>
+                      <m:dPr>
+                        <m:begChr m:val="{"/>
+                        <m:endChr m:val=""/>
+                        <m:ctrlPr>
+                          <a:rPr lang="fr-FR" i="1">
+                            <a:latin typeface="Cambria Math" panose="02040503050406030204" pitchFamily="18" charset="0"/>
+                          </a:rPr>
+                        </m:ctrlPr>
+                      </m:dPr>
+                      <m:e>
+                        <m:eqArr>
+                          <m:eqArrPr>
+                            <m:ctrlPr>
+                              <a:rPr lang="fr-FR" i="1">
+                                <a:latin typeface="Cambria Math" panose="02040503050406030204" pitchFamily="18" charset="0"/>
+                              </a:rPr>
+                            </m:ctrlPr>
+                          </m:eqArrPr>
+                          <m:e>
+                            <m:r>
+                              <a:rPr lang="fr-FR" i="1">
+                                <a:latin typeface="Cambria Math" panose="02040503050406030204" pitchFamily="18" charset="0"/>
+                              </a:rPr>
+                              <m:t>𝑥</m:t>
+                            </m:r>
+                            <m:r>
+                              <a:rPr lang="fr-FR">
+                                <a:latin typeface="Cambria Math" panose="02040503050406030204" pitchFamily="18" charset="0"/>
+                              </a:rPr>
+                              <m:t>=</m:t>
+                            </m:r>
+                            <m:r>
+                              <a:rPr lang="fr-FR" b="0" i="1" smtClean="0">
+                                <a:latin typeface="Cambria Math" panose="02040503050406030204" pitchFamily="18" charset="0"/>
+                              </a:rPr>
+                              <m:t>−</m:t>
+                            </m:r>
+                            <m:r>
+                              <a:rPr lang="fr-FR" i="1">
+                                <a:latin typeface="Cambria Math" panose="02040503050406030204" pitchFamily="18" charset="0"/>
+                              </a:rPr>
+                              <m:t>𝑎</m:t>
+                            </m:r>
+                            <m:r>
+                              <a:rPr lang="fr-FR" i="1">
+                                <a:latin typeface="Cambria Math" panose="02040503050406030204" pitchFamily="18" charset="0"/>
+                              </a:rPr>
+                              <m:t>+</m:t>
+                            </m:r>
+                            <m:r>
+                              <a:rPr lang="fr-FR" i="1">
+                                <a:latin typeface="Cambria Math" panose="02040503050406030204" pitchFamily="18" charset="0"/>
+                              </a:rPr>
+                              <m:t>𝑏</m:t>
+                            </m:r>
+                            <m:func>
+                              <m:funcPr>
+                                <m:ctrlPr>
+                                  <a:rPr lang="fr-FR" i="1">
+                                    <a:latin typeface="Cambria Math" panose="02040503050406030204" pitchFamily="18" charset="0"/>
+                                  </a:rPr>
+                                </m:ctrlPr>
+                              </m:funcPr>
+                              <m:fName>
+                                <m:r>
+                                  <m:rPr>
+                                    <m:sty m:val="p"/>
+                                  </m:rPr>
+                                  <a:rPr lang="fr-FR">
+                                    <a:latin typeface="Cambria Math" panose="02040503050406030204" pitchFamily="18" charset="0"/>
+                                  </a:rPr>
+                                  <m:t>cos</m:t>
+                                </m:r>
+                              </m:fName>
+                              <m:e>
+                                <m:sSub>
+                                  <m:sSubPr>
+                                    <m:ctrlPr>
+                                      <a:rPr lang="fr-FR" i="1">
+                                        <a:latin typeface="Cambria Math" panose="02040503050406030204" pitchFamily="18" charset="0"/>
+                                      </a:rPr>
+                                    </m:ctrlPr>
+                                  </m:sSubPr>
+                                  <m:e>
+                                    <m:r>
+                                      <a:rPr lang="fr-FR" b="0" i="1" smtClean="0">
+                                        <a:latin typeface="Cambria Math" panose="02040503050406030204" pitchFamily="18" charset="0"/>
+                                      </a:rPr>
+                                      <m:t>𝛽</m:t>
+                                    </m:r>
+                                  </m:e>
+                                  <m:sub>
+                                    <m:r>
+                                      <a:rPr lang="fr-FR" i="1">
+                                        <a:latin typeface="Cambria Math" panose="02040503050406030204" pitchFamily="18" charset="0"/>
+                                      </a:rPr>
+                                      <m:t>1</m:t>
+                                    </m:r>
+                                  </m:sub>
+                                </m:sSub>
+                              </m:e>
+                            </m:func>
+                            <m:r>
+                              <a:rPr lang="fr-FR" i="1">
+                                <a:latin typeface="Cambria Math" panose="02040503050406030204" pitchFamily="18" charset="0"/>
+                              </a:rPr>
+                              <m:t>+</m:t>
+                            </m:r>
+                            <m:r>
+                              <a:rPr lang="fr-FR" i="1">
+                                <a:latin typeface="Cambria Math" panose="02040503050406030204" pitchFamily="18" charset="0"/>
+                              </a:rPr>
+                              <m:t>𝑐</m:t>
+                            </m:r>
+                            <m:func>
+                              <m:funcPr>
+                                <m:ctrlPr>
+                                  <a:rPr lang="fr-FR" i="1">
+                                    <a:latin typeface="Cambria Math" panose="02040503050406030204" pitchFamily="18" charset="0"/>
+                                  </a:rPr>
+                                </m:ctrlPr>
+                              </m:funcPr>
+                              <m:fName>
+                                <m:r>
+                                  <m:rPr>
+                                    <m:sty m:val="p"/>
+                                  </m:rPr>
+                                  <a:rPr lang="fr-FR">
+                                    <a:latin typeface="Cambria Math" panose="02040503050406030204" pitchFamily="18" charset="0"/>
+                                  </a:rPr>
+                                  <m:t>cos</m:t>
+                                </m:r>
+                              </m:fName>
+                              <m:e>
+                                <m:d>
+                                  <m:dPr>
+                                    <m:ctrlPr>
+                                      <a:rPr lang="fr-FR" i="1">
+                                        <a:latin typeface="Cambria Math" panose="02040503050406030204" pitchFamily="18" charset="0"/>
+                                      </a:rPr>
+                                    </m:ctrlPr>
+                                  </m:dPr>
+                                  <m:e>
+                                    <m:sSub>
+                                      <m:sSubPr>
+                                        <m:ctrlPr>
+                                          <a:rPr lang="fr-FR" i="1">
+                                            <a:latin typeface="Cambria Math" panose="02040503050406030204" pitchFamily="18" charset="0"/>
+                                          </a:rPr>
+                                        </m:ctrlPr>
+                                      </m:sSubPr>
+                                      <m:e>
+                                        <m:r>
+                                          <a:rPr lang="fr-FR" b="0" i="1" smtClean="0">
+                                            <a:latin typeface="Cambria Math" panose="02040503050406030204" pitchFamily="18" charset="0"/>
+                                          </a:rPr>
+                                          <m:t>𝛽</m:t>
+                                        </m:r>
+                                      </m:e>
+                                      <m:sub>
+                                        <m:r>
+                                          <a:rPr lang="fr-FR" i="1">
+                                            <a:latin typeface="Cambria Math" panose="02040503050406030204" pitchFamily="18" charset="0"/>
+                                          </a:rPr>
+                                          <m:t>1</m:t>
+                                        </m:r>
+                                      </m:sub>
+                                    </m:sSub>
+                                    <m:r>
+                                      <a:rPr lang="fr-FR" i="1">
+                                        <a:latin typeface="Cambria Math" panose="02040503050406030204" pitchFamily="18" charset="0"/>
+                                      </a:rPr>
+                                      <m:t>+</m:t>
+                                    </m:r>
+                                    <m:sSub>
+                                      <m:sSubPr>
+                                        <m:ctrlPr>
+                                          <a:rPr lang="fr-FR" i="1">
+                                            <a:latin typeface="Cambria Math" panose="02040503050406030204" pitchFamily="18" charset="0"/>
+                                          </a:rPr>
+                                        </m:ctrlPr>
+                                      </m:sSubPr>
+                                      <m:e>
+                                        <m:r>
+                                          <a:rPr lang="fr-FR" b="0" i="1" smtClean="0">
+                                            <a:latin typeface="Cambria Math" panose="02040503050406030204" pitchFamily="18" charset="0"/>
+                                          </a:rPr>
+                                          <m:t>𝛽</m:t>
+                                        </m:r>
+                                      </m:e>
+                                      <m:sub>
+                                        <m:r>
+                                          <a:rPr lang="fr-FR" i="1">
+                                            <a:latin typeface="Cambria Math" panose="02040503050406030204" pitchFamily="18" charset="0"/>
+                                          </a:rPr>
+                                          <m:t>4</m:t>
+                                        </m:r>
+                                      </m:sub>
+                                    </m:sSub>
+                                  </m:e>
+                                </m:d>
+                              </m:e>
+                            </m:func>
+                          </m:e>
+                          <m:e>
+                            <m:r>
+                              <a:rPr lang="fr-FR" i="1">
+                                <a:latin typeface="Cambria Math" panose="02040503050406030204" pitchFamily="18" charset="0"/>
+                              </a:rPr>
+                              <m:t>𝑦</m:t>
+                            </m:r>
+                            <m:r>
+                              <a:rPr lang="fr-FR">
+                                <a:latin typeface="Cambria Math" panose="02040503050406030204" pitchFamily="18" charset="0"/>
+                              </a:rPr>
+                              <m:t>=</m:t>
+                            </m:r>
+                            <m:r>
+                              <a:rPr lang="fr-FR" i="1">
+                                <a:latin typeface="Cambria Math" panose="02040503050406030204" pitchFamily="18" charset="0"/>
+                              </a:rPr>
+                              <m:t>𝑏</m:t>
+                            </m:r>
+                            <m:func>
+                              <m:funcPr>
+                                <m:ctrlPr>
+                                  <a:rPr lang="fr-FR" i="1">
+                                    <a:latin typeface="Cambria Math" panose="02040503050406030204" pitchFamily="18" charset="0"/>
+                                  </a:rPr>
+                                </m:ctrlPr>
+                              </m:funcPr>
+                              <m:fName>
+                                <m:r>
+                                  <m:rPr>
+                                    <m:sty m:val="p"/>
+                                  </m:rPr>
+                                  <a:rPr lang="fr-FR">
+                                    <a:latin typeface="Cambria Math" panose="02040503050406030204" pitchFamily="18" charset="0"/>
+                                  </a:rPr>
+                                  <m:t>sin</m:t>
+                                </m:r>
+                              </m:fName>
+                              <m:e>
+                                <m:sSub>
+                                  <m:sSubPr>
+                                    <m:ctrlPr>
+                                      <a:rPr lang="fr-FR" i="1">
+                                        <a:latin typeface="Cambria Math" panose="02040503050406030204" pitchFamily="18" charset="0"/>
+                                      </a:rPr>
+                                    </m:ctrlPr>
+                                  </m:sSubPr>
+                                  <m:e>
+                                    <m:r>
+                                      <a:rPr lang="fr-FR" b="0" i="1" smtClean="0">
+                                        <a:latin typeface="Cambria Math" panose="02040503050406030204" pitchFamily="18" charset="0"/>
+                                      </a:rPr>
+                                      <m:t>𝛽</m:t>
+                                    </m:r>
+                                  </m:e>
+                                  <m:sub>
+                                    <m:r>
+                                      <a:rPr lang="fr-FR" i="1">
+                                        <a:latin typeface="Cambria Math" panose="02040503050406030204" pitchFamily="18" charset="0"/>
+                                      </a:rPr>
+                                      <m:t>1</m:t>
+                                    </m:r>
+                                  </m:sub>
+                                </m:sSub>
+                              </m:e>
+                            </m:func>
+                            <m:r>
+                              <a:rPr lang="fr-FR" i="1">
+                                <a:latin typeface="Cambria Math" panose="02040503050406030204" pitchFamily="18" charset="0"/>
+                              </a:rPr>
+                              <m:t>+</m:t>
+                            </m:r>
+                            <m:r>
+                              <a:rPr lang="fr-FR" i="1">
+                                <a:latin typeface="Cambria Math" panose="02040503050406030204" pitchFamily="18" charset="0"/>
+                              </a:rPr>
+                              <m:t>𝑐</m:t>
+                            </m:r>
+                            <m:func>
+                              <m:funcPr>
+                                <m:ctrlPr>
+                                  <a:rPr lang="fr-FR" i="1">
+                                    <a:latin typeface="Cambria Math" panose="02040503050406030204" pitchFamily="18" charset="0"/>
+                                  </a:rPr>
+                                </m:ctrlPr>
+                              </m:funcPr>
+                              <m:fName>
+                                <m:r>
+                                  <m:rPr>
+                                    <m:sty m:val="p"/>
+                                  </m:rPr>
+                                  <a:rPr lang="fr-FR">
+                                    <a:latin typeface="Cambria Math" panose="02040503050406030204" pitchFamily="18" charset="0"/>
+                                  </a:rPr>
+                                  <m:t>sin</m:t>
+                                </m:r>
+                              </m:fName>
+                              <m:e>
+                                <m:d>
+                                  <m:dPr>
+                                    <m:ctrlPr>
+                                      <a:rPr lang="fr-FR" i="1">
+                                        <a:latin typeface="Cambria Math" panose="02040503050406030204" pitchFamily="18" charset="0"/>
+                                      </a:rPr>
+                                    </m:ctrlPr>
+                                  </m:dPr>
+                                  <m:e>
+                                    <m:sSub>
+                                      <m:sSubPr>
+                                        <m:ctrlPr>
+                                          <a:rPr lang="fr-FR" i="1">
+                                            <a:latin typeface="Cambria Math" panose="02040503050406030204" pitchFamily="18" charset="0"/>
+                                          </a:rPr>
+                                        </m:ctrlPr>
+                                      </m:sSubPr>
+                                      <m:e>
+                                        <m:r>
+                                          <a:rPr lang="fr-FR" b="0" i="1" smtClean="0">
+                                            <a:latin typeface="Cambria Math" panose="02040503050406030204" pitchFamily="18" charset="0"/>
+                                          </a:rPr>
+                                          <m:t>𝛽</m:t>
+                                        </m:r>
+                                      </m:e>
+                                      <m:sub>
+                                        <m:r>
+                                          <a:rPr lang="fr-FR" i="1">
+                                            <a:latin typeface="Cambria Math" panose="02040503050406030204" pitchFamily="18" charset="0"/>
+                                          </a:rPr>
+                                          <m:t>1</m:t>
+                                        </m:r>
+                                      </m:sub>
+                                    </m:sSub>
+                                    <m:r>
+                                      <a:rPr lang="fr-FR" i="1">
+                                        <a:latin typeface="Cambria Math" panose="02040503050406030204" pitchFamily="18" charset="0"/>
+                                      </a:rPr>
+                                      <m:t>+</m:t>
+                                    </m:r>
+                                    <m:sSub>
+                                      <m:sSubPr>
+                                        <m:ctrlPr>
+                                          <a:rPr lang="fr-FR" i="1">
+                                            <a:latin typeface="Cambria Math" panose="02040503050406030204" pitchFamily="18" charset="0"/>
+                                          </a:rPr>
+                                        </m:ctrlPr>
+                                      </m:sSubPr>
+                                      <m:e>
+                                        <m:r>
+                                          <a:rPr lang="fr-FR" b="0" i="1" smtClean="0">
+                                            <a:latin typeface="Cambria Math" panose="02040503050406030204" pitchFamily="18" charset="0"/>
+                                          </a:rPr>
+                                          <m:t>𝛽</m:t>
+                                        </m:r>
+                                      </m:e>
+                                      <m:sub>
+                                        <m:r>
+                                          <a:rPr lang="fr-FR" i="1">
+                                            <a:latin typeface="Cambria Math" panose="02040503050406030204" pitchFamily="18" charset="0"/>
+                                          </a:rPr>
+                                          <m:t>4</m:t>
+                                        </m:r>
+                                      </m:sub>
+                                    </m:sSub>
+                                  </m:e>
+                                </m:d>
+                              </m:e>
+                            </m:func>
+                          </m:e>
+                        </m:eqArr>
+                      </m:e>
+                    </m:d>
+                  </m:oMath>
+                </a14:m>
+                <a:endParaRPr lang="fr-FR" dirty="0"/>
+              </a:p>
+              <a:p>
+                <a14:m>
+                  <m:oMath xmlns:m="http://schemas.openxmlformats.org/officeDocument/2006/math">
+                    <m:d>
+                      <m:dPr>
+                        <m:begChr m:val="{"/>
+                        <m:endChr m:val=""/>
+                        <m:ctrlPr>
+                          <a:rPr lang="fr-FR" i="1" smtClean="0">
+                            <a:latin typeface="Cambria Math" panose="02040503050406030204" pitchFamily="18" charset="0"/>
+                          </a:rPr>
+                        </m:ctrlPr>
+                      </m:dPr>
+                      <m:e>
+                        <m:eqArr>
+                          <m:eqArrPr>
+                            <m:ctrlPr>
+                              <a:rPr lang="fr-FR" i="1" smtClean="0">
+                                <a:latin typeface="Cambria Math" panose="02040503050406030204" pitchFamily="18" charset="0"/>
+                              </a:rPr>
+                            </m:ctrlPr>
+                          </m:eqArrPr>
+                          <m:e>
+                            <m:r>
+                              <a:rPr lang="fr-FR" i="1">
+                                <a:latin typeface="Cambria Math" panose="02040503050406030204" pitchFamily="18" charset="0"/>
+                              </a:rPr>
+                              <m:t>𝑎</m:t>
+                            </m:r>
+                            <m:r>
+                              <a:rPr lang="fr-FR" i="1">
+                                <a:latin typeface="Cambria Math" panose="02040503050406030204" pitchFamily="18" charset="0"/>
+                              </a:rPr>
+                              <m:t>+</m:t>
+                            </m:r>
+                            <m:r>
+                              <a:rPr lang="fr-FR" i="1">
+                                <a:latin typeface="Cambria Math" panose="02040503050406030204" pitchFamily="18" charset="0"/>
+                              </a:rPr>
+                              <m:t>𝑏</m:t>
+                            </m:r>
+                            <m:func>
+                              <m:funcPr>
+                                <m:ctrlPr>
+                                  <a:rPr lang="fr-FR" i="1">
+                                    <a:latin typeface="Cambria Math" panose="02040503050406030204" pitchFamily="18" charset="0"/>
+                                  </a:rPr>
+                                </m:ctrlPr>
+                              </m:funcPr>
+                              <m:fName>
+                                <m:r>
+                                  <m:rPr>
+                                    <m:sty m:val="p"/>
+                                  </m:rPr>
+                                  <a:rPr lang="fr-FR">
+                                    <a:latin typeface="Cambria Math" panose="02040503050406030204" pitchFamily="18" charset="0"/>
+                                  </a:rPr>
+                                  <m:t>cos</m:t>
+                                </m:r>
+                              </m:fName>
+                              <m:e>
+                                <m:sSub>
+                                  <m:sSubPr>
+                                    <m:ctrlPr>
+                                      <a:rPr lang="fr-FR" i="1">
+                                        <a:latin typeface="Cambria Math" panose="02040503050406030204" pitchFamily="18" charset="0"/>
+                                      </a:rPr>
+                                    </m:ctrlPr>
+                                  </m:sSubPr>
+                                  <m:e>
+                                    <m:r>
+                                      <a:rPr lang="fr-FR" i="1">
+                                        <a:latin typeface="Cambria Math" panose="02040503050406030204" pitchFamily="18" charset="0"/>
+                                      </a:rPr>
+                                      <m:t>𝛼</m:t>
+                                    </m:r>
+                                  </m:e>
+                                  <m:sub>
+                                    <m:r>
+                                      <a:rPr lang="fr-FR" i="1">
+                                        <a:latin typeface="Cambria Math" panose="02040503050406030204" pitchFamily="18" charset="0"/>
+                                      </a:rPr>
+                                      <m:t>1</m:t>
+                                    </m:r>
+                                  </m:sub>
+                                </m:sSub>
+                              </m:e>
+                            </m:func>
+                            <m:r>
+                              <a:rPr lang="fr-FR" i="1">
+                                <a:latin typeface="Cambria Math" panose="02040503050406030204" pitchFamily="18" charset="0"/>
+                              </a:rPr>
+                              <m:t>+</m:t>
+                            </m:r>
+                            <m:r>
+                              <a:rPr lang="fr-FR" i="1">
+                                <a:latin typeface="Cambria Math" panose="02040503050406030204" pitchFamily="18" charset="0"/>
+                              </a:rPr>
+                              <m:t>𝑐</m:t>
+                            </m:r>
+                            <m:func>
+                              <m:funcPr>
+                                <m:ctrlPr>
+                                  <a:rPr lang="fr-FR" i="1">
+                                    <a:latin typeface="Cambria Math" panose="02040503050406030204" pitchFamily="18" charset="0"/>
+                                  </a:rPr>
+                                </m:ctrlPr>
+                              </m:funcPr>
+                              <m:fName>
+                                <m:r>
+                                  <m:rPr>
+                                    <m:sty m:val="p"/>
+                                  </m:rPr>
+                                  <a:rPr lang="fr-FR">
+                                    <a:latin typeface="Cambria Math" panose="02040503050406030204" pitchFamily="18" charset="0"/>
+                                  </a:rPr>
+                                  <m:t>cos</m:t>
+                                </m:r>
+                              </m:fName>
+                              <m:e>
+                                <m:d>
+                                  <m:dPr>
+                                    <m:ctrlPr>
+                                      <a:rPr lang="fr-FR" i="1">
+                                        <a:latin typeface="Cambria Math" panose="02040503050406030204" pitchFamily="18" charset="0"/>
+                                      </a:rPr>
+                                    </m:ctrlPr>
+                                  </m:dPr>
+                                  <m:e>
+                                    <m:sSub>
+                                      <m:sSubPr>
+                                        <m:ctrlPr>
+                                          <a:rPr lang="fr-FR" i="1">
+                                            <a:latin typeface="Cambria Math" panose="02040503050406030204" pitchFamily="18" charset="0"/>
+                                          </a:rPr>
+                                        </m:ctrlPr>
+                                      </m:sSubPr>
+                                      <m:e>
+                                        <m:r>
+                                          <a:rPr lang="fr-FR" i="1">
+                                            <a:latin typeface="Cambria Math" panose="02040503050406030204" pitchFamily="18" charset="0"/>
+                                          </a:rPr>
+                                          <m:t>𝛼</m:t>
+                                        </m:r>
+                                      </m:e>
+                                      <m:sub>
+                                        <m:r>
+                                          <a:rPr lang="fr-FR" i="1">
+                                            <a:latin typeface="Cambria Math" panose="02040503050406030204" pitchFamily="18" charset="0"/>
+                                          </a:rPr>
+                                          <m:t>1</m:t>
+                                        </m:r>
+                                      </m:sub>
+                                    </m:sSub>
+                                    <m:r>
+                                      <a:rPr lang="fr-FR" i="1">
+                                        <a:latin typeface="Cambria Math" panose="02040503050406030204" pitchFamily="18" charset="0"/>
+                                      </a:rPr>
+                                      <m:t>+</m:t>
+                                    </m:r>
+                                    <m:sSub>
+                                      <m:sSubPr>
+                                        <m:ctrlPr>
+                                          <a:rPr lang="fr-FR" i="1">
+                                            <a:latin typeface="Cambria Math" panose="02040503050406030204" pitchFamily="18" charset="0"/>
+                                          </a:rPr>
+                                        </m:ctrlPr>
+                                      </m:sSubPr>
+                                      <m:e>
+                                        <m:r>
+                                          <a:rPr lang="fr-FR" i="1">
+                                            <a:latin typeface="Cambria Math" panose="02040503050406030204" pitchFamily="18" charset="0"/>
+                                          </a:rPr>
+                                          <m:t>𝛼</m:t>
+                                        </m:r>
+                                      </m:e>
+                                      <m:sub>
+                                        <m:r>
+                                          <a:rPr lang="fr-FR" i="1">
+                                            <a:latin typeface="Cambria Math" panose="02040503050406030204" pitchFamily="18" charset="0"/>
+                                          </a:rPr>
+                                          <m:t>4</m:t>
+                                        </m:r>
+                                      </m:sub>
+                                    </m:sSub>
+                                  </m:e>
+                                </m:d>
+                              </m:e>
+                            </m:func>
+                            <m:r>
+                              <a:rPr lang="fr-FR" i="1">
+                                <a:latin typeface="Cambria Math" panose="02040503050406030204" pitchFamily="18" charset="0"/>
+                              </a:rPr>
+                              <m:t>=−</m:t>
+                            </m:r>
+                            <m:r>
+                              <a:rPr lang="fr-FR" i="1">
+                                <a:latin typeface="Cambria Math" panose="02040503050406030204" pitchFamily="18" charset="0"/>
+                              </a:rPr>
+                              <m:t>𝑎</m:t>
+                            </m:r>
+                            <m:r>
+                              <a:rPr lang="fr-FR" i="1">
+                                <a:latin typeface="Cambria Math" panose="02040503050406030204" pitchFamily="18" charset="0"/>
+                              </a:rPr>
+                              <m:t>+</m:t>
+                            </m:r>
+                            <m:r>
+                              <a:rPr lang="fr-FR" i="1">
+                                <a:latin typeface="Cambria Math" panose="02040503050406030204" pitchFamily="18" charset="0"/>
+                              </a:rPr>
+                              <m:t>𝑏</m:t>
+                            </m:r>
+                            <m:func>
+                              <m:funcPr>
+                                <m:ctrlPr>
+                                  <a:rPr lang="fr-FR" i="1">
+                                    <a:latin typeface="Cambria Math" panose="02040503050406030204" pitchFamily="18" charset="0"/>
+                                  </a:rPr>
+                                </m:ctrlPr>
+                              </m:funcPr>
+                              <m:fName>
+                                <m:r>
+                                  <m:rPr>
+                                    <m:sty m:val="p"/>
+                                  </m:rPr>
+                                  <a:rPr lang="fr-FR">
+                                    <a:latin typeface="Cambria Math" panose="02040503050406030204" pitchFamily="18" charset="0"/>
+                                  </a:rPr>
+                                  <m:t>cos</m:t>
+                                </m:r>
+                              </m:fName>
+                              <m:e>
+                                <m:sSub>
+                                  <m:sSubPr>
+                                    <m:ctrlPr>
+                                      <a:rPr lang="fr-FR" i="1">
+                                        <a:latin typeface="Cambria Math" panose="02040503050406030204" pitchFamily="18" charset="0"/>
+                                      </a:rPr>
+                                    </m:ctrlPr>
+                                  </m:sSubPr>
+                                  <m:e>
+                                    <m:r>
+                                      <a:rPr lang="fr-FR" i="1">
+                                        <a:latin typeface="Cambria Math" panose="02040503050406030204" pitchFamily="18" charset="0"/>
+                                      </a:rPr>
+                                      <m:t>𝛽</m:t>
+                                    </m:r>
+                                  </m:e>
+                                  <m:sub>
+                                    <m:r>
+                                      <a:rPr lang="fr-FR" i="1">
+                                        <a:latin typeface="Cambria Math" panose="02040503050406030204" pitchFamily="18" charset="0"/>
+                                      </a:rPr>
+                                      <m:t>1</m:t>
+                                    </m:r>
+                                  </m:sub>
+                                </m:sSub>
+                              </m:e>
+                            </m:func>
+                            <m:r>
+                              <a:rPr lang="fr-FR" i="1">
+                                <a:latin typeface="Cambria Math" panose="02040503050406030204" pitchFamily="18" charset="0"/>
+                              </a:rPr>
+                              <m:t>+</m:t>
+                            </m:r>
+                            <m:r>
+                              <a:rPr lang="fr-FR" i="1">
+                                <a:latin typeface="Cambria Math" panose="02040503050406030204" pitchFamily="18" charset="0"/>
+                              </a:rPr>
+                              <m:t>𝑐</m:t>
+                            </m:r>
+                            <m:func>
+                              <m:funcPr>
+                                <m:ctrlPr>
+                                  <a:rPr lang="fr-FR" i="1">
+                                    <a:latin typeface="Cambria Math" panose="02040503050406030204" pitchFamily="18" charset="0"/>
+                                  </a:rPr>
+                                </m:ctrlPr>
+                              </m:funcPr>
+                              <m:fName>
+                                <m:r>
+                                  <m:rPr>
+                                    <m:sty m:val="p"/>
+                                  </m:rPr>
+                                  <a:rPr lang="fr-FR">
+                                    <a:latin typeface="Cambria Math" panose="02040503050406030204" pitchFamily="18" charset="0"/>
+                                  </a:rPr>
+                                  <m:t>cos</m:t>
+                                </m:r>
+                              </m:fName>
+                              <m:e>
+                                <m:d>
+                                  <m:dPr>
+                                    <m:ctrlPr>
+                                      <a:rPr lang="fr-FR" i="1">
+                                        <a:latin typeface="Cambria Math" panose="02040503050406030204" pitchFamily="18" charset="0"/>
+                                      </a:rPr>
+                                    </m:ctrlPr>
+                                  </m:dPr>
+                                  <m:e>
+                                    <m:sSub>
+                                      <m:sSubPr>
+                                        <m:ctrlPr>
+                                          <a:rPr lang="fr-FR" i="1">
+                                            <a:latin typeface="Cambria Math" panose="02040503050406030204" pitchFamily="18" charset="0"/>
+                                          </a:rPr>
+                                        </m:ctrlPr>
+                                      </m:sSubPr>
+                                      <m:e>
+                                        <m:r>
+                                          <a:rPr lang="fr-FR" i="1">
+                                            <a:latin typeface="Cambria Math" panose="02040503050406030204" pitchFamily="18" charset="0"/>
+                                          </a:rPr>
+                                          <m:t>𝛽</m:t>
+                                        </m:r>
+                                      </m:e>
+                                      <m:sub>
+                                        <m:r>
+                                          <a:rPr lang="fr-FR" i="1">
+                                            <a:latin typeface="Cambria Math" panose="02040503050406030204" pitchFamily="18" charset="0"/>
+                                          </a:rPr>
+                                          <m:t>1</m:t>
+                                        </m:r>
+                                      </m:sub>
+                                    </m:sSub>
+                                    <m:r>
+                                      <a:rPr lang="fr-FR" i="1">
+                                        <a:latin typeface="Cambria Math" panose="02040503050406030204" pitchFamily="18" charset="0"/>
+                                      </a:rPr>
+                                      <m:t>+</m:t>
+                                    </m:r>
+                                    <m:sSub>
+                                      <m:sSubPr>
+                                        <m:ctrlPr>
+                                          <a:rPr lang="fr-FR" i="1">
+                                            <a:latin typeface="Cambria Math" panose="02040503050406030204" pitchFamily="18" charset="0"/>
+                                          </a:rPr>
+                                        </m:ctrlPr>
+                                      </m:sSubPr>
+                                      <m:e>
+                                        <m:r>
+                                          <a:rPr lang="fr-FR" i="1">
+                                            <a:latin typeface="Cambria Math" panose="02040503050406030204" pitchFamily="18" charset="0"/>
+                                          </a:rPr>
+                                          <m:t>𝛽</m:t>
+                                        </m:r>
+                                      </m:e>
+                                      <m:sub>
+                                        <m:r>
+                                          <a:rPr lang="fr-FR" i="1">
+                                            <a:latin typeface="Cambria Math" panose="02040503050406030204" pitchFamily="18" charset="0"/>
+                                          </a:rPr>
+                                          <m:t>4</m:t>
+                                        </m:r>
+                                      </m:sub>
+                                    </m:sSub>
+                                  </m:e>
+                                </m:d>
+                              </m:e>
+                            </m:func>
+                          </m:e>
+                          <m:e>
+                            <m:r>
+                              <a:rPr lang="fr-FR" i="1">
+                                <a:latin typeface="Cambria Math" panose="02040503050406030204" pitchFamily="18" charset="0"/>
+                              </a:rPr>
+                              <m:t>𝑏</m:t>
+                            </m:r>
+                            <m:func>
+                              <m:funcPr>
+                                <m:ctrlPr>
+                                  <a:rPr lang="fr-FR" i="1">
+                                    <a:latin typeface="Cambria Math" panose="02040503050406030204" pitchFamily="18" charset="0"/>
+                                  </a:rPr>
+                                </m:ctrlPr>
+                              </m:funcPr>
+                              <m:fName>
+                                <m:r>
+                                  <m:rPr>
+                                    <m:sty m:val="p"/>
+                                  </m:rPr>
+                                  <a:rPr lang="fr-FR">
+                                    <a:latin typeface="Cambria Math" panose="02040503050406030204" pitchFamily="18" charset="0"/>
+                                  </a:rPr>
+                                  <m:t>sin</m:t>
+                                </m:r>
+                              </m:fName>
+                              <m:e>
+                                <m:sSub>
+                                  <m:sSubPr>
+                                    <m:ctrlPr>
+                                      <a:rPr lang="fr-FR" i="1">
+                                        <a:latin typeface="Cambria Math" panose="02040503050406030204" pitchFamily="18" charset="0"/>
+                                      </a:rPr>
+                                    </m:ctrlPr>
+                                  </m:sSubPr>
+                                  <m:e>
+                                    <m:r>
+                                      <a:rPr lang="fr-FR" i="1">
+                                        <a:latin typeface="Cambria Math" panose="02040503050406030204" pitchFamily="18" charset="0"/>
+                                      </a:rPr>
+                                      <m:t>𝛼</m:t>
+                                    </m:r>
+                                  </m:e>
+                                  <m:sub>
+                                    <m:r>
+                                      <a:rPr lang="fr-FR" i="1">
+                                        <a:latin typeface="Cambria Math" panose="02040503050406030204" pitchFamily="18" charset="0"/>
+                                      </a:rPr>
+                                      <m:t>1</m:t>
+                                    </m:r>
+                                  </m:sub>
+                                </m:sSub>
+                              </m:e>
+                            </m:func>
+                            <m:r>
+                              <a:rPr lang="fr-FR" i="1">
+                                <a:latin typeface="Cambria Math" panose="02040503050406030204" pitchFamily="18" charset="0"/>
+                              </a:rPr>
+                              <m:t>+</m:t>
+                            </m:r>
+                            <m:r>
+                              <a:rPr lang="fr-FR" i="1">
+                                <a:latin typeface="Cambria Math" panose="02040503050406030204" pitchFamily="18" charset="0"/>
+                              </a:rPr>
+                              <m:t>𝑐</m:t>
+                            </m:r>
+                            <m:func>
+                              <m:funcPr>
+                                <m:ctrlPr>
+                                  <a:rPr lang="fr-FR" i="1">
+                                    <a:latin typeface="Cambria Math" panose="02040503050406030204" pitchFamily="18" charset="0"/>
+                                  </a:rPr>
+                                </m:ctrlPr>
+                              </m:funcPr>
+                              <m:fName>
+                                <m:r>
+                                  <m:rPr>
+                                    <m:sty m:val="p"/>
+                                  </m:rPr>
+                                  <a:rPr lang="fr-FR">
+                                    <a:latin typeface="Cambria Math" panose="02040503050406030204" pitchFamily="18" charset="0"/>
+                                  </a:rPr>
+                                  <m:t>sin</m:t>
+                                </m:r>
+                              </m:fName>
+                              <m:e>
+                                <m:d>
+                                  <m:dPr>
+                                    <m:ctrlPr>
+                                      <a:rPr lang="fr-FR" i="1">
+                                        <a:latin typeface="Cambria Math" panose="02040503050406030204" pitchFamily="18" charset="0"/>
+                                      </a:rPr>
+                                    </m:ctrlPr>
+                                  </m:dPr>
+                                  <m:e>
+                                    <m:sSub>
+                                      <m:sSubPr>
+                                        <m:ctrlPr>
+                                          <a:rPr lang="fr-FR" i="1">
+                                            <a:latin typeface="Cambria Math" panose="02040503050406030204" pitchFamily="18" charset="0"/>
+                                          </a:rPr>
+                                        </m:ctrlPr>
+                                      </m:sSubPr>
+                                      <m:e>
+                                        <m:r>
+                                          <a:rPr lang="fr-FR" i="1">
+                                            <a:latin typeface="Cambria Math" panose="02040503050406030204" pitchFamily="18" charset="0"/>
+                                          </a:rPr>
+                                          <m:t>𝛼</m:t>
+                                        </m:r>
+                                      </m:e>
+                                      <m:sub>
+                                        <m:r>
+                                          <a:rPr lang="fr-FR" i="1">
+                                            <a:latin typeface="Cambria Math" panose="02040503050406030204" pitchFamily="18" charset="0"/>
+                                          </a:rPr>
+                                          <m:t>1</m:t>
+                                        </m:r>
+                                      </m:sub>
+                                    </m:sSub>
+                                    <m:r>
+                                      <a:rPr lang="fr-FR" i="1">
+                                        <a:latin typeface="Cambria Math" panose="02040503050406030204" pitchFamily="18" charset="0"/>
+                                      </a:rPr>
+                                      <m:t>+</m:t>
+                                    </m:r>
+                                    <m:sSub>
+                                      <m:sSubPr>
+                                        <m:ctrlPr>
+                                          <a:rPr lang="fr-FR" i="1">
+                                            <a:latin typeface="Cambria Math" panose="02040503050406030204" pitchFamily="18" charset="0"/>
+                                          </a:rPr>
+                                        </m:ctrlPr>
+                                      </m:sSubPr>
+                                      <m:e>
+                                        <m:r>
+                                          <a:rPr lang="fr-FR" i="1">
+                                            <a:latin typeface="Cambria Math" panose="02040503050406030204" pitchFamily="18" charset="0"/>
+                                          </a:rPr>
+                                          <m:t>𝛼</m:t>
+                                        </m:r>
+                                      </m:e>
+                                      <m:sub>
+                                        <m:r>
+                                          <a:rPr lang="fr-FR" i="1">
+                                            <a:latin typeface="Cambria Math" panose="02040503050406030204" pitchFamily="18" charset="0"/>
+                                          </a:rPr>
+                                          <m:t>4</m:t>
+                                        </m:r>
+                                      </m:sub>
+                                    </m:sSub>
+                                  </m:e>
+                                </m:d>
+                              </m:e>
+                            </m:func>
+                            <m:r>
+                              <a:rPr lang="fr-FR">
+                                <a:latin typeface="Cambria Math" panose="02040503050406030204" pitchFamily="18" charset="0"/>
+                              </a:rPr>
+                              <m:t>=</m:t>
+                            </m:r>
+                            <m:r>
+                              <a:rPr lang="fr-FR" i="1">
+                                <a:latin typeface="Cambria Math" panose="02040503050406030204" pitchFamily="18" charset="0"/>
+                              </a:rPr>
+                              <m:t>𝑏</m:t>
+                            </m:r>
+                            <m:func>
+                              <m:funcPr>
+                                <m:ctrlPr>
+                                  <a:rPr lang="fr-FR" i="1">
+                                    <a:latin typeface="Cambria Math" panose="02040503050406030204" pitchFamily="18" charset="0"/>
+                                  </a:rPr>
+                                </m:ctrlPr>
+                              </m:funcPr>
+                              <m:fName>
+                                <m:r>
+                                  <m:rPr>
+                                    <m:sty m:val="p"/>
+                                  </m:rPr>
+                                  <a:rPr lang="fr-FR">
+                                    <a:latin typeface="Cambria Math" panose="02040503050406030204" pitchFamily="18" charset="0"/>
+                                  </a:rPr>
+                                  <m:t>sin</m:t>
+                                </m:r>
+                              </m:fName>
+                              <m:e>
+                                <m:sSub>
+                                  <m:sSubPr>
+                                    <m:ctrlPr>
+                                      <a:rPr lang="fr-FR" i="1">
+                                        <a:latin typeface="Cambria Math" panose="02040503050406030204" pitchFamily="18" charset="0"/>
+                                      </a:rPr>
+                                    </m:ctrlPr>
+                                  </m:sSubPr>
+                                  <m:e>
+                                    <m:r>
+                                      <a:rPr lang="fr-FR" i="1">
+                                        <a:latin typeface="Cambria Math" panose="02040503050406030204" pitchFamily="18" charset="0"/>
+                                      </a:rPr>
+                                      <m:t>𝛽</m:t>
+                                    </m:r>
+                                  </m:e>
+                                  <m:sub>
+                                    <m:r>
+                                      <a:rPr lang="fr-FR" i="1">
+                                        <a:latin typeface="Cambria Math" panose="02040503050406030204" pitchFamily="18" charset="0"/>
+                                      </a:rPr>
+                                      <m:t>1</m:t>
+                                    </m:r>
+                                  </m:sub>
+                                </m:sSub>
+                              </m:e>
+                            </m:func>
+                            <m:r>
+                              <a:rPr lang="fr-FR" i="1">
+                                <a:latin typeface="Cambria Math" panose="02040503050406030204" pitchFamily="18" charset="0"/>
+                              </a:rPr>
+                              <m:t>+</m:t>
+                            </m:r>
+                            <m:r>
+                              <a:rPr lang="fr-FR" i="1">
+                                <a:latin typeface="Cambria Math" panose="02040503050406030204" pitchFamily="18" charset="0"/>
+                              </a:rPr>
+                              <m:t>𝑐</m:t>
+                            </m:r>
+                            <m:func>
+                              <m:funcPr>
+                                <m:ctrlPr>
+                                  <a:rPr lang="fr-FR" i="1">
+                                    <a:latin typeface="Cambria Math" panose="02040503050406030204" pitchFamily="18" charset="0"/>
+                                  </a:rPr>
+                                </m:ctrlPr>
+                              </m:funcPr>
+                              <m:fName>
+                                <m:r>
+                                  <m:rPr>
+                                    <m:sty m:val="p"/>
+                                  </m:rPr>
+                                  <a:rPr lang="fr-FR">
+                                    <a:latin typeface="Cambria Math" panose="02040503050406030204" pitchFamily="18" charset="0"/>
+                                  </a:rPr>
+                                  <m:t>sin</m:t>
+                                </m:r>
+                              </m:fName>
+                              <m:e>
+                                <m:d>
+                                  <m:dPr>
+                                    <m:ctrlPr>
+                                      <a:rPr lang="fr-FR" i="1">
+                                        <a:latin typeface="Cambria Math" panose="02040503050406030204" pitchFamily="18" charset="0"/>
+                                      </a:rPr>
+                                    </m:ctrlPr>
+                                  </m:dPr>
+                                  <m:e>
+                                    <m:sSub>
+                                      <m:sSubPr>
+                                        <m:ctrlPr>
+                                          <a:rPr lang="fr-FR" i="1">
+                                            <a:latin typeface="Cambria Math" panose="02040503050406030204" pitchFamily="18" charset="0"/>
+                                          </a:rPr>
+                                        </m:ctrlPr>
+                                      </m:sSubPr>
+                                      <m:e>
+                                        <m:r>
+                                          <a:rPr lang="fr-FR" i="1">
+                                            <a:latin typeface="Cambria Math" panose="02040503050406030204" pitchFamily="18" charset="0"/>
+                                          </a:rPr>
+                                          <m:t>𝛽</m:t>
+                                        </m:r>
+                                      </m:e>
+                                      <m:sub>
+                                        <m:r>
+                                          <a:rPr lang="fr-FR" i="1">
+                                            <a:latin typeface="Cambria Math" panose="02040503050406030204" pitchFamily="18" charset="0"/>
+                                          </a:rPr>
+                                          <m:t>1</m:t>
+                                        </m:r>
+                                      </m:sub>
+                                    </m:sSub>
+                                    <m:r>
+                                      <a:rPr lang="fr-FR" i="1">
+                                        <a:latin typeface="Cambria Math" panose="02040503050406030204" pitchFamily="18" charset="0"/>
+                                      </a:rPr>
+                                      <m:t>+</m:t>
+                                    </m:r>
+                                    <m:sSub>
+                                      <m:sSubPr>
+                                        <m:ctrlPr>
+                                          <a:rPr lang="fr-FR" i="1">
+                                            <a:latin typeface="Cambria Math" panose="02040503050406030204" pitchFamily="18" charset="0"/>
+                                          </a:rPr>
+                                        </m:ctrlPr>
+                                      </m:sSubPr>
+                                      <m:e>
+                                        <m:r>
+                                          <a:rPr lang="fr-FR" i="1">
+                                            <a:latin typeface="Cambria Math" panose="02040503050406030204" pitchFamily="18" charset="0"/>
+                                          </a:rPr>
+                                          <m:t>𝛽</m:t>
+                                        </m:r>
+                                      </m:e>
+                                      <m:sub>
+                                        <m:r>
+                                          <a:rPr lang="fr-FR" i="1">
+                                            <a:latin typeface="Cambria Math" panose="02040503050406030204" pitchFamily="18" charset="0"/>
+                                          </a:rPr>
+                                          <m:t>4</m:t>
+                                        </m:r>
+                                      </m:sub>
+                                    </m:sSub>
+                                  </m:e>
+                                </m:d>
+                              </m:e>
+                            </m:func>
+                          </m:e>
+                        </m:eqArr>
+                      </m:e>
+                    </m:d>
+                  </m:oMath>
+                </a14:m>
+                <a:endParaRPr lang="fr-FR" dirty="0"/>
+              </a:p>
+              <a:p>
+                <a14:m>
+                  <m:oMath xmlns:m="http://schemas.openxmlformats.org/officeDocument/2006/math">
+                    <m:d>
+                      <m:dPr>
+                        <m:begChr m:val="{"/>
+                        <m:endChr m:val=""/>
+                        <m:ctrlPr>
+                          <a:rPr lang="fr-FR" i="1" smtClean="0">
+                            <a:latin typeface="Cambria Math" panose="02040503050406030204" pitchFamily="18" charset="0"/>
+                          </a:rPr>
+                        </m:ctrlPr>
+                      </m:dPr>
+                      <m:e>
+                        <m:eqArr>
+                          <m:eqArrPr>
+                            <m:ctrlPr>
+                              <a:rPr lang="fr-FR" i="1" smtClean="0">
+                                <a:latin typeface="Cambria Math" panose="02040503050406030204" pitchFamily="18" charset="0"/>
+                              </a:rPr>
+                            </m:ctrlPr>
+                          </m:eqArrPr>
+                          <m:e>
+                            <m:func>
+                              <m:funcPr>
+                                <m:ctrlPr>
+                                  <a:rPr lang="fr-FR" i="1">
+                                    <a:latin typeface="Cambria Math" panose="02040503050406030204" pitchFamily="18" charset="0"/>
+                                  </a:rPr>
+                                </m:ctrlPr>
+                              </m:funcPr>
+                              <m:fName>
+                                <m:r>
+                                  <m:rPr>
+                                    <m:sty m:val="p"/>
+                                  </m:rPr>
+                                  <a:rPr lang="fr-FR">
+                                    <a:latin typeface="Cambria Math" panose="02040503050406030204" pitchFamily="18" charset="0"/>
+                                  </a:rPr>
+                                  <m:t>cos</m:t>
+                                </m:r>
+                              </m:fName>
+                              <m:e>
+                                <m:d>
+                                  <m:dPr>
+                                    <m:ctrlPr>
+                                      <a:rPr lang="fr-FR" i="1">
+                                        <a:latin typeface="Cambria Math" panose="02040503050406030204" pitchFamily="18" charset="0"/>
+                                      </a:rPr>
+                                    </m:ctrlPr>
+                                  </m:dPr>
+                                  <m:e>
+                                    <m:sSub>
+                                      <m:sSubPr>
+                                        <m:ctrlPr>
+                                          <a:rPr lang="fr-FR" i="1">
+                                            <a:latin typeface="Cambria Math" panose="02040503050406030204" pitchFamily="18" charset="0"/>
+                                          </a:rPr>
+                                        </m:ctrlPr>
+                                      </m:sSubPr>
+                                      <m:e>
+                                        <m:r>
+                                          <a:rPr lang="fr-FR" i="1">
+                                            <a:latin typeface="Cambria Math" panose="02040503050406030204" pitchFamily="18" charset="0"/>
+                                          </a:rPr>
+                                          <m:t>𝛼</m:t>
+                                        </m:r>
+                                      </m:e>
+                                      <m:sub>
+                                        <m:r>
+                                          <a:rPr lang="fr-FR" i="1">
+                                            <a:latin typeface="Cambria Math" panose="02040503050406030204" pitchFamily="18" charset="0"/>
+                                          </a:rPr>
+                                          <m:t>1</m:t>
+                                        </m:r>
+                                      </m:sub>
+                                    </m:sSub>
+                                    <m:r>
+                                      <a:rPr lang="fr-FR" i="1">
+                                        <a:latin typeface="Cambria Math" panose="02040503050406030204" pitchFamily="18" charset="0"/>
+                                      </a:rPr>
+                                      <m:t>+</m:t>
+                                    </m:r>
+                                    <m:sSub>
+                                      <m:sSubPr>
+                                        <m:ctrlPr>
+                                          <a:rPr lang="fr-FR" i="1">
+                                            <a:latin typeface="Cambria Math" panose="02040503050406030204" pitchFamily="18" charset="0"/>
+                                          </a:rPr>
+                                        </m:ctrlPr>
+                                      </m:sSubPr>
+                                      <m:e>
+                                        <m:r>
+                                          <a:rPr lang="fr-FR" i="1">
+                                            <a:latin typeface="Cambria Math" panose="02040503050406030204" pitchFamily="18" charset="0"/>
+                                          </a:rPr>
+                                          <m:t>𝛼</m:t>
+                                        </m:r>
+                                      </m:e>
+                                      <m:sub>
+                                        <m:r>
+                                          <a:rPr lang="fr-FR" i="1">
+                                            <a:latin typeface="Cambria Math" panose="02040503050406030204" pitchFamily="18" charset="0"/>
+                                          </a:rPr>
+                                          <m:t>4</m:t>
+                                        </m:r>
+                                      </m:sub>
+                                    </m:sSub>
+                                  </m:e>
+                                </m:d>
+                              </m:e>
+                            </m:func>
+                            <m:r>
+                              <a:rPr lang="fr-FR" i="1">
+                                <a:latin typeface="Cambria Math" panose="02040503050406030204" pitchFamily="18" charset="0"/>
+                              </a:rPr>
+                              <m:t>=</m:t>
+                            </m:r>
+                            <m:f>
+                              <m:fPr>
+                                <m:ctrlPr>
+                                  <a:rPr lang="fr-FR" i="1" smtClean="0">
+                                    <a:latin typeface="Cambria Math" panose="02040503050406030204" pitchFamily="18" charset="0"/>
+                                  </a:rPr>
+                                </m:ctrlPr>
+                              </m:fPr>
+                              <m:num>
+                                <m:r>
+                                  <a:rPr lang="fr-FR" i="1">
+                                    <a:latin typeface="Cambria Math" panose="02040503050406030204" pitchFamily="18" charset="0"/>
+                                  </a:rPr>
+                                  <m:t>−2</m:t>
+                                </m:r>
+                                <m:r>
+                                  <a:rPr lang="fr-FR" i="1">
+                                    <a:latin typeface="Cambria Math" panose="02040503050406030204" pitchFamily="18" charset="0"/>
+                                  </a:rPr>
+                                  <m:t>𝑎</m:t>
+                                </m:r>
+                                <m:r>
+                                  <a:rPr lang="fr-FR" i="1">
+                                    <a:latin typeface="Cambria Math" panose="02040503050406030204" pitchFamily="18" charset="0"/>
+                                  </a:rPr>
+                                  <m:t>+</m:t>
+                                </m:r>
+                                <m:r>
+                                  <a:rPr lang="fr-FR" i="1">
+                                    <a:latin typeface="Cambria Math" panose="02040503050406030204" pitchFamily="18" charset="0"/>
+                                  </a:rPr>
+                                  <m:t>𝑏</m:t>
+                                </m:r>
+                                <m:d>
+                                  <m:dPr>
+                                    <m:ctrlPr>
+                                      <a:rPr lang="fr-FR" i="1">
+                                        <a:latin typeface="Cambria Math" panose="02040503050406030204" pitchFamily="18" charset="0"/>
+                                      </a:rPr>
+                                    </m:ctrlPr>
+                                  </m:dPr>
+                                  <m:e>
+                                    <m:func>
+                                      <m:funcPr>
+                                        <m:ctrlPr>
+                                          <a:rPr lang="fr-FR" i="1">
+                                            <a:latin typeface="Cambria Math" panose="02040503050406030204" pitchFamily="18" charset="0"/>
+                                          </a:rPr>
+                                        </m:ctrlPr>
+                                      </m:funcPr>
+                                      <m:fName>
+                                        <m:r>
+                                          <m:rPr>
+                                            <m:sty m:val="p"/>
+                                          </m:rPr>
+                                          <a:rPr lang="fr-FR">
+                                            <a:latin typeface="Cambria Math" panose="02040503050406030204" pitchFamily="18" charset="0"/>
+                                          </a:rPr>
+                                          <m:t>cos</m:t>
+                                        </m:r>
+                                      </m:fName>
+                                      <m:e>
+                                        <m:sSub>
+                                          <m:sSubPr>
+                                            <m:ctrlPr>
+                                              <a:rPr lang="fr-FR" i="1">
+                                                <a:latin typeface="Cambria Math" panose="02040503050406030204" pitchFamily="18" charset="0"/>
+                                              </a:rPr>
+                                            </m:ctrlPr>
+                                          </m:sSubPr>
+                                          <m:e>
+                                            <m:r>
+                                              <a:rPr lang="fr-FR" i="1">
+                                                <a:latin typeface="Cambria Math" panose="02040503050406030204" pitchFamily="18" charset="0"/>
+                                              </a:rPr>
+                                              <m:t>𝛽</m:t>
+                                            </m:r>
+                                          </m:e>
+                                          <m:sub>
+                                            <m:r>
+                                              <a:rPr lang="fr-FR" i="1">
+                                                <a:latin typeface="Cambria Math" panose="02040503050406030204" pitchFamily="18" charset="0"/>
+                                              </a:rPr>
+                                              <m:t>1</m:t>
+                                            </m:r>
+                                          </m:sub>
+                                        </m:sSub>
+                                      </m:e>
+                                    </m:func>
+                                    <m:r>
+                                      <a:rPr lang="fr-FR" i="1">
+                                        <a:latin typeface="Cambria Math" panose="02040503050406030204" pitchFamily="18" charset="0"/>
+                                      </a:rPr>
+                                      <m:t>−</m:t>
+                                    </m:r>
+                                    <m:func>
+                                      <m:funcPr>
+                                        <m:ctrlPr>
+                                          <a:rPr lang="fr-FR" i="1">
+                                            <a:latin typeface="Cambria Math" panose="02040503050406030204" pitchFamily="18" charset="0"/>
+                                          </a:rPr>
+                                        </m:ctrlPr>
+                                      </m:funcPr>
+                                      <m:fName>
+                                        <m:r>
+                                          <m:rPr>
+                                            <m:sty m:val="p"/>
+                                          </m:rPr>
+                                          <a:rPr lang="fr-FR">
+                                            <a:latin typeface="Cambria Math" panose="02040503050406030204" pitchFamily="18" charset="0"/>
+                                          </a:rPr>
+                                          <m:t>cos</m:t>
+                                        </m:r>
+                                      </m:fName>
+                                      <m:e>
+                                        <m:sSub>
+                                          <m:sSubPr>
+                                            <m:ctrlPr>
+                                              <a:rPr lang="fr-FR" i="1">
+                                                <a:latin typeface="Cambria Math" panose="02040503050406030204" pitchFamily="18" charset="0"/>
+                                              </a:rPr>
+                                            </m:ctrlPr>
+                                          </m:sSubPr>
+                                          <m:e>
+                                            <m:r>
+                                              <a:rPr lang="fr-FR" i="1">
+                                                <a:latin typeface="Cambria Math" panose="02040503050406030204" pitchFamily="18" charset="0"/>
+                                              </a:rPr>
+                                              <m:t>𝛼</m:t>
+                                            </m:r>
+                                          </m:e>
+                                          <m:sub>
+                                            <m:r>
+                                              <a:rPr lang="fr-FR" i="1">
+                                                <a:latin typeface="Cambria Math" panose="02040503050406030204" pitchFamily="18" charset="0"/>
+                                              </a:rPr>
+                                              <m:t>1</m:t>
+                                            </m:r>
+                                          </m:sub>
+                                        </m:sSub>
+                                      </m:e>
+                                    </m:func>
+                                  </m:e>
+                                </m:d>
+                                <m:r>
+                                  <a:rPr lang="fr-FR" i="1">
+                                    <a:latin typeface="Cambria Math" panose="02040503050406030204" pitchFamily="18" charset="0"/>
+                                  </a:rPr>
+                                  <m:t>+</m:t>
+                                </m:r>
+                                <m:r>
+                                  <a:rPr lang="fr-FR" i="1">
+                                    <a:latin typeface="Cambria Math" panose="02040503050406030204" pitchFamily="18" charset="0"/>
+                                  </a:rPr>
+                                  <m:t>𝑐</m:t>
+                                </m:r>
+                                <m:func>
+                                  <m:funcPr>
+                                    <m:ctrlPr>
+                                      <a:rPr lang="fr-FR" i="1">
+                                        <a:latin typeface="Cambria Math" panose="02040503050406030204" pitchFamily="18" charset="0"/>
+                                      </a:rPr>
+                                    </m:ctrlPr>
+                                  </m:funcPr>
+                                  <m:fName>
+                                    <m:r>
+                                      <m:rPr>
+                                        <m:sty m:val="p"/>
+                                      </m:rPr>
+                                      <a:rPr lang="fr-FR">
+                                        <a:latin typeface="Cambria Math" panose="02040503050406030204" pitchFamily="18" charset="0"/>
+                                      </a:rPr>
+                                      <m:t>cos</m:t>
+                                    </m:r>
+                                  </m:fName>
+                                  <m:e>
+                                    <m:d>
+                                      <m:dPr>
+                                        <m:ctrlPr>
+                                          <a:rPr lang="fr-FR" i="1">
+                                            <a:latin typeface="Cambria Math" panose="02040503050406030204" pitchFamily="18" charset="0"/>
+                                          </a:rPr>
+                                        </m:ctrlPr>
+                                      </m:dPr>
+                                      <m:e>
+                                        <m:sSub>
+                                          <m:sSubPr>
+                                            <m:ctrlPr>
+                                              <a:rPr lang="fr-FR" i="1">
+                                                <a:latin typeface="Cambria Math" panose="02040503050406030204" pitchFamily="18" charset="0"/>
+                                              </a:rPr>
+                                            </m:ctrlPr>
+                                          </m:sSubPr>
+                                          <m:e>
+                                            <m:r>
+                                              <a:rPr lang="fr-FR" i="1">
+                                                <a:latin typeface="Cambria Math" panose="02040503050406030204" pitchFamily="18" charset="0"/>
+                                              </a:rPr>
+                                              <m:t>𝛽</m:t>
+                                            </m:r>
+                                          </m:e>
+                                          <m:sub>
+                                            <m:r>
+                                              <a:rPr lang="fr-FR" i="1">
+                                                <a:latin typeface="Cambria Math" panose="02040503050406030204" pitchFamily="18" charset="0"/>
+                                              </a:rPr>
+                                              <m:t>1</m:t>
+                                            </m:r>
+                                          </m:sub>
+                                        </m:sSub>
+                                        <m:r>
+                                          <a:rPr lang="fr-FR" i="1">
+                                            <a:latin typeface="Cambria Math" panose="02040503050406030204" pitchFamily="18" charset="0"/>
+                                          </a:rPr>
+                                          <m:t>+</m:t>
+                                        </m:r>
+                                        <m:sSub>
+                                          <m:sSubPr>
+                                            <m:ctrlPr>
+                                              <a:rPr lang="fr-FR" i="1">
+                                                <a:latin typeface="Cambria Math" panose="02040503050406030204" pitchFamily="18" charset="0"/>
+                                              </a:rPr>
+                                            </m:ctrlPr>
+                                          </m:sSubPr>
+                                          <m:e>
+                                            <m:r>
+                                              <a:rPr lang="fr-FR" i="1">
+                                                <a:latin typeface="Cambria Math" panose="02040503050406030204" pitchFamily="18" charset="0"/>
+                                              </a:rPr>
+                                              <m:t>𝛽</m:t>
+                                            </m:r>
+                                          </m:e>
+                                          <m:sub>
+                                            <m:r>
+                                              <a:rPr lang="fr-FR" i="1">
+                                                <a:latin typeface="Cambria Math" panose="02040503050406030204" pitchFamily="18" charset="0"/>
+                                              </a:rPr>
+                                              <m:t>4</m:t>
+                                            </m:r>
+                                          </m:sub>
+                                        </m:sSub>
+                                      </m:e>
+                                    </m:d>
+                                  </m:e>
+                                </m:func>
+                              </m:num>
+                              <m:den>
+                                <m:r>
+                                  <a:rPr lang="fr-FR" b="0" i="1" smtClean="0">
+                                    <a:latin typeface="Cambria Math" panose="02040503050406030204" pitchFamily="18" charset="0"/>
+                                  </a:rPr>
+                                  <m:t>𝑐</m:t>
+                                </m:r>
+                              </m:den>
+                            </m:f>
+                          </m:e>
+                          <m:e>
+                            <m:r>
+                              <a:rPr lang="fr-FR" i="1">
+                                <a:latin typeface="Cambria Math" panose="02040503050406030204" pitchFamily="18" charset="0"/>
+                              </a:rPr>
+                              <m:t>𝑏</m:t>
+                            </m:r>
+                            <m:func>
+                              <m:funcPr>
+                                <m:ctrlPr>
+                                  <a:rPr lang="fr-FR" i="1">
+                                    <a:latin typeface="Cambria Math" panose="02040503050406030204" pitchFamily="18" charset="0"/>
+                                  </a:rPr>
+                                </m:ctrlPr>
+                              </m:funcPr>
+                              <m:fName>
+                                <m:r>
+                                  <m:rPr>
+                                    <m:sty m:val="p"/>
+                                  </m:rPr>
+                                  <a:rPr lang="fr-FR">
+                                    <a:latin typeface="Cambria Math" panose="02040503050406030204" pitchFamily="18" charset="0"/>
+                                  </a:rPr>
+                                  <m:t>sin</m:t>
+                                </m:r>
+                              </m:fName>
+                              <m:e>
+                                <m:sSub>
+                                  <m:sSubPr>
+                                    <m:ctrlPr>
+                                      <a:rPr lang="fr-FR" i="1">
+                                        <a:latin typeface="Cambria Math" panose="02040503050406030204" pitchFamily="18" charset="0"/>
+                                      </a:rPr>
+                                    </m:ctrlPr>
+                                  </m:sSubPr>
+                                  <m:e>
+                                    <m:r>
+                                      <a:rPr lang="fr-FR" i="1">
+                                        <a:latin typeface="Cambria Math" panose="02040503050406030204" pitchFamily="18" charset="0"/>
+                                      </a:rPr>
+                                      <m:t>𝛼</m:t>
+                                    </m:r>
+                                  </m:e>
+                                  <m:sub>
+                                    <m:r>
+                                      <a:rPr lang="fr-FR" i="1">
+                                        <a:latin typeface="Cambria Math" panose="02040503050406030204" pitchFamily="18" charset="0"/>
+                                      </a:rPr>
+                                      <m:t>1</m:t>
+                                    </m:r>
+                                  </m:sub>
+                                </m:sSub>
+                              </m:e>
+                            </m:func>
+                            <m:r>
+                              <a:rPr lang="fr-FR" i="1">
+                                <a:latin typeface="Cambria Math" panose="02040503050406030204" pitchFamily="18" charset="0"/>
+                              </a:rPr>
+                              <m:t>+</m:t>
+                            </m:r>
+                            <m:r>
+                              <a:rPr lang="fr-FR" i="1">
+                                <a:latin typeface="Cambria Math" panose="02040503050406030204" pitchFamily="18" charset="0"/>
+                              </a:rPr>
+                              <m:t>𝑐</m:t>
+                            </m:r>
+                            <m:func>
+                              <m:funcPr>
+                                <m:ctrlPr>
+                                  <a:rPr lang="fr-FR" i="1">
+                                    <a:latin typeface="Cambria Math" panose="02040503050406030204" pitchFamily="18" charset="0"/>
+                                  </a:rPr>
+                                </m:ctrlPr>
+                              </m:funcPr>
+                              <m:fName>
+                                <m:r>
+                                  <m:rPr>
+                                    <m:sty m:val="p"/>
+                                  </m:rPr>
+                                  <a:rPr lang="fr-FR">
+                                    <a:latin typeface="Cambria Math" panose="02040503050406030204" pitchFamily="18" charset="0"/>
+                                  </a:rPr>
+                                  <m:t>sin</m:t>
+                                </m:r>
+                              </m:fName>
+                              <m:e>
+                                <m:d>
+                                  <m:dPr>
+                                    <m:ctrlPr>
+                                      <a:rPr lang="fr-FR" i="1">
+                                        <a:latin typeface="Cambria Math" panose="02040503050406030204" pitchFamily="18" charset="0"/>
+                                      </a:rPr>
+                                    </m:ctrlPr>
+                                  </m:dPr>
+                                  <m:e>
+                                    <m:sSub>
+                                      <m:sSubPr>
+                                        <m:ctrlPr>
+                                          <a:rPr lang="fr-FR" i="1">
+                                            <a:latin typeface="Cambria Math" panose="02040503050406030204" pitchFamily="18" charset="0"/>
+                                          </a:rPr>
+                                        </m:ctrlPr>
+                                      </m:sSubPr>
+                                      <m:e>
+                                        <m:r>
+                                          <a:rPr lang="fr-FR" i="1">
+                                            <a:latin typeface="Cambria Math" panose="02040503050406030204" pitchFamily="18" charset="0"/>
+                                          </a:rPr>
+                                          <m:t>𝛼</m:t>
+                                        </m:r>
+                                      </m:e>
+                                      <m:sub>
+                                        <m:r>
+                                          <a:rPr lang="fr-FR" i="1">
+                                            <a:latin typeface="Cambria Math" panose="02040503050406030204" pitchFamily="18" charset="0"/>
+                                          </a:rPr>
+                                          <m:t>1</m:t>
+                                        </m:r>
+                                      </m:sub>
+                                    </m:sSub>
+                                    <m:r>
+                                      <a:rPr lang="fr-FR" i="1">
+                                        <a:latin typeface="Cambria Math" panose="02040503050406030204" pitchFamily="18" charset="0"/>
+                                      </a:rPr>
+                                      <m:t>+</m:t>
+                                    </m:r>
+                                    <m:sSub>
+                                      <m:sSubPr>
+                                        <m:ctrlPr>
+                                          <a:rPr lang="fr-FR" i="1">
+                                            <a:latin typeface="Cambria Math" panose="02040503050406030204" pitchFamily="18" charset="0"/>
+                                          </a:rPr>
+                                        </m:ctrlPr>
+                                      </m:sSubPr>
+                                      <m:e>
+                                        <m:r>
+                                          <a:rPr lang="fr-FR" i="1">
+                                            <a:latin typeface="Cambria Math" panose="02040503050406030204" pitchFamily="18" charset="0"/>
+                                          </a:rPr>
+                                          <m:t>𝛼</m:t>
+                                        </m:r>
+                                      </m:e>
+                                      <m:sub>
+                                        <m:r>
+                                          <a:rPr lang="fr-FR" i="1">
+                                            <a:latin typeface="Cambria Math" panose="02040503050406030204" pitchFamily="18" charset="0"/>
+                                          </a:rPr>
+                                          <m:t>4</m:t>
+                                        </m:r>
+                                      </m:sub>
+                                    </m:sSub>
+                                  </m:e>
+                                </m:d>
+                              </m:e>
+                            </m:func>
+                            <m:r>
+                              <a:rPr lang="fr-FR">
+                                <a:latin typeface="Cambria Math" panose="02040503050406030204" pitchFamily="18" charset="0"/>
+                              </a:rPr>
+                              <m:t>=</m:t>
+                            </m:r>
+                            <m:r>
+                              <a:rPr lang="fr-FR" i="1">
+                                <a:latin typeface="Cambria Math" panose="02040503050406030204" pitchFamily="18" charset="0"/>
+                              </a:rPr>
+                              <m:t>𝑏</m:t>
+                            </m:r>
+                            <m:func>
+                              <m:funcPr>
+                                <m:ctrlPr>
+                                  <a:rPr lang="fr-FR" i="1">
+                                    <a:latin typeface="Cambria Math" panose="02040503050406030204" pitchFamily="18" charset="0"/>
+                                  </a:rPr>
+                                </m:ctrlPr>
+                              </m:funcPr>
+                              <m:fName>
+                                <m:r>
+                                  <m:rPr>
+                                    <m:sty m:val="p"/>
+                                  </m:rPr>
+                                  <a:rPr lang="fr-FR">
+                                    <a:latin typeface="Cambria Math" panose="02040503050406030204" pitchFamily="18" charset="0"/>
+                                  </a:rPr>
+                                  <m:t>sin</m:t>
+                                </m:r>
+                              </m:fName>
+                              <m:e>
+                                <m:sSub>
+                                  <m:sSubPr>
+                                    <m:ctrlPr>
+                                      <a:rPr lang="fr-FR" i="1">
+                                        <a:latin typeface="Cambria Math" panose="02040503050406030204" pitchFamily="18" charset="0"/>
+                                      </a:rPr>
+                                    </m:ctrlPr>
+                                  </m:sSubPr>
+                                  <m:e>
+                                    <m:r>
+                                      <a:rPr lang="fr-FR" i="1">
+                                        <a:latin typeface="Cambria Math" panose="02040503050406030204" pitchFamily="18" charset="0"/>
+                                      </a:rPr>
+                                      <m:t>𝛽</m:t>
+                                    </m:r>
+                                  </m:e>
+                                  <m:sub>
+                                    <m:r>
+                                      <a:rPr lang="fr-FR" i="1">
+                                        <a:latin typeface="Cambria Math" panose="02040503050406030204" pitchFamily="18" charset="0"/>
+                                      </a:rPr>
+                                      <m:t>1</m:t>
+                                    </m:r>
+                                  </m:sub>
+                                </m:sSub>
+                              </m:e>
+                            </m:func>
+                            <m:r>
+                              <a:rPr lang="fr-FR" i="1">
+                                <a:latin typeface="Cambria Math" panose="02040503050406030204" pitchFamily="18" charset="0"/>
+                              </a:rPr>
+                              <m:t>+</m:t>
+                            </m:r>
+                            <m:r>
+                              <a:rPr lang="fr-FR" i="1">
+                                <a:latin typeface="Cambria Math" panose="02040503050406030204" pitchFamily="18" charset="0"/>
+                              </a:rPr>
+                              <m:t>𝑐</m:t>
+                            </m:r>
+                            <m:func>
+                              <m:funcPr>
+                                <m:ctrlPr>
+                                  <a:rPr lang="fr-FR" i="1">
+                                    <a:latin typeface="Cambria Math" panose="02040503050406030204" pitchFamily="18" charset="0"/>
+                                  </a:rPr>
+                                </m:ctrlPr>
+                              </m:funcPr>
+                              <m:fName>
+                                <m:r>
+                                  <m:rPr>
+                                    <m:sty m:val="p"/>
+                                  </m:rPr>
+                                  <a:rPr lang="fr-FR">
+                                    <a:latin typeface="Cambria Math" panose="02040503050406030204" pitchFamily="18" charset="0"/>
+                                  </a:rPr>
+                                  <m:t>sin</m:t>
+                                </m:r>
+                              </m:fName>
+                              <m:e>
+                                <m:d>
+                                  <m:dPr>
+                                    <m:ctrlPr>
+                                      <a:rPr lang="fr-FR" i="1">
+                                        <a:latin typeface="Cambria Math" panose="02040503050406030204" pitchFamily="18" charset="0"/>
+                                      </a:rPr>
+                                    </m:ctrlPr>
+                                  </m:dPr>
+                                  <m:e>
+                                    <m:sSub>
+                                      <m:sSubPr>
+                                        <m:ctrlPr>
+                                          <a:rPr lang="fr-FR" i="1">
+                                            <a:latin typeface="Cambria Math" panose="02040503050406030204" pitchFamily="18" charset="0"/>
+                                          </a:rPr>
+                                        </m:ctrlPr>
+                                      </m:sSubPr>
+                                      <m:e>
+                                        <m:r>
+                                          <a:rPr lang="fr-FR" i="1">
+                                            <a:latin typeface="Cambria Math" panose="02040503050406030204" pitchFamily="18" charset="0"/>
+                                          </a:rPr>
+                                          <m:t>𝛽</m:t>
+                                        </m:r>
+                                      </m:e>
+                                      <m:sub>
+                                        <m:r>
+                                          <a:rPr lang="fr-FR" i="1">
+                                            <a:latin typeface="Cambria Math" panose="02040503050406030204" pitchFamily="18" charset="0"/>
+                                          </a:rPr>
+                                          <m:t>1</m:t>
+                                        </m:r>
+                                      </m:sub>
+                                    </m:sSub>
+                                    <m:r>
+                                      <a:rPr lang="fr-FR" i="1">
+                                        <a:latin typeface="Cambria Math" panose="02040503050406030204" pitchFamily="18" charset="0"/>
+                                      </a:rPr>
+                                      <m:t>+</m:t>
+                                    </m:r>
+                                    <m:sSub>
+                                      <m:sSubPr>
+                                        <m:ctrlPr>
+                                          <a:rPr lang="fr-FR" i="1">
+                                            <a:latin typeface="Cambria Math" panose="02040503050406030204" pitchFamily="18" charset="0"/>
+                                          </a:rPr>
+                                        </m:ctrlPr>
+                                      </m:sSubPr>
+                                      <m:e>
+                                        <m:r>
+                                          <a:rPr lang="fr-FR" i="1">
+                                            <a:latin typeface="Cambria Math" panose="02040503050406030204" pitchFamily="18" charset="0"/>
+                                          </a:rPr>
+                                          <m:t>𝛽</m:t>
+                                        </m:r>
+                                      </m:e>
+                                      <m:sub>
+                                        <m:r>
+                                          <a:rPr lang="fr-FR" i="1">
+                                            <a:latin typeface="Cambria Math" panose="02040503050406030204" pitchFamily="18" charset="0"/>
+                                          </a:rPr>
+                                          <m:t>4</m:t>
+                                        </m:r>
+                                      </m:sub>
+                                    </m:sSub>
+                                  </m:e>
+                                </m:d>
+                              </m:e>
+                            </m:func>
+                          </m:e>
+                        </m:eqArr>
+                      </m:e>
+                    </m:d>
+                  </m:oMath>
+                </a14:m>
+                <a:endParaRPr lang="fr-FR" dirty="0"/>
+              </a:p>
+              <a:p>
+                <a:endParaRPr lang="fr-FR" dirty="0"/>
+              </a:p>
+              <a:p>
+                <a14:m>
+                  <m:oMath xmlns:m="http://schemas.openxmlformats.org/officeDocument/2006/math">
+                    <m:r>
+                      <a:rPr lang="fr-FR" i="1">
+                        <a:latin typeface="Cambria Math" panose="02040503050406030204" pitchFamily="18" charset="0"/>
+                      </a:rPr>
+                      <m:t>𝐶</m:t>
+                    </m:r>
+                    <m:r>
+                      <a:rPr lang="fr-FR" i="1">
+                        <a:latin typeface="Cambria Math" panose="02040503050406030204" pitchFamily="18" charset="0"/>
+                      </a:rPr>
+                      <m:t>=</m:t>
+                    </m:r>
+                    <m:r>
+                      <a:rPr lang="fr-FR" i="1">
+                        <a:latin typeface="Cambria Math" panose="02040503050406030204" pitchFamily="18" charset="0"/>
+                      </a:rPr>
+                      <m:t>𝐴</m:t>
+                    </m:r>
+                    <m:func>
+                      <m:funcPr>
+                        <m:ctrlPr>
+                          <a:rPr lang="fr-FR" i="1">
+                            <a:latin typeface="Cambria Math" panose="02040503050406030204" pitchFamily="18" charset="0"/>
+                          </a:rPr>
+                        </m:ctrlPr>
+                      </m:funcPr>
+                      <m:fName>
+                        <m:r>
+                          <m:rPr>
+                            <m:sty m:val="p"/>
+                          </m:rPr>
+                          <a:rPr lang="fr-FR">
+                            <a:latin typeface="Cambria Math" panose="02040503050406030204" pitchFamily="18" charset="0"/>
+                          </a:rPr>
+                          <m:t>cos</m:t>
+                        </m:r>
+                      </m:fName>
+                      <m:e>
+                        <m:sSub>
+                          <m:sSubPr>
+                            <m:ctrlPr>
+                              <a:rPr lang="fr-FR" i="1">
+                                <a:latin typeface="Cambria Math" panose="02040503050406030204" pitchFamily="18" charset="0"/>
+                              </a:rPr>
+                            </m:ctrlPr>
+                          </m:sSubPr>
+                          <m:e>
+                            <m:r>
+                              <a:rPr lang="fr-FR" i="1">
+                                <a:latin typeface="Cambria Math" panose="02040503050406030204" pitchFamily="18" charset="0"/>
+                              </a:rPr>
+                              <m:t>𝛼</m:t>
+                            </m:r>
+                          </m:e>
+                          <m:sub>
+                            <m:r>
+                              <a:rPr lang="fr-FR" i="1">
+                                <a:latin typeface="Cambria Math" panose="02040503050406030204" pitchFamily="18" charset="0"/>
+                              </a:rPr>
+                              <m:t>1</m:t>
+                            </m:r>
+                          </m:sub>
+                        </m:sSub>
+                      </m:e>
+                    </m:func>
+                    <m:r>
+                      <a:rPr lang="fr-FR" b="0" i="1" smtClean="0">
+                        <a:latin typeface="Cambria Math" panose="02040503050406030204" pitchFamily="18" charset="0"/>
+                      </a:rPr>
+                      <m:t>+</m:t>
+                    </m:r>
+                    <m:r>
+                      <a:rPr lang="fr-FR" b="0" i="1" smtClean="0">
+                        <a:latin typeface="Cambria Math" panose="02040503050406030204" pitchFamily="18" charset="0"/>
+                      </a:rPr>
+                      <m:t>𝐵</m:t>
+                    </m:r>
+                    <m:func>
+                      <m:funcPr>
+                        <m:ctrlPr>
+                          <a:rPr lang="fr-FR" b="0" i="1" smtClean="0">
+                            <a:latin typeface="Cambria Math" panose="02040503050406030204" pitchFamily="18" charset="0"/>
+                          </a:rPr>
+                        </m:ctrlPr>
+                      </m:funcPr>
+                      <m:fName>
+                        <m:r>
+                          <m:rPr>
+                            <m:sty m:val="p"/>
+                          </m:rPr>
+                          <a:rPr lang="fr-FR" b="0" i="0" smtClean="0">
+                            <a:latin typeface="Cambria Math" panose="02040503050406030204" pitchFamily="18" charset="0"/>
+                          </a:rPr>
+                          <m:t>sin</m:t>
+                        </m:r>
+                      </m:fName>
+                      <m:e>
+                        <m:sSub>
+                          <m:sSubPr>
+                            <m:ctrlPr>
+                              <a:rPr lang="fr-FR" b="0" i="1" smtClean="0">
+                                <a:latin typeface="Cambria Math" panose="02040503050406030204" pitchFamily="18" charset="0"/>
+                              </a:rPr>
+                            </m:ctrlPr>
+                          </m:sSubPr>
+                          <m:e>
+                            <m:r>
+                              <a:rPr lang="fr-FR" b="0" i="1" smtClean="0">
+                                <a:latin typeface="Cambria Math" panose="02040503050406030204" pitchFamily="18" charset="0"/>
+                              </a:rPr>
+                              <m:t>𝛼</m:t>
+                            </m:r>
+                          </m:e>
+                          <m:sub>
+                            <m:r>
+                              <a:rPr lang="fr-FR" b="0" i="1" smtClean="0">
+                                <a:latin typeface="Cambria Math" panose="02040503050406030204" pitchFamily="18" charset="0"/>
+                              </a:rPr>
+                              <m:t>1</m:t>
+                            </m:r>
+                          </m:sub>
+                        </m:sSub>
+                      </m:e>
+                    </m:func>
+                  </m:oMath>
+                </a14:m>
+                <a:endParaRPr lang="fr-FR" dirty="0"/>
+              </a:p>
+              <a:p>
+                <a:r>
+                  <a:rPr lang="fr-FR" dirty="0"/>
+                  <a:t>On a alors : </a:t>
+                </a:r>
+                <a14:m>
+                  <m:oMath xmlns:m="http://schemas.openxmlformats.org/officeDocument/2006/math">
+                    <m:func>
+                      <m:funcPr>
+                        <m:ctrlPr>
+                          <a:rPr lang="fr-FR" b="0" i="1" smtClean="0">
+                            <a:latin typeface="Cambria Math" panose="02040503050406030204" pitchFamily="18" charset="0"/>
+                          </a:rPr>
+                        </m:ctrlPr>
+                      </m:funcPr>
+                      <m:fName>
+                        <m:r>
+                          <m:rPr>
+                            <m:sty m:val="p"/>
+                          </m:rPr>
+                          <a:rPr lang="fr-FR" b="0" i="0" smtClean="0">
+                            <a:latin typeface="Cambria Math" panose="02040503050406030204" pitchFamily="18" charset="0"/>
+                          </a:rPr>
+                          <m:t>sin</m:t>
+                        </m:r>
+                      </m:fName>
+                      <m:e>
+                        <m:d>
+                          <m:dPr>
+                            <m:ctrlPr>
+                              <a:rPr lang="fr-FR" b="0" i="1" smtClean="0">
+                                <a:latin typeface="Cambria Math" panose="02040503050406030204" pitchFamily="18" charset="0"/>
+                              </a:rPr>
+                            </m:ctrlPr>
+                          </m:dPr>
+                          <m:e>
+                            <m:sSub>
+                              <m:sSubPr>
+                                <m:ctrlPr>
+                                  <a:rPr lang="fr-FR" b="0" i="1" smtClean="0">
+                                    <a:latin typeface="Cambria Math" panose="02040503050406030204" pitchFamily="18" charset="0"/>
+                                  </a:rPr>
+                                </m:ctrlPr>
+                              </m:sSubPr>
+                              <m:e>
+                                <m:r>
+                                  <a:rPr lang="fr-FR" b="0" i="1" smtClean="0">
+                                    <a:latin typeface="Cambria Math" panose="02040503050406030204" pitchFamily="18" charset="0"/>
+                                  </a:rPr>
+                                  <m:t>𝛼</m:t>
+                                </m:r>
+                              </m:e>
+                              <m:sub>
+                                <m:r>
+                                  <a:rPr lang="fr-FR" b="0" i="1" smtClean="0">
+                                    <a:latin typeface="Cambria Math" panose="02040503050406030204" pitchFamily="18" charset="0"/>
+                                  </a:rPr>
+                                  <m:t>1</m:t>
+                                </m:r>
+                              </m:sub>
+                            </m:sSub>
+                            <m:r>
+                              <a:rPr lang="fr-FR" b="0" i="1" smtClean="0">
+                                <a:latin typeface="Cambria Math" panose="02040503050406030204" pitchFamily="18" charset="0"/>
+                              </a:rPr>
+                              <m:t>+</m:t>
+                            </m:r>
+                            <m:r>
+                              <a:rPr lang="fr-FR" b="0" i="1" smtClean="0">
+                                <a:latin typeface="Cambria Math" panose="02040503050406030204" pitchFamily="18" charset="0"/>
+                              </a:rPr>
+                              <m:t>𝜑</m:t>
+                            </m:r>
+                          </m:e>
+                        </m:d>
+                        <m:r>
+                          <a:rPr lang="fr-FR" b="0" i="1" smtClean="0">
+                            <a:latin typeface="Cambria Math" panose="02040503050406030204" pitchFamily="18" charset="0"/>
+                          </a:rPr>
+                          <m:t>=</m:t>
+                        </m:r>
+                        <m:f>
+                          <m:fPr>
+                            <m:ctrlPr>
+                              <a:rPr lang="fr-FR" b="0" i="1" smtClean="0">
+                                <a:latin typeface="Cambria Math" panose="02040503050406030204" pitchFamily="18" charset="0"/>
+                              </a:rPr>
+                            </m:ctrlPr>
+                          </m:fPr>
+                          <m:num>
+                            <m:r>
+                              <a:rPr lang="fr-FR" b="0" i="1" smtClean="0">
+                                <a:latin typeface="Cambria Math" panose="02040503050406030204" pitchFamily="18" charset="0"/>
+                              </a:rPr>
+                              <m:t>𝐶</m:t>
+                            </m:r>
+                          </m:num>
+                          <m:den>
+                            <m:rad>
+                              <m:radPr>
+                                <m:degHide m:val="on"/>
+                                <m:ctrlPr>
+                                  <a:rPr lang="fr-FR" b="0" i="1" smtClean="0">
+                                    <a:latin typeface="Cambria Math" panose="02040503050406030204" pitchFamily="18" charset="0"/>
+                                  </a:rPr>
+                                </m:ctrlPr>
+                              </m:radPr>
+                              <m:deg/>
+                              <m:e>
+                                <m:sSup>
+                                  <m:sSupPr>
+                                    <m:ctrlPr>
+                                      <a:rPr lang="fr-FR" b="0" i="1" smtClean="0">
+                                        <a:latin typeface="Cambria Math" panose="02040503050406030204" pitchFamily="18" charset="0"/>
+                                      </a:rPr>
+                                    </m:ctrlPr>
+                                  </m:sSupPr>
+                                  <m:e>
+                                    <m:r>
+                                      <a:rPr lang="fr-FR" b="0" i="1" smtClean="0">
+                                        <a:latin typeface="Cambria Math" panose="02040503050406030204" pitchFamily="18" charset="0"/>
+                                      </a:rPr>
+                                      <m:t>𝐴</m:t>
+                                    </m:r>
+                                  </m:e>
+                                  <m:sup>
+                                    <m:r>
+                                      <a:rPr lang="fr-FR" b="0" i="1" smtClean="0">
+                                        <a:latin typeface="Cambria Math" panose="02040503050406030204" pitchFamily="18" charset="0"/>
+                                      </a:rPr>
+                                      <m:t>2</m:t>
+                                    </m:r>
+                                  </m:sup>
+                                </m:sSup>
+                                <m:r>
+                                  <a:rPr lang="fr-FR" b="0" i="1" smtClean="0">
+                                    <a:latin typeface="Cambria Math" panose="02040503050406030204" pitchFamily="18" charset="0"/>
+                                  </a:rPr>
+                                  <m:t>+</m:t>
+                                </m:r>
+                                <m:sSup>
+                                  <m:sSupPr>
+                                    <m:ctrlPr>
+                                      <a:rPr lang="fr-FR" b="0" i="1" smtClean="0">
+                                        <a:latin typeface="Cambria Math" panose="02040503050406030204" pitchFamily="18" charset="0"/>
+                                      </a:rPr>
+                                    </m:ctrlPr>
+                                  </m:sSupPr>
+                                  <m:e>
+                                    <m:r>
+                                      <a:rPr lang="fr-FR" b="0" i="1" smtClean="0">
+                                        <a:latin typeface="Cambria Math" panose="02040503050406030204" pitchFamily="18" charset="0"/>
+                                      </a:rPr>
+                                      <m:t>𝐵</m:t>
+                                    </m:r>
+                                  </m:e>
+                                  <m:sup>
+                                    <m:r>
+                                      <a:rPr lang="fr-FR" b="0" i="1" smtClean="0">
+                                        <a:latin typeface="Cambria Math" panose="02040503050406030204" pitchFamily="18" charset="0"/>
+                                      </a:rPr>
+                                      <m:t>2</m:t>
+                                    </m:r>
+                                  </m:sup>
+                                </m:sSup>
+                              </m:e>
+                            </m:rad>
+                          </m:den>
+                        </m:f>
+                      </m:e>
+                    </m:func>
+                  </m:oMath>
+                </a14:m>
+                <a:r>
+                  <a:rPr lang="fr-FR" dirty="0"/>
+                  <a:t> avec </a:t>
+                </a:r>
+                <a14:m>
+                  <m:oMath xmlns:m="http://schemas.openxmlformats.org/officeDocument/2006/math">
+                    <m:func>
+                      <m:funcPr>
+                        <m:ctrlPr>
+                          <a:rPr lang="fr-FR" b="0" i="1" smtClean="0">
+                            <a:latin typeface="Cambria Math" panose="02040503050406030204" pitchFamily="18" charset="0"/>
+                          </a:rPr>
+                        </m:ctrlPr>
+                      </m:funcPr>
+                      <m:fName>
+                        <m:r>
+                          <m:rPr>
+                            <m:sty m:val="p"/>
+                          </m:rPr>
+                          <a:rPr lang="fr-FR" b="0" i="0" smtClean="0">
+                            <a:latin typeface="Cambria Math" panose="02040503050406030204" pitchFamily="18" charset="0"/>
+                          </a:rPr>
+                          <m:t>tan</m:t>
+                        </m:r>
+                      </m:fName>
+                      <m:e>
+                        <m:r>
+                          <a:rPr lang="fr-FR" b="0" i="1" smtClean="0">
+                            <a:latin typeface="Cambria Math" panose="02040503050406030204" pitchFamily="18" charset="0"/>
+                          </a:rPr>
+                          <m:t>𝜑</m:t>
+                        </m:r>
+                        <m:r>
+                          <a:rPr lang="fr-FR" b="0" i="1" smtClean="0">
+                            <a:latin typeface="Cambria Math" panose="02040503050406030204" pitchFamily="18" charset="0"/>
+                          </a:rPr>
+                          <m:t>=</m:t>
+                        </m:r>
+                        <m:f>
+                          <m:fPr>
+                            <m:ctrlPr>
+                              <a:rPr lang="fr-FR" b="0" i="1" smtClean="0">
+                                <a:latin typeface="Cambria Math" panose="02040503050406030204" pitchFamily="18" charset="0"/>
+                              </a:rPr>
+                            </m:ctrlPr>
+                          </m:fPr>
+                          <m:num>
+                            <m:r>
+                              <a:rPr lang="fr-FR" b="0" i="1" smtClean="0">
+                                <a:latin typeface="Cambria Math" panose="02040503050406030204" pitchFamily="18" charset="0"/>
+                              </a:rPr>
+                              <m:t>𝐴</m:t>
+                            </m:r>
+                          </m:num>
+                          <m:den>
+                            <m:r>
+                              <a:rPr lang="fr-FR" b="0" i="1" smtClean="0">
+                                <a:latin typeface="Cambria Math" panose="02040503050406030204" pitchFamily="18" charset="0"/>
+                              </a:rPr>
+                              <m:t>𝐵</m:t>
+                            </m:r>
+                          </m:den>
+                        </m:f>
+                      </m:e>
+                    </m:func>
+                  </m:oMath>
+                </a14:m>
+                <a:endParaRPr lang="fr-FR" dirty="0"/>
+              </a:p>
+              <a:p>
+                <a:r>
+                  <a:rPr lang="fr-FR" dirty="0"/>
+                  <a:t>En conséquences, </a:t>
+                </a:r>
+                <a14:m>
+                  <m:oMath xmlns:m="http://schemas.openxmlformats.org/officeDocument/2006/math">
+                    <m:sSub>
+                      <m:sSubPr>
+                        <m:ctrlPr>
+                          <a:rPr lang="fr-FR" b="0" i="1" smtClean="0">
+                            <a:latin typeface="Cambria Math" panose="02040503050406030204" pitchFamily="18" charset="0"/>
+                          </a:rPr>
+                        </m:ctrlPr>
+                      </m:sSubPr>
+                      <m:e>
+                        <m:r>
+                          <a:rPr lang="fr-FR" b="0" i="1" smtClean="0">
+                            <a:latin typeface="Cambria Math" panose="02040503050406030204" pitchFamily="18" charset="0"/>
+                          </a:rPr>
+                          <m:t>𝛼</m:t>
+                        </m:r>
+                      </m:e>
+                      <m:sub>
+                        <m:r>
+                          <a:rPr lang="fr-FR" b="0" i="1" smtClean="0">
+                            <a:latin typeface="Cambria Math" panose="02040503050406030204" pitchFamily="18" charset="0"/>
+                          </a:rPr>
+                          <m:t>1</m:t>
+                        </m:r>
+                      </m:sub>
+                    </m:sSub>
+                    <m:r>
+                      <a:rPr lang="fr-FR" b="0" i="1" smtClean="0">
+                        <a:latin typeface="Cambria Math" panose="02040503050406030204" pitchFamily="18" charset="0"/>
+                      </a:rPr>
+                      <m:t>=</m:t>
+                    </m:r>
+                    <m:func>
+                      <m:funcPr>
+                        <m:ctrlPr>
+                          <a:rPr lang="fr-FR" b="0" i="1" smtClean="0">
+                            <a:latin typeface="Cambria Math" panose="02040503050406030204" pitchFamily="18" charset="0"/>
+                          </a:rPr>
+                        </m:ctrlPr>
+                      </m:funcPr>
+                      <m:fName>
+                        <m:r>
+                          <m:rPr>
+                            <m:sty m:val="p"/>
+                          </m:rPr>
+                          <a:rPr lang="fr-FR" b="0" i="0" smtClean="0">
+                            <a:latin typeface="Cambria Math" panose="02040503050406030204" pitchFamily="18" charset="0"/>
+                          </a:rPr>
+                          <m:t>arcsin</m:t>
+                        </m:r>
+                      </m:fName>
+                      <m:e>
+                        <m:d>
+                          <m:dPr>
+                            <m:ctrlPr>
+                              <a:rPr lang="fr-FR" b="0" i="1" smtClean="0">
+                                <a:latin typeface="Cambria Math" panose="02040503050406030204" pitchFamily="18" charset="0"/>
+                              </a:rPr>
+                            </m:ctrlPr>
+                          </m:dPr>
+                          <m:e>
+                            <m:f>
+                              <m:fPr>
+                                <m:ctrlPr>
+                                  <a:rPr lang="fr-FR" b="0" i="1" smtClean="0">
+                                    <a:latin typeface="Cambria Math" panose="02040503050406030204" pitchFamily="18" charset="0"/>
+                                  </a:rPr>
+                                </m:ctrlPr>
+                              </m:fPr>
+                              <m:num>
+                                <m:r>
+                                  <a:rPr lang="fr-FR" b="0" i="1" smtClean="0">
+                                    <a:latin typeface="Cambria Math" panose="02040503050406030204" pitchFamily="18" charset="0"/>
+                                  </a:rPr>
+                                  <m:t>𝐶</m:t>
+                                </m:r>
+                              </m:num>
+                              <m:den>
+                                <m:rad>
+                                  <m:radPr>
+                                    <m:degHide m:val="on"/>
+                                    <m:ctrlPr>
+                                      <a:rPr lang="fr-FR" b="0" i="1" smtClean="0">
+                                        <a:latin typeface="Cambria Math" panose="02040503050406030204" pitchFamily="18" charset="0"/>
+                                      </a:rPr>
+                                    </m:ctrlPr>
+                                  </m:radPr>
+                                  <m:deg/>
+                                  <m:e>
+                                    <m:sSup>
+                                      <m:sSupPr>
+                                        <m:ctrlPr>
+                                          <a:rPr lang="fr-FR" b="0" i="1" smtClean="0">
+                                            <a:latin typeface="Cambria Math" panose="02040503050406030204" pitchFamily="18" charset="0"/>
+                                          </a:rPr>
+                                        </m:ctrlPr>
+                                      </m:sSupPr>
+                                      <m:e>
+                                        <m:r>
+                                          <a:rPr lang="fr-FR" b="0" i="1" smtClean="0">
+                                            <a:latin typeface="Cambria Math" panose="02040503050406030204" pitchFamily="18" charset="0"/>
+                                          </a:rPr>
+                                          <m:t>𝐴</m:t>
+                                        </m:r>
+                                      </m:e>
+                                      <m:sup>
+                                        <m:r>
+                                          <a:rPr lang="fr-FR" b="0" i="1" smtClean="0">
+                                            <a:latin typeface="Cambria Math" panose="02040503050406030204" pitchFamily="18" charset="0"/>
+                                          </a:rPr>
+                                          <m:t>2</m:t>
+                                        </m:r>
+                                      </m:sup>
+                                    </m:sSup>
+                                    <m:r>
+                                      <a:rPr lang="fr-FR" b="0" i="1" smtClean="0">
+                                        <a:latin typeface="Cambria Math" panose="02040503050406030204" pitchFamily="18" charset="0"/>
+                                      </a:rPr>
+                                      <m:t>+</m:t>
+                                    </m:r>
+                                    <m:sSup>
+                                      <m:sSupPr>
+                                        <m:ctrlPr>
+                                          <a:rPr lang="fr-FR" b="0" i="1" smtClean="0">
+                                            <a:latin typeface="Cambria Math" panose="02040503050406030204" pitchFamily="18" charset="0"/>
+                                          </a:rPr>
+                                        </m:ctrlPr>
+                                      </m:sSupPr>
+                                      <m:e>
+                                        <m:r>
+                                          <a:rPr lang="fr-FR" b="0" i="1" smtClean="0">
+                                            <a:latin typeface="Cambria Math" panose="02040503050406030204" pitchFamily="18" charset="0"/>
+                                          </a:rPr>
+                                          <m:t>𝐵</m:t>
+                                        </m:r>
+                                      </m:e>
+                                      <m:sup>
+                                        <m:r>
+                                          <a:rPr lang="fr-FR" b="0" i="1" smtClean="0">
+                                            <a:latin typeface="Cambria Math" panose="02040503050406030204" pitchFamily="18" charset="0"/>
+                                          </a:rPr>
+                                          <m:t>2</m:t>
+                                        </m:r>
+                                      </m:sup>
+                                    </m:sSup>
+                                  </m:e>
+                                </m:rad>
+                              </m:den>
+                            </m:f>
+                          </m:e>
+                        </m:d>
+                        <m:r>
+                          <a:rPr lang="fr-FR" b="0" i="1" smtClean="0">
+                            <a:latin typeface="Cambria Math" panose="02040503050406030204" pitchFamily="18" charset="0"/>
+                          </a:rPr>
+                          <m:t>−</m:t>
+                        </m:r>
+                        <m:func>
+                          <m:funcPr>
+                            <m:ctrlPr>
+                              <a:rPr lang="fr-FR" b="0" i="1" smtClean="0">
+                                <a:latin typeface="Cambria Math" panose="02040503050406030204" pitchFamily="18" charset="0"/>
+                              </a:rPr>
+                            </m:ctrlPr>
+                          </m:funcPr>
+                          <m:fName>
+                            <m:r>
+                              <m:rPr>
+                                <m:sty m:val="p"/>
+                              </m:rPr>
+                              <a:rPr lang="fr-FR" b="0" i="0" smtClean="0">
+                                <a:latin typeface="Cambria Math" panose="02040503050406030204" pitchFamily="18" charset="0"/>
+                              </a:rPr>
+                              <m:t>arctan</m:t>
+                            </m:r>
+                          </m:fName>
+                          <m:e>
+                            <m:f>
+                              <m:fPr>
+                                <m:ctrlPr>
+                                  <a:rPr lang="fr-FR" b="0" i="1" smtClean="0">
+                                    <a:latin typeface="Cambria Math" panose="02040503050406030204" pitchFamily="18" charset="0"/>
+                                  </a:rPr>
+                                </m:ctrlPr>
+                              </m:fPr>
+                              <m:num>
+                                <m:r>
+                                  <a:rPr lang="fr-FR" b="0" i="1" smtClean="0">
+                                    <a:latin typeface="Cambria Math" panose="02040503050406030204" pitchFamily="18" charset="0"/>
+                                  </a:rPr>
+                                  <m:t>𝐴</m:t>
+                                </m:r>
+                              </m:num>
+                              <m:den>
+                                <m:r>
+                                  <a:rPr lang="fr-FR" b="0" i="1" smtClean="0">
+                                    <a:latin typeface="Cambria Math" panose="02040503050406030204" pitchFamily="18" charset="0"/>
+                                  </a:rPr>
+                                  <m:t>𝐵</m:t>
+                                </m:r>
+                              </m:den>
+                            </m:f>
+                          </m:e>
+                        </m:func>
+                      </m:e>
+                    </m:func>
+                  </m:oMath>
+                </a14:m>
+                <a:endParaRPr lang="fr-FR" dirty="0"/>
+              </a:p>
+              <a:p>
+                <a:endParaRPr lang="fr-FR" dirty="0"/>
+              </a:p>
+              <a:p>
+                <a:r>
+                  <a:rPr lang="fr-FR" dirty="0"/>
+                  <a:t>Par ailleurs : </a:t>
+                </a:r>
+                <a14:m>
+                  <m:oMath xmlns:m="http://schemas.openxmlformats.org/officeDocument/2006/math">
+                    <m:r>
+                      <a:rPr lang="fr-FR" i="1" smtClean="0">
+                        <a:latin typeface="Cambria Math" panose="02040503050406030204" pitchFamily="18" charset="0"/>
+                      </a:rPr>
+                      <m:t>𝑐</m:t>
+                    </m:r>
+                    <m:func>
+                      <m:funcPr>
+                        <m:ctrlPr>
+                          <a:rPr lang="fr-FR" i="1">
+                            <a:latin typeface="Cambria Math" panose="02040503050406030204" pitchFamily="18" charset="0"/>
+                          </a:rPr>
+                        </m:ctrlPr>
+                      </m:funcPr>
+                      <m:fName>
+                        <m:r>
+                          <m:rPr>
+                            <m:sty m:val="p"/>
+                          </m:rPr>
+                          <a:rPr lang="fr-FR">
+                            <a:latin typeface="Cambria Math" panose="02040503050406030204" pitchFamily="18" charset="0"/>
+                          </a:rPr>
+                          <m:t>cos</m:t>
+                        </m:r>
+                      </m:fName>
+                      <m:e>
+                        <m:d>
+                          <m:dPr>
+                            <m:ctrlPr>
+                              <a:rPr lang="fr-FR" i="1">
+                                <a:latin typeface="Cambria Math" panose="02040503050406030204" pitchFamily="18" charset="0"/>
+                              </a:rPr>
+                            </m:ctrlPr>
+                          </m:dPr>
+                          <m:e>
+                            <m:sSub>
+                              <m:sSubPr>
+                                <m:ctrlPr>
+                                  <a:rPr lang="fr-FR" i="1">
+                                    <a:latin typeface="Cambria Math" panose="02040503050406030204" pitchFamily="18" charset="0"/>
+                                  </a:rPr>
+                                </m:ctrlPr>
+                              </m:sSubPr>
+                              <m:e>
+                                <m:r>
+                                  <a:rPr lang="fr-FR" i="1">
+                                    <a:latin typeface="Cambria Math" panose="02040503050406030204" pitchFamily="18" charset="0"/>
+                                  </a:rPr>
+                                  <m:t>𝛼</m:t>
+                                </m:r>
+                              </m:e>
+                              <m:sub>
+                                <m:r>
+                                  <a:rPr lang="fr-FR" i="1">
+                                    <a:latin typeface="Cambria Math" panose="02040503050406030204" pitchFamily="18" charset="0"/>
+                                  </a:rPr>
+                                  <m:t>1</m:t>
+                                </m:r>
+                              </m:sub>
+                            </m:sSub>
+                            <m:r>
+                              <a:rPr lang="fr-FR" i="1">
+                                <a:latin typeface="Cambria Math" panose="02040503050406030204" pitchFamily="18" charset="0"/>
+                              </a:rPr>
+                              <m:t>+</m:t>
+                            </m:r>
+                            <m:sSub>
+                              <m:sSubPr>
+                                <m:ctrlPr>
+                                  <a:rPr lang="fr-FR" i="1">
+                                    <a:latin typeface="Cambria Math" panose="02040503050406030204" pitchFamily="18" charset="0"/>
+                                  </a:rPr>
+                                </m:ctrlPr>
+                              </m:sSubPr>
+                              <m:e>
+                                <m:r>
+                                  <a:rPr lang="fr-FR" i="1">
+                                    <a:latin typeface="Cambria Math" panose="02040503050406030204" pitchFamily="18" charset="0"/>
+                                  </a:rPr>
+                                  <m:t>𝛼</m:t>
+                                </m:r>
+                              </m:e>
+                              <m:sub>
+                                <m:r>
+                                  <a:rPr lang="fr-FR" i="1">
+                                    <a:latin typeface="Cambria Math" panose="02040503050406030204" pitchFamily="18" charset="0"/>
+                                  </a:rPr>
+                                  <m:t>4</m:t>
+                                </m:r>
+                              </m:sub>
+                            </m:sSub>
+                          </m:e>
+                        </m:d>
+                      </m:e>
+                    </m:func>
+                    <m:r>
+                      <a:rPr lang="fr-FR" b="0" i="1" smtClean="0">
+                        <a:latin typeface="Cambria Math" panose="02040503050406030204" pitchFamily="18" charset="0"/>
+                      </a:rPr>
+                      <m:t>=</m:t>
+                    </m:r>
+                    <m:r>
+                      <a:rPr lang="fr-FR" i="1">
+                        <a:latin typeface="Cambria Math" panose="02040503050406030204" pitchFamily="18" charset="0"/>
+                      </a:rPr>
+                      <m:t>𝑥</m:t>
+                    </m:r>
+                    <m:r>
+                      <a:rPr lang="fr-FR" b="0" i="0" smtClean="0">
+                        <a:latin typeface="Cambria Math" panose="02040503050406030204" pitchFamily="18" charset="0"/>
+                      </a:rPr>
+                      <m:t>−</m:t>
+                    </m:r>
+                    <m:r>
+                      <a:rPr lang="fr-FR" i="1">
+                        <a:latin typeface="Cambria Math" panose="02040503050406030204" pitchFamily="18" charset="0"/>
+                      </a:rPr>
+                      <m:t>𝑎</m:t>
+                    </m:r>
+                    <m:r>
+                      <a:rPr lang="fr-FR" b="0" i="1" smtClean="0">
+                        <a:latin typeface="Cambria Math" panose="02040503050406030204" pitchFamily="18" charset="0"/>
+                      </a:rPr>
+                      <m:t>−</m:t>
+                    </m:r>
+                    <m:r>
+                      <a:rPr lang="fr-FR" i="1">
+                        <a:latin typeface="Cambria Math" panose="02040503050406030204" pitchFamily="18" charset="0"/>
+                      </a:rPr>
+                      <m:t>𝑏</m:t>
+                    </m:r>
+                    <m:func>
+                      <m:funcPr>
+                        <m:ctrlPr>
+                          <a:rPr lang="fr-FR" i="1">
+                            <a:latin typeface="Cambria Math" panose="02040503050406030204" pitchFamily="18" charset="0"/>
+                          </a:rPr>
+                        </m:ctrlPr>
+                      </m:funcPr>
+                      <m:fName>
+                        <m:r>
+                          <m:rPr>
+                            <m:sty m:val="p"/>
+                          </m:rPr>
+                          <a:rPr lang="fr-FR">
+                            <a:latin typeface="Cambria Math" panose="02040503050406030204" pitchFamily="18" charset="0"/>
+                          </a:rPr>
+                          <m:t>cos</m:t>
+                        </m:r>
+                      </m:fName>
+                      <m:e>
+                        <m:sSub>
+                          <m:sSubPr>
+                            <m:ctrlPr>
+                              <a:rPr lang="fr-FR" i="1">
+                                <a:latin typeface="Cambria Math" panose="02040503050406030204" pitchFamily="18" charset="0"/>
+                              </a:rPr>
+                            </m:ctrlPr>
+                          </m:sSubPr>
+                          <m:e>
+                            <m:r>
+                              <a:rPr lang="fr-FR" i="1">
+                                <a:latin typeface="Cambria Math" panose="02040503050406030204" pitchFamily="18" charset="0"/>
+                              </a:rPr>
+                              <m:t>𝛼</m:t>
+                            </m:r>
+                          </m:e>
+                          <m:sub>
+                            <m:r>
+                              <a:rPr lang="fr-FR" i="1">
+                                <a:latin typeface="Cambria Math" panose="02040503050406030204" pitchFamily="18" charset="0"/>
+                              </a:rPr>
+                              <m:t>1</m:t>
+                            </m:r>
+                          </m:sub>
+                        </m:sSub>
+                      </m:e>
+                    </m:func>
+                  </m:oMath>
+                </a14:m>
+                <a:endParaRPr lang="fr-FR" dirty="0"/>
+              </a:p>
+              <a:p>
+                <a14:m>
+                  <m:oMath xmlns:m="http://schemas.openxmlformats.org/officeDocument/2006/math">
+                    <m:r>
+                      <a:rPr lang="fr-FR" b="0" i="1" smtClean="0">
+                        <a:latin typeface="Cambria Math" panose="02040503050406030204" pitchFamily="18" charset="0"/>
+                      </a:rPr>
+                      <m:t>⇒</m:t>
+                    </m:r>
+                    <m:sSub>
+                      <m:sSubPr>
+                        <m:ctrlPr>
+                          <a:rPr lang="fr-FR" b="0" i="1" smtClean="0">
+                            <a:latin typeface="Cambria Math" panose="02040503050406030204" pitchFamily="18" charset="0"/>
+                          </a:rPr>
+                        </m:ctrlPr>
+                      </m:sSubPr>
+                      <m:e>
+                        <m:r>
+                          <a:rPr lang="fr-FR" b="0" i="1" smtClean="0">
+                            <a:latin typeface="Cambria Math" panose="02040503050406030204" pitchFamily="18" charset="0"/>
+                          </a:rPr>
+                          <m:t>𝛼</m:t>
+                        </m:r>
+                      </m:e>
+                      <m:sub>
+                        <m:r>
+                          <a:rPr lang="fr-FR" b="0" i="1" smtClean="0">
+                            <a:latin typeface="Cambria Math" panose="02040503050406030204" pitchFamily="18" charset="0"/>
+                          </a:rPr>
+                          <m:t>4</m:t>
+                        </m:r>
+                      </m:sub>
+                    </m:sSub>
+                    <m:r>
+                      <a:rPr lang="fr-FR" b="0" i="1" smtClean="0">
+                        <a:latin typeface="Cambria Math" panose="02040503050406030204" pitchFamily="18" charset="0"/>
+                      </a:rPr>
+                      <m:t>=</m:t>
+                    </m:r>
+                    <m:func>
+                      <m:funcPr>
+                        <m:ctrlPr>
+                          <a:rPr lang="fr-FR" b="0" i="1" smtClean="0">
+                            <a:latin typeface="Cambria Math" panose="02040503050406030204" pitchFamily="18" charset="0"/>
+                          </a:rPr>
+                        </m:ctrlPr>
+                      </m:funcPr>
+                      <m:fName>
+                        <m:sSup>
+                          <m:sSupPr>
+                            <m:ctrlPr>
+                              <a:rPr lang="fr-FR" b="0" i="1" smtClean="0">
+                                <a:latin typeface="Cambria Math" panose="02040503050406030204" pitchFamily="18" charset="0"/>
+                              </a:rPr>
+                            </m:ctrlPr>
+                          </m:sSupPr>
+                          <m:e>
+                            <m:r>
+                              <m:rPr>
+                                <m:sty m:val="p"/>
+                              </m:rPr>
+                              <a:rPr lang="fr-FR" b="0" i="0" smtClean="0">
+                                <a:latin typeface="Cambria Math" panose="02040503050406030204" pitchFamily="18" charset="0"/>
+                              </a:rPr>
+                              <m:t>cos</m:t>
+                            </m:r>
+                          </m:e>
+                          <m:sup>
+                            <m:r>
+                              <a:rPr lang="fr-FR" b="0" i="1" smtClean="0">
+                                <a:latin typeface="Cambria Math" panose="02040503050406030204" pitchFamily="18" charset="0"/>
+                              </a:rPr>
+                              <m:t>−1</m:t>
+                            </m:r>
+                          </m:sup>
+                        </m:sSup>
+                      </m:fName>
+                      <m:e>
+                        <m:d>
+                          <m:dPr>
+                            <m:ctrlPr>
+                              <a:rPr lang="fr-FR" i="1">
+                                <a:latin typeface="Cambria Math" panose="02040503050406030204" pitchFamily="18" charset="0"/>
+                              </a:rPr>
+                            </m:ctrlPr>
+                          </m:dPr>
+                          <m:e>
+                            <m:f>
+                              <m:fPr>
+                                <m:ctrlPr>
+                                  <a:rPr lang="fr-FR" i="1">
+                                    <a:latin typeface="Cambria Math" panose="02040503050406030204" pitchFamily="18" charset="0"/>
+                                  </a:rPr>
+                                </m:ctrlPr>
+                              </m:fPr>
+                              <m:num>
+                                <m:r>
+                                  <a:rPr lang="fr-FR" i="1">
+                                    <a:latin typeface="Cambria Math" panose="02040503050406030204" pitchFamily="18" charset="0"/>
+                                  </a:rPr>
+                                  <m:t>𝑥</m:t>
+                                </m:r>
+                                <m:r>
+                                  <a:rPr lang="fr-FR">
+                                    <a:latin typeface="Cambria Math" panose="02040503050406030204" pitchFamily="18" charset="0"/>
+                                  </a:rPr>
+                                  <m:t>−</m:t>
+                                </m:r>
+                                <m:r>
+                                  <a:rPr lang="fr-FR" i="1">
+                                    <a:latin typeface="Cambria Math" panose="02040503050406030204" pitchFamily="18" charset="0"/>
+                                  </a:rPr>
+                                  <m:t>𝑎</m:t>
+                                </m:r>
+                                <m:r>
+                                  <a:rPr lang="fr-FR" i="1">
+                                    <a:latin typeface="Cambria Math" panose="02040503050406030204" pitchFamily="18" charset="0"/>
+                                  </a:rPr>
+                                  <m:t>−</m:t>
+                                </m:r>
+                                <m:r>
+                                  <a:rPr lang="fr-FR" i="1">
+                                    <a:latin typeface="Cambria Math" panose="02040503050406030204" pitchFamily="18" charset="0"/>
+                                  </a:rPr>
+                                  <m:t>𝑏</m:t>
+                                </m:r>
+                                <m:func>
+                                  <m:funcPr>
+                                    <m:ctrlPr>
+                                      <a:rPr lang="fr-FR" i="1">
+                                        <a:latin typeface="Cambria Math" panose="02040503050406030204" pitchFamily="18" charset="0"/>
+                                      </a:rPr>
+                                    </m:ctrlPr>
+                                  </m:funcPr>
+                                  <m:fName>
+                                    <m:r>
+                                      <m:rPr>
+                                        <m:sty m:val="p"/>
+                                      </m:rPr>
+                                      <a:rPr lang="fr-FR">
+                                        <a:latin typeface="Cambria Math" panose="02040503050406030204" pitchFamily="18" charset="0"/>
+                                      </a:rPr>
+                                      <m:t>cos</m:t>
+                                    </m:r>
+                                  </m:fName>
+                                  <m:e>
+                                    <m:sSub>
+                                      <m:sSubPr>
+                                        <m:ctrlPr>
+                                          <a:rPr lang="fr-FR" i="1">
+                                            <a:latin typeface="Cambria Math" panose="02040503050406030204" pitchFamily="18" charset="0"/>
+                                          </a:rPr>
+                                        </m:ctrlPr>
+                                      </m:sSubPr>
+                                      <m:e>
+                                        <m:r>
+                                          <a:rPr lang="fr-FR" i="1">
+                                            <a:latin typeface="Cambria Math" panose="02040503050406030204" pitchFamily="18" charset="0"/>
+                                          </a:rPr>
+                                          <m:t>𝛼</m:t>
+                                        </m:r>
+                                      </m:e>
+                                      <m:sub>
+                                        <m:r>
+                                          <a:rPr lang="fr-FR" i="1">
+                                            <a:latin typeface="Cambria Math" panose="02040503050406030204" pitchFamily="18" charset="0"/>
+                                          </a:rPr>
+                                          <m:t>1</m:t>
+                                        </m:r>
+                                      </m:sub>
+                                    </m:sSub>
+                                  </m:e>
+                                </m:func>
+                              </m:num>
+                              <m:den>
+                                <m:r>
+                                  <a:rPr lang="fr-FR" i="1">
+                                    <a:latin typeface="Cambria Math" panose="02040503050406030204" pitchFamily="18" charset="0"/>
+                                  </a:rPr>
+                                  <m:t>𝑐</m:t>
+                                </m:r>
+                              </m:den>
+                            </m:f>
+                          </m:e>
+                        </m:d>
+                        <m:r>
+                          <a:rPr lang="fr-FR" b="0" i="1" smtClean="0">
+                            <a:latin typeface="Cambria Math" panose="02040503050406030204" pitchFamily="18" charset="0"/>
+                          </a:rPr>
+                          <m:t>−</m:t>
+                        </m:r>
+                        <m:sSub>
+                          <m:sSubPr>
+                            <m:ctrlPr>
+                              <a:rPr lang="fr-FR" b="0" i="1" smtClean="0">
+                                <a:latin typeface="Cambria Math" panose="02040503050406030204" pitchFamily="18" charset="0"/>
+                              </a:rPr>
+                            </m:ctrlPr>
+                          </m:sSubPr>
+                          <m:e>
+                            <m:r>
+                              <a:rPr lang="fr-FR" b="0" i="1" smtClean="0">
+                                <a:latin typeface="Cambria Math" panose="02040503050406030204" pitchFamily="18" charset="0"/>
+                              </a:rPr>
+                              <m:t>𝛼</m:t>
+                            </m:r>
+                          </m:e>
+                          <m:sub>
+                            <m:r>
+                              <a:rPr lang="fr-FR" b="0" i="1" smtClean="0">
+                                <a:latin typeface="Cambria Math" panose="02040503050406030204" pitchFamily="18" charset="0"/>
+                              </a:rPr>
+                              <m:t>1</m:t>
+                            </m:r>
+                          </m:sub>
+                        </m:sSub>
+                      </m:e>
+                    </m:func>
+                  </m:oMath>
+                </a14:m>
+                <a:endParaRPr lang="fr-FR" dirty="0"/>
+              </a:p>
+            </p:txBody>
+          </p:sp>
+        </mc:Choice>
+        <mc:Fallback>
+          <p:sp>
+            <p:nvSpPr>
+              <p:cNvPr id="3" name="Espace réservé du contenu 2">
+                <a:extLst>
+                  <a:ext uri="{FF2B5EF4-FFF2-40B4-BE49-F238E27FC236}">
+                    <a16:creationId xmlns:a16="http://schemas.microsoft.com/office/drawing/2014/main" id="{B3C4A8B5-A232-C443-2791-99946A715C30}"/>
+                  </a:ext>
+                </a:extLst>
+              </p:cNvPr>
+              <p:cNvSpPr>
+                <a:spLocks noGrp="1" noRot="1" noChangeAspect="1" noMove="1" noResize="1" noEditPoints="1" noAdjustHandles="1" noChangeArrowheads="1" noChangeShapeType="1" noTextEdit="1"/>
+              </p:cNvSpPr>
+              <p:nvPr>
+                <p:ph idx="1"/>
+              </p:nvPr>
+            </p:nvSpPr>
+            <p:spPr>
+              <a:blipFill>
+                <a:blip r:embed="rId2"/>
+                <a:stretch>
+                  <a:fillRect l="-174" t="-980"/>
+                </a:stretch>
+              </a:blipFill>
+            </p:spPr>
+            <p:txBody>
+              <a:bodyPr/>
+              <a:lstStyle/>
+              <a:p>
+                <a:r>
+                  <a:rPr lang="fr-FR">
+                    <a:noFill/>
+                  </a:rPr>
+                  <a:t> </a:t>
+                </a:r>
+              </a:p>
+            </p:txBody>
+          </p:sp>
+        </mc:Fallback>
+      </mc:AlternateContent>
+    </p:spTree>
+    <p:extLst>
+      <p:ext uri="{BB962C8B-B14F-4D97-AF65-F5344CB8AC3E}">
+        <p14:creationId xmlns:p14="http://schemas.microsoft.com/office/powerpoint/2010/main" val="4047685021"/>
+      </p:ext>
+    </p:extLst>
+  </p:cSld>
+  <p:clrMapOvr>
+    <a:masterClrMapping/>
+  </p:clrMapOvr>
+</p:sld>
+</file>
+
+<file path=ppt/slides/slide7.xml><?xml version="1.0" encoding="utf-8"?>
 <p:sld xmlns:a="http://schemas.openxmlformats.org/drawingml/2006/main" xmlns:r="http://schemas.openxmlformats.org/officeDocument/2006/relationships" xmlns:p="http://schemas.openxmlformats.org/presentationml/2006/main">
   <p:cSld>
     <p:spTree>
@@ -25494,7 +28767,7 @@
 </p:sld>
 </file>
 
-<file path=ppt/slides/slide7.xml><?xml version="1.0" encoding="utf-8"?>
+<file path=ppt/slides/slide8.xml><?xml version="1.0" encoding="utf-8"?>
 <p:sld xmlns:a="http://schemas.openxmlformats.org/drawingml/2006/main" xmlns:r="http://schemas.openxmlformats.org/officeDocument/2006/relationships" xmlns:p="http://schemas.openxmlformats.org/presentationml/2006/main">
   <p:cSld>
     <p:spTree>

--- a/17_RobotDelta2D/Images/Figures2.pptx
+++ b/17_RobotDelta2D/Images/Figures2.pptx
@@ -13,6 +13,7 @@
     <p:sldId id="263" r:id="rId7"/>
     <p:sldId id="261" r:id="rId8"/>
     <p:sldId id="259" r:id="rId9"/>
+    <p:sldId id="264" r:id="rId10"/>
   </p:sldIdLst>
   <p:sldSz cx="12192000" cy="6858000"/>
   <p:notesSz cx="6858000" cy="9144000"/>
@@ -277,7 +278,7 @@
           <a:p>
             <a:fld id="{E89B7495-721A-440C-B815-4617627ED71C}" type="datetimeFigureOut">
               <a:rPr lang="fr-FR" smtClean="0"/>
-              <a:t>28/10/2023</a:t>
+              <a:t>29/10/2023</a:t>
             </a:fld>
             <a:endParaRPr lang="fr-FR"/>
           </a:p>
@@ -475,7 +476,7 @@
           <a:p>
             <a:fld id="{E89B7495-721A-440C-B815-4617627ED71C}" type="datetimeFigureOut">
               <a:rPr lang="fr-FR" smtClean="0"/>
-              <a:t>28/10/2023</a:t>
+              <a:t>29/10/2023</a:t>
             </a:fld>
             <a:endParaRPr lang="fr-FR"/>
           </a:p>
@@ -683,7 +684,7 @@
           <a:p>
             <a:fld id="{E89B7495-721A-440C-B815-4617627ED71C}" type="datetimeFigureOut">
               <a:rPr lang="fr-FR" smtClean="0"/>
-              <a:t>28/10/2023</a:t>
+              <a:t>29/10/2023</a:t>
             </a:fld>
             <a:endParaRPr lang="fr-FR"/>
           </a:p>
@@ -881,7 +882,7 @@
           <a:p>
             <a:fld id="{E89B7495-721A-440C-B815-4617627ED71C}" type="datetimeFigureOut">
               <a:rPr lang="fr-FR" smtClean="0"/>
-              <a:t>28/10/2023</a:t>
+              <a:t>29/10/2023</a:t>
             </a:fld>
             <a:endParaRPr lang="fr-FR"/>
           </a:p>
@@ -1156,7 +1157,7 @@
           <a:p>
             <a:fld id="{E89B7495-721A-440C-B815-4617627ED71C}" type="datetimeFigureOut">
               <a:rPr lang="fr-FR" smtClean="0"/>
-              <a:t>28/10/2023</a:t>
+              <a:t>29/10/2023</a:t>
             </a:fld>
             <a:endParaRPr lang="fr-FR"/>
           </a:p>
@@ -1421,7 +1422,7 @@
           <a:p>
             <a:fld id="{E89B7495-721A-440C-B815-4617627ED71C}" type="datetimeFigureOut">
               <a:rPr lang="fr-FR" smtClean="0"/>
-              <a:t>28/10/2023</a:t>
+              <a:t>29/10/2023</a:t>
             </a:fld>
             <a:endParaRPr lang="fr-FR"/>
           </a:p>
@@ -1833,7 +1834,7 @@
           <a:p>
             <a:fld id="{E89B7495-721A-440C-B815-4617627ED71C}" type="datetimeFigureOut">
               <a:rPr lang="fr-FR" smtClean="0"/>
-              <a:t>28/10/2023</a:t>
+              <a:t>29/10/2023</a:t>
             </a:fld>
             <a:endParaRPr lang="fr-FR"/>
           </a:p>
@@ -1974,7 +1975,7 @@
           <a:p>
             <a:fld id="{E89B7495-721A-440C-B815-4617627ED71C}" type="datetimeFigureOut">
               <a:rPr lang="fr-FR" smtClean="0"/>
-              <a:t>28/10/2023</a:t>
+              <a:t>29/10/2023</a:t>
             </a:fld>
             <a:endParaRPr lang="fr-FR"/>
           </a:p>
@@ -2087,7 +2088,7 @@
           <a:p>
             <a:fld id="{E89B7495-721A-440C-B815-4617627ED71C}" type="datetimeFigureOut">
               <a:rPr lang="fr-FR" smtClean="0"/>
-              <a:t>28/10/2023</a:t>
+              <a:t>29/10/2023</a:t>
             </a:fld>
             <a:endParaRPr lang="fr-FR"/>
           </a:p>
@@ -2398,7 +2399,7 @@
           <a:p>
             <a:fld id="{E89B7495-721A-440C-B815-4617627ED71C}" type="datetimeFigureOut">
               <a:rPr lang="fr-FR" smtClean="0"/>
-              <a:t>28/10/2023</a:t>
+              <a:t>29/10/2023</a:t>
             </a:fld>
             <a:endParaRPr lang="fr-FR"/>
           </a:p>
@@ -2686,7 +2687,7 @@
           <a:p>
             <a:fld id="{E89B7495-721A-440C-B815-4617627ED71C}" type="datetimeFigureOut">
               <a:rPr lang="fr-FR" smtClean="0"/>
-              <a:t>28/10/2023</a:t>
+              <a:t>29/10/2023</a:t>
             </a:fld>
             <a:endParaRPr lang="fr-FR"/>
           </a:p>
@@ -2927,7 +2928,7 @@
           <a:p>
             <a:fld id="{E89B7495-721A-440C-B815-4617627ED71C}" type="datetimeFigureOut">
               <a:rPr lang="fr-FR" smtClean="0"/>
-              <a:t>28/10/2023</a:t>
+              <a:t>29/10/2023</a:t>
             </a:fld>
             <a:endParaRPr lang="fr-FR"/>
           </a:p>
@@ -23980,8 +23981,8 @@
           </a:p>
         </p:txBody>
       </p:sp>
-      <mc:AlternateContent xmlns:mc="http://schemas.openxmlformats.org/markup-compatibility/2006">
-        <mc:Choice xmlns:a14="http://schemas.microsoft.com/office/drawing/2010/main" Requires="a14">
+      <mc:AlternateContent xmlns:mc="http://schemas.openxmlformats.org/markup-compatibility/2006" xmlns:a14="http://schemas.microsoft.com/office/drawing/2010/main">
+        <mc:Choice Requires="a14">
           <p:sp>
             <p:nvSpPr>
               <p:cNvPr id="3" name="Espace réservé du contenu 2">
@@ -27157,7 +27158,7 @@
             </p:txBody>
           </p:sp>
         </mc:Choice>
-        <mc:Fallback>
+        <mc:Fallback xmlns="">
           <p:sp>
             <p:nvSpPr>
               <p:cNvPr id="3" name="Espace réservé du contenu 2">
@@ -28806,7 +28807,7 @@
         </p:blipFill>
         <p:spPr>
           <a:xfrm>
-            <a:off x="222325" y="725700"/>
+            <a:off x="106822" y="302189"/>
             <a:ext cx="2609314" cy="2085013"/>
           </a:xfrm>
           <a:prstGeom prst="rect">
@@ -28836,7 +28837,7 @@
         </p:blipFill>
         <p:spPr>
           <a:xfrm>
-            <a:off x="2831639" y="452031"/>
+            <a:off x="-161818" y="2290456"/>
             <a:ext cx="3564201" cy="2632349"/>
           </a:xfrm>
           <a:prstGeom prst="rect">
@@ -28844,8 +28845,8 @@
           </a:prstGeom>
         </p:spPr>
       </p:pic>
-      <mc:AlternateContent xmlns:mc="http://schemas.openxmlformats.org/markup-compatibility/2006" xmlns:a14="http://schemas.microsoft.com/office/drawing/2010/main">
-        <mc:Choice Requires="a14">
+      <mc:AlternateContent xmlns:mc="http://schemas.openxmlformats.org/markup-compatibility/2006">
+        <mc:Choice xmlns:a14="http://schemas.microsoft.com/office/drawing/2010/main" Requires="a14">
           <p:sp>
             <p:nvSpPr>
               <p:cNvPr id="7" name="Espace réservé du contenu 2">
@@ -28862,8 +28863,504 @@
             </p:nvSpPr>
             <p:spPr>
               <a:xfrm>
-                <a:off x="569020" y="5089793"/>
-                <a:ext cx="5257800" cy="1768207"/>
+                <a:off x="203259" y="5415217"/>
+                <a:ext cx="2833363" cy="1140594"/>
+              </a:xfrm>
+              <a:prstGeom prst="rect">
+                <a:avLst/>
+              </a:prstGeom>
+            </p:spPr>
+            <p:txBody>
+              <a:bodyPr vert="horz" lIns="91440" tIns="45720" rIns="91440" bIns="45720" rtlCol="0">
+                <a:normAutofit fontScale="92500"/>
+              </a:bodyPr>
+              <a:lstStyle>
+                <a:lvl1pPr marL="228600" indent="-228600" algn="l" defTabSz="914400" rtl="0" eaLnBrk="1" latinLnBrk="0" hangingPunct="1">
+                  <a:lnSpc>
+                    <a:spcPct val="90000"/>
+                  </a:lnSpc>
+                  <a:spcBef>
+                    <a:spcPts val="1000"/>
+                  </a:spcBef>
+                  <a:buFont typeface="Arial" panose="020B0604020202020204" pitchFamily="34" charset="0"/>
+                  <a:buChar char="•"/>
+                  <a:defRPr sz="2800" kern="1200">
+                    <a:solidFill>
+                      <a:schemeClr val="tx1"/>
+                    </a:solidFill>
+                    <a:latin typeface="+mn-lt"/>
+                    <a:ea typeface="+mn-ea"/>
+                    <a:cs typeface="+mn-cs"/>
+                  </a:defRPr>
+                </a:lvl1pPr>
+                <a:lvl2pPr marL="685800" indent="-228600" algn="l" defTabSz="914400" rtl="0" eaLnBrk="1" latinLnBrk="0" hangingPunct="1">
+                  <a:lnSpc>
+                    <a:spcPct val="90000"/>
+                  </a:lnSpc>
+                  <a:spcBef>
+                    <a:spcPts val="500"/>
+                  </a:spcBef>
+                  <a:buFont typeface="Arial" panose="020B0604020202020204" pitchFamily="34" charset="0"/>
+                  <a:buChar char="•"/>
+                  <a:defRPr sz="2400" kern="1200">
+                    <a:solidFill>
+                      <a:schemeClr val="tx1"/>
+                    </a:solidFill>
+                    <a:latin typeface="+mn-lt"/>
+                    <a:ea typeface="+mn-ea"/>
+                    <a:cs typeface="+mn-cs"/>
+                  </a:defRPr>
+                </a:lvl2pPr>
+                <a:lvl3pPr marL="1143000" indent="-228600" algn="l" defTabSz="914400" rtl="0" eaLnBrk="1" latinLnBrk="0" hangingPunct="1">
+                  <a:lnSpc>
+                    <a:spcPct val="90000"/>
+                  </a:lnSpc>
+                  <a:spcBef>
+                    <a:spcPts val="500"/>
+                  </a:spcBef>
+                  <a:buFont typeface="Arial" panose="020B0604020202020204" pitchFamily="34" charset="0"/>
+                  <a:buChar char="•"/>
+                  <a:defRPr sz="2000" kern="1200">
+                    <a:solidFill>
+                      <a:schemeClr val="tx1"/>
+                    </a:solidFill>
+                    <a:latin typeface="+mn-lt"/>
+                    <a:ea typeface="+mn-ea"/>
+                    <a:cs typeface="+mn-cs"/>
+                  </a:defRPr>
+                </a:lvl3pPr>
+                <a:lvl4pPr marL="1600200" indent="-228600" algn="l" defTabSz="914400" rtl="0" eaLnBrk="1" latinLnBrk="0" hangingPunct="1">
+                  <a:lnSpc>
+                    <a:spcPct val="90000"/>
+                  </a:lnSpc>
+                  <a:spcBef>
+                    <a:spcPts val="500"/>
+                  </a:spcBef>
+                  <a:buFont typeface="Arial" panose="020B0604020202020204" pitchFamily="34" charset="0"/>
+                  <a:buChar char="•"/>
+                  <a:defRPr sz="1800" kern="1200">
+                    <a:solidFill>
+                      <a:schemeClr val="tx1"/>
+                    </a:solidFill>
+                    <a:latin typeface="+mn-lt"/>
+                    <a:ea typeface="+mn-ea"/>
+                    <a:cs typeface="+mn-cs"/>
+                  </a:defRPr>
+                </a:lvl4pPr>
+                <a:lvl5pPr marL="2057400" indent="-228600" algn="l" defTabSz="914400" rtl="0" eaLnBrk="1" latinLnBrk="0" hangingPunct="1">
+                  <a:lnSpc>
+                    <a:spcPct val="90000"/>
+                  </a:lnSpc>
+                  <a:spcBef>
+                    <a:spcPts val="500"/>
+                  </a:spcBef>
+                  <a:buFont typeface="Arial" panose="020B0604020202020204" pitchFamily="34" charset="0"/>
+                  <a:buChar char="•"/>
+                  <a:defRPr sz="1800" kern="1200">
+                    <a:solidFill>
+                      <a:schemeClr val="tx1"/>
+                    </a:solidFill>
+                    <a:latin typeface="+mn-lt"/>
+                    <a:ea typeface="+mn-ea"/>
+                    <a:cs typeface="+mn-cs"/>
+                  </a:defRPr>
+                </a:lvl5pPr>
+                <a:lvl6pPr marL="2514600" indent="-228600" algn="l" defTabSz="914400" rtl="0" eaLnBrk="1" latinLnBrk="0" hangingPunct="1">
+                  <a:lnSpc>
+                    <a:spcPct val="90000"/>
+                  </a:lnSpc>
+                  <a:spcBef>
+                    <a:spcPts val="500"/>
+                  </a:spcBef>
+                  <a:buFont typeface="Arial" panose="020B0604020202020204" pitchFamily="34" charset="0"/>
+                  <a:buChar char="•"/>
+                  <a:defRPr sz="1800" kern="1200">
+                    <a:solidFill>
+                      <a:schemeClr val="tx1"/>
+                    </a:solidFill>
+                    <a:latin typeface="+mn-lt"/>
+                    <a:ea typeface="+mn-ea"/>
+                    <a:cs typeface="+mn-cs"/>
+                  </a:defRPr>
+                </a:lvl6pPr>
+                <a:lvl7pPr marL="2971800" indent="-228600" algn="l" defTabSz="914400" rtl="0" eaLnBrk="1" latinLnBrk="0" hangingPunct="1">
+                  <a:lnSpc>
+                    <a:spcPct val="90000"/>
+                  </a:lnSpc>
+                  <a:spcBef>
+                    <a:spcPts val="500"/>
+                  </a:spcBef>
+                  <a:buFont typeface="Arial" panose="020B0604020202020204" pitchFamily="34" charset="0"/>
+                  <a:buChar char="•"/>
+                  <a:defRPr sz="1800" kern="1200">
+                    <a:solidFill>
+                      <a:schemeClr val="tx1"/>
+                    </a:solidFill>
+                    <a:latin typeface="+mn-lt"/>
+                    <a:ea typeface="+mn-ea"/>
+                    <a:cs typeface="+mn-cs"/>
+                  </a:defRPr>
+                </a:lvl7pPr>
+                <a:lvl8pPr marL="3429000" indent="-228600" algn="l" defTabSz="914400" rtl="0" eaLnBrk="1" latinLnBrk="0" hangingPunct="1">
+                  <a:lnSpc>
+                    <a:spcPct val="90000"/>
+                  </a:lnSpc>
+                  <a:spcBef>
+                    <a:spcPts val="500"/>
+                  </a:spcBef>
+                  <a:buFont typeface="Arial" panose="020B0604020202020204" pitchFamily="34" charset="0"/>
+                  <a:buChar char="•"/>
+                  <a:defRPr sz="1800" kern="1200">
+                    <a:solidFill>
+                      <a:schemeClr val="tx1"/>
+                    </a:solidFill>
+                    <a:latin typeface="+mn-lt"/>
+                    <a:ea typeface="+mn-ea"/>
+                    <a:cs typeface="+mn-cs"/>
+                  </a:defRPr>
+                </a:lvl8pPr>
+                <a:lvl9pPr marL="3886200" indent="-228600" algn="l" defTabSz="914400" rtl="0" eaLnBrk="1" latinLnBrk="0" hangingPunct="1">
+                  <a:lnSpc>
+                    <a:spcPct val="90000"/>
+                  </a:lnSpc>
+                  <a:spcBef>
+                    <a:spcPts val="500"/>
+                  </a:spcBef>
+                  <a:buFont typeface="Arial" panose="020B0604020202020204" pitchFamily="34" charset="0"/>
+                  <a:buChar char="•"/>
+                  <a:defRPr sz="1800" kern="1200">
+                    <a:solidFill>
+                      <a:schemeClr val="tx1"/>
+                    </a:solidFill>
+                    <a:latin typeface="+mn-lt"/>
+                    <a:ea typeface="+mn-ea"/>
+                    <a:cs typeface="+mn-cs"/>
+                  </a:defRPr>
+                </a:lvl9pPr>
+              </a:lstStyle>
+              <a:p>
+                <a14:m>
+                  <m:oMath xmlns:m="http://schemas.openxmlformats.org/officeDocument/2006/math">
+                    <m:acc>
+                      <m:accPr>
+                        <m:chr m:val="⃗"/>
+                        <m:ctrlPr>
+                          <a:rPr lang="fr-FR" sz="1800" i="1" smtClean="0">
+                            <a:latin typeface="Cambria Math" panose="02040503050406030204" pitchFamily="18" charset="0"/>
+                          </a:rPr>
+                        </m:ctrlPr>
+                      </m:accPr>
+                      <m:e>
+                        <m:r>
+                          <a:rPr lang="fr-FR" sz="1800" i="1">
+                            <a:latin typeface="Cambria Math" panose="02040503050406030204" pitchFamily="18" charset="0"/>
+                          </a:rPr>
+                          <m:t>𝑂𝐴</m:t>
+                        </m:r>
+                      </m:e>
+                    </m:acc>
+                    <m:r>
+                      <a:rPr lang="fr-FR" sz="1800" b="0" i="1" smtClean="0">
+                        <a:latin typeface="Cambria Math" panose="02040503050406030204" pitchFamily="18" charset="0"/>
+                      </a:rPr>
+                      <m:t>=</m:t>
+                    </m:r>
+                    <m:r>
+                      <a:rPr lang="fr-FR" sz="1800" b="0" i="1" smtClean="0">
+                        <a:latin typeface="Cambria Math" panose="02040503050406030204" pitchFamily="18" charset="0"/>
+                      </a:rPr>
+                      <m:t>𝑎</m:t>
+                    </m:r>
+                    <m:acc>
+                      <m:accPr>
+                        <m:chr m:val="⃗"/>
+                        <m:ctrlPr>
+                          <a:rPr lang="fr-FR" sz="1800" i="1">
+                            <a:latin typeface="Cambria Math" panose="02040503050406030204" pitchFamily="18" charset="0"/>
+                          </a:rPr>
+                        </m:ctrlPr>
+                      </m:accPr>
+                      <m:e>
+                        <m:r>
+                          <a:rPr lang="fr-FR" sz="1800" b="0" i="1" smtClean="0">
+                            <a:latin typeface="Cambria Math" panose="02040503050406030204" pitchFamily="18" charset="0"/>
+                          </a:rPr>
+                          <m:t> </m:t>
+                        </m:r>
+                        <m:sSub>
+                          <m:sSubPr>
+                            <m:ctrlPr>
+                              <a:rPr lang="fr-FR" sz="1800" b="0" i="1" smtClean="0">
+                                <a:latin typeface="Cambria Math" panose="02040503050406030204" pitchFamily="18" charset="0"/>
+                              </a:rPr>
+                            </m:ctrlPr>
+                          </m:sSubPr>
+                          <m:e>
+                            <m:r>
+                              <a:rPr lang="fr-FR" sz="1800" b="0" i="1" smtClean="0">
+                                <a:latin typeface="Cambria Math" panose="02040503050406030204" pitchFamily="18" charset="0"/>
+                              </a:rPr>
+                              <m:t>𝑥</m:t>
+                            </m:r>
+                          </m:e>
+                          <m:sub>
+                            <m:r>
+                              <a:rPr lang="fr-FR" sz="1800" b="0" i="1" smtClean="0">
+                                <a:latin typeface="Cambria Math" panose="02040503050406030204" pitchFamily="18" charset="0"/>
+                              </a:rPr>
+                              <m:t>0</m:t>
+                            </m:r>
+                          </m:sub>
+                        </m:sSub>
+                      </m:e>
+                    </m:acc>
+                  </m:oMath>
+                </a14:m>
+                <a:endParaRPr lang="fr-FR" sz="1800" dirty="0"/>
+              </a:p>
+              <a:p>
+                <a14:m>
+                  <m:oMath xmlns:m="http://schemas.openxmlformats.org/officeDocument/2006/math">
+                    <m:acc>
+                      <m:accPr>
+                        <m:chr m:val="⃗"/>
+                        <m:ctrlPr>
+                          <a:rPr lang="fr-FR" sz="1800" i="1">
+                            <a:latin typeface="Cambria Math" panose="02040503050406030204" pitchFamily="18" charset="0"/>
+                          </a:rPr>
+                        </m:ctrlPr>
+                      </m:accPr>
+                      <m:e>
+                        <m:r>
+                          <a:rPr lang="fr-FR" sz="1800" i="1" smtClean="0">
+                            <a:latin typeface="Cambria Math" panose="02040503050406030204" pitchFamily="18" charset="0"/>
+                          </a:rPr>
+                          <m:t>𝐴𝐵</m:t>
+                        </m:r>
+                      </m:e>
+                    </m:acc>
+                    <m:r>
+                      <a:rPr lang="fr-FR" sz="1800" b="0" i="1" smtClean="0">
+                        <a:latin typeface="Cambria Math" panose="02040503050406030204" pitchFamily="18" charset="0"/>
+                      </a:rPr>
+                      <m:t>=</m:t>
+                    </m:r>
+                    <m:r>
+                      <a:rPr lang="fr-FR" sz="1800" b="0" i="1" smtClean="0">
+                        <a:latin typeface="Cambria Math" panose="02040503050406030204" pitchFamily="18" charset="0"/>
+                      </a:rPr>
+                      <m:t>𝑏</m:t>
+                    </m:r>
+                    <m:r>
+                      <a:rPr lang="fr-FR" sz="1800" b="0" i="1" smtClean="0">
+                        <a:latin typeface="Cambria Math" panose="02040503050406030204" pitchFamily="18" charset="0"/>
+                      </a:rPr>
+                      <m:t> </m:t>
+                    </m:r>
+                    <m:acc>
+                      <m:accPr>
+                        <m:chr m:val="⃗"/>
+                        <m:ctrlPr>
+                          <a:rPr lang="fr-FR" sz="1800" i="1">
+                            <a:latin typeface="Cambria Math" panose="02040503050406030204" pitchFamily="18" charset="0"/>
+                          </a:rPr>
+                        </m:ctrlPr>
+                      </m:accPr>
+                      <m:e>
+                        <m:sSub>
+                          <m:sSubPr>
+                            <m:ctrlPr>
+                              <a:rPr lang="fr-FR" sz="1800" b="0" i="1" smtClean="0">
+                                <a:latin typeface="Cambria Math" panose="02040503050406030204" pitchFamily="18" charset="0"/>
+                              </a:rPr>
+                            </m:ctrlPr>
+                          </m:sSubPr>
+                          <m:e>
+                            <m:r>
+                              <a:rPr lang="fr-FR" sz="1800" b="0" i="1" smtClean="0">
+                                <a:latin typeface="Cambria Math" panose="02040503050406030204" pitchFamily="18" charset="0"/>
+                              </a:rPr>
+                              <m:t>𝑥</m:t>
+                            </m:r>
+                          </m:e>
+                          <m:sub>
+                            <m:r>
+                              <a:rPr lang="fr-FR" sz="1800" b="0" i="1" smtClean="0">
+                                <a:latin typeface="Cambria Math" panose="02040503050406030204" pitchFamily="18" charset="0"/>
+                              </a:rPr>
+                              <m:t>1</m:t>
+                            </m:r>
+                          </m:sub>
+                        </m:sSub>
+                      </m:e>
+                    </m:acc>
+                  </m:oMath>
+                </a14:m>
+                <a:endParaRPr lang="fr-FR" sz="1800" dirty="0"/>
+              </a:p>
+              <a:p>
+                <a14:m>
+                  <m:oMath xmlns:m="http://schemas.openxmlformats.org/officeDocument/2006/math">
+                    <m:acc>
+                      <m:accPr>
+                        <m:chr m:val="⃗"/>
+                        <m:ctrlPr>
+                          <a:rPr lang="fr-FR" sz="1800" i="1">
+                            <a:latin typeface="Cambria Math" panose="02040503050406030204" pitchFamily="18" charset="0"/>
+                          </a:rPr>
+                        </m:ctrlPr>
+                      </m:accPr>
+                      <m:e>
+                        <m:r>
+                          <a:rPr lang="fr-FR" sz="1800" i="1" smtClean="0">
+                            <a:latin typeface="Cambria Math" panose="02040503050406030204" pitchFamily="18" charset="0"/>
+                          </a:rPr>
+                          <m:t>𝐵</m:t>
+                        </m:r>
+                        <m:r>
+                          <a:rPr lang="fr-FR" sz="1800" i="1">
+                            <a:latin typeface="Cambria Math" panose="02040503050406030204" pitchFamily="18" charset="0"/>
+                          </a:rPr>
+                          <m:t>𝐹</m:t>
+                        </m:r>
+                      </m:e>
+                    </m:acc>
+                    <m:r>
+                      <a:rPr lang="fr-FR" sz="1800" i="1">
+                        <a:latin typeface="Cambria Math" panose="02040503050406030204" pitchFamily="18" charset="0"/>
+                      </a:rPr>
+                      <m:t>=</m:t>
+                    </m:r>
+                    <m:r>
+                      <a:rPr lang="fr-FR" sz="1800" b="0" i="1" smtClean="0">
+                        <a:latin typeface="Cambria Math" panose="02040503050406030204" pitchFamily="18" charset="0"/>
+                      </a:rPr>
+                      <m:t>𝑐</m:t>
+                    </m:r>
+                    <m:r>
+                      <a:rPr lang="fr-FR" sz="1800" b="0" i="1" smtClean="0">
+                        <a:latin typeface="Cambria Math" panose="02040503050406030204" pitchFamily="18" charset="0"/>
+                      </a:rPr>
+                      <m:t> </m:t>
+                    </m:r>
+                    <m:acc>
+                      <m:accPr>
+                        <m:chr m:val="⃗"/>
+                        <m:ctrlPr>
+                          <a:rPr lang="fr-FR" sz="1800" i="1">
+                            <a:latin typeface="Cambria Math" panose="02040503050406030204" pitchFamily="18" charset="0"/>
+                          </a:rPr>
+                        </m:ctrlPr>
+                      </m:accPr>
+                      <m:e>
+                        <m:sSub>
+                          <m:sSubPr>
+                            <m:ctrlPr>
+                              <a:rPr lang="fr-FR" sz="1800" i="1">
+                                <a:latin typeface="Cambria Math" panose="02040503050406030204" pitchFamily="18" charset="0"/>
+                              </a:rPr>
+                            </m:ctrlPr>
+                          </m:sSubPr>
+                          <m:e>
+                            <m:r>
+                              <a:rPr lang="fr-FR" sz="1800" i="1">
+                                <a:latin typeface="Cambria Math" panose="02040503050406030204" pitchFamily="18" charset="0"/>
+                              </a:rPr>
+                              <m:t>𝑥</m:t>
+                            </m:r>
+                          </m:e>
+                          <m:sub>
+                            <m:r>
+                              <a:rPr lang="fr-FR" sz="1800" b="0" i="1" smtClean="0">
+                                <a:latin typeface="Cambria Math" panose="02040503050406030204" pitchFamily="18" charset="0"/>
+                              </a:rPr>
+                              <m:t>4</m:t>
+                            </m:r>
+                          </m:sub>
+                        </m:sSub>
+                      </m:e>
+                    </m:acc>
+                  </m:oMath>
+                </a14:m>
+                <a:endParaRPr lang="fr-FR" sz="1800" dirty="0"/>
+              </a:p>
+              <a:p>
+                <a:endParaRPr lang="fr-FR" sz="1800" dirty="0"/>
+              </a:p>
+              <a:p>
+                <a:endParaRPr lang="fr-FR" sz="1800" dirty="0"/>
+              </a:p>
+              <a:p>
+                <a:endParaRPr lang="fr-FR" sz="1800" dirty="0"/>
+              </a:p>
+            </p:txBody>
+          </p:sp>
+        </mc:Choice>
+        <mc:Fallback>
+          <p:sp>
+            <p:nvSpPr>
+              <p:cNvPr id="7" name="Espace réservé du contenu 2">
+                <a:extLst>
+                  <a:ext uri="{FF2B5EF4-FFF2-40B4-BE49-F238E27FC236}">
+                    <a16:creationId xmlns:a16="http://schemas.microsoft.com/office/drawing/2014/main" id="{03282FC2-809C-1E5F-F010-505514B69E8A}"/>
+                  </a:ext>
+                </a:extLst>
+              </p:cNvPr>
+              <p:cNvSpPr txBox="1">
+                <a:spLocks noRot="1" noChangeAspect="1" noMove="1" noResize="1" noEditPoints="1" noAdjustHandles="1" noChangeArrowheads="1" noChangeShapeType="1" noTextEdit="1"/>
+              </p:cNvSpPr>
+              <p:nvPr/>
+            </p:nvSpPr>
+            <p:spPr>
+              <a:xfrm>
+                <a:off x="203259" y="5415217"/>
+                <a:ext cx="2833363" cy="1140594"/>
+              </a:xfrm>
+              <a:prstGeom prst="rect">
+                <a:avLst/>
+              </a:prstGeom>
+              <a:blipFill>
+                <a:blip r:embed="rId4"/>
+                <a:stretch>
+                  <a:fillRect l="-1075" b="-5348"/>
+                </a:stretch>
+              </a:blipFill>
+            </p:spPr>
+            <p:txBody>
+              <a:bodyPr/>
+              <a:lstStyle/>
+              <a:p>
+                <a:r>
+                  <a:rPr lang="fr-FR">
+                    <a:noFill/>
+                  </a:rPr>
+                  <a:t> </a:t>
+                </a:r>
+              </a:p>
+            </p:txBody>
+          </p:sp>
+        </mc:Fallback>
+      </mc:AlternateContent>
+      <mc:AlternateContent xmlns:mc="http://schemas.openxmlformats.org/markup-compatibility/2006">
+        <mc:Choice xmlns:a14="http://schemas.microsoft.com/office/drawing/2010/main" Requires="a14">
+          <p:sp>
+            <p:nvSpPr>
+              <p:cNvPr id="2" name="Espace réservé du contenu 2">
+                <a:extLst>
+                  <a:ext uri="{FF2B5EF4-FFF2-40B4-BE49-F238E27FC236}">
+                    <a16:creationId xmlns:a16="http://schemas.microsoft.com/office/drawing/2014/main" id="{A708492D-190A-38F2-BEE0-A0BA1A04D817}"/>
+                  </a:ext>
+                </a:extLst>
+              </p:cNvPr>
+              <p:cNvSpPr txBox="1">
+                <a:spLocks/>
+              </p:cNvSpPr>
+              <p:nvPr/>
+            </p:nvSpPr>
+            <p:spPr>
+              <a:xfrm>
+                <a:off x="3233057" y="155729"/>
+                <a:ext cx="8958943" cy="5450414"/>
               </a:xfrm>
               <a:prstGeom prst="rect">
                 <a:avLst/>
@@ -29040,30 +29537,6 @@
               <a:p>
                 <a14:m>
                   <m:oMath xmlns:m="http://schemas.openxmlformats.org/officeDocument/2006/math">
-                    <m:acc>
-                      <m:accPr>
-                        <m:chr m:val="⃗"/>
-                        <m:ctrlPr>
-                          <a:rPr lang="fr-FR" sz="1800" i="1" smtClean="0">
-                            <a:latin typeface="Cambria Math" panose="02040503050406030204" pitchFamily="18" charset="0"/>
-                          </a:rPr>
-                        </m:ctrlPr>
-                      </m:accPr>
-                      <m:e>
-                        <m:r>
-                          <a:rPr lang="fr-FR" sz="1800" i="1">
-                            <a:latin typeface="Cambria Math" panose="02040503050406030204" pitchFamily="18" charset="0"/>
-                          </a:rPr>
-                          <m:t>𝑂𝐴</m:t>
-                        </m:r>
-                      </m:e>
-                    </m:acc>
-                    <m:r>
-                      <a:rPr lang="fr-FR" sz="1800" b="0" i="1" smtClean="0">
-                        <a:latin typeface="Cambria Math" panose="02040503050406030204" pitchFamily="18" charset="0"/>
-                      </a:rPr>
-                      <m:t>=</m:t>
-                    </m:r>
                     <m:r>
                       <a:rPr lang="fr-FR" sz="1800" b="0" i="1" smtClean="0">
                         <a:latin typeface="Cambria Math" panose="02040503050406030204" pitchFamily="18" charset="0"/>
@@ -29080,12 +29553,6 @@
                         </m:ctrlPr>
                       </m:accPr>
                       <m:e>
-                        <m:r>
-                          <a:rPr lang="fr-FR" sz="1800" b="0" i="1" smtClean="0">
-                            <a:latin typeface="Cambria Math" panose="02040503050406030204" pitchFamily="18" charset="0"/>
-                          </a:rPr>
-                          <m:t> </m:t>
-                        </m:r>
                         <m:sSub>
                           <m:sSubPr>
                             <m:ctrlPr>
@@ -29113,36 +29580,11 @@
                         </m:sSub>
                       </m:e>
                     </m:acc>
-                  </m:oMath>
-                </a14:m>
-                <a:endParaRPr lang="fr-FR" sz="1800" dirty="0"/>
-              </a:p>
-              <a:p>
-                <a14:m>
-                  <m:oMath xmlns:m="http://schemas.openxmlformats.org/officeDocument/2006/math">
-                    <m:acc>
-                      <m:accPr>
-                        <m:chr m:val="⃗"/>
-                        <m:ctrlPr>
-                          <a:rPr lang="fr-FR" sz="1800" i="1">
-                            <a:latin typeface="Cambria Math" panose="02040503050406030204" pitchFamily="18" charset="0"/>
-                          </a:rPr>
-                        </m:ctrlPr>
-                      </m:accPr>
-                      <m:e>
-                        <m:r>
-                          <a:rPr lang="fr-FR" sz="1800" i="1" smtClean="0">
-                            <a:latin typeface="Cambria Math" panose="02040503050406030204" pitchFamily="18" charset="0"/>
-                          </a:rPr>
-                          <m:t>𝐴𝐵</m:t>
-                        </m:r>
-                      </m:e>
-                    </m:acc>
                     <m:r>
-                      <a:rPr lang="fr-FR" sz="1800" b="0" i="1" smtClean="0">
+                      <a:rPr lang="fr-FR" sz="1800" b="0" i="0" smtClean="0">
                         <a:latin typeface="Cambria Math" panose="02040503050406030204" pitchFamily="18" charset="0"/>
                       </a:rPr>
-                      <m:t>=</m:t>
+                      <m:t>+</m:t>
                     </m:r>
                     <m:r>
                       <a:rPr lang="fr-FR" sz="1800" b="0" i="1" smtClean="0">
@@ -29150,12 +29592,6 @@
                       </a:rPr>
                       <m:t>𝑏</m:t>
                     </m:r>
-                    <m:r>
-                      <a:rPr lang="fr-FR" sz="1800" b="0" i="1" smtClean="0">
-                        <a:latin typeface="Cambria Math" panose="02040503050406030204" pitchFamily="18" charset="0"/>
-                      </a:rPr>
-                      <m:t> </m:t>
-                    </m:r>
                     <m:acc>
                       <m:accPr>
                         <m:chr m:val="⃗"/>
@@ -29193,13 +29629,18 @@
                         </m:sSub>
                       </m:e>
                     </m:acc>
-                  </m:oMath>
-                </a14:m>
-                <a:endParaRPr lang="fr-FR" sz="1800" dirty="0"/>
-              </a:p>
-              <a:p>
-                <a14:m>
-                  <m:oMath xmlns:m="http://schemas.openxmlformats.org/officeDocument/2006/math">
+                    <m:r>
+                      <a:rPr lang="fr-FR" sz="1800" b="0" i="0" smtClean="0">
+                        <a:latin typeface="Cambria Math" panose="02040503050406030204" pitchFamily="18" charset="0"/>
+                      </a:rPr>
+                      <m:t>+</m:t>
+                    </m:r>
+                    <m:r>
+                      <a:rPr lang="fr-FR" sz="1800" b="0" i="1" smtClean="0">
+                        <a:latin typeface="Cambria Math" panose="02040503050406030204" pitchFamily="18" charset="0"/>
+                      </a:rPr>
+                      <m:t>𝑐</m:t>
+                    </m:r>
                     <m:acc>
                       <m:accPr>
                         <m:chr m:val="⃗"/>
@@ -29210,18 +29651,31 @@
                         </m:ctrlPr>
                       </m:accPr>
                       <m:e>
-                        <m:r>
-                          <a:rPr lang="fr-FR" sz="1800" i="1" smtClean="0">
-                            <a:latin typeface="Cambria Math" panose="02040503050406030204" pitchFamily="18" charset="0"/>
-                          </a:rPr>
-                          <m:t>𝐵</m:t>
-                        </m:r>
-                        <m:r>
-                          <a:rPr lang="fr-FR" sz="1800" i="1">
-                            <a:latin typeface="Cambria Math" panose="02040503050406030204" pitchFamily="18" charset="0"/>
-                          </a:rPr>
-                          <m:t>𝐹</m:t>
-                        </m:r>
+                        <m:sSub>
+                          <m:sSubPr>
+                            <m:ctrlPr>
+                              <a:rPr lang="fr-FR" sz="1800" i="1">
+                                <a:latin typeface="Cambria Math" panose="02040503050406030204" pitchFamily="18" charset="0"/>
+                              </a:rPr>
+                            </m:ctrlPr>
+                          </m:sSubPr>
+                          <m:e>
+                            <m:r>
+                              <a:rPr lang="fr-FR" sz="1800" i="1">
+                                <a:latin typeface="Cambria Math" panose="02040503050406030204" pitchFamily="18" charset="0"/>
+                              </a:rPr>
+                              <m:t>𝑥</m:t>
+                            </m:r>
+                          </m:e>
+                          <m:sub>
+                            <m:r>
+                              <a:rPr lang="fr-FR" sz="1800" b="0" i="1" smtClean="0">
+                                <a:latin typeface="Cambria Math" panose="02040503050406030204" pitchFamily="18" charset="0"/>
+                              </a:rPr>
+                              <m:t>4</m:t>
+                            </m:r>
+                          </m:sub>
+                        </m:sSub>
                       </m:e>
                     </m:acc>
                     <m:r>
@@ -29234,13 +29688,7 @@
                       <a:rPr lang="fr-FR" sz="1800" b="0" i="1" smtClean="0">
                         <a:latin typeface="Cambria Math" panose="02040503050406030204" pitchFamily="18" charset="0"/>
                       </a:rPr>
-                      <m:t>𝑐</m:t>
-                    </m:r>
-                    <m:r>
-                      <a:rPr lang="fr-FR" sz="1800" b="0" i="1" smtClean="0">
-                        <a:latin typeface="Cambria Math" panose="02040503050406030204" pitchFamily="18" charset="0"/>
-                      </a:rPr>
-                      <m:t> </m:t>
+                      <m:t>𝑥</m:t>
                     </m:r>
                     <m:acc>
                       <m:accPr>
@@ -29273,7 +29721,56 @@
                               <a:rPr lang="fr-FR" sz="1800" b="0" i="1" smtClean="0">
                                 <a:latin typeface="Cambria Math" panose="02040503050406030204" pitchFamily="18" charset="0"/>
                               </a:rPr>
-                              <m:t>4</m:t>
+                              <m:t>0</m:t>
+                            </m:r>
+                          </m:sub>
+                        </m:sSub>
+                      </m:e>
+                    </m:acc>
+                    <m:r>
+                      <a:rPr lang="fr-FR" sz="1800">
+                        <a:latin typeface="Cambria Math" panose="02040503050406030204" pitchFamily="18" charset="0"/>
+                      </a:rPr>
+                      <m:t>+</m:t>
+                    </m:r>
+                    <m:r>
+                      <a:rPr lang="fr-FR" sz="1800" b="0" i="1" smtClean="0">
+                        <a:latin typeface="Cambria Math" panose="02040503050406030204" pitchFamily="18" charset="0"/>
+                      </a:rPr>
+                      <m:t>𝑦</m:t>
+                    </m:r>
+                    <m:acc>
+                      <m:accPr>
+                        <m:chr m:val="⃗"/>
+                        <m:ctrlPr>
+                          <a:rPr lang="fr-FR" sz="1800" i="1">
+                            <a:latin typeface="Cambria Math" panose="02040503050406030204" pitchFamily="18" charset="0"/>
+                          </a:rPr>
+                        </m:ctrlPr>
+                      </m:accPr>
+                      <m:e>
+                        <m:sSub>
+                          <m:sSubPr>
+                            <m:ctrlPr>
+                              <a:rPr lang="fr-FR" sz="1800" i="1">
+                                <a:latin typeface="Cambria Math" panose="02040503050406030204" pitchFamily="18" charset="0"/>
+                              </a:rPr>
+                            </m:ctrlPr>
+                          </m:sSubPr>
+                          <m:e>
+                            <m:r>
+                              <a:rPr lang="fr-FR" sz="1800" b="0" i="1" smtClean="0">
+                                <a:latin typeface="Cambria Math" panose="02040503050406030204" pitchFamily="18" charset="0"/>
+                              </a:rPr>
+                              <m:t>𝑦</m:t>
+                            </m:r>
+                          </m:e>
+                          <m:sub>
+                            <m:r>
+                              <a:rPr lang="fr-FR" sz="1800" b="0" i="1" smtClean="0">
+                                <a:latin typeface="Cambria Math" panose="02040503050406030204" pitchFamily="18" charset="0"/>
+                              </a:rPr>
+                              <m:t>0</m:t>
                             </m:r>
                           </m:sub>
                         </m:sSub>
@@ -29281,6 +29778,2693 @@
                     </m:acc>
                   </m:oMath>
                 </a14:m>
+                <a:endParaRPr lang="fr-FR" sz="1800" dirty="0"/>
+              </a:p>
+              <a:p>
+                <a14:m>
+                  <m:oMath xmlns:m="http://schemas.openxmlformats.org/officeDocument/2006/math">
+                    <m:r>
+                      <a:rPr lang="fr-FR" sz="1800" i="1">
+                        <a:latin typeface="Cambria Math" panose="02040503050406030204" pitchFamily="18" charset="0"/>
+                      </a:rPr>
+                      <m:t>⟹</m:t>
+                    </m:r>
+                    <m:r>
+                      <a:rPr lang="fr-FR" sz="1800" i="1">
+                        <a:latin typeface="Cambria Math" panose="02040503050406030204" pitchFamily="18" charset="0"/>
+                      </a:rPr>
+                      <m:t>𝑎</m:t>
+                    </m:r>
+                    <m:acc>
+                      <m:accPr>
+                        <m:chr m:val="⃗"/>
+                        <m:ctrlPr>
+                          <a:rPr lang="fr-FR" sz="1800" i="1">
+                            <a:latin typeface="Cambria Math" panose="02040503050406030204" pitchFamily="18" charset="0"/>
+                          </a:rPr>
+                        </m:ctrlPr>
+                      </m:accPr>
+                      <m:e>
+                        <m:sSub>
+                          <m:sSubPr>
+                            <m:ctrlPr>
+                              <a:rPr lang="fr-FR" sz="1800" i="1">
+                                <a:latin typeface="Cambria Math" panose="02040503050406030204" pitchFamily="18" charset="0"/>
+                              </a:rPr>
+                            </m:ctrlPr>
+                          </m:sSubPr>
+                          <m:e>
+                            <m:r>
+                              <a:rPr lang="fr-FR" sz="1800" i="1">
+                                <a:latin typeface="Cambria Math" panose="02040503050406030204" pitchFamily="18" charset="0"/>
+                              </a:rPr>
+                              <m:t>𝑥</m:t>
+                            </m:r>
+                          </m:e>
+                          <m:sub>
+                            <m:r>
+                              <a:rPr lang="fr-FR" sz="1800" i="1">
+                                <a:latin typeface="Cambria Math" panose="02040503050406030204" pitchFamily="18" charset="0"/>
+                              </a:rPr>
+                              <m:t>0</m:t>
+                            </m:r>
+                          </m:sub>
+                        </m:sSub>
+                      </m:e>
+                    </m:acc>
+                    <m:r>
+                      <a:rPr lang="fr-FR" sz="1800">
+                        <a:latin typeface="Cambria Math" panose="02040503050406030204" pitchFamily="18" charset="0"/>
+                      </a:rPr>
+                      <m:t>+</m:t>
+                    </m:r>
+                    <m:r>
+                      <a:rPr lang="fr-FR" sz="1800" i="1">
+                        <a:latin typeface="Cambria Math" panose="02040503050406030204" pitchFamily="18" charset="0"/>
+                      </a:rPr>
+                      <m:t>𝑏</m:t>
+                    </m:r>
+                    <m:d>
+                      <m:dPr>
+                        <m:ctrlPr>
+                          <a:rPr lang="fr-FR" sz="1800" i="1" smtClean="0">
+                            <a:latin typeface="Cambria Math" panose="02040503050406030204" pitchFamily="18" charset="0"/>
+                          </a:rPr>
+                        </m:ctrlPr>
+                      </m:dPr>
+                      <m:e>
+                        <m:func>
+                          <m:funcPr>
+                            <m:ctrlPr>
+                              <a:rPr lang="fr-FR" sz="1800" i="1">
+                                <a:latin typeface="Cambria Math" panose="02040503050406030204" pitchFamily="18" charset="0"/>
+                              </a:rPr>
+                            </m:ctrlPr>
+                          </m:funcPr>
+                          <m:fName>
+                            <m:r>
+                              <m:rPr>
+                                <m:sty m:val="p"/>
+                              </m:rPr>
+                              <a:rPr lang="fr-FR" sz="1800">
+                                <a:latin typeface="Cambria Math" panose="02040503050406030204" pitchFamily="18" charset="0"/>
+                              </a:rPr>
+                              <m:t>cos</m:t>
+                            </m:r>
+                          </m:fName>
+                          <m:e>
+                            <m:sSub>
+                              <m:sSubPr>
+                                <m:ctrlPr>
+                                  <a:rPr lang="fr-FR" sz="1800" i="1">
+                                    <a:latin typeface="Cambria Math" panose="02040503050406030204" pitchFamily="18" charset="0"/>
+                                  </a:rPr>
+                                </m:ctrlPr>
+                              </m:sSubPr>
+                              <m:e>
+                                <m:r>
+                                  <a:rPr lang="fr-FR" sz="1800" i="1">
+                                    <a:latin typeface="Cambria Math" panose="02040503050406030204" pitchFamily="18" charset="0"/>
+                                  </a:rPr>
+                                  <m:t>𝛼</m:t>
+                                </m:r>
+                              </m:e>
+                              <m:sub>
+                                <m:r>
+                                  <a:rPr lang="fr-FR" sz="1800" i="1">
+                                    <a:latin typeface="Cambria Math" panose="02040503050406030204" pitchFamily="18" charset="0"/>
+                                  </a:rPr>
+                                  <m:t>1</m:t>
+                                </m:r>
+                              </m:sub>
+                            </m:sSub>
+                          </m:e>
+                        </m:func>
+                        <m:acc>
+                          <m:accPr>
+                            <m:chr m:val="⃗"/>
+                            <m:ctrlPr>
+                              <a:rPr lang="fr-FR" sz="1800" i="1">
+                                <a:latin typeface="Cambria Math" panose="02040503050406030204" pitchFamily="18" charset="0"/>
+                              </a:rPr>
+                            </m:ctrlPr>
+                          </m:accPr>
+                          <m:e>
+                            <m:sSub>
+                              <m:sSubPr>
+                                <m:ctrlPr>
+                                  <a:rPr lang="fr-FR" sz="1800" i="1">
+                                    <a:latin typeface="Cambria Math" panose="02040503050406030204" pitchFamily="18" charset="0"/>
+                                  </a:rPr>
+                                </m:ctrlPr>
+                              </m:sSubPr>
+                              <m:e>
+                                <m:r>
+                                  <a:rPr lang="fr-FR" sz="1800" i="1">
+                                    <a:latin typeface="Cambria Math" panose="02040503050406030204" pitchFamily="18" charset="0"/>
+                                  </a:rPr>
+                                  <m:t>𝑥</m:t>
+                                </m:r>
+                              </m:e>
+                              <m:sub>
+                                <m:r>
+                                  <a:rPr lang="fr-FR" sz="1800" b="0" i="1" smtClean="0">
+                                    <a:latin typeface="Cambria Math" panose="02040503050406030204" pitchFamily="18" charset="0"/>
+                                  </a:rPr>
+                                  <m:t>0</m:t>
+                                </m:r>
+                              </m:sub>
+                            </m:sSub>
+                          </m:e>
+                        </m:acc>
+                        <m:r>
+                          <a:rPr lang="fr-FR" sz="1800" b="0" i="1" smtClean="0">
+                            <a:latin typeface="Cambria Math" panose="02040503050406030204" pitchFamily="18" charset="0"/>
+                          </a:rPr>
+                          <m:t>+</m:t>
+                        </m:r>
+                        <m:func>
+                          <m:funcPr>
+                            <m:ctrlPr>
+                              <a:rPr lang="fr-FR" sz="1800" i="1">
+                                <a:latin typeface="Cambria Math" panose="02040503050406030204" pitchFamily="18" charset="0"/>
+                              </a:rPr>
+                            </m:ctrlPr>
+                          </m:funcPr>
+                          <m:fName>
+                            <m:r>
+                              <m:rPr>
+                                <m:sty m:val="p"/>
+                              </m:rPr>
+                              <a:rPr lang="fr-FR" sz="1800" b="0" i="0" smtClean="0">
+                                <a:latin typeface="Cambria Math" panose="02040503050406030204" pitchFamily="18" charset="0"/>
+                              </a:rPr>
+                              <m:t>sin</m:t>
+                            </m:r>
+                          </m:fName>
+                          <m:e>
+                            <m:sSub>
+                              <m:sSubPr>
+                                <m:ctrlPr>
+                                  <a:rPr lang="fr-FR" sz="1800" i="1">
+                                    <a:latin typeface="Cambria Math" panose="02040503050406030204" pitchFamily="18" charset="0"/>
+                                  </a:rPr>
+                                </m:ctrlPr>
+                              </m:sSubPr>
+                              <m:e>
+                                <m:r>
+                                  <a:rPr lang="fr-FR" sz="1800" i="1">
+                                    <a:latin typeface="Cambria Math" panose="02040503050406030204" pitchFamily="18" charset="0"/>
+                                  </a:rPr>
+                                  <m:t>𝛼</m:t>
+                                </m:r>
+                              </m:e>
+                              <m:sub>
+                                <m:r>
+                                  <a:rPr lang="fr-FR" sz="1800" i="1">
+                                    <a:latin typeface="Cambria Math" panose="02040503050406030204" pitchFamily="18" charset="0"/>
+                                  </a:rPr>
+                                  <m:t>1</m:t>
+                                </m:r>
+                              </m:sub>
+                            </m:sSub>
+                          </m:e>
+                        </m:func>
+                        <m:acc>
+                          <m:accPr>
+                            <m:chr m:val="⃗"/>
+                            <m:ctrlPr>
+                              <a:rPr lang="fr-FR" sz="1800" i="1">
+                                <a:latin typeface="Cambria Math" panose="02040503050406030204" pitchFamily="18" charset="0"/>
+                              </a:rPr>
+                            </m:ctrlPr>
+                          </m:accPr>
+                          <m:e>
+                            <m:sSub>
+                              <m:sSubPr>
+                                <m:ctrlPr>
+                                  <a:rPr lang="fr-FR" sz="1800" b="0" i="1" smtClean="0">
+                                    <a:latin typeface="Cambria Math" panose="02040503050406030204" pitchFamily="18" charset="0"/>
+                                  </a:rPr>
+                                </m:ctrlPr>
+                              </m:sSubPr>
+                              <m:e>
+                                <m:r>
+                                  <a:rPr lang="fr-FR" sz="1800" b="0" i="1" smtClean="0">
+                                    <a:latin typeface="Cambria Math" panose="02040503050406030204" pitchFamily="18" charset="0"/>
+                                  </a:rPr>
+                                  <m:t>𝑦</m:t>
+                                </m:r>
+                              </m:e>
+                              <m:sub>
+                                <m:r>
+                                  <a:rPr lang="fr-FR" sz="1800" b="0" i="1" smtClean="0">
+                                    <a:latin typeface="Cambria Math" panose="02040503050406030204" pitchFamily="18" charset="0"/>
+                                  </a:rPr>
+                                  <m:t>0</m:t>
+                                </m:r>
+                              </m:sub>
+                            </m:sSub>
+                          </m:e>
+                        </m:acc>
+                      </m:e>
+                    </m:d>
+                    <m:r>
+                      <a:rPr lang="fr-FR" sz="1800">
+                        <a:latin typeface="Cambria Math" panose="02040503050406030204" pitchFamily="18" charset="0"/>
+                      </a:rPr>
+                      <m:t>+</m:t>
+                    </m:r>
+                    <m:r>
+                      <a:rPr lang="fr-FR" sz="1800" i="1">
+                        <a:latin typeface="Cambria Math" panose="02040503050406030204" pitchFamily="18" charset="0"/>
+                      </a:rPr>
+                      <m:t>𝑐</m:t>
+                    </m:r>
+                    <m:d>
+                      <m:dPr>
+                        <m:ctrlPr>
+                          <a:rPr lang="fr-FR" sz="1800" i="1">
+                            <a:latin typeface="Cambria Math" panose="02040503050406030204" pitchFamily="18" charset="0"/>
+                          </a:rPr>
+                        </m:ctrlPr>
+                      </m:dPr>
+                      <m:e>
+                        <m:func>
+                          <m:funcPr>
+                            <m:ctrlPr>
+                              <a:rPr lang="fr-FR" sz="1800" i="1">
+                                <a:latin typeface="Cambria Math" panose="02040503050406030204" pitchFamily="18" charset="0"/>
+                              </a:rPr>
+                            </m:ctrlPr>
+                          </m:funcPr>
+                          <m:fName>
+                            <m:r>
+                              <m:rPr>
+                                <m:sty m:val="p"/>
+                              </m:rPr>
+                              <a:rPr lang="fr-FR" sz="1800">
+                                <a:latin typeface="Cambria Math" panose="02040503050406030204" pitchFamily="18" charset="0"/>
+                              </a:rPr>
+                              <m:t>cos</m:t>
+                            </m:r>
+                          </m:fName>
+                          <m:e>
+                            <m:d>
+                              <m:dPr>
+                                <m:ctrlPr>
+                                  <a:rPr lang="fr-FR" sz="1800" i="1" smtClean="0">
+                                    <a:latin typeface="Cambria Math" panose="02040503050406030204" pitchFamily="18" charset="0"/>
+                                  </a:rPr>
+                                </m:ctrlPr>
+                              </m:dPr>
+                              <m:e>
+                                <m:sSub>
+                                  <m:sSubPr>
+                                    <m:ctrlPr>
+                                      <a:rPr lang="fr-FR" sz="1800" b="0" i="1" smtClean="0">
+                                        <a:latin typeface="Cambria Math" panose="02040503050406030204" pitchFamily="18" charset="0"/>
+                                      </a:rPr>
+                                    </m:ctrlPr>
+                                  </m:sSubPr>
+                                  <m:e>
+                                    <m:r>
+                                      <a:rPr lang="fr-FR" sz="1800" b="0" i="1" smtClean="0">
+                                        <a:latin typeface="Cambria Math" panose="02040503050406030204" pitchFamily="18" charset="0"/>
+                                      </a:rPr>
+                                      <m:t>𝛼</m:t>
+                                    </m:r>
+                                  </m:e>
+                                  <m:sub>
+                                    <m:r>
+                                      <a:rPr lang="fr-FR" sz="1800" b="0" i="1" smtClean="0">
+                                        <a:latin typeface="Cambria Math" panose="02040503050406030204" pitchFamily="18" charset="0"/>
+                                      </a:rPr>
+                                      <m:t>1</m:t>
+                                    </m:r>
+                                  </m:sub>
+                                </m:sSub>
+                                <m:r>
+                                  <a:rPr lang="fr-FR" sz="1800" b="0" i="1" smtClean="0">
+                                    <a:latin typeface="Cambria Math" panose="02040503050406030204" pitchFamily="18" charset="0"/>
+                                  </a:rPr>
+                                  <m:t>+</m:t>
+                                </m:r>
+                                <m:sSub>
+                                  <m:sSubPr>
+                                    <m:ctrlPr>
+                                      <a:rPr lang="fr-FR" sz="1800" i="1">
+                                        <a:latin typeface="Cambria Math" panose="02040503050406030204" pitchFamily="18" charset="0"/>
+                                      </a:rPr>
+                                    </m:ctrlPr>
+                                  </m:sSubPr>
+                                  <m:e>
+                                    <m:r>
+                                      <a:rPr lang="fr-FR" sz="1800" i="1">
+                                        <a:latin typeface="Cambria Math" panose="02040503050406030204" pitchFamily="18" charset="0"/>
+                                      </a:rPr>
+                                      <m:t>𝛼</m:t>
+                                    </m:r>
+                                  </m:e>
+                                  <m:sub>
+                                    <m:r>
+                                      <a:rPr lang="fr-FR" sz="1800" b="0" i="1" smtClean="0">
+                                        <a:latin typeface="Cambria Math" panose="02040503050406030204" pitchFamily="18" charset="0"/>
+                                      </a:rPr>
+                                      <m:t>4</m:t>
+                                    </m:r>
+                                  </m:sub>
+                                </m:sSub>
+                              </m:e>
+                            </m:d>
+                          </m:e>
+                        </m:func>
+                        <m:acc>
+                          <m:accPr>
+                            <m:chr m:val="⃗"/>
+                            <m:ctrlPr>
+                              <a:rPr lang="fr-FR" sz="1800" i="1">
+                                <a:latin typeface="Cambria Math" panose="02040503050406030204" pitchFamily="18" charset="0"/>
+                              </a:rPr>
+                            </m:ctrlPr>
+                          </m:accPr>
+                          <m:e>
+                            <m:sSub>
+                              <m:sSubPr>
+                                <m:ctrlPr>
+                                  <a:rPr lang="fr-FR" sz="1800" i="1">
+                                    <a:latin typeface="Cambria Math" panose="02040503050406030204" pitchFamily="18" charset="0"/>
+                                  </a:rPr>
+                                </m:ctrlPr>
+                              </m:sSubPr>
+                              <m:e>
+                                <m:r>
+                                  <a:rPr lang="fr-FR" sz="1800" i="1">
+                                    <a:latin typeface="Cambria Math" panose="02040503050406030204" pitchFamily="18" charset="0"/>
+                                  </a:rPr>
+                                  <m:t>𝑥</m:t>
+                                </m:r>
+                              </m:e>
+                              <m:sub>
+                                <m:r>
+                                  <a:rPr lang="fr-FR" sz="1800" b="0" i="1" smtClean="0">
+                                    <a:latin typeface="Cambria Math" panose="02040503050406030204" pitchFamily="18" charset="0"/>
+                                  </a:rPr>
+                                  <m:t>0</m:t>
+                                </m:r>
+                              </m:sub>
+                            </m:sSub>
+                          </m:e>
+                        </m:acc>
+                        <m:r>
+                          <a:rPr lang="fr-FR" sz="1800" i="1">
+                            <a:latin typeface="Cambria Math" panose="02040503050406030204" pitchFamily="18" charset="0"/>
+                          </a:rPr>
+                          <m:t>+</m:t>
+                        </m:r>
+                        <m:func>
+                          <m:funcPr>
+                            <m:ctrlPr>
+                              <a:rPr lang="fr-FR" sz="1800" i="1">
+                                <a:latin typeface="Cambria Math" panose="02040503050406030204" pitchFamily="18" charset="0"/>
+                              </a:rPr>
+                            </m:ctrlPr>
+                          </m:funcPr>
+                          <m:fName>
+                            <m:r>
+                              <m:rPr>
+                                <m:sty m:val="p"/>
+                              </m:rPr>
+                              <a:rPr lang="fr-FR" sz="1800">
+                                <a:latin typeface="Cambria Math" panose="02040503050406030204" pitchFamily="18" charset="0"/>
+                              </a:rPr>
+                              <m:t>sin</m:t>
+                            </m:r>
+                          </m:fName>
+                          <m:e>
+                            <m:d>
+                              <m:dPr>
+                                <m:ctrlPr>
+                                  <a:rPr lang="fr-FR" sz="1800" i="1">
+                                    <a:latin typeface="Cambria Math" panose="02040503050406030204" pitchFamily="18" charset="0"/>
+                                  </a:rPr>
+                                </m:ctrlPr>
+                              </m:dPr>
+                              <m:e>
+                                <m:sSub>
+                                  <m:sSubPr>
+                                    <m:ctrlPr>
+                                      <a:rPr lang="fr-FR" sz="1800" i="1">
+                                        <a:latin typeface="Cambria Math" panose="02040503050406030204" pitchFamily="18" charset="0"/>
+                                      </a:rPr>
+                                    </m:ctrlPr>
+                                  </m:sSubPr>
+                                  <m:e>
+                                    <m:r>
+                                      <a:rPr lang="fr-FR" sz="1800" i="1">
+                                        <a:latin typeface="Cambria Math" panose="02040503050406030204" pitchFamily="18" charset="0"/>
+                                      </a:rPr>
+                                      <m:t>𝛼</m:t>
+                                    </m:r>
+                                  </m:e>
+                                  <m:sub>
+                                    <m:r>
+                                      <a:rPr lang="fr-FR" sz="1800" i="1">
+                                        <a:latin typeface="Cambria Math" panose="02040503050406030204" pitchFamily="18" charset="0"/>
+                                      </a:rPr>
+                                      <m:t>1</m:t>
+                                    </m:r>
+                                  </m:sub>
+                                </m:sSub>
+                                <m:r>
+                                  <a:rPr lang="fr-FR" sz="1800" i="1">
+                                    <a:latin typeface="Cambria Math" panose="02040503050406030204" pitchFamily="18" charset="0"/>
+                                  </a:rPr>
+                                  <m:t>+</m:t>
+                                </m:r>
+                                <m:sSub>
+                                  <m:sSubPr>
+                                    <m:ctrlPr>
+                                      <a:rPr lang="fr-FR" sz="1800" i="1">
+                                        <a:latin typeface="Cambria Math" panose="02040503050406030204" pitchFamily="18" charset="0"/>
+                                      </a:rPr>
+                                    </m:ctrlPr>
+                                  </m:sSubPr>
+                                  <m:e>
+                                    <m:r>
+                                      <a:rPr lang="fr-FR" sz="1800" i="1">
+                                        <a:latin typeface="Cambria Math" panose="02040503050406030204" pitchFamily="18" charset="0"/>
+                                      </a:rPr>
+                                      <m:t>𝛼</m:t>
+                                    </m:r>
+                                  </m:e>
+                                  <m:sub>
+                                    <m:r>
+                                      <a:rPr lang="fr-FR" sz="1800" i="1">
+                                        <a:latin typeface="Cambria Math" panose="02040503050406030204" pitchFamily="18" charset="0"/>
+                                      </a:rPr>
+                                      <m:t>4</m:t>
+                                    </m:r>
+                                  </m:sub>
+                                </m:sSub>
+                              </m:e>
+                            </m:d>
+                          </m:e>
+                        </m:func>
+                        <m:acc>
+                          <m:accPr>
+                            <m:chr m:val="⃗"/>
+                            <m:ctrlPr>
+                              <a:rPr lang="fr-FR" sz="1800" i="1">
+                                <a:latin typeface="Cambria Math" panose="02040503050406030204" pitchFamily="18" charset="0"/>
+                              </a:rPr>
+                            </m:ctrlPr>
+                          </m:accPr>
+                          <m:e>
+                            <m:sSub>
+                              <m:sSubPr>
+                                <m:ctrlPr>
+                                  <a:rPr lang="fr-FR" sz="1800" i="1">
+                                    <a:latin typeface="Cambria Math" panose="02040503050406030204" pitchFamily="18" charset="0"/>
+                                  </a:rPr>
+                                </m:ctrlPr>
+                              </m:sSubPr>
+                              <m:e>
+                                <m:r>
+                                  <a:rPr lang="fr-FR" sz="1800" i="1">
+                                    <a:latin typeface="Cambria Math" panose="02040503050406030204" pitchFamily="18" charset="0"/>
+                                  </a:rPr>
+                                  <m:t>𝑦</m:t>
+                                </m:r>
+                              </m:e>
+                              <m:sub>
+                                <m:r>
+                                  <a:rPr lang="fr-FR" sz="1800" b="0" i="1" smtClean="0">
+                                    <a:latin typeface="Cambria Math" panose="02040503050406030204" pitchFamily="18" charset="0"/>
+                                  </a:rPr>
+                                  <m:t>0</m:t>
+                                </m:r>
+                              </m:sub>
+                            </m:sSub>
+                          </m:e>
+                        </m:acc>
+                      </m:e>
+                    </m:d>
+                    <m:r>
+                      <a:rPr lang="fr-FR" sz="1800" i="1">
+                        <a:latin typeface="Cambria Math" panose="02040503050406030204" pitchFamily="18" charset="0"/>
+                      </a:rPr>
+                      <m:t>=</m:t>
+                    </m:r>
+                    <m:r>
+                      <a:rPr lang="fr-FR" sz="1800" i="1">
+                        <a:latin typeface="Cambria Math" panose="02040503050406030204" pitchFamily="18" charset="0"/>
+                      </a:rPr>
+                      <m:t>𝑥</m:t>
+                    </m:r>
+                    <m:acc>
+                      <m:accPr>
+                        <m:chr m:val="⃗"/>
+                        <m:ctrlPr>
+                          <a:rPr lang="fr-FR" sz="1800" i="1">
+                            <a:latin typeface="Cambria Math" panose="02040503050406030204" pitchFamily="18" charset="0"/>
+                          </a:rPr>
+                        </m:ctrlPr>
+                      </m:accPr>
+                      <m:e>
+                        <m:sSub>
+                          <m:sSubPr>
+                            <m:ctrlPr>
+                              <a:rPr lang="fr-FR" sz="1800" i="1">
+                                <a:latin typeface="Cambria Math" panose="02040503050406030204" pitchFamily="18" charset="0"/>
+                              </a:rPr>
+                            </m:ctrlPr>
+                          </m:sSubPr>
+                          <m:e>
+                            <m:r>
+                              <a:rPr lang="fr-FR" sz="1800" i="1">
+                                <a:latin typeface="Cambria Math" panose="02040503050406030204" pitchFamily="18" charset="0"/>
+                              </a:rPr>
+                              <m:t>𝑥</m:t>
+                            </m:r>
+                          </m:e>
+                          <m:sub>
+                            <m:r>
+                              <a:rPr lang="fr-FR" sz="1800" i="1">
+                                <a:latin typeface="Cambria Math" panose="02040503050406030204" pitchFamily="18" charset="0"/>
+                              </a:rPr>
+                              <m:t>0</m:t>
+                            </m:r>
+                          </m:sub>
+                        </m:sSub>
+                      </m:e>
+                    </m:acc>
+                    <m:r>
+                      <a:rPr lang="fr-FR" sz="1800">
+                        <a:latin typeface="Cambria Math" panose="02040503050406030204" pitchFamily="18" charset="0"/>
+                      </a:rPr>
+                      <m:t>+</m:t>
+                    </m:r>
+                    <m:r>
+                      <a:rPr lang="fr-FR" sz="1800" i="1">
+                        <a:latin typeface="Cambria Math" panose="02040503050406030204" pitchFamily="18" charset="0"/>
+                      </a:rPr>
+                      <m:t>𝑦</m:t>
+                    </m:r>
+                    <m:acc>
+                      <m:accPr>
+                        <m:chr m:val="⃗"/>
+                        <m:ctrlPr>
+                          <a:rPr lang="fr-FR" sz="1800" i="1">
+                            <a:latin typeface="Cambria Math" panose="02040503050406030204" pitchFamily="18" charset="0"/>
+                          </a:rPr>
+                        </m:ctrlPr>
+                      </m:accPr>
+                      <m:e>
+                        <m:sSub>
+                          <m:sSubPr>
+                            <m:ctrlPr>
+                              <a:rPr lang="fr-FR" sz="1800" i="1">
+                                <a:latin typeface="Cambria Math" panose="02040503050406030204" pitchFamily="18" charset="0"/>
+                              </a:rPr>
+                            </m:ctrlPr>
+                          </m:sSubPr>
+                          <m:e>
+                            <m:r>
+                              <a:rPr lang="fr-FR" sz="1800" i="1">
+                                <a:latin typeface="Cambria Math" panose="02040503050406030204" pitchFamily="18" charset="0"/>
+                              </a:rPr>
+                              <m:t>𝑦</m:t>
+                            </m:r>
+                          </m:e>
+                          <m:sub>
+                            <m:r>
+                              <a:rPr lang="fr-FR" sz="1800" i="1">
+                                <a:latin typeface="Cambria Math" panose="02040503050406030204" pitchFamily="18" charset="0"/>
+                              </a:rPr>
+                              <m:t>0</m:t>
+                            </m:r>
+                          </m:sub>
+                        </m:sSub>
+                      </m:e>
+                    </m:acc>
+                  </m:oMath>
+                </a14:m>
+                <a:endParaRPr lang="fr-FR" sz="1800" dirty="0"/>
+              </a:p>
+              <a:p>
+                <a14:m>
+                  <m:oMath xmlns:m="http://schemas.openxmlformats.org/officeDocument/2006/math">
+                    <m:r>
+                      <a:rPr lang="fr-FR" sz="1800" i="1">
+                        <a:latin typeface="Cambria Math" panose="02040503050406030204" pitchFamily="18" charset="0"/>
+                      </a:rPr>
+                      <m:t>⟹</m:t>
+                    </m:r>
+                    <m:d>
+                      <m:dPr>
+                        <m:begChr m:val="{"/>
+                        <m:endChr m:val=""/>
+                        <m:ctrlPr>
+                          <a:rPr lang="fr-FR" sz="1800" i="1" smtClean="0">
+                            <a:latin typeface="Cambria Math" panose="02040503050406030204" pitchFamily="18" charset="0"/>
+                          </a:rPr>
+                        </m:ctrlPr>
+                      </m:dPr>
+                      <m:e>
+                        <m:eqArr>
+                          <m:eqArrPr>
+                            <m:ctrlPr>
+                              <a:rPr lang="fr-FR" sz="1800" i="1" smtClean="0">
+                                <a:latin typeface="Cambria Math" panose="02040503050406030204" pitchFamily="18" charset="0"/>
+                              </a:rPr>
+                            </m:ctrlPr>
+                          </m:eqArrPr>
+                          <m:e>
+                            <m:r>
+                              <a:rPr lang="fr-FR" sz="1800" i="1">
+                                <a:latin typeface="Cambria Math" panose="02040503050406030204" pitchFamily="18" charset="0"/>
+                              </a:rPr>
+                              <m:t>𝑎</m:t>
+                            </m:r>
+                            <m:r>
+                              <a:rPr lang="fr-FR" sz="1800">
+                                <a:latin typeface="Cambria Math" panose="02040503050406030204" pitchFamily="18" charset="0"/>
+                              </a:rPr>
+                              <m:t>+</m:t>
+                            </m:r>
+                            <m:r>
+                              <a:rPr lang="fr-FR" sz="1800" i="1">
+                                <a:latin typeface="Cambria Math" panose="02040503050406030204" pitchFamily="18" charset="0"/>
+                              </a:rPr>
+                              <m:t>𝑏</m:t>
+                            </m:r>
+                            <m:func>
+                              <m:funcPr>
+                                <m:ctrlPr>
+                                  <a:rPr lang="fr-FR" sz="1800" i="1">
+                                    <a:latin typeface="Cambria Math" panose="02040503050406030204" pitchFamily="18" charset="0"/>
+                                  </a:rPr>
+                                </m:ctrlPr>
+                              </m:funcPr>
+                              <m:fName>
+                                <m:r>
+                                  <m:rPr>
+                                    <m:sty m:val="p"/>
+                                  </m:rPr>
+                                  <a:rPr lang="fr-FR" sz="1800">
+                                    <a:latin typeface="Cambria Math" panose="02040503050406030204" pitchFamily="18" charset="0"/>
+                                  </a:rPr>
+                                  <m:t>cos</m:t>
+                                </m:r>
+                              </m:fName>
+                              <m:e>
+                                <m:sSub>
+                                  <m:sSubPr>
+                                    <m:ctrlPr>
+                                      <a:rPr lang="fr-FR" sz="1800" i="1">
+                                        <a:latin typeface="Cambria Math" panose="02040503050406030204" pitchFamily="18" charset="0"/>
+                                      </a:rPr>
+                                    </m:ctrlPr>
+                                  </m:sSubPr>
+                                  <m:e>
+                                    <m:r>
+                                      <a:rPr lang="fr-FR" sz="1800" i="1">
+                                        <a:latin typeface="Cambria Math" panose="02040503050406030204" pitchFamily="18" charset="0"/>
+                                      </a:rPr>
+                                      <m:t>𝛼</m:t>
+                                    </m:r>
+                                  </m:e>
+                                  <m:sub>
+                                    <m:r>
+                                      <a:rPr lang="fr-FR" sz="1800" i="1">
+                                        <a:latin typeface="Cambria Math" panose="02040503050406030204" pitchFamily="18" charset="0"/>
+                                      </a:rPr>
+                                      <m:t>1</m:t>
+                                    </m:r>
+                                  </m:sub>
+                                </m:sSub>
+                              </m:e>
+                            </m:func>
+                            <m:r>
+                              <a:rPr lang="fr-FR" sz="1800">
+                                <a:latin typeface="Cambria Math" panose="02040503050406030204" pitchFamily="18" charset="0"/>
+                              </a:rPr>
+                              <m:t>+</m:t>
+                            </m:r>
+                            <m:r>
+                              <a:rPr lang="fr-FR" sz="1800" i="1">
+                                <a:latin typeface="Cambria Math" panose="02040503050406030204" pitchFamily="18" charset="0"/>
+                              </a:rPr>
+                              <m:t>𝑐</m:t>
+                            </m:r>
+                            <m:func>
+                              <m:funcPr>
+                                <m:ctrlPr>
+                                  <a:rPr lang="fr-FR" sz="1800" i="1">
+                                    <a:latin typeface="Cambria Math" panose="02040503050406030204" pitchFamily="18" charset="0"/>
+                                  </a:rPr>
+                                </m:ctrlPr>
+                              </m:funcPr>
+                              <m:fName>
+                                <m:r>
+                                  <m:rPr>
+                                    <m:sty m:val="p"/>
+                                  </m:rPr>
+                                  <a:rPr lang="fr-FR" sz="1800">
+                                    <a:latin typeface="Cambria Math" panose="02040503050406030204" pitchFamily="18" charset="0"/>
+                                  </a:rPr>
+                                  <m:t>cos</m:t>
+                                </m:r>
+                              </m:fName>
+                              <m:e>
+                                <m:d>
+                                  <m:dPr>
+                                    <m:ctrlPr>
+                                      <a:rPr lang="fr-FR" sz="1800" i="1">
+                                        <a:latin typeface="Cambria Math" panose="02040503050406030204" pitchFamily="18" charset="0"/>
+                                      </a:rPr>
+                                    </m:ctrlPr>
+                                  </m:dPr>
+                                  <m:e>
+                                    <m:sSub>
+                                      <m:sSubPr>
+                                        <m:ctrlPr>
+                                          <a:rPr lang="fr-FR" sz="1800" i="1">
+                                            <a:latin typeface="Cambria Math" panose="02040503050406030204" pitchFamily="18" charset="0"/>
+                                          </a:rPr>
+                                        </m:ctrlPr>
+                                      </m:sSubPr>
+                                      <m:e>
+                                        <m:r>
+                                          <a:rPr lang="fr-FR" sz="1800" i="1">
+                                            <a:latin typeface="Cambria Math" panose="02040503050406030204" pitchFamily="18" charset="0"/>
+                                          </a:rPr>
+                                          <m:t>𝛼</m:t>
+                                        </m:r>
+                                      </m:e>
+                                      <m:sub>
+                                        <m:r>
+                                          <a:rPr lang="fr-FR" sz="1800" i="1">
+                                            <a:latin typeface="Cambria Math" panose="02040503050406030204" pitchFamily="18" charset="0"/>
+                                          </a:rPr>
+                                          <m:t>1</m:t>
+                                        </m:r>
+                                      </m:sub>
+                                    </m:sSub>
+                                    <m:r>
+                                      <a:rPr lang="fr-FR" sz="1800" i="1">
+                                        <a:latin typeface="Cambria Math" panose="02040503050406030204" pitchFamily="18" charset="0"/>
+                                      </a:rPr>
+                                      <m:t>+</m:t>
+                                    </m:r>
+                                    <m:sSub>
+                                      <m:sSubPr>
+                                        <m:ctrlPr>
+                                          <a:rPr lang="fr-FR" sz="1800" i="1">
+                                            <a:latin typeface="Cambria Math" panose="02040503050406030204" pitchFamily="18" charset="0"/>
+                                          </a:rPr>
+                                        </m:ctrlPr>
+                                      </m:sSubPr>
+                                      <m:e>
+                                        <m:r>
+                                          <a:rPr lang="fr-FR" sz="1800" i="1">
+                                            <a:latin typeface="Cambria Math" panose="02040503050406030204" pitchFamily="18" charset="0"/>
+                                          </a:rPr>
+                                          <m:t>𝛼</m:t>
+                                        </m:r>
+                                      </m:e>
+                                      <m:sub>
+                                        <m:r>
+                                          <a:rPr lang="fr-FR" sz="1800" i="1">
+                                            <a:latin typeface="Cambria Math" panose="02040503050406030204" pitchFamily="18" charset="0"/>
+                                          </a:rPr>
+                                          <m:t>4</m:t>
+                                        </m:r>
+                                      </m:sub>
+                                    </m:sSub>
+                                  </m:e>
+                                </m:d>
+                              </m:e>
+                            </m:func>
+                            <m:r>
+                              <a:rPr lang="fr-FR" sz="1800" i="1">
+                                <a:latin typeface="Cambria Math" panose="02040503050406030204" pitchFamily="18" charset="0"/>
+                              </a:rPr>
+                              <m:t>=</m:t>
+                            </m:r>
+                            <m:r>
+                              <a:rPr lang="fr-FR" sz="1800" i="1">
+                                <a:latin typeface="Cambria Math" panose="02040503050406030204" pitchFamily="18" charset="0"/>
+                              </a:rPr>
+                              <m:t>𝑥</m:t>
+                            </m:r>
+                            <m:r>
+                              <m:rPr>
+                                <m:nor/>
+                              </m:rPr>
+                              <a:rPr lang="fr-FR" sz="1800" dirty="0"/>
+                              <m:t> </m:t>
+                            </m:r>
+                          </m:e>
+                          <m:e>
+                            <m:r>
+                              <a:rPr lang="fr-FR" sz="1800" b="0" i="1" smtClean="0">
+                                <a:latin typeface="Cambria Math" panose="02040503050406030204" pitchFamily="18" charset="0"/>
+                              </a:rPr>
+                              <m:t>𝑏</m:t>
+                            </m:r>
+                            <m:func>
+                              <m:funcPr>
+                                <m:ctrlPr>
+                                  <a:rPr lang="fr-FR" sz="1800" i="1">
+                                    <a:latin typeface="Cambria Math" panose="02040503050406030204" pitchFamily="18" charset="0"/>
+                                  </a:rPr>
+                                </m:ctrlPr>
+                              </m:funcPr>
+                              <m:fName>
+                                <m:r>
+                                  <m:rPr>
+                                    <m:sty m:val="p"/>
+                                  </m:rPr>
+                                  <a:rPr lang="fr-FR" sz="1800">
+                                    <a:latin typeface="Cambria Math" panose="02040503050406030204" pitchFamily="18" charset="0"/>
+                                  </a:rPr>
+                                  <m:t>sin</m:t>
+                                </m:r>
+                              </m:fName>
+                              <m:e>
+                                <m:sSub>
+                                  <m:sSubPr>
+                                    <m:ctrlPr>
+                                      <a:rPr lang="fr-FR" sz="1800" i="1">
+                                        <a:latin typeface="Cambria Math" panose="02040503050406030204" pitchFamily="18" charset="0"/>
+                                      </a:rPr>
+                                    </m:ctrlPr>
+                                  </m:sSubPr>
+                                  <m:e>
+                                    <m:r>
+                                      <a:rPr lang="fr-FR" sz="1800" i="1">
+                                        <a:latin typeface="Cambria Math" panose="02040503050406030204" pitchFamily="18" charset="0"/>
+                                      </a:rPr>
+                                      <m:t>𝛼</m:t>
+                                    </m:r>
+                                  </m:e>
+                                  <m:sub>
+                                    <m:r>
+                                      <a:rPr lang="fr-FR" sz="1800" i="1">
+                                        <a:latin typeface="Cambria Math" panose="02040503050406030204" pitchFamily="18" charset="0"/>
+                                      </a:rPr>
+                                      <m:t>1</m:t>
+                                    </m:r>
+                                  </m:sub>
+                                </m:sSub>
+                              </m:e>
+                            </m:func>
+                            <m:r>
+                              <a:rPr lang="fr-FR" sz="1800" i="1">
+                                <a:latin typeface="Cambria Math" panose="02040503050406030204" pitchFamily="18" charset="0"/>
+                              </a:rPr>
+                              <m:t>+</m:t>
+                            </m:r>
+                            <m:r>
+                              <a:rPr lang="fr-FR" sz="1800" b="0" i="1" smtClean="0">
+                                <a:latin typeface="Cambria Math" panose="02040503050406030204" pitchFamily="18" charset="0"/>
+                              </a:rPr>
+                              <m:t>𝑐</m:t>
+                            </m:r>
+                            <m:func>
+                              <m:funcPr>
+                                <m:ctrlPr>
+                                  <a:rPr lang="fr-FR" sz="1800" i="1">
+                                    <a:latin typeface="Cambria Math" panose="02040503050406030204" pitchFamily="18" charset="0"/>
+                                  </a:rPr>
+                                </m:ctrlPr>
+                              </m:funcPr>
+                              <m:fName>
+                                <m:r>
+                                  <m:rPr>
+                                    <m:sty m:val="p"/>
+                                  </m:rPr>
+                                  <a:rPr lang="fr-FR" sz="1800">
+                                    <a:latin typeface="Cambria Math" panose="02040503050406030204" pitchFamily="18" charset="0"/>
+                                  </a:rPr>
+                                  <m:t>sin</m:t>
+                                </m:r>
+                              </m:fName>
+                              <m:e>
+                                <m:d>
+                                  <m:dPr>
+                                    <m:ctrlPr>
+                                      <a:rPr lang="fr-FR" sz="1800" i="1">
+                                        <a:latin typeface="Cambria Math" panose="02040503050406030204" pitchFamily="18" charset="0"/>
+                                      </a:rPr>
+                                    </m:ctrlPr>
+                                  </m:dPr>
+                                  <m:e>
+                                    <m:sSub>
+                                      <m:sSubPr>
+                                        <m:ctrlPr>
+                                          <a:rPr lang="fr-FR" sz="1800" i="1">
+                                            <a:latin typeface="Cambria Math" panose="02040503050406030204" pitchFamily="18" charset="0"/>
+                                          </a:rPr>
+                                        </m:ctrlPr>
+                                      </m:sSubPr>
+                                      <m:e>
+                                        <m:r>
+                                          <a:rPr lang="fr-FR" sz="1800" i="1">
+                                            <a:latin typeface="Cambria Math" panose="02040503050406030204" pitchFamily="18" charset="0"/>
+                                          </a:rPr>
+                                          <m:t>𝛼</m:t>
+                                        </m:r>
+                                      </m:e>
+                                      <m:sub>
+                                        <m:r>
+                                          <a:rPr lang="fr-FR" sz="1800" i="1">
+                                            <a:latin typeface="Cambria Math" panose="02040503050406030204" pitchFamily="18" charset="0"/>
+                                          </a:rPr>
+                                          <m:t>1</m:t>
+                                        </m:r>
+                                      </m:sub>
+                                    </m:sSub>
+                                    <m:r>
+                                      <a:rPr lang="fr-FR" sz="1800" i="1">
+                                        <a:latin typeface="Cambria Math" panose="02040503050406030204" pitchFamily="18" charset="0"/>
+                                      </a:rPr>
+                                      <m:t>+</m:t>
+                                    </m:r>
+                                    <m:sSub>
+                                      <m:sSubPr>
+                                        <m:ctrlPr>
+                                          <a:rPr lang="fr-FR" sz="1800" i="1">
+                                            <a:latin typeface="Cambria Math" panose="02040503050406030204" pitchFamily="18" charset="0"/>
+                                          </a:rPr>
+                                        </m:ctrlPr>
+                                      </m:sSubPr>
+                                      <m:e>
+                                        <m:r>
+                                          <a:rPr lang="fr-FR" sz="1800" i="1">
+                                            <a:latin typeface="Cambria Math" panose="02040503050406030204" pitchFamily="18" charset="0"/>
+                                          </a:rPr>
+                                          <m:t>𝛼</m:t>
+                                        </m:r>
+                                      </m:e>
+                                      <m:sub>
+                                        <m:r>
+                                          <a:rPr lang="fr-FR" sz="1800" i="1">
+                                            <a:latin typeface="Cambria Math" panose="02040503050406030204" pitchFamily="18" charset="0"/>
+                                          </a:rPr>
+                                          <m:t>4</m:t>
+                                        </m:r>
+                                      </m:sub>
+                                    </m:sSub>
+                                  </m:e>
+                                </m:d>
+                              </m:e>
+                            </m:func>
+                            <m:r>
+                              <a:rPr lang="fr-FR" sz="1800" i="1">
+                                <a:latin typeface="Cambria Math" panose="02040503050406030204" pitchFamily="18" charset="0"/>
+                              </a:rPr>
+                              <m:t>=</m:t>
+                            </m:r>
+                            <m:r>
+                              <a:rPr lang="fr-FR" sz="1800" i="1">
+                                <a:latin typeface="Cambria Math" panose="02040503050406030204" pitchFamily="18" charset="0"/>
+                              </a:rPr>
+                              <m:t>𝑦</m:t>
+                            </m:r>
+                            <m:r>
+                              <m:rPr>
+                                <m:nor/>
+                              </m:rPr>
+                              <a:rPr lang="fr-FR" sz="1800" dirty="0"/>
+                              <m:t> </m:t>
+                            </m:r>
+                          </m:e>
+                        </m:eqArr>
+                      </m:e>
+                    </m:d>
+                    <m:r>
+                      <a:rPr lang="fr-FR" sz="1800" b="0" i="1" smtClean="0">
+                        <a:latin typeface="Cambria Math" panose="02040503050406030204" pitchFamily="18" charset="0"/>
+                      </a:rPr>
+                      <m:t>⇒</m:t>
+                    </m:r>
+                    <m:d>
+                      <m:dPr>
+                        <m:begChr m:val="{"/>
+                        <m:endChr m:val=""/>
+                        <m:ctrlPr>
+                          <a:rPr lang="fr-FR" sz="1800" i="1">
+                            <a:latin typeface="Cambria Math" panose="02040503050406030204" pitchFamily="18" charset="0"/>
+                          </a:rPr>
+                        </m:ctrlPr>
+                      </m:dPr>
+                      <m:e>
+                        <m:eqArr>
+                          <m:eqArrPr>
+                            <m:ctrlPr>
+                              <a:rPr lang="fr-FR" sz="1800" i="1">
+                                <a:latin typeface="Cambria Math" panose="02040503050406030204" pitchFamily="18" charset="0"/>
+                              </a:rPr>
+                            </m:ctrlPr>
+                          </m:eqArrPr>
+                          <m:e>
+                            <m:r>
+                              <a:rPr lang="fr-FR" sz="1800" i="1">
+                                <a:latin typeface="Cambria Math" panose="02040503050406030204" pitchFamily="18" charset="0"/>
+                              </a:rPr>
+                              <m:t>𝑐</m:t>
+                            </m:r>
+                            <m:func>
+                              <m:funcPr>
+                                <m:ctrlPr>
+                                  <a:rPr lang="fr-FR" sz="1800" i="1">
+                                    <a:latin typeface="Cambria Math" panose="02040503050406030204" pitchFamily="18" charset="0"/>
+                                  </a:rPr>
+                                </m:ctrlPr>
+                              </m:funcPr>
+                              <m:fName>
+                                <m:r>
+                                  <m:rPr>
+                                    <m:sty m:val="p"/>
+                                  </m:rPr>
+                                  <a:rPr lang="fr-FR" sz="1800">
+                                    <a:latin typeface="Cambria Math" panose="02040503050406030204" pitchFamily="18" charset="0"/>
+                                  </a:rPr>
+                                  <m:t>cos</m:t>
+                                </m:r>
+                              </m:fName>
+                              <m:e>
+                                <m:d>
+                                  <m:dPr>
+                                    <m:ctrlPr>
+                                      <a:rPr lang="fr-FR" sz="1800" i="1">
+                                        <a:latin typeface="Cambria Math" panose="02040503050406030204" pitchFamily="18" charset="0"/>
+                                      </a:rPr>
+                                    </m:ctrlPr>
+                                  </m:dPr>
+                                  <m:e>
+                                    <m:sSub>
+                                      <m:sSubPr>
+                                        <m:ctrlPr>
+                                          <a:rPr lang="fr-FR" sz="1800" i="1">
+                                            <a:latin typeface="Cambria Math" panose="02040503050406030204" pitchFamily="18" charset="0"/>
+                                          </a:rPr>
+                                        </m:ctrlPr>
+                                      </m:sSubPr>
+                                      <m:e>
+                                        <m:r>
+                                          <a:rPr lang="fr-FR" sz="1800" i="1">
+                                            <a:latin typeface="Cambria Math" panose="02040503050406030204" pitchFamily="18" charset="0"/>
+                                          </a:rPr>
+                                          <m:t>𝛼</m:t>
+                                        </m:r>
+                                      </m:e>
+                                      <m:sub>
+                                        <m:r>
+                                          <a:rPr lang="fr-FR" sz="1800" i="1">
+                                            <a:latin typeface="Cambria Math" panose="02040503050406030204" pitchFamily="18" charset="0"/>
+                                          </a:rPr>
+                                          <m:t>1</m:t>
+                                        </m:r>
+                                      </m:sub>
+                                    </m:sSub>
+                                    <m:r>
+                                      <a:rPr lang="fr-FR" sz="1800" i="1">
+                                        <a:latin typeface="Cambria Math" panose="02040503050406030204" pitchFamily="18" charset="0"/>
+                                      </a:rPr>
+                                      <m:t>+</m:t>
+                                    </m:r>
+                                    <m:sSub>
+                                      <m:sSubPr>
+                                        <m:ctrlPr>
+                                          <a:rPr lang="fr-FR" sz="1800" i="1">
+                                            <a:latin typeface="Cambria Math" panose="02040503050406030204" pitchFamily="18" charset="0"/>
+                                          </a:rPr>
+                                        </m:ctrlPr>
+                                      </m:sSubPr>
+                                      <m:e>
+                                        <m:r>
+                                          <a:rPr lang="fr-FR" sz="1800" i="1">
+                                            <a:latin typeface="Cambria Math" panose="02040503050406030204" pitchFamily="18" charset="0"/>
+                                          </a:rPr>
+                                          <m:t>𝛼</m:t>
+                                        </m:r>
+                                      </m:e>
+                                      <m:sub>
+                                        <m:r>
+                                          <a:rPr lang="fr-FR" sz="1800" i="1">
+                                            <a:latin typeface="Cambria Math" panose="02040503050406030204" pitchFamily="18" charset="0"/>
+                                          </a:rPr>
+                                          <m:t>4</m:t>
+                                        </m:r>
+                                      </m:sub>
+                                    </m:sSub>
+                                  </m:e>
+                                </m:d>
+                              </m:e>
+                            </m:func>
+                            <m:r>
+                              <a:rPr lang="fr-FR" sz="1800" i="1">
+                                <a:latin typeface="Cambria Math" panose="02040503050406030204" pitchFamily="18" charset="0"/>
+                              </a:rPr>
+                              <m:t>=</m:t>
+                            </m:r>
+                            <m:r>
+                              <a:rPr lang="fr-FR" sz="1800" i="1">
+                                <a:latin typeface="Cambria Math" panose="02040503050406030204" pitchFamily="18" charset="0"/>
+                              </a:rPr>
+                              <m:t>𝑥</m:t>
+                            </m:r>
+                            <m:r>
+                              <a:rPr lang="fr-FR" sz="1800" b="0" i="1" smtClean="0">
+                                <a:latin typeface="Cambria Math" panose="02040503050406030204" pitchFamily="18" charset="0"/>
+                              </a:rPr>
+                              <m:t>−</m:t>
+                            </m:r>
+                            <m:r>
+                              <a:rPr lang="fr-FR" sz="1800" i="1">
+                                <a:latin typeface="Cambria Math" panose="02040503050406030204" pitchFamily="18" charset="0"/>
+                              </a:rPr>
+                              <m:t>𝑎</m:t>
+                            </m:r>
+                            <m:r>
+                              <a:rPr lang="fr-FR" sz="1800" b="0" i="0" smtClean="0">
+                                <a:latin typeface="Cambria Math" panose="02040503050406030204" pitchFamily="18" charset="0"/>
+                              </a:rPr>
+                              <m:t>−</m:t>
+                            </m:r>
+                            <m:r>
+                              <a:rPr lang="fr-FR" sz="1800" i="1">
+                                <a:latin typeface="Cambria Math" panose="02040503050406030204" pitchFamily="18" charset="0"/>
+                              </a:rPr>
+                              <m:t>𝑏</m:t>
+                            </m:r>
+                            <m:func>
+                              <m:funcPr>
+                                <m:ctrlPr>
+                                  <a:rPr lang="fr-FR" sz="1800" i="1">
+                                    <a:latin typeface="Cambria Math" panose="02040503050406030204" pitchFamily="18" charset="0"/>
+                                  </a:rPr>
+                                </m:ctrlPr>
+                              </m:funcPr>
+                              <m:fName>
+                                <m:r>
+                                  <m:rPr>
+                                    <m:sty m:val="p"/>
+                                  </m:rPr>
+                                  <a:rPr lang="fr-FR" sz="1800">
+                                    <a:latin typeface="Cambria Math" panose="02040503050406030204" pitchFamily="18" charset="0"/>
+                                  </a:rPr>
+                                  <m:t>cos</m:t>
+                                </m:r>
+                              </m:fName>
+                              <m:e>
+                                <m:sSub>
+                                  <m:sSubPr>
+                                    <m:ctrlPr>
+                                      <a:rPr lang="fr-FR" sz="1800" i="1">
+                                        <a:latin typeface="Cambria Math" panose="02040503050406030204" pitchFamily="18" charset="0"/>
+                                      </a:rPr>
+                                    </m:ctrlPr>
+                                  </m:sSubPr>
+                                  <m:e>
+                                    <m:r>
+                                      <a:rPr lang="fr-FR" sz="1800" i="1">
+                                        <a:latin typeface="Cambria Math" panose="02040503050406030204" pitchFamily="18" charset="0"/>
+                                      </a:rPr>
+                                      <m:t>𝛼</m:t>
+                                    </m:r>
+                                  </m:e>
+                                  <m:sub>
+                                    <m:r>
+                                      <a:rPr lang="fr-FR" sz="1800" i="1">
+                                        <a:latin typeface="Cambria Math" panose="02040503050406030204" pitchFamily="18" charset="0"/>
+                                      </a:rPr>
+                                      <m:t>1</m:t>
+                                    </m:r>
+                                  </m:sub>
+                                </m:sSub>
+                              </m:e>
+                            </m:func>
+                          </m:e>
+                          <m:e>
+                            <m:r>
+                              <a:rPr lang="fr-FR" sz="1800" i="1">
+                                <a:latin typeface="Cambria Math" panose="02040503050406030204" pitchFamily="18" charset="0"/>
+                              </a:rPr>
+                              <m:t>𝑐</m:t>
+                            </m:r>
+                            <m:func>
+                              <m:funcPr>
+                                <m:ctrlPr>
+                                  <a:rPr lang="fr-FR" sz="1800" i="1">
+                                    <a:latin typeface="Cambria Math" panose="02040503050406030204" pitchFamily="18" charset="0"/>
+                                  </a:rPr>
+                                </m:ctrlPr>
+                              </m:funcPr>
+                              <m:fName>
+                                <m:r>
+                                  <m:rPr>
+                                    <m:sty m:val="p"/>
+                                  </m:rPr>
+                                  <a:rPr lang="fr-FR" sz="1800">
+                                    <a:latin typeface="Cambria Math" panose="02040503050406030204" pitchFamily="18" charset="0"/>
+                                  </a:rPr>
+                                  <m:t>sin</m:t>
+                                </m:r>
+                              </m:fName>
+                              <m:e>
+                                <m:d>
+                                  <m:dPr>
+                                    <m:ctrlPr>
+                                      <a:rPr lang="fr-FR" sz="1800" i="1">
+                                        <a:latin typeface="Cambria Math" panose="02040503050406030204" pitchFamily="18" charset="0"/>
+                                      </a:rPr>
+                                    </m:ctrlPr>
+                                  </m:dPr>
+                                  <m:e>
+                                    <m:sSub>
+                                      <m:sSubPr>
+                                        <m:ctrlPr>
+                                          <a:rPr lang="fr-FR" sz="1800" i="1">
+                                            <a:latin typeface="Cambria Math" panose="02040503050406030204" pitchFamily="18" charset="0"/>
+                                          </a:rPr>
+                                        </m:ctrlPr>
+                                      </m:sSubPr>
+                                      <m:e>
+                                        <m:r>
+                                          <a:rPr lang="fr-FR" sz="1800" i="1">
+                                            <a:latin typeface="Cambria Math" panose="02040503050406030204" pitchFamily="18" charset="0"/>
+                                          </a:rPr>
+                                          <m:t>𝛼</m:t>
+                                        </m:r>
+                                      </m:e>
+                                      <m:sub>
+                                        <m:r>
+                                          <a:rPr lang="fr-FR" sz="1800" i="1">
+                                            <a:latin typeface="Cambria Math" panose="02040503050406030204" pitchFamily="18" charset="0"/>
+                                          </a:rPr>
+                                          <m:t>1</m:t>
+                                        </m:r>
+                                      </m:sub>
+                                    </m:sSub>
+                                    <m:r>
+                                      <a:rPr lang="fr-FR" sz="1800" i="1">
+                                        <a:latin typeface="Cambria Math" panose="02040503050406030204" pitchFamily="18" charset="0"/>
+                                      </a:rPr>
+                                      <m:t>+</m:t>
+                                    </m:r>
+                                    <m:sSub>
+                                      <m:sSubPr>
+                                        <m:ctrlPr>
+                                          <a:rPr lang="fr-FR" sz="1800" i="1">
+                                            <a:latin typeface="Cambria Math" panose="02040503050406030204" pitchFamily="18" charset="0"/>
+                                          </a:rPr>
+                                        </m:ctrlPr>
+                                      </m:sSubPr>
+                                      <m:e>
+                                        <m:r>
+                                          <a:rPr lang="fr-FR" sz="1800" i="1">
+                                            <a:latin typeface="Cambria Math" panose="02040503050406030204" pitchFamily="18" charset="0"/>
+                                          </a:rPr>
+                                          <m:t>𝛼</m:t>
+                                        </m:r>
+                                      </m:e>
+                                      <m:sub>
+                                        <m:r>
+                                          <a:rPr lang="fr-FR" sz="1800" i="1">
+                                            <a:latin typeface="Cambria Math" panose="02040503050406030204" pitchFamily="18" charset="0"/>
+                                          </a:rPr>
+                                          <m:t>4</m:t>
+                                        </m:r>
+                                      </m:sub>
+                                    </m:sSub>
+                                  </m:e>
+                                </m:d>
+                              </m:e>
+                            </m:func>
+                            <m:r>
+                              <a:rPr lang="fr-FR" sz="1800" i="1">
+                                <a:latin typeface="Cambria Math" panose="02040503050406030204" pitchFamily="18" charset="0"/>
+                              </a:rPr>
+                              <m:t>=</m:t>
+                            </m:r>
+                            <m:r>
+                              <a:rPr lang="fr-FR" sz="1800" i="1">
+                                <a:latin typeface="Cambria Math" panose="02040503050406030204" pitchFamily="18" charset="0"/>
+                              </a:rPr>
+                              <m:t>𝑦</m:t>
+                            </m:r>
+                            <m:r>
+                              <a:rPr lang="fr-FR" sz="1800" b="0" i="1" smtClean="0">
+                                <a:latin typeface="Cambria Math" panose="02040503050406030204" pitchFamily="18" charset="0"/>
+                              </a:rPr>
+                              <m:t>−</m:t>
+                            </m:r>
+                            <m:r>
+                              <a:rPr lang="fr-FR" sz="1800" i="1">
+                                <a:latin typeface="Cambria Math" panose="02040503050406030204" pitchFamily="18" charset="0"/>
+                              </a:rPr>
+                              <m:t>𝑏</m:t>
+                            </m:r>
+                            <m:func>
+                              <m:funcPr>
+                                <m:ctrlPr>
+                                  <a:rPr lang="fr-FR" sz="1800" i="1">
+                                    <a:latin typeface="Cambria Math" panose="02040503050406030204" pitchFamily="18" charset="0"/>
+                                  </a:rPr>
+                                </m:ctrlPr>
+                              </m:funcPr>
+                              <m:fName>
+                                <m:r>
+                                  <m:rPr>
+                                    <m:sty m:val="p"/>
+                                  </m:rPr>
+                                  <a:rPr lang="fr-FR" sz="1800">
+                                    <a:latin typeface="Cambria Math" panose="02040503050406030204" pitchFamily="18" charset="0"/>
+                                  </a:rPr>
+                                  <m:t>sin</m:t>
+                                </m:r>
+                              </m:fName>
+                              <m:e>
+                                <m:sSub>
+                                  <m:sSubPr>
+                                    <m:ctrlPr>
+                                      <a:rPr lang="fr-FR" sz="1800" i="1">
+                                        <a:latin typeface="Cambria Math" panose="02040503050406030204" pitchFamily="18" charset="0"/>
+                                      </a:rPr>
+                                    </m:ctrlPr>
+                                  </m:sSubPr>
+                                  <m:e>
+                                    <m:r>
+                                      <a:rPr lang="fr-FR" sz="1800" i="1">
+                                        <a:latin typeface="Cambria Math" panose="02040503050406030204" pitchFamily="18" charset="0"/>
+                                      </a:rPr>
+                                      <m:t>𝛼</m:t>
+                                    </m:r>
+                                  </m:e>
+                                  <m:sub>
+                                    <m:r>
+                                      <a:rPr lang="fr-FR" sz="1800" i="1">
+                                        <a:latin typeface="Cambria Math" panose="02040503050406030204" pitchFamily="18" charset="0"/>
+                                      </a:rPr>
+                                      <m:t>1</m:t>
+                                    </m:r>
+                                  </m:sub>
+                                </m:sSub>
+                              </m:e>
+                            </m:func>
+                          </m:e>
+                        </m:eqArr>
+                      </m:e>
+                    </m:d>
+                  </m:oMath>
+                </a14:m>
+                <a:endParaRPr lang="fr-FR" sz="1800" dirty="0"/>
+              </a:p>
+              <a:p>
+                <a14:m>
+                  <m:oMath xmlns:m="http://schemas.openxmlformats.org/officeDocument/2006/math">
+                    <m:r>
+                      <a:rPr lang="fr-FR" sz="1800" i="1" smtClean="0">
+                        <a:latin typeface="Cambria Math" panose="02040503050406030204" pitchFamily="18" charset="0"/>
+                      </a:rPr>
+                      <m:t>⟹</m:t>
+                    </m:r>
+                    <m:sSup>
+                      <m:sSupPr>
+                        <m:ctrlPr>
+                          <a:rPr lang="fr-FR" sz="1800" b="0" i="1" smtClean="0">
+                            <a:latin typeface="Cambria Math" panose="02040503050406030204" pitchFamily="18" charset="0"/>
+                          </a:rPr>
+                        </m:ctrlPr>
+                      </m:sSupPr>
+                      <m:e>
+                        <m:r>
+                          <a:rPr lang="fr-FR" sz="1800" b="0" i="1" smtClean="0">
+                            <a:latin typeface="Cambria Math" panose="02040503050406030204" pitchFamily="18" charset="0"/>
+                          </a:rPr>
+                          <m:t>𝑐</m:t>
+                        </m:r>
+                      </m:e>
+                      <m:sup>
+                        <m:r>
+                          <a:rPr lang="fr-FR" sz="1800" b="0" i="1" smtClean="0">
+                            <a:latin typeface="Cambria Math" panose="02040503050406030204" pitchFamily="18" charset="0"/>
+                          </a:rPr>
+                          <m:t>2</m:t>
+                        </m:r>
+                      </m:sup>
+                    </m:sSup>
+                    <m:r>
+                      <a:rPr lang="fr-FR" sz="1800" b="0" i="1" smtClean="0">
+                        <a:latin typeface="Cambria Math" panose="02040503050406030204" pitchFamily="18" charset="0"/>
+                      </a:rPr>
+                      <m:t>=</m:t>
+                    </m:r>
+                    <m:sSup>
+                      <m:sSupPr>
+                        <m:ctrlPr>
+                          <a:rPr lang="fr-FR" sz="1800" b="0" i="1" smtClean="0">
+                            <a:solidFill>
+                              <a:srgbClr val="FF0000"/>
+                            </a:solidFill>
+                            <a:latin typeface="Cambria Math" panose="02040503050406030204" pitchFamily="18" charset="0"/>
+                          </a:rPr>
+                        </m:ctrlPr>
+                      </m:sSupPr>
+                      <m:e>
+                        <m:r>
+                          <a:rPr lang="fr-FR" sz="1800" b="0" i="1" smtClean="0">
+                            <a:solidFill>
+                              <a:srgbClr val="FF0000"/>
+                            </a:solidFill>
+                            <a:latin typeface="Cambria Math" panose="02040503050406030204" pitchFamily="18" charset="0"/>
+                          </a:rPr>
+                          <m:t>𝑥</m:t>
+                        </m:r>
+                      </m:e>
+                      <m:sup>
+                        <m:r>
+                          <a:rPr lang="fr-FR" sz="1800" b="0" i="1" smtClean="0">
+                            <a:solidFill>
+                              <a:srgbClr val="FF0000"/>
+                            </a:solidFill>
+                            <a:latin typeface="Cambria Math" panose="02040503050406030204" pitchFamily="18" charset="0"/>
+                          </a:rPr>
+                          <m:t>2</m:t>
+                        </m:r>
+                      </m:sup>
+                    </m:sSup>
+                    <m:r>
+                      <a:rPr lang="fr-FR" sz="1800" b="0" i="1" smtClean="0">
+                        <a:solidFill>
+                          <a:srgbClr val="FF0000"/>
+                        </a:solidFill>
+                        <a:latin typeface="Cambria Math" panose="02040503050406030204" pitchFamily="18" charset="0"/>
+                      </a:rPr>
+                      <m:t>+</m:t>
+                    </m:r>
+                    <m:sSup>
+                      <m:sSupPr>
+                        <m:ctrlPr>
+                          <a:rPr lang="fr-FR" sz="1800" b="0" i="1" smtClean="0">
+                            <a:solidFill>
+                              <a:srgbClr val="FF0000"/>
+                            </a:solidFill>
+                            <a:latin typeface="Cambria Math" panose="02040503050406030204" pitchFamily="18" charset="0"/>
+                          </a:rPr>
+                        </m:ctrlPr>
+                      </m:sSupPr>
+                      <m:e>
+                        <m:r>
+                          <a:rPr lang="fr-FR" sz="1800" b="0" i="1" smtClean="0">
+                            <a:solidFill>
+                              <a:srgbClr val="FF0000"/>
+                            </a:solidFill>
+                            <a:latin typeface="Cambria Math" panose="02040503050406030204" pitchFamily="18" charset="0"/>
+                          </a:rPr>
+                          <m:t>𝑎</m:t>
+                        </m:r>
+                      </m:e>
+                      <m:sup>
+                        <m:r>
+                          <a:rPr lang="fr-FR" sz="1800" b="0" i="1" smtClean="0">
+                            <a:solidFill>
+                              <a:srgbClr val="FF0000"/>
+                            </a:solidFill>
+                            <a:latin typeface="Cambria Math" panose="02040503050406030204" pitchFamily="18" charset="0"/>
+                          </a:rPr>
+                          <m:t>2</m:t>
+                        </m:r>
+                      </m:sup>
+                    </m:sSup>
+                    <m:r>
+                      <a:rPr lang="fr-FR" sz="1800" b="0" i="1" smtClean="0">
+                        <a:latin typeface="Cambria Math" panose="02040503050406030204" pitchFamily="18" charset="0"/>
+                      </a:rPr>
+                      <m:t>+</m:t>
+                    </m:r>
+                    <m:sSup>
+                      <m:sSupPr>
+                        <m:ctrlPr>
+                          <a:rPr lang="fr-FR" sz="1800" b="0" i="1" smtClean="0">
+                            <a:solidFill>
+                              <a:srgbClr val="FF0000"/>
+                            </a:solidFill>
+                            <a:latin typeface="Cambria Math" panose="02040503050406030204" pitchFamily="18" charset="0"/>
+                          </a:rPr>
+                        </m:ctrlPr>
+                      </m:sSupPr>
+                      <m:e>
+                        <m:r>
+                          <a:rPr lang="fr-FR" sz="1800" b="0" i="1" smtClean="0">
+                            <a:solidFill>
+                              <a:srgbClr val="FF0000"/>
+                            </a:solidFill>
+                            <a:latin typeface="Cambria Math" panose="02040503050406030204" pitchFamily="18" charset="0"/>
+                          </a:rPr>
+                          <m:t>𝑏</m:t>
+                        </m:r>
+                      </m:e>
+                      <m:sup>
+                        <m:r>
+                          <a:rPr lang="fr-FR" sz="1800" b="0" i="1" smtClean="0">
+                            <a:solidFill>
+                              <a:srgbClr val="FF0000"/>
+                            </a:solidFill>
+                            <a:latin typeface="Cambria Math" panose="02040503050406030204" pitchFamily="18" charset="0"/>
+                          </a:rPr>
+                          <m:t>2</m:t>
+                        </m:r>
+                      </m:sup>
+                    </m:sSup>
+                    <m:func>
+                      <m:funcPr>
+                        <m:ctrlPr>
+                          <a:rPr lang="fr-FR" sz="1800" b="0" i="1" smtClean="0">
+                            <a:solidFill>
+                              <a:srgbClr val="FF0000"/>
+                            </a:solidFill>
+                            <a:latin typeface="Cambria Math" panose="02040503050406030204" pitchFamily="18" charset="0"/>
+                          </a:rPr>
+                        </m:ctrlPr>
+                      </m:funcPr>
+                      <m:fName>
+                        <m:sSup>
+                          <m:sSupPr>
+                            <m:ctrlPr>
+                              <a:rPr lang="fr-FR" sz="1800" b="0" i="1" smtClean="0">
+                                <a:solidFill>
+                                  <a:srgbClr val="FF0000"/>
+                                </a:solidFill>
+                                <a:latin typeface="Cambria Math" panose="02040503050406030204" pitchFamily="18" charset="0"/>
+                              </a:rPr>
+                            </m:ctrlPr>
+                          </m:sSupPr>
+                          <m:e>
+                            <m:r>
+                              <m:rPr>
+                                <m:sty m:val="p"/>
+                              </m:rPr>
+                              <a:rPr lang="fr-FR" sz="1800" b="0" i="0" smtClean="0">
+                                <a:solidFill>
+                                  <a:srgbClr val="FF0000"/>
+                                </a:solidFill>
+                                <a:latin typeface="Cambria Math" panose="02040503050406030204" pitchFamily="18" charset="0"/>
+                              </a:rPr>
+                              <m:t>cos</m:t>
+                            </m:r>
+                          </m:e>
+                          <m:sup>
+                            <m:r>
+                              <a:rPr lang="fr-FR" sz="1800" b="0" i="1" smtClean="0">
+                                <a:solidFill>
+                                  <a:srgbClr val="FF0000"/>
+                                </a:solidFill>
+                                <a:latin typeface="Cambria Math" panose="02040503050406030204" pitchFamily="18" charset="0"/>
+                              </a:rPr>
+                              <m:t>2</m:t>
+                            </m:r>
+                          </m:sup>
+                        </m:sSup>
+                      </m:fName>
+                      <m:e>
+                        <m:sSub>
+                          <m:sSubPr>
+                            <m:ctrlPr>
+                              <a:rPr lang="fr-FR" sz="1800" b="0" i="1" smtClean="0">
+                                <a:solidFill>
+                                  <a:srgbClr val="FF0000"/>
+                                </a:solidFill>
+                                <a:latin typeface="Cambria Math" panose="02040503050406030204" pitchFamily="18" charset="0"/>
+                              </a:rPr>
+                            </m:ctrlPr>
+                          </m:sSubPr>
+                          <m:e>
+                            <m:r>
+                              <a:rPr lang="fr-FR" sz="1800" b="0" i="1" smtClean="0">
+                                <a:solidFill>
+                                  <a:srgbClr val="FF0000"/>
+                                </a:solidFill>
+                                <a:latin typeface="Cambria Math" panose="02040503050406030204" pitchFamily="18" charset="0"/>
+                              </a:rPr>
+                              <m:t>𝛼</m:t>
+                            </m:r>
+                          </m:e>
+                          <m:sub>
+                            <m:r>
+                              <a:rPr lang="fr-FR" sz="1800" b="0" i="1" smtClean="0">
+                                <a:solidFill>
+                                  <a:srgbClr val="FF0000"/>
+                                </a:solidFill>
+                                <a:latin typeface="Cambria Math" panose="02040503050406030204" pitchFamily="18" charset="0"/>
+                              </a:rPr>
+                              <m:t>1</m:t>
+                            </m:r>
+                          </m:sub>
+                        </m:sSub>
+                      </m:e>
+                    </m:func>
+                    <m:r>
+                      <a:rPr lang="fr-FR" sz="1800" b="0" i="1" smtClean="0">
+                        <a:latin typeface="Cambria Math" panose="02040503050406030204" pitchFamily="18" charset="0"/>
+                      </a:rPr>
+                      <m:t>+</m:t>
+                    </m:r>
+                    <m:r>
+                      <a:rPr lang="fr-FR" sz="1800" b="0" i="1" smtClean="0">
+                        <a:solidFill>
+                          <a:srgbClr val="FF0000"/>
+                        </a:solidFill>
+                        <a:latin typeface="Cambria Math" panose="02040503050406030204" pitchFamily="18" charset="0"/>
+                      </a:rPr>
+                      <m:t>2</m:t>
+                    </m:r>
+                    <m:r>
+                      <a:rPr lang="fr-FR" sz="1800" b="0" i="1" smtClean="0">
+                        <a:solidFill>
+                          <a:srgbClr val="FF0000"/>
+                        </a:solidFill>
+                        <a:latin typeface="Cambria Math" panose="02040503050406030204" pitchFamily="18" charset="0"/>
+                      </a:rPr>
+                      <m:t>𝑎𝑏</m:t>
+                    </m:r>
+                    <m:func>
+                      <m:funcPr>
+                        <m:ctrlPr>
+                          <a:rPr lang="fr-FR" sz="1800" b="0" i="1" smtClean="0">
+                            <a:solidFill>
+                              <a:srgbClr val="FF0000"/>
+                            </a:solidFill>
+                            <a:latin typeface="Cambria Math" panose="02040503050406030204" pitchFamily="18" charset="0"/>
+                          </a:rPr>
+                        </m:ctrlPr>
+                      </m:funcPr>
+                      <m:fName>
+                        <m:r>
+                          <m:rPr>
+                            <m:sty m:val="p"/>
+                          </m:rPr>
+                          <a:rPr lang="fr-FR" sz="1800" b="0" i="0" smtClean="0">
+                            <a:solidFill>
+                              <a:srgbClr val="FF0000"/>
+                            </a:solidFill>
+                            <a:latin typeface="Cambria Math" panose="02040503050406030204" pitchFamily="18" charset="0"/>
+                          </a:rPr>
+                          <m:t>cos</m:t>
+                        </m:r>
+                      </m:fName>
+                      <m:e>
+                        <m:sSub>
+                          <m:sSubPr>
+                            <m:ctrlPr>
+                              <a:rPr lang="fr-FR" sz="1800" b="0" i="1" smtClean="0">
+                                <a:solidFill>
+                                  <a:srgbClr val="FF0000"/>
+                                </a:solidFill>
+                                <a:latin typeface="Cambria Math" panose="02040503050406030204" pitchFamily="18" charset="0"/>
+                              </a:rPr>
+                            </m:ctrlPr>
+                          </m:sSubPr>
+                          <m:e>
+                            <m:r>
+                              <a:rPr lang="fr-FR" sz="1800" b="0" i="1" smtClean="0">
+                                <a:solidFill>
+                                  <a:srgbClr val="FF0000"/>
+                                </a:solidFill>
+                                <a:latin typeface="Cambria Math" panose="02040503050406030204" pitchFamily="18" charset="0"/>
+                              </a:rPr>
+                              <m:t>𝛼</m:t>
+                            </m:r>
+                          </m:e>
+                          <m:sub>
+                            <m:r>
+                              <a:rPr lang="fr-FR" sz="1800" b="0" i="1" smtClean="0">
+                                <a:solidFill>
+                                  <a:srgbClr val="FF0000"/>
+                                </a:solidFill>
+                                <a:latin typeface="Cambria Math" panose="02040503050406030204" pitchFamily="18" charset="0"/>
+                              </a:rPr>
+                              <m:t>1</m:t>
+                            </m:r>
+                          </m:sub>
+                        </m:sSub>
+                      </m:e>
+                    </m:func>
+                    <m:r>
+                      <a:rPr lang="fr-FR" sz="1800" b="0" i="1" smtClean="0">
+                        <a:solidFill>
+                          <a:srgbClr val="FF0000"/>
+                        </a:solidFill>
+                        <a:latin typeface="Cambria Math" panose="02040503050406030204" pitchFamily="18" charset="0"/>
+                      </a:rPr>
+                      <m:t>−2</m:t>
+                    </m:r>
+                    <m:r>
+                      <a:rPr lang="fr-FR" sz="1800" b="0" i="1" smtClean="0">
+                        <a:solidFill>
+                          <a:srgbClr val="FF0000"/>
+                        </a:solidFill>
+                        <a:latin typeface="Cambria Math" panose="02040503050406030204" pitchFamily="18" charset="0"/>
+                      </a:rPr>
+                      <m:t>𝑥𝑎</m:t>
+                    </m:r>
+                    <m:r>
+                      <a:rPr lang="fr-FR" sz="1800" b="0" i="1" smtClean="0">
+                        <a:solidFill>
+                          <a:srgbClr val="FF0000"/>
+                        </a:solidFill>
+                        <a:latin typeface="Cambria Math" panose="02040503050406030204" pitchFamily="18" charset="0"/>
+                      </a:rPr>
+                      <m:t>−2</m:t>
+                    </m:r>
+                    <m:r>
+                      <a:rPr lang="fr-FR" sz="1800" b="0" i="1" smtClean="0">
+                        <a:solidFill>
+                          <a:srgbClr val="FF0000"/>
+                        </a:solidFill>
+                        <a:latin typeface="Cambria Math" panose="02040503050406030204" pitchFamily="18" charset="0"/>
+                      </a:rPr>
+                      <m:t>𝑥𝑏</m:t>
+                    </m:r>
+                    <m:func>
+                      <m:funcPr>
+                        <m:ctrlPr>
+                          <a:rPr lang="fr-FR" sz="1800" b="0" i="1" smtClean="0">
+                            <a:solidFill>
+                              <a:srgbClr val="FF0000"/>
+                            </a:solidFill>
+                            <a:latin typeface="Cambria Math" panose="02040503050406030204" pitchFamily="18" charset="0"/>
+                          </a:rPr>
+                        </m:ctrlPr>
+                      </m:funcPr>
+                      <m:fName>
+                        <m:r>
+                          <m:rPr>
+                            <m:sty m:val="p"/>
+                          </m:rPr>
+                          <a:rPr lang="fr-FR" sz="1800" b="0" i="0" smtClean="0">
+                            <a:solidFill>
+                              <a:srgbClr val="FF0000"/>
+                            </a:solidFill>
+                            <a:latin typeface="Cambria Math" panose="02040503050406030204" pitchFamily="18" charset="0"/>
+                          </a:rPr>
+                          <m:t>cos</m:t>
+                        </m:r>
+                      </m:fName>
+                      <m:e>
+                        <m:sSub>
+                          <m:sSubPr>
+                            <m:ctrlPr>
+                              <a:rPr lang="fr-FR" sz="1800" b="0" i="1" smtClean="0">
+                                <a:solidFill>
+                                  <a:srgbClr val="FF0000"/>
+                                </a:solidFill>
+                                <a:latin typeface="Cambria Math" panose="02040503050406030204" pitchFamily="18" charset="0"/>
+                              </a:rPr>
+                            </m:ctrlPr>
+                          </m:sSubPr>
+                          <m:e>
+                            <m:r>
+                              <a:rPr lang="fr-FR" sz="1800" b="0" i="1" smtClean="0">
+                                <a:solidFill>
+                                  <a:srgbClr val="FF0000"/>
+                                </a:solidFill>
+                                <a:latin typeface="Cambria Math" panose="02040503050406030204" pitchFamily="18" charset="0"/>
+                              </a:rPr>
+                              <m:t>𝛼</m:t>
+                            </m:r>
+                          </m:e>
+                          <m:sub>
+                            <m:r>
+                              <a:rPr lang="fr-FR" sz="1800" b="0" i="1" smtClean="0">
+                                <a:solidFill>
+                                  <a:srgbClr val="FF0000"/>
+                                </a:solidFill>
+                                <a:latin typeface="Cambria Math" panose="02040503050406030204" pitchFamily="18" charset="0"/>
+                              </a:rPr>
+                              <m:t>1</m:t>
+                            </m:r>
+                          </m:sub>
+                        </m:sSub>
+                      </m:e>
+                    </m:func>
+                    <m:r>
+                      <a:rPr lang="fr-FR" sz="1800" b="0" i="1" smtClean="0">
+                        <a:latin typeface="Cambria Math" panose="02040503050406030204" pitchFamily="18" charset="0"/>
+                      </a:rPr>
+                      <m:t>+</m:t>
+                    </m:r>
+                    <m:sSup>
+                      <m:sSupPr>
+                        <m:ctrlPr>
+                          <a:rPr lang="fr-FR" sz="1800" b="0" i="1" smtClean="0">
+                            <a:latin typeface="Cambria Math" panose="02040503050406030204" pitchFamily="18" charset="0"/>
+                          </a:rPr>
+                        </m:ctrlPr>
+                      </m:sSupPr>
+                      <m:e>
+                        <m:r>
+                          <a:rPr lang="fr-FR" sz="1800" b="0" i="1" smtClean="0">
+                            <a:latin typeface="Cambria Math" panose="02040503050406030204" pitchFamily="18" charset="0"/>
+                          </a:rPr>
+                          <m:t>𝑦</m:t>
+                        </m:r>
+                      </m:e>
+                      <m:sup>
+                        <m:r>
+                          <a:rPr lang="fr-FR" sz="1800" b="0" i="1" smtClean="0">
+                            <a:latin typeface="Cambria Math" panose="02040503050406030204" pitchFamily="18" charset="0"/>
+                          </a:rPr>
+                          <m:t>2</m:t>
+                        </m:r>
+                      </m:sup>
+                    </m:sSup>
+                    <m:r>
+                      <a:rPr lang="fr-FR" sz="1800" b="0" i="1" smtClean="0">
+                        <a:latin typeface="Cambria Math" panose="02040503050406030204" pitchFamily="18" charset="0"/>
+                      </a:rPr>
+                      <m:t>+</m:t>
+                    </m:r>
+                    <m:sSup>
+                      <m:sSupPr>
+                        <m:ctrlPr>
+                          <a:rPr lang="fr-FR" sz="1800" b="0" i="1" smtClean="0">
+                            <a:latin typeface="Cambria Math" panose="02040503050406030204" pitchFamily="18" charset="0"/>
+                          </a:rPr>
+                        </m:ctrlPr>
+                      </m:sSupPr>
+                      <m:e>
+                        <m:r>
+                          <a:rPr lang="fr-FR" sz="1800" b="0" i="1" smtClean="0">
+                            <a:latin typeface="Cambria Math" panose="02040503050406030204" pitchFamily="18" charset="0"/>
+                          </a:rPr>
+                          <m:t>𝑏</m:t>
+                        </m:r>
+                      </m:e>
+                      <m:sup>
+                        <m:r>
+                          <a:rPr lang="fr-FR" sz="1800" b="0" i="1" smtClean="0">
+                            <a:latin typeface="Cambria Math" panose="02040503050406030204" pitchFamily="18" charset="0"/>
+                          </a:rPr>
+                          <m:t>2</m:t>
+                        </m:r>
+                      </m:sup>
+                    </m:sSup>
+                    <m:func>
+                      <m:funcPr>
+                        <m:ctrlPr>
+                          <a:rPr lang="fr-FR" sz="1800" b="0" i="1" smtClean="0">
+                            <a:latin typeface="Cambria Math" panose="02040503050406030204" pitchFamily="18" charset="0"/>
+                          </a:rPr>
+                        </m:ctrlPr>
+                      </m:funcPr>
+                      <m:fName>
+                        <m:sSup>
+                          <m:sSupPr>
+                            <m:ctrlPr>
+                              <a:rPr lang="fr-FR" sz="1800" b="0" i="1" smtClean="0">
+                                <a:latin typeface="Cambria Math" panose="02040503050406030204" pitchFamily="18" charset="0"/>
+                              </a:rPr>
+                            </m:ctrlPr>
+                          </m:sSupPr>
+                          <m:e>
+                            <m:r>
+                              <m:rPr>
+                                <m:sty m:val="p"/>
+                              </m:rPr>
+                              <a:rPr lang="fr-FR" sz="1800" b="0" i="0" smtClean="0">
+                                <a:latin typeface="Cambria Math" panose="02040503050406030204" pitchFamily="18" charset="0"/>
+                              </a:rPr>
+                              <m:t>sin</m:t>
+                            </m:r>
+                          </m:e>
+                          <m:sup>
+                            <m:r>
+                              <a:rPr lang="fr-FR" sz="1800" b="0" i="1" smtClean="0">
+                                <a:latin typeface="Cambria Math" panose="02040503050406030204" pitchFamily="18" charset="0"/>
+                              </a:rPr>
+                              <m:t>2</m:t>
+                            </m:r>
+                          </m:sup>
+                        </m:sSup>
+                      </m:fName>
+                      <m:e>
+                        <m:sSub>
+                          <m:sSubPr>
+                            <m:ctrlPr>
+                              <a:rPr lang="fr-FR" sz="1800" b="0" i="1" smtClean="0">
+                                <a:latin typeface="Cambria Math" panose="02040503050406030204" pitchFamily="18" charset="0"/>
+                              </a:rPr>
+                            </m:ctrlPr>
+                          </m:sSubPr>
+                          <m:e>
+                            <m:r>
+                              <a:rPr lang="fr-FR" sz="1800" b="0" i="1" smtClean="0">
+                                <a:latin typeface="Cambria Math" panose="02040503050406030204" pitchFamily="18" charset="0"/>
+                              </a:rPr>
+                              <m:t>𝛼</m:t>
+                            </m:r>
+                          </m:e>
+                          <m:sub>
+                            <m:r>
+                              <a:rPr lang="fr-FR" sz="1800" b="0" i="1" smtClean="0">
+                                <a:latin typeface="Cambria Math" panose="02040503050406030204" pitchFamily="18" charset="0"/>
+                              </a:rPr>
+                              <m:t>1</m:t>
+                            </m:r>
+                          </m:sub>
+                        </m:sSub>
+                      </m:e>
+                    </m:func>
+                    <m:r>
+                      <a:rPr lang="fr-FR" sz="1800" b="0" i="1" smtClean="0">
+                        <a:latin typeface="Cambria Math" panose="02040503050406030204" pitchFamily="18" charset="0"/>
+                      </a:rPr>
+                      <m:t>−2</m:t>
+                    </m:r>
+                    <m:r>
+                      <a:rPr lang="fr-FR" sz="1800" b="0" i="1" smtClean="0">
+                        <a:latin typeface="Cambria Math" panose="02040503050406030204" pitchFamily="18" charset="0"/>
+                      </a:rPr>
+                      <m:t>𝑦𝑏</m:t>
+                    </m:r>
+                    <m:func>
+                      <m:funcPr>
+                        <m:ctrlPr>
+                          <a:rPr lang="fr-FR" sz="1800" b="0" i="1" smtClean="0">
+                            <a:latin typeface="Cambria Math" panose="02040503050406030204" pitchFamily="18" charset="0"/>
+                          </a:rPr>
+                        </m:ctrlPr>
+                      </m:funcPr>
+                      <m:fName>
+                        <m:r>
+                          <m:rPr>
+                            <m:sty m:val="p"/>
+                          </m:rPr>
+                          <a:rPr lang="fr-FR" sz="1800" b="0" i="0" smtClean="0">
+                            <a:latin typeface="Cambria Math" panose="02040503050406030204" pitchFamily="18" charset="0"/>
+                          </a:rPr>
+                          <m:t>sin</m:t>
+                        </m:r>
+                      </m:fName>
+                      <m:e>
+                        <m:sSub>
+                          <m:sSubPr>
+                            <m:ctrlPr>
+                              <a:rPr lang="fr-FR" sz="1800" b="0" i="1" smtClean="0">
+                                <a:latin typeface="Cambria Math" panose="02040503050406030204" pitchFamily="18" charset="0"/>
+                              </a:rPr>
+                            </m:ctrlPr>
+                          </m:sSubPr>
+                          <m:e>
+                            <m:r>
+                              <a:rPr lang="fr-FR" sz="1800" b="0" i="1" smtClean="0">
+                                <a:latin typeface="Cambria Math" panose="02040503050406030204" pitchFamily="18" charset="0"/>
+                              </a:rPr>
+                              <m:t>𝛼</m:t>
+                            </m:r>
+                          </m:e>
+                          <m:sub>
+                            <m:r>
+                              <a:rPr lang="fr-FR" sz="1800" b="0" i="1" smtClean="0">
+                                <a:latin typeface="Cambria Math" panose="02040503050406030204" pitchFamily="18" charset="0"/>
+                              </a:rPr>
+                              <m:t>1</m:t>
+                            </m:r>
+                          </m:sub>
+                        </m:sSub>
+                      </m:e>
+                    </m:func>
+                  </m:oMath>
+                </a14:m>
+                <a:endParaRPr lang="fr-FR" sz="1800" dirty="0"/>
+              </a:p>
+              <a:p>
+                <a14:m>
+                  <m:oMath xmlns:m="http://schemas.openxmlformats.org/officeDocument/2006/math">
+                    <m:r>
+                      <a:rPr lang="fr-FR" sz="1800" i="1" smtClean="0">
+                        <a:latin typeface="Cambria Math" panose="02040503050406030204" pitchFamily="18" charset="0"/>
+                      </a:rPr>
+                      <m:t>⟹</m:t>
+                    </m:r>
+                    <m:sSup>
+                      <m:sSupPr>
+                        <m:ctrlPr>
+                          <a:rPr lang="fr-FR" sz="1800" b="0" i="1" smtClean="0">
+                            <a:latin typeface="Cambria Math" panose="02040503050406030204" pitchFamily="18" charset="0"/>
+                          </a:rPr>
+                        </m:ctrlPr>
+                      </m:sSupPr>
+                      <m:e>
+                        <m:r>
+                          <a:rPr lang="fr-FR" sz="1800" b="0" i="1" smtClean="0">
+                            <a:latin typeface="Cambria Math" panose="02040503050406030204" pitchFamily="18" charset="0"/>
+                          </a:rPr>
+                          <m:t>𝑐</m:t>
+                        </m:r>
+                      </m:e>
+                      <m:sup>
+                        <m:r>
+                          <a:rPr lang="fr-FR" sz="1800" b="0" i="1" smtClean="0">
+                            <a:latin typeface="Cambria Math" panose="02040503050406030204" pitchFamily="18" charset="0"/>
+                          </a:rPr>
+                          <m:t>2</m:t>
+                        </m:r>
+                      </m:sup>
+                    </m:sSup>
+                    <m:r>
+                      <a:rPr lang="fr-FR" sz="1800" b="0" i="1" smtClean="0">
+                        <a:latin typeface="Cambria Math" panose="02040503050406030204" pitchFamily="18" charset="0"/>
+                      </a:rPr>
+                      <m:t>=</m:t>
+                    </m:r>
+                    <m:sSup>
+                      <m:sSupPr>
+                        <m:ctrlPr>
+                          <a:rPr lang="fr-FR" sz="1800" b="0" i="1" smtClean="0">
+                            <a:latin typeface="Cambria Math" panose="02040503050406030204" pitchFamily="18" charset="0"/>
+                          </a:rPr>
+                        </m:ctrlPr>
+                      </m:sSupPr>
+                      <m:e>
+                        <m:r>
+                          <a:rPr lang="fr-FR" sz="1800" b="0" i="1" smtClean="0">
+                            <a:latin typeface="Cambria Math" panose="02040503050406030204" pitchFamily="18" charset="0"/>
+                          </a:rPr>
+                          <m:t>𝑥</m:t>
+                        </m:r>
+                      </m:e>
+                      <m:sup>
+                        <m:r>
+                          <a:rPr lang="fr-FR" sz="1800" b="0" i="1" smtClean="0">
+                            <a:latin typeface="Cambria Math" panose="02040503050406030204" pitchFamily="18" charset="0"/>
+                          </a:rPr>
+                          <m:t>2</m:t>
+                        </m:r>
+                      </m:sup>
+                    </m:sSup>
+                    <m:r>
+                      <a:rPr lang="fr-FR" sz="1800" b="0" i="1" smtClean="0">
+                        <a:latin typeface="Cambria Math" panose="02040503050406030204" pitchFamily="18" charset="0"/>
+                      </a:rPr>
+                      <m:t>+</m:t>
+                    </m:r>
+                    <m:sSup>
+                      <m:sSupPr>
+                        <m:ctrlPr>
+                          <a:rPr lang="fr-FR" sz="1800" b="0" i="1" smtClean="0">
+                            <a:latin typeface="Cambria Math" panose="02040503050406030204" pitchFamily="18" charset="0"/>
+                          </a:rPr>
+                        </m:ctrlPr>
+                      </m:sSupPr>
+                      <m:e>
+                        <m:r>
+                          <a:rPr lang="fr-FR" sz="1800" b="0" i="1" smtClean="0">
+                            <a:latin typeface="Cambria Math" panose="02040503050406030204" pitchFamily="18" charset="0"/>
+                          </a:rPr>
+                          <m:t>𝑎</m:t>
+                        </m:r>
+                      </m:e>
+                      <m:sup>
+                        <m:r>
+                          <a:rPr lang="fr-FR" sz="1800" b="0" i="1" smtClean="0">
+                            <a:latin typeface="Cambria Math" panose="02040503050406030204" pitchFamily="18" charset="0"/>
+                          </a:rPr>
+                          <m:t>2</m:t>
+                        </m:r>
+                      </m:sup>
+                    </m:sSup>
+                    <m:r>
+                      <a:rPr lang="fr-FR" sz="1800" b="0" i="1" smtClean="0">
+                        <a:latin typeface="Cambria Math" panose="02040503050406030204" pitchFamily="18" charset="0"/>
+                      </a:rPr>
+                      <m:t>+</m:t>
+                    </m:r>
+                    <m:sSup>
+                      <m:sSupPr>
+                        <m:ctrlPr>
+                          <a:rPr lang="fr-FR" sz="1800" b="0" i="1" smtClean="0">
+                            <a:latin typeface="Cambria Math" panose="02040503050406030204" pitchFamily="18" charset="0"/>
+                          </a:rPr>
+                        </m:ctrlPr>
+                      </m:sSupPr>
+                      <m:e>
+                        <m:r>
+                          <a:rPr lang="fr-FR" sz="1800" b="0" i="1" smtClean="0">
+                            <a:latin typeface="Cambria Math" panose="02040503050406030204" pitchFamily="18" charset="0"/>
+                          </a:rPr>
+                          <m:t>𝑏</m:t>
+                        </m:r>
+                      </m:e>
+                      <m:sup>
+                        <m:r>
+                          <a:rPr lang="fr-FR" sz="1800" b="0" i="1" smtClean="0">
+                            <a:latin typeface="Cambria Math" panose="02040503050406030204" pitchFamily="18" charset="0"/>
+                          </a:rPr>
+                          <m:t>2</m:t>
+                        </m:r>
+                      </m:sup>
+                    </m:sSup>
+                    <m:r>
+                      <a:rPr lang="fr-FR" sz="1800" b="0" i="1" smtClean="0">
+                        <a:latin typeface="Cambria Math" panose="02040503050406030204" pitchFamily="18" charset="0"/>
+                      </a:rPr>
+                      <m:t>−2</m:t>
+                    </m:r>
+                    <m:r>
+                      <a:rPr lang="fr-FR" sz="1800" i="1">
+                        <a:latin typeface="Cambria Math" panose="02040503050406030204" pitchFamily="18" charset="0"/>
+                      </a:rPr>
+                      <m:t>𝑏</m:t>
+                    </m:r>
+                    <m:d>
+                      <m:dPr>
+                        <m:ctrlPr>
+                          <a:rPr lang="fr-FR" sz="1800" b="0" i="1" smtClean="0">
+                            <a:latin typeface="Cambria Math" panose="02040503050406030204" pitchFamily="18" charset="0"/>
+                          </a:rPr>
+                        </m:ctrlPr>
+                      </m:dPr>
+                      <m:e>
+                        <m:r>
+                          <a:rPr lang="fr-FR" sz="1800" i="1">
+                            <a:latin typeface="Cambria Math" panose="02040503050406030204" pitchFamily="18" charset="0"/>
+                          </a:rPr>
+                          <m:t>𝑥</m:t>
+                        </m:r>
+                        <m:r>
+                          <a:rPr lang="fr-FR" sz="1800" i="1">
+                            <a:latin typeface="Cambria Math" panose="02040503050406030204" pitchFamily="18" charset="0"/>
+                          </a:rPr>
+                          <m:t>−</m:t>
+                        </m:r>
+                        <m:r>
+                          <a:rPr lang="fr-FR" sz="1800" i="1">
+                            <a:latin typeface="Cambria Math" panose="02040503050406030204" pitchFamily="18" charset="0"/>
+                          </a:rPr>
+                          <m:t>𝑎</m:t>
+                        </m:r>
+                      </m:e>
+                    </m:d>
+                    <m:func>
+                      <m:funcPr>
+                        <m:ctrlPr>
+                          <a:rPr lang="fr-FR" sz="1800" b="0" i="1" smtClean="0">
+                            <a:latin typeface="Cambria Math" panose="02040503050406030204" pitchFamily="18" charset="0"/>
+                          </a:rPr>
+                        </m:ctrlPr>
+                      </m:funcPr>
+                      <m:fName>
+                        <m:r>
+                          <m:rPr>
+                            <m:sty m:val="p"/>
+                          </m:rPr>
+                          <a:rPr lang="fr-FR" sz="1800" b="0" i="0" smtClean="0">
+                            <a:latin typeface="Cambria Math" panose="02040503050406030204" pitchFamily="18" charset="0"/>
+                          </a:rPr>
+                          <m:t>cos</m:t>
+                        </m:r>
+                      </m:fName>
+                      <m:e>
+                        <m:sSub>
+                          <m:sSubPr>
+                            <m:ctrlPr>
+                              <a:rPr lang="fr-FR" sz="1800" b="0" i="1" smtClean="0">
+                                <a:latin typeface="Cambria Math" panose="02040503050406030204" pitchFamily="18" charset="0"/>
+                              </a:rPr>
+                            </m:ctrlPr>
+                          </m:sSubPr>
+                          <m:e>
+                            <m:r>
+                              <a:rPr lang="fr-FR" sz="1800" b="0" i="1" smtClean="0">
+                                <a:latin typeface="Cambria Math" panose="02040503050406030204" pitchFamily="18" charset="0"/>
+                              </a:rPr>
+                              <m:t>𝛼</m:t>
+                            </m:r>
+                          </m:e>
+                          <m:sub>
+                            <m:r>
+                              <a:rPr lang="fr-FR" sz="1800" b="0" i="1" smtClean="0">
+                                <a:latin typeface="Cambria Math" panose="02040503050406030204" pitchFamily="18" charset="0"/>
+                              </a:rPr>
+                              <m:t>1</m:t>
+                            </m:r>
+                          </m:sub>
+                        </m:sSub>
+                      </m:e>
+                    </m:func>
+                    <m:r>
+                      <a:rPr lang="fr-FR" sz="1800" b="0" i="1" smtClean="0">
+                        <a:latin typeface="Cambria Math" panose="02040503050406030204" pitchFamily="18" charset="0"/>
+                      </a:rPr>
+                      <m:t>−2</m:t>
+                    </m:r>
+                    <m:r>
+                      <a:rPr lang="fr-FR" sz="1800" b="0" i="1" smtClean="0">
+                        <a:latin typeface="Cambria Math" panose="02040503050406030204" pitchFamily="18" charset="0"/>
+                      </a:rPr>
+                      <m:t>𝑥𝑎</m:t>
+                    </m:r>
+                    <m:r>
+                      <a:rPr lang="fr-FR" sz="1800" b="0" i="1" smtClean="0">
+                        <a:latin typeface="Cambria Math" panose="02040503050406030204" pitchFamily="18" charset="0"/>
+                      </a:rPr>
+                      <m:t>+</m:t>
+                    </m:r>
+                    <m:sSup>
+                      <m:sSupPr>
+                        <m:ctrlPr>
+                          <a:rPr lang="fr-FR" sz="1800" b="0" i="1" smtClean="0">
+                            <a:latin typeface="Cambria Math" panose="02040503050406030204" pitchFamily="18" charset="0"/>
+                          </a:rPr>
+                        </m:ctrlPr>
+                      </m:sSupPr>
+                      <m:e>
+                        <m:r>
+                          <a:rPr lang="fr-FR" sz="1800" b="0" i="1" smtClean="0">
+                            <a:latin typeface="Cambria Math" panose="02040503050406030204" pitchFamily="18" charset="0"/>
+                          </a:rPr>
+                          <m:t>𝑦</m:t>
+                        </m:r>
+                      </m:e>
+                      <m:sup>
+                        <m:r>
+                          <a:rPr lang="fr-FR" sz="1800" b="0" i="1" smtClean="0">
+                            <a:latin typeface="Cambria Math" panose="02040503050406030204" pitchFamily="18" charset="0"/>
+                          </a:rPr>
+                          <m:t>2</m:t>
+                        </m:r>
+                      </m:sup>
+                    </m:sSup>
+                    <m:r>
+                      <a:rPr lang="fr-FR" sz="1800" b="0" i="1" smtClean="0">
+                        <a:latin typeface="Cambria Math" panose="02040503050406030204" pitchFamily="18" charset="0"/>
+                      </a:rPr>
+                      <m:t>−2</m:t>
+                    </m:r>
+                    <m:r>
+                      <a:rPr lang="fr-FR" sz="1800" b="0" i="1" smtClean="0">
+                        <a:latin typeface="Cambria Math" panose="02040503050406030204" pitchFamily="18" charset="0"/>
+                      </a:rPr>
+                      <m:t>𝑦𝑏</m:t>
+                    </m:r>
+                    <m:func>
+                      <m:funcPr>
+                        <m:ctrlPr>
+                          <a:rPr lang="fr-FR" sz="1800" b="0" i="1" smtClean="0">
+                            <a:latin typeface="Cambria Math" panose="02040503050406030204" pitchFamily="18" charset="0"/>
+                          </a:rPr>
+                        </m:ctrlPr>
+                      </m:funcPr>
+                      <m:fName>
+                        <m:r>
+                          <m:rPr>
+                            <m:sty m:val="p"/>
+                          </m:rPr>
+                          <a:rPr lang="fr-FR" sz="1800" b="0" i="0" smtClean="0">
+                            <a:latin typeface="Cambria Math" panose="02040503050406030204" pitchFamily="18" charset="0"/>
+                          </a:rPr>
+                          <m:t>sin</m:t>
+                        </m:r>
+                      </m:fName>
+                      <m:e>
+                        <m:sSub>
+                          <m:sSubPr>
+                            <m:ctrlPr>
+                              <a:rPr lang="fr-FR" sz="1800" b="0" i="1" smtClean="0">
+                                <a:latin typeface="Cambria Math" panose="02040503050406030204" pitchFamily="18" charset="0"/>
+                              </a:rPr>
+                            </m:ctrlPr>
+                          </m:sSubPr>
+                          <m:e>
+                            <m:r>
+                              <a:rPr lang="fr-FR" sz="1800" b="0" i="1" smtClean="0">
+                                <a:latin typeface="Cambria Math" panose="02040503050406030204" pitchFamily="18" charset="0"/>
+                              </a:rPr>
+                              <m:t>𝛼</m:t>
+                            </m:r>
+                          </m:e>
+                          <m:sub>
+                            <m:r>
+                              <a:rPr lang="fr-FR" sz="1800" b="0" i="1" smtClean="0">
+                                <a:latin typeface="Cambria Math" panose="02040503050406030204" pitchFamily="18" charset="0"/>
+                              </a:rPr>
+                              <m:t>1</m:t>
+                            </m:r>
+                          </m:sub>
+                        </m:sSub>
+                      </m:e>
+                    </m:func>
+                  </m:oMath>
+                </a14:m>
+                <a:endParaRPr lang="fr-FR" sz="1800" dirty="0"/>
+              </a:p>
+              <a:p>
+                <a14:m>
+                  <m:oMath xmlns:m="http://schemas.openxmlformats.org/officeDocument/2006/math">
+                    <m:r>
+                      <a:rPr lang="fr-FR" sz="1800" i="1" smtClean="0">
+                        <a:latin typeface="Cambria Math" panose="02040503050406030204" pitchFamily="18" charset="0"/>
+                      </a:rPr>
+                      <m:t>⟹</m:t>
+                    </m:r>
+                    <m:r>
+                      <a:rPr lang="fr-FR" sz="1800" b="0" i="1" smtClean="0">
+                        <a:latin typeface="Cambria Math" panose="02040503050406030204" pitchFamily="18" charset="0"/>
+                      </a:rPr>
+                      <m:t>2</m:t>
+                    </m:r>
+                    <m:r>
+                      <a:rPr lang="fr-FR" sz="1800" i="1">
+                        <a:latin typeface="Cambria Math" panose="02040503050406030204" pitchFamily="18" charset="0"/>
+                      </a:rPr>
+                      <m:t>𝑏</m:t>
+                    </m:r>
+                    <m:d>
+                      <m:dPr>
+                        <m:ctrlPr>
+                          <a:rPr lang="fr-FR" sz="1800" i="1">
+                            <a:latin typeface="Cambria Math" panose="02040503050406030204" pitchFamily="18" charset="0"/>
+                          </a:rPr>
+                        </m:ctrlPr>
+                      </m:dPr>
+                      <m:e>
+                        <m:r>
+                          <a:rPr lang="fr-FR" sz="1800" i="1">
+                            <a:latin typeface="Cambria Math" panose="02040503050406030204" pitchFamily="18" charset="0"/>
+                          </a:rPr>
+                          <m:t>𝑥</m:t>
+                        </m:r>
+                        <m:r>
+                          <a:rPr lang="fr-FR" sz="1800" i="1">
+                            <a:latin typeface="Cambria Math" panose="02040503050406030204" pitchFamily="18" charset="0"/>
+                          </a:rPr>
+                          <m:t>−</m:t>
+                        </m:r>
+                        <m:r>
+                          <a:rPr lang="fr-FR" sz="1800" i="1">
+                            <a:latin typeface="Cambria Math" panose="02040503050406030204" pitchFamily="18" charset="0"/>
+                          </a:rPr>
+                          <m:t>𝑎</m:t>
+                        </m:r>
+                      </m:e>
+                    </m:d>
+                    <m:func>
+                      <m:funcPr>
+                        <m:ctrlPr>
+                          <a:rPr lang="fr-FR" sz="1800" i="1">
+                            <a:latin typeface="Cambria Math" panose="02040503050406030204" pitchFamily="18" charset="0"/>
+                          </a:rPr>
+                        </m:ctrlPr>
+                      </m:funcPr>
+                      <m:fName>
+                        <m:r>
+                          <m:rPr>
+                            <m:sty m:val="p"/>
+                          </m:rPr>
+                          <a:rPr lang="fr-FR" sz="1800">
+                            <a:latin typeface="Cambria Math" panose="02040503050406030204" pitchFamily="18" charset="0"/>
+                          </a:rPr>
+                          <m:t>cos</m:t>
+                        </m:r>
+                      </m:fName>
+                      <m:e>
+                        <m:sSub>
+                          <m:sSubPr>
+                            <m:ctrlPr>
+                              <a:rPr lang="fr-FR" sz="1800" i="1">
+                                <a:latin typeface="Cambria Math" panose="02040503050406030204" pitchFamily="18" charset="0"/>
+                              </a:rPr>
+                            </m:ctrlPr>
+                          </m:sSubPr>
+                          <m:e>
+                            <m:r>
+                              <a:rPr lang="fr-FR" sz="1800" i="1">
+                                <a:latin typeface="Cambria Math" panose="02040503050406030204" pitchFamily="18" charset="0"/>
+                              </a:rPr>
+                              <m:t>𝛼</m:t>
+                            </m:r>
+                          </m:e>
+                          <m:sub>
+                            <m:r>
+                              <a:rPr lang="fr-FR" sz="1800" i="1">
+                                <a:latin typeface="Cambria Math" panose="02040503050406030204" pitchFamily="18" charset="0"/>
+                              </a:rPr>
+                              <m:t>1</m:t>
+                            </m:r>
+                          </m:sub>
+                        </m:sSub>
+                      </m:e>
+                    </m:func>
+                    <m:r>
+                      <a:rPr lang="fr-FR" sz="1800" b="0" i="1" smtClean="0">
+                        <a:latin typeface="Cambria Math" panose="02040503050406030204" pitchFamily="18" charset="0"/>
+                      </a:rPr>
+                      <m:t>+</m:t>
+                    </m:r>
+                    <m:r>
+                      <a:rPr lang="fr-FR" sz="1800" i="1">
+                        <a:latin typeface="Cambria Math" panose="02040503050406030204" pitchFamily="18" charset="0"/>
+                      </a:rPr>
+                      <m:t>2</m:t>
+                    </m:r>
+                    <m:r>
+                      <a:rPr lang="fr-FR" sz="1800" i="1">
+                        <a:latin typeface="Cambria Math" panose="02040503050406030204" pitchFamily="18" charset="0"/>
+                      </a:rPr>
+                      <m:t>𝑦𝑏</m:t>
+                    </m:r>
+                    <m:func>
+                      <m:funcPr>
+                        <m:ctrlPr>
+                          <a:rPr lang="fr-FR" sz="1800" i="1">
+                            <a:latin typeface="Cambria Math" panose="02040503050406030204" pitchFamily="18" charset="0"/>
+                          </a:rPr>
+                        </m:ctrlPr>
+                      </m:funcPr>
+                      <m:fName>
+                        <m:r>
+                          <m:rPr>
+                            <m:sty m:val="p"/>
+                          </m:rPr>
+                          <a:rPr lang="fr-FR" sz="1800">
+                            <a:latin typeface="Cambria Math" panose="02040503050406030204" pitchFamily="18" charset="0"/>
+                          </a:rPr>
+                          <m:t>sin</m:t>
+                        </m:r>
+                      </m:fName>
+                      <m:e>
+                        <m:sSub>
+                          <m:sSubPr>
+                            <m:ctrlPr>
+                              <a:rPr lang="fr-FR" sz="1800" i="1">
+                                <a:latin typeface="Cambria Math" panose="02040503050406030204" pitchFamily="18" charset="0"/>
+                              </a:rPr>
+                            </m:ctrlPr>
+                          </m:sSubPr>
+                          <m:e>
+                            <m:r>
+                              <a:rPr lang="fr-FR" sz="1800" i="1">
+                                <a:latin typeface="Cambria Math" panose="02040503050406030204" pitchFamily="18" charset="0"/>
+                              </a:rPr>
+                              <m:t>𝛼</m:t>
+                            </m:r>
+                          </m:e>
+                          <m:sub>
+                            <m:r>
+                              <a:rPr lang="fr-FR" sz="1800" i="1">
+                                <a:latin typeface="Cambria Math" panose="02040503050406030204" pitchFamily="18" charset="0"/>
+                              </a:rPr>
+                              <m:t>1</m:t>
+                            </m:r>
+                          </m:sub>
+                        </m:sSub>
+                      </m:e>
+                    </m:func>
+                    <m:r>
+                      <a:rPr lang="fr-FR" sz="1800" b="0" i="1" smtClean="0">
+                        <a:latin typeface="Cambria Math" panose="02040503050406030204" pitchFamily="18" charset="0"/>
+                      </a:rPr>
+                      <m:t>=</m:t>
+                    </m:r>
+                    <m:sSup>
+                      <m:sSupPr>
+                        <m:ctrlPr>
+                          <a:rPr lang="fr-FR" sz="1800" b="0" i="1" smtClean="0">
+                            <a:latin typeface="Cambria Math" panose="02040503050406030204" pitchFamily="18" charset="0"/>
+                          </a:rPr>
+                        </m:ctrlPr>
+                      </m:sSupPr>
+                      <m:e>
+                        <m:r>
+                          <a:rPr lang="fr-FR" sz="1800" b="0" i="1" smtClean="0">
+                            <a:latin typeface="Cambria Math" panose="02040503050406030204" pitchFamily="18" charset="0"/>
+                          </a:rPr>
+                          <m:t>𝑥</m:t>
+                        </m:r>
+                      </m:e>
+                      <m:sup>
+                        <m:r>
+                          <a:rPr lang="fr-FR" sz="1800" b="0" i="1" smtClean="0">
+                            <a:latin typeface="Cambria Math" panose="02040503050406030204" pitchFamily="18" charset="0"/>
+                          </a:rPr>
+                          <m:t>2</m:t>
+                        </m:r>
+                      </m:sup>
+                    </m:sSup>
+                    <m:r>
+                      <a:rPr lang="fr-FR" sz="1800" b="0" i="1" smtClean="0">
+                        <a:latin typeface="Cambria Math" panose="02040503050406030204" pitchFamily="18" charset="0"/>
+                      </a:rPr>
+                      <m:t>+</m:t>
+                    </m:r>
+                    <m:sSup>
+                      <m:sSupPr>
+                        <m:ctrlPr>
+                          <a:rPr lang="fr-FR" sz="1800" b="0" i="1" smtClean="0">
+                            <a:latin typeface="Cambria Math" panose="02040503050406030204" pitchFamily="18" charset="0"/>
+                          </a:rPr>
+                        </m:ctrlPr>
+                      </m:sSupPr>
+                      <m:e>
+                        <m:r>
+                          <a:rPr lang="fr-FR" sz="1800" b="0" i="1" smtClean="0">
+                            <a:latin typeface="Cambria Math" panose="02040503050406030204" pitchFamily="18" charset="0"/>
+                          </a:rPr>
+                          <m:t>𝑎</m:t>
+                        </m:r>
+                      </m:e>
+                      <m:sup>
+                        <m:r>
+                          <a:rPr lang="fr-FR" sz="1800" b="0" i="1" smtClean="0">
+                            <a:latin typeface="Cambria Math" panose="02040503050406030204" pitchFamily="18" charset="0"/>
+                          </a:rPr>
+                          <m:t>2</m:t>
+                        </m:r>
+                      </m:sup>
+                    </m:sSup>
+                    <m:r>
+                      <a:rPr lang="fr-FR" sz="1800" b="0" i="1" smtClean="0">
+                        <a:latin typeface="Cambria Math" panose="02040503050406030204" pitchFamily="18" charset="0"/>
+                      </a:rPr>
+                      <m:t>+</m:t>
+                    </m:r>
+                    <m:sSup>
+                      <m:sSupPr>
+                        <m:ctrlPr>
+                          <a:rPr lang="fr-FR" sz="1800" b="0" i="1" smtClean="0">
+                            <a:latin typeface="Cambria Math" panose="02040503050406030204" pitchFamily="18" charset="0"/>
+                          </a:rPr>
+                        </m:ctrlPr>
+                      </m:sSupPr>
+                      <m:e>
+                        <m:r>
+                          <a:rPr lang="fr-FR" sz="1800" b="0" i="1" smtClean="0">
+                            <a:latin typeface="Cambria Math" panose="02040503050406030204" pitchFamily="18" charset="0"/>
+                          </a:rPr>
+                          <m:t>𝑏</m:t>
+                        </m:r>
+                      </m:e>
+                      <m:sup>
+                        <m:r>
+                          <a:rPr lang="fr-FR" sz="1800" b="0" i="1" smtClean="0">
+                            <a:latin typeface="Cambria Math" panose="02040503050406030204" pitchFamily="18" charset="0"/>
+                          </a:rPr>
+                          <m:t>2</m:t>
+                        </m:r>
+                      </m:sup>
+                    </m:sSup>
+                    <m:r>
+                      <a:rPr lang="fr-FR" sz="1800" b="0" i="1" smtClean="0">
+                        <a:latin typeface="Cambria Math" panose="02040503050406030204" pitchFamily="18" charset="0"/>
+                      </a:rPr>
+                      <m:t>−</m:t>
+                    </m:r>
+                    <m:sSup>
+                      <m:sSupPr>
+                        <m:ctrlPr>
+                          <a:rPr lang="fr-FR" sz="1800" i="1">
+                            <a:latin typeface="Cambria Math" panose="02040503050406030204" pitchFamily="18" charset="0"/>
+                          </a:rPr>
+                        </m:ctrlPr>
+                      </m:sSupPr>
+                      <m:e>
+                        <m:r>
+                          <a:rPr lang="fr-FR" sz="1800" i="1">
+                            <a:latin typeface="Cambria Math" panose="02040503050406030204" pitchFamily="18" charset="0"/>
+                          </a:rPr>
+                          <m:t>𝑐</m:t>
+                        </m:r>
+                      </m:e>
+                      <m:sup>
+                        <m:r>
+                          <a:rPr lang="fr-FR" sz="1800" i="1">
+                            <a:latin typeface="Cambria Math" panose="02040503050406030204" pitchFamily="18" charset="0"/>
+                          </a:rPr>
+                          <m:t>2</m:t>
+                        </m:r>
+                      </m:sup>
+                    </m:sSup>
+                    <m:r>
+                      <a:rPr lang="fr-FR" sz="1800" b="0" i="1" smtClean="0">
+                        <a:latin typeface="Cambria Math" panose="02040503050406030204" pitchFamily="18" charset="0"/>
+                      </a:rPr>
+                      <m:t>−2</m:t>
+                    </m:r>
+                    <m:r>
+                      <a:rPr lang="fr-FR" sz="1800" b="0" i="1" smtClean="0">
+                        <a:latin typeface="Cambria Math" panose="02040503050406030204" pitchFamily="18" charset="0"/>
+                      </a:rPr>
+                      <m:t>𝑥𝑎</m:t>
+                    </m:r>
+                    <m:r>
+                      <a:rPr lang="fr-FR" sz="1800" b="0" i="1" smtClean="0">
+                        <a:latin typeface="Cambria Math" panose="02040503050406030204" pitchFamily="18" charset="0"/>
+                      </a:rPr>
+                      <m:t>+</m:t>
+                    </m:r>
+                    <m:sSup>
+                      <m:sSupPr>
+                        <m:ctrlPr>
+                          <a:rPr lang="fr-FR" sz="1800" b="0" i="1" smtClean="0">
+                            <a:latin typeface="Cambria Math" panose="02040503050406030204" pitchFamily="18" charset="0"/>
+                          </a:rPr>
+                        </m:ctrlPr>
+                      </m:sSupPr>
+                      <m:e>
+                        <m:r>
+                          <a:rPr lang="fr-FR" sz="1800" b="0" i="1" smtClean="0">
+                            <a:latin typeface="Cambria Math" panose="02040503050406030204" pitchFamily="18" charset="0"/>
+                          </a:rPr>
+                          <m:t>𝑦</m:t>
+                        </m:r>
+                      </m:e>
+                      <m:sup>
+                        <m:r>
+                          <a:rPr lang="fr-FR" sz="1800" b="0" i="1" smtClean="0">
+                            <a:latin typeface="Cambria Math" panose="02040503050406030204" pitchFamily="18" charset="0"/>
+                          </a:rPr>
+                          <m:t>2</m:t>
+                        </m:r>
+                      </m:sup>
+                    </m:sSup>
+                  </m:oMath>
+                </a14:m>
+                <a:endParaRPr lang="fr-FR" sz="1800" dirty="0"/>
+              </a:p>
+              <a:p>
+                <a:endParaRPr lang="fr-FR" sz="1800" dirty="0"/>
+              </a:p>
+              <a:p>
+                <a:endParaRPr lang="fr-FR" sz="1800" dirty="0"/>
+              </a:p>
+              <a:p>
                 <a:endParaRPr lang="fr-FR" sz="1800" dirty="0"/>
               </a:p>
               <a:p>
@@ -29295,13 +32479,13 @@
             </p:txBody>
           </p:sp>
         </mc:Choice>
-        <mc:Fallback xmlns="">
+        <mc:Fallback>
           <p:sp>
             <p:nvSpPr>
-              <p:cNvPr id="7" name="Espace réservé du contenu 2">
+              <p:cNvPr id="2" name="Espace réservé du contenu 2">
                 <a:extLst>
                   <a:ext uri="{FF2B5EF4-FFF2-40B4-BE49-F238E27FC236}">
-                    <a16:creationId xmlns:a16="http://schemas.microsoft.com/office/drawing/2014/main" id="{03282FC2-809C-1E5F-F010-505514B69E8A}"/>
+                    <a16:creationId xmlns:a16="http://schemas.microsoft.com/office/drawing/2014/main" id="{A708492D-190A-38F2-BEE0-A0BA1A04D817}"/>
                   </a:ext>
                 </a:extLst>
               </p:cNvPr>
@@ -29312,8 +32496,8 @@
             </p:nvSpPr>
             <p:spPr>
               <a:xfrm>
-                <a:off x="569020" y="5089793"/>
-                <a:ext cx="5257800" cy="1768207"/>
+                <a:off x="3233057" y="155729"/>
+                <a:ext cx="8958943" cy="5450414"/>
               </a:xfrm>
               <a:prstGeom prst="rect">
                 <a:avLst/>
@@ -29321,7 +32505,7 @@
               <a:blipFill>
                 <a:blip r:embed="rId5"/>
                 <a:stretch>
-                  <a:fillRect l="-695" t="-690"/>
+                  <a:fillRect l="-408" t="-783"/>
                 </a:stretch>
               </a:blipFill>
             </p:spPr>
@@ -29344,6 +32528,86 @@
     <p:extLst>
       <p:ext uri="{BB962C8B-B14F-4D97-AF65-F5344CB8AC3E}">
         <p14:creationId xmlns:p14="http://schemas.microsoft.com/office/powerpoint/2010/main" val="3775213606"/>
+      </p:ext>
+    </p:extLst>
+  </p:cSld>
+  <p:clrMapOvr>
+    <a:masterClrMapping/>
+  </p:clrMapOvr>
+</p:sld>
+</file>
+
+<file path=ppt/slides/slide9.xml><?xml version="1.0" encoding="utf-8"?>
+<p:sld xmlns:a="http://schemas.openxmlformats.org/drawingml/2006/main" xmlns:r="http://schemas.openxmlformats.org/officeDocument/2006/relationships" xmlns:p="http://schemas.openxmlformats.org/presentationml/2006/main">
+  <p:cSld>
+    <p:spTree>
+      <p:nvGrpSpPr>
+        <p:cNvPr id="1" name=""/>
+        <p:cNvGrpSpPr/>
+        <p:nvPr/>
+      </p:nvGrpSpPr>
+      <p:grpSpPr>
+        <a:xfrm>
+          <a:off x="0" y="0"/>
+          <a:ext cx="0" cy="0"/>
+          <a:chOff x="0" y="0"/>
+          <a:chExt cx="0" cy="0"/>
+        </a:xfrm>
+      </p:grpSpPr>
+      <p:sp>
+        <p:nvSpPr>
+          <p:cNvPr id="2" name="Titre 1">
+            <a:extLst>
+              <a:ext uri="{FF2B5EF4-FFF2-40B4-BE49-F238E27FC236}">
+                <a16:creationId xmlns:a16="http://schemas.microsoft.com/office/drawing/2014/main" id="{B23F5831-C3FB-6D5C-4AA7-555EA46C514D}"/>
+              </a:ext>
+            </a:extLst>
+          </p:cNvPr>
+          <p:cNvSpPr>
+            <a:spLocks noGrp="1"/>
+          </p:cNvSpPr>
+          <p:nvPr>
+            <p:ph type="title"/>
+          </p:nvPr>
+        </p:nvSpPr>
+        <p:spPr/>
+        <p:txBody>
+          <a:bodyPr/>
+          <a:lstStyle/>
+          <a:p>
+            <a:endParaRPr lang="fr-FR"/>
+          </a:p>
+        </p:txBody>
+      </p:sp>
+      <p:sp>
+        <p:nvSpPr>
+          <p:cNvPr id="3" name="Espace réservé du contenu 2">
+            <a:extLst>
+              <a:ext uri="{FF2B5EF4-FFF2-40B4-BE49-F238E27FC236}">
+                <a16:creationId xmlns:a16="http://schemas.microsoft.com/office/drawing/2014/main" id="{2B17A072-FA0D-26A4-64CE-3FBA16CA9677}"/>
+              </a:ext>
+            </a:extLst>
+          </p:cNvPr>
+          <p:cNvSpPr>
+            <a:spLocks noGrp="1"/>
+          </p:cNvSpPr>
+          <p:nvPr>
+            <p:ph idx="1"/>
+          </p:nvPr>
+        </p:nvSpPr>
+        <p:spPr/>
+        <p:txBody>
+          <a:bodyPr/>
+          <a:lstStyle/>
+          <a:p>
+            <a:endParaRPr lang="fr-FR"/>
+          </a:p>
+        </p:txBody>
+      </p:sp>
+    </p:spTree>
+    <p:extLst>
+      <p:ext uri="{BB962C8B-B14F-4D97-AF65-F5344CB8AC3E}">
+        <p14:creationId xmlns:p14="http://schemas.microsoft.com/office/powerpoint/2010/main" val="1300226562"/>
       </p:ext>
     </p:extLst>
   </p:cSld>
